--- a/pres-source/07-spark-and-adjuncts.pptx
+++ b/pres-source/07-spark-and-adjuncts.pptx
@@ -5,44 +5,45 @@
     <p:sldMasterId id="2147483648" r:id="rId1"/>
   </p:sldMasterIdLst>
   <p:notesMasterIdLst>
-    <p:notesMasterId r:id="rId37"/>
+    <p:notesMasterId r:id="rId38"/>
   </p:notesMasterIdLst>
   <p:sldIdLst>
     <p:sldId id="256" r:id="rId2"/>
     <p:sldId id="257" r:id="rId3"/>
     <p:sldId id="260" r:id="rId4"/>
-    <p:sldId id="264" r:id="rId5"/>
-    <p:sldId id="265" r:id="rId6"/>
-    <p:sldId id="295" r:id="rId7"/>
-    <p:sldId id="266" r:id="rId8"/>
-    <p:sldId id="273" r:id="rId9"/>
-    <p:sldId id="296" r:id="rId10"/>
-    <p:sldId id="297" r:id="rId11"/>
-    <p:sldId id="272" r:id="rId12"/>
-    <p:sldId id="280" r:id="rId13"/>
-    <p:sldId id="267" r:id="rId14"/>
-    <p:sldId id="282" r:id="rId15"/>
-    <p:sldId id="278" r:id="rId16"/>
-    <p:sldId id="279" r:id="rId17"/>
-    <p:sldId id="276" r:id="rId18"/>
-    <p:sldId id="268" r:id="rId19"/>
-    <p:sldId id="283" r:id="rId20"/>
-    <p:sldId id="277" r:id="rId21"/>
-    <p:sldId id="274" r:id="rId22"/>
-    <p:sldId id="281" r:id="rId23"/>
-    <p:sldId id="284" r:id="rId24"/>
-    <p:sldId id="275" r:id="rId25"/>
-    <p:sldId id="298" r:id="rId26"/>
-    <p:sldId id="294" r:id="rId27"/>
-    <p:sldId id="288" r:id="rId28"/>
-    <p:sldId id="285" r:id="rId29"/>
-    <p:sldId id="286" r:id="rId30"/>
-    <p:sldId id="287" r:id="rId31"/>
-    <p:sldId id="289" r:id="rId32"/>
-    <p:sldId id="290" r:id="rId33"/>
-    <p:sldId id="292" r:id="rId34"/>
-    <p:sldId id="291" r:id="rId35"/>
-    <p:sldId id="293" r:id="rId36"/>
+    <p:sldId id="299" r:id="rId5"/>
+    <p:sldId id="264" r:id="rId6"/>
+    <p:sldId id="265" r:id="rId7"/>
+    <p:sldId id="295" r:id="rId8"/>
+    <p:sldId id="266" r:id="rId9"/>
+    <p:sldId id="273" r:id="rId10"/>
+    <p:sldId id="296" r:id="rId11"/>
+    <p:sldId id="297" r:id="rId12"/>
+    <p:sldId id="272" r:id="rId13"/>
+    <p:sldId id="280" r:id="rId14"/>
+    <p:sldId id="267" r:id="rId15"/>
+    <p:sldId id="282" r:id="rId16"/>
+    <p:sldId id="278" r:id="rId17"/>
+    <p:sldId id="279" r:id="rId18"/>
+    <p:sldId id="276" r:id="rId19"/>
+    <p:sldId id="268" r:id="rId20"/>
+    <p:sldId id="283" r:id="rId21"/>
+    <p:sldId id="277" r:id="rId22"/>
+    <p:sldId id="274" r:id="rId23"/>
+    <p:sldId id="281" r:id="rId24"/>
+    <p:sldId id="284" r:id="rId25"/>
+    <p:sldId id="275" r:id="rId26"/>
+    <p:sldId id="298" r:id="rId27"/>
+    <p:sldId id="294" r:id="rId28"/>
+    <p:sldId id="288" r:id="rId29"/>
+    <p:sldId id="285" r:id="rId30"/>
+    <p:sldId id="286" r:id="rId31"/>
+    <p:sldId id="287" r:id="rId32"/>
+    <p:sldId id="289" r:id="rId33"/>
+    <p:sldId id="290" r:id="rId34"/>
+    <p:sldId id="292" r:id="rId35"/>
+    <p:sldId id="291" r:id="rId36"/>
+    <p:sldId id="293" r:id="rId37"/>
   </p:sldIdLst>
   <p:sldSz cx="9144000" cy="6858000" type="screen4x3"/>
   <p:notesSz cx="6858000" cy="9144000"/>
@@ -231,7 +232,7 @@
             <a:fld id="{7307762F-A706-E543-A832-3C298AA3103F}" type="datetimeFigureOut">
               <a:rPr lang="en-US" smtClean="0"/>
               <a:pPr/>
-              <a:t>12/11/15</a:t>
+              <a:t>16/11/15</a:t>
             </a:fld>
             <a:endParaRPr lang="en-US" dirty="0"/>
           </a:p>
@@ -805,7 +806,7 @@
             <a:fld id="{875CF0EB-321F-0749-B37A-89BBA859503C}" type="datetimeFigureOut">
               <a:rPr lang="en-US" smtClean="0"/>
               <a:pPr/>
-              <a:t>12/11/15</a:t>
+              <a:t>16/11/15</a:t>
             </a:fld>
             <a:endParaRPr lang="en-US" dirty="0"/>
           </a:p>
@@ -1029,7 +1030,7 @@
             <a:fld id="{875CF0EB-321F-0749-B37A-89BBA859503C}" type="datetimeFigureOut">
               <a:rPr lang="en-US" smtClean="0"/>
               <a:pPr/>
-              <a:t>12/11/15</a:t>
+              <a:t>16/11/15</a:t>
             </a:fld>
             <a:endParaRPr lang="en-US" dirty="0"/>
           </a:p>
@@ -1243,7 +1244,7 @@
             <a:fld id="{875CF0EB-321F-0749-B37A-89BBA859503C}" type="datetimeFigureOut">
               <a:rPr lang="en-US" smtClean="0"/>
               <a:pPr/>
-              <a:t>12/11/15</a:t>
+              <a:t>16/11/15</a:t>
             </a:fld>
             <a:endParaRPr lang="en-US" dirty="0"/>
           </a:p>
@@ -1533,7 +1534,7 @@
             <a:fld id="{875CF0EB-321F-0749-B37A-89BBA859503C}" type="datetimeFigureOut">
               <a:rPr lang="en-US" smtClean="0"/>
               <a:pPr/>
-              <a:t>12/11/15</a:t>
+              <a:t>16/11/15</a:t>
             </a:fld>
             <a:endParaRPr lang="en-US" dirty="0"/>
           </a:p>
@@ -1865,7 +1866,7 @@
             <a:fld id="{875CF0EB-321F-0749-B37A-89BBA859503C}" type="datetimeFigureOut">
               <a:rPr lang="en-US" smtClean="0"/>
               <a:pPr/>
-              <a:t>12/11/15</a:t>
+              <a:t>16/11/15</a:t>
             </a:fld>
             <a:endParaRPr lang="en-US" dirty="0"/>
           </a:p>
@@ -2331,7 +2332,7 @@
             <a:fld id="{875CF0EB-321F-0749-B37A-89BBA859503C}" type="datetimeFigureOut">
               <a:rPr lang="en-US" smtClean="0"/>
               <a:pPr/>
-              <a:t>12/11/15</a:t>
+              <a:t>16/11/15</a:t>
             </a:fld>
             <a:endParaRPr lang="en-US" dirty="0"/>
           </a:p>
@@ -2493,7 +2494,7 @@
             <a:fld id="{875CF0EB-321F-0749-B37A-89BBA859503C}" type="datetimeFigureOut">
               <a:rPr lang="en-US" smtClean="0"/>
               <a:pPr/>
-              <a:t>12/11/15</a:t>
+              <a:t>16/11/15</a:t>
             </a:fld>
             <a:endParaRPr lang="en-US" dirty="0"/>
           </a:p>
@@ -2632,7 +2633,7 @@
             <a:fld id="{875CF0EB-321F-0749-B37A-89BBA859503C}" type="datetimeFigureOut">
               <a:rPr lang="en-US" smtClean="0"/>
               <a:pPr/>
-              <a:t>12/11/15</a:t>
+              <a:t>16/11/15</a:t>
             </a:fld>
             <a:endParaRPr lang="en-US" dirty="0"/>
           </a:p>
@@ -2953,7 +2954,7 @@
             <a:fld id="{875CF0EB-321F-0749-B37A-89BBA859503C}" type="datetimeFigureOut">
               <a:rPr lang="en-US" smtClean="0"/>
               <a:pPr/>
-              <a:t>12/11/15</a:t>
+              <a:t>16/11/15</a:t>
             </a:fld>
             <a:endParaRPr lang="en-US" dirty="0"/>
           </a:p>
@@ -3250,7 +3251,7 @@
             <a:fld id="{875CF0EB-321F-0749-B37A-89BBA859503C}" type="datetimeFigureOut">
               <a:rPr lang="en-US" smtClean="0"/>
               <a:pPr/>
-              <a:t>12/11/15</a:t>
+              <a:t>16/11/15</a:t>
             </a:fld>
             <a:endParaRPr lang="en-US" dirty="0"/>
           </a:p>
@@ -4270,6 +4271,184 @@
           <a:lstStyle/>
           <a:p>
             <a:r>
+              <a:rPr lang="en-US" sz="3600" dirty="0" smtClean="0"/>
+              <a:t>Narrow and Wide dependencies</a:t>
+            </a:r>
+            <a:br>
+              <a:rPr lang="en-US" sz="3600" dirty="0" smtClean="0"/>
+            </a:br>
+            <a:endParaRPr lang="en-US" sz="3600" dirty="0"/>
+          </a:p>
+        </p:txBody>
+      </p:sp>
+      <p:pic>
+        <p:nvPicPr>
+          <p:cNvPr id="4" name="Picture 3"/>
+          <p:cNvPicPr>
+            <a:picLocks noChangeAspect="1"/>
+          </p:cNvPicPr>
+          <p:nvPr/>
+        </p:nvPicPr>
+        <p:blipFill>
+          <a:blip r:embed="rId2"/>
+          <a:stretch>
+            <a:fillRect/>
+          </a:stretch>
+        </p:blipFill>
+        <p:spPr>
+          <a:xfrm>
+            <a:off x="1235558" y="869537"/>
+            <a:ext cx="6616299" cy="4371674"/>
+          </a:xfrm>
+          <a:prstGeom prst="rect">
+            <a:avLst/>
+          </a:prstGeom>
+        </p:spPr>
+      </p:pic>
+      <p:sp>
+        <p:nvSpPr>
+          <p:cNvPr id="5" name="TextBox 4"/>
+          <p:cNvSpPr txBox="1"/>
+          <p:nvPr/>
+        </p:nvSpPr>
+        <p:spPr>
+          <a:xfrm>
+            <a:off x="2047185" y="6432507"/>
+            <a:ext cx="7096815" cy="369332"/>
+          </a:xfrm>
+          <a:prstGeom prst="rect">
+            <a:avLst/>
+          </a:prstGeom>
+          <a:noFill/>
+        </p:spPr>
+        <p:txBody>
+          <a:bodyPr wrap="none" rtlCol="0">
+            <a:spAutoFit/>
+          </a:bodyPr>
+          <a:lstStyle/>
+          <a:p>
+            <a:r>
+              <a:rPr lang="en-US" dirty="0"/>
+              <a:t>Source: </a:t>
+            </a:r>
+            <a:r>
+              <a:rPr lang="en-US" dirty="0">
+                <a:hlinkClick r:id="rId3"/>
+              </a:rPr>
+              <a:t>http://www.cs.berkeley.edu/~matei/papers/2012/</a:t>
+            </a:r>
+            <a:r>
+              <a:rPr lang="en-US" dirty="0" smtClean="0">
+                <a:hlinkClick r:id="rId3"/>
+              </a:rPr>
+              <a:t>nsdi_spark.pdf</a:t>
+            </a:r>
+            <a:r>
+              <a:rPr lang="en-US" dirty="0" smtClean="0"/>
+              <a:t> </a:t>
+            </a:r>
+            <a:endParaRPr lang="en-US" dirty="0"/>
+          </a:p>
+        </p:txBody>
+      </p:sp>
+      <p:sp>
+        <p:nvSpPr>
+          <p:cNvPr id="6" name="TextBox 5"/>
+          <p:cNvSpPr txBox="1"/>
+          <p:nvPr/>
+        </p:nvSpPr>
+        <p:spPr>
+          <a:xfrm>
+            <a:off x="2417008" y="5054560"/>
+            <a:ext cx="5694303" cy="954107"/>
+          </a:xfrm>
+          <a:prstGeom prst="rect">
+            <a:avLst/>
+          </a:prstGeom>
+          <a:noFill/>
+        </p:spPr>
+        <p:txBody>
+          <a:bodyPr wrap="square" rtlCol="0">
+            <a:spAutoFit/>
+          </a:bodyPr>
+          <a:lstStyle/>
+          <a:p>
+            <a:r>
+              <a:rPr lang="en-US" sz="1400" b="1" dirty="0" smtClean="0"/>
+              <a:t>Narrow dependencies:</a:t>
+            </a:r>
+            <a:br>
+              <a:rPr lang="en-US" sz="1400" b="1" dirty="0" smtClean="0"/>
+            </a:br>
+            <a:r>
+              <a:rPr lang="en-US" sz="1400" dirty="0" smtClean="0"/>
+              <a:t>Each partition of the parent is used by one child partition</a:t>
+            </a:r>
+          </a:p>
+          <a:p>
+            <a:r>
+              <a:rPr lang="en-US" sz="1400" b="1" dirty="0" smtClean="0"/>
+              <a:t>Wide Dependencies:</a:t>
+            </a:r>
+            <a:br>
+              <a:rPr lang="en-US" sz="1400" b="1" dirty="0" smtClean="0"/>
+            </a:br>
+            <a:r>
+              <a:rPr lang="en-US" sz="1400" dirty="0" smtClean="0"/>
+              <a:t>multiple child dependencies depend upon it</a:t>
+            </a:r>
+            <a:endParaRPr lang="en-US" sz="1400" dirty="0"/>
+          </a:p>
+        </p:txBody>
+      </p:sp>
+    </p:spTree>
+    <p:extLst>
+      <p:ext uri="{BB962C8B-B14F-4D97-AF65-F5344CB8AC3E}">
+        <p14:creationId xmlns:p14="http://schemas.microsoft.com/office/powerpoint/2010/main" val="717322989"/>
+      </p:ext>
+    </p:extLst>
+  </p:cSld>
+  <p:clrMapOvr>
+    <a:masterClrMapping/>
+  </p:clrMapOvr>
+</p:sld>
+</file>
+
+<file path=ppt/slides/slide11.xml><?xml version="1.0" encoding="utf-8"?>
+<p:sld xmlns:a="http://schemas.openxmlformats.org/drawingml/2006/main" xmlns:r="http://schemas.openxmlformats.org/officeDocument/2006/relationships" xmlns:p="http://schemas.openxmlformats.org/presentationml/2006/main">
+  <p:cSld>
+    <p:spTree>
+      <p:nvGrpSpPr>
+        <p:cNvPr id="1" name=""/>
+        <p:cNvGrpSpPr/>
+        <p:nvPr/>
+      </p:nvGrpSpPr>
+      <p:grpSpPr>
+        <a:xfrm>
+          <a:off x="0" y="0"/>
+          <a:ext cx="0" cy="0"/>
+          <a:chOff x="0" y="0"/>
+          <a:chExt cx="0" cy="0"/>
+        </a:xfrm>
+      </p:grpSpPr>
+      <p:sp>
+        <p:nvSpPr>
+          <p:cNvPr id="2" name="Title 1"/>
+          <p:cNvSpPr>
+            <a:spLocks noGrp="1"/>
+          </p:cNvSpPr>
+          <p:nvPr>
+            <p:ph type="title"/>
+          </p:nvPr>
+        </p:nvSpPr>
+        <p:spPr/>
+        <p:txBody>
+          <a:bodyPr>
+            <a:normAutofit fontScale="90000"/>
+          </a:bodyPr>
+          <a:lstStyle/>
+          <a:p>
+            <a:r>
               <a:rPr lang="en-US" sz="4000" dirty="0" smtClean="0"/>
               <a:t>How Spark computes jobs</a:t>
             </a:r>
@@ -4526,7 +4705,7 @@
 </p:sld>
 </file>
 
-<file path=ppt/slides/slide11.xml><?xml version="1.0" encoding="utf-8"?>
+<file path=ppt/slides/slide12.xml><?xml version="1.0" encoding="utf-8"?>
 <p:sld xmlns:a="http://schemas.openxmlformats.org/drawingml/2006/main" xmlns:r="http://schemas.openxmlformats.org/officeDocument/2006/relationships" xmlns:p="http://schemas.openxmlformats.org/presentationml/2006/main">
   <p:cSld>
     <p:spTree>
@@ -4615,7 +4794,7 @@
 </p:sld>
 </file>
 
-<file path=ppt/slides/slide12.xml><?xml version="1.0" encoding="utf-8"?>
+<file path=ppt/slides/slide13.xml><?xml version="1.0" encoding="utf-8"?>
 <p:sld xmlns:a="http://schemas.openxmlformats.org/drawingml/2006/main" xmlns:r="http://schemas.openxmlformats.org/officeDocument/2006/relationships" xmlns:p="http://schemas.openxmlformats.org/presentationml/2006/main">
   <p:cSld>
     <p:spTree>
@@ -4692,7 +4871,7 @@
 </p:sld>
 </file>
 
-<file path=ppt/slides/slide13.xml><?xml version="1.0" encoding="utf-8"?>
+<file path=ppt/slides/slide14.xml><?xml version="1.0" encoding="utf-8"?>
 <p:sld xmlns:a="http://schemas.openxmlformats.org/drawingml/2006/main" xmlns:r="http://schemas.openxmlformats.org/officeDocument/2006/relationships" xmlns:p="http://schemas.openxmlformats.org/presentationml/2006/main">
   <p:cSld>
     <p:spTree>
@@ -4851,7 +5030,7 @@
 </p:sld>
 </file>
 
-<file path=ppt/slides/slide14.xml><?xml version="1.0" encoding="utf-8"?>
+<file path=ppt/slides/slide15.xml><?xml version="1.0" encoding="utf-8"?>
 <p:sld xmlns:a="http://schemas.openxmlformats.org/drawingml/2006/main" xmlns:r="http://schemas.openxmlformats.org/officeDocument/2006/relationships" xmlns:p="http://schemas.openxmlformats.org/presentationml/2006/main">
   <p:cSld>
     <p:spTree>
@@ -4928,96 +5107,6 @@
 </p:sld>
 </file>
 
-<file path=ppt/slides/slide15.xml><?xml version="1.0" encoding="utf-8"?>
-<p:sld xmlns:a="http://schemas.openxmlformats.org/drawingml/2006/main" xmlns:r="http://schemas.openxmlformats.org/officeDocument/2006/relationships" xmlns:p="http://schemas.openxmlformats.org/presentationml/2006/main">
-  <p:cSld>
-    <p:spTree>
-      <p:nvGrpSpPr>
-        <p:cNvPr id="1" name=""/>
-        <p:cNvGrpSpPr/>
-        <p:nvPr/>
-      </p:nvGrpSpPr>
-      <p:grpSpPr>
-        <a:xfrm>
-          <a:off x="0" y="0"/>
-          <a:ext cx="0" cy="0"/>
-          <a:chOff x="0" y="0"/>
-          <a:chExt cx="0" cy="0"/>
-        </a:xfrm>
-      </p:grpSpPr>
-      <p:sp>
-        <p:nvSpPr>
-          <p:cNvPr id="2" name="Title 1"/>
-          <p:cNvSpPr>
-            <a:spLocks noGrp="1"/>
-          </p:cNvSpPr>
-          <p:nvPr>
-            <p:ph type="title"/>
-          </p:nvPr>
-        </p:nvSpPr>
-        <p:spPr/>
-        <p:txBody>
-          <a:bodyPr/>
-          <a:lstStyle/>
-          <a:p>
-            <a:r>
-              <a:rPr lang="en-US" dirty="0" smtClean="0"/>
-              <a:t>Lambda syntax</a:t>
-            </a:r>
-            <a:endParaRPr lang="en-US" dirty="0"/>
-          </a:p>
-        </p:txBody>
-      </p:sp>
-      <p:sp>
-        <p:nvSpPr>
-          <p:cNvPr id="3" name="Content Placeholder 2"/>
-          <p:cNvSpPr>
-            <a:spLocks noGrp="1"/>
-          </p:cNvSpPr>
-          <p:nvPr>
-            <p:ph idx="1"/>
-          </p:nvPr>
-        </p:nvSpPr>
-        <p:spPr/>
-        <p:txBody>
-          <a:bodyPr/>
-          <a:lstStyle/>
-          <a:p>
-            <a:r>
-              <a:rPr lang="en-US" dirty="0" smtClean="0"/>
-              <a:t>Lambda’s are unnamed functions</a:t>
-            </a:r>
-          </a:p>
-          <a:p>
-            <a:pPr lvl="1"/>
-            <a:r>
-              <a:rPr lang="en-US" dirty="0" smtClean="0"/>
-              <a:t>From Alonzo Church’s 1930s work on the Lambda Calculus</a:t>
-            </a:r>
-          </a:p>
-          <a:p>
-            <a:pPr lvl="1"/>
-            <a:r>
-              <a:rPr lang="en-US" dirty="0" smtClean="0"/>
-              <a:t>Recently added to Java</a:t>
-            </a:r>
-            <a:endParaRPr lang="en-US" dirty="0"/>
-          </a:p>
-        </p:txBody>
-      </p:sp>
-    </p:spTree>
-    <p:extLst>
-      <p:ext uri="{BB962C8B-B14F-4D97-AF65-F5344CB8AC3E}">
-        <p14:creationId xmlns:p14="http://schemas.microsoft.com/office/powerpoint/2010/main" val="2738737034"/>
-      </p:ext>
-    </p:extLst>
-  </p:cSld>
-  <p:clrMapOvr>
-    <a:masterClrMapping/>
-  </p:clrMapOvr>
-</p:sld>
-</file>
-
 <file path=ppt/slides/slide16.xml><?xml version="1.0" encoding="utf-8"?>
 <p:sld xmlns:a="http://schemas.openxmlformats.org/drawingml/2006/main" xmlns:r="http://schemas.openxmlformats.org/officeDocument/2006/relationships" xmlns:p="http://schemas.openxmlformats.org/presentationml/2006/main">
   <p:cSld>
@@ -5052,7 +5141,7 @@
           <a:p>
             <a:r>
               <a:rPr lang="en-US" dirty="0" smtClean="0"/>
-              <a:t>Lambda syntax in Python	</a:t>
+              <a:t>Lambda syntax</a:t>
             </a:r>
             <a:endParaRPr lang="en-US" dirty="0"/>
           </a:p>
@@ -5075,48 +5164,21 @@
           <a:p>
             <a:r>
               <a:rPr lang="en-US" dirty="0" smtClean="0"/>
-              <a:t>Simply:</a:t>
-            </a:r>
-          </a:p>
-          <a:p>
-            <a:endParaRPr lang="en-US" dirty="0"/>
-          </a:p>
-          <a:p>
-            <a:pPr marL="457200" lvl="1" indent="0">
-              <a:buNone/>
-            </a:pPr>
-            <a:r>
-              <a:rPr lang="en-US" dirty="0" smtClean="0"/>
-              <a:t>lambda x: </a:t>
-            </a:r>
-            <a:r>
-              <a:rPr lang="en-US" dirty="0" err="1" smtClean="0"/>
-              <a:t>x.split</a:t>
-            </a:r>
-            <a:r>
-              <a:rPr lang="en-US" dirty="0" smtClean="0"/>
-              <a:t>()</a:t>
-            </a:r>
-          </a:p>
-          <a:p>
-            <a:pPr marL="457200" lvl="1" indent="0">
-              <a:buNone/>
-            </a:pPr>
-            <a:r>
-              <a:rPr lang="en-US" dirty="0" smtClean="0"/>
-              <a:t>lambda </a:t>
-            </a:r>
-            <a:r>
-              <a:rPr lang="en-US" dirty="0" err="1" smtClean="0"/>
-              <a:t>x,y</a:t>
-            </a:r>
-            <a:r>
-              <a:rPr lang="en-US" dirty="0" smtClean="0"/>
-              <a:t>: </a:t>
-            </a:r>
-            <a:r>
-              <a:rPr lang="en-US" dirty="0" err="1" smtClean="0"/>
-              <a:t>x+y</a:t>
+              <a:t>Lambda’s are unnamed functions</a:t>
+            </a:r>
+          </a:p>
+          <a:p>
+            <a:pPr lvl="1"/>
+            <a:r>
+              <a:rPr lang="en-US" dirty="0" smtClean="0"/>
+              <a:t>From Alonzo Church’s 1930s work on the Lambda Calculus</a:t>
+            </a:r>
+          </a:p>
+          <a:p>
+            <a:pPr lvl="1"/>
+            <a:r>
+              <a:rPr lang="en-US" dirty="0" smtClean="0"/>
+              <a:t>Recently added to Java</a:t>
             </a:r>
             <a:endParaRPr lang="en-US" dirty="0"/>
           </a:p>
@@ -5125,7 +5187,7 @@
     </p:spTree>
     <p:extLst>
       <p:ext uri="{BB962C8B-B14F-4D97-AF65-F5344CB8AC3E}">
-        <p14:creationId xmlns:p14="http://schemas.microsoft.com/office/powerpoint/2010/main" val="4275047535"/>
+        <p14:creationId xmlns:p14="http://schemas.microsoft.com/office/powerpoint/2010/main" val="2738737034"/>
       </p:ext>
     </p:extLst>
   </p:cSld>
@@ -5169,7 +5231,7 @@
           <a:p>
             <a:r>
               <a:rPr lang="en-US" dirty="0" smtClean="0"/>
-              <a:t>Example</a:t>
+              <a:t>Lambda syntax in Python	</a:t>
             </a:r>
             <a:endParaRPr lang="en-US" dirty="0"/>
           </a:p>
@@ -5187,212 +5249,62 @@
         </p:nvSpPr>
         <p:spPr/>
         <p:txBody>
-          <a:bodyPr>
-            <a:normAutofit/>
-          </a:bodyPr>
+          <a:bodyPr/>
           <a:lstStyle/>
           <a:p>
-            <a:pPr marL="0" indent="0">
+            <a:r>
+              <a:rPr lang="en-US" dirty="0" smtClean="0"/>
+              <a:t>Simply:</a:t>
+            </a:r>
+          </a:p>
+          <a:p>
+            <a:endParaRPr lang="en-US" dirty="0"/>
+          </a:p>
+          <a:p>
+            <a:pPr marL="457200" lvl="1" indent="0">
               <a:buNone/>
             </a:pPr>
             <a:r>
-              <a:rPr lang="en-US" sz="2000" dirty="0" err="1" smtClean="0"/>
-              <a:t>sc</a:t>
-            </a:r>
-            <a:r>
-              <a:rPr lang="en-US" sz="2000" dirty="0" smtClean="0"/>
-              <a:t> = </a:t>
-            </a:r>
-            <a:r>
-              <a:rPr lang="en-US" sz="2000" dirty="0" err="1" smtClean="0"/>
-              <a:t>SparkContext</a:t>
-            </a:r>
-            <a:r>
-              <a:rPr lang="en-US" sz="2000" dirty="0" smtClean="0"/>
-              <a:t>() </a:t>
-            </a:r>
-          </a:p>
-          <a:p>
-            <a:pPr marL="0" indent="0">
+              <a:rPr lang="en-US" dirty="0" smtClean="0"/>
+              <a:t>lambda x: </a:t>
+            </a:r>
+            <a:r>
+              <a:rPr lang="en-US" dirty="0" err="1" smtClean="0"/>
+              <a:t>x.split</a:t>
+            </a:r>
+            <a:r>
+              <a:rPr lang="en-US" dirty="0" smtClean="0"/>
+              <a:t>()</a:t>
+            </a:r>
+          </a:p>
+          <a:p>
+            <a:pPr marL="457200" lvl="1" indent="0">
               <a:buNone/>
             </a:pPr>
-            <a:endParaRPr lang="en-US" sz="2000" dirty="0"/>
-          </a:p>
-          <a:p>
-            <a:pPr marL="0" indent="0">
-              <a:buNone/>
-            </a:pPr>
-            <a:r>
-              <a:rPr lang="en-US" sz="2000" dirty="0" smtClean="0"/>
-              <a:t>books </a:t>
-            </a:r>
-            <a:r>
-              <a:rPr lang="en-US" sz="2000" dirty="0"/>
-              <a:t>= </a:t>
-            </a:r>
-            <a:r>
-              <a:rPr lang="en-US" sz="2000" dirty="0" err="1"/>
-              <a:t>sc.textFile</a:t>
-            </a:r>
-            <a:r>
-              <a:rPr lang="en-US" sz="2000" dirty="0" smtClean="0"/>
-              <a:t>(“books/*”)</a:t>
-            </a:r>
-            <a:endParaRPr lang="en-US" sz="2000" dirty="0"/>
-          </a:p>
-          <a:p>
-            <a:pPr marL="0" indent="0">
-              <a:buNone/>
-            </a:pPr>
-            <a:r>
-              <a:rPr lang="en-US" sz="2000" dirty="0"/>
-              <a:t>split = </a:t>
-            </a:r>
-            <a:r>
-              <a:rPr lang="en-US" sz="2000" dirty="0" err="1"/>
-              <a:t>books.flatMap</a:t>
-            </a:r>
-            <a:r>
-              <a:rPr lang="en-US" sz="2000" dirty="0"/>
-              <a:t>(lambda line: </a:t>
-            </a:r>
-            <a:r>
-              <a:rPr lang="en-US" sz="2000" dirty="0" err="1"/>
-              <a:t>line.split</a:t>
-            </a:r>
-            <a:r>
-              <a:rPr lang="en-US" sz="2000" dirty="0"/>
-              <a:t>())</a:t>
-            </a:r>
-          </a:p>
-          <a:p>
-            <a:pPr marL="0" indent="0">
-              <a:buNone/>
-            </a:pPr>
-            <a:r>
-              <a:rPr lang="en-US" sz="2000" dirty="0" smtClean="0"/>
-              <a:t>numbered </a:t>
-            </a:r>
-            <a:r>
-              <a:rPr lang="en-US" sz="2000" dirty="0"/>
-              <a:t>= </a:t>
-            </a:r>
-            <a:r>
-              <a:rPr lang="en-US" sz="2000" dirty="0" err="1" smtClean="0"/>
-              <a:t>split.map</a:t>
-            </a:r>
-            <a:r>
-              <a:rPr lang="en-US" sz="2000" dirty="0"/>
-              <a:t>(lambda word: (word, 1))</a:t>
-            </a:r>
-          </a:p>
-          <a:p>
-            <a:pPr marL="0" indent="0">
-              <a:buNone/>
-            </a:pPr>
-            <a:r>
-              <a:rPr lang="en-US" sz="2000" dirty="0" err="1"/>
-              <a:t>wordcount</a:t>
-            </a:r>
-            <a:r>
-              <a:rPr lang="en-US" sz="2000" dirty="0"/>
-              <a:t> = </a:t>
-            </a:r>
-            <a:r>
-              <a:rPr lang="en-US" sz="2000" dirty="0" err="1"/>
-              <a:t>numbered.reduceByKey</a:t>
-            </a:r>
-            <a:r>
-              <a:rPr lang="en-US" sz="2000" dirty="0"/>
-              <a:t>(lambda </a:t>
-            </a:r>
-            <a:r>
-              <a:rPr lang="en-US" sz="2000" dirty="0" err="1"/>
-              <a:t>a,b</a:t>
-            </a:r>
-            <a:r>
-              <a:rPr lang="en-US" sz="2000" dirty="0"/>
+            <a:r>
+              <a:rPr lang="en-US" dirty="0" smtClean="0"/>
+              <a:t>lambda </a:t>
+            </a:r>
+            <a:r>
+              <a:rPr lang="en-US" dirty="0" err="1" smtClean="0"/>
+              <a:t>x,y</a:t>
+            </a:r>
+            <a:r>
+              <a:rPr lang="en-US" dirty="0" smtClean="0"/>
               <a:t>: </a:t>
             </a:r>
             <a:r>
-              <a:rPr lang="en-US" sz="2000" dirty="0" err="1"/>
-              <a:t>a+b</a:t>
-            </a:r>
-            <a:r>
-              <a:rPr lang="en-US" sz="2000" dirty="0" smtClean="0"/>
-              <a:t>)</a:t>
-            </a:r>
-          </a:p>
-          <a:p>
-            <a:pPr marL="0" indent="0">
-              <a:buNone/>
-            </a:pPr>
-            <a:endParaRPr lang="en-US" sz="2000" dirty="0" smtClean="0"/>
-          </a:p>
-          <a:p>
-            <a:pPr marL="0" indent="0">
-              <a:buNone/>
-            </a:pPr>
-            <a:r>
-              <a:rPr lang="en-US" sz="2000" dirty="0"/>
-              <a:t>for </a:t>
-            </a:r>
-            <a:r>
-              <a:rPr lang="en-US" sz="2000" dirty="0" err="1"/>
-              <a:t>k,v</a:t>
-            </a:r>
-            <a:r>
-              <a:rPr lang="en-US" sz="2000" dirty="0"/>
-              <a:t> in </a:t>
-            </a:r>
-            <a:r>
-              <a:rPr lang="en-US" sz="2000" dirty="0" err="1"/>
-              <a:t>wordcount.collect</a:t>
-            </a:r>
-            <a:r>
-              <a:rPr lang="en-US" sz="2000" dirty="0"/>
-              <a:t>():</a:t>
-            </a:r>
-          </a:p>
-          <a:p>
-            <a:pPr marL="0" indent="0">
-              <a:buNone/>
-            </a:pPr>
-            <a:r>
-              <a:rPr lang="en-US" sz="2000" dirty="0"/>
-              <a:t>  print </a:t>
-            </a:r>
-            <a:r>
-              <a:rPr lang="en-US" sz="2000" dirty="0" err="1"/>
-              <a:t>k,v</a:t>
-            </a:r>
-            <a:endParaRPr lang="en-US" sz="2000" dirty="0"/>
-          </a:p>
-          <a:p>
-            <a:pPr marL="0" indent="0">
-              <a:buNone/>
-            </a:pPr>
-            <a:endParaRPr lang="en-US" sz="2000" dirty="0"/>
-          </a:p>
-          <a:p>
-            <a:pPr marL="0" indent="0">
-              <a:buNone/>
-            </a:pPr>
-            <a:r>
-              <a:rPr lang="en-US" sz="2000" dirty="0" err="1"/>
-              <a:t>sc.stop</a:t>
-            </a:r>
-            <a:r>
-              <a:rPr lang="en-US" sz="2000" dirty="0"/>
-              <a:t>()</a:t>
-            </a:r>
+              <a:rPr lang="en-US" dirty="0" err="1" smtClean="0"/>
+              <a:t>x+y</a:t>
+            </a:r>
+            <a:endParaRPr lang="en-US" dirty="0"/>
           </a:p>
         </p:txBody>
       </p:sp>
     </p:spTree>
     <p:extLst>
       <p:ext uri="{BB962C8B-B14F-4D97-AF65-F5344CB8AC3E}">
-        <p14:creationId xmlns:p14="http://schemas.microsoft.com/office/powerpoint/2010/main" val="1260108180"/>
+        <p14:creationId xmlns:p14="http://schemas.microsoft.com/office/powerpoint/2010/main" val="4275047535"/>
       </p:ext>
     </p:extLst>
   </p:cSld>
@@ -5431,31 +5343,12 @@
         </p:nvSpPr>
         <p:spPr/>
         <p:txBody>
-          <a:bodyPr>
-            <a:normAutofit fontScale="90000"/>
-          </a:bodyPr>
+          <a:bodyPr/>
           <a:lstStyle/>
           <a:p>
             <a:r>
               <a:rPr lang="en-US" dirty="0" smtClean="0"/>
-              <a:t>What doesn’t work </a:t>
-            </a:r>
-            <a:r>
-              <a:rPr lang="en-US" dirty="0">
-                <a:sym typeface="Wingdings"/>
-              </a:rPr>
-              <a:t/>
-            </a:r>
-            <a:br>
-              <a:rPr lang="en-US" dirty="0">
-                <a:sym typeface="Wingdings"/>
-              </a:rPr>
-            </a:br>
-            <a:r>
-              <a:rPr lang="en-US" dirty="0" smtClean="0">
-                <a:sym typeface="Wingdings"/>
-              </a:rPr>
-              <a:t>in a cluster</a:t>
+              <a:t>Example</a:t>
             </a:r>
             <a:endParaRPr lang="en-US" dirty="0"/>
           </a:p>
@@ -5482,65 +5375,162 @@
               <a:buNone/>
             </a:pPr>
             <a:r>
-              <a:rPr lang="en-US" sz="2800" dirty="0">
-                <a:latin typeface="Lucida Console"/>
-                <a:cs typeface="Lucida Console"/>
-              </a:rPr>
-              <a:t>counter = 0</a:t>
+              <a:rPr lang="en-US" sz="2000" dirty="0" err="1" smtClean="0"/>
+              <a:t>sc</a:t>
+            </a:r>
+            <a:r>
+              <a:rPr lang="en-US" sz="2000" dirty="0" smtClean="0"/>
+              <a:t> = </a:t>
+            </a:r>
+            <a:r>
+              <a:rPr lang="en-US" sz="2000" dirty="0" err="1" smtClean="0"/>
+              <a:t>SparkContext</a:t>
+            </a:r>
+            <a:r>
+              <a:rPr lang="en-US" sz="2000" dirty="0" smtClean="0"/>
+              <a:t>() </a:t>
             </a:r>
           </a:p>
           <a:p>
             <a:pPr marL="0" indent="0">
               <a:buNone/>
             </a:pPr>
-            <a:r>
-              <a:rPr lang="en-US" sz="2800" dirty="0" err="1">
-                <a:latin typeface="Lucida Console"/>
-                <a:cs typeface="Lucida Console"/>
-              </a:rPr>
-              <a:t>rdd</a:t>
-            </a:r>
-            <a:r>
-              <a:rPr lang="en-US" sz="2800" dirty="0">
-                <a:latin typeface="Lucida Console"/>
-                <a:cs typeface="Lucida Console"/>
-              </a:rPr>
+            <a:endParaRPr lang="en-US" sz="2000" dirty="0"/>
+          </a:p>
+          <a:p>
+            <a:pPr marL="0" indent="0">
+              <a:buNone/>
+            </a:pPr>
+            <a:r>
+              <a:rPr lang="en-US" sz="2000" dirty="0" smtClean="0"/>
+              <a:t>books </a:t>
+            </a:r>
+            <a:r>
+              <a:rPr lang="en-US" sz="2000" dirty="0"/>
+              <a:t>= </a:t>
+            </a:r>
+            <a:r>
+              <a:rPr lang="en-US" sz="2000" dirty="0" err="1"/>
+              <a:t>sc.textFile</a:t>
+            </a:r>
+            <a:r>
+              <a:rPr lang="en-US" sz="2000" dirty="0" smtClean="0"/>
+              <a:t>(“books/*”)</a:t>
+            </a:r>
+            <a:endParaRPr lang="en-US" sz="2000" dirty="0"/>
+          </a:p>
+          <a:p>
+            <a:pPr marL="0" indent="0">
+              <a:buNone/>
+            </a:pPr>
+            <a:r>
+              <a:rPr lang="en-US" sz="2000" dirty="0"/>
+              <a:t>split = </a:t>
+            </a:r>
+            <a:r>
+              <a:rPr lang="en-US" sz="2000" dirty="0" err="1"/>
+              <a:t>books.flatMap</a:t>
+            </a:r>
+            <a:r>
+              <a:rPr lang="en-US" sz="2000" dirty="0"/>
+              <a:t>(lambda line: </a:t>
+            </a:r>
+            <a:r>
+              <a:rPr lang="en-US" sz="2000" dirty="0" err="1"/>
+              <a:t>line.split</a:t>
+            </a:r>
+            <a:r>
+              <a:rPr lang="en-US" sz="2000" dirty="0"/>
+              <a:t>())</a:t>
+            </a:r>
+          </a:p>
+          <a:p>
+            <a:pPr marL="0" indent="0">
+              <a:buNone/>
+            </a:pPr>
+            <a:r>
+              <a:rPr lang="en-US" sz="2000" dirty="0" smtClean="0"/>
+              <a:t>numbered </a:t>
+            </a:r>
+            <a:r>
+              <a:rPr lang="en-US" sz="2000" dirty="0"/>
+              <a:t>= </a:t>
+            </a:r>
+            <a:r>
+              <a:rPr lang="en-US" sz="2000" dirty="0" err="1" smtClean="0"/>
+              <a:t>split.map</a:t>
+            </a:r>
+            <a:r>
+              <a:rPr lang="en-US" sz="2000" dirty="0"/>
+              <a:t>(lambda word: (word, 1))</a:t>
+            </a:r>
+          </a:p>
+          <a:p>
+            <a:pPr marL="0" indent="0">
+              <a:buNone/>
+            </a:pPr>
+            <a:r>
+              <a:rPr lang="en-US" sz="2000" dirty="0" err="1"/>
+              <a:t>wordcount</a:t>
+            </a:r>
+            <a:r>
+              <a:rPr lang="en-US" sz="2000" dirty="0"/>
               <a:t> = </a:t>
             </a:r>
             <a:r>
-              <a:rPr lang="en-US" sz="2800" dirty="0" err="1">
-                <a:latin typeface="Lucida Console"/>
-                <a:cs typeface="Lucida Console"/>
-              </a:rPr>
-              <a:t>sc.parallelize</a:t>
-            </a:r>
-            <a:r>
-              <a:rPr lang="en-US" sz="2800" dirty="0">
-                <a:latin typeface="Lucida Console"/>
-                <a:cs typeface="Lucida Console"/>
-              </a:rPr>
-              <a:t>(data)</a:t>
+              <a:rPr lang="en-US" sz="2000" dirty="0" err="1"/>
+              <a:t>numbered.reduceByKey</a:t>
+            </a:r>
+            <a:r>
+              <a:rPr lang="en-US" sz="2000" dirty="0"/>
+              <a:t>(lambda </a:t>
+            </a:r>
+            <a:r>
+              <a:rPr lang="en-US" sz="2000" dirty="0" err="1"/>
+              <a:t>a,b</a:t>
+            </a:r>
+            <a:r>
+              <a:rPr lang="en-US" sz="2000" dirty="0"/>
+              <a:t>: </a:t>
+            </a:r>
+            <a:r>
+              <a:rPr lang="en-US" sz="2000" dirty="0" err="1"/>
+              <a:t>a+b</a:t>
+            </a:r>
+            <a:r>
+              <a:rPr lang="en-US" sz="2000" dirty="0" smtClean="0"/>
+              <a:t>)</a:t>
             </a:r>
           </a:p>
           <a:p>
             <a:pPr marL="0" indent="0">
               <a:buNone/>
             </a:pPr>
-            <a:endParaRPr lang="en-US" sz="2800" dirty="0">
-              <a:latin typeface="Lucida Console"/>
-              <a:cs typeface="Lucida Console"/>
-            </a:endParaRPr>
+            <a:endParaRPr lang="en-US" sz="2000" dirty="0" smtClean="0"/>
           </a:p>
           <a:p>
             <a:pPr marL="0" indent="0">
               <a:buNone/>
             </a:pPr>
             <a:r>
-              <a:rPr lang="en-US" sz="2800" dirty="0">
-                <a:latin typeface="Lucida Console"/>
-                <a:cs typeface="Lucida Console"/>
-              </a:rPr>
-              <a:t># Wrong: Don't do this!!</a:t>
+              <a:rPr lang="en-US" sz="2000" dirty="0"/>
+              <a:t>for </a:t>
+            </a:r>
+            <a:r>
+              <a:rPr lang="en-US" sz="2000" dirty="0" err="1"/>
+              <a:t>k,v</a:t>
+            </a:r>
+            <a:r>
+              <a:rPr lang="en-US" sz="2000" dirty="0"/>
+              <a:t> in </a:t>
+            </a:r>
+            <a:r>
+              <a:rPr lang="en-US" sz="2000" dirty="0" err="1"/>
+              <a:t>wordcount.collect</a:t>
+            </a:r>
+            <a:r>
+              <a:rPr lang="en-US" sz="2000" dirty="0"/>
+              <a:t>():</a:t>
             </a:r>
           </a:p>
           <a:p>
@@ -5548,39 +5538,32 @@
               <a:buNone/>
             </a:pPr>
             <a:r>
-              <a:rPr lang="en-US" sz="2800" dirty="0" err="1">
-                <a:latin typeface="Lucida Console"/>
-                <a:cs typeface="Lucida Console"/>
-              </a:rPr>
-              <a:t>rdd.foreach</a:t>
-            </a:r>
-            <a:r>
-              <a:rPr lang="en-US" sz="2800" dirty="0">
-                <a:latin typeface="Lucida Console"/>
-                <a:cs typeface="Lucida Console"/>
-              </a:rPr>
-              <a:t>(lambda x: counter += x)</a:t>
-            </a:r>
+              <a:rPr lang="en-US" sz="2000" dirty="0"/>
+              <a:t>  print </a:t>
+            </a:r>
+            <a:r>
+              <a:rPr lang="en-US" sz="2000" dirty="0" err="1"/>
+              <a:t>k,v</a:t>
+            </a:r>
+            <a:endParaRPr lang="en-US" sz="2000" dirty="0"/>
           </a:p>
           <a:p>
             <a:pPr marL="0" indent="0">
               <a:buNone/>
             </a:pPr>
-            <a:endParaRPr lang="en-US" sz="2800" dirty="0">
-              <a:latin typeface="Lucida Console"/>
-              <a:cs typeface="Lucida Console"/>
-            </a:endParaRPr>
+            <a:endParaRPr lang="en-US" sz="2000" dirty="0"/>
           </a:p>
           <a:p>
             <a:pPr marL="0" indent="0">
               <a:buNone/>
             </a:pPr>
             <a:r>
-              <a:rPr lang="en-US" sz="2800" dirty="0">
-                <a:latin typeface="Lucida Console"/>
-                <a:cs typeface="Lucida Console"/>
-              </a:rPr>
-              <a:t>print("Counter value: " + counter)</a:t>
+              <a:rPr lang="en-US" sz="2000" dirty="0" err="1"/>
+              <a:t>sc.stop</a:t>
+            </a:r>
+            <a:r>
+              <a:rPr lang="en-US" sz="2000" dirty="0"/>
+              <a:t>()</a:t>
             </a:r>
           </a:p>
         </p:txBody>
@@ -5588,7 +5571,7 @@
     </p:spTree>
     <p:extLst>
       <p:ext uri="{BB962C8B-B14F-4D97-AF65-F5344CB8AC3E}">
-        <p14:creationId xmlns:p14="http://schemas.microsoft.com/office/powerpoint/2010/main" val="965116268"/>
+        <p14:creationId xmlns:p14="http://schemas.microsoft.com/office/powerpoint/2010/main" val="1260108180"/>
       </p:ext>
     </p:extLst>
   </p:cSld>
@@ -5627,45 +5610,164 @@
         </p:nvSpPr>
         <p:spPr/>
         <p:txBody>
-          <a:bodyPr/>
+          <a:bodyPr>
+            <a:normAutofit fontScale="90000"/>
+          </a:bodyPr>
           <a:lstStyle/>
           <a:p>
             <a:r>
               <a:rPr lang="en-US" dirty="0" smtClean="0"/>
-              <a:t>Apache Spark cluster model</a:t>
+              <a:t>What doesn’t work </a:t>
+            </a:r>
+            <a:r>
+              <a:rPr lang="en-US" dirty="0">
+                <a:sym typeface="Wingdings"/>
+              </a:rPr>
+              <a:t/>
+            </a:r>
+            <a:br>
+              <a:rPr lang="en-US" dirty="0">
+                <a:sym typeface="Wingdings"/>
+              </a:rPr>
+            </a:br>
+            <a:r>
+              <a:rPr lang="en-US" dirty="0" smtClean="0">
+                <a:sym typeface="Wingdings"/>
+              </a:rPr>
+              <a:t>in a cluster</a:t>
             </a:r>
             <a:endParaRPr lang="en-US" dirty="0"/>
           </a:p>
         </p:txBody>
       </p:sp>
-      <p:pic>
-        <p:nvPicPr>
-          <p:cNvPr id="4" name="Picture 3"/>
-          <p:cNvPicPr>
-            <a:picLocks noChangeAspect="1"/>
-          </p:cNvPicPr>
-          <p:nvPr/>
-        </p:nvPicPr>
-        <p:blipFill>
-          <a:blip r:embed="rId2"/>
-          <a:stretch>
-            <a:fillRect/>
-          </a:stretch>
-        </p:blipFill>
-        <p:spPr>
-          <a:xfrm>
-            <a:off x="787400" y="1612900"/>
-            <a:ext cx="7569200" cy="3632200"/>
-          </a:xfrm>
-          <a:prstGeom prst="rect">
-            <a:avLst/>
-          </a:prstGeom>
-        </p:spPr>
-      </p:pic>
+      <p:sp>
+        <p:nvSpPr>
+          <p:cNvPr id="3" name="Content Placeholder 2"/>
+          <p:cNvSpPr>
+            <a:spLocks noGrp="1"/>
+          </p:cNvSpPr>
+          <p:nvPr>
+            <p:ph idx="1"/>
+          </p:nvPr>
+        </p:nvSpPr>
+        <p:spPr/>
+        <p:txBody>
+          <a:bodyPr>
+            <a:normAutofit/>
+          </a:bodyPr>
+          <a:lstStyle/>
+          <a:p>
+            <a:pPr marL="0" indent="0">
+              <a:buNone/>
+            </a:pPr>
+            <a:r>
+              <a:rPr lang="en-US" sz="2800" dirty="0">
+                <a:latin typeface="Lucida Console"/>
+                <a:cs typeface="Lucida Console"/>
+              </a:rPr>
+              <a:t>counter = 0</a:t>
+            </a:r>
+          </a:p>
+          <a:p>
+            <a:pPr marL="0" indent="0">
+              <a:buNone/>
+            </a:pPr>
+            <a:r>
+              <a:rPr lang="en-US" sz="2800" dirty="0" err="1">
+                <a:latin typeface="Lucida Console"/>
+                <a:cs typeface="Lucida Console"/>
+              </a:rPr>
+              <a:t>rdd</a:t>
+            </a:r>
+            <a:r>
+              <a:rPr lang="en-US" sz="2800" dirty="0">
+                <a:latin typeface="Lucida Console"/>
+                <a:cs typeface="Lucida Console"/>
+              </a:rPr>
+              <a:t> = </a:t>
+            </a:r>
+            <a:r>
+              <a:rPr lang="en-US" sz="2800" dirty="0" err="1">
+                <a:latin typeface="Lucida Console"/>
+                <a:cs typeface="Lucida Console"/>
+              </a:rPr>
+              <a:t>sc.parallelize</a:t>
+            </a:r>
+            <a:r>
+              <a:rPr lang="en-US" sz="2800" dirty="0">
+                <a:latin typeface="Lucida Console"/>
+                <a:cs typeface="Lucida Console"/>
+              </a:rPr>
+              <a:t>(data)</a:t>
+            </a:r>
+          </a:p>
+          <a:p>
+            <a:pPr marL="0" indent="0">
+              <a:buNone/>
+            </a:pPr>
+            <a:endParaRPr lang="en-US" sz="2800" dirty="0">
+              <a:latin typeface="Lucida Console"/>
+              <a:cs typeface="Lucida Console"/>
+            </a:endParaRPr>
+          </a:p>
+          <a:p>
+            <a:pPr marL="0" indent="0">
+              <a:buNone/>
+            </a:pPr>
+            <a:r>
+              <a:rPr lang="en-US" sz="2800" dirty="0">
+                <a:latin typeface="Lucida Console"/>
+                <a:cs typeface="Lucida Console"/>
+              </a:rPr>
+              <a:t># Wrong: Don't do this!!</a:t>
+            </a:r>
+          </a:p>
+          <a:p>
+            <a:pPr marL="0" indent="0">
+              <a:buNone/>
+            </a:pPr>
+            <a:r>
+              <a:rPr lang="en-US" sz="2800" dirty="0" err="1">
+                <a:latin typeface="Lucida Console"/>
+                <a:cs typeface="Lucida Console"/>
+              </a:rPr>
+              <a:t>rdd.foreach</a:t>
+            </a:r>
+            <a:r>
+              <a:rPr lang="en-US" sz="2800" dirty="0">
+                <a:latin typeface="Lucida Console"/>
+                <a:cs typeface="Lucida Console"/>
+              </a:rPr>
+              <a:t>(lambda x: counter += x)</a:t>
+            </a:r>
+          </a:p>
+          <a:p>
+            <a:pPr marL="0" indent="0">
+              <a:buNone/>
+            </a:pPr>
+            <a:endParaRPr lang="en-US" sz="2800" dirty="0">
+              <a:latin typeface="Lucida Console"/>
+              <a:cs typeface="Lucida Console"/>
+            </a:endParaRPr>
+          </a:p>
+          <a:p>
+            <a:pPr marL="0" indent="0">
+              <a:buNone/>
+            </a:pPr>
+            <a:r>
+              <a:rPr lang="en-US" sz="2800" dirty="0">
+                <a:latin typeface="Lucida Console"/>
+                <a:cs typeface="Lucida Console"/>
+              </a:rPr>
+              <a:t>print("Counter value: " + counter)</a:t>
+            </a:r>
+          </a:p>
+        </p:txBody>
+      </p:sp>
     </p:spTree>
     <p:extLst>
       <p:ext uri="{BB962C8B-B14F-4D97-AF65-F5344CB8AC3E}">
-        <p14:creationId xmlns:p14="http://schemas.microsoft.com/office/powerpoint/2010/main" val="1965524514"/>
+        <p14:creationId xmlns:p14="http://schemas.microsoft.com/office/powerpoint/2010/main" val="965116268"/>
       </p:ext>
     </p:extLst>
   </p:cSld>
@@ -5959,192 +6061,45 @@
         </p:nvSpPr>
         <p:spPr/>
         <p:txBody>
-          <a:bodyPr>
-            <a:normAutofit fontScale="90000"/>
-          </a:bodyPr>
+          <a:bodyPr/>
           <a:lstStyle/>
           <a:p>
             <a:r>
               <a:rPr lang="en-US" dirty="0" smtClean="0"/>
-              <a:t>How to count across a cluster?</a:t>
+              <a:t>Apache Spark cluster model</a:t>
             </a:r>
             <a:endParaRPr lang="en-US" dirty="0"/>
           </a:p>
         </p:txBody>
       </p:sp>
-      <p:sp>
-        <p:nvSpPr>
-          <p:cNvPr id="3" name="Content Placeholder 2"/>
-          <p:cNvSpPr>
-            <a:spLocks noGrp="1"/>
-          </p:cNvSpPr>
-          <p:nvPr>
-            <p:ph idx="1"/>
-          </p:nvPr>
-        </p:nvSpPr>
-        <p:spPr/>
-        <p:txBody>
-          <a:bodyPr>
-            <a:normAutofit/>
-          </a:bodyPr>
-          <a:lstStyle/>
-          <a:p>
-            <a:r>
-              <a:rPr lang="en-US" sz="2800" dirty="0" smtClean="0"/>
-              <a:t>Accumulators</a:t>
-            </a:r>
-          </a:p>
-          <a:p>
-            <a:endParaRPr lang="en-US" sz="2800" dirty="0" smtClean="0"/>
-          </a:p>
-          <a:p>
-            <a:pPr marL="0" indent="0">
-              <a:buNone/>
-            </a:pPr>
-            <a:r>
-              <a:rPr lang="en-US" sz="2800" dirty="0" smtClean="0"/>
-              <a:t>	</a:t>
-            </a:r>
-            <a:r>
-              <a:rPr lang="en-US" sz="2800" dirty="0" err="1" smtClean="0">
-                <a:latin typeface="Lucida Console"/>
-                <a:cs typeface="Lucida Console"/>
-              </a:rPr>
-              <a:t>acc</a:t>
-            </a:r>
-            <a:r>
-              <a:rPr lang="en-US" sz="2800" dirty="0" smtClean="0">
-                <a:latin typeface="Lucida Console"/>
-                <a:cs typeface="Lucida Console"/>
-              </a:rPr>
-              <a:t> = </a:t>
-            </a:r>
-            <a:r>
-              <a:rPr lang="en-US" sz="2800" dirty="0" err="1" smtClean="0">
-                <a:latin typeface="Lucida Console"/>
-                <a:cs typeface="Lucida Console"/>
-              </a:rPr>
-              <a:t>sc.accumulator</a:t>
-            </a:r>
-            <a:r>
-              <a:rPr lang="en-US" sz="2800" dirty="0" smtClean="0">
-                <a:latin typeface="Lucida Console"/>
-                <a:cs typeface="Lucida Console"/>
-              </a:rPr>
-              <a:t>()</a:t>
-            </a:r>
-          </a:p>
-          <a:p>
-            <a:pPr marL="0" indent="0">
-              <a:buNone/>
-            </a:pPr>
-            <a:r>
-              <a:rPr lang="en-US" sz="2800" dirty="0" smtClean="0">
-                <a:latin typeface="Lucida Console"/>
-                <a:cs typeface="Lucida Console"/>
-              </a:rPr>
-              <a:t>	</a:t>
-            </a:r>
-            <a:r>
-              <a:rPr lang="en-US" sz="2800" dirty="0" err="1" smtClean="0">
-                <a:latin typeface="Lucida Console"/>
-                <a:cs typeface="Lucida Console"/>
-              </a:rPr>
-              <a:t>rdd</a:t>
-            </a:r>
-            <a:r>
-              <a:rPr lang="en-US" sz="2800" dirty="0" smtClean="0">
-                <a:latin typeface="Lucida Console"/>
-                <a:cs typeface="Lucida Console"/>
-              </a:rPr>
-              <a:t> </a:t>
-            </a:r>
-            <a:r>
-              <a:rPr lang="en-US" sz="2800" dirty="0">
-                <a:latin typeface="Lucida Console"/>
-                <a:cs typeface="Lucida Console"/>
-              </a:rPr>
-              <a:t>= </a:t>
-            </a:r>
-            <a:r>
-              <a:rPr lang="en-US" sz="2800" dirty="0" err="1">
-                <a:latin typeface="Lucida Console"/>
-                <a:cs typeface="Lucida Console"/>
-              </a:rPr>
-              <a:t>sc.parallelize</a:t>
-            </a:r>
-            <a:r>
-              <a:rPr lang="en-US" sz="2800" dirty="0">
-                <a:latin typeface="Lucida Console"/>
-                <a:cs typeface="Lucida Console"/>
-              </a:rPr>
-              <a:t>(data</a:t>
-            </a:r>
-            <a:r>
-              <a:rPr lang="en-US" sz="2800" dirty="0" smtClean="0">
-                <a:latin typeface="Lucida Console"/>
-                <a:cs typeface="Lucida Console"/>
-              </a:rPr>
-              <a:t>)</a:t>
-            </a:r>
-            <a:br>
-              <a:rPr lang="en-US" sz="2800" dirty="0" smtClean="0">
-                <a:latin typeface="Lucida Console"/>
-                <a:cs typeface="Lucida Console"/>
-              </a:rPr>
-            </a:br>
-            <a:r>
-              <a:rPr lang="en-US" sz="2800" dirty="0" smtClean="0">
-                <a:latin typeface="Lucida Console"/>
-                <a:cs typeface="Lucida Console"/>
-              </a:rPr>
-              <a:t>	</a:t>
-            </a:r>
-            <a:r>
-              <a:rPr lang="en-US" sz="2800" dirty="0" err="1" smtClean="0">
-                <a:latin typeface="Lucida Console"/>
-                <a:cs typeface="Lucida Console"/>
-              </a:rPr>
-              <a:t>rdd.foreach</a:t>
-            </a:r>
-            <a:r>
-              <a:rPr lang="en-US" sz="2800" dirty="0" smtClean="0">
-                <a:latin typeface="Lucida Console"/>
-                <a:cs typeface="Lucida Console"/>
-              </a:rPr>
-              <a:t>(lambda x: </a:t>
-            </a:r>
-            <a:r>
-              <a:rPr lang="en-US" sz="2800" dirty="0" err="1" smtClean="0">
-                <a:latin typeface="Lucida Console"/>
-                <a:cs typeface="Lucida Console"/>
-              </a:rPr>
-              <a:t>acc.add</a:t>
-            </a:r>
-            <a:r>
-              <a:rPr lang="en-US" sz="2800" dirty="0" smtClean="0">
-                <a:latin typeface="Lucida Console"/>
-                <a:cs typeface="Lucida Console"/>
-              </a:rPr>
-              <a:t>(x))</a:t>
-            </a:r>
-            <a:endParaRPr lang="en-US" sz="2800" dirty="0">
-              <a:latin typeface="Lucida Console"/>
-              <a:cs typeface="Lucida Console"/>
-            </a:endParaRPr>
-          </a:p>
-          <a:p>
-            <a:pPr marL="0" indent="0">
-              <a:buNone/>
-            </a:pPr>
-            <a:endParaRPr lang="en-US" sz="2800" dirty="0"/>
-          </a:p>
-        </p:txBody>
-      </p:sp>
+      <p:pic>
+        <p:nvPicPr>
+          <p:cNvPr id="4" name="Picture 3"/>
+          <p:cNvPicPr>
+            <a:picLocks noChangeAspect="1"/>
+          </p:cNvPicPr>
+          <p:nvPr/>
+        </p:nvPicPr>
+        <p:blipFill>
+          <a:blip r:embed="rId2"/>
+          <a:stretch>
+            <a:fillRect/>
+          </a:stretch>
+        </p:blipFill>
+        <p:spPr>
+          <a:xfrm>
+            <a:off x="787400" y="1612900"/>
+            <a:ext cx="7569200" cy="3632200"/>
+          </a:xfrm>
+          <a:prstGeom prst="rect">
+            <a:avLst/>
+          </a:prstGeom>
+        </p:spPr>
+      </p:pic>
     </p:spTree>
     <p:extLst>
       <p:ext uri="{BB962C8B-B14F-4D97-AF65-F5344CB8AC3E}">
-        <p14:creationId xmlns:p14="http://schemas.microsoft.com/office/powerpoint/2010/main" val="1340352141"/>
+        <p14:creationId xmlns:p14="http://schemas.microsoft.com/office/powerpoint/2010/main" val="1965524514"/>
       </p:ext>
     </p:extLst>
   </p:cSld>
@@ -6183,12 +6138,14 @@
         </p:nvSpPr>
         <p:spPr/>
         <p:txBody>
-          <a:bodyPr/>
+          <a:bodyPr>
+            <a:normAutofit fontScale="90000"/>
+          </a:bodyPr>
           <a:lstStyle/>
           <a:p>
             <a:r>
               <a:rPr lang="en-US" dirty="0" smtClean="0"/>
-              <a:t>What also doesn’t work</a:t>
+              <a:t>How to count across a cluster?</a:t>
             </a:r>
             <a:endParaRPr lang="en-US" dirty="0"/>
           </a:p>
@@ -6206,50 +6163,167 @@
         </p:nvSpPr>
         <p:spPr/>
         <p:txBody>
-          <a:bodyPr/>
+          <a:bodyPr>
+            <a:normAutofit/>
+          </a:bodyPr>
           <a:lstStyle/>
           <a:p>
             <a:r>
-              <a:rPr lang="en-US" dirty="0" err="1"/>
+              <a:rPr lang="en-US" sz="2800" dirty="0" smtClean="0"/>
+              <a:t>Accumulators</a:t>
+            </a:r>
+          </a:p>
+          <a:p>
+            <a:endParaRPr lang="en-US" sz="2800" dirty="0" smtClean="0"/>
+          </a:p>
+          <a:p>
+            <a:pPr marL="0" indent="0">
+              <a:buNone/>
+            </a:pPr>
+            <a:r>
+              <a:rPr lang="en-US" sz="2800" dirty="0" smtClean="0"/>
+              <a:t>	</a:t>
+            </a:r>
+            <a:r>
+              <a:rPr lang="en-US" sz="2800" dirty="0" err="1" smtClean="0">
+                <a:latin typeface="Lucida Console"/>
+                <a:cs typeface="Lucida Console"/>
+              </a:rPr>
+              <a:t>acc</a:t>
+            </a:r>
+            <a:r>
+              <a:rPr lang="en-US" sz="2800" dirty="0" smtClean="0">
+                <a:latin typeface="Lucida Console"/>
+                <a:cs typeface="Lucida Console"/>
+              </a:rPr>
+              <a:t> = </a:t>
+            </a:r>
+            <a:r>
+              <a:rPr lang="en-US" sz="2800" dirty="0" err="1" smtClean="0">
+                <a:latin typeface="Lucida Console"/>
+                <a:cs typeface="Lucida Console"/>
+              </a:rPr>
+              <a:t>sc.accumulator</a:t>
+            </a:r>
+            <a:r>
+              <a:rPr lang="en-US" sz="2800" dirty="0" smtClean="0">
+                <a:latin typeface="Lucida Console"/>
+                <a:cs typeface="Lucida Console"/>
+              </a:rPr>
+              <a:t>()</a:t>
+            </a:r>
+          </a:p>
+          <a:p>
+            <a:pPr marL="0" indent="0">
+              <a:buNone/>
+            </a:pPr>
+            <a:r>
+              <a:rPr lang="en-US" sz="2800" dirty="0" smtClean="0">
+                <a:latin typeface="Lucida Console"/>
+                <a:cs typeface="Lucida Console"/>
+              </a:rPr>
+              <a:t>	</a:t>
+            </a:r>
+            <a:r>
+              <a:rPr lang="en-US" sz="2800" dirty="0" err="1" smtClean="0">
+                <a:latin typeface="Lucida Console"/>
+                <a:cs typeface="Lucida Console"/>
+              </a:rPr>
+              <a:t>rdd</a:t>
+            </a:r>
+            <a:r>
+              <a:rPr lang="en-US" sz="2800" dirty="0" smtClean="0">
+                <a:latin typeface="Lucida Console"/>
+                <a:cs typeface="Lucida Console"/>
+              </a:rPr>
+              <a:t> </a:t>
+            </a:r>
+            <a:r>
+              <a:rPr lang="en-US" sz="2800" dirty="0">
+                <a:latin typeface="Lucida Console"/>
+                <a:cs typeface="Lucida Console"/>
+              </a:rPr>
+              <a:t>= </a:t>
+            </a:r>
+            <a:r>
+              <a:rPr lang="en-US" sz="2800" dirty="0" err="1">
+                <a:latin typeface="Lucida Console"/>
+                <a:cs typeface="Lucida Console"/>
+              </a:rPr>
+              <a:t>sc.parallelize</a:t>
+            </a:r>
+            <a:r>
+              <a:rPr lang="en-US" sz="2800" dirty="0">
+                <a:latin typeface="Lucida Console"/>
+                <a:cs typeface="Lucida Console"/>
+              </a:rPr>
+              <a:t>(data</a:t>
+            </a:r>
+            <a:r>
+              <a:rPr lang="en-US" sz="2800" dirty="0" smtClean="0">
+                <a:latin typeface="Lucida Console"/>
+                <a:cs typeface="Lucida Console"/>
+              </a:rPr>
+              <a:t>)</a:t>
+            </a:r>
+            <a:br>
+              <a:rPr lang="en-US" sz="2800" dirty="0" smtClean="0">
+                <a:latin typeface="Lucida Console"/>
+                <a:cs typeface="Lucida Console"/>
+              </a:rPr>
+            </a:br>
+            <a:r>
+              <a:rPr lang="en-US" sz="2800" dirty="0" smtClean="0">
+                <a:latin typeface="Lucida Console"/>
+                <a:cs typeface="Lucida Console"/>
+              </a:rPr>
+              <a:t>	</a:t>
+            </a:r>
+            <a:r>
+              <a:rPr lang="en-US" sz="2800" dirty="0" err="1" smtClean="0">
+                <a:latin typeface="Lucida Console"/>
+                <a:cs typeface="Lucida Console"/>
+              </a:rPr>
               <a:t>rdd.foreach</a:t>
             </a:r>
             <a:r>
-              <a:rPr lang="en-US" dirty="0"/>
-              <a:t>(</a:t>
-            </a:r>
-            <a:r>
-              <a:rPr lang="en-US" dirty="0" err="1"/>
-              <a:t>println</a:t>
-            </a:r>
-            <a:r>
-              <a:rPr lang="en-US" dirty="0" smtClean="0"/>
-              <a:t>)</a:t>
-            </a:r>
-          </a:p>
-          <a:p>
-            <a:endParaRPr lang="en-US" dirty="0"/>
-          </a:p>
-          <a:p>
-            <a:r>
-              <a:rPr lang="en-US" dirty="0" smtClean="0"/>
-              <a:t>Of course this </a:t>
-            </a:r>
-            <a:r>
-              <a:rPr lang="en-US" i="1" dirty="0" smtClean="0"/>
-              <a:t>will</a:t>
-            </a:r>
-            <a:r>
-              <a:rPr lang="en-US" dirty="0" smtClean="0"/>
-              <a:t> work when you test in local mode</a:t>
-            </a:r>
-            <a:endParaRPr lang="en-US" dirty="0"/>
+              <a:rPr lang="en-US" sz="2800" dirty="0" smtClean="0">
+                <a:latin typeface="Lucida Console"/>
+                <a:cs typeface="Lucida Console"/>
+              </a:rPr>
+              <a:t>(lambda x: </a:t>
+            </a:r>
+            <a:r>
+              <a:rPr lang="en-US" sz="2800" dirty="0" err="1" smtClean="0">
+                <a:latin typeface="Lucida Console"/>
+                <a:cs typeface="Lucida Console"/>
+              </a:rPr>
+              <a:t>acc.add</a:t>
+            </a:r>
+            <a:r>
+              <a:rPr lang="en-US" sz="2800" dirty="0" smtClean="0">
+                <a:latin typeface="Lucida Console"/>
+                <a:cs typeface="Lucida Console"/>
+              </a:rPr>
+              <a:t>(x))</a:t>
+            </a:r>
+            <a:endParaRPr lang="en-US" sz="2800" dirty="0">
+              <a:latin typeface="Lucida Console"/>
+              <a:cs typeface="Lucida Console"/>
+            </a:endParaRPr>
+          </a:p>
+          <a:p>
+            <a:pPr marL="0" indent="0">
+              <a:buNone/>
+            </a:pPr>
+            <a:endParaRPr lang="en-US" sz="2800" dirty="0"/>
           </a:p>
         </p:txBody>
       </p:sp>
     </p:spTree>
     <p:extLst>
       <p:ext uri="{BB962C8B-B14F-4D97-AF65-F5344CB8AC3E}">
-        <p14:creationId xmlns:p14="http://schemas.microsoft.com/office/powerpoint/2010/main" val="2238802243"/>
+        <p14:creationId xmlns:p14="http://schemas.microsoft.com/office/powerpoint/2010/main" val="1340352141"/>
       </p:ext>
     </p:extLst>
   </p:cSld>
@@ -6288,88 +6362,64 @@
         </p:nvSpPr>
         <p:spPr/>
         <p:txBody>
-          <a:bodyPr>
-            <a:normAutofit/>
-          </a:bodyPr>
-          <a:lstStyle/>
-          <a:p>
-            <a:r>
-              <a:rPr lang="en-US" dirty="0" smtClean="0"/>
-              <a:t>Spark packages</a:t>
-            </a:r>
-            <a:endParaRPr lang="en-US" dirty="0"/>
-          </a:p>
-        </p:txBody>
-      </p:sp>
-      <p:sp>
-        <p:nvSpPr>
-          <p:cNvPr id="3" name="Content Placeholder 2"/>
-          <p:cNvSpPr>
-            <a:spLocks noGrp="1"/>
-          </p:cNvSpPr>
-          <p:nvPr>
-            <p:ph idx="1"/>
-          </p:nvPr>
-        </p:nvSpPr>
-        <p:spPr/>
-        <p:txBody>
           <a:bodyPr/>
           <a:lstStyle/>
           <a:p>
             <a:r>
               <a:rPr lang="en-US" dirty="0" smtClean="0"/>
-              <a:t>A wide set of plugins</a:t>
-            </a:r>
-          </a:p>
-          <a:p>
-            <a:pPr lvl="1"/>
-            <a:r>
-              <a:rPr lang="en-US" dirty="0" smtClean="0"/>
-              <a:t>Currently 148 community donated plugins</a:t>
-            </a:r>
-          </a:p>
-          <a:p>
-            <a:r>
-              <a:rPr lang="en-US" dirty="0" smtClean="0"/>
-              <a:t> Data connectors	</a:t>
-            </a:r>
-          </a:p>
-          <a:p>
-            <a:pPr lvl="1"/>
-            <a:r>
-              <a:rPr lang="en-US" dirty="0" smtClean="0"/>
-              <a:t>Cassandra, </a:t>
-            </a:r>
-            <a:r>
-              <a:rPr lang="en-US" dirty="0" err="1" smtClean="0"/>
-              <a:t>Couchbase</a:t>
-            </a:r>
-            <a:r>
-              <a:rPr lang="en-US" dirty="0" smtClean="0"/>
-              <a:t>, Mongo, CSV, </a:t>
-            </a:r>
-            <a:r>
-              <a:rPr lang="en-US" dirty="0" err="1" smtClean="0"/>
-              <a:t>etc</a:t>
-            </a:r>
-            <a:endParaRPr lang="en-US" dirty="0" smtClean="0"/>
-          </a:p>
-          <a:p>
-            <a:r>
-              <a:rPr lang="en-US" dirty="0" smtClean="0"/>
-              <a:t>Machine Learning, Neural networks</a:t>
-            </a:r>
-          </a:p>
-          <a:p>
-            <a:r>
-              <a:rPr lang="en-US" dirty="0" smtClean="0"/>
-              <a:t>Streaming</a:t>
-            </a:r>
-          </a:p>
-          <a:p>
-            <a:r>
-              <a:rPr lang="en-US" dirty="0" err="1" smtClean="0"/>
-              <a:t>etc</a:t>
+              <a:t>What also doesn’t work</a:t>
+            </a:r>
+            <a:endParaRPr lang="en-US" dirty="0"/>
+          </a:p>
+        </p:txBody>
+      </p:sp>
+      <p:sp>
+        <p:nvSpPr>
+          <p:cNvPr id="3" name="Content Placeholder 2"/>
+          <p:cNvSpPr>
+            <a:spLocks noGrp="1"/>
+          </p:cNvSpPr>
+          <p:nvPr>
+            <p:ph idx="1"/>
+          </p:nvPr>
+        </p:nvSpPr>
+        <p:spPr/>
+        <p:txBody>
+          <a:bodyPr/>
+          <a:lstStyle/>
+          <a:p>
+            <a:r>
+              <a:rPr lang="en-US" dirty="0" err="1"/>
+              <a:t>rdd.foreach</a:t>
+            </a:r>
+            <a:r>
+              <a:rPr lang="en-US" dirty="0"/>
+              <a:t>(</a:t>
+            </a:r>
+            <a:r>
+              <a:rPr lang="en-US" dirty="0" err="1"/>
+              <a:t>println</a:t>
+            </a:r>
+            <a:r>
+              <a:rPr lang="en-US" dirty="0" smtClean="0"/>
+              <a:t>)</a:t>
+            </a:r>
+          </a:p>
+          <a:p>
+            <a:endParaRPr lang="en-US" dirty="0"/>
+          </a:p>
+          <a:p>
+            <a:r>
+              <a:rPr lang="en-US" dirty="0" smtClean="0"/>
+              <a:t>Of course this </a:t>
+            </a:r>
+            <a:r>
+              <a:rPr lang="en-US" i="1" dirty="0" smtClean="0"/>
+              <a:t>will</a:t>
+            </a:r>
+            <a:r>
+              <a:rPr lang="en-US" dirty="0" smtClean="0"/>
+              <a:t> work when you test in local mode</a:t>
             </a:r>
             <a:endParaRPr lang="en-US" dirty="0"/>
           </a:p>
@@ -6378,7 +6428,7 @@
     </p:spTree>
     <p:extLst>
       <p:ext uri="{BB962C8B-B14F-4D97-AF65-F5344CB8AC3E}">
-        <p14:creationId xmlns:p14="http://schemas.microsoft.com/office/powerpoint/2010/main" val="2454011762"/>
+        <p14:creationId xmlns:p14="http://schemas.microsoft.com/office/powerpoint/2010/main" val="2238802243"/>
       </p:ext>
     </p:extLst>
   </p:cSld>
@@ -6417,85 +6467,97 @@
         </p:nvSpPr>
         <p:spPr/>
         <p:txBody>
+          <a:bodyPr>
+            <a:normAutofit/>
+          </a:bodyPr>
+          <a:lstStyle/>
+          <a:p>
+            <a:r>
+              <a:rPr lang="en-US" dirty="0" smtClean="0"/>
+              <a:t>Spark packages</a:t>
+            </a:r>
+            <a:endParaRPr lang="en-US" dirty="0"/>
+          </a:p>
+        </p:txBody>
+      </p:sp>
+      <p:sp>
+        <p:nvSpPr>
+          <p:cNvPr id="3" name="Content Placeholder 2"/>
+          <p:cNvSpPr>
+            <a:spLocks noGrp="1"/>
+          </p:cNvSpPr>
+          <p:nvPr>
+            <p:ph idx="1"/>
+          </p:nvPr>
+        </p:nvSpPr>
+        <p:spPr/>
+        <p:txBody>
           <a:bodyPr/>
           <a:lstStyle/>
           <a:p>
             <a:r>
               <a:rPr lang="en-US" dirty="0" smtClean="0"/>
-              <a:t>Using Spark Packages</a:t>
+              <a:t>A wide set of plugins</a:t>
+            </a:r>
+          </a:p>
+          <a:p>
+            <a:pPr lvl="1"/>
+            <a:r>
+              <a:rPr lang="en-US" dirty="0" smtClean="0"/>
+              <a:t>Currently 148 community donated plugins</a:t>
+            </a:r>
+          </a:p>
+          <a:p>
+            <a:r>
+              <a:rPr lang="en-US" dirty="0" smtClean="0"/>
+              <a:t> Data connectors	</a:t>
+            </a:r>
+          </a:p>
+          <a:p>
+            <a:pPr lvl="1"/>
+            <a:r>
+              <a:rPr lang="en-US" dirty="0" smtClean="0"/>
+              <a:t>Cassandra, </a:t>
+            </a:r>
+            <a:r>
+              <a:rPr lang="en-US" dirty="0" err="1" smtClean="0"/>
+              <a:t>Couchbase</a:t>
+            </a:r>
+            <a:r>
+              <a:rPr lang="en-US" dirty="0" smtClean="0"/>
+              <a:t>, Mongo, CSV, </a:t>
+            </a:r>
+            <a:r>
+              <a:rPr lang="en-US" dirty="0" err="1" smtClean="0"/>
+              <a:t>etc</a:t>
+            </a:r>
+            <a:endParaRPr lang="en-US" dirty="0" smtClean="0"/>
+          </a:p>
+          <a:p>
+            <a:r>
+              <a:rPr lang="en-US" dirty="0" smtClean="0"/>
+              <a:t>Machine Learning, Neural networks</a:t>
+            </a:r>
+          </a:p>
+          <a:p>
+            <a:r>
+              <a:rPr lang="en-US" dirty="0" smtClean="0"/>
+              <a:t>Streaming</a:t>
+            </a:r>
+          </a:p>
+          <a:p>
+            <a:r>
+              <a:rPr lang="en-US" dirty="0" err="1" smtClean="0"/>
+              <a:t>etc</a:t>
             </a:r>
             <a:endParaRPr lang="en-US" dirty="0"/>
-          </a:p>
-        </p:txBody>
-      </p:sp>
-      <p:sp>
-        <p:nvSpPr>
-          <p:cNvPr id="3" name="Content Placeholder 2"/>
-          <p:cNvSpPr>
-            <a:spLocks noGrp="1"/>
-          </p:cNvSpPr>
-          <p:nvPr>
-            <p:ph idx="1"/>
-          </p:nvPr>
-        </p:nvSpPr>
-        <p:spPr/>
-        <p:txBody>
-          <a:bodyPr/>
-          <a:lstStyle/>
-          <a:p>
-            <a:pPr marL="0" indent="0">
-              <a:buNone/>
-            </a:pPr>
-            <a:r>
-              <a:rPr lang="en-US" dirty="0" smtClean="0"/>
-              <a:t>Automatic download from the web:</a:t>
-            </a:r>
-          </a:p>
-          <a:p>
-            <a:pPr marL="0" indent="0">
-              <a:buNone/>
-            </a:pPr>
-            <a:endParaRPr lang="en-US" dirty="0"/>
-          </a:p>
-          <a:p>
-            <a:pPr marL="0" indent="0">
-              <a:buNone/>
-            </a:pPr>
-            <a:endParaRPr lang="en-US" dirty="0" smtClean="0"/>
-          </a:p>
-          <a:p>
-            <a:pPr marL="0" indent="0">
-              <a:buNone/>
-            </a:pPr>
-            <a:r>
-              <a:rPr lang="en-US" sz="2400" dirty="0" smtClean="0"/>
-              <a:t>bin</a:t>
-            </a:r>
-            <a:r>
-              <a:rPr lang="en-US" sz="2400" dirty="0"/>
-              <a:t>/spark-shell </a:t>
-            </a:r>
-            <a:endParaRPr lang="en-US" sz="2400" dirty="0" smtClean="0"/>
-          </a:p>
-          <a:p>
-            <a:pPr marL="457200" lvl="1" indent="0">
-              <a:buNone/>
-            </a:pPr>
-            <a:r>
-              <a:rPr lang="en-US" sz="2400" dirty="0" smtClean="0"/>
-              <a:t>-</a:t>
-            </a:r>
-            <a:r>
-              <a:rPr lang="en-US" sz="2400" dirty="0"/>
-              <a:t>-packages com.databricks:spark-csv_2.11:1.2.0</a:t>
-            </a:r>
           </a:p>
         </p:txBody>
       </p:sp>
     </p:spTree>
     <p:extLst>
       <p:ext uri="{BB962C8B-B14F-4D97-AF65-F5344CB8AC3E}">
-        <p14:creationId xmlns:p14="http://schemas.microsoft.com/office/powerpoint/2010/main" val="2390105459"/>
+        <p14:creationId xmlns:p14="http://schemas.microsoft.com/office/powerpoint/2010/main" val="2454011762"/>
       </p:ext>
     </p:extLst>
   </p:cSld>
@@ -6539,16 +6601,80 @@
           <a:p>
             <a:r>
               <a:rPr lang="en-US" dirty="0" smtClean="0"/>
-              <a:t>Time for a lab!</a:t>
+              <a:t>Using Spark Packages</a:t>
             </a:r>
             <a:endParaRPr lang="en-US" dirty="0"/>
+          </a:p>
+        </p:txBody>
+      </p:sp>
+      <p:sp>
+        <p:nvSpPr>
+          <p:cNvPr id="3" name="Content Placeholder 2"/>
+          <p:cNvSpPr>
+            <a:spLocks noGrp="1"/>
+          </p:cNvSpPr>
+          <p:nvPr>
+            <p:ph idx="1"/>
+          </p:nvPr>
+        </p:nvSpPr>
+        <p:spPr/>
+        <p:txBody>
+          <a:bodyPr/>
+          <a:lstStyle/>
+          <a:p>
+            <a:pPr marL="0" indent="0">
+              <a:buNone/>
+            </a:pPr>
+            <a:r>
+              <a:rPr lang="en-US" dirty="0" smtClean="0"/>
+              <a:t>Automatic download from the web:</a:t>
+            </a:r>
+          </a:p>
+          <a:p>
+            <a:pPr marL="0" indent="0">
+              <a:buNone/>
+            </a:pPr>
+            <a:endParaRPr lang="en-US" dirty="0"/>
+          </a:p>
+          <a:p>
+            <a:pPr marL="0" indent="0">
+              <a:buNone/>
+            </a:pPr>
+            <a:endParaRPr lang="en-US" dirty="0" smtClean="0"/>
+          </a:p>
+          <a:p>
+            <a:pPr marL="0" indent="0">
+              <a:buNone/>
+            </a:pPr>
+            <a:r>
+              <a:rPr lang="en-US" sz="2400" dirty="0" smtClean="0"/>
+              <a:t>bin</a:t>
+            </a:r>
+            <a:r>
+              <a:rPr lang="en-US" sz="2400" dirty="0"/>
+              <a:t>/spark-shell </a:t>
+            </a:r>
+            <a:endParaRPr lang="en-US" sz="2400" dirty="0" smtClean="0"/>
+          </a:p>
+          <a:p>
+            <a:pPr marL="457200" lvl="1" indent="0">
+              <a:buNone/>
+            </a:pPr>
+            <a:r>
+              <a:rPr lang="en-US" sz="2400" dirty="0" smtClean="0"/>
+              <a:t>-</a:t>
+            </a:r>
+            <a:r>
+              <a:rPr lang="en-US" sz="2400" dirty="0"/>
+              <a:t>-packages com.databricks:spark-csv_2.11:1.2.0</a:t>
+            </a:r>
           </a:p>
         </p:txBody>
       </p:sp>
     </p:spTree>
     <p:extLst>
       <p:ext uri="{BB962C8B-B14F-4D97-AF65-F5344CB8AC3E}">
-        <p14:creationId xmlns:p14="http://schemas.microsoft.com/office/powerpoint/2010/main" val="816383995"/>
+        <p14:creationId xmlns:p14="http://schemas.microsoft.com/office/powerpoint/2010/main" val="2390105459"/>
       </p:ext>
     </p:extLst>
   </p:cSld>
@@ -6592,51 +6718,7 @@
           <a:p>
             <a:r>
               <a:rPr lang="en-US" dirty="0" smtClean="0"/>
-              <a:t>Locality</a:t>
-            </a:r>
-            <a:endParaRPr lang="en-US" dirty="0"/>
-          </a:p>
-        </p:txBody>
-      </p:sp>
-      <p:sp>
-        <p:nvSpPr>
-          <p:cNvPr id="3" name="Content Placeholder 2"/>
-          <p:cNvSpPr>
-            <a:spLocks noGrp="1"/>
-          </p:cNvSpPr>
-          <p:nvPr>
-            <p:ph idx="1"/>
-          </p:nvPr>
-        </p:nvSpPr>
-        <p:spPr/>
-        <p:txBody>
-          <a:bodyPr/>
-          <a:lstStyle/>
-          <a:p>
-            <a:r>
-              <a:rPr lang="en-US" dirty="0" smtClean="0"/>
-              <a:t>Spark understands the locality of data:</a:t>
-            </a:r>
-          </a:p>
-          <a:p>
-            <a:pPr lvl="1"/>
-            <a:r>
-              <a:rPr lang="en-US" dirty="0" smtClean="0"/>
-              <a:t>Already in memory</a:t>
-            </a:r>
-          </a:p>
-          <a:p>
-            <a:pPr lvl="1"/>
-            <a:r>
-              <a:rPr lang="en-US" dirty="0" smtClean="0"/>
-              <a:t>HDFS location</a:t>
-            </a:r>
-          </a:p>
-          <a:p>
-            <a:pPr lvl="1"/>
-            <a:r>
-              <a:rPr lang="en-US" dirty="0" smtClean="0"/>
-              <a:t>Cassandra location</a:t>
+              <a:t>Time for a lab!</a:t>
             </a:r>
             <a:endParaRPr lang="en-US" dirty="0"/>
           </a:p>
@@ -6645,7 +6727,7 @@
     </p:spTree>
     <p:extLst>
       <p:ext uri="{BB962C8B-B14F-4D97-AF65-F5344CB8AC3E}">
-        <p14:creationId xmlns:p14="http://schemas.microsoft.com/office/powerpoint/2010/main" val="546616968"/>
+        <p14:creationId xmlns:p14="http://schemas.microsoft.com/office/powerpoint/2010/main" val="816383995"/>
       </p:ext>
     </p:extLst>
   </p:cSld>
@@ -6689,7 +6771,7 @@
           <a:p>
             <a:r>
               <a:rPr lang="en-US" dirty="0" smtClean="0"/>
-              <a:t>Spark Extras</a:t>
+              <a:t>Locality</a:t>
             </a:r>
             <a:endParaRPr lang="en-US" dirty="0"/>
           </a:p>
@@ -6697,299 +6779,52 @@
       </p:sp>
       <p:sp>
         <p:nvSpPr>
-          <p:cNvPr id="4" name="Rounded Rectangle 3"/>
-          <p:cNvSpPr/>
-          <p:nvPr/>
-        </p:nvSpPr>
-        <p:spPr>
-          <a:xfrm>
-            <a:off x="812800" y="4510708"/>
-            <a:ext cx="7467600" cy="1117600"/>
-          </a:xfrm>
-          <a:prstGeom prst="roundRect">
-            <a:avLst/>
-          </a:prstGeom>
-        </p:spPr>
-        <p:style>
-          <a:lnRef idx="1">
-            <a:schemeClr val="accent1"/>
-          </a:lnRef>
-          <a:fillRef idx="2">
-            <a:schemeClr val="accent1"/>
-          </a:fillRef>
-          <a:effectRef idx="1">
-            <a:schemeClr val="accent1"/>
-          </a:effectRef>
-          <a:fontRef idx="minor">
-            <a:schemeClr val="dk1"/>
-          </a:fontRef>
-        </p:style>
-        <p:txBody>
-          <a:bodyPr rtlCol="0" anchor="ctr"/>
+          <p:cNvPr id="3" name="Content Placeholder 2"/>
+          <p:cNvSpPr>
+            <a:spLocks noGrp="1"/>
+          </p:cNvSpPr>
+          <p:nvPr>
+            <p:ph idx="1"/>
+          </p:nvPr>
+        </p:nvSpPr>
+        <p:spPr/>
+        <p:txBody>
+          <a:bodyPr/>
           <a:lstStyle/>
           <a:p>
-            <a:pPr algn="ctr"/>
-            <a:r>
-              <a:rPr lang="en-US" sz="2800" dirty="0" smtClean="0">
-                <a:latin typeface="Montserrat"/>
-              </a:rPr>
-              <a:t>Spark Core</a:t>
-            </a:r>
-            <a:endParaRPr lang="en-US" sz="2800" dirty="0">
-              <a:latin typeface="Montserrat"/>
-            </a:endParaRPr>
-          </a:p>
-        </p:txBody>
-      </p:sp>
-      <p:sp>
-        <p:nvSpPr>
-          <p:cNvPr id="5" name="Rounded Rectangle 4"/>
-          <p:cNvSpPr/>
-          <p:nvPr/>
-        </p:nvSpPr>
-        <p:spPr>
-          <a:xfrm>
-            <a:off x="812800" y="1902148"/>
-            <a:ext cx="1371600" cy="2463800"/>
-          </a:xfrm>
-          <a:prstGeom prst="roundRect">
-            <a:avLst/>
-          </a:prstGeom>
-        </p:spPr>
-        <p:style>
-          <a:lnRef idx="1">
-            <a:schemeClr val="accent4"/>
-          </a:lnRef>
-          <a:fillRef idx="2">
-            <a:schemeClr val="accent4"/>
-          </a:fillRef>
-          <a:effectRef idx="1">
-            <a:schemeClr val="accent4"/>
-          </a:effectRef>
-          <a:fontRef idx="minor">
-            <a:schemeClr val="dk1"/>
-          </a:fontRef>
-        </p:style>
-        <p:txBody>
-          <a:bodyPr rtlCol="0" anchor="ctr"/>
-          <a:lstStyle/>
-          <a:p>
-            <a:pPr algn="ctr"/>
-            <a:r>
-              <a:rPr lang="en-US" sz="1400" dirty="0" smtClean="0">
-                <a:latin typeface="Montserrat"/>
-              </a:rPr>
-              <a:t>Spark </a:t>
-            </a:r>
-          </a:p>
-          <a:p>
-            <a:pPr algn="ctr"/>
-            <a:r>
-              <a:rPr lang="en-US" sz="1400" dirty="0" smtClean="0">
-                <a:latin typeface="Montserrat"/>
-              </a:rPr>
-              <a:t>SQL</a:t>
-            </a:r>
-            <a:endParaRPr lang="en-US" sz="1400" dirty="0">
-              <a:latin typeface="Montserrat"/>
-            </a:endParaRPr>
-          </a:p>
-        </p:txBody>
-      </p:sp>
-      <p:sp>
-        <p:nvSpPr>
-          <p:cNvPr id="6" name="Rounded Rectangle 5"/>
-          <p:cNvSpPr/>
-          <p:nvPr/>
-        </p:nvSpPr>
-        <p:spPr>
-          <a:xfrm>
-            <a:off x="2336800" y="1902148"/>
-            <a:ext cx="1371600" cy="2463800"/>
-          </a:xfrm>
-          <a:prstGeom prst="roundRect">
-            <a:avLst/>
-          </a:prstGeom>
-        </p:spPr>
-        <p:style>
-          <a:lnRef idx="1">
-            <a:schemeClr val="accent4"/>
-          </a:lnRef>
-          <a:fillRef idx="2">
-            <a:schemeClr val="accent4"/>
-          </a:fillRef>
-          <a:effectRef idx="1">
-            <a:schemeClr val="accent4"/>
-          </a:effectRef>
-          <a:fontRef idx="minor">
-            <a:schemeClr val="dk1"/>
-          </a:fontRef>
-        </p:style>
-        <p:txBody>
-          <a:bodyPr rtlCol="0" anchor="ctr"/>
-          <a:lstStyle/>
-          <a:p>
-            <a:pPr algn="ctr"/>
-            <a:r>
-              <a:rPr lang="en-US" sz="1400" dirty="0" smtClean="0">
-                <a:latin typeface="Montserrat"/>
-              </a:rPr>
-              <a:t>Spark Streaming</a:t>
-            </a:r>
-            <a:endParaRPr lang="en-US" sz="1400" dirty="0">
-              <a:latin typeface="Montserrat"/>
-            </a:endParaRPr>
-          </a:p>
-        </p:txBody>
-      </p:sp>
-      <p:sp>
-        <p:nvSpPr>
-          <p:cNvPr id="7" name="Rounded Rectangle 6"/>
-          <p:cNvSpPr/>
-          <p:nvPr/>
-        </p:nvSpPr>
-        <p:spPr>
-          <a:xfrm>
-            <a:off x="3860800" y="1902148"/>
-            <a:ext cx="1371600" cy="2463800"/>
-          </a:xfrm>
-          <a:prstGeom prst="roundRect">
-            <a:avLst/>
-          </a:prstGeom>
-        </p:spPr>
-        <p:style>
-          <a:lnRef idx="1">
-            <a:schemeClr val="accent4"/>
-          </a:lnRef>
-          <a:fillRef idx="2">
-            <a:schemeClr val="accent4"/>
-          </a:fillRef>
-          <a:effectRef idx="1">
-            <a:schemeClr val="accent4"/>
-          </a:effectRef>
-          <a:fontRef idx="minor">
-            <a:schemeClr val="dk1"/>
-          </a:fontRef>
-        </p:style>
-        <p:txBody>
-          <a:bodyPr rtlCol="0" anchor="ctr"/>
-          <a:lstStyle/>
-          <a:p>
-            <a:pPr algn="ctr"/>
-            <a:r>
-              <a:rPr lang="en-US" sz="1400" dirty="0" smtClean="0">
-                <a:latin typeface="Montserrat"/>
-              </a:rPr>
-              <a:t>Spark</a:t>
-            </a:r>
-          </a:p>
-          <a:p>
-            <a:pPr algn="ctr"/>
-            <a:r>
-              <a:rPr lang="en-US" sz="1400" dirty="0" smtClean="0">
-                <a:latin typeface="Montserrat"/>
-              </a:rPr>
-              <a:t>MLlib	</a:t>
-            </a:r>
-          </a:p>
-        </p:txBody>
-      </p:sp>
-      <p:sp>
-        <p:nvSpPr>
-          <p:cNvPr id="8" name="Rounded Rectangle 7"/>
-          <p:cNvSpPr/>
-          <p:nvPr/>
-        </p:nvSpPr>
-        <p:spPr>
-          <a:xfrm>
-            <a:off x="5384800" y="1902148"/>
-            <a:ext cx="1371600" cy="2463800"/>
-          </a:xfrm>
-          <a:prstGeom prst="roundRect">
-            <a:avLst/>
-          </a:prstGeom>
-        </p:spPr>
-        <p:style>
-          <a:lnRef idx="1">
-            <a:schemeClr val="accent4"/>
-          </a:lnRef>
-          <a:fillRef idx="2">
-            <a:schemeClr val="accent4"/>
-          </a:fillRef>
-          <a:effectRef idx="1">
-            <a:schemeClr val="accent4"/>
-          </a:effectRef>
-          <a:fontRef idx="minor">
-            <a:schemeClr val="dk1"/>
-          </a:fontRef>
-        </p:style>
-        <p:txBody>
-          <a:bodyPr rtlCol="0" anchor="ctr"/>
-          <a:lstStyle/>
-          <a:p>
-            <a:pPr algn="ctr"/>
-            <a:r>
-              <a:rPr lang="en-US" sz="1400" dirty="0" err="1" smtClean="0">
-                <a:latin typeface="Montserrat"/>
-              </a:rPr>
-              <a:t>SparkR</a:t>
-            </a:r>
-            <a:endParaRPr lang="en-US" sz="1400" dirty="0">
-              <a:latin typeface="Montserrat"/>
-            </a:endParaRPr>
-          </a:p>
-        </p:txBody>
-      </p:sp>
-      <p:sp>
-        <p:nvSpPr>
-          <p:cNvPr id="9" name="Rounded Rectangle 8"/>
-          <p:cNvSpPr/>
-          <p:nvPr/>
-        </p:nvSpPr>
-        <p:spPr>
-          <a:xfrm>
-            <a:off x="6908800" y="1902148"/>
-            <a:ext cx="1371600" cy="2463800"/>
-          </a:xfrm>
-          <a:prstGeom prst="roundRect">
-            <a:avLst/>
-          </a:prstGeom>
-        </p:spPr>
-        <p:style>
-          <a:lnRef idx="1">
-            <a:schemeClr val="accent4"/>
-          </a:lnRef>
-          <a:fillRef idx="2">
-            <a:schemeClr val="accent4"/>
-          </a:fillRef>
-          <a:effectRef idx="1">
-            <a:schemeClr val="accent4"/>
-          </a:effectRef>
-          <a:fontRef idx="minor">
-            <a:schemeClr val="dk1"/>
-          </a:fontRef>
-        </p:style>
-        <p:txBody>
-          <a:bodyPr rtlCol="0" anchor="ctr"/>
-          <a:lstStyle/>
-          <a:p>
-            <a:pPr algn="ctr"/>
-            <a:r>
-              <a:rPr lang="en-US" sz="1400" dirty="0" err="1" smtClean="0">
-                <a:latin typeface="Montserrat"/>
-              </a:rPr>
-              <a:t>GraphX</a:t>
-            </a:r>
-            <a:endParaRPr lang="en-US" sz="1400" dirty="0">
-              <a:latin typeface="Montserrat"/>
-            </a:endParaRPr>
+            <a:r>
+              <a:rPr lang="en-US" dirty="0" smtClean="0"/>
+              <a:t>Spark understands the locality of data:</a:t>
+            </a:r>
+          </a:p>
+          <a:p>
+            <a:pPr lvl="1"/>
+            <a:r>
+              <a:rPr lang="en-US" dirty="0" smtClean="0"/>
+              <a:t>Already in memory</a:t>
+            </a:r>
+          </a:p>
+          <a:p>
+            <a:pPr lvl="1"/>
+            <a:r>
+              <a:rPr lang="en-US" dirty="0" smtClean="0"/>
+              <a:t>HDFS location</a:t>
+            </a:r>
+          </a:p>
+          <a:p>
+            <a:pPr lvl="1"/>
+            <a:r>
+              <a:rPr lang="en-US" dirty="0" smtClean="0"/>
+              <a:t>Cassandra location</a:t>
+            </a:r>
+            <a:endParaRPr lang="en-US" dirty="0"/>
           </a:p>
         </p:txBody>
       </p:sp>
     </p:spTree>
     <p:extLst>
       <p:ext uri="{BB962C8B-B14F-4D97-AF65-F5344CB8AC3E}">
-        <p14:creationId xmlns:p14="http://schemas.microsoft.com/office/powerpoint/2010/main" val="1179171226"/>
+        <p14:creationId xmlns:p14="http://schemas.microsoft.com/office/powerpoint/2010/main" val="546616968"/>
       </p:ext>
     </p:extLst>
   </p:cSld>
@@ -7041,108 +6876,299 @@
       </p:sp>
       <p:sp>
         <p:nvSpPr>
-          <p:cNvPr id="3" name="Content Placeholder 2"/>
-          <p:cNvSpPr>
-            <a:spLocks noGrp="1"/>
-          </p:cNvSpPr>
-          <p:nvPr>
-            <p:ph idx="1"/>
-          </p:nvPr>
-        </p:nvSpPr>
-        <p:spPr/>
-        <p:txBody>
-          <a:bodyPr>
-            <a:normAutofit fontScale="92500" lnSpcReduction="20000"/>
-          </a:bodyPr>
+          <p:cNvPr id="4" name="Rounded Rectangle 3"/>
+          <p:cNvSpPr/>
+          <p:nvPr/>
+        </p:nvSpPr>
+        <p:spPr>
+          <a:xfrm>
+            <a:off x="812800" y="4510708"/>
+            <a:ext cx="7467600" cy="1117600"/>
+          </a:xfrm>
+          <a:prstGeom prst="roundRect">
+            <a:avLst/>
+          </a:prstGeom>
+        </p:spPr>
+        <p:style>
+          <a:lnRef idx="1">
+            <a:schemeClr val="accent1"/>
+          </a:lnRef>
+          <a:fillRef idx="2">
+            <a:schemeClr val="accent1"/>
+          </a:fillRef>
+          <a:effectRef idx="1">
+            <a:schemeClr val="accent1"/>
+          </a:effectRef>
+          <a:fontRef idx="minor">
+            <a:schemeClr val="dk1"/>
+          </a:fontRef>
+        </p:style>
+        <p:txBody>
+          <a:bodyPr rtlCol="0" anchor="ctr"/>
           <a:lstStyle/>
           <a:p>
-            <a:r>
-              <a:rPr lang="en-US" dirty="0" smtClean="0"/>
-              <a:t>Spark SQL</a:t>
-            </a:r>
-          </a:p>
-          <a:p>
-            <a:pPr lvl="1"/>
-            <a:r>
-              <a:rPr lang="en-US" dirty="0" smtClean="0"/>
-              <a:t>Like Apache Hive – use SQL in Spark</a:t>
-            </a:r>
-          </a:p>
-          <a:p>
-            <a:r>
-              <a:rPr lang="en-US" dirty="0" smtClean="0"/>
-              <a:t>Spark Streaming	</a:t>
-            </a:r>
-          </a:p>
-          <a:p>
-            <a:pPr lvl="1"/>
-            <a:r>
-              <a:rPr lang="en-US" dirty="0" err="1" smtClean="0"/>
-              <a:t>Realtime</a:t>
-            </a:r>
-            <a:r>
-              <a:rPr lang="en-US" dirty="0" smtClean="0"/>
-              <a:t> analysis </a:t>
-            </a:r>
-            <a:r>
-              <a:rPr lang="en-US" smtClean="0"/>
-              <a:t>in Spark</a:t>
-            </a:r>
-            <a:endParaRPr lang="en-US" dirty="0" smtClean="0"/>
-          </a:p>
-          <a:p>
-            <a:r>
-              <a:rPr lang="en-US" dirty="0" smtClean="0"/>
+            <a:pPr algn="ctr"/>
+            <a:r>
+              <a:rPr lang="en-US" sz="2800" dirty="0" smtClean="0">
+                <a:latin typeface="Montserrat"/>
+              </a:rPr>
+              <a:t>Spark Core</a:t>
+            </a:r>
+            <a:endParaRPr lang="en-US" sz="2800" dirty="0">
+              <a:latin typeface="Montserrat"/>
+            </a:endParaRPr>
+          </a:p>
+        </p:txBody>
+      </p:sp>
+      <p:sp>
+        <p:nvSpPr>
+          <p:cNvPr id="5" name="Rounded Rectangle 4"/>
+          <p:cNvSpPr/>
+          <p:nvPr/>
+        </p:nvSpPr>
+        <p:spPr>
+          <a:xfrm>
+            <a:off x="812800" y="1902148"/>
+            <a:ext cx="1371600" cy="2463800"/>
+          </a:xfrm>
+          <a:prstGeom prst="roundRect">
+            <a:avLst/>
+          </a:prstGeom>
+        </p:spPr>
+        <p:style>
+          <a:lnRef idx="1">
+            <a:schemeClr val="accent4"/>
+          </a:lnRef>
+          <a:fillRef idx="2">
+            <a:schemeClr val="accent4"/>
+          </a:fillRef>
+          <a:effectRef idx="1">
+            <a:schemeClr val="accent4"/>
+          </a:effectRef>
+          <a:fontRef idx="minor">
+            <a:schemeClr val="dk1"/>
+          </a:fontRef>
+        </p:style>
+        <p:txBody>
+          <a:bodyPr rtlCol="0" anchor="ctr"/>
+          <a:lstStyle/>
+          <a:p>
+            <a:pPr algn="ctr"/>
+            <a:r>
+              <a:rPr lang="en-US" sz="1400" dirty="0" smtClean="0">
+                <a:latin typeface="Montserrat"/>
+              </a:rPr>
               <a:t>Spark </a:t>
             </a:r>
-            <a:r>
-              <a:rPr lang="en-US" dirty="0" err="1" smtClean="0"/>
-              <a:t>MLLib</a:t>
-            </a:r>
-            <a:endParaRPr lang="en-US" dirty="0" smtClean="0"/>
-          </a:p>
-          <a:p>
-            <a:pPr lvl="1"/>
-            <a:r>
-              <a:rPr lang="en-US" dirty="0" smtClean="0"/>
-              <a:t>Like Mahout – Machine learning in Spark</a:t>
-            </a:r>
-          </a:p>
-          <a:p>
-            <a:r>
-              <a:rPr lang="en-US" dirty="0" err="1" smtClean="0"/>
+          </a:p>
+          <a:p>
+            <a:pPr algn="ctr"/>
+            <a:r>
+              <a:rPr lang="en-US" sz="1400" dirty="0" smtClean="0">
+                <a:latin typeface="Montserrat"/>
+              </a:rPr>
+              <a:t>SQL</a:t>
+            </a:r>
+            <a:endParaRPr lang="en-US" sz="1400" dirty="0">
+              <a:latin typeface="Montserrat"/>
+            </a:endParaRPr>
+          </a:p>
+        </p:txBody>
+      </p:sp>
+      <p:sp>
+        <p:nvSpPr>
+          <p:cNvPr id="6" name="Rounded Rectangle 5"/>
+          <p:cNvSpPr/>
+          <p:nvPr/>
+        </p:nvSpPr>
+        <p:spPr>
+          <a:xfrm>
+            <a:off x="2336800" y="1902148"/>
+            <a:ext cx="1371600" cy="2463800"/>
+          </a:xfrm>
+          <a:prstGeom prst="roundRect">
+            <a:avLst/>
+          </a:prstGeom>
+        </p:spPr>
+        <p:style>
+          <a:lnRef idx="1">
+            <a:schemeClr val="accent4"/>
+          </a:lnRef>
+          <a:fillRef idx="2">
+            <a:schemeClr val="accent4"/>
+          </a:fillRef>
+          <a:effectRef idx="1">
+            <a:schemeClr val="accent4"/>
+          </a:effectRef>
+          <a:fontRef idx="minor">
+            <a:schemeClr val="dk1"/>
+          </a:fontRef>
+        </p:style>
+        <p:txBody>
+          <a:bodyPr rtlCol="0" anchor="ctr"/>
+          <a:lstStyle/>
+          <a:p>
+            <a:pPr algn="ctr"/>
+            <a:r>
+              <a:rPr lang="en-US" sz="1400" dirty="0" smtClean="0">
+                <a:latin typeface="Montserrat"/>
+              </a:rPr>
+              <a:t>Spark Streaming</a:t>
+            </a:r>
+            <a:endParaRPr lang="en-US" sz="1400" dirty="0">
+              <a:latin typeface="Montserrat"/>
+            </a:endParaRPr>
+          </a:p>
+        </p:txBody>
+      </p:sp>
+      <p:sp>
+        <p:nvSpPr>
+          <p:cNvPr id="7" name="Rounded Rectangle 6"/>
+          <p:cNvSpPr/>
+          <p:nvPr/>
+        </p:nvSpPr>
+        <p:spPr>
+          <a:xfrm>
+            <a:off x="3860800" y="1902148"/>
+            <a:ext cx="1371600" cy="2463800"/>
+          </a:xfrm>
+          <a:prstGeom prst="roundRect">
+            <a:avLst/>
+          </a:prstGeom>
+        </p:spPr>
+        <p:style>
+          <a:lnRef idx="1">
+            <a:schemeClr val="accent4"/>
+          </a:lnRef>
+          <a:fillRef idx="2">
+            <a:schemeClr val="accent4"/>
+          </a:fillRef>
+          <a:effectRef idx="1">
+            <a:schemeClr val="accent4"/>
+          </a:effectRef>
+          <a:fontRef idx="minor">
+            <a:schemeClr val="dk1"/>
+          </a:fontRef>
+        </p:style>
+        <p:txBody>
+          <a:bodyPr rtlCol="0" anchor="ctr"/>
+          <a:lstStyle/>
+          <a:p>
+            <a:pPr algn="ctr"/>
+            <a:r>
+              <a:rPr lang="en-US" sz="1400" dirty="0" smtClean="0">
+                <a:latin typeface="Montserrat"/>
+              </a:rPr>
+              <a:t>Spark</a:t>
+            </a:r>
+          </a:p>
+          <a:p>
+            <a:pPr algn="ctr"/>
+            <a:r>
+              <a:rPr lang="en-US" sz="1400" dirty="0" smtClean="0">
+                <a:latin typeface="Montserrat"/>
+              </a:rPr>
+              <a:t>MLlib	</a:t>
+            </a:r>
+          </a:p>
+        </p:txBody>
+      </p:sp>
+      <p:sp>
+        <p:nvSpPr>
+          <p:cNvPr id="8" name="Rounded Rectangle 7"/>
+          <p:cNvSpPr/>
+          <p:nvPr/>
+        </p:nvSpPr>
+        <p:spPr>
+          <a:xfrm>
+            <a:off x="5384800" y="1902148"/>
+            <a:ext cx="1371600" cy="2463800"/>
+          </a:xfrm>
+          <a:prstGeom prst="roundRect">
+            <a:avLst/>
+          </a:prstGeom>
+        </p:spPr>
+        <p:style>
+          <a:lnRef idx="1">
+            <a:schemeClr val="accent4"/>
+          </a:lnRef>
+          <a:fillRef idx="2">
+            <a:schemeClr val="accent4"/>
+          </a:fillRef>
+          <a:effectRef idx="1">
+            <a:schemeClr val="accent4"/>
+          </a:effectRef>
+          <a:fontRef idx="minor">
+            <a:schemeClr val="dk1"/>
+          </a:fontRef>
+        </p:style>
+        <p:txBody>
+          <a:bodyPr rtlCol="0" anchor="ctr"/>
+          <a:lstStyle/>
+          <a:p>
+            <a:pPr algn="ctr"/>
+            <a:r>
+              <a:rPr lang="en-US" sz="1400" dirty="0" err="1" smtClean="0">
+                <a:latin typeface="Montserrat"/>
+              </a:rPr>
+              <a:t>SparkR</a:t>
+            </a:r>
+            <a:endParaRPr lang="en-US" sz="1400" dirty="0">
+              <a:latin typeface="Montserrat"/>
+            </a:endParaRPr>
+          </a:p>
+        </p:txBody>
+      </p:sp>
+      <p:sp>
+        <p:nvSpPr>
+          <p:cNvPr id="9" name="Rounded Rectangle 8"/>
+          <p:cNvSpPr/>
+          <p:nvPr/>
+        </p:nvSpPr>
+        <p:spPr>
+          <a:xfrm>
+            <a:off x="6908800" y="1902148"/>
+            <a:ext cx="1371600" cy="2463800"/>
+          </a:xfrm>
+          <a:prstGeom prst="roundRect">
+            <a:avLst/>
+          </a:prstGeom>
+        </p:spPr>
+        <p:style>
+          <a:lnRef idx="1">
+            <a:schemeClr val="accent4"/>
+          </a:lnRef>
+          <a:fillRef idx="2">
+            <a:schemeClr val="accent4"/>
+          </a:fillRef>
+          <a:effectRef idx="1">
+            <a:schemeClr val="accent4"/>
+          </a:effectRef>
+          <a:fontRef idx="minor">
+            <a:schemeClr val="dk1"/>
+          </a:fontRef>
+        </p:style>
+        <p:txBody>
+          <a:bodyPr rtlCol="0" anchor="ctr"/>
+          <a:lstStyle/>
+          <a:p>
+            <a:pPr algn="ctr"/>
+            <a:r>
+              <a:rPr lang="en-US" sz="1400" dirty="0" err="1" smtClean="0">
+                <a:latin typeface="Montserrat"/>
+              </a:rPr>
               <a:t>GraphX</a:t>
             </a:r>
-            <a:endParaRPr lang="en-US" dirty="0" smtClean="0"/>
-          </a:p>
-          <a:p>
-            <a:pPr lvl="1"/>
-            <a:r>
-              <a:rPr lang="en-US" dirty="0" smtClean="0"/>
-              <a:t>Graph processing in Spark</a:t>
-            </a:r>
-          </a:p>
-          <a:p>
-            <a:r>
-              <a:rPr lang="en-US" dirty="0" err="1" smtClean="0"/>
-              <a:t>SparkR</a:t>
-            </a:r>
-            <a:endParaRPr lang="en-US" dirty="0" smtClean="0"/>
-          </a:p>
-          <a:p>
-            <a:pPr lvl="1"/>
-            <a:r>
-              <a:rPr lang="en-US" dirty="0" smtClean="0"/>
-              <a:t>R statistical analysis on Spark</a:t>
-            </a:r>
-            <a:endParaRPr lang="en-US" dirty="0"/>
+            <a:endParaRPr lang="en-US" sz="1400" dirty="0">
+              <a:latin typeface="Montserrat"/>
+            </a:endParaRPr>
           </a:p>
         </p:txBody>
       </p:sp>
     </p:spTree>
     <p:extLst>
       <p:ext uri="{BB962C8B-B14F-4D97-AF65-F5344CB8AC3E}">
-        <p14:creationId xmlns:p14="http://schemas.microsoft.com/office/powerpoint/2010/main" val="2973337137"/>
+        <p14:creationId xmlns:p14="http://schemas.microsoft.com/office/powerpoint/2010/main" val="1179171226"/>
       </p:ext>
     </p:extLst>
   </p:cSld>
@@ -7185,8 +7211,8 @@
           <a:lstStyle/>
           <a:p>
             <a:r>
-              <a:rPr lang="en-US" dirty="0" err="1" smtClean="0"/>
-              <a:t>SparkSQL</a:t>
+              <a:rPr lang="en-US" dirty="0" smtClean="0"/>
+              <a:t>Spark Extras</a:t>
             </a:r>
             <a:endParaRPr lang="en-US" dirty="0"/>
           </a:p>
@@ -7205,38 +7231,52 @@
         <p:spPr/>
         <p:txBody>
           <a:bodyPr>
-            <a:normAutofit fontScale="92500" lnSpcReduction="10000"/>
+            <a:normAutofit fontScale="92500" lnSpcReduction="20000"/>
           </a:bodyPr>
           <a:lstStyle/>
           <a:p>
             <a:r>
               <a:rPr lang="en-US" dirty="0" smtClean="0"/>
-              <a:t>Integrates into existing Spark programs</a:t>
+              <a:t>Spark SQL</a:t>
             </a:r>
           </a:p>
           <a:p>
             <a:pPr lvl="1"/>
             <a:r>
               <a:rPr lang="en-US" dirty="0" smtClean="0"/>
-              <a:t>Mixes SQL with Python, </a:t>
-            </a:r>
+              <a:t>Like Apache Hive – use SQL in Spark</a:t>
+            </a:r>
+          </a:p>
+          <a:p>
+            <a:r>
+              <a:rPr lang="en-US" dirty="0" smtClean="0"/>
+              <a:t>Spark Streaming	</a:t>
+            </a:r>
+          </a:p>
+          <a:p>
+            <a:pPr lvl="1"/>
             <a:r>
               <a:rPr lang="en-US" dirty="0" err="1" smtClean="0"/>
-              <a:t>Scala</a:t>
-            </a:r>
-            <a:r>
-              <a:rPr lang="en-US" dirty="0" smtClean="0"/>
-              <a:t> or Java</a:t>
-            </a:r>
-          </a:p>
-          <a:p>
-            <a:r>
-              <a:rPr lang="en-US" dirty="0" smtClean="0"/>
-              <a:t>Integrates data from CSV, Avro, Parquet, JDBC, ODBC, JSON, </a:t>
+              <a:t>Realtime</a:t>
+            </a:r>
+            <a:r>
+              <a:rPr lang="en-US" dirty="0" smtClean="0"/>
+              <a:t> analysis </a:t>
+            </a:r>
+            <a:r>
+              <a:rPr lang="en-US" smtClean="0"/>
+              <a:t>in Spark</a:t>
+            </a:r>
+            <a:endParaRPr lang="en-US" dirty="0" smtClean="0"/>
+          </a:p>
+          <a:p>
+            <a:r>
+              <a:rPr lang="en-US" dirty="0" smtClean="0"/>
+              <a:t>Spark </a:t>
             </a:r>
             <a:r>
               <a:rPr lang="en-US" dirty="0" err="1" smtClean="0"/>
-              <a:t>etc</a:t>
+              <a:t>MLLib</a:t>
             </a:r>
             <a:endParaRPr lang="en-US" dirty="0" smtClean="0"/>
           </a:p>
@@ -7244,26 +7284,35 @@
             <a:pPr lvl="1"/>
             <a:r>
               <a:rPr lang="en-US" dirty="0" smtClean="0"/>
-              <a:t>Including joins across them</a:t>
-            </a:r>
-          </a:p>
-          <a:p>
-            <a:r>
-              <a:rPr lang="en-US" dirty="0" smtClean="0"/>
-              <a:t>Fully supports Apache Hive</a:t>
-            </a:r>
+              <a:t>Like Mahout – Machine learning in Spark</a:t>
+            </a:r>
+          </a:p>
+          <a:p>
+            <a:r>
+              <a:rPr lang="en-US" dirty="0" err="1" smtClean="0"/>
+              <a:t>GraphX</a:t>
+            </a:r>
+            <a:endParaRPr lang="en-US" dirty="0" smtClean="0"/>
           </a:p>
           <a:p>
             <a:pPr lvl="1"/>
             <a:r>
-              <a:rPr lang="en-US" i="1" dirty="0" smtClean="0"/>
-              <a:t>If you build it with Hive support</a:t>
-            </a:r>
-          </a:p>
-          <a:p>
-            <a:r>
-              <a:rPr lang="en-US" dirty="0" smtClean="0"/>
-              <a:t>Fits into the resilient scalable model of Spark</a:t>
+              <a:rPr lang="en-US" dirty="0" smtClean="0"/>
+              <a:t>Graph processing in Spark</a:t>
+            </a:r>
+          </a:p>
+          <a:p>
+            <a:r>
+              <a:rPr lang="en-US" dirty="0" err="1" smtClean="0"/>
+              <a:t>SparkR</a:t>
+            </a:r>
+            <a:endParaRPr lang="en-US" dirty="0" smtClean="0"/>
+          </a:p>
+          <a:p>
+            <a:pPr lvl="1"/>
+            <a:r>
+              <a:rPr lang="en-US" dirty="0" smtClean="0"/>
+              <a:t>R statistical analysis on Spark</a:t>
             </a:r>
             <a:endParaRPr lang="en-US" dirty="0"/>
           </a:p>
@@ -7272,7 +7321,7 @@
     </p:spTree>
     <p:extLst>
       <p:ext uri="{BB962C8B-B14F-4D97-AF65-F5344CB8AC3E}">
-        <p14:creationId xmlns:p14="http://schemas.microsoft.com/office/powerpoint/2010/main" val="2727632874"/>
+        <p14:creationId xmlns:p14="http://schemas.microsoft.com/office/powerpoint/2010/main" val="2973337137"/>
       </p:ext>
     </p:extLst>
   </p:cSld>
@@ -7315,8 +7364,8 @@
           <a:lstStyle/>
           <a:p>
             <a:r>
-              <a:rPr lang="en-US" dirty="0" smtClean="0"/>
-              <a:t>Spark SQL example</a:t>
+              <a:rPr lang="en-US" dirty="0" err="1" smtClean="0"/>
+              <a:t>SparkSQL</a:t>
             </a:r>
             <a:endParaRPr lang="en-US" dirty="0"/>
           </a:p>
@@ -7335,463 +7384,74 @@
         <p:spPr/>
         <p:txBody>
           <a:bodyPr>
-            <a:normAutofit fontScale="47500" lnSpcReduction="20000"/>
+            <a:normAutofit fontScale="92500" lnSpcReduction="10000"/>
           </a:bodyPr>
           <a:lstStyle/>
           <a:p>
-            <a:pPr marL="0" indent="0">
-              <a:buNone/>
-            </a:pPr>
-            <a:r>
-              <a:rPr lang="en-US" dirty="0">
-                <a:latin typeface="Lucida Console"/>
-                <a:cs typeface="Lucida Console"/>
-              </a:rPr>
-              <a:t>from </a:t>
-            </a:r>
-            <a:r>
-              <a:rPr lang="en-US" dirty="0" err="1">
-                <a:latin typeface="Lucida Console"/>
-                <a:cs typeface="Lucida Console"/>
-              </a:rPr>
-              <a:t>pyspark.sql</a:t>
-            </a:r>
-            <a:r>
-              <a:rPr lang="en-US" dirty="0">
-                <a:latin typeface="Lucida Console"/>
-                <a:cs typeface="Lucida Console"/>
-              </a:rPr>
-              <a:t> import </a:t>
-            </a:r>
-            <a:r>
-              <a:rPr lang="en-US" dirty="0" err="1">
-                <a:latin typeface="Lucida Console"/>
-                <a:cs typeface="Lucida Console"/>
-              </a:rPr>
-              <a:t>SQLContext</a:t>
-            </a:r>
-            <a:r>
-              <a:rPr lang="en-US" dirty="0">
-                <a:latin typeface="Lucida Console"/>
-                <a:cs typeface="Lucida Console"/>
-              </a:rPr>
-              <a:t>, Row</a:t>
-            </a:r>
-          </a:p>
-          <a:p>
-            <a:pPr marL="0" indent="0">
-              <a:buNone/>
-            </a:pPr>
-            <a:r>
-              <a:rPr lang="en-US" dirty="0" err="1">
-                <a:latin typeface="Lucida Console"/>
-                <a:cs typeface="Lucida Console"/>
-              </a:rPr>
-              <a:t>sqlContext</a:t>
-            </a:r>
-            <a:r>
-              <a:rPr lang="en-US" dirty="0">
-                <a:latin typeface="Lucida Console"/>
-                <a:cs typeface="Lucida Console"/>
-              </a:rPr>
-              <a:t> = </a:t>
-            </a:r>
-            <a:r>
-              <a:rPr lang="en-US" dirty="0" err="1">
-                <a:latin typeface="Lucida Console"/>
-                <a:cs typeface="Lucida Console"/>
-              </a:rPr>
-              <a:t>SQLContext</a:t>
-            </a:r>
-            <a:r>
-              <a:rPr lang="en-US" dirty="0">
-                <a:latin typeface="Lucida Console"/>
-                <a:cs typeface="Lucida Console"/>
-              </a:rPr>
-              <a:t>(</a:t>
-            </a:r>
-            <a:r>
-              <a:rPr lang="en-US" dirty="0" err="1">
-                <a:latin typeface="Lucida Console"/>
-                <a:cs typeface="Lucida Console"/>
-              </a:rPr>
-              <a:t>sc</a:t>
-            </a:r>
-            <a:r>
-              <a:rPr lang="en-US" dirty="0">
-                <a:latin typeface="Lucida Console"/>
-                <a:cs typeface="Lucida Console"/>
-              </a:rPr>
-              <a:t>)</a:t>
-            </a:r>
-          </a:p>
-          <a:p>
-            <a:pPr marL="0" indent="0">
-              <a:buNone/>
-            </a:pPr>
-            <a:endParaRPr lang="en-US" dirty="0">
-              <a:latin typeface="Lucida Console"/>
-              <a:cs typeface="Lucida Console"/>
-            </a:endParaRPr>
-          </a:p>
-          <a:p>
-            <a:pPr marL="0" indent="0">
-              <a:buNone/>
-            </a:pPr>
-            <a:r>
-              <a:rPr lang="en-US" dirty="0">
-                <a:latin typeface="Lucida Console"/>
-                <a:cs typeface="Lucida Console"/>
-              </a:rPr>
-              <a:t>lines = </a:t>
-            </a:r>
-            <a:r>
-              <a:rPr lang="en-US" dirty="0" err="1">
-                <a:latin typeface="Lucida Console"/>
-                <a:cs typeface="Lucida Console"/>
-              </a:rPr>
-              <a:t>sc.textFile</a:t>
-            </a:r>
-            <a:r>
-              <a:rPr lang="en-US" dirty="0">
-                <a:latin typeface="Lucida Console"/>
-                <a:cs typeface="Lucida Console"/>
-              </a:rPr>
-              <a:t>("examples/</a:t>
-            </a:r>
-            <a:r>
-              <a:rPr lang="en-US" dirty="0" err="1">
-                <a:latin typeface="Lucida Console"/>
-                <a:cs typeface="Lucida Console"/>
-              </a:rPr>
-              <a:t>src</a:t>
-            </a:r>
-            <a:r>
-              <a:rPr lang="en-US" dirty="0">
-                <a:latin typeface="Lucida Console"/>
-                <a:cs typeface="Lucida Console"/>
-              </a:rPr>
-              <a:t>/main/resources/</a:t>
-            </a:r>
-            <a:r>
-              <a:rPr lang="en-US" dirty="0" err="1">
-                <a:latin typeface="Lucida Console"/>
-                <a:cs typeface="Lucida Console"/>
-              </a:rPr>
-              <a:t>people.txt</a:t>
-            </a:r>
-            <a:r>
-              <a:rPr lang="en-US" dirty="0">
-                <a:latin typeface="Lucida Console"/>
-                <a:cs typeface="Lucida Console"/>
-              </a:rPr>
-              <a:t>")</a:t>
-            </a:r>
-          </a:p>
-          <a:p>
-            <a:pPr marL="0" indent="0">
-              <a:buNone/>
-            </a:pPr>
-            <a:r>
-              <a:rPr lang="en-US" dirty="0">
-                <a:latin typeface="Lucida Console"/>
-                <a:cs typeface="Lucida Console"/>
-              </a:rPr>
-              <a:t>parts = </a:t>
-            </a:r>
-            <a:r>
-              <a:rPr lang="en-US" dirty="0" err="1">
-                <a:latin typeface="Lucida Console"/>
-                <a:cs typeface="Lucida Console"/>
-              </a:rPr>
-              <a:t>lines.map</a:t>
-            </a:r>
-            <a:r>
-              <a:rPr lang="en-US" dirty="0">
-                <a:latin typeface="Lucida Console"/>
-                <a:cs typeface="Lucida Console"/>
-              </a:rPr>
-              <a:t>(lambda l: </a:t>
-            </a:r>
-            <a:r>
-              <a:rPr lang="en-US" dirty="0" err="1">
-                <a:latin typeface="Lucida Console"/>
-                <a:cs typeface="Lucida Console"/>
-              </a:rPr>
-              <a:t>l.split</a:t>
-            </a:r>
-            <a:r>
-              <a:rPr lang="en-US" dirty="0">
-                <a:latin typeface="Lucida Console"/>
-                <a:cs typeface="Lucida Console"/>
-              </a:rPr>
-              <a:t>(","))</a:t>
-            </a:r>
-          </a:p>
-          <a:p>
-            <a:pPr marL="0" indent="0">
-              <a:buNone/>
-            </a:pPr>
-            <a:r>
-              <a:rPr lang="en-US" dirty="0">
-                <a:latin typeface="Lucida Console"/>
-                <a:cs typeface="Lucida Console"/>
-              </a:rPr>
-              <a:t>people = </a:t>
-            </a:r>
-            <a:r>
-              <a:rPr lang="en-US" dirty="0" err="1">
-                <a:latin typeface="Lucida Console"/>
-                <a:cs typeface="Lucida Console"/>
-              </a:rPr>
-              <a:t>parts.map</a:t>
-            </a:r>
-            <a:r>
-              <a:rPr lang="en-US" dirty="0">
-                <a:latin typeface="Lucida Console"/>
-                <a:cs typeface="Lucida Console"/>
-              </a:rPr>
-              <a:t>(lambda p: Row(name=p[0], age=</a:t>
-            </a:r>
-            <a:r>
-              <a:rPr lang="en-US" dirty="0" err="1">
-                <a:latin typeface="Lucida Console"/>
-                <a:cs typeface="Lucida Console"/>
-              </a:rPr>
-              <a:t>int</a:t>
-            </a:r>
-            <a:r>
-              <a:rPr lang="en-US" dirty="0">
-                <a:latin typeface="Lucida Console"/>
-                <a:cs typeface="Lucida Console"/>
-              </a:rPr>
-              <a:t>(p[1])))</a:t>
-            </a:r>
-          </a:p>
-          <a:p>
-            <a:pPr marL="0" indent="0">
-              <a:buNone/>
-            </a:pPr>
-            <a:endParaRPr lang="en-US" dirty="0">
-              <a:latin typeface="Lucida Console"/>
-              <a:cs typeface="Lucida Console"/>
-            </a:endParaRPr>
-          </a:p>
-          <a:p>
-            <a:pPr marL="0" indent="0">
-              <a:buNone/>
-            </a:pPr>
-            <a:r>
-              <a:rPr lang="en-US" dirty="0" err="1">
-                <a:latin typeface="Lucida Console"/>
-                <a:cs typeface="Lucida Console"/>
-              </a:rPr>
-              <a:t>schemaPeople</a:t>
-            </a:r>
-            <a:r>
-              <a:rPr lang="en-US" dirty="0">
-                <a:latin typeface="Lucida Console"/>
-                <a:cs typeface="Lucida Console"/>
-              </a:rPr>
-              <a:t> = </a:t>
-            </a:r>
-            <a:r>
-              <a:rPr lang="en-US" dirty="0" err="1">
-                <a:latin typeface="Lucida Console"/>
-                <a:cs typeface="Lucida Console"/>
-              </a:rPr>
-              <a:t>sqlContext.createDataFrame</a:t>
-            </a:r>
-            <a:r>
-              <a:rPr lang="en-US" dirty="0">
-                <a:latin typeface="Lucida Console"/>
-                <a:cs typeface="Lucida Console"/>
-              </a:rPr>
-              <a:t>(people)</a:t>
-            </a:r>
-          </a:p>
-          <a:p>
-            <a:pPr marL="0" indent="0">
-              <a:buNone/>
-            </a:pPr>
-            <a:r>
-              <a:rPr lang="en-US" dirty="0" err="1">
-                <a:latin typeface="Lucida Console"/>
-                <a:cs typeface="Lucida Console"/>
-              </a:rPr>
-              <a:t>schemaPeople.registerTempTable</a:t>
-            </a:r>
-            <a:r>
-              <a:rPr lang="en-US" dirty="0">
-                <a:latin typeface="Lucida Console"/>
-                <a:cs typeface="Lucida Console"/>
-              </a:rPr>
-              <a:t>("people")</a:t>
-            </a:r>
-          </a:p>
-          <a:p>
-            <a:pPr marL="0" indent="0">
-              <a:buNone/>
-            </a:pPr>
-            <a:endParaRPr lang="en-US" dirty="0">
-              <a:latin typeface="Lucida Console"/>
-              <a:cs typeface="Lucida Console"/>
-            </a:endParaRPr>
-          </a:p>
-          <a:p>
-            <a:pPr marL="0" indent="0">
-              <a:buNone/>
-            </a:pPr>
-            <a:r>
-              <a:rPr lang="en-US" dirty="0">
-                <a:latin typeface="Lucida Console"/>
-                <a:cs typeface="Lucida Console"/>
-              </a:rPr>
-              <a:t>teenagers = </a:t>
-            </a:r>
-            <a:r>
-              <a:rPr lang="en-US" dirty="0" err="1">
-                <a:latin typeface="Lucida Console"/>
-                <a:cs typeface="Lucida Console"/>
-              </a:rPr>
-              <a:t>sqlContext.sql</a:t>
-            </a:r>
-            <a:r>
-              <a:rPr lang="en-US" dirty="0">
-                <a:latin typeface="Lucida Console"/>
-                <a:cs typeface="Lucida Console"/>
-              </a:rPr>
-              <a:t>("SELECT name FROM people WHERE age &gt;= 13 AND age &lt;= 19")</a:t>
-            </a:r>
-          </a:p>
-          <a:p>
-            <a:pPr marL="0" indent="0">
-              <a:buNone/>
-            </a:pPr>
-            <a:endParaRPr lang="en-US" dirty="0">
-              <a:latin typeface="Lucida Console"/>
-              <a:cs typeface="Lucida Console"/>
-            </a:endParaRPr>
-          </a:p>
-          <a:p>
-            <a:pPr marL="0" indent="0">
-              <a:buNone/>
-            </a:pPr>
-            <a:r>
-              <a:rPr lang="en-US" dirty="0" err="1">
-                <a:latin typeface="Lucida Console"/>
-                <a:cs typeface="Lucida Console"/>
-              </a:rPr>
-              <a:t>teenNames</a:t>
-            </a:r>
-            <a:r>
-              <a:rPr lang="en-US" dirty="0">
-                <a:latin typeface="Lucida Console"/>
-                <a:cs typeface="Lucida Console"/>
-              </a:rPr>
-              <a:t> = </a:t>
-            </a:r>
-            <a:r>
-              <a:rPr lang="en-US" dirty="0" err="1">
-                <a:latin typeface="Lucida Console"/>
-                <a:cs typeface="Lucida Console"/>
-              </a:rPr>
-              <a:t>teenagers.map</a:t>
-            </a:r>
-            <a:r>
-              <a:rPr lang="en-US" dirty="0">
-                <a:latin typeface="Lucida Console"/>
-                <a:cs typeface="Lucida Console"/>
-              </a:rPr>
-              <a:t>(lambda p: "Name: " + </a:t>
-            </a:r>
-            <a:r>
-              <a:rPr lang="en-US" dirty="0" err="1">
-                <a:latin typeface="Lucida Console"/>
-                <a:cs typeface="Lucida Console"/>
-              </a:rPr>
-              <a:t>p.name</a:t>
-            </a:r>
-            <a:r>
-              <a:rPr lang="en-US" dirty="0">
-                <a:latin typeface="Lucida Console"/>
-                <a:cs typeface="Lucida Console"/>
-              </a:rPr>
-              <a:t>)</a:t>
-            </a:r>
-          </a:p>
-          <a:p>
-            <a:pPr marL="0" indent="0">
-              <a:buNone/>
-            </a:pPr>
-            <a:r>
-              <a:rPr lang="en-US" dirty="0">
-                <a:latin typeface="Lucida Console"/>
-                <a:cs typeface="Lucida Console"/>
-              </a:rPr>
-              <a:t>for </a:t>
-            </a:r>
-            <a:r>
-              <a:rPr lang="en-US" dirty="0" err="1">
-                <a:latin typeface="Lucida Console"/>
-                <a:cs typeface="Lucida Console"/>
-              </a:rPr>
-              <a:t>teenName</a:t>
-            </a:r>
-            <a:r>
-              <a:rPr lang="en-US" dirty="0">
-                <a:latin typeface="Lucida Console"/>
-                <a:cs typeface="Lucida Console"/>
-              </a:rPr>
-              <a:t> in </a:t>
-            </a:r>
-            <a:r>
-              <a:rPr lang="en-US" dirty="0" err="1">
-                <a:latin typeface="Lucida Console"/>
-                <a:cs typeface="Lucida Console"/>
-              </a:rPr>
-              <a:t>teenNames.collect</a:t>
-            </a:r>
-            <a:r>
-              <a:rPr lang="en-US" dirty="0">
-                <a:latin typeface="Lucida Console"/>
-                <a:cs typeface="Lucida Console"/>
-              </a:rPr>
-              <a:t>():</a:t>
-            </a:r>
-          </a:p>
-          <a:p>
-            <a:pPr marL="0" indent="0">
-              <a:buNone/>
-            </a:pPr>
-            <a:r>
-              <a:rPr lang="en-US" dirty="0">
-                <a:latin typeface="Lucida Console"/>
-                <a:cs typeface="Lucida Console"/>
-              </a:rPr>
-              <a:t>  print(</a:t>
-            </a:r>
-            <a:r>
-              <a:rPr lang="en-US" dirty="0" err="1">
-                <a:latin typeface="Lucida Console"/>
-                <a:cs typeface="Lucida Console"/>
-              </a:rPr>
-              <a:t>teenName</a:t>
-            </a:r>
-            <a:r>
-              <a:rPr lang="en-US" dirty="0">
-                <a:latin typeface="Lucida Console"/>
-                <a:cs typeface="Lucida Console"/>
-              </a:rPr>
-              <a:t>)</a:t>
-            </a:r>
+            <a:r>
+              <a:rPr lang="en-US" dirty="0" smtClean="0"/>
+              <a:t>Integrates into existing Spark programs</a:t>
+            </a:r>
+          </a:p>
+          <a:p>
+            <a:pPr lvl="1"/>
+            <a:r>
+              <a:rPr lang="en-US" dirty="0" smtClean="0"/>
+              <a:t>Mixes SQL with Python, </a:t>
+            </a:r>
+            <a:r>
+              <a:rPr lang="en-US" dirty="0" err="1" smtClean="0"/>
+              <a:t>Scala</a:t>
+            </a:r>
+            <a:r>
+              <a:rPr lang="en-US" dirty="0" smtClean="0"/>
+              <a:t> or Java</a:t>
+            </a:r>
+          </a:p>
+          <a:p>
+            <a:r>
+              <a:rPr lang="en-US" dirty="0" smtClean="0"/>
+              <a:t>Integrates data from CSV, Avro, Parquet, JDBC, ODBC, JSON, </a:t>
+            </a:r>
+            <a:r>
+              <a:rPr lang="en-US" dirty="0" err="1" smtClean="0"/>
+              <a:t>etc</a:t>
+            </a:r>
+            <a:endParaRPr lang="en-US" dirty="0" smtClean="0"/>
+          </a:p>
+          <a:p>
+            <a:pPr lvl="1"/>
+            <a:r>
+              <a:rPr lang="en-US" dirty="0" smtClean="0"/>
+              <a:t>Including joins across them</a:t>
+            </a:r>
+          </a:p>
+          <a:p>
+            <a:r>
+              <a:rPr lang="en-US" dirty="0" smtClean="0"/>
+              <a:t>Fully supports Apache Hive</a:t>
+            </a:r>
+          </a:p>
+          <a:p>
+            <a:pPr lvl="1"/>
+            <a:r>
+              <a:rPr lang="en-US" i="1" dirty="0" smtClean="0"/>
+              <a:t>If you build it with Hive support</a:t>
+            </a:r>
+          </a:p>
+          <a:p>
+            <a:r>
+              <a:rPr lang="en-US" dirty="0" smtClean="0"/>
+              <a:t>Fits into the resilient scalable model of Spark</a:t>
+            </a:r>
+            <a:endParaRPr lang="en-US" dirty="0"/>
           </a:p>
         </p:txBody>
       </p:sp>
     </p:spTree>
     <p:extLst>
       <p:ext uri="{BB962C8B-B14F-4D97-AF65-F5344CB8AC3E}">
-        <p14:creationId xmlns:p14="http://schemas.microsoft.com/office/powerpoint/2010/main" val="2424698580"/>
+        <p14:creationId xmlns:p14="http://schemas.microsoft.com/office/powerpoint/2010/main" val="2727632874"/>
       </p:ext>
     </p:extLst>
   </p:cSld>
@@ -7951,7 +7611,7 @@
           <a:p>
             <a:r>
               <a:rPr lang="en-US" dirty="0" smtClean="0"/>
-              <a:t>Spark MLlib</a:t>
+              <a:t>Spark SQL example</a:t>
             </a:r>
             <a:endParaRPr lang="en-US" dirty="0"/>
           </a:p>
@@ -7970,75 +7630,463 @@
         <p:spPr/>
         <p:txBody>
           <a:bodyPr>
-            <a:normAutofit lnSpcReduction="10000"/>
+            <a:normAutofit fontScale="47500" lnSpcReduction="20000"/>
           </a:bodyPr>
           <a:lstStyle/>
           <a:p>
-            <a:r>
-              <a:rPr lang="en-US" dirty="0" smtClean="0"/>
-              <a:t>Simple stats and correlation testing</a:t>
-            </a:r>
-          </a:p>
-          <a:p>
-            <a:r>
-              <a:rPr lang="en-US" dirty="0" smtClean="0"/>
-              <a:t>Classification and regression</a:t>
-            </a:r>
-          </a:p>
-          <a:p>
-            <a:r>
-              <a:rPr lang="en-US" dirty="0" smtClean="0"/>
-              <a:t>Collaborative Filtering</a:t>
-            </a:r>
-          </a:p>
-          <a:p>
-            <a:pPr lvl="1"/>
-            <a:r>
-              <a:rPr lang="en-US" dirty="0" smtClean="0"/>
-              <a:t>Alternating Least Squares </a:t>
-            </a:r>
-          </a:p>
-          <a:p>
-            <a:r>
-              <a:rPr lang="en-US" dirty="0" smtClean="0"/>
-              <a:t>Clustering</a:t>
-            </a:r>
-          </a:p>
-          <a:p>
-            <a:pPr lvl="1"/>
-            <a:r>
-              <a:rPr lang="en-US" dirty="0"/>
-              <a:t>k</a:t>
-            </a:r>
-            <a:r>
-              <a:rPr lang="en-US" dirty="0" smtClean="0"/>
-              <a:t>-means, </a:t>
-            </a:r>
-            <a:r>
-              <a:rPr lang="en-US" dirty="0" err="1" smtClean="0"/>
-              <a:t>etc</a:t>
-            </a:r>
-            <a:endParaRPr lang="en-US" dirty="0" smtClean="0"/>
-          </a:p>
-          <a:p>
-            <a:r>
-              <a:rPr lang="en-US" dirty="0" smtClean="0"/>
-              <a:t>Frequent Pattern Mining</a:t>
-            </a:r>
-          </a:p>
-          <a:p>
-            <a:r>
-              <a:rPr lang="en-US" dirty="0" smtClean="0"/>
-              <a:t>Plus more</a:t>
-            </a:r>
-            <a:endParaRPr lang="en-US" dirty="0"/>
+            <a:pPr marL="0" indent="0">
+              <a:buNone/>
+            </a:pPr>
+            <a:r>
+              <a:rPr lang="en-US" dirty="0">
+                <a:latin typeface="Lucida Console"/>
+                <a:cs typeface="Lucida Console"/>
+              </a:rPr>
+              <a:t>from </a:t>
+            </a:r>
+            <a:r>
+              <a:rPr lang="en-US" dirty="0" err="1">
+                <a:latin typeface="Lucida Console"/>
+                <a:cs typeface="Lucida Console"/>
+              </a:rPr>
+              <a:t>pyspark.sql</a:t>
+            </a:r>
+            <a:r>
+              <a:rPr lang="en-US" dirty="0">
+                <a:latin typeface="Lucida Console"/>
+                <a:cs typeface="Lucida Console"/>
+              </a:rPr>
+              <a:t> import </a:t>
+            </a:r>
+            <a:r>
+              <a:rPr lang="en-US" dirty="0" err="1">
+                <a:latin typeface="Lucida Console"/>
+                <a:cs typeface="Lucida Console"/>
+              </a:rPr>
+              <a:t>SQLContext</a:t>
+            </a:r>
+            <a:r>
+              <a:rPr lang="en-US" dirty="0">
+                <a:latin typeface="Lucida Console"/>
+                <a:cs typeface="Lucida Console"/>
+              </a:rPr>
+              <a:t>, Row</a:t>
+            </a:r>
+          </a:p>
+          <a:p>
+            <a:pPr marL="0" indent="0">
+              <a:buNone/>
+            </a:pPr>
+            <a:r>
+              <a:rPr lang="en-US" dirty="0" err="1">
+                <a:latin typeface="Lucida Console"/>
+                <a:cs typeface="Lucida Console"/>
+              </a:rPr>
+              <a:t>sqlContext</a:t>
+            </a:r>
+            <a:r>
+              <a:rPr lang="en-US" dirty="0">
+                <a:latin typeface="Lucida Console"/>
+                <a:cs typeface="Lucida Console"/>
+              </a:rPr>
+              <a:t> = </a:t>
+            </a:r>
+            <a:r>
+              <a:rPr lang="en-US" dirty="0" err="1">
+                <a:latin typeface="Lucida Console"/>
+                <a:cs typeface="Lucida Console"/>
+              </a:rPr>
+              <a:t>SQLContext</a:t>
+            </a:r>
+            <a:r>
+              <a:rPr lang="en-US" dirty="0">
+                <a:latin typeface="Lucida Console"/>
+                <a:cs typeface="Lucida Console"/>
+              </a:rPr>
+              <a:t>(</a:t>
+            </a:r>
+            <a:r>
+              <a:rPr lang="en-US" dirty="0" err="1">
+                <a:latin typeface="Lucida Console"/>
+                <a:cs typeface="Lucida Console"/>
+              </a:rPr>
+              <a:t>sc</a:t>
+            </a:r>
+            <a:r>
+              <a:rPr lang="en-US" dirty="0">
+                <a:latin typeface="Lucida Console"/>
+                <a:cs typeface="Lucida Console"/>
+              </a:rPr>
+              <a:t>)</a:t>
+            </a:r>
+          </a:p>
+          <a:p>
+            <a:pPr marL="0" indent="0">
+              <a:buNone/>
+            </a:pPr>
+            <a:endParaRPr lang="en-US" dirty="0">
+              <a:latin typeface="Lucida Console"/>
+              <a:cs typeface="Lucida Console"/>
+            </a:endParaRPr>
+          </a:p>
+          <a:p>
+            <a:pPr marL="0" indent="0">
+              <a:buNone/>
+            </a:pPr>
+            <a:r>
+              <a:rPr lang="en-US" dirty="0">
+                <a:latin typeface="Lucida Console"/>
+                <a:cs typeface="Lucida Console"/>
+              </a:rPr>
+              <a:t>lines = </a:t>
+            </a:r>
+            <a:r>
+              <a:rPr lang="en-US" dirty="0" err="1">
+                <a:latin typeface="Lucida Console"/>
+                <a:cs typeface="Lucida Console"/>
+              </a:rPr>
+              <a:t>sc.textFile</a:t>
+            </a:r>
+            <a:r>
+              <a:rPr lang="en-US" dirty="0">
+                <a:latin typeface="Lucida Console"/>
+                <a:cs typeface="Lucida Console"/>
+              </a:rPr>
+              <a:t>("examples/</a:t>
+            </a:r>
+            <a:r>
+              <a:rPr lang="en-US" dirty="0" err="1">
+                <a:latin typeface="Lucida Console"/>
+                <a:cs typeface="Lucida Console"/>
+              </a:rPr>
+              <a:t>src</a:t>
+            </a:r>
+            <a:r>
+              <a:rPr lang="en-US" dirty="0">
+                <a:latin typeface="Lucida Console"/>
+                <a:cs typeface="Lucida Console"/>
+              </a:rPr>
+              <a:t>/main/resources/</a:t>
+            </a:r>
+            <a:r>
+              <a:rPr lang="en-US" dirty="0" err="1">
+                <a:latin typeface="Lucida Console"/>
+                <a:cs typeface="Lucida Console"/>
+              </a:rPr>
+              <a:t>people.txt</a:t>
+            </a:r>
+            <a:r>
+              <a:rPr lang="en-US" dirty="0">
+                <a:latin typeface="Lucida Console"/>
+                <a:cs typeface="Lucida Console"/>
+              </a:rPr>
+              <a:t>")</a:t>
+            </a:r>
+          </a:p>
+          <a:p>
+            <a:pPr marL="0" indent="0">
+              <a:buNone/>
+            </a:pPr>
+            <a:r>
+              <a:rPr lang="en-US" dirty="0">
+                <a:latin typeface="Lucida Console"/>
+                <a:cs typeface="Lucida Console"/>
+              </a:rPr>
+              <a:t>parts = </a:t>
+            </a:r>
+            <a:r>
+              <a:rPr lang="en-US" dirty="0" err="1">
+                <a:latin typeface="Lucida Console"/>
+                <a:cs typeface="Lucida Console"/>
+              </a:rPr>
+              <a:t>lines.map</a:t>
+            </a:r>
+            <a:r>
+              <a:rPr lang="en-US" dirty="0">
+                <a:latin typeface="Lucida Console"/>
+                <a:cs typeface="Lucida Console"/>
+              </a:rPr>
+              <a:t>(lambda l: </a:t>
+            </a:r>
+            <a:r>
+              <a:rPr lang="en-US" dirty="0" err="1">
+                <a:latin typeface="Lucida Console"/>
+                <a:cs typeface="Lucida Console"/>
+              </a:rPr>
+              <a:t>l.split</a:t>
+            </a:r>
+            <a:r>
+              <a:rPr lang="en-US" dirty="0">
+                <a:latin typeface="Lucida Console"/>
+                <a:cs typeface="Lucida Console"/>
+              </a:rPr>
+              <a:t>(","))</a:t>
+            </a:r>
+          </a:p>
+          <a:p>
+            <a:pPr marL="0" indent="0">
+              <a:buNone/>
+            </a:pPr>
+            <a:r>
+              <a:rPr lang="en-US" dirty="0">
+                <a:latin typeface="Lucida Console"/>
+                <a:cs typeface="Lucida Console"/>
+              </a:rPr>
+              <a:t>people = </a:t>
+            </a:r>
+            <a:r>
+              <a:rPr lang="en-US" dirty="0" err="1">
+                <a:latin typeface="Lucida Console"/>
+                <a:cs typeface="Lucida Console"/>
+              </a:rPr>
+              <a:t>parts.map</a:t>
+            </a:r>
+            <a:r>
+              <a:rPr lang="en-US" dirty="0">
+                <a:latin typeface="Lucida Console"/>
+                <a:cs typeface="Lucida Console"/>
+              </a:rPr>
+              <a:t>(lambda p: Row(name=p[0], age=</a:t>
+            </a:r>
+            <a:r>
+              <a:rPr lang="en-US" dirty="0" err="1">
+                <a:latin typeface="Lucida Console"/>
+                <a:cs typeface="Lucida Console"/>
+              </a:rPr>
+              <a:t>int</a:t>
+            </a:r>
+            <a:r>
+              <a:rPr lang="en-US" dirty="0">
+                <a:latin typeface="Lucida Console"/>
+                <a:cs typeface="Lucida Console"/>
+              </a:rPr>
+              <a:t>(p[1])))</a:t>
+            </a:r>
+          </a:p>
+          <a:p>
+            <a:pPr marL="0" indent="0">
+              <a:buNone/>
+            </a:pPr>
+            <a:endParaRPr lang="en-US" dirty="0">
+              <a:latin typeface="Lucida Console"/>
+              <a:cs typeface="Lucida Console"/>
+            </a:endParaRPr>
+          </a:p>
+          <a:p>
+            <a:pPr marL="0" indent="0">
+              <a:buNone/>
+            </a:pPr>
+            <a:r>
+              <a:rPr lang="en-US" dirty="0" err="1">
+                <a:latin typeface="Lucida Console"/>
+                <a:cs typeface="Lucida Console"/>
+              </a:rPr>
+              <a:t>schemaPeople</a:t>
+            </a:r>
+            <a:r>
+              <a:rPr lang="en-US" dirty="0">
+                <a:latin typeface="Lucida Console"/>
+                <a:cs typeface="Lucida Console"/>
+              </a:rPr>
+              <a:t> = </a:t>
+            </a:r>
+            <a:r>
+              <a:rPr lang="en-US" dirty="0" err="1">
+                <a:latin typeface="Lucida Console"/>
+                <a:cs typeface="Lucida Console"/>
+              </a:rPr>
+              <a:t>sqlContext.createDataFrame</a:t>
+            </a:r>
+            <a:r>
+              <a:rPr lang="en-US" dirty="0">
+                <a:latin typeface="Lucida Console"/>
+                <a:cs typeface="Lucida Console"/>
+              </a:rPr>
+              <a:t>(people)</a:t>
+            </a:r>
+          </a:p>
+          <a:p>
+            <a:pPr marL="0" indent="0">
+              <a:buNone/>
+            </a:pPr>
+            <a:r>
+              <a:rPr lang="en-US" dirty="0" err="1">
+                <a:latin typeface="Lucida Console"/>
+                <a:cs typeface="Lucida Console"/>
+              </a:rPr>
+              <a:t>schemaPeople.registerTempTable</a:t>
+            </a:r>
+            <a:r>
+              <a:rPr lang="en-US" dirty="0">
+                <a:latin typeface="Lucida Console"/>
+                <a:cs typeface="Lucida Console"/>
+              </a:rPr>
+              <a:t>("people")</a:t>
+            </a:r>
+          </a:p>
+          <a:p>
+            <a:pPr marL="0" indent="0">
+              <a:buNone/>
+            </a:pPr>
+            <a:endParaRPr lang="en-US" dirty="0">
+              <a:latin typeface="Lucida Console"/>
+              <a:cs typeface="Lucida Console"/>
+            </a:endParaRPr>
+          </a:p>
+          <a:p>
+            <a:pPr marL="0" indent="0">
+              <a:buNone/>
+            </a:pPr>
+            <a:r>
+              <a:rPr lang="en-US" dirty="0">
+                <a:latin typeface="Lucida Console"/>
+                <a:cs typeface="Lucida Console"/>
+              </a:rPr>
+              <a:t>teenagers = </a:t>
+            </a:r>
+            <a:r>
+              <a:rPr lang="en-US" dirty="0" err="1">
+                <a:latin typeface="Lucida Console"/>
+                <a:cs typeface="Lucida Console"/>
+              </a:rPr>
+              <a:t>sqlContext.sql</a:t>
+            </a:r>
+            <a:r>
+              <a:rPr lang="en-US" dirty="0">
+                <a:latin typeface="Lucida Console"/>
+                <a:cs typeface="Lucida Console"/>
+              </a:rPr>
+              <a:t>("SELECT name FROM people WHERE age &gt;= 13 AND age &lt;= 19")</a:t>
+            </a:r>
+          </a:p>
+          <a:p>
+            <a:pPr marL="0" indent="0">
+              <a:buNone/>
+            </a:pPr>
+            <a:endParaRPr lang="en-US" dirty="0">
+              <a:latin typeface="Lucida Console"/>
+              <a:cs typeface="Lucida Console"/>
+            </a:endParaRPr>
+          </a:p>
+          <a:p>
+            <a:pPr marL="0" indent="0">
+              <a:buNone/>
+            </a:pPr>
+            <a:r>
+              <a:rPr lang="en-US" dirty="0" err="1">
+                <a:latin typeface="Lucida Console"/>
+                <a:cs typeface="Lucida Console"/>
+              </a:rPr>
+              <a:t>teenNames</a:t>
+            </a:r>
+            <a:r>
+              <a:rPr lang="en-US" dirty="0">
+                <a:latin typeface="Lucida Console"/>
+                <a:cs typeface="Lucida Console"/>
+              </a:rPr>
+              <a:t> = </a:t>
+            </a:r>
+            <a:r>
+              <a:rPr lang="en-US" dirty="0" err="1">
+                <a:latin typeface="Lucida Console"/>
+                <a:cs typeface="Lucida Console"/>
+              </a:rPr>
+              <a:t>teenagers.map</a:t>
+            </a:r>
+            <a:r>
+              <a:rPr lang="en-US" dirty="0">
+                <a:latin typeface="Lucida Console"/>
+                <a:cs typeface="Lucida Console"/>
+              </a:rPr>
+              <a:t>(lambda p: "Name: " + </a:t>
+            </a:r>
+            <a:r>
+              <a:rPr lang="en-US" dirty="0" err="1">
+                <a:latin typeface="Lucida Console"/>
+                <a:cs typeface="Lucida Console"/>
+              </a:rPr>
+              <a:t>p.name</a:t>
+            </a:r>
+            <a:r>
+              <a:rPr lang="en-US" dirty="0">
+                <a:latin typeface="Lucida Console"/>
+                <a:cs typeface="Lucida Console"/>
+              </a:rPr>
+              <a:t>)</a:t>
+            </a:r>
+          </a:p>
+          <a:p>
+            <a:pPr marL="0" indent="0">
+              <a:buNone/>
+            </a:pPr>
+            <a:r>
+              <a:rPr lang="en-US" dirty="0">
+                <a:latin typeface="Lucida Console"/>
+                <a:cs typeface="Lucida Console"/>
+              </a:rPr>
+              <a:t>for </a:t>
+            </a:r>
+            <a:r>
+              <a:rPr lang="en-US" dirty="0" err="1">
+                <a:latin typeface="Lucida Console"/>
+                <a:cs typeface="Lucida Console"/>
+              </a:rPr>
+              <a:t>teenName</a:t>
+            </a:r>
+            <a:r>
+              <a:rPr lang="en-US" dirty="0">
+                <a:latin typeface="Lucida Console"/>
+                <a:cs typeface="Lucida Console"/>
+              </a:rPr>
+              <a:t> in </a:t>
+            </a:r>
+            <a:r>
+              <a:rPr lang="en-US" dirty="0" err="1">
+                <a:latin typeface="Lucida Console"/>
+                <a:cs typeface="Lucida Console"/>
+              </a:rPr>
+              <a:t>teenNames.collect</a:t>
+            </a:r>
+            <a:r>
+              <a:rPr lang="en-US" dirty="0">
+                <a:latin typeface="Lucida Console"/>
+                <a:cs typeface="Lucida Console"/>
+              </a:rPr>
+              <a:t>():</a:t>
+            </a:r>
+          </a:p>
+          <a:p>
+            <a:pPr marL="0" indent="0">
+              <a:buNone/>
+            </a:pPr>
+            <a:r>
+              <a:rPr lang="en-US" dirty="0">
+                <a:latin typeface="Lucida Console"/>
+                <a:cs typeface="Lucida Console"/>
+              </a:rPr>
+              <a:t>  print(</a:t>
+            </a:r>
+            <a:r>
+              <a:rPr lang="en-US" dirty="0" err="1">
+                <a:latin typeface="Lucida Console"/>
+                <a:cs typeface="Lucida Console"/>
+              </a:rPr>
+              <a:t>teenName</a:t>
+            </a:r>
+            <a:r>
+              <a:rPr lang="en-US" dirty="0">
+                <a:latin typeface="Lucida Console"/>
+                <a:cs typeface="Lucida Console"/>
+              </a:rPr>
+              <a:t>)</a:t>
+            </a:r>
           </a:p>
         </p:txBody>
       </p:sp>
     </p:spTree>
     <p:extLst>
       <p:ext uri="{BB962C8B-B14F-4D97-AF65-F5344CB8AC3E}">
-        <p14:creationId xmlns:p14="http://schemas.microsoft.com/office/powerpoint/2010/main" val="3869310880"/>
+        <p14:creationId xmlns:p14="http://schemas.microsoft.com/office/powerpoint/2010/main" val="2424698580"/>
       </p:ext>
     </p:extLst>
   </p:cSld>
@@ -8081,17 +8129,148 @@
           <a:lstStyle/>
           <a:p>
             <a:r>
+              <a:rPr lang="en-US" dirty="0" smtClean="0"/>
+              <a:t>Spark MLlib</a:t>
+            </a:r>
+            <a:endParaRPr lang="en-US" dirty="0"/>
+          </a:p>
+        </p:txBody>
+      </p:sp>
+      <p:sp>
+        <p:nvSpPr>
+          <p:cNvPr id="3" name="Content Placeholder 2"/>
+          <p:cNvSpPr>
+            <a:spLocks noGrp="1"/>
+          </p:cNvSpPr>
+          <p:nvPr>
+            <p:ph idx="1"/>
+          </p:nvPr>
+        </p:nvSpPr>
+        <p:spPr/>
+        <p:txBody>
+          <a:bodyPr>
+            <a:normAutofit lnSpcReduction="10000"/>
+          </a:bodyPr>
+          <a:lstStyle/>
+          <a:p>
+            <a:r>
+              <a:rPr lang="en-US" dirty="0" smtClean="0"/>
+              <a:t>Simple stats and correlation testing</a:t>
+            </a:r>
+          </a:p>
+          <a:p>
+            <a:r>
+              <a:rPr lang="en-US" dirty="0" smtClean="0"/>
+              <a:t>Classification and regression</a:t>
+            </a:r>
+          </a:p>
+          <a:p>
+            <a:r>
+              <a:rPr lang="en-US" dirty="0" smtClean="0"/>
+              <a:t>Collaborative Filtering</a:t>
+            </a:r>
+          </a:p>
+          <a:p>
+            <a:pPr lvl="1"/>
+            <a:r>
+              <a:rPr lang="en-US" dirty="0" smtClean="0"/>
+              <a:t>Alternating Least Squares </a:t>
+            </a:r>
+          </a:p>
+          <a:p>
+            <a:r>
+              <a:rPr lang="en-US" dirty="0" smtClean="0"/>
+              <a:t>Clustering</a:t>
+            </a:r>
+          </a:p>
+          <a:p>
+            <a:pPr lvl="1"/>
+            <a:r>
+              <a:rPr lang="en-US" dirty="0"/>
+              <a:t>k</a:t>
+            </a:r>
+            <a:r>
+              <a:rPr lang="en-US" dirty="0" smtClean="0"/>
+              <a:t>-means, </a:t>
+            </a:r>
+            <a:r>
               <a:rPr lang="en-US" dirty="0" err="1" smtClean="0"/>
-              <a:t>Mllib</a:t>
-            </a:r>
-            <a:r>
-              <a:rPr lang="en-US" dirty="0" smtClean="0"/>
-              <a:t> example</a:t>
+              <a:t>etc</a:t>
+            </a:r>
+            <a:endParaRPr lang="en-US" dirty="0" smtClean="0"/>
+          </a:p>
+          <a:p>
+            <a:r>
+              <a:rPr lang="en-US" dirty="0" smtClean="0"/>
+              <a:t>Frequent Pattern Mining</a:t>
+            </a:r>
+          </a:p>
+          <a:p>
+            <a:r>
+              <a:rPr lang="en-US" dirty="0" smtClean="0"/>
+              <a:t>Plus more</a:t>
             </a:r>
             <a:endParaRPr lang="en-US" dirty="0"/>
           </a:p>
         </p:txBody>
       </p:sp>
+    </p:spTree>
+    <p:extLst>
+      <p:ext uri="{BB962C8B-B14F-4D97-AF65-F5344CB8AC3E}">
+        <p14:creationId xmlns:p14="http://schemas.microsoft.com/office/powerpoint/2010/main" val="3869310880"/>
+      </p:ext>
+    </p:extLst>
+  </p:cSld>
+  <p:clrMapOvr>
+    <a:masterClrMapping/>
+  </p:clrMapOvr>
+</p:sld>
+</file>
+
+<file path=ppt/slides/slide32.xml><?xml version="1.0" encoding="utf-8"?>
+<p:sld xmlns:a="http://schemas.openxmlformats.org/drawingml/2006/main" xmlns:r="http://schemas.openxmlformats.org/officeDocument/2006/relationships" xmlns:p="http://schemas.openxmlformats.org/presentationml/2006/main">
+  <p:cSld>
+    <p:spTree>
+      <p:nvGrpSpPr>
+        <p:cNvPr id="1" name=""/>
+        <p:cNvGrpSpPr/>
+        <p:nvPr/>
+      </p:nvGrpSpPr>
+      <p:grpSpPr>
+        <a:xfrm>
+          <a:off x="0" y="0"/>
+          <a:ext cx="0" cy="0"/>
+          <a:chOff x="0" y="0"/>
+          <a:chExt cx="0" cy="0"/>
+        </a:xfrm>
+      </p:grpSpPr>
+      <p:sp>
+        <p:nvSpPr>
+          <p:cNvPr id="2" name="Title 1"/>
+          <p:cNvSpPr>
+            <a:spLocks noGrp="1"/>
+          </p:cNvSpPr>
+          <p:nvPr>
+            <p:ph type="title"/>
+          </p:nvPr>
+        </p:nvSpPr>
+        <p:spPr/>
+        <p:txBody>
+          <a:bodyPr/>
+          <a:lstStyle/>
+          <a:p>
+            <a:r>
+              <a:rPr lang="en-US" dirty="0" smtClean="0"/>
+              <a:t>MLlib </a:t>
+            </a:r>
+            <a:r>
+              <a:rPr lang="en-US" dirty="0" smtClean="0"/>
+              <a:t>example</a:t>
+            </a:r>
+            <a:endParaRPr lang="en-US" dirty="0"/>
+          </a:p>
+        </p:txBody>
+      </p:sp>
       <p:sp>
         <p:nvSpPr>
           <p:cNvPr id="3" name="Content Placeholder 2"/>
@@ -8102,7 +8281,12 @@
             <p:ph idx="1"/>
           </p:nvPr>
         </p:nvSpPr>
-        <p:spPr/>
+        <p:spPr>
+          <a:xfrm>
+            <a:off x="375635" y="1613855"/>
+            <a:ext cx="8229600" cy="4525963"/>
+          </a:xfrm>
+        </p:spPr>
         <p:txBody>
           <a:bodyPr>
             <a:noAutofit/>
@@ -8401,7 +8585,7 @@
 </p:sld>
 </file>
 
-<file path=ppt/slides/slide32.xml><?xml version="1.0" encoding="utf-8"?>
+<file path=ppt/slides/slide33.xml><?xml version="1.0" encoding="utf-8"?>
 <p:sld xmlns:a="http://schemas.openxmlformats.org/drawingml/2006/main" xmlns:r="http://schemas.openxmlformats.org/officeDocument/2006/relationships" xmlns:p="http://schemas.openxmlformats.org/presentationml/2006/main">
   <p:cSld>
     <p:spTree>
@@ -8527,7 +8711,7 @@
 </p:sld>
 </file>
 
-<file path=ppt/slides/slide33.xml><?xml version="1.0" encoding="utf-8"?>
+<file path=ppt/slides/slide34.xml><?xml version="1.0" encoding="utf-8"?>
 <p:sld xmlns:a="http://schemas.openxmlformats.org/drawingml/2006/main" xmlns:r="http://schemas.openxmlformats.org/officeDocument/2006/relationships" xmlns:p="http://schemas.openxmlformats.org/presentationml/2006/main">
   <p:cSld>
     <p:spTree>
@@ -8655,7 +8839,7 @@
 </p:sld>
 </file>
 
-<file path=ppt/slides/slide34.xml><?xml version="1.0" encoding="utf-8"?>
+<file path=ppt/slides/slide35.xml><?xml version="1.0" encoding="utf-8"?>
 <p:sld xmlns:a="http://schemas.openxmlformats.org/drawingml/2006/main" xmlns:r="http://schemas.openxmlformats.org/officeDocument/2006/relationships" xmlns:p="http://schemas.openxmlformats.org/presentationml/2006/main">
   <p:cSld>
     <p:spTree>
@@ -8743,7 +8927,7 @@
 </p:sld>
 </file>
 
-<file path=ppt/slides/slide35.xml><?xml version="1.0" encoding="utf-8"?>
+<file path=ppt/slides/slide36.xml><?xml version="1.0" encoding="utf-8"?>
 <p:sld xmlns:a="http://schemas.openxmlformats.org/drawingml/2006/main" xmlns:r="http://schemas.openxmlformats.org/officeDocument/2006/relationships" xmlns:p="http://schemas.openxmlformats.org/presentationml/2006/main">
   <p:cSld>
     <p:spTree>
@@ -8834,7 +9018,7 @@
             </a:r>
             <a:r>
               <a:rPr lang="en-US" dirty="0" smtClean="0"/>
-              <a:t> and Disk</a:t>
+              <a:t> Model</a:t>
             </a:r>
             <a:endParaRPr lang="en-US" dirty="0"/>
           </a:p>
@@ -8842,62 +9026,508 @@
       </p:sp>
       <p:sp>
         <p:nvSpPr>
-          <p:cNvPr id="3" name="Content Placeholder 2"/>
-          <p:cNvSpPr>
-            <a:spLocks noGrp="1"/>
-          </p:cNvSpPr>
-          <p:nvPr>
-            <p:ph idx="1"/>
-          </p:nvPr>
-        </p:nvSpPr>
-        <p:spPr/>
-        <p:txBody>
-          <a:bodyPr/>
+          <p:cNvPr id="4" name="Rounded Rectangle 3"/>
+          <p:cNvSpPr/>
+          <p:nvPr/>
+        </p:nvSpPr>
+        <p:spPr>
+          <a:xfrm>
+            <a:off x="887598" y="4492348"/>
+            <a:ext cx="7046189" cy="1078710"/>
+          </a:xfrm>
+          <a:prstGeom prst="roundRect">
+            <a:avLst/>
+          </a:prstGeom>
+        </p:spPr>
+        <p:style>
+          <a:lnRef idx="1">
+            <a:schemeClr val="accent1"/>
+          </a:lnRef>
+          <a:fillRef idx="3">
+            <a:schemeClr val="accent1"/>
+          </a:fillRef>
+          <a:effectRef idx="2">
+            <a:schemeClr val="accent1"/>
+          </a:effectRef>
+          <a:fontRef idx="minor">
+            <a:schemeClr val="lt1"/>
+          </a:fontRef>
+        </p:style>
+        <p:txBody>
+          <a:bodyPr rtlCol="0" anchor="ctr"/>
           <a:lstStyle/>
           <a:p>
-            <a:r>
-              <a:rPr lang="en-US" dirty="0" err="1" smtClean="0"/>
-              <a:t>Hadoop</a:t>
-            </a:r>
-            <a:r>
-              <a:rPr lang="en-US" dirty="0" smtClean="0"/>
-              <a:t> does everything via replicated disk images</a:t>
-            </a:r>
-          </a:p>
-          <a:p>
-            <a:r>
-              <a:rPr lang="en-US" dirty="0" smtClean="0"/>
-              <a:t>Intermediate results are stored on disk</a:t>
-            </a:r>
-          </a:p>
-          <a:p>
-            <a:pPr lvl="1"/>
-            <a:r>
-              <a:rPr lang="en-US" dirty="0" smtClean="0"/>
-              <a:t>Slow for many operations</a:t>
-            </a:r>
-          </a:p>
-          <a:p>
-            <a:pPr lvl="1"/>
-            <a:r>
-              <a:rPr lang="en-US" dirty="0" smtClean="0"/>
-              <a:t>Including Machine Learning</a:t>
-            </a:r>
-          </a:p>
-          <a:p>
-            <a:pPr lvl="1"/>
-            <a:r>
-              <a:rPr lang="en-US" dirty="0" smtClean="0"/>
-              <a:t>No support for interactive processing</a:t>
+            <a:pPr algn="ctr"/>
+            <a:r>
+              <a:rPr lang="en-US" dirty="0" smtClean="0"/>
+              <a:t>HDFS</a:t>
             </a:r>
             <a:endParaRPr lang="en-US" dirty="0"/>
           </a:p>
         </p:txBody>
       </p:sp>
+      <p:sp>
+        <p:nvSpPr>
+          <p:cNvPr id="5" name="Rounded Rectangle 4"/>
+          <p:cNvSpPr/>
+          <p:nvPr/>
+        </p:nvSpPr>
+        <p:spPr>
+          <a:xfrm>
+            <a:off x="778358" y="2689947"/>
+            <a:ext cx="1106088" cy="1010437"/>
+          </a:xfrm>
+          <a:prstGeom prst="roundRect">
+            <a:avLst/>
+          </a:prstGeom>
+        </p:spPr>
+        <p:style>
+          <a:lnRef idx="1">
+            <a:schemeClr val="accent1"/>
+          </a:lnRef>
+          <a:fillRef idx="3">
+            <a:schemeClr val="accent1"/>
+          </a:fillRef>
+          <a:effectRef idx="2">
+            <a:schemeClr val="accent1"/>
+          </a:effectRef>
+          <a:fontRef idx="minor">
+            <a:schemeClr val="lt1"/>
+          </a:fontRef>
+        </p:style>
+        <p:txBody>
+          <a:bodyPr rtlCol="0" anchor="ctr"/>
+          <a:lstStyle/>
+          <a:p>
+            <a:pPr algn="ctr"/>
+            <a:r>
+              <a:rPr lang="en-US" dirty="0" smtClean="0"/>
+              <a:t>Map</a:t>
+            </a:r>
+            <a:endParaRPr lang="en-US" dirty="0"/>
+          </a:p>
+        </p:txBody>
+      </p:sp>
+      <p:sp>
+        <p:nvSpPr>
+          <p:cNvPr id="6" name="Rounded Rectangle 5"/>
+          <p:cNvSpPr/>
+          <p:nvPr/>
+        </p:nvSpPr>
+        <p:spPr>
+          <a:xfrm>
+            <a:off x="2036846" y="2689947"/>
+            <a:ext cx="1106088" cy="1010437"/>
+          </a:xfrm>
+          <a:prstGeom prst="roundRect">
+            <a:avLst/>
+          </a:prstGeom>
+        </p:spPr>
+        <p:style>
+          <a:lnRef idx="1">
+            <a:schemeClr val="accent1"/>
+          </a:lnRef>
+          <a:fillRef idx="3">
+            <a:schemeClr val="accent1"/>
+          </a:fillRef>
+          <a:effectRef idx="2">
+            <a:schemeClr val="accent1"/>
+          </a:effectRef>
+          <a:fontRef idx="minor">
+            <a:schemeClr val="lt1"/>
+          </a:fontRef>
+        </p:style>
+        <p:txBody>
+          <a:bodyPr rtlCol="0" anchor="ctr"/>
+          <a:lstStyle/>
+          <a:p>
+            <a:pPr algn="ctr"/>
+            <a:r>
+              <a:rPr lang="en-US" dirty="0" smtClean="0"/>
+              <a:t>Reduce</a:t>
+            </a:r>
+            <a:endParaRPr lang="en-US" dirty="0"/>
+          </a:p>
+        </p:txBody>
+      </p:sp>
+      <p:sp>
+        <p:nvSpPr>
+          <p:cNvPr id="7" name="Rounded Rectangle 6"/>
+          <p:cNvSpPr/>
+          <p:nvPr/>
+        </p:nvSpPr>
+        <p:spPr>
+          <a:xfrm>
+            <a:off x="3295334" y="2689947"/>
+            <a:ext cx="1106088" cy="1010437"/>
+          </a:xfrm>
+          <a:prstGeom prst="roundRect">
+            <a:avLst/>
+          </a:prstGeom>
+        </p:spPr>
+        <p:style>
+          <a:lnRef idx="1">
+            <a:schemeClr val="accent1"/>
+          </a:lnRef>
+          <a:fillRef idx="3">
+            <a:schemeClr val="accent1"/>
+          </a:fillRef>
+          <a:effectRef idx="2">
+            <a:schemeClr val="accent1"/>
+          </a:effectRef>
+          <a:fontRef idx="minor">
+            <a:schemeClr val="lt1"/>
+          </a:fontRef>
+        </p:style>
+        <p:txBody>
+          <a:bodyPr rtlCol="0" anchor="ctr"/>
+          <a:lstStyle/>
+          <a:p>
+            <a:pPr algn="ctr"/>
+            <a:r>
+              <a:rPr lang="en-US" dirty="0" smtClean="0"/>
+              <a:t>Map</a:t>
+            </a:r>
+            <a:endParaRPr lang="en-US" dirty="0"/>
+          </a:p>
+        </p:txBody>
+      </p:sp>
+      <p:sp>
+        <p:nvSpPr>
+          <p:cNvPr id="8" name="Rounded Rectangle 7"/>
+          <p:cNvSpPr/>
+          <p:nvPr/>
+        </p:nvSpPr>
+        <p:spPr>
+          <a:xfrm>
+            <a:off x="4553822" y="2689947"/>
+            <a:ext cx="1106088" cy="1010437"/>
+          </a:xfrm>
+          <a:prstGeom prst="roundRect">
+            <a:avLst/>
+          </a:prstGeom>
+        </p:spPr>
+        <p:style>
+          <a:lnRef idx="1">
+            <a:schemeClr val="accent1"/>
+          </a:lnRef>
+          <a:fillRef idx="3">
+            <a:schemeClr val="accent1"/>
+          </a:fillRef>
+          <a:effectRef idx="2">
+            <a:schemeClr val="accent1"/>
+          </a:effectRef>
+          <a:fontRef idx="minor">
+            <a:schemeClr val="lt1"/>
+          </a:fontRef>
+        </p:style>
+        <p:txBody>
+          <a:bodyPr rtlCol="0" anchor="ctr"/>
+          <a:lstStyle/>
+          <a:p>
+            <a:pPr algn="ctr"/>
+            <a:r>
+              <a:rPr lang="en-US" dirty="0" smtClean="0"/>
+              <a:t>Reduce</a:t>
+            </a:r>
+            <a:endParaRPr lang="en-US" dirty="0"/>
+          </a:p>
+        </p:txBody>
+      </p:sp>
+      <p:sp>
+        <p:nvSpPr>
+          <p:cNvPr id="9" name="Rounded Rectangle 8"/>
+          <p:cNvSpPr/>
+          <p:nvPr/>
+        </p:nvSpPr>
+        <p:spPr>
+          <a:xfrm>
+            <a:off x="5812310" y="2689947"/>
+            <a:ext cx="1106088" cy="1010437"/>
+          </a:xfrm>
+          <a:prstGeom prst="roundRect">
+            <a:avLst/>
+          </a:prstGeom>
+        </p:spPr>
+        <p:style>
+          <a:lnRef idx="1">
+            <a:schemeClr val="accent1"/>
+          </a:lnRef>
+          <a:fillRef idx="3">
+            <a:schemeClr val="accent1"/>
+          </a:fillRef>
+          <a:effectRef idx="2">
+            <a:schemeClr val="accent1"/>
+          </a:effectRef>
+          <a:fontRef idx="minor">
+            <a:schemeClr val="lt1"/>
+          </a:fontRef>
+        </p:style>
+        <p:txBody>
+          <a:bodyPr rtlCol="0" anchor="ctr"/>
+          <a:lstStyle/>
+          <a:p>
+            <a:pPr algn="ctr"/>
+            <a:r>
+              <a:rPr lang="en-US" dirty="0" smtClean="0"/>
+              <a:t>Map</a:t>
+            </a:r>
+            <a:endParaRPr lang="en-US" dirty="0"/>
+          </a:p>
+        </p:txBody>
+      </p:sp>
+      <p:sp>
+        <p:nvSpPr>
+          <p:cNvPr id="10" name="Rounded Rectangle 9"/>
+          <p:cNvSpPr/>
+          <p:nvPr/>
+        </p:nvSpPr>
+        <p:spPr>
+          <a:xfrm>
+            <a:off x="7070798" y="2689947"/>
+            <a:ext cx="1106088" cy="1010437"/>
+          </a:xfrm>
+          <a:prstGeom prst="roundRect">
+            <a:avLst/>
+          </a:prstGeom>
+        </p:spPr>
+        <p:style>
+          <a:lnRef idx="1">
+            <a:schemeClr val="accent1"/>
+          </a:lnRef>
+          <a:fillRef idx="3">
+            <a:schemeClr val="accent1"/>
+          </a:fillRef>
+          <a:effectRef idx="2">
+            <a:schemeClr val="accent1"/>
+          </a:effectRef>
+          <a:fontRef idx="minor">
+            <a:schemeClr val="lt1"/>
+          </a:fontRef>
+        </p:style>
+        <p:txBody>
+          <a:bodyPr rtlCol="0" anchor="ctr"/>
+          <a:lstStyle/>
+          <a:p>
+            <a:pPr algn="ctr"/>
+            <a:r>
+              <a:rPr lang="en-US" dirty="0" smtClean="0"/>
+              <a:t>Reduce</a:t>
+            </a:r>
+            <a:endParaRPr lang="en-US" dirty="0"/>
+          </a:p>
+        </p:txBody>
+      </p:sp>
+      <p:cxnSp>
+        <p:nvCxnSpPr>
+          <p:cNvPr id="12" name="Straight Arrow Connector 11"/>
+          <p:cNvCxnSpPr>
+            <a:stCxn id="5" idx="2"/>
+          </p:cNvCxnSpPr>
+          <p:nvPr/>
+        </p:nvCxnSpPr>
+        <p:spPr>
+          <a:xfrm>
+            <a:off x="1331402" y="3700384"/>
+            <a:ext cx="6828" cy="791964"/>
+          </a:xfrm>
+          <a:prstGeom prst="straightConnector1">
+            <a:avLst/>
+          </a:prstGeom>
+          <a:ln>
+            <a:headEnd type="arrow"/>
+            <a:tailEnd type="arrow"/>
+          </a:ln>
+        </p:spPr>
+        <p:style>
+          <a:lnRef idx="2">
+            <a:schemeClr val="accent1"/>
+          </a:lnRef>
+          <a:fillRef idx="0">
+            <a:schemeClr val="accent1"/>
+          </a:fillRef>
+          <a:effectRef idx="1">
+            <a:schemeClr val="accent1"/>
+          </a:effectRef>
+          <a:fontRef idx="minor">
+            <a:schemeClr val="tx1"/>
+          </a:fontRef>
+        </p:style>
+      </p:cxnSp>
+      <p:cxnSp>
+        <p:nvCxnSpPr>
+          <p:cNvPr id="13" name="Straight Arrow Connector 12"/>
+          <p:cNvCxnSpPr/>
+          <p:nvPr/>
+        </p:nvCxnSpPr>
+        <p:spPr>
+          <a:xfrm>
+            <a:off x="2576234" y="3700384"/>
+            <a:ext cx="6828" cy="791964"/>
+          </a:xfrm>
+          <a:prstGeom prst="straightConnector1">
+            <a:avLst/>
+          </a:prstGeom>
+          <a:ln>
+            <a:headEnd type="arrow"/>
+            <a:tailEnd type="arrow"/>
+          </a:ln>
+        </p:spPr>
+        <p:style>
+          <a:lnRef idx="2">
+            <a:schemeClr val="accent1"/>
+          </a:lnRef>
+          <a:fillRef idx="0">
+            <a:schemeClr val="accent1"/>
+          </a:fillRef>
+          <a:effectRef idx="1">
+            <a:schemeClr val="accent1"/>
+          </a:effectRef>
+          <a:fontRef idx="minor">
+            <a:schemeClr val="tx1"/>
+          </a:fontRef>
+        </p:style>
+      </p:cxnSp>
+      <p:cxnSp>
+        <p:nvCxnSpPr>
+          <p:cNvPr id="14" name="Straight Arrow Connector 13"/>
+          <p:cNvCxnSpPr/>
+          <p:nvPr/>
+        </p:nvCxnSpPr>
+        <p:spPr>
+          <a:xfrm>
+            <a:off x="3821066" y="3700384"/>
+            <a:ext cx="6828" cy="791964"/>
+          </a:xfrm>
+          <a:prstGeom prst="straightConnector1">
+            <a:avLst/>
+          </a:prstGeom>
+          <a:ln>
+            <a:headEnd type="arrow"/>
+            <a:tailEnd type="arrow"/>
+          </a:ln>
+        </p:spPr>
+        <p:style>
+          <a:lnRef idx="2">
+            <a:schemeClr val="accent1"/>
+          </a:lnRef>
+          <a:fillRef idx="0">
+            <a:schemeClr val="accent1"/>
+          </a:fillRef>
+          <a:effectRef idx="1">
+            <a:schemeClr val="accent1"/>
+          </a:effectRef>
+          <a:fontRef idx="minor">
+            <a:schemeClr val="tx1"/>
+          </a:fontRef>
+        </p:style>
+      </p:cxnSp>
+      <p:cxnSp>
+        <p:nvCxnSpPr>
+          <p:cNvPr id="15" name="Straight Arrow Connector 14"/>
+          <p:cNvCxnSpPr/>
+          <p:nvPr/>
+        </p:nvCxnSpPr>
+        <p:spPr>
+          <a:xfrm>
+            <a:off x="5065898" y="3700384"/>
+            <a:ext cx="6828" cy="791964"/>
+          </a:xfrm>
+          <a:prstGeom prst="straightConnector1">
+            <a:avLst/>
+          </a:prstGeom>
+          <a:ln>
+            <a:headEnd type="arrow"/>
+            <a:tailEnd type="arrow"/>
+          </a:ln>
+        </p:spPr>
+        <p:style>
+          <a:lnRef idx="2">
+            <a:schemeClr val="accent1"/>
+          </a:lnRef>
+          <a:fillRef idx="0">
+            <a:schemeClr val="accent1"/>
+          </a:fillRef>
+          <a:effectRef idx="1">
+            <a:schemeClr val="accent1"/>
+          </a:effectRef>
+          <a:fontRef idx="minor">
+            <a:schemeClr val="tx1"/>
+          </a:fontRef>
+        </p:style>
+      </p:cxnSp>
+      <p:cxnSp>
+        <p:nvCxnSpPr>
+          <p:cNvPr id="16" name="Straight Arrow Connector 15"/>
+          <p:cNvCxnSpPr/>
+          <p:nvPr/>
+        </p:nvCxnSpPr>
+        <p:spPr>
+          <a:xfrm>
+            <a:off x="6310730" y="3700384"/>
+            <a:ext cx="6828" cy="791964"/>
+          </a:xfrm>
+          <a:prstGeom prst="straightConnector1">
+            <a:avLst/>
+          </a:prstGeom>
+          <a:ln>
+            <a:headEnd type="arrow"/>
+            <a:tailEnd type="arrow"/>
+          </a:ln>
+        </p:spPr>
+        <p:style>
+          <a:lnRef idx="2">
+            <a:schemeClr val="accent1"/>
+          </a:lnRef>
+          <a:fillRef idx="0">
+            <a:schemeClr val="accent1"/>
+          </a:fillRef>
+          <a:effectRef idx="1">
+            <a:schemeClr val="accent1"/>
+          </a:effectRef>
+          <a:fontRef idx="minor">
+            <a:schemeClr val="tx1"/>
+          </a:fontRef>
+        </p:style>
+      </p:cxnSp>
+      <p:cxnSp>
+        <p:nvCxnSpPr>
+          <p:cNvPr id="17" name="Straight Arrow Connector 16"/>
+          <p:cNvCxnSpPr/>
+          <p:nvPr/>
+        </p:nvCxnSpPr>
+        <p:spPr>
+          <a:xfrm>
+            <a:off x="7555562" y="3700384"/>
+            <a:ext cx="6828" cy="791964"/>
+          </a:xfrm>
+          <a:prstGeom prst="straightConnector1">
+            <a:avLst/>
+          </a:prstGeom>
+          <a:ln>
+            <a:headEnd type="arrow"/>
+            <a:tailEnd type="arrow"/>
+          </a:ln>
+        </p:spPr>
+        <p:style>
+          <a:lnRef idx="2">
+            <a:schemeClr val="accent1"/>
+          </a:lnRef>
+          <a:fillRef idx="0">
+            <a:schemeClr val="accent1"/>
+          </a:fillRef>
+          <a:effectRef idx="1">
+            <a:schemeClr val="accent1"/>
+          </a:effectRef>
+          <a:fontRef idx="minor">
+            <a:schemeClr val="tx1"/>
+          </a:fontRef>
+        </p:style>
+      </p:cxnSp>
     </p:spTree>
     <p:extLst>
       <p:ext uri="{BB962C8B-B14F-4D97-AF65-F5344CB8AC3E}">
-        <p14:creationId xmlns:p14="http://schemas.microsoft.com/office/powerpoint/2010/main" val="2317227993"/>
+        <p14:creationId xmlns:p14="http://schemas.microsoft.com/office/powerpoint/2010/main" val="2688383262"/>
       </p:ext>
     </p:extLst>
   </p:cSld>
@@ -8940,6 +9570,117 @@
           <a:lstStyle/>
           <a:p>
             <a:r>
+              <a:rPr lang="en-US" dirty="0" err="1" smtClean="0"/>
+              <a:t>Hadoop</a:t>
+            </a:r>
+            <a:r>
+              <a:rPr lang="en-US" dirty="0" smtClean="0"/>
+              <a:t> and Disk</a:t>
+            </a:r>
+            <a:endParaRPr lang="en-US" dirty="0"/>
+          </a:p>
+        </p:txBody>
+      </p:sp>
+      <p:sp>
+        <p:nvSpPr>
+          <p:cNvPr id="3" name="Content Placeholder 2"/>
+          <p:cNvSpPr>
+            <a:spLocks noGrp="1"/>
+          </p:cNvSpPr>
+          <p:nvPr>
+            <p:ph idx="1"/>
+          </p:nvPr>
+        </p:nvSpPr>
+        <p:spPr/>
+        <p:txBody>
+          <a:bodyPr/>
+          <a:lstStyle/>
+          <a:p>
+            <a:r>
+              <a:rPr lang="en-US" dirty="0" err="1" smtClean="0"/>
+              <a:t>Hadoop</a:t>
+            </a:r>
+            <a:r>
+              <a:rPr lang="en-US" dirty="0" smtClean="0"/>
+              <a:t> does everything via replicated disk images</a:t>
+            </a:r>
+          </a:p>
+          <a:p>
+            <a:r>
+              <a:rPr lang="en-US" dirty="0" smtClean="0"/>
+              <a:t>Intermediate results are stored on disk</a:t>
+            </a:r>
+          </a:p>
+          <a:p>
+            <a:pPr lvl="1"/>
+            <a:r>
+              <a:rPr lang="en-US" dirty="0" smtClean="0"/>
+              <a:t>Slow for many operations</a:t>
+            </a:r>
+          </a:p>
+          <a:p>
+            <a:pPr lvl="1"/>
+            <a:r>
+              <a:rPr lang="en-US" dirty="0" smtClean="0"/>
+              <a:t>Including Machine Learning</a:t>
+            </a:r>
+          </a:p>
+          <a:p>
+            <a:pPr lvl="1"/>
+            <a:r>
+              <a:rPr lang="en-US" dirty="0" smtClean="0"/>
+              <a:t>No support for interactive processing</a:t>
+            </a:r>
+            <a:endParaRPr lang="en-US" dirty="0"/>
+          </a:p>
+        </p:txBody>
+      </p:sp>
+    </p:spTree>
+    <p:extLst>
+      <p:ext uri="{BB962C8B-B14F-4D97-AF65-F5344CB8AC3E}">
+        <p14:creationId xmlns:p14="http://schemas.microsoft.com/office/powerpoint/2010/main" val="2317227993"/>
+      </p:ext>
+    </p:extLst>
+  </p:cSld>
+  <p:clrMapOvr>
+    <a:masterClrMapping/>
+  </p:clrMapOvr>
+</p:sld>
+</file>
+
+<file path=ppt/slides/slide6.xml><?xml version="1.0" encoding="utf-8"?>
+<p:sld xmlns:a="http://schemas.openxmlformats.org/drawingml/2006/main" xmlns:r="http://schemas.openxmlformats.org/officeDocument/2006/relationships" xmlns:p="http://schemas.openxmlformats.org/presentationml/2006/main">
+  <p:cSld>
+    <p:spTree>
+      <p:nvGrpSpPr>
+        <p:cNvPr id="1" name=""/>
+        <p:cNvGrpSpPr/>
+        <p:nvPr/>
+      </p:nvGrpSpPr>
+      <p:grpSpPr>
+        <a:xfrm>
+          <a:off x="0" y="0"/>
+          <a:ext cx="0" cy="0"/>
+          <a:chOff x="0" y="0"/>
+          <a:chExt cx="0" cy="0"/>
+        </a:xfrm>
+      </p:grpSpPr>
+      <p:sp>
+        <p:nvSpPr>
+          <p:cNvPr id="2" name="Title 1"/>
+          <p:cNvSpPr>
+            <a:spLocks noGrp="1"/>
+          </p:cNvSpPr>
+          <p:nvPr>
+            <p:ph type="title"/>
+          </p:nvPr>
+        </p:nvSpPr>
+        <p:spPr/>
+        <p:txBody>
+          <a:bodyPr/>
+          <a:lstStyle/>
+          <a:p>
+            <a:r>
               <a:rPr lang="en-US" dirty="0" smtClean="0"/>
               <a:t>Improved Approach</a:t>
             </a:r>
@@ -9006,7 +9747,7 @@
 </p:sld>
 </file>
 
-<file path=ppt/slides/slide6.xml><?xml version="1.0" encoding="utf-8"?>
+<file path=ppt/slides/slide7.xml><?xml version="1.0" encoding="utf-8"?>
 <p:sld xmlns:a="http://schemas.openxmlformats.org/drawingml/2006/main" xmlns:r="http://schemas.openxmlformats.org/officeDocument/2006/relationships" xmlns:p="http://schemas.openxmlformats.org/presentationml/2006/main">
   <p:cSld>
     <p:spTree>
@@ -9099,186 +9840,6 @@
 </p:sld>
 </file>
 
-<file path=ppt/slides/slide7.xml><?xml version="1.0" encoding="utf-8"?>
-<p:sld xmlns:a="http://schemas.openxmlformats.org/drawingml/2006/main" xmlns:r="http://schemas.openxmlformats.org/officeDocument/2006/relationships" xmlns:p="http://schemas.openxmlformats.org/presentationml/2006/main">
-  <p:cSld>
-    <p:spTree>
-      <p:nvGrpSpPr>
-        <p:cNvPr id="1" name=""/>
-        <p:cNvGrpSpPr/>
-        <p:nvPr/>
-      </p:nvGrpSpPr>
-      <p:grpSpPr>
-        <a:xfrm>
-          <a:off x="0" y="0"/>
-          <a:ext cx="0" cy="0"/>
-          <a:chOff x="0" y="0"/>
-          <a:chExt cx="0" cy="0"/>
-        </a:xfrm>
-      </p:grpSpPr>
-      <p:sp>
-        <p:nvSpPr>
-          <p:cNvPr id="2" name="Title 1"/>
-          <p:cNvSpPr>
-            <a:spLocks noGrp="1"/>
-          </p:cNvSpPr>
-          <p:nvPr>
-            <p:ph type="title"/>
-          </p:nvPr>
-        </p:nvSpPr>
-        <p:spPr/>
-        <p:txBody>
-          <a:bodyPr/>
-          <a:lstStyle/>
-          <a:p>
-            <a:r>
-              <a:rPr lang="en-US" dirty="0" smtClean="0"/>
-              <a:t>Apache Spark</a:t>
-            </a:r>
-            <a:endParaRPr lang="en-US" dirty="0"/>
-          </a:p>
-        </p:txBody>
-      </p:sp>
-      <p:sp>
-        <p:nvSpPr>
-          <p:cNvPr id="3" name="Content Placeholder 2"/>
-          <p:cNvSpPr>
-            <a:spLocks noGrp="1"/>
-          </p:cNvSpPr>
-          <p:nvPr>
-            <p:ph idx="1"/>
-          </p:nvPr>
-        </p:nvSpPr>
-        <p:spPr/>
-        <p:txBody>
-          <a:bodyPr>
-            <a:normAutofit fontScale="77500" lnSpcReduction="20000"/>
-          </a:bodyPr>
-          <a:lstStyle/>
-          <a:p>
-            <a:r>
-              <a:rPr lang="en-US" dirty="0" smtClean="0"/>
-              <a:t>Started in 2009 at UC Berkeley</a:t>
-            </a:r>
-          </a:p>
-          <a:p>
-            <a:r>
-              <a:rPr lang="en-US" dirty="0" smtClean="0"/>
-              <a:t>Donated to Apache in 2013</a:t>
-            </a:r>
-          </a:p>
-          <a:p>
-            <a:r>
-              <a:rPr lang="en-US" dirty="0" smtClean="0"/>
-              <a:t>Written on top of JVM mainly in </a:t>
-            </a:r>
-            <a:r>
-              <a:rPr lang="en-US" dirty="0" err="1" smtClean="0"/>
-              <a:t>Scala</a:t>
-            </a:r>
-            <a:endParaRPr lang="en-US" dirty="0" smtClean="0"/>
-          </a:p>
-          <a:p>
-            <a:r>
-              <a:rPr lang="en-US" dirty="0" smtClean="0"/>
-              <a:t>10x-100x faster than </a:t>
-            </a:r>
-            <a:r>
-              <a:rPr lang="en-US" dirty="0" err="1" smtClean="0"/>
-              <a:t>Hadoop</a:t>
-            </a:r>
-            <a:endParaRPr lang="en-US" dirty="0" smtClean="0"/>
-          </a:p>
-          <a:p>
-            <a:r>
-              <a:rPr lang="en-US" dirty="0" smtClean="0"/>
-              <a:t>Supports coding in:</a:t>
-            </a:r>
-          </a:p>
-          <a:p>
-            <a:pPr lvl="1"/>
-            <a:r>
-              <a:rPr lang="en-US" dirty="0" err="1" smtClean="0"/>
-              <a:t>Scala</a:t>
-            </a:r>
-            <a:endParaRPr lang="en-US" dirty="0" smtClean="0"/>
-          </a:p>
-          <a:p>
-            <a:pPr lvl="1"/>
-            <a:r>
-              <a:rPr lang="en-US" dirty="0" smtClean="0"/>
-              <a:t>Java</a:t>
-            </a:r>
-          </a:p>
-          <a:p>
-            <a:pPr lvl="1"/>
-            <a:r>
-              <a:rPr lang="en-US" dirty="0" smtClean="0"/>
-              <a:t>Python</a:t>
-            </a:r>
-          </a:p>
-          <a:p>
-            <a:pPr lvl="1"/>
-            <a:r>
-              <a:rPr lang="en-US" dirty="0" smtClean="0"/>
-              <a:t>R</a:t>
-            </a:r>
-          </a:p>
-          <a:p>
-            <a:r>
-              <a:rPr lang="en-US" dirty="0" smtClean="0"/>
-              <a:t>Supports an interactive shell</a:t>
-            </a:r>
-          </a:p>
-          <a:p>
-            <a:r>
-              <a:rPr lang="en-US" dirty="0" smtClean="0"/>
-              <a:t>More details in this paper:</a:t>
-            </a:r>
-          </a:p>
-          <a:p>
-            <a:pPr lvl="1"/>
-            <a:r>
-              <a:rPr lang="en-US" sz="1900" dirty="0"/>
-              <a:t>http://</a:t>
-            </a:r>
-            <a:r>
-              <a:rPr lang="en-US" sz="1900" dirty="0" err="1"/>
-              <a:t>www.cs.berkeley.edu</a:t>
-            </a:r>
-            <a:r>
-              <a:rPr lang="en-US" sz="1900" dirty="0"/>
-              <a:t>/~</a:t>
-            </a:r>
-            <a:r>
-              <a:rPr lang="en-US" sz="1900" dirty="0" err="1"/>
-              <a:t>matei</a:t>
-            </a:r>
-            <a:r>
-              <a:rPr lang="en-US" sz="1900" dirty="0"/>
-              <a:t>/papers/2012/</a:t>
-            </a:r>
-            <a:r>
-              <a:rPr lang="en-US" sz="1900" dirty="0" err="1"/>
-              <a:t>nsdi_spark.pdf</a:t>
-            </a:r>
-            <a:endParaRPr lang="en-US" sz="1900" dirty="0" smtClean="0"/>
-          </a:p>
-        </p:txBody>
-      </p:sp>
-    </p:spTree>
-    <p:extLst>
-      <p:ext uri="{BB962C8B-B14F-4D97-AF65-F5344CB8AC3E}">
-        <p14:creationId xmlns:p14="http://schemas.microsoft.com/office/powerpoint/2010/main" val="956763747"/>
-      </p:ext>
-    </p:extLst>
-  </p:cSld>
-  <p:clrMapOvr>
-    <a:masterClrMapping/>
-  </p:clrMapOvr>
-</p:sld>
-</file>
-
 <file path=ppt/slides/slide8.xml><?xml version="1.0" encoding="utf-8"?>
 <p:sld xmlns:a="http://schemas.openxmlformats.org/drawingml/2006/main" xmlns:r="http://schemas.openxmlformats.org/officeDocument/2006/relationships" xmlns:p="http://schemas.openxmlformats.org/presentationml/2006/main">
   <p:cSld>
@@ -9308,91 +9869,148 @@
         </p:nvSpPr>
         <p:spPr/>
         <p:txBody>
+          <a:bodyPr/>
+          <a:lstStyle/>
+          <a:p>
+            <a:r>
+              <a:rPr lang="en-US" dirty="0" smtClean="0"/>
+              <a:t>Apache Spark</a:t>
+            </a:r>
+            <a:endParaRPr lang="en-US" dirty="0"/>
+          </a:p>
+        </p:txBody>
+      </p:sp>
+      <p:sp>
+        <p:nvSpPr>
+          <p:cNvPr id="3" name="Content Placeholder 2"/>
+          <p:cNvSpPr>
+            <a:spLocks noGrp="1"/>
+          </p:cNvSpPr>
+          <p:nvPr>
+            <p:ph idx="1"/>
+          </p:nvPr>
+        </p:nvSpPr>
+        <p:spPr/>
+        <p:txBody>
           <a:bodyPr>
-            <a:normAutofit fontScale="90000"/>
+            <a:normAutofit fontScale="77500" lnSpcReduction="20000"/>
           </a:bodyPr>
           <a:lstStyle/>
           <a:p>
             <a:r>
               <a:rPr lang="en-US" dirty="0" smtClean="0"/>
-              <a:t>Resilient Distributed Datasets</a:t>
-            </a:r>
-            <a:endParaRPr lang="en-US" dirty="0"/>
-          </a:p>
-        </p:txBody>
-      </p:sp>
-      <p:sp>
-        <p:nvSpPr>
-          <p:cNvPr id="3" name="Content Placeholder 2"/>
-          <p:cNvSpPr>
-            <a:spLocks noGrp="1"/>
-          </p:cNvSpPr>
-          <p:nvPr>
-            <p:ph idx="1"/>
-          </p:nvPr>
-        </p:nvSpPr>
-        <p:spPr/>
-        <p:txBody>
-          <a:bodyPr/>
-          <a:lstStyle/>
-          <a:p>
-            <a:r>
-              <a:rPr lang="en-US" dirty="0" smtClean="0"/>
-              <a:t>A logical collection of data </a:t>
+              <a:t>Started in 2009 at UC Berkeley</a:t>
+            </a:r>
+          </a:p>
+          <a:p>
+            <a:r>
+              <a:rPr lang="en-US" dirty="0" smtClean="0"/>
+              <a:t>Donated to Apache in 2013</a:t>
+            </a:r>
+          </a:p>
+          <a:p>
+            <a:r>
+              <a:rPr lang="en-US" dirty="0" smtClean="0"/>
+              <a:t>Written on top of JVM mainly in </a:t>
+            </a:r>
+            <a:r>
+              <a:rPr lang="en-US" dirty="0" err="1" smtClean="0"/>
+              <a:t>Scala</a:t>
+            </a:r>
+            <a:endParaRPr lang="en-US" dirty="0" smtClean="0"/>
+          </a:p>
+          <a:p>
+            <a:r>
+              <a:rPr lang="en-US" dirty="0" smtClean="0"/>
+              <a:t>10x-100x faster than </a:t>
+            </a:r>
+            <a:r>
+              <a:rPr lang="en-US" dirty="0" err="1" smtClean="0"/>
+              <a:t>Hadoop</a:t>
+            </a:r>
+            <a:endParaRPr lang="en-US" dirty="0" smtClean="0"/>
+          </a:p>
+          <a:p>
+            <a:r>
+              <a:rPr lang="en-US" dirty="0" smtClean="0"/>
+              <a:t>Supports coding in:</a:t>
             </a:r>
           </a:p>
           <a:p>
             <a:pPr lvl="1"/>
             <a:r>
-              <a:rPr lang="en-US" dirty="0" smtClean="0"/>
-              <a:t>Partitioned across multiple machines</a:t>
-            </a:r>
-          </a:p>
-          <a:p>
-            <a:r>
-              <a:rPr lang="en-US" dirty="0" smtClean="0"/>
-              <a:t>Logs the lineage of the current data</a:t>
-            </a:r>
+              <a:rPr lang="en-US" dirty="0" err="1" smtClean="0"/>
+              <a:t>Scala</a:t>
+            </a:r>
+            <a:endParaRPr lang="en-US" dirty="0" smtClean="0"/>
           </a:p>
           <a:p>
             <a:pPr lvl="1"/>
             <a:r>
               <a:rPr lang="en-US" dirty="0" smtClean="0"/>
-              <a:t>If there is a failure, recreate the data</a:t>
-            </a:r>
-          </a:p>
-          <a:p>
-            <a:r>
-              <a:rPr lang="en-US" dirty="0" smtClean="0"/>
-              <a:t>Developers can specify the </a:t>
-            </a:r>
-            <a:r>
-              <a:rPr lang="en-US" i="1" dirty="0" smtClean="0"/>
-              <a:t>persistence</a:t>
-            </a:r>
-            <a:r>
-              <a:rPr lang="en-US" dirty="0" smtClean="0"/>
-              <a:t> and </a:t>
-            </a:r>
-            <a:r>
-              <a:rPr lang="en-US" i="1" dirty="0" smtClean="0"/>
-              <a:t>partitioning</a:t>
-            </a:r>
-            <a:r>
-              <a:rPr lang="en-US" dirty="0" smtClean="0"/>
-              <a:t> of RDDs</a:t>
+              <a:t>Java</a:t>
             </a:r>
           </a:p>
           <a:p>
             <a:pPr lvl="1"/>
-            <a:endParaRPr lang="en-US" dirty="0"/>
+            <a:r>
+              <a:rPr lang="en-US" dirty="0" smtClean="0"/>
+              <a:t>Python</a:t>
+            </a:r>
+          </a:p>
+          <a:p>
+            <a:pPr lvl="1"/>
+            <a:r>
+              <a:rPr lang="en-US" dirty="0" smtClean="0"/>
+              <a:t>R</a:t>
+            </a:r>
+          </a:p>
+          <a:p>
+            <a:r>
+              <a:rPr lang="en-US" dirty="0" smtClean="0"/>
+              <a:t>Supports an interactive shell</a:t>
+            </a:r>
+          </a:p>
+          <a:p>
+            <a:r>
+              <a:rPr lang="en-US" dirty="0" smtClean="0"/>
+              <a:t>More details in this paper:</a:t>
+            </a:r>
+          </a:p>
+          <a:p>
+            <a:pPr lvl="1"/>
+            <a:r>
+              <a:rPr lang="en-US" sz="1900" dirty="0"/>
+              <a:t>http://</a:t>
+            </a:r>
+            <a:r>
+              <a:rPr lang="en-US" sz="1900" dirty="0" err="1"/>
+              <a:t>www.cs.berkeley.edu</a:t>
+            </a:r>
+            <a:r>
+              <a:rPr lang="en-US" sz="1900" dirty="0"/>
+              <a:t>/~</a:t>
+            </a:r>
+            <a:r>
+              <a:rPr lang="en-US" sz="1900" dirty="0" err="1"/>
+              <a:t>matei</a:t>
+            </a:r>
+            <a:r>
+              <a:rPr lang="en-US" sz="1900" dirty="0"/>
+              <a:t>/papers/2012/</a:t>
+            </a:r>
+            <a:r>
+              <a:rPr lang="en-US" sz="1900" dirty="0" err="1"/>
+              <a:t>nsdi_spark.pdf</a:t>
+            </a:r>
+            <a:endParaRPr lang="en-US" sz="1900" dirty="0" smtClean="0"/>
           </a:p>
         </p:txBody>
       </p:sp>
     </p:spTree>
     <p:extLst>
       <p:ext uri="{BB962C8B-B14F-4D97-AF65-F5344CB8AC3E}">
-        <p14:creationId xmlns:p14="http://schemas.microsoft.com/office/powerpoint/2010/main" val="1721564547"/>
+        <p14:creationId xmlns:p14="http://schemas.microsoft.com/office/powerpoint/2010/main" val="956763747"/>
       </p:ext>
     </p:extLst>
   </p:cSld>
@@ -9437,140 +10055,97 @@
           <a:lstStyle/>
           <a:p>
             <a:r>
-              <a:rPr lang="en-US" sz="3600" dirty="0" smtClean="0"/>
-              <a:t>Narrow and Wide dependencies</a:t>
-            </a:r>
-            <a:br>
-              <a:rPr lang="en-US" sz="3600" dirty="0" smtClean="0"/>
-            </a:br>
-            <a:endParaRPr lang="en-US" sz="3600" dirty="0"/>
-          </a:p>
-        </p:txBody>
-      </p:sp>
-      <p:pic>
-        <p:nvPicPr>
-          <p:cNvPr id="4" name="Picture 3"/>
-          <p:cNvPicPr>
-            <a:picLocks noChangeAspect="1"/>
-          </p:cNvPicPr>
-          <p:nvPr/>
-        </p:nvPicPr>
-        <p:blipFill>
-          <a:blip r:embed="rId2"/>
-          <a:stretch>
-            <a:fillRect/>
-          </a:stretch>
-        </p:blipFill>
-        <p:spPr>
-          <a:xfrm>
-            <a:off x="1235558" y="869537"/>
-            <a:ext cx="6616299" cy="4371674"/>
-          </a:xfrm>
-          <a:prstGeom prst="rect">
-            <a:avLst/>
-          </a:prstGeom>
-        </p:spPr>
-      </p:pic>
-      <p:sp>
-        <p:nvSpPr>
-          <p:cNvPr id="5" name="TextBox 4"/>
-          <p:cNvSpPr txBox="1"/>
-          <p:nvPr/>
-        </p:nvSpPr>
-        <p:spPr>
-          <a:xfrm>
-            <a:off x="2047185" y="6432507"/>
-            <a:ext cx="7096815" cy="369332"/>
-          </a:xfrm>
-          <a:prstGeom prst="rect">
-            <a:avLst/>
-          </a:prstGeom>
-          <a:noFill/>
-        </p:spPr>
-        <p:txBody>
-          <a:bodyPr wrap="none" rtlCol="0">
-            <a:spAutoFit/>
-          </a:bodyPr>
+              <a:rPr lang="en-US" dirty="0" smtClean="0"/>
+              <a:t>Resilient Distributed Datasets</a:t>
+            </a:r>
+            <a:endParaRPr lang="en-US" dirty="0"/>
+          </a:p>
+        </p:txBody>
+      </p:sp>
+      <p:sp>
+        <p:nvSpPr>
+          <p:cNvPr id="3" name="Content Placeholder 2"/>
+          <p:cNvSpPr>
+            <a:spLocks noGrp="1"/>
+          </p:cNvSpPr>
+          <p:nvPr>
+            <p:ph idx="1"/>
+          </p:nvPr>
+        </p:nvSpPr>
+        <p:spPr/>
+        <p:txBody>
+          <a:bodyPr/>
           <a:lstStyle/>
           <a:p>
             <a:r>
-              <a:rPr lang="en-US" dirty="0"/>
-              <a:t>Source: </a:t>
-            </a:r>
-            <a:r>
-              <a:rPr lang="en-US" dirty="0">
-                <a:hlinkClick r:id="rId3"/>
-              </a:rPr>
-              <a:t>http://www.cs.berkeley.edu/~matei/papers/2012/</a:t>
-            </a:r>
-            <a:r>
-              <a:rPr lang="en-US" dirty="0" smtClean="0">
-                <a:hlinkClick r:id="rId3"/>
-              </a:rPr>
-              <a:t>nsdi_spark.pdf</a:t>
-            </a:r>
-            <a:r>
-              <a:rPr lang="en-US" dirty="0" smtClean="0"/>
-              <a:t> </a:t>
-            </a:r>
+              <a:rPr lang="en-US" dirty="0" smtClean="0"/>
+              <a:t>A logical collection of data </a:t>
+            </a:r>
+          </a:p>
+          <a:p>
+            <a:pPr lvl="1"/>
+            <a:r>
+              <a:rPr lang="en-US" dirty="0" smtClean="0"/>
+              <a:t>Partitioned across multiple machines</a:t>
+            </a:r>
+          </a:p>
+          <a:p>
+            <a:r>
+              <a:rPr lang="en-US" dirty="0" smtClean="0"/>
+              <a:t>Logs the lineage of the current data</a:t>
+            </a:r>
+          </a:p>
+          <a:p>
+            <a:pPr lvl="1"/>
+            <a:r>
+              <a:rPr lang="en-US" dirty="0" smtClean="0"/>
+              <a:t>If there is a failure, recreate the </a:t>
+            </a:r>
+            <a:r>
+              <a:rPr lang="en-US" dirty="0" smtClean="0"/>
+              <a:t>data</a:t>
+            </a:r>
+          </a:p>
+          <a:p>
+            <a:pPr lvl="1"/>
+            <a:r>
+              <a:rPr lang="en-US" dirty="0" smtClean="0"/>
+              <a:t>Solves the reliability problem</a:t>
+            </a:r>
+            <a:endParaRPr lang="en-US" dirty="0" smtClean="0"/>
+          </a:p>
+          <a:p>
+            <a:r>
+              <a:rPr lang="en-US" dirty="0" smtClean="0"/>
+              <a:t>Developers can specify the </a:t>
+            </a:r>
+            <a:r>
+              <a:rPr lang="en-US" i="1" dirty="0" smtClean="0"/>
+              <a:t>persistence</a:t>
+            </a:r>
+            <a:r>
+              <a:rPr lang="en-US" dirty="0" smtClean="0"/>
+              <a:t> and </a:t>
+            </a:r>
+            <a:r>
+              <a:rPr lang="en-US" i="1" dirty="0" smtClean="0"/>
+              <a:t>partitioning</a:t>
+            </a:r>
+            <a:r>
+              <a:rPr lang="en-US" dirty="0" smtClean="0"/>
+              <a:t> of RDDs</a:t>
+            </a:r>
+          </a:p>
+          <a:p>
+            <a:pPr lvl="1"/>
             <a:endParaRPr lang="en-US" dirty="0"/>
-          </a:p>
-        </p:txBody>
-      </p:sp>
-      <p:sp>
-        <p:nvSpPr>
-          <p:cNvPr id="6" name="TextBox 5"/>
-          <p:cNvSpPr txBox="1"/>
-          <p:nvPr/>
-        </p:nvSpPr>
-        <p:spPr>
-          <a:xfrm>
-            <a:off x="2417008" y="5054560"/>
-            <a:ext cx="5694303" cy="954107"/>
-          </a:xfrm>
-          <a:prstGeom prst="rect">
-            <a:avLst/>
-          </a:prstGeom>
-          <a:noFill/>
-        </p:spPr>
-        <p:txBody>
-          <a:bodyPr wrap="square" rtlCol="0">
-            <a:spAutoFit/>
-          </a:bodyPr>
-          <a:lstStyle/>
-          <a:p>
-            <a:r>
-              <a:rPr lang="en-US" sz="1400" b="1" dirty="0" smtClean="0"/>
-              <a:t>Narrow dependencies:</a:t>
-            </a:r>
-            <a:br>
-              <a:rPr lang="en-US" sz="1400" b="1" dirty="0" smtClean="0"/>
-            </a:br>
-            <a:r>
-              <a:rPr lang="en-US" sz="1400" dirty="0" smtClean="0"/>
-              <a:t>Each partition of the parent is used by one child partition</a:t>
-            </a:r>
-          </a:p>
-          <a:p>
-            <a:r>
-              <a:rPr lang="en-US" sz="1400" b="1" dirty="0" smtClean="0"/>
-              <a:t>Wide Dependencies:</a:t>
-            </a:r>
-            <a:br>
-              <a:rPr lang="en-US" sz="1400" b="1" dirty="0" smtClean="0"/>
-            </a:br>
-            <a:r>
-              <a:rPr lang="en-US" sz="1400" dirty="0" smtClean="0"/>
-              <a:t>multiple child dependencies depend upon it</a:t>
-            </a:r>
-            <a:endParaRPr lang="en-US" sz="1400" dirty="0"/>
           </a:p>
         </p:txBody>
       </p:sp>
     </p:spTree>
     <p:extLst>
       <p:ext uri="{BB962C8B-B14F-4D97-AF65-F5344CB8AC3E}">
-        <p14:creationId xmlns:p14="http://schemas.microsoft.com/office/powerpoint/2010/main" val="717322989"/>
+        <p14:creationId xmlns:p14="http://schemas.microsoft.com/office/powerpoint/2010/main" val="1721564547"/>
       </p:ext>
     </p:extLst>
   </p:cSld>

--- a/pres-source/07-spark-and-adjuncts.pptx
+++ b/pres-source/07-spark-and-adjuncts.pptx
@@ -232,7 +232,7 @@
             <a:fld id="{7307762F-A706-E543-A832-3C298AA3103F}" type="datetimeFigureOut">
               <a:rPr lang="en-US" smtClean="0"/>
               <a:pPr/>
-              <a:t>16/11/15</a:t>
+              <a:t>23/11/15</a:t>
             </a:fld>
             <a:endParaRPr lang="en-US" dirty="0"/>
           </a:p>
@@ -806,7 +806,7 @@
             <a:fld id="{875CF0EB-321F-0749-B37A-89BBA859503C}" type="datetimeFigureOut">
               <a:rPr lang="en-US" smtClean="0"/>
               <a:pPr/>
-              <a:t>16/11/15</a:t>
+              <a:t>23/11/15</a:t>
             </a:fld>
             <a:endParaRPr lang="en-US" dirty="0"/>
           </a:p>
@@ -1030,7 +1030,7 @@
             <a:fld id="{875CF0EB-321F-0749-B37A-89BBA859503C}" type="datetimeFigureOut">
               <a:rPr lang="en-US" smtClean="0"/>
               <a:pPr/>
-              <a:t>16/11/15</a:t>
+              <a:t>23/11/15</a:t>
             </a:fld>
             <a:endParaRPr lang="en-US" dirty="0"/>
           </a:p>
@@ -1244,7 +1244,7 @@
             <a:fld id="{875CF0EB-321F-0749-B37A-89BBA859503C}" type="datetimeFigureOut">
               <a:rPr lang="en-US" smtClean="0"/>
               <a:pPr/>
-              <a:t>16/11/15</a:t>
+              <a:t>23/11/15</a:t>
             </a:fld>
             <a:endParaRPr lang="en-US" dirty="0"/>
           </a:p>
@@ -1534,7 +1534,7 @@
             <a:fld id="{875CF0EB-321F-0749-B37A-89BBA859503C}" type="datetimeFigureOut">
               <a:rPr lang="en-US" smtClean="0"/>
               <a:pPr/>
-              <a:t>16/11/15</a:t>
+              <a:t>23/11/15</a:t>
             </a:fld>
             <a:endParaRPr lang="en-US" dirty="0"/>
           </a:p>
@@ -1866,7 +1866,7 @@
             <a:fld id="{875CF0EB-321F-0749-B37A-89BBA859503C}" type="datetimeFigureOut">
               <a:rPr lang="en-US" smtClean="0"/>
               <a:pPr/>
-              <a:t>16/11/15</a:t>
+              <a:t>23/11/15</a:t>
             </a:fld>
             <a:endParaRPr lang="en-US" dirty="0"/>
           </a:p>
@@ -2332,7 +2332,7 @@
             <a:fld id="{875CF0EB-321F-0749-B37A-89BBA859503C}" type="datetimeFigureOut">
               <a:rPr lang="en-US" smtClean="0"/>
               <a:pPr/>
-              <a:t>16/11/15</a:t>
+              <a:t>23/11/15</a:t>
             </a:fld>
             <a:endParaRPr lang="en-US" dirty="0"/>
           </a:p>
@@ -2494,7 +2494,7 @@
             <a:fld id="{875CF0EB-321F-0749-B37A-89BBA859503C}" type="datetimeFigureOut">
               <a:rPr lang="en-US" smtClean="0"/>
               <a:pPr/>
-              <a:t>16/11/15</a:t>
+              <a:t>23/11/15</a:t>
             </a:fld>
             <a:endParaRPr lang="en-US" dirty="0"/>
           </a:p>
@@ -2633,7 +2633,7 @@
             <a:fld id="{875CF0EB-321F-0749-B37A-89BBA859503C}" type="datetimeFigureOut">
               <a:rPr lang="en-US" smtClean="0"/>
               <a:pPr/>
-              <a:t>16/11/15</a:t>
+              <a:t>23/11/15</a:t>
             </a:fld>
             <a:endParaRPr lang="en-US" dirty="0"/>
           </a:p>
@@ -2954,7 +2954,7 @@
             <a:fld id="{875CF0EB-321F-0749-B37A-89BBA859503C}" type="datetimeFigureOut">
               <a:rPr lang="en-US" smtClean="0"/>
               <a:pPr/>
-              <a:t>16/11/15</a:t>
+              <a:t>23/11/15</a:t>
             </a:fld>
             <a:endParaRPr lang="en-US" dirty="0"/>
           </a:p>
@@ -3251,7 +3251,7 @@
             <a:fld id="{875CF0EB-321F-0749-B37A-89BBA859503C}" type="datetimeFigureOut">
               <a:rPr lang="en-US" smtClean="0"/>
               <a:pPr/>
-              <a:t>16/11/15</a:t>
+              <a:t>23/11/15</a:t>
             </a:fld>
             <a:endParaRPr lang="en-US" dirty="0"/>
           </a:p>
@@ -8261,11 +8261,7 @@
           <a:p>
             <a:r>
               <a:rPr lang="en-US" dirty="0" smtClean="0"/>
-              <a:t>MLlib </a:t>
-            </a:r>
-            <a:r>
-              <a:rPr lang="en-US" dirty="0" smtClean="0"/>
-              <a:t>example</a:t>
+              <a:t>MLlib example</a:t>
             </a:r>
             <a:endParaRPr lang="en-US" dirty="0"/>
           </a:p>
@@ -10099,11 +10095,7 @@
             <a:pPr lvl="1"/>
             <a:r>
               <a:rPr lang="en-US" dirty="0" smtClean="0"/>
-              <a:t>If there is a failure, recreate the </a:t>
-            </a:r>
-            <a:r>
-              <a:rPr lang="en-US" dirty="0" smtClean="0"/>
-              <a:t>data</a:t>
+              <a:t>If there is a failure, recreate the data</a:t>
             </a:r>
           </a:p>
           <a:p>
@@ -10112,7 +10104,6 @@
               <a:rPr lang="en-US" dirty="0" smtClean="0"/>
               <a:t>Solves the reliability problem</a:t>
             </a:r>
-            <a:endParaRPr lang="en-US" dirty="0" smtClean="0"/>
           </a:p>
           <a:p>
             <a:r>

--- a/pres-source/07-spark-and-adjuncts.pptx
+++ b/pres-source/07-spark-and-adjuncts.pptx
@@ -232,7 +232,7 @@
             <a:fld id="{7307762F-A706-E543-A832-3C298AA3103F}" type="datetimeFigureOut">
               <a:rPr lang="en-US" smtClean="0"/>
               <a:pPr/>
-              <a:t>23/11/15</a:t>
+              <a:t>24/11/15</a:t>
             </a:fld>
             <a:endParaRPr lang="en-US" dirty="0"/>
           </a:p>
@@ -806,7 +806,7 @@
             <a:fld id="{875CF0EB-321F-0749-B37A-89BBA859503C}" type="datetimeFigureOut">
               <a:rPr lang="en-US" smtClean="0"/>
               <a:pPr/>
-              <a:t>23/11/15</a:t>
+              <a:t>24/11/15</a:t>
             </a:fld>
             <a:endParaRPr lang="en-US" dirty="0"/>
           </a:p>
@@ -1030,7 +1030,7 @@
             <a:fld id="{875CF0EB-321F-0749-B37A-89BBA859503C}" type="datetimeFigureOut">
               <a:rPr lang="en-US" smtClean="0"/>
               <a:pPr/>
-              <a:t>23/11/15</a:t>
+              <a:t>24/11/15</a:t>
             </a:fld>
             <a:endParaRPr lang="en-US" dirty="0"/>
           </a:p>
@@ -1244,7 +1244,7 @@
             <a:fld id="{875CF0EB-321F-0749-B37A-89BBA859503C}" type="datetimeFigureOut">
               <a:rPr lang="en-US" smtClean="0"/>
               <a:pPr/>
-              <a:t>23/11/15</a:t>
+              <a:t>24/11/15</a:t>
             </a:fld>
             <a:endParaRPr lang="en-US" dirty="0"/>
           </a:p>
@@ -1534,7 +1534,7 @@
             <a:fld id="{875CF0EB-321F-0749-B37A-89BBA859503C}" type="datetimeFigureOut">
               <a:rPr lang="en-US" smtClean="0"/>
               <a:pPr/>
-              <a:t>23/11/15</a:t>
+              <a:t>24/11/15</a:t>
             </a:fld>
             <a:endParaRPr lang="en-US" dirty="0"/>
           </a:p>
@@ -1866,7 +1866,7 @@
             <a:fld id="{875CF0EB-321F-0749-B37A-89BBA859503C}" type="datetimeFigureOut">
               <a:rPr lang="en-US" smtClean="0"/>
               <a:pPr/>
-              <a:t>23/11/15</a:t>
+              <a:t>24/11/15</a:t>
             </a:fld>
             <a:endParaRPr lang="en-US" dirty="0"/>
           </a:p>
@@ -2332,7 +2332,7 @@
             <a:fld id="{875CF0EB-321F-0749-B37A-89BBA859503C}" type="datetimeFigureOut">
               <a:rPr lang="en-US" smtClean="0"/>
               <a:pPr/>
-              <a:t>23/11/15</a:t>
+              <a:t>24/11/15</a:t>
             </a:fld>
             <a:endParaRPr lang="en-US" dirty="0"/>
           </a:p>
@@ -2494,7 +2494,7 @@
             <a:fld id="{875CF0EB-321F-0749-B37A-89BBA859503C}" type="datetimeFigureOut">
               <a:rPr lang="en-US" smtClean="0"/>
               <a:pPr/>
-              <a:t>23/11/15</a:t>
+              <a:t>24/11/15</a:t>
             </a:fld>
             <a:endParaRPr lang="en-US" dirty="0"/>
           </a:p>
@@ -2633,7 +2633,7 @@
             <a:fld id="{875CF0EB-321F-0749-B37A-89BBA859503C}" type="datetimeFigureOut">
               <a:rPr lang="en-US" smtClean="0"/>
               <a:pPr/>
-              <a:t>23/11/15</a:t>
+              <a:t>24/11/15</a:t>
             </a:fld>
             <a:endParaRPr lang="en-US" dirty="0"/>
           </a:p>
@@ -2954,7 +2954,7 @@
             <a:fld id="{875CF0EB-321F-0749-B37A-89BBA859503C}" type="datetimeFigureOut">
               <a:rPr lang="en-US" smtClean="0"/>
               <a:pPr/>
-              <a:t>23/11/15</a:t>
+              <a:t>24/11/15</a:t>
             </a:fld>
             <a:endParaRPr lang="en-US" dirty="0"/>
           </a:p>
@@ -3251,7 +3251,7 @@
             <a:fld id="{875CF0EB-321F-0749-B37A-89BBA859503C}" type="datetimeFigureOut">
               <a:rPr lang="en-US" smtClean="0"/>
               <a:pPr/>
-              <a:t>23/11/15</a:t>
+              <a:t>24/11/15</a:t>
             </a:fld>
             <a:endParaRPr lang="en-US" dirty="0"/>
           </a:p>
@@ -4411,6 +4411,13 @@
   <p:clrMapOvr>
     <a:masterClrMapping/>
   </p:clrMapOvr>
+  <p:timing>
+    <p:tnLst>
+      <p:par>
+        <p:cTn xmlns:p14="http://schemas.microsoft.com/office/powerpoint/2010/main" id="1" dur="indefinite" restart="never" nodeType="tmRoot"/>
+      </p:par>
+    </p:tnLst>
+  </p:timing>
 </p:sld>
 </file>
 
@@ -4702,6 +4709,13 @@
   <p:clrMapOvr>
     <a:masterClrMapping/>
   </p:clrMapOvr>
+  <p:timing>
+    <p:tnLst>
+      <p:par>
+        <p:cTn xmlns:p14="http://schemas.microsoft.com/office/powerpoint/2010/main" id="1" dur="indefinite" restart="never" nodeType="tmRoot"/>
+      </p:par>
+    </p:tnLst>
+  </p:timing>
 </p:sld>
 </file>
 
@@ -4791,6 +4805,13 @@
   <p:clrMapOvr>
     <a:masterClrMapping/>
   </p:clrMapOvr>
+  <p:timing>
+    <p:tnLst>
+      <p:par>
+        <p:cTn xmlns:p14="http://schemas.microsoft.com/office/powerpoint/2010/main" id="1" dur="indefinite" restart="never" nodeType="tmRoot"/>
+      </p:par>
+    </p:tnLst>
+  </p:timing>
 </p:sld>
 </file>
 
@@ -4868,6 +4889,13 @@
   <p:clrMapOvr>
     <a:masterClrMapping/>
   </p:clrMapOvr>
+  <p:timing>
+    <p:tnLst>
+      <p:par>
+        <p:cTn xmlns:p14="http://schemas.microsoft.com/office/powerpoint/2010/main" id="1" dur="indefinite" restart="never" nodeType="tmRoot"/>
+      </p:par>
+    </p:tnLst>
+  </p:timing>
 </p:sld>
 </file>
 
@@ -5027,6 +5055,13 @@
   <p:clrMapOvr>
     <a:masterClrMapping/>
   </p:clrMapOvr>
+  <p:timing>
+    <p:tnLst>
+      <p:par>
+        <p:cTn xmlns:p14="http://schemas.microsoft.com/office/powerpoint/2010/main" id="1" dur="indefinite" restart="never" nodeType="tmRoot"/>
+      </p:par>
+    </p:tnLst>
+  </p:timing>
 </p:sld>
 </file>
 
@@ -5104,6 +5139,13 @@
   <p:clrMapOvr>
     <a:masterClrMapping/>
   </p:clrMapOvr>
+  <p:timing>
+    <p:tnLst>
+      <p:par>
+        <p:cTn xmlns:p14="http://schemas.microsoft.com/office/powerpoint/2010/main" id="1" dur="indefinite" restart="never" nodeType="tmRoot"/>
+      </p:par>
+    </p:tnLst>
+  </p:timing>
 </p:sld>
 </file>
 
@@ -5194,6 +5236,13 @@
   <p:clrMapOvr>
     <a:masterClrMapping/>
   </p:clrMapOvr>
+  <p:timing>
+    <p:tnLst>
+      <p:par>
+        <p:cTn xmlns:p14="http://schemas.microsoft.com/office/powerpoint/2010/main" id="1" dur="indefinite" restart="never" nodeType="tmRoot"/>
+      </p:par>
+    </p:tnLst>
+  </p:timing>
 </p:sld>
 </file>
 
@@ -5266,7 +5315,11 @@
             </a:pPr>
             <a:r>
               <a:rPr lang="en-US" dirty="0" smtClean="0"/>
-              <a:t>lambda x: </a:t>
+              <a:t>f = lambda </a:t>
+            </a:r>
+            <a:r>
+              <a:rPr lang="en-US" dirty="0" smtClean="0"/>
+              <a:t>x: </a:t>
             </a:r>
             <a:r>
               <a:rPr lang="en-US" dirty="0" err="1" smtClean="0"/>
@@ -5282,8 +5335,12 @@
               <a:buNone/>
             </a:pPr>
             <a:r>
-              <a:rPr lang="en-US" dirty="0" smtClean="0"/>
-              <a:t>lambda </a:t>
+              <a:rPr lang="en-US" dirty="0"/>
+              <a:t>g</a:t>
+            </a:r>
+            <a:r>
+              <a:rPr lang="en-US" dirty="0" smtClean="0"/>
+              <a:t> = lambda </a:t>
             </a:r>
             <a:r>
               <a:rPr lang="en-US" dirty="0" err="1" smtClean="0"/>
@@ -5311,6 +5368,13 @@
   <p:clrMapOvr>
     <a:masterClrMapping/>
   </p:clrMapOvr>
+  <p:timing>
+    <p:tnLst>
+      <p:par>
+        <p:cTn xmlns:p14="http://schemas.microsoft.com/office/powerpoint/2010/main" id="1" dur="indefinite" restart="never" nodeType="tmRoot"/>
+      </p:par>
+    </p:tnLst>
+  </p:timing>
 </p:sld>
 </file>
 
@@ -5578,6 +5642,13 @@
   <p:clrMapOvr>
     <a:masterClrMapping/>
   </p:clrMapOvr>
+  <p:timing>
+    <p:tnLst>
+      <p:par>
+        <p:cTn xmlns:p14="http://schemas.microsoft.com/office/powerpoint/2010/main" id="1" dur="indefinite" restart="never" nodeType="tmRoot"/>
+      </p:par>
+    </p:tnLst>
+  </p:timing>
 </p:sld>
 </file>
 
@@ -5774,6 +5845,13 @@
   <p:clrMapOvr>
     <a:masterClrMapping/>
   </p:clrMapOvr>
+  <p:timing>
+    <p:tnLst>
+      <p:par>
+        <p:cTn xmlns:p14="http://schemas.microsoft.com/office/powerpoint/2010/main" id="1" dur="indefinite" restart="never" nodeType="tmRoot"/>
+      </p:par>
+    </p:tnLst>
+  </p:timing>
 </p:sld>
 </file>
 
@@ -6106,6 +6184,13 @@
   <p:clrMapOvr>
     <a:masterClrMapping/>
   </p:clrMapOvr>
+  <p:timing>
+    <p:tnLst>
+      <p:par>
+        <p:cTn xmlns:p14="http://schemas.microsoft.com/office/powerpoint/2010/main" id="1" dur="indefinite" restart="never" nodeType="tmRoot"/>
+      </p:par>
+    </p:tnLst>
+  </p:timing>
 </p:sld>
 </file>
 
@@ -6330,6 +6415,13 @@
   <p:clrMapOvr>
     <a:masterClrMapping/>
   </p:clrMapOvr>
+  <p:timing>
+    <p:tnLst>
+      <p:par>
+        <p:cTn xmlns:p14="http://schemas.microsoft.com/office/powerpoint/2010/main" id="1" dur="indefinite" restart="never" nodeType="tmRoot"/>
+      </p:par>
+    </p:tnLst>
+  </p:timing>
 </p:sld>
 </file>
 
@@ -6435,6 +6527,13 @@
   <p:clrMapOvr>
     <a:masterClrMapping/>
   </p:clrMapOvr>
+  <p:timing>
+    <p:tnLst>
+      <p:par>
+        <p:cTn xmlns:p14="http://schemas.microsoft.com/office/powerpoint/2010/main" id="1" dur="indefinite" restart="never" nodeType="tmRoot"/>
+      </p:par>
+    </p:tnLst>
+  </p:timing>
 </p:sld>
 </file>
 
@@ -6564,6 +6663,13 @@
   <p:clrMapOvr>
     <a:masterClrMapping/>
   </p:clrMapOvr>
+  <p:timing>
+    <p:tnLst>
+      <p:par>
+        <p:cTn xmlns:p14="http://schemas.microsoft.com/office/powerpoint/2010/main" id="1" dur="indefinite" restart="never" nodeType="tmRoot"/>
+      </p:par>
+    </p:tnLst>
+  </p:timing>
 </p:sld>
 </file>
 
@@ -6681,6 +6787,13 @@
   <p:clrMapOvr>
     <a:masterClrMapping/>
   </p:clrMapOvr>
+  <p:timing>
+    <p:tnLst>
+      <p:par>
+        <p:cTn xmlns:p14="http://schemas.microsoft.com/office/powerpoint/2010/main" id="1" dur="indefinite" restart="never" nodeType="tmRoot"/>
+      </p:par>
+    </p:tnLst>
+  </p:timing>
 </p:sld>
 </file>
 
@@ -6734,6 +6847,13 @@
   <p:clrMapOvr>
     <a:masterClrMapping/>
   </p:clrMapOvr>
+  <p:timing>
+    <p:tnLst>
+      <p:par>
+        <p:cTn xmlns:p14="http://schemas.microsoft.com/office/powerpoint/2010/main" id="1" dur="indefinite" restart="never" nodeType="tmRoot"/>
+      </p:par>
+    </p:tnLst>
+  </p:timing>
 </p:sld>
 </file>
 
@@ -6831,6 +6951,13 @@
   <p:clrMapOvr>
     <a:masterClrMapping/>
   </p:clrMapOvr>
+  <p:timing>
+    <p:tnLst>
+      <p:par>
+        <p:cTn xmlns:p14="http://schemas.microsoft.com/office/powerpoint/2010/main" id="1" dur="indefinite" restart="never" nodeType="tmRoot"/>
+      </p:par>
+    </p:tnLst>
+  </p:timing>
 </p:sld>
 </file>
 
@@ -7574,6 +7701,13 @@
   <p:clrMapOvr>
     <a:masterClrMapping/>
   </p:clrMapOvr>
+  <p:timing>
+    <p:tnLst>
+      <p:par>
+        <p:cTn xmlns:p14="http://schemas.microsoft.com/office/powerpoint/2010/main" id="1" dur="indefinite" restart="never" nodeType="tmRoot"/>
+      </p:par>
+    </p:tnLst>
+  </p:timing>
 </p:sld>
 </file>
 
@@ -9530,6 +9664,13 @@
   <p:clrMapOvr>
     <a:masterClrMapping/>
   </p:clrMapOvr>
+  <p:timing>
+    <p:tnLst>
+      <p:par>
+        <p:cTn xmlns:p14="http://schemas.microsoft.com/office/powerpoint/2010/main" id="1" dur="indefinite" restart="never" nodeType="tmRoot"/>
+      </p:par>
+    </p:tnLst>
+  </p:timing>
 </p:sld>
 </file>
 
@@ -9641,6 +9782,13 @@
   <p:clrMapOvr>
     <a:masterClrMapping/>
   </p:clrMapOvr>
+  <p:timing>
+    <p:tnLst>
+      <p:par>
+        <p:cTn xmlns:p14="http://schemas.microsoft.com/office/powerpoint/2010/main" id="1" dur="indefinite" restart="never" nodeType="tmRoot"/>
+      </p:par>
+    </p:tnLst>
+  </p:timing>
 </p:sld>
 </file>
 
@@ -9740,6 +9888,13 @@
   <p:clrMapOvr>
     <a:masterClrMapping/>
   </p:clrMapOvr>
+  <p:timing>
+    <p:tnLst>
+      <p:par>
+        <p:cTn xmlns:p14="http://schemas.microsoft.com/office/powerpoint/2010/main" id="1" dur="indefinite" restart="never" nodeType="tmRoot"/>
+      </p:par>
+    </p:tnLst>
+  </p:timing>
 </p:sld>
 </file>
 
@@ -9833,6 +9988,13 @@
   <p:clrMapOvr>
     <a:masterClrMapping/>
   </p:clrMapOvr>
+  <p:timing>
+    <p:tnLst>
+      <p:par>
+        <p:cTn xmlns:p14="http://schemas.microsoft.com/office/powerpoint/2010/main" id="1" dur="indefinite" restart="never" nodeType="tmRoot"/>
+      </p:par>
+    </p:tnLst>
+  </p:timing>
 </p:sld>
 </file>
 
@@ -10013,6 +10175,13 @@
   <p:clrMapOvr>
     <a:masterClrMapping/>
   </p:clrMapOvr>
+  <p:timing>
+    <p:tnLst>
+      <p:par>
+        <p:cTn xmlns:p14="http://schemas.microsoft.com/office/powerpoint/2010/main" id="1" dur="indefinite" restart="never" nodeType="tmRoot"/>
+      </p:par>
+    </p:tnLst>
+  </p:timing>
 </p:sld>
 </file>
 
@@ -10143,6 +10312,13 @@
   <p:clrMapOvr>
     <a:masterClrMapping/>
   </p:clrMapOvr>
+  <p:timing>
+    <p:tnLst>
+      <p:par>
+        <p:cTn xmlns:p14="http://schemas.microsoft.com/office/powerpoint/2010/main" id="1" dur="indefinite" restart="never" nodeType="tmRoot"/>
+      </p:par>
+    </p:tnLst>
+  </p:timing>
 </p:sld>
 </file>
 

--- a/pres-source/07-spark-and-adjuncts.pptx
+++ b/pres-source/07-spark-and-adjuncts.pptx
@@ -232,7 +232,7 @@
             <a:fld id="{7307762F-A706-E543-A832-3C298AA3103F}" type="datetimeFigureOut">
               <a:rPr lang="en-US" smtClean="0"/>
               <a:pPr/>
-              <a:t>24/11/15</a:t>
+              <a:t>30/11/15</a:t>
             </a:fld>
             <a:endParaRPr lang="en-US" dirty="0"/>
           </a:p>
@@ -806,7 +806,7 @@
             <a:fld id="{875CF0EB-321F-0749-B37A-89BBA859503C}" type="datetimeFigureOut">
               <a:rPr lang="en-US" smtClean="0"/>
               <a:pPr/>
-              <a:t>24/11/15</a:t>
+              <a:t>30/11/15</a:t>
             </a:fld>
             <a:endParaRPr lang="en-US" dirty="0"/>
           </a:p>
@@ -1030,7 +1030,7 @@
             <a:fld id="{875CF0EB-321F-0749-B37A-89BBA859503C}" type="datetimeFigureOut">
               <a:rPr lang="en-US" smtClean="0"/>
               <a:pPr/>
-              <a:t>24/11/15</a:t>
+              <a:t>30/11/15</a:t>
             </a:fld>
             <a:endParaRPr lang="en-US" dirty="0"/>
           </a:p>
@@ -1244,7 +1244,7 @@
             <a:fld id="{875CF0EB-321F-0749-B37A-89BBA859503C}" type="datetimeFigureOut">
               <a:rPr lang="en-US" smtClean="0"/>
               <a:pPr/>
-              <a:t>24/11/15</a:t>
+              <a:t>30/11/15</a:t>
             </a:fld>
             <a:endParaRPr lang="en-US" dirty="0"/>
           </a:p>
@@ -1534,7 +1534,7 @@
             <a:fld id="{875CF0EB-321F-0749-B37A-89BBA859503C}" type="datetimeFigureOut">
               <a:rPr lang="en-US" smtClean="0"/>
               <a:pPr/>
-              <a:t>24/11/15</a:t>
+              <a:t>30/11/15</a:t>
             </a:fld>
             <a:endParaRPr lang="en-US" dirty="0"/>
           </a:p>
@@ -1866,7 +1866,7 @@
             <a:fld id="{875CF0EB-321F-0749-B37A-89BBA859503C}" type="datetimeFigureOut">
               <a:rPr lang="en-US" smtClean="0"/>
               <a:pPr/>
-              <a:t>24/11/15</a:t>
+              <a:t>30/11/15</a:t>
             </a:fld>
             <a:endParaRPr lang="en-US" dirty="0"/>
           </a:p>
@@ -2332,7 +2332,7 @@
             <a:fld id="{875CF0EB-321F-0749-B37A-89BBA859503C}" type="datetimeFigureOut">
               <a:rPr lang="en-US" smtClean="0"/>
               <a:pPr/>
-              <a:t>24/11/15</a:t>
+              <a:t>30/11/15</a:t>
             </a:fld>
             <a:endParaRPr lang="en-US" dirty="0"/>
           </a:p>
@@ -2494,7 +2494,7 @@
             <a:fld id="{875CF0EB-321F-0749-B37A-89BBA859503C}" type="datetimeFigureOut">
               <a:rPr lang="en-US" smtClean="0"/>
               <a:pPr/>
-              <a:t>24/11/15</a:t>
+              <a:t>30/11/15</a:t>
             </a:fld>
             <a:endParaRPr lang="en-US" dirty="0"/>
           </a:p>
@@ -2633,7 +2633,7 @@
             <a:fld id="{875CF0EB-321F-0749-B37A-89BBA859503C}" type="datetimeFigureOut">
               <a:rPr lang="en-US" smtClean="0"/>
               <a:pPr/>
-              <a:t>24/11/15</a:t>
+              <a:t>30/11/15</a:t>
             </a:fld>
             <a:endParaRPr lang="en-US" dirty="0"/>
           </a:p>
@@ -2954,7 +2954,7 @@
             <a:fld id="{875CF0EB-321F-0749-B37A-89BBA859503C}" type="datetimeFigureOut">
               <a:rPr lang="en-US" smtClean="0"/>
               <a:pPr/>
-              <a:t>24/11/15</a:t>
+              <a:t>30/11/15</a:t>
             </a:fld>
             <a:endParaRPr lang="en-US" dirty="0"/>
           </a:p>
@@ -3251,7 +3251,7 @@
             <a:fld id="{875CF0EB-321F-0749-B37A-89BBA859503C}" type="datetimeFigureOut">
               <a:rPr lang="en-US" smtClean="0"/>
               <a:pPr/>
-              <a:t>24/11/15</a:t>
+              <a:t>30/11/15</a:t>
             </a:fld>
             <a:endParaRPr lang="en-US" dirty="0"/>
           </a:p>
@@ -3460,7 +3460,7 @@
       </p:sp>
       <p:sp>
         <p:nvSpPr>
-          <p:cNvPr id="21" name="TextBox 20"/>
+          <p:cNvPr id="8" name="TextBox 7"/>
           <p:cNvSpPr txBox="1">
             <a:spLocks noChangeArrowheads="1"/>
           </p:cNvSpPr>
@@ -3468,8 +3468,8 @@
         </p:nvSpPr>
         <p:spPr bwMode="auto">
           <a:xfrm>
-            <a:off x="1046163" y="6092834"/>
-            <a:ext cx="6853158" cy="553998"/>
+            <a:off x="1168930" y="6408634"/>
+            <a:ext cx="3429144" cy="415498"/>
           </a:xfrm>
           <a:prstGeom prst="rect">
             <a:avLst/>
@@ -3641,22 +3641,22 @@
               <a:defRPr/>
             </a:pPr>
             <a:r>
-              <a:rPr lang="en-US" sz="1000" dirty="0" smtClean="0">
+              <a:rPr lang="en-US" sz="700" dirty="0" smtClean="0">
                 <a:latin typeface="Montserrat"/>
               </a:rPr>
-              <a:t>© Paul Fremantle 2015.  Licensed under the Creative Commons 4.0 BY-SA (Attribution-</a:t>
-            </a:r>
-            <a:r>
-              <a:rPr lang="en-US" sz="1000" dirty="0" err="1" smtClean="0">
+              <a:t>© Paul Fremantle 2015.  </a:t>
+            </a:r>
+            <a:r>
+              <a:rPr lang="en-US" sz="700" dirty="0" smtClean="0">
                 <a:latin typeface="Montserrat"/>
               </a:rPr>
-              <a:t>Sharealike</a:t>
-            </a:r>
-            <a:r>
-              <a:rPr lang="en-US" sz="1000" dirty="0" smtClean="0">
+              <a:t>This </a:t>
+            </a:r>
+            <a:r>
+              <a:rPr lang="en-US" sz="700" dirty="0" smtClean="0">
                 <a:latin typeface="Montserrat"/>
               </a:rPr>
-              <a:t>) license.</a:t>
+              <a:t>work is licensed under a Creative Commons</a:t>
             </a:r>
           </a:p>
           <a:p>
@@ -3664,87 +3664,84 @@
               <a:defRPr/>
             </a:pPr>
             <a:r>
-              <a:rPr lang="en-US" sz="1000" dirty="0" smtClean="0">
+              <a:rPr lang="en-US" sz="700" dirty="0" smtClean="0">
                 <a:latin typeface="Montserrat"/>
               </a:rPr>
-              <a:t>See </a:t>
-            </a:r>
-            <a:r>
-              <a:rPr lang="en-US" sz="1000" dirty="0" smtClean="0">
+              <a:t> Attribution-</a:t>
+            </a:r>
+            <a:r>
+              <a:rPr lang="en-US" sz="700" dirty="0" err="1" smtClean="0">
+                <a:latin typeface="Montserrat"/>
+              </a:rPr>
+              <a:t>NonCommercial</a:t>
+            </a:r>
+            <a:r>
+              <a:rPr lang="en-US" sz="700" dirty="0" smtClean="0">
+                <a:latin typeface="Montserrat"/>
+              </a:rPr>
+              <a:t>-</a:t>
+            </a:r>
+            <a:r>
+              <a:rPr lang="en-US" sz="700" dirty="0" err="1" smtClean="0">
+                <a:latin typeface="Montserrat"/>
+              </a:rPr>
+              <a:t>ShareAlike</a:t>
+            </a:r>
+            <a:r>
+              <a:rPr lang="en-US" sz="700" dirty="0" smtClean="0">
+                <a:latin typeface="Montserrat"/>
+              </a:rPr>
+              <a:t> 4.0 International License</a:t>
+            </a:r>
+            <a:br>
+              <a:rPr lang="en-US" sz="700" dirty="0" smtClean="0">
+                <a:latin typeface="Montserrat"/>
+              </a:rPr>
+            </a:br>
+            <a:r>
+              <a:rPr lang="en-US" sz="700" dirty="0" smtClean="0">
+                <a:latin typeface="Montserrat"/>
+              </a:rPr>
+              <a:t>See  </a:t>
+            </a:r>
+            <a:r>
+              <a:rPr lang="en-US" sz="700" dirty="0" smtClean="0">
                 <a:latin typeface="Montserrat"/>
                 <a:hlinkClick r:id="rId13"/>
               </a:rPr>
-              <a:t>http://creativecommons.org/licenses/by-sa/4.0/</a:t>
-            </a:r>
-            <a:r>
-              <a:rPr lang="en-US" sz="1000" dirty="0" smtClean="0">
+              <a:t>http://creativecommons.org/licenses/by-nc-sa/4.0/</a:t>
+            </a:r>
+            <a:r>
+              <a:rPr lang="en-US" sz="700" dirty="0" smtClean="0">
                 <a:latin typeface="Montserrat"/>
               </a:rPr>
               <a:t> </a:t>
             </a:r>
-          </a:p>
-          <a:p>
-            <a:pPr algn="l" eaLnBrk="1" hangingPunct="1">
-              <a:defRPr/>
-            </a:pPr>
-            <a:endParaRPr lang="en-US" sz="1000" dirty="0" smtClean="0">
-              <a:latin typeface="Montserrat"/>
-            </a:endParaRPr>
           </a:p>
         </p:txBody>
       </p:sp>
       <p:pic>
         <p:nvPicPr>
-          <p:cNvPr id="24" name="Picture 23"/>
+          <p:cNvPr id="9" name="Picture 8"/>
           <p:cNvPicPr>
-            <a:picLocks noChangeAspect="1" noChangeArrowheads="1"/>
+            <a:picLocks noChangeAspect="1"/>
           </p:cNvPicPr>
           <p:nvPr userDrawn="1"/>
         </p:nvPicPr>
         <p:blipFill>
-          <a:blip r:embed="rId14">
-            <a:extLst>
-              <a:ext uri="{28A0092B-C50C-407E-A947-70E740481C1C}">
-                <a14:useLocalDpi xmlns:a14="http://schemas.microsoft.com/office/drawing/2010/main" val="0"/>
-              </a:ext>
-            </a:extLst>
-          </a:blip>
-          <a:srcRect/>
+          <a:blip r:embed="rId14"/>
           <a:stretch>
             <a:fillRect/>
           </a:stretch>
         </p:blipFill>
-        <p:spPr bwMode="auto">
+        <p:spPr>
           <a:xfrm>
-            <a:off x="320764" y="6254746"/>
-            <a:ext cx="725399" cy="258097"/>
+            <a:off x="375635" y="6492098"/>
+            <a:ext cx="792765" cy="279269"/>
           </a:xfrm>
           <a:prstGeom prst="rect">
             <a:avLst/>
           </a:prstGeom>
-          <a:noFill/>
-          <a:ln>
-            <a:noFill/>
-          </a:ln>
-          <a:extLst>
-            <a:ext uri="{909E8E84-426E-40dd-AFC4-6F175D3DCCD1}">
-              <a14:hiddenFill xmlns:a14="http://schemas.microsoft.com/office/drawing/2010/main">
-                <a:solidFill>
-                  <a:srgbClr val="FFFFFF"/>
-                </a:solidFill>
-              </a14:hiddenFill>
-            </a:ext>
-            <a:ext uri="{91240B29-F687-4f45-9708-019B960494DF}">
-              <a14:hiddenLine xmlns:a14="http://schemas.microsoft.com/office/drawing/2010/main" w="9525">
-                <a:solidFill>
-                  <a:srgbClr val="000000"/>
-                </a:solidFill>
-                <a:miter lim="800000"/>
-                <a:headEnd/>
-                <a:tailEnd/>
-              </a14:hiddenLine>
-            </a:ext>
-          </a:extLst>
         </p:spPr>
       </p:pic>
     </p:spTree>
@@ -5315,11 +5312,7 @@
             </a:pPr>
             <a:r>
               <a:rPr lang="en-US" dirty="0" smtClean="0"/>
-              <a:t>f = lambda </a:t>
-            </a:r>
-            <a:r>
-              <a:rPr lang="en-US" dirty="0" smtClean="0"/>
-              <a:t>x: </a:t>
+              <a:t>f = lambda x: </a:t>
             </a:r>
             <a:r>
               <a:rPr lang="en-US" dirty="0" err="1" smtClean="0"/>

--- a/pres-source/07-spark-and-adjuncts.pptx
+++ b/pres-source/07-spark-and-adjuncts.pptx
@@ -5,7 +5,7 @@
     <p:sldMasterId id="2147483648" r:id="rId1"/>
   </p:sldMasterIdLst>
   <p:notesMasterIdLst>
-    <p:notesMasterId r:id="rId38"/>
+    <p:notesMasterId r:id="rId40"/>
   </p:notesMasterIdLst>
   <p:sldIdLst>
     <p:sldId id="256" r:id="rId2"/>
@@ -22,28 +22,30 @@
     <p:sldId id="272" r:id="rId13"/>
     <p:sldId id="280" r:id="rId14"/>
     <p:sldId id="267" r:id="rId15"/>
-    <p:sldId id="282" r:id="rId16"/>
-    <p:sldId id="278" r:id="rId17"/>
-    <p:sldId id="279" r:id="rId18"/>
-    <p:sldId id="276" r:id="rId19"/>
-    <p:sldId id="268" r:id="rId20"/>
-    <p:sldId id="283" r:id="rId21"/>
-    <p:sldId id="277" r:id="rId22"/>
-    <p:sldId id="274" r:id="rId23"/>
-    <p:sldId id="281" r:id="rId24"/>
-    <p:sldId id="284" r:id="rId25"/>
-    <p:sldId id="275" r:id="rId26"/>
-    <p:sldId id="298" r:id="rId27"/>
-    <p:sldId id="294" r:id="rId28"/>
-    <p:sldId id="288" r:id="rId29"/>
-    <p:sldId id="285" r:id="rId30"/>
-    <p:sldId id="286" r:id="rId31"/>
-    <p:sldId id="287" r:id="rId32"/>
-    <p:sldId id="289" r:id="rId33"/>
-    <p:sldId id="290" r:id="rId34"/>
-    <p:sldId id="292" r:id="rId35"/>
-    <p:sldId id="291" r:id="rId36"/>
-    <p:sldId id="293" r:id="rId37"/>
+    <p:sldId id="300" r:id="rId16"/>
+    <p:sldId id="301" r:id="rId17"/>
+    <p:sldId id="282" r:id="rId18"/>
+    <p:sldId id="278" r:id="rId19"/>
+    <p:sldId id="279" r:id="rId20"/>
+    <p:sldId id="276" r:id="rId21"/>
+    <p:sldId id="268" r:id="rId22"/>
+    <p:sldId id="283" r:id="rId23"/>
+    <p:sldId id="277" r:id="rId24"/>
+    <p:sldId id="274" r:id="rId25"/>
+    <p:sldId id="281" r:id="rId26"/>
+    <p:sldId id="284" r:id="rId27"/>
+    <p:sldId id="275" r:id="rId28"/>
+    <p:sldId id="298" r:id="rId29"/>
+    <p:sldId id="294" r:id="rId30"/>
+    <p:sldId id="288" r:id="rId31"/>
+    <p:sldId id="285" r:id="rId32"/>
+    <p:sldId id="286" r:id="rId33"/>
+    <p:sldId id="287" r:id="rId34"/>
+    <p:sldId id="289" r:id="rId35"/>
+    <p:sldId id="290" r:id="rId36"/>
+    <p:sldId id="292" r:id="rId37"/>
+    <p:sldId id="291" r:id="rId38"/>
+    <p:sldId id="293" r:id="rId39"/>
   </p:sldIdLst>
   <p:sldSz cx="9144000" cy="6858000" type="screen4x3"/>
   <p:notesSz cx="6858000" cy="9144000"/>
@@ -232,7 +234,7 @@
             <a:fld id="{7307762F-A706-E543-A832-3C298AA3103F}" type="datetimeFigureOut">
               <a:rPr lang="en-US" smtClean="0"/>
               <a:pPr/>
-              <a:t>30/11/15</a:t>
+              <a:t>09/09/16</a:t>
             </a:fld>
             <a:endParaRPr lang="en-US" dirty="0"/>
           </a:p>
@@ -806,7 +808,7 @@
             <a:fld id="{875CF0EB-321F-0749-B37A-89BBA859503C}" type="datetimeFigureOut">
               <a:rPr lang="en-US" smtClean="0"/>
               <a:pPr/>
-              <a:t>30/11/15</a:t>
+              <a:t>09/09/16</a:t>
             </a:fld>
             <a:endParaRPr lang="en-US" dirty="0"/>
           </a:p>
@@ -1030,7 +1032,7 @@
             <a:fld id="{875CF0EB-321F-0749-B37A-89BBA859503C}" type="datetimeFigureOut">
               <a:rPr lang="en-US" smtClean="0"/>
               <a:pPr/>
-              <a:t>30/11/15</a:t>
+              <a:t>09/09/16</a:t>
             </a:fld>
             <a:endParaRPr lang="en-US" dirty="0"/>
           </a:p>
@@ -1244,7 +1246,7 @@
             <a:fld id="{875CF0EB-321F-0749-B37A-89BBA859503C}" type="datetimeFigureOut">
               <a:rPr lang="en-US" smtClean="0"/>
               <a:pPr/>
-              <a:t>30/11/15</a:t>
+              <a:t>09/09/16</a:t>
             </a:fld>
             <a:endParaRPr lang="en-US" dirty="0"/>
           </a:p>
@@ -1534,7 +1536,7 @@
             <a:fld id="{875CF0EB-321F-0749-B37A-89BBA859503C}" type="datetimeFigureOut">
               <a:rPr lang="en-US" smtClean="0"/>
               <a:pPr/>
-              <a:t>30/11/15</a:t>
+              <a:t>09/09/16</a:t>
             </a:fld>
             <a:endParaRPr lang="en-US" dirty="0"/>
           </a:p>
@@ -1866,7 +1868,7 @@
             <a:fld id="{875CF0EB-321F-0749-B37A-89BBA859503C}" type="datetimeFigureOut">
               <a:rPr lang="en-US" smtClean="0"/>
               <a:pPr/>
-              <a:t>30/11/15</a:t>
+              <a:t>09/09/16</a:t>
             </a:fld>
             <a:endParaRPr lang="en-US" dirty="0"/>
           </a:p>
@@ -2332,7 +2334,7 @@
             <a:fld id="{875CF0EB-321F-0749-B37A-89BBA859503C}" type="datetimeFigureOut">
               <a:rPr lang="en-US" smtClean="0"/>
               <a:pPr/>
-              <a:t>30/11/15</a:t>
+              <a:t>09/09/16</a:t>
             </a:fld>
             <a:endParaRPr lang="en-US" dirty="0"/>
           </a:p>
@@ -2494,7 +2496,7 @@
             <a:fld id="{875CF0EB-321F-0749-B37A-89BBA859503C}" type="datetimeFigureOut">
               <a:rPr lang="en-US" smtClean="0"/>
               <a:pPr/>
-              <a:t>30/11/15</a:t>
+              <a:t>09/09/16</a:t>
             </a:fld>
             <a:endParaRPr lang="en-US" dirty="0"/>
           </a:p>
@@ -2633,7 +2635,7 @@
             <a:fld id="{875CF0EB-321F-0749-B37A-89BBA859503C}" type="datetimeFigureOut">
               <a:rPr lang="en-US" smtClean="0"/>
               <a:pPr/>
-              <a:t>30/11/15</a:t>
+              <a:t>09/09/16</a:t>
             </a:fld>
             <a:endParaRPr lang="en-US" dirty="0"/>
           </a:p>
@@ -2954,7 +2956,7 @@
             <a:fld id="{875CF0EB-321F-0749-B37A-89BBA859503C}" type="datetimeFigureOut">
               <a:rPr lang="en-US" smtClean="0"/>
               <a:pPr/>
-              <a:t>30/11/15</a:t>
+              <a:t>09/09/16</a:t>
             </a:fld>
             <a:endParaRPr lang="en-US" dirty="0"/>
           </a:p>
@@ -3251,7 +3253,7 @@
             <a:fld id="{875CF0EB-321F-0749-B37A-89BBA859503C}" type="datetimeFigureOut">
               <a:rPr lang="en-US" smtClean="0"/>
               <a:pPr/>
-              <a:t>30/11/15</a:t>
+              <a:t>09/09/16</a:t>
             </a:fld>
             <a:endParaRPr lang="en-US" dirty="0"/>
           </a:p>
@@ -3644,19 +3646,7 @@
               <a:rPr lang="en-US" sz="700" dirty="0" smtClean="0">
                 <a:latin typeface="Montserrat"/>
               </a:rPr>
-              <a:t>© Paul Fremantle 2015.  </a:t>
-            </a:r>
-            <a:r>
-              <a:rPr lang="en-US" sz="700" dirty="0" smtClean="0">
-                <a:latin typeface="Montserrat"/>
-              </a:rPr>
-              <a:t>This </a:t>
-            </a:r>
-            <a:r>
-              <a:rPr lang="en-US" sz="700" dirty="0" smtClean="0">
-                <a:latin typeface="Montserrat"/>
-              </a:rPr>
-              <a:t>work is licensed under a Creative Commons</a:t>
+              <a:t>© Paul Fremantle 2015.  This work is licensed under a Creative Commons</a:t>
             </a:r>
           </a:p>
           <a:p>
@@ -5096,6 +5086,333 @@
           <a:p>
             <a:r>
               <a:rPr lang="en-US" dirty="0" smtClean="0"/>
+              <a:t>Most common </a:t>
+            </a:r>
+            <a:endParaRPr lang="en-US" dirty="0"/>
+          </a:p>
+        </p:txBody>
+      </p:sp>
+      <p:sp>
+        <p:nvSpPr>
+          <p:cNvPr id="3" name="Content Placeholder 2"/>
+          <p:cNvSpPr>
+            <a:spLocks noGrp="1"/>
+          </p:cNvSpPr>
+          <p:nvPr>
+            <p:ph idx="1"/>
+          </p:nvPr>
+        </p:nvSpPr>
+        <p:spPr/>
+        <p:txBody>
+          <a:bodyPr>
+            <a:normAutofit fontScale="92500"/>
+          </a:bodyPr>
+          <a:lstStyle/>
+          <a:p>
+            <a:r>
+              <a:rPr lang="en-US" dirty="0" err="1" smtClean="0"/>
+              <a:t>RDD.map</a:t>
+            </a:r>
+            <a:r>
+              <a:rPr lang="en-US" dirty="0" smtClean="0"/>
+              <a:t>(lambda x: </a:t>
+            </a:r>
+            <a:r>
+              <a:rPr lang="is-IS" dirty="0" smtClean="0"/>
+              <a:t>…)</a:t>
+            </a:r>
+          </a:p>
+          <a:p>
+            <a:pPr lvl="1"/>
+            <a:r>
+              <a:rPr lang="is-IS" dirty="0" smtClean="0"/>
+              <a:t>Applies the lambda function to each element in the RDD</a:t>
+            </a:r>
+          </a:p>
+          <a:p>
+            <a:r>
+              <a:rPr lang="is-IS" dirty="0" smtClean="0"/>
+              <a:t>RDD.flatMap(lambda x: ...)</a:t>
+            </a:r>
+          </a:p>
+          <a:p>
+            <a:pPr lvl="1"/>
+            <a:r>
+              <a:rPr lang="en-US" dirty="0" smtClean="0"/>
+              <a:t>The lambda produces a sequence of items that are then flattened into a single RDD</a:t>
+            </a:r>
+          </a:p>
+          <a:p>
+            <a:r>
+              <a:rPr lang="en-US" dirty="0" err="1" smtClean="0">
+                <a:solidFill>
+                  <a:schemeClr val="bg1">
+                    <a:lumMod val="50000"/>
+                  </a:schemeClr>
+                </a:solidFill>
+              </a:rPr>
+              <a:t>RDD.reduce</a:t>
+            </a:r>
+            <a:r>
+              <a:rPr lang="en-US" dirty="0" smtClean="0">
+                <a:solidFill>
+                  <a:schemeClr val="bg1">
+                    <a:lumMod val="50000"/>
+                  </a:schemeClr>
+                </a:solidFill>
+              </a:rPr>
+              <a:t>(lambda </a:t>
+            </a:r>
+            <a:r>
+              <a:rPr lang="en-US" dirty="0" err="1" smtClean="0">
+                <a:solidFill>
+                  <a:schemeClr val="bg1">
+                    <a:lumMod val="50000"/>
+                  </a:schemeClr>
+                </a:solidFill>
+              </a:rPr>
+              <a:t>x,y</a:t>
+            </a:r>
+            <a:r>
+              <a:rPr lang="en-US" dirty="0" smtClean="0">
+                <a:solidFill>
+                  <a:schemeClr val="bg1">
+                    <a:lumMod val="50000"/>
+                  </a:schemeClr>
+                </a:solidFill>
+              </a:rPr>
+              <a:t>: </a:t>
+            </a:r>
+            <a:r>
+              <a:rPr lang="is-IS" dirty="0" smtClean="0">
+                <a:solidFill>
+                  <a:schemeClr val="bg1">
+                    <a:lumMod val="50000"/>
+                  </a:schemeClr>
+                </a:solidFill>
+              </a:rPr>
+              <a:t>…)</a:t>
+            </a:r>
+          </a:p>
+          <a:p>
+            <a:pPr lvl="1"/>
+            <a:r>
+              <a:rPr lang="is-IS" dirty="0" smtClean="0">
+                <a:solidFill>
+                  <a:schemeClr val="bg1">
+                    <a:lumMod val="50000"/>
+                  </a:schemeClr>
+                </a:solidFill>
+              </a:rPr>
+              <a:t>Applies the function iteratively across all the elements in the RDD</a:t>
+            </a:r>
+            <a:endParaRPr lang="en-US" dirty="0" smtClean="0">
+              <a:solidFill>
+                <a:schemeClr val="bg1">
+                  <a:lumMod val="50000"/>
+                </a:schemeClr>
+              </a:solidFill>
+            </a:endParaRPr>
+          </a:p>
+          <a:p>
+            <a:pPr marL="0" indent="0">
+              <a:buNone/>
+            </a:pPr>
+            <a:endParaRPr lang="en-US" dirty="0" smtClean="0"/>
+          </a:p>
+          <a:p>
+            <a:endParaRPr lang="en-US" dirty="0"/>
+          </a:p>
+        </p:txBody>
+      </p:sp>
+    </p:spTree>
+    <p:extLst>
+      <p:ext uri="{BB962C8B-B14F-4D97-AF65-F5344CB8AC3E}">
+        <p14:creationId xmlns:p14="http://schemas.microsoft.com/office/powerpoint/2010/main" val="3242857952"/>
+      </p:ext>
+    </p:extLst>
+  </p:cSld>
+  <p:clrMapOvr>
+    <a:masterClrMapping/>
+  </p:clrMapOvr>
+</p:sld>
+</file>
+
+<file path=ppt/slides/slide16.xml><?xml version="1.0" encoding="utf-8"?>
+<p:sld xmlns:a="http://schemas.openxmlformats.org/drawingml/2006/main" xmlns:r="http://schemas.openxmlformats.org/officeDocument/2006/relationships" xmlns:p="http://schemas.openxmlformats.org/presentationml/2006/main">
+  <p:cSld>
+    <p:spTree>
+      <p:nvGrpSpPr>
+        <p:cNvPr id="1" name=""/>
+        <p:cNvGrpSpPr/>
+        <p:nvPr/>
+      </p:nvGrpSpPr>
+      <p:grpSpPr>
+        <a:xfrm>
+          <a:off x="0" y="0"/>
+          <a:ext cx="0" cy="0"/>
+          <a:chOff x="0" y="0"/>
+          <a:chExt cx="0" cy="0"/>
+        </a:xfrm>
+      </p:grpSpPr>
+      <p:sp>
+        <p:nvSpPr>
+          <p:cNvPr id="2" name="Title 1"/>
+          <p:cNvSpPr>
+            <a:spLocks noGrp="1"/>
+          </p:cNvSpPr>
+          <p:nvPr>
+            <p:ph type="title"/>
+          </p:nvPr>
+        </p:nvSpPr>
+        <p:spPr/>
+        <p:txBody>
+          <a:bodyPr/>
+          <a:lstStyle/>
+          <a:p>
+            <a:r>
+              <a:rPr lang="en-US" dirty="0" err="1" smtClean="0"/>
+              <a:t>reduceByKey</a:t>
+            </a:r>
+            <a:endParaRPr lang="en-US" dirty="0"/>
+          </a:p>
+        </p:txBody>
+      </p:sp>
+      <p:sp>
+        <p:nvSpPr>
+          <p:cNvPr id="3" name="Content Placeholder 2"/>
+          <p:cNvSpPr>
+            <a:spLocks noGrp="1"/>
+          </p:cNvSpPr>
+          <p:nvPr>
+            <p:ph idx="1"/>
+          </p:nvPr>
+        </p:nvSpPr>
+        <p:spPr/>
+        <p:txBody>
+          <a:bodyPr/>
+          <a:lstStyle/>
+          <a:p>
+            <a:r>
+              <a:rPr lang="en-US" dirty="0" smtClean="0"/>
+              <a:t>Function (V,V) -&gt; V</a:t>
+            </a:r>
+          </a:p>
+          <a:p>
+            <a:r>
+              <a:rPr lang="en-US" dirty="0" smtClean="0"/>
+              <a:t>Takes pairs (K,V)</a:t>
+            </a:r>
+          </a:p>
+          <a:p>
+            <a:pPr lvl="1"/>
+            <a:r>
+              <a:rPr lang="en-US" dirty="0" smtClean="0"/>
+              <a:t>It will apply the function </a:t>
+            </a:r>
+            <a:r>
+              <a:rPr lang="en-US" i="1" dirty="0" smtClean="0"/>
+              <a:t>within</a:t>
+            </a:r>
+            <a:r>
+              <a:rPr lang="en-US" dirty="0" smtClean="0"/>
+              <a:t> the Key K</a:t>
+            </a:r>
+          </a:p>
+          <a:p>
+            <a:pPr lvl="1"/>
+            <a:r>
+              <a:rPr lang="en-US" dirty="0"/>
+              <a:t>[</a:t>
+            </a:r>
+            <a:r>
+              <a:rPr lang="en-US" dirty="0" smtClean="0"/>
+              <a:t>(hello, 1), (hello, 1), (hello, 1), </a:t>
+            </a:r>
+            <a:br>
+              <a:rPr lang="en-US" dirty="0" smtClean="0"/>
+            </a:br>
+            <a:r>
+              <a:rPr lang="en-US" dirty="0" smtClean="0"/>
+              <a:t>(world,1), (world, 1)]</a:t>
+            </a:r>
+            <a:br>
+              <a:rPr lang="en-US" dirty="0" smtClean="0"/>
+            </a:br>
+            <a:r>
+              <a:rPr lang="en-US" i="1" dirty="0" smtClean="0"/>
+              <a:t>lambda </a:t>
+            </a:r>
+            <a:r>
+              <a:rPr lang="en-US" i="1" dirty="0" err="1" smtClean="0"/>
+              <a:t>x,y</a:t>
+            </a:r>
+            <a:r>
+              <a:rPr lang="en-US" i="1" dirty="0" smtClean="0"/>
+              <a:t>: </a:t>
+            </a:r>
+            <a:r>
+              <a:rPr lang="en-US" i="1" dirty="0" err="1" smtClean="0"/>
+              <a:t>x+y</a:t>
+            </a:r>
+            <a:endParaRPr lang="en-US" i="1" dirty="0"/>
+          </a:p>
+          <a:p>
+            <a:r>
+              <a:rPr lang="en-US" dirty="0" smtClean="0"/>
+              <a:t>What is the result?</a:t>
+            </a:r>
+            <a:endParaRPr lang="en-US" dirty="0"/>
+          </a:p>
+        </p:txBody>
+      </p:sp>
+    </p:spTree>
+    <p:extLst>
+      <p:ext uri="{BB962C8B-B14F-4D97-AF65-F5344CB8AC3E}">
+        <p14:creationId xmlns:p14="http://schemas.microsoft.com/office/powerpoint/2010/main" val="1596769057"/>
+      </p:ext>
+    </p:extLst>
+  </p:cSld>
+  <p:clrMapOvr>
+    <a:masterClrMapping/>
+  </p:clrMapOvr>
+</p:sld>
+</file>
+
+<file path=ppt/slides/slide17.xml><?xml version="1.0" encoding="utf-8"?>
+<p:sld xmlns:a="http://schemas.openxmlformats.org/drawingml/2006/main" xmlns:r="http://schemas.openxmlformats.org/officeDocument/2006/relationships" xmlns:p="http://schemas.openxmlformats.org/presentationml/2006/main">
+  <p:cSld>
+    <p:spTree>
+      <p:nvGrpSpPr>
+        <p:cNvPr id="1" name=""/>
+        <p:cNvGrpSpPr/>
+        <p:nvPr/>
+      </p:nvGrpSpPr>
+      <p:grpSpPr>
+        <a:xfrm>
+          <a:off x="0" y="0"/>
+          <a:ext cx="0" cy="0"/>
+          <a:chOff x="0" y="0"/>
+          <a:chExt cx="0" cy="0"/>
+        </a:xfrm>
+      </p:grpSpPr>
+      <p:sp>
+        <p:nvSpPr>
+          <p:cNvPr id="2" name="Title 1"/>
+          <p:cNvSpPr>
+            <a:spLocks noGrp="1"/>
+          </p:cNvSpPr>
+          <p:nvPr>
+            <p:ph type="title"/>
+          </p:nvPr>
+        </p:nvSpPr>
+        <p:spPr/>
+        <p:txBody>
+          <a:bodyPr/>
+          <a:lstStyle/>
+          <a:p>
+            <a:r>
+              <a:rPr lang="en-US" dirty="0" smtClean="0"/>
               <a:t>Serialization</a:t>
             </a:r>
             <a:endParaRPr lang="en-US" dirty="0"/>
@@ -5146,231 +5463,6 @@
 </p:sld>
 </file>
 
-<file path=ppt/slides/slide16.xml><?xml version="1.0" encoding="utf-8"?>
-<p:sld xmlns:a="http://schemas.openxmlformats.org/drawingml/2006/main" xmlns:r="http://schemas.openxmlformats.org/officeDocument/2006/relationships" xmlns:p="http://schemas.openxmlformats.org/presentationml/2006/main">
-  <p:cSld>
-    <p:spTree>
-      <p:nvGrpSpPr>
-        <p:cNvPr id="1" name=""/>
-        <p:cNvGrpSpPr/>
-        <p:nvPr/>
-      </p:nvGrpSpPr>
-      <p:grpSpPr>
-        <a:xfrm>
-          <a:off x="0" y="0"/>
-          <a:ext cx="0" cy="0"/>
-          <a:chOff x="0" y="0"/>
-          <a:chExt cx="0" cy="0"/>
-        </a:xfrm>
-      </p:grpSpPr>
-      <p:sp>
-        <p:nvSpPr>
-          <p:cNvPr id="2" name="Title 1"/>
-          <p:cNvSpPr>
-            <a:spLocks noGrp="1"/>
-          </p:cNvSpPr>
-          <p:nvPr>
-            <p:ph type="title"/>
-          </p:nvPr>
-        </p:nvSpPr>
-        <p:spPr/>
-        <p:txBody>
-          <a:bodyPr/>
-          <a:lstStyle/>
-          <a:p>
-            <a:r>
-              <a:rPr lang="en-US" dirty="0" smtClean="0"/>
-              <a:t>Lambda syntax</a:t>
-            </a:r>
-            <a:endParaRPr lang="en-US" dirty="0"/>
-          </a:p>
-        </p:txBody>
-      </p:sp>
-      <p:sp>
-        <p:nvSpPr>
-          <p:cNvPr id="3" name="Content Placeholder 2"/>
-          <p:cNvSpPr>
-            <a:spLocks noGrp="1"/>
-          </p:cNvSpPr>
-          <p:nvPr>
-            <p:ph idx="1"/>
-          </p:nvPr>
-        </p:nvSpPr>
-        <p:spPr/>
-        <p:txBody>
-          <a:bodyPr/>
-          <a:lstStyle/>
-          <a:p>
-            <a:r>
-              <a:rPr lang="en-US" dirty="0" smtClean="0"/>
-              <a:t>Lambda’s are unnamed functions</a:t>
-            </a:r>
-          </a:p>
-          <a:p>
-            <a:pPr lvl="1"/>
-            <a:r>
-              <a:rPr lang="en-US" dirty="0" smtClean="0"/>
-              <a:t>From Alonzo Church’s 1930s work on the Lambda Calculus</a:t>
-            </a:r>
-          </a:p>
-          <a:p>
-            <a:pPr lvl="1"/>
-            <a:r>
-              <a:rPr lang="en-US" dirty="0" smtClean="0"/>
-              <a:t>Recently added to Java</a:t>
-            </a:r>
-            <a:endParaRPr lang="en-US" dirty="0"/>
-          </a:p>
-        </p:txBody>
-      </p:sp>
-    </p:spTree>
-    <p:extLst>
-      <p:ext uri="{BB962C8B-B14F-4D97-AF65-F5344CB8AC3E}">
-        <p14:creationId xmlns:p14="http://schemas.microsoft.com/office/powerpoint/2010/main" val="2738737034"/>
-      </p:ext>
-    </p:extLst>
-  </p:cSld>
-  <p:clrMapOvr>
-    <a:masterClrMapping/>
-  </p:clrMapOvr>
-  <p:timing>
-    <p:tnLst>
-      <p:par>
-        <p:cTn xmlns:p14="http://schemas.microsoft.com/office/powerpoint/2010/main" id="1" dur="indefinite" restart="never" nodeType="tmRoot"/>
-      </p:par>
-    </p:tnLst>
-  </p:timing>
-</p:sld>
-</file>
-
-<file path=ppt/slides/slide17.xml><?xml version="1.0" encoding="utf-8"?>
-<p:sld xmlns:a="http://schemas.openxmlformats.org/drawingml/2006/main" xmlns:r="http://schemas.openxmlformats.org/officeDocument/2006/relationships" xmlns:p="http://schemas.openxmlformats.org/presentationml/2006/main">
-  <p:cSld>
-    <p:spTree>
-      <p:nvGrpSpPr>
-        <p:cNvPr id="1" name=""/>
-        <p:cNvGrpSpPr/>
-        <p:nvPr/>
-      </p:nvGrpSpPr>
-      <p:grpSpPr>
-        <a:xfrm>
-          <a:off x="0" y="0"/>
-          <a:ext cx="0" cy="0"/>
-          <a:chOff x="0" y="0"/>
-          <a:chExt cx="0" cy="0"/>
-        </a:xfrm>
-      </p:grpSpPr>
-      <p:sp>
-        <p:nvSpPr>
-          <p:cNvPr id="2" name="Title 1"/>
-          <p:cNvSpPr>
-            <a:spLocks noGrp="1"/>
-          </p:cNvSpPr>
-          <p:nvPr>
-            <p:ph type="title"/>
-          </p:nvPr>
-        </p:nvSpPr>
-        <p:spPr/>
-        <p:txBody>
-          <a:bodyPr/>
-          <a:lstStyle/>
-          <a:p>
-            <a:r>
-              <a:rPr lang="en-US" dirty="0" smtClean="0"/>
-              <a:t>Lambda syntax in Python	</a:t>
-            </a:r>
-            <a:endParaRPr lang="en-US" dirty="0"/>
-          </a:p>
-        </p:txBody>
-      </p:sp>
-      <p:sp>
-        <p:nvSpPr>
-          <p:cNvPr id="3" name="Content Placeholder 2"/>
-          <p:cNvSpPr>
-            <a:spLocks noGrp="1"/>
-          </p:cNvSpPr>
-          <p:nvPr>
-            <p:ph idx="1"/>
-          </p:nvPr>
-        </p:nvSpPr>
-        <p:spPr/>
-        <p:txBody>
-          <a:bodyPr/>
-          <a:lstStyle/>
-          <a:p>
-            <a:r>
-              <a:rPr lang="en-US" dirty="0" smtClean="0"/>
-              <a:t>Simply:</a:t>
-            </a:r>
-          </a:p>
-          <a:p>
-            <a:endParaRPr lang="en-US" dirty="0"/>
-          </a:p>
-          <a:p>
-            <a:pPr marL="457200" lvl="1" indent="0">
-              <a:buNone/>
-            </a:pPr>
-            <a:r>
-              <a:rPr lang="en-US" dirty="0" smtClean="0"/>
-              <a:t>f = lambda x: </a:t>
-            </a:r>
-            <a:r>
-              <a:rPr lang="en-US" dirty="0" err="1" smtClean="0"/>
-              <a:t>x.split</a:t>
-            </a:r>
-            <a:r>
-              <a:rPr lang="en-US" dirty="0" smtClean="0"/>
-              <a:t>()</a:t>
-            </a:r>
-          </a:p>
-          <a:p>
-            <a:pPr marL="457200" lvl="1" indent="0">
-              <a:buNone/>
-            </a:pPr>
-            <a:r>
-              <a:rPr lang="en-US" dirty="0"/>
-              <a:t>g</a:t>
-            </a:r>
-            <a:r>
-              <a:rPr lang="en-US" dirty="0" smtClean="0"/>
-              <a:t> = lambda </a:t>
-            </a:r>
-            <a:r>
-              <a:rPr lang="en-US" dirty="0" err="1" smtClean="0"/>
-              <a:t>x,y</a:t>
-            </a:r>
-            <a:r>
-              <a:rPr lang="en-US" dirty="0" smtClean="0"/>
-              <a:t>: </a:t>
-            </a:r>
-            <a:r>
-              <a:rPr lang="en-US" dirty="0" err="1" smtClean="0"/>
-              <a:t>x+y</a:t>
-            </a:r>
-            <a:endParaRPr lang="en-US" dirty="0"/>
-          </a:p>
-        </p:txBody>
-      </p:sp>
-    </p:spTree>
-    <p:extLst>
-      <p:ext uri="{BB962C8B-B14F-4D97-AF65-F5344CB8AC3E}">
-        <p14:creationId xmlns:p14="http://schemas.microsoft.com/office/powerpoint/2010/main" val="4275047535"/>
-      </p:ext>
-    </p:extLst>
-  </p:cSld>
-  <p:clrMapOvr>
-    <a:masterClrMapping/>
-  </p:clrMapOvr>
-  <p:timing>
-    <p:tnLst>
-      <p:par>
-        <p:cTn xmlns:p14="http://schemas.microsoft.com/office/powerpoint/2010/main" id="1" dur="indefinite" restart="never" nodeType="tmRoot"/>
-      </p:par>
-    </p:tnLst>
-  </p:timing>
-</p:sld>
-</file>
-
 <file path=ppt/slides/slide18.xml><?xml version="1.0" encoding="utf-8"?>
 <p:sld xmlns:a="http://schemas.openxmlformats.org/drawingml/2006/main" xmlns:r="http://schemas.openxmlformats.org/officeDocument/2006/relationships" xmlns:p="http://schemas.openxmlformats.org/presentationml/2006/main">
   <p:cSld>
@@ -5405,7 +5497,7 @@
           <a:p>
             <a:r>
               <a:rPr lang="en-US" dirty="0" smtClean="0"/>
-              <a:t>Example</a:t>
+              <a:t>Lambda syntax</a:t>
             </a:r>
             <a:endParaRPr lang="en-US" dirty="0"/>
           </a:p>
@@ -5423,212 +5515,35 @@
         </p:nvSpPr>
         <p:spPr/>
         <p:txBody>
-          <a:bodyPr>
-            <a:normAutofit/>
-          </a:bodyPr>
+          <a:bodyPr/>
           <a:lstStyle/>
           <a:p>
-            <a:pPr marL="0" indent="0">
-              <a:buNone/>
-            </a:pPr>
-            <a:r>
-              <a:rPr lang="en-US" sz="2000" dirty="0" err="1" smtClean="0"/>
-              <a:t>sc</a:t>
-            </a:r>
-            <a:r>
-              <a:rPr lang="en-US" sz="2000" dirty="0" smtClean="0"/>
-              <a:t> = </a:t>
-            </a:r>
-            <a:r>
-              <a:rPr lang="en-US" sz="2000" dirty="0" err="1" smtClean="0"/>
-              <a:t>SparkContext</a:t>
-            </a:r>
-            <a:r>
-              <a:rPr lang="en-US" sz="2000" dirty="0" smtClean="0"/>
-              <a:t>() </a:t>
-            </a:r>
-          </a:p>
-          <a:p>
-            <a:pPr marL="0" indent="0">
-              <a:buNone/>
-            </a:pPr>
-            <a:endParaRPr lang="en-US" sz="2000" dirty="0"/>
-          </a:p>
-          <a:p>
-            <a:pPr marL="0" indent="0">
-              <a:buNone/>
-            </a:pPr>
-            <a:r>
-              <a:rPr lang="en-US" sz="2000" dirty="0" smtClean="0"/>
-              <a:t>books </a:t>
-            </a:r>
-            <a:r>
-              <a:rPr lang="en-US" sz="2000" dirty="0"/>
-              <a:t>= </a:t>
-            </a:r>
-            <a:r>
-              <a:rPr lang="en-US" sz="2000" dirty="0" err="1"/>
-              <a:t>sc.textFile</a:t>
-            </a:r>
-            <a:r>
-              <a:rPr lang="en-US" sz="2000" dirty="0" smtClean="0"/>
-              <a:t>(“books/*”)</a:t>
-            </a:r>
-            <a:endParaRPr lang="en-US" sz="2000" dirty="0"/>
-          </a:p>
-          <a:p>
-            <a:pPr marL="0" indent="0">
-              <a:buNone/>
-            </a:pPr>
-            <a:r>
-              <a:rPr lang="en-US" sz="2000" dirty="0"/>
-              <a:t>split = </a:t>
-            </a:r>
-            <a:r>
-              <a:rPr lang="en-US" sz="2000" dirty="0" err="1"/>
-              <a:t>books.flatMap</a:t>
-            </a:r>
-            <a:r>
-              <a:rPr lang="en-US" sz="2000" dirty="0"/>
-              <a:t>(lambda line: </a:t>
-            </a:r>
-            <a:r>
-              <a:rPr lang="en-US" sz="2000" dirty="0" err="1"/>
-              <a:t>line.split</a:t>
-            </a:r>
-            <a:r>
-              <a:rPr lang="en-US" sz="2000" dirty="0"/>
-              <a:t>())</a:t>
-            </a:r>
-          </a:p>
-          <a:p>
-            <a:pPr marL="0" indent="0">
-              <a:buNone/>
-            </a:pPr>
-            <a:r>
-              <a:rPr lang="en-US" sz="2000" dirty="0" smtClean="0"/>
-              <a:t>numbered </a:t>
-            </a:r>
-            <a:r>
-              <a:rPr lang="en-US" sz="2000" dirty="0"/>
-              <a:t>= </a:t>
-            </a:r>
-            <a:r>
-              <a:rPr lang="en-US" sz="2000" dirty="0" err="1" smtClean="0"/>
-              <a:t>split.map</a:t>
-            </a:r>
-            <a:r>
-              <a:rPr lang="en-US" sz="2000" dirty="0"/>
-              <a:t>(lambda word: (word, 1))</a:t>
-            </a:r>
-          </a:p>
-          <a:p>
-            <a:pPr marL="0" indent="0">
-              <a:buNone/>
-            </a:pPr>
-            <a:r>
-              <a:rPr lang="en-US" sz="2000" dirty="0" err="1"/>
-              <a:t>wordcount</a:t>
-            </a:r>
-            <a:r>
-              <a:rPr lang="en-US" sz="2000" dirty="0"/>
-              <a:t> = </a:t>
-            </a:r>
-            <a:r>
-              <a:rPr lang="en-US" sz="2000" dirty="0" err="1"/>
-              <a:t>numbered.reduceByKey</a:t>
-            </a:r>
-            <a:r>
-              <a:rPr lang="en-US" sz="2000" dirty="0"/>
-              <a:t>(lambda </a:t>
-            </a:r>
-            <a:r>
-              <a:rPr lang="en-US" sz="2000" dirty="0" err="1"/>
-              <a:t>a,b</a:t>
-            </a:r>
-            <a:r>
-              <a:rPr lang="en-US" sz="2000" dirty="0"/>
-              <a:t>: </a:t>
-            </a:r>
-            <a:r>
-              <a:rPr lang="en-US" sz="2000" dirty="0" err="1"/>
-              <a:t>a+b</a:t>
-            </a:r>
-            <a:r>
-              <a:rPr lang="en-US" sz="2000" dirty="0" smtClean="0"/>
-              <a:t>)</a:t>
-            </a:r>
-          </a:p>
-          <a:p>
-            <a:pPr marL="0" indent="0">
-              <a:buNone/>
-            </a:pPr>
-            <a:endParaRPr lang="en-US" sz="2000" dirty="0" smtClean="0"/>
-          </a:p>
-          <a:p>
-            <a:pPr marL="0" indent="0">
-              <a:buNone/>
-            </a:pPr>
-            <a:r>
-              <a:rPr lang="en-US" sz="2000" dirty="0"/>
-              <a:t>for </a:t>
-            </a:r>
-            <a:r>
-              <a:rPr lang="en-US" sz="2000" dirty="0" err="1"/>
-              <a:t>k,v</a:t>
-            </a:r>
-            <a:r>
-              <a:rPr lang="en-US" sz="2000" dirty="0"/>
-              <a:t> in </a:t>
-            </a:r>
-            <a:r>
-              <a:rPr lang="en-US" sz="2000" dirty="0" err="1"/>
-              <a:t>wordcount.collect</a:t>
-            </a:r>
-            <a:r>
-              <a:rPr lang="en-US" sz="2000" dirty="0"/>
-              <a:t>():</a:t>
-            </a:r>
-          </a:p>
-          <a:p>
-            <a:pPr marL="0" indent="0">
-              <a:buNone/>
-            </a:pPr>
-            <a:r>
-              <a:rPr lang="en-US" sz="2000" dirty="0"/>
-              <a:t>  print </a:t>
-            </a:r>
-            <a:r>
-              <a:rPr lang="en-US" sz="2000" dirty="0" err="1"/>
-              <a:t>k,v</a:t>
-            </a:r>
-            <a:endParaRPr lang="en-US" sz="2000" dirty="0"/>
-          </a:p>
-          <a:p>
-            <a:pPr marL="0" indent="0">
-              <a:buNone/>
-            </a:pPr>
-            <a:endParaRPr lang="en-US" sz="2000" dirty="0"/>
-          </a:p>
-          <a:p>
-            <a:pPr marL="0" indent="0">
-              <a:buNone/>
-            </a:pPr>
-            <a:r>
-              <a:rPr lang="en-US" sz="2000" dirty="0" err="1"/>
-              <a:t>sc.stop</a:t>
-            </a:r>
-            <a:r>
-              <a:rPr lang="en-US" sz="2000" dirty="0"/>
-              <a:t>()</a:t>
-            </a:r>
+            <a:r>
+              <a:rPr lang="en-US" dirty="0" smtClean="0"/>
+              <a:t>Lambda’s are unnamed functions</a:t>
+            </a:r>
+          </a:p>
+          <a:p>
+            <a:pPr lvl="1"/>
+            <a:r>
+              <a:rPr lang="en-US" dirty="0" smtClean="0"/>
+              <a:t>From Alonzo Church’s 1930s work on the Lambda Calculus</a:t>
+            </a:r>
+          </a:p>
+          <a:p>
+            <a:pPr lvl="1"/>
+            <a:r>
+              <a:rPr lang="en-US" dirty="0" smtClean="0"/>
+              <a:t>Recently added to Java</a:t>
+            </a:r>
+            <a:endParaRPr lang="en-US" dirty="0"/>
           </a:p>
         </p:txBody>
       </p:sp>
     </p:spTree>
     <p:extLst>
       <p:ext uri="{BB962C8B-B14F-4D97-AF65-F5344CB8AC3E}">
-        <p14:creationId xmlns:p14="http://schemas.microsoft.com/office/powerpoint/2010/main" val="1260108180"/>
+        <p14:creationId xmlns:p14="http://schemas.microsoft.com/office/powerpoint/2010/main" val="2738737034"/>
       </p:ext>
     </p:extLst>
   </p:cSld>
@@ -5674,31 +5589,12 @@
         </p:nvSpPr>
         <p:spPr/>
         <p:txBody>
-          <a:bodyPr>
-            <a:normAutofit fontScale="90000"/>
-          </a:bodyPr>
+          <a:bodyPr/>
           <a:lstStyle/>
           <a:p>
             <a:r>
               <a:rPr lang="en-US" dirty="0" smtClean="0"/>
-              <a:t>What doesn’t work </a:t>
-            </a:r>
-            <a:r>
-              <a:rPr lang="en-US" dirty="0">
-                <a:sym typeface="Wingdings"/>
-              </a:rPr>
-              <a:t/>
-            </a:r>
-            <a:br>
-              <a:rPr lang="en-US" dirty="0">
-                <a:sym typeface="Wingdings"/>
-              </a:rPr>
-            </a:br>
-            <a:r>
-              <a:rPr lang="en-US" dirty="0" smtClean="0">
-                <a:sym typeface="Wingdings"/>
-              </a:rPr>
-              <a:t>in a cluster</a:t>
+              <a:t>Lambda syntax in Python	</a:t>
             </a:r>
             <a:endParaRPr lang="en-US" dirty="0"/>
           </a:p>
@@ -5716,122 +5612,66 @@
         </p:nvSpPr>
         <p:spPr/>
         <p:txBody>
-          <a:bodyPr>
-            <a:normAutofit/>
-          </a:bodyPr>
+          <a:bodyPr/>
           <a:lstStyle/>
           <a:p>
-            <a:pPr marL="0" indent="0">
+            <a:r>
+              <a:rPr lang="en-US" dirty="0" smtClean="0"/>
+              <a:t>Simply:</a:t>
+            </a:r>
+          </a:p>
+          <a:p>
+            <a:endParaRPr lang="en-US" dirty="0"/>
+          </a:p>
+          <a:p>
+            <a:pPr marL="457200" lvl="1" indent="0">
               <a:buNone/>
             </a:pPr>
             <a:r>
-              <a:rPr lang="en-US" sz="2800" dirty="0">
-                <a:latin typeface="Lucida Console"/>
-                <a:cs typeface="Lucida Console"/>
-              </a:rPr>
-              <a:t>counter = 0</a:t>
-            </a:r>
-          </a:p>
-          <a:p>
-            <a:pPr marL="0" indent="0">
+              <a:rPr lang="en-US" dirty="0" smtClean="0"/>
+              <a:t>f = lambda x: </a:t>
+            </a:r>
+            <a:r>
+              <a:rPr lang="en-US" dirty="0" err="1" smtClean="0"/>
+              <a:t>x.split</a:t>
+            </a:r>
+            <a:r>
+              <a:rPr lang="en-US" dirty="0" smtClean="0"/>
+              <a:t>()</a:t>
+            </a:r>
+          </a:p>
+          <a:p>
+            <a:pPr marL="457200" lvl="1" indent="0">
               <a:buNone/>
             </a:pPr>
             <a:r>
-              <a:rPr lang="en-US" sz="2800" dirty="0" err="1">
-                <a:latin typeface="Lucida Console"/>
-                <a:cs typeface="Lucida Console"/>
-              </a:rPr>
-              <a:t>rdd</a:t>
-            </a:r>
-            <a:r>
-              <a:rPr lang="en-US" sz="2800" dirty="0">
-                <a:latin typeface="Lucida Console"/>
-                <a:cs typeface="Lucida Console"/>
-              </a:rPr>
-              <a:t> = </a:t>
-            </a:r>
-            <a:r>
-              <a:rPr lang="en-US" sz="2800" dirty="0" err="1">
-                <a:latin typeface="Lucida Console"/>
-                <a:cs typeface="Lucida Console"/>
-              </a:rPr>
-              <a:t>sc.parallelize</a:t>
-            </a:r>
-            <a:r>
-              <a:rPr lang="en-US" sz="2800" dirty="0">
-                <a:latin typeface="Lucida Console"/>
-                <a:cs typeface="Lucida Console"/>
-              </a:rPr>
-              <a:t>(data)</a:t>
-            </a:r>
-          </a:p>
-          <a:p>
-            <a:pPr marL="0" indent="0">
-              <a:buNone/>
-            </a:pPr>
-            <a:endParaRPr lang="en-US" sz="2800" dirty="0">
-              <a:latin typeface="Lucida Console"/>
-              <a:cs typeface="Lucida Console"/>
-            </a:endParaRPr>
-          </a:p>
-          <a:p>
-            <a:pPr marL="0" indent="0">
-              <a:buNone/>
-            </a:pPr>
-            <a:r>
-              <a:rPr lang="en-US" sz="2800" dirty="0">
-                <a:latin typeface="Lucida Console"/>
-                <a:cs typeface="Lucida Console"/>
-              </a:rPr>
-              <a:t># Wrong: Don't do this!!</a:t>
-            </a:r>
-          </a:p>
-          <a:p>
-            <a:pPr marL="0" indent="0">
-              <a:buNone/>
-            </a:pPr>
-            <a:r>
-              <a:rPr lang="en-US" sz="2800" dirty="0" err="1">
-                <a:latin typeface="Lucida Console"/>
-                <a:cs typeface="Lucida Console"/>
-              </a:rPr>
-              <a:t>rdd.foreach</a:t>
-            </a:r>
-            <a:r>
-              <a:rPr lang="en-US" sz="2800" dirty="0">
-                <a:latin typeface="Lucida Console"/>
-                <a:cs typeface="Lucida Console"/>
-              </a:rPr>
-              <a:t>(lambda x: counter += x)</a:t>
-            </a:r>
-          </a:p>
-          <a:p>
-            <a:pPr marL="0" indent="0">
-              <a:buNone/>
-            </a:pPr>
-            <a:endParaRPr lang="en-US" sz="2800" dirty="0">
-              <a:latin typeface="Lucida Console"/>
-              <a:cs typeface="Lucida Console"/>
-            </a:endParaRPr>
-          </a:p>
-          <a:p>
-            <a:pPr marL="0" indent="0">
-              <a:buNone/>
-            </a:pPr>
-            <a:r>
-              <a:rPr lang="en-US" sz="2800" dirty="0">
-                <a:latin typeface="Lucida Console"/>
-                <a:cs typeface="Lucida Console"/>
-              </a:rPr>
-              <a:t>print("Counter value: " + counter)</a:t>
-            </a:r>
+              <a:rPr lang="en-US" dirty="0"/>
+              <a:t>g</a:t>
+            </a:r>
+            <a:r>
+              <a:rPr lang="en-US" dirty="0" smtClean="0"/>
+              <a:t> = lambda </a:t>
+            </a:r>
+            <a:r>
+              <a:rPr lang="en-US" dirty="0" err="1" smtClean="0"/>
+              <a:t>x,y</a:t>
+            </a:r>
+            <a:r>
+              <a:rPr lang="en-US" dirty="0" smtClean="0"/>
+              <a:t>: </a:t>
+            </a:r>
+            <a:r>
+              <a:rPr lang="en-US" dirty="0" err="1" smtClean="0"/>
+              <a:t>x+y</a:t>
+            </a:r>
+            <a:endParaRPr lang="en-US" dirty="0"/>
           </a:p>
         </p:txBody>
       </p:sp>
     </p:spTree>
     <p:extLst>
       <p:ext uri="{BB962C8B-B14F-4D97-AF65-F5344CB8AC3E}">
-        <p14:creationId xmlns:p14="http://schemas.microsoft.com/office/powerpoint/2010/main" val="965116268"/>
+        <p14:creationId xmlns:p14="http://schemas.microsoft.com/office/powerpoint/2010/main" val="4275047535"/>
       </p:ext>
     </p:extLst>
   </p:cSld>
@@ -6137,6 +5977,483 @@
           <a:p>
             <a:r>
               <a:rPr lang="en-US" dirty="0" smtClean="0"/>
+              <a:t>Example</a:t>
+            </a:r>
+            <a:endParaRPr lang="en-US" dirty="0"/>
+          </a:p>
+        </p:txBody>
+      </p:sp>
+      <p:sp>
+        <p:nvSpPr>
+          <p:cNvPr id="3" name="Content Placeholder 2"/>
+          <p:cNvSpPr>
+            <a:spLocks noGrp="1"/>
+          </p:cNvSpPr>
+          <p:nvPr>
+            <p:ph idx="1"/>
+          </p:nvPr>
+        </p:nvSpPr>
+        <p:spPr/>
+        <p:txBody>
+          <a:bodyPr>
+            <a:normAutofit/>
+          </a:bodyPr>
+          <a:lstStyle/>
+          <a:p>
+            <a:pPr marL="0" indent="0">
+              <a:buNone/>
+            </a:pPr>
+            <a:r>
+              <a:rPr lang="en-US" sz="2000" dirty="0" err="1" smtClean="0"/>
+              <a:t>sc</a:t>
+            </a:r>
+            <a:r>
+              <a:rPr lang="en-US" sz="2000" dirty="0" smtClean="0"/>
+              <a:t> = </a:t>
+            </a:r>
+            <a:r>
+              <a:rPr lang="en-US" sz="2000" dirty="0" err="1" smtClean="0"/>
+              <a:t>SparkContext</a:t>
+            </a:r>
+            <a:r>
+              <a:rPr lang="en-US" sz="2000" dirty="0" smtClean="0"/>
+              <a:t>() </a:t>
+            </a:r>
+          </a:p>
+          <a:p>
+            <a:pPr marL="0" indent="0">
+              <a:buNone/>
+            </a:pPr>
+            <a:endParaRPr lang="en-US" sz="2000" dirty="0"/>
+          </a:p>
+          <a:p>
+            <a:pPr marL="0" indent="0">
+              <a:buNone/>
+            </a:pPr>
+            <a:r>
+              <a:rPr lang="en-US" sz="2000" dirty="0" smtClean="0"/>
+              <a:t>books </a:t>
+            </a:r>
+            <a:r>
+              <a:rPr lang="en-US" sz="2000" dirty="0"/>
+              <a:t>= </a:t>
+            </a:r>
+            <a:r>
+              <a:rPr lang="en-US" sz="2000" dirty="0" err="1"/>
+              <a:t>sc.textFile</a:t>
+            </a:r>
+            <a:r>
+              <a:rPr lang="en-US" sz="2000" dirty="0" smtClean="0"/>
+              <a:t>(“books/*”)</a:t>
+            </a:r>
+            <a:endParaRPr lang="en-US" sz="2000" dirty="0"/>
+          </a:p>
+          <a:p>
+            <a:pPr marL="0" indent="0">
+              <a:buNone/>
+            </a:pPr>
+            <a:r>
+              <a:rPr lang="en-US" sz="2000" dirty="0"/>
+              <a:t>split = </a:t>
+            </a:r>
+            <a:r>
+              <a:rPr lang="en-US" sz="2000" dirty="0" err="1"/>
+              <a:t>books.flatMap</a:t>
+            </a:r>
+            <a:r>
+              <a:rPr lang="en-US" sz="2000" dirty="0"/>
+              <a:t>(lambda line: </a:t>
+            </a:r>
+            <a:r>
+              <a:rPr lang="en-US" sz="2000" dirty="0" err="1"/>
+              <a:t>line.split</a:t>
+            </a:r>
+            <a:r>
+              <a:rPr lang="en-US" sz="2000" dirty="0"/>
+              <a:t>())</a:t>
+            </a:r>
+          </a:p>
+          <a:p>
+            <a:pPr marL="0" indent="0">
+              <a:buNone/>
+            </a:pPr>
+            <a:r>
+              <a:rPr lang="en-US" sz="2000" dirty="0" smtClean="0"/>
+              <a:t>numbered </a:t>
+            </a:r>
+            <a:r>
+              <a:rPr lang="en-US" sz="2000" dirty="0"/>
+              <a:t>= </a:t>
+            </a:r>
+            <a:r>
+              <a:rPr lang="en-US" sz="2000" dirty="0" err="1" smtClean="0"/>
+              <a:t>split.map</a:t>
+            </a:r>
+            <a:r>
+              <a:rPr lang="en-US" sz="2000" dirty="0"/>
+              <a:t>(lambda word: (word, 1))</a:t>
+            </a:r>
+          </a:p>
+          <a:p>
+            <a:pPr marL="0" indent="0">
+              <a:buNone/>
+            </a:pPr>
+            <a:r>
+              <a:rPr lang="en-US" sz="2000" dirty="0" err="1"/>
+              <a:t>wordcount</a:t>
+            </a:r>
+            <a:r>
+              <a:rPr lang="en-US" sz="2000" dirty="0"/>
+              <a:t> = </a:t>
+            </a:r>
+            <a:r>
+              <a:rPr lang="en-US" sz="2000" dirty="0" err="1"/>
+              <a:t>numbered.reduceByKey</a:t>
+            </a:r>
+            <a:r>
+              <a:rPr lang="en-US" sz="2000" dirty="0"/>
+              <a:t>(lambda </a:t>
+            </a:r>
+            <a:r>
+              <a:rPr lang="en-US" sz="2000" dirty="0" err="1"/>
+              <a:t>a,b</a:t>
+            </a:r>
+            <a:r>
+              <a:rPr lang="en-US" sz="2000" dirty="0"/>
+              <a:t>: </a:t>
+            </a:r>
+            <a:r>
+              <a:rPr lang="en-US" sz="2000" dirty="0" err="1"/>
+              <a:t>a+b</a:t>
+            </a:r>
+            <a:r>
+              <a:rPr lang="en-US" sz="2000" dirty="0" smtClean="0"/>
+              <a:t>)</a:t>
+            </a:r>
+          </a:p>
+          <a:p>
+            <a:pPr marL="0" indent="0">
+              <a:buNone/>
+            </a:pPr>
+            <a:endParaRPr lang="en-US" sz="2000" dirty="0" smtClean="0"/>
+          </a:p>
+          <a:p>
+            <a:pPr marL="0" indent="0">
+              <a:buNone/>
+            </a:pPr>
+            <a:r>
+              <a:rPr lang="en-US" sz="2000" dirty="0"/>
+              <a:t>for </a:t>
+            </a:r>
+            <a:r>
+              <a:rPr lang="en-US" sz="2000" dirty="0" err="1"/>
+              <a:t>k,v</a:t>
+            </a:r>
+            <a:r>
+              <a:rPr lang="en-US" sz="2000" dirty="0"/>
+              <a:t> in </a:t>
+            </a:r>
+            <a:r>
+              <a:rPr lang="en-US" sz="2000" dirty="0" err="1"/>
+              <a:t>wordcount.collect</a:t>
+            </a:r>
+            <a:r>
+              <a:rPr lang="en-US" sz="2000" dirty="0"/>
+              <a:t>():</a:t>
+            </a:r>
+          </a:p>
+          <a:p>
+            <a:pPr marL="0" indent="0">
+              <a:buNone/>
+            </a:pPr>
+            <a:r>
+              <a:rPr lang="en-US" sz="2000" dirty="0"/>
+              <a:t>  print </a:t>
+            </a:r>
+            <a:r>
+              <a:rPr lang="en-US" sz="2000" dirty="0" err="1"/>
+              <a:t>k,v</a:t>
+            </a:r>
+            <a:endParaRPr lang="en-US" sz="2000" dirty="0"/>
+          </a:p>
+          <a:p>
+            <a:pPr marL="0" indent="0">
+              <a:buNone/>
+            </a:pPr>
+            <a:endParaRPr lang="en-US" sz="2000" dirty="0"/>
+          </a:p>
+          <a:p>
+            <a:pPr marL="0" indent="0">
+              <a:buNone/>
+            </a:pPr>
+            <a:r>
+              <a:rPr lang="en-US" sz="2000" dirty="0" err="1"/>
+              <a:t>sc.stop</a:t>
+            </a:r>
+            <a:r>
+              <a:rPr lang="en-US" sz="2000" dirty="0"/>
+              <a:t>()</a:t>
+            </a:r>
+          </a:p>
+        </p:txBody>
+      </p:sp>
+    </p:spTree>
+    <p:extLst>
+      <p:ext uri="{BB962C8B-B14F-4D97-AF65-F5344CB8AC3E}">
+        <p14:creationId xmlns:p14="http://schemas.microsoft.com/office/powerpoint/2010/main" val="1260108180"/>
+      </p:ext>
+    </p:extLst>
+  </p:cSld>
+  <p:clrMapOvr>
+    <a:masterClrMapping/>
+  </p:clrMapOvr>
+  <p:timing>
+    <p:tnLst>
+      <p:par>
+        <p:cTn xmlns:p14="http://schemas.microsoft.com/office/powerpoint/2010/main" id="1" dur="indefinite" restart="never" nodeType="tmRoot"/>
+      </p:par>
+    </p:tnLst>
+  </p:timing>
+</p:sld>
+</file>
+
+<file path=ppt/slides/slide21.xml><?xml version="1.0" encoding="utf-8"?>
+<p:sld xmlns:a="http://schemas.openxmlformats.org/drawingml/2006/main" xmlns:r="http://schemas.openxmlformats.org/officeDocument/2006/relationships" xmlns:p="http://schemas.openxmlformats.org/presentationml/2006/main">
+  <p:cSld>
+    <p:spTree>
+      <p:nvGrpSpPr>
+        <p:cNvPr id="1" name=""/>
+        <p:cNvGrpSpPr/>
+        <p:nvPr/>
+      </p:nvGrpSpPr>
+      <p:grpSpPr>
+        <a:xfrm>
+          <a:off x="0" y="0"/>
+          <a:ext cx="0" cy="0"/>
+          <a:chOff x="0" y="0"/>
+          <a:chExt cx="0" cy="0"/>
+        </a:xfrm>
+      </p:grpSpPr>
+      <p:sp>
+        <p:nvSpPr>
+          <p:cNvPr id="2" name="Title 1"/>
+          <p:cNvSpPr>
+            <a:spLocks noGrp="1"/>
+          </p:cNvSpPr>
+          <p:nvPr>
+            <p:ph type="title"/>
+          </p:nvPr>
+        </p:nvSpPr>
+        <p:spPr/>
+        <p:txBody>
+          <a:bodyPr>
+            <a:normAutofit fontScale="90000"/>
+          </a:bodyPr>
+          <a:lstStyle/>
+          <a:p>
+            <a:r>
+              <a:rPr lang="en-US" dirty="0" smtClean="0"/>
+              <a:t>What doesn’t work </a:t>
+            </a:r>
+            <a:r>
+              <a:rPr lang="en-US" dirty="0">
+                <a:sym typeface="Wingdings"/>
+              </a:rPr>
+              <a:t/>
+            </a:r>
+            <a:br>
+              <a:rPr lang="en-US" dirty="0">
+                <a:sym typeface="Wingdings"/>
+              </a:rPr>
+            </a:br>
+            <a:r>
+              <a:rPr lang="en-US" dirty="0" smtClean="0">
+                <a:sym typeface="Wingdings"/>
+              </a:rPr>
+              <a:t>in a cluster</a:t>
+            </a:r>
+            <a:endParaRPr lang="en-US" dirty="0"/>
+          </a:p>
+        </p:txBody>
+      </p:sp>
+      <p:sp>
+        <p:nvSpPr>
+          <p:cNvPr id="3" name="Content Placeholder 2"/>
+          <p:cNvSpPr>
+            <a:spLocks noGrp="1"/>
+          </p:cNvSpPr>
+          <p:nvPr>
+            <p:ph idx="1"/>
+          </p:nvPr>
+        </p:nvSpPr>
+        <p:spPr/>
+        <p:txBody>
+          <a:bodyPr>
+            <a:normAutofit/>
+          </a:bodyPr>
+          <a:lstStyle/>
+          <a:p>
+            <a:pPr marL="0" indent="0">
+              <a:buNone/>
+            </a:pPr>
+            <a:r>
+              <a:rPr lang="en-US" sz="2800" dirty="0">
+                <a:latin typeface="Lucida Console"/>
+                <a:cs typeface="Lucida Console"/>
+              </a:rPr>
+              <a:t>counter = 0</a:t>
+            </a:r>
+          </a:p>
+          <a:p>
+            <a:pPr marL="0" indent="0">
+              <a:buNone/>
+            </a:pPr>
+            <a:r>
+              <a:rPr lang="en-US" sz="2800" dirty="0" err="1">
+                <a:latin typeface="Lucida Console"/>
+                <a:cs typeface="Lucida Console"/>
+              </a:rPr>
+              <a:t>rdd</a:t>
+            </a:r>
+            <a:r>
+              <a:rPr lang="en-US" sz="2800" dirty="0">
+                <a:latin typeface="Lucida Console"/>
+                <a:cs typeface="Lucida Console"/>
+              </a:rPr>
+              <a:t> = </a:t>
+            </a:r>
+            <a:r>
+              <a:rPr lang="en-US" sz="2800" dirty="0" err="1">
+                <a:latin typeface="Lucida Console"/>
+                <a:cs typeface="Lucida Console"/>
+              </a:rPr>
+              <a:t>sc.parallelize</a:t>
+            </a:r>
+            <a:r>
+              <a:rPr lang="en-US" sz="2800" dirty="0">
+                <a:latin typeface="Lucida Console"/>
+                <a:cs typeface="Lucida Console"/>
+              </a:rPr>
+              <a:t>(data)</a:t>
+            </a:r>
+          </a:p>
+          <a:p>
+            <a:pPr marL="0" indent="0">
+              <a:buNone/>
+            </a:pPr>
+            <a:endParaRPr lang="en-US" sz="2800" dirty="0">
+              <a:latin typeface="Lucida Console"/>
+              <a:cs typeface="Lucida Console"/>
+            </a:endParaRPr>
+          </a:p>
+          <a:p>
+            <a:pPr marL="0" indent="0">
+              <a:buNone/>
+            </a:pPr>
+            <a:r>
+              <a:rPr lang="en-US" sz="2800" dirty="0">
+                <a:latin typeface="Lucida Console"/>
+                <a:cs typeface="Lucida Console"/>
+              </a:rPr>
+              <a:t># Wrong: Don't do this!!</a:t>
+            </a:r>
+          </a:p>
+          <a:p>
+            <a:pPr marL="0" indent="0">
+              <a:buNone/>
+            </a:pPr>
+            <a:r>
+              <a:rPr lang="en-US" sz="2800" dirty="0" err="1">
+                <a:latin typeface="Lucida Console"/>
+                <a:cs typeface="Lucida Console"/>
+              </a:rPr>
+              <a:t>rdd.foreach</a:t>
+            </a:r>
+            <a:r>
+              <a:rPr lang="en-US" sz="2800" dirty="0">
+                <a:latin typeface="Lucida Console"/>
+                <a:cs typeface="Lucida Console"/>
+              </a:rPr>
+              <a:t>(lambda x: counter += x)</a:t>
+            </a:r>
+          </a:p>
+          <a:p>
+            <a:pPr marL="0" indent="0">
+              <a:buNone/>
+            </a:pPr>
+            <a:endParaRPr lang="en-US" sz="2800" dirty="0">
+              <a:latin typeface="Lucida Console"/>
+              <a:cs typeface="Lucida Console"/>
+            </a:endParaRPr>
+          </a:p>
+          <a:p>
+            <a:pPr marL="0" indent="0">
+              <a:buNone/>
+            </a:pPr>
+            <a:r>
+              <a:rPr lang="en-US" sz="2800" dirty="0">
+                <a:latin typeface="Lucida Console"/>
+                <a:cs typeface="Lucida Console"/>
+              </a:rPr>
+              <a:t>print("Counter value: " + counter)</a:t>
+            </a:r>
+          </a:p>
+        </p:txBody>
+      </p:sp>
+    </p:spTree>
+    <p:extLst>
+      <p:ext uri="{BB962C8B-B14F-4D97-AF65-F5344CB8AC3E}">
+        <p14:creationId xmlns:p14="http://schemas.microsoft.com/office/powerpoint/2010/main" val="965116268"/>
+      </p:ext>
+    </p:extLst>
+  </p:cSld>
+  <p:clrMapOvr>
+    <a:masterClrMapping/>
+  </p:clrMapOvr>
+  <p:timing>
+    <p:tnLst>
+      <p:par>
+        <p:cTn xmlns:p14="http://schemas.microsoft.com/office/powerpoint/2010/main" id="1" dur="indefinite" restart="never" nodeType="tmRoot"/>
+      </p:par>
+    </p:tnLst>
+  </p:timing>
+</p:sld>
+</file>
+
+<file path=ppt/slides/slide22.xml><?xml version="1.0" encoding="utf-8"?>
+<p:sld xmlns:a="http://schemas.openxmlformats.org/drawingml/2006/main" xmlns:r="http://schemas.openxmlformats.org/officeDocument/2006/relationships" xmlns:p="http://schemas.openxmlformats.org/presentationml/2006/main">
+  <p:cSld>
+    <p:spTree>
+      <p:nvGrpSpPr>
+        <p:cNvPr id="1" name=""/>
+        <p:cNvGrpSpPr/>
+        <p:nvPr/>
+      </p:nvGrpSpPr>
+      <p:grpSpPr>
+        <a:xfrm>
+          <a:off x="0" y="0"/>
+          <a:ext cx="0" cy="0"/>
+          <a:chOff x="0" y="0"/>
+          <a:chExt cx="0" cy="0"/>
+        </a:xfrm>
+      </p:grpSpPr>
+      <p:sp>
+        <p:nvSpPr>
+          <p:cNvPr id="2" name="Title 1"/>
+          <p:cNvSpPr>
+            <a:spLocks noGrp="1"/>
+          </p:cNvSpPr>
+          <p:nvPr>
+            <p:ph type="title"/>
+          </p:nvPr>
+        </p:nvSpPr>
+        <p:spPr/>
+        <p:txBody>
+          <a:bodyPr/>
+          <a:lstStyle/>
+          <a:p>
+            <a:r>
+              <a:rPr lang="en-US" dirty="0" smtClean="0"/>
               <a:t>Apache Spark cluster model</a:t>
             </a:r>
             <a:endParaRPr lang="en-US" dirty="0"/>
@@ -6187,349 +6504,6 @@
 </p:sld>
 </file>
 
-<file path=ppt/slides/slide21.xml><?xml version="1.0" encoding="utf-8"?>
-<p:sld xmlns:a="http://schemas.openxmlformats.org/drawingml/2006/main" xmlns:r="http://schemas.openxmlformats.org/officeDocument/2006/relationships" xmlns:p="http://schemas.openxmlformats.org/presentationml/2006/main">
-  <p:cSld>
-    <p:spTree>
-      <p:nvGrpSpPr>
-        <p:cNvPr id="1" name=""/>
-        <p:cNvGrpSpPr/>
-        <p:nvPr/>
-      </p:nvGrpSpPr>
-      <p:grpSpPr>
-        <a:xfrm>
-          <a:off x="0" y="0"/>
-          <a:ext cx="0" cy="0"/>
-          <a:chOff x="0" y="0"/>
-          <a:chExt cx="0" cy="0"/>
-        </a:xfrm>
-      </p:grpSpPr>
-      <p:sp>
-        <p:nvSpPr>
-          <p:cNvPr id="2" name="Title 1"/>
-          <p:cNvSpPr>
-            <a:spLocks noGrp="1"/>
-          </p:cNvSpPr>
-          <p:nvPr>
-            <p:ph type="title"/>
-          </p:nvPr>
-        </p:nvSpPr>
-        <p:spPr/>
-        <p:txBody>
-          <a:bodyPr>
-            <a:normAutofit fontScale="90000"/>
-          </a:bodyPr>
-          <a:lstStyle/>
-          <a:p>
-            <a:r>
-              <a:rPr lang="en-US" dirty="0" smtClean="0"/>
-              <a:t>How to count across a cluster?</a:t>
-            </a:r>
-            <a:endParaRPr lang="en-US" dirty="0"/>
-          </a:p>
-        </p:txBody>
-      </p:sp>
-      <p:sp>
-        <p:nvSpPr>
-          <p:cNvPr id="3" name="Content Placeholder 2"/>
-          <p:cNvSpPr>
-            <a:spLocks noGrp="1"/>
-          </p:cNvSpPr>
-          <p:nvPr>
-            <p:ph idx="1"/>
-          </p:nvPr>
-        </p:nvSpPr>
-        <p:spPr/>
-        <p:txBody>
-          <a:bodyPr>
-            <a:normAutofit/>
-          </a:bodyPr>
-          <a:lstStyle/>
-          <a:p>
-            <a:r>
-              <a:rPr lang="en-US" sz="2800" dirty="0" smtClean="0"/>
-              <a:t>Accumulators</a:t>
-            </a:r>
-          </a:p>
-          <a:p>
-            <a:endParaRPr lang="en-US" sz="2800" dirty="0" smtClean="0"/>
-          </a:p>
-          <a:p>
-            <a:pPr marL="0" indent="0">
-              <a:buNone/>
-            </a:pPr>
-            <a:r>
-              <a:rPr lang="en-US" sz="2800" dirty="0" smtClean="0"/>
-              <a:t>	</a:t>
-            </a:r>
-            <a:r>
-              <a:rPr lang="en-US" sz="2800" dirty="0" err="1" smtClean="0">
-                <a:latin typeface="Lucida Console"/>
-                <a:cs typeface="Lucida Console"/>
-              </a:rPr>
-              <a:t>acc</a:t>
-            </a:r>
-            <a:r>
-              <a:rPr lang="en-US" sz="2800" dirty="0" smtClean="0">
-                <a:latin typeface="Lucida Console"/>
-                <a:cs typeface="Lucida Console"/>
-              </a:rPr>
-              <a:t> = </a:t>
-            </a:r>
-            <a:r>
-              <a:rPr lang="en-US" sz="2800" dirty="0" err="1" smtClean="0">
-                <a:latin typeface="Lucida Console"/>
-                <a:cs typeface="Lucida Console"/>
-              </a:rPr>
-              <a:t>sc.accumulator</a:t>
-            </a:r>
-            <a:r>
-              <a:rPr lang="en-US" sz="2800" dirty="0" smtClean="0">
-                <a:latin typeface="Lucida Console"/>
-                <a:cs typeface="Lucida Console"/>
-              </a:rPr>
-              <a:t>()</a:t>
-            </a:r>
-          </a:p>
-          <a:p>
-            <a:pPr marL="0" indent="0">
-              <a:buNone/>
-            </a:pPr>
-            <a:r>
-              <a:rPr lang="en-US" sz="2800" dirty="0" smtClean="0">
-                <a:latin typeface="Lucida Console"/>
-                <a:cs typeface="Lucida Console"/>
-              </a:rPr>
-              <a:t>	</a:t>
-            </a:r>
-            <a:r>
-              <a:rPr lang="en-US" sz="2800" dirty="0" err="1" smtClean="0">
-                <a:latin typeface="Lucida Console"/>
-                <a:cs typeface="Lucida Console"/>
-              </a:rPr>
-              <a:t>rdd</a:t>
-            </a:r>
-            <a:r>
-              <a:rPr lang="en-US" sz="2800" dirty="0" smtClean="0">
-                <a:latin typeface="Lucida Console"/>
-                <a:cs typeface="Lucida Console"/>
-              </a:rPr>
-              <a:t> </a:t>
-            </a:r>
-            <a:r>
-              <a:rPr lang="en-US" sz="2800" dirty="0">
-                <a:latin typeface="Lucida Console"/>
-                <a:cs typeface="Lucida Console"/>
-              </a:rPr>
-              <a:t>= </a:t>
-            </a:r>
-            <a:r>
-              <a:rPr lang="en-US" sz="2800" dirty="0" err="1">
-                <a:latin typeface="Lucida Console"/>
-                <a:cs typeface="Lucida Console"/>
-              </a:rPr>
-              <a:t>sc.parallelize</a:t>
-            </a:r>
-            <a:r>
-              <a:rPr lang="en-US" sz="2800" dirty="0">
-                <a:latin typeface="Lucida Console"/>
-                <a:cs typeface="Lucida Console"/>
-              </a:rPr>
-              <a:t>(data</a:t>
-            </a:r>
-            <a:r>
-              <a:rPr lang="en-US" sz="2800" dirty="0" smtClean="0">
-                <a:latin typeface="Lucida Console"/>
-                <a:cs typeface="Lucida Console"/>
-              </a:rPr>
-              <a:t>)</a:t>
-            </a:r>
-            <a:br>
-              <a:rPr lang="en-US" sz="2800" dirty="0" smtClean="0">
-                <a:latin typeface="Lucida Console"/>
-                <a:cs typeface="Lucida Console"/>
-              </a:rPr>
-            </a:br>
-            <a:r>
-              <a:rPr lang="en-US" sz="2800" dirty="0" smtClean="0">
-                <a:latin typeface="Lucida Console"/>
-                <a:cs typeface="Lucida Console"/>
-              </a:rPr>
-              <a:t>	</a:t>
-            </a:r>
-            <a:r>
-              <a:rPr lang="en-US" sz="2800" dirty="0" err="1" smtClean="0">
-                <a:latin typeface="Lucida Console"/>
-                <a:cs typeface="Lucida Console"/>
-              </a:rPr>
-              <a:t>rdd.foreach</a:t>
-            </a:r>
-            <a:r>
-              <a:rPr lang="en-US" sz="2800" dirty="0" smtClean="0">
-                <a:latin typeface="Lucida Console"/>
-                <a:cs typeface="Lucida Console"/>
-              </a:rPr>
-              <a:t>(lambda x: </a:t>
-            </a:r>
-            <a:r>
-              <a:rPr lang="en-US" sz="2800" dirty="0" err="1" smtClean="0">
-                <a:latin typeface="Lucida Console"/>
-                <a:cs typeface="Lucida Console"/>
-              </a:rPr>
-              <a:t>acc.add</a:t>
-            </a:r>
-            <a:r>
-              <a:rPr lang="en-US" sz="2800" dirty="0" smtClean="0">
-                <a:latin typeface="Lucida Console"/>
-                <a:cs typeface="Lucida Console"/>
-              </a:rPr>
-              <a:t>(x))</a:t>
-            </a:r>
-            <a:endParaRPr lang="en-US" sz="2800" dirty="0">
-              <a:latin typeface="Lucida Console"/>
-              <a:cs typeface="Lucida Console"/>
-            </a:endParaRPr>
-          </a:p>
-          <a:p>
-            <a:pPr marL="0" indent="0">
-              <a:buNone/>
-            </a:pPr>
-            <a:endParaRPr lang="en-US" sz="2800" dirty="0"/>
-          </a:p>
-        </p:txBody>
-      </p:sp>
-    </p:spTree>
-    <p:extLst>
-      <p:ext uri="{BB962C8B-B14F-4D97-AF65-F5344CB8AC3E}">
-        <p14:creationId xmlns:p14="http://schemas.microsoft.com/office/powerpoint/2010/main" val="1340352141"/>
-      </p:ext>
-    </p:extLst>
-  </p:cSld>
-  <p:clrMapOvr>
-    <a:masterClrMapping/>
-  </p:clrMapOvr>
-  <p:timing>
-    <p:tnLst>
-      <p:par>
-        <p:cTn xmlns:p14="http://schemas.microsoft.com/office/powerpoint/2010/main" id="1" dur="indefinite" restart="never" nodeType="tmRoot"/>
-      </p:par>
-    </p:tnLst>
-  </p:timing>
-</p:sld>
-</file>
-
-<file path=ppt/slides/slide22.xml><?xml version="1.0" encoding="utf-8"?>
-<p:sld xmlns:a="http://schemas.openxmlformats.org/drawingml/2006/main" xmlns:r="http://schemas.openxmlformats.org/officeDocument/2006/relationships" xmlns:p="http://schemas.openxmlformats.org/presentationml/2006/main">
-  <p:cSld>
-    <p:spTree>
-      <p:nvGrpSpPr>
-        <p:cNvPr id="1" name=""/>
-        <p:cNvGrpSpPr/>
-        <p:nvPr/>
-      </p:nvGrpSpPr>
-      <p:grpSpPr>
-        <a:xfrm>
-          <a:off x="0" y="0"/>
-          <a:ext cx="0" cy="0"/>
-          <a:chOff x="0" y="0"/>
-          <a:chExt cx="0" cy="0"/>
-        </a:xfrm>
-      </p:grpSpPr>
-      <p:sp>
-        <p:nvSpPr>
-          <p:cNvPr id="2" name="Title 1"/>
-          <p:cNvSpPr>
-            <a:spLocks noGrp="1"/>
-          </p:cNvSpPr>
-          <p:nvPr>
-            <p:ph type="title"/>
-          </p:nvPr>
-        </p:nvSpPr>
-        <p:spPr/>
-        <p:txBody>
-          <a:bodyPr/>
-          <a:lstStyle/>
-          <a:p>
-            <a:r>
-              <a:rPr lang="en-US" dirty="0" smtClean="0"/>
-              <a:t>What also doesn’t work</a:t>
-            </a:r>
-            <a:endParaRPr lang="en-US" dirty="0"/>
-          </a:p>
-        </p:txBody>
-      </p:sp>
-      <p:sp>
-        <p:nvSpPr>
-          <p:cNvPr id="3" name="Content Placeholder 2"/>
-          <p:cNvSpPr>
-            <a:spLocks noGrp="1"/>
-          </p:cNvSpPr>
-          <p:nvPr>
-            <p:ph idx="1"/>
-          </p:nvPr>
-        </p:nvSpPr>
-        <p:spPr/>
-        <p:txBody>
-          <a:bodyPr/>
-          <a:lstStyle/>
-          <a:p>
-            <a:r>
-              <a:rPr lang="en-US" dirty="0" err="1"/>
-              <a:t>rdd.foreach</a:t>
-            </a:r>
-            <a:r>
-              <a:rPr lang="en-US" dirty="0"/>
-              <a:t>(</a:t>
-            </a:r>
-            <a:r>
-              <a:rPr lang="en-US" dirty="0" err="1"/>
-              <a:t>println</a:t>
-            </a:r>
-            <a:r>
-              <a:rPr lang="en-US" dirty="0" smtClean="0"/>
-              <a:t>)</a:t>
-            </a:r>
-          </a:p>
-          <a:p>
-            <a:endParaRPr lang="en-US" dirty="0"/>
-          </a:p>
-          <a:p>
-            <a:r>
-              <a:rPr lang="en-US" dirty="0" smtClean="0"/>
-              <a:t>Of course this </a:t>
-            </a:r>
-            <a:r>
-              <a:rPr lang="en-US" i="1" dirty="0" smtClean="0"/>
-              <a:t>will</a:t>
-            </a:r>
-            <a:r>
-              <a:rPr lang="en-US" dirty="0" smtClean="0"/>
-              <a:t> work when you test in local mode</a:t>
-            </a:r>
-            <a:endParaRPr lang="en-US" dirty="0"/>
-          </a:p>
-        </p:txBody>
-      </p:sp>
-    </p:spTree>
-    <p:extLst>
-      <p:ext uri="{BB962C8B-B14F-4D97-AF65-F5344CB8AC3E}">
-        <p14:creationId xmlns:p14="http://schemas.microsoft.com/office/powerpoint/2010/main" val="2238802243"/>
-      </p:ext>
-    </p:extLst>
-  </p:cSld>
-  <p:clrMapOvr>
-    <a:masterClrMapping/>
-  </p:clrMapOvr>
-  <p:timing>
-    <p:tnLst>
-      <p:par>
-        <p:cTn xmlns:p14="http://schemas.microsoft.com/office/powerpoint/2010/main" id="1" dur="indefinite" restart="never" nodeType="tmRoot"/>
-      </p:par>
-    </p:tnLst>
-  </p:timing>
-</p:sld>
-</file>
-
 <file path=ppt/slides/slide23.xml><?xml version="1.0" encoding="utf-8"?>
 <p:sld xmlns:a="http://schemas.openxmlformats.org/drawingml/2006/main" xmlns:r="http://schemas.openxmlformats.org/officeDocument/2006/relationships" xmlns:p="http://schemas.openxmlformats.org/presentationml/2006/main">
   <p:cSld>
@@ -6560,96 +6534,191 @@
         <p:spPr/>
         <p:txBody>
           <a:bodyPr>
+            <a:normAutofit fontScale="90000"/>
+          </a:bodyPr>
+          <a:lstStyle/>
+          <a:p>
+            <a:r>
+              <a:rPr lang="en-US" dirty="0" smtClean="0"/>
+              <a:t>How to count across a cluster?</a:t>
+            </a:r>
+            <a:endParaRPr lang="en-US" dirty="0"/>
+          </a:p>
+        </p:txBody>
+      </p:sp>
+      <p:sp>
+        <p:nvSpPr>
+          <p:cNvPr id="3" name="Content Placeholder 2"/>
+          <p:cNvSpPr>
+            <a:spLocks noGrp="1"/>
+          </p:cNvSpPr>
+          <p:nvPr>
+            <p:ph idx="1"/>
+          </p:nvPr>
+        </p:nvSpPr>
+        <p:spPr/>
+        <p:txBody>
+          <a:bodyPr>
             <a:normAutofit/>
           </a:bodyPr>
           <a:lstStyle/>
           <a:p>
             <a:r>
-              <a:rPr lang="en-US" dirty="0" smtClean="0"/>
-              <a:t>Spark packages</a:t>
-            </a:r>
-            <a:endParaRPr lang="en-US" dirty="0"/>
-          </a:p>
-        </p:txBody>
-      </p:sp>
-      <p:sp>
-        <p:nvSpPr>
-          <p:cNvPr id="3" name="Content Placeholder 2"/>
-          <p:cNvSpPr>
-            <a:spLocks noGrp="1"/>
-          </p:cNvSpPr>
-          <p:nvPr>
-            <p:ph idx="1"/>
-          </p:nvPr>
-        </p:nvSpPr>
-        <p:spPr/>
-        <p:txBody>
-          <a:bodyPr/>
-          <a:lstStyle/>
-          <a:p>
-            <a:r>
-              <a:rPr lang="en-US" dirty="0" smtClean="0"/>
-              <a:t>A wide set of plugins</a:t>
-            </a:r>
-          </a:p>
-          <a:p>
-            <a:pPr lvl="1"/>
-            <a:r>
-              <a:rPr lang="en-US" dirty="0" smtClean="0"/>
-              <a:t>Currently 148 community donated plugins</a:t>
-            </a:r>
-          </a:p>
-          <a:p>
-            <a:r>
-              <a:rPr lang="en-US" dirty="0" smtClean="0"/>
-              <a:t> Data connectors	</a:t>
-            </a:r>
-          </a:p>
-          <a:p>
-            <a:pPr lvl="1"/>
-            <a:r>
-              <a:rPr lang="en-US" dirty="0" smtClean="0"/>
-              <a:t>Cassandra, </a:t>
-            </a:r>
-            <a:r>
-              <a:rPr lang="en-US" dirty="0" err="1" smtClean="0"/>
-              <a:t>Couchbase</a:t>
-            </a:r>
-            <a:r>
-              <a:rPr lang="en-US" dirty="0" smtClean="0"/>
-              <a:t>, Mongo, CSV, </a:t>
-            </a:r>
-            <a:r>
-              <a:rPr lang="en-US" dirty="0" err="1" smtClean="0"/>
-              <a:t>etc</a:t>
-            </a:r>
-            <a:endParaRPr lang="en-US" dirty="0" smtClean="0"/>
-          </a:p>
-          <a:p>
-            <a:r>
-              <a:rPr lang="en-US" dirty="0" smtClean="0"/>
-              <a:t>Machine Learning, Neural networks</a:t>
-            </a:r>
-          </a:p>
-          <a:p>
-            <a:r>
-              <a:rPr lang="en-US" dirty="0" smtClean="0"/>
-              <a:t>Streaming</a:t>
-            </a:r>
-          </a:p>
-          <a:p>
-            <a:r>
-              <a:rPr lang="en-US" dirty="0" err="1" smtClean="0"/>
-              <a:t>etc</a:t>
-            </a:r>
-            <a:endParaRPr lang="en-US" dirty="0"/>
+              <a:rPr lang="en-US" sz="2800" dirty="0" smtClean="0"/>
+              <a:t>Accumulators</a:t>
+            </a:r>
+          </a:p>
+          <a:p>
+            <a:endParaRPr lang="en-US" sz="2800" dirty="0" smtClean="0"/>
+          </a:p>
+          <a:p>
+            <a:pPr marL="0" indent="0">
+              <a:buNone/>
+            </a:pPr>
+            <a:r>
+              <a:rPr lang="en-US" sz="2800" dirty="0" smtClean="0"/>
+              <a:t>	</a:t>
+            </a:r>
+            <a:r>
+              <a:rPr lang="en-US" sz="2800" dirty="0" err="1" smtClean="0">
+                <a:latin typeface="Lucida Console"/>
+                <a:cs typeface="Lucida Console"/>
+              </a:rPr>
+              <a:t>acc</a:t>
+            </a:r>
+            <a:r>
+              <a:rPr lang="en-US" sz="2800" dirty="0" smtClean="0">
+                <a:latin typeface="Lucida Console"/>
+                <a:cs typeface="Lucida Console"/>
+              </a:rPr>
+              <a:t> = </a:t>
+            </a:r>
+            <a:r>
+              <a:rPr lang="en-US" sz="2800" dirty="0" err="1" smtClean="0">
+                <a:latin typeface="Lucida Console"/>
+                <a:cs typeface="Lucida Console"/>
+              </a:rPr>
+              <a:t>sc.accumulator</a:t>
+            </a:r>
+            <a:r>
+              <a:rPr lang="en-US" sz="2800" dirty="0" smtClean="0">
+                <a:latin typeface="Lucida Console"/>
+                <a:cs typeface="Lucida Console"/>
+              </a:rPr>
+              <a:t>()</a:t>
+            </a:r>
+          </a:p>
+          <a:p>
+            <a:pPr marL="0" indent="0">
+              <a:buNone/>
+            </a:pPr>
+            <a:r>
+              <a:rPr lang="en-US" sz="2800" dirty="0" smtClean="0">
+                <a:latin typeface="Lucida Console"/>
+                <a:cs typeface="Lucida Console"/>
+              </a:rPr>
+              <a:t>	</a:t>
+            </a:r>
+            <a:r>
+              <a:rPr lang="en-US" sz="2800" dirty="0" err="1" smtClean="0">
+                <a:latin typeface="Lucida Console"/>
+                <a:cs typeface="Lucida Console"/>
+              </a:rPr>
+              <a:t>rdd</a:t>
+            </a:r>
+            <a:r>
+              <a:rPr lang="en-US" sz="2800" dirty="0" smtClean="0">
+                <a:latin typeface="Lucida Console"/>
+                <a:cs typeface="Lucida Console"/>
+              </a:rPr>
+              <a:t> </a:t>
+            </a:r>
+            <a:r>
+              <a:rPr lang="en-US" sz="2800" dirty="0">
+                <a:latin typeface="Lucida Console"/>
+                <a:cs typeface="Lucida Console"/>
+              </a:rPr>
+              <a:t>= </a:t>
+            </a:r>
+            <a:r>
+              <a:rPr lang="en-US" sz="2800" dirty="0" err="1">
+                <a:latin typeface="Lucida Console"/>
+                <a:cs typeface="Lucida Console"/>
+              </a:rPr>
+              <a:t>sc.parallelize</a:t>
+            </a:r>
+            <a:r>
+              <a:rPr lang="en-US" sz="2800" dirty="0">
+                <a:latin typeface="Lucida Console"/>
+                <a:cs typeface="Lucida Console"/>
+              </a:rPr>
+              <a:t>(data</a:t>
+            </a:r>
+            <a:r>
+              <a:rPr lang="en-US" sz="2800" dirty="0" smtClean="0">
+                <a:latin typeface="Lucida Console"/>
+                <a:cs typeface="Lucida Console"/>
+              </a:rPr>
+              <a:t>)</a:t>
+            </a:r>
+            <a:br>
+              <a:rPr lang="en-US" sz="2800" dirty="0" smtClean="0">
+                <a:latin typeface="Lucida Console"/>
+                <a:cs typeface="Lucida Console"/>
+              </a:rPr>
+            </a:br>
+            <a:r>
+              <a:rPr lang="en-US" sz="2800" dirty="0" smtClean="0">
+                <a:latin typeface="Lucida Console"/>
+                <a:cs typeface="Lucida Console"/>
+              </a:rPr>
+              <a:t>	</a:t>
+            </a:r>
+            <a:r>
+              <a:rPr lang="en-US" sz="2800" dirty="0" err="1" smtClean="0">
+                <a:latin typeface="Lucida Console"/>
+                <a:cs typeface="Lucida Console"/>
+              </a:rPr>
+              <a:t>rdd.foreach</a:t>
+            </a:r>
+            <a:r>
+              <a:rPr lang="en-US" sz="2800" dirty="0" smtClean="0">
+                <a:latin typeface="Lucida Console"/>
+                <a:cs typeface="Lucida Console"/>
+              </a:rPr>
+              <a:t>(lambda x: </a:t>
+            </a:r>
+            <a:r>
+              <a:rPr lang="en-US" sz="2800" dirty="0" err="1" smtClean="0">
+                <a:latin typeface="Lucida Console"/>
+                <a:cs typeface="Lucida Console"/>
+              </a:rPr>
+              <a:t>acc.add</a:t>
+            </a:r>
+            <a:r>
+              <a:rPr lang="en-US" sz="2800" dirty="0" smtClean="0">
+                <a:latin typeface="Lucida Console"/>
+                <a:cs typeface="Lucida Console"/>
+              </a:rPr>
+              <a:t>(x))</a:t>
+            </a:r>
+            <a:endParaRPr lang="en-US" sz="2800" dirty="0">
+              <a:latin typeface="Lucida Console"/>
+              <a:cs typeface="Lucida Console"/>
+            </a:endParaRPr>
+          </a:p>
+          <a:p>
+            <a:pPr marL="0" indent="0">
+              <a:buNone/>
+            </a:pPr>
+            <a:endParaRPr lang="en-US" sz="2800" dirty="0"/>
           </a:p>
         </p:txBody>
       </p:sp>
     </p:spTree>
     <p:extLst>
       <p:ext uri="{BB962C8B-B14F-4D97-AF65-F5344CB8AC3E}">
-        <p14:creationId xmlns:p14="http://schemas.microsoft.com/office/powerpoint/2010/main" val="2454011762"/>
+        <p14:creationId xmlns:p14="http://schemas.microsoft.com/office/powerpoint/2010/main" val="1340352141"/>
       </p:ext>
     </p:extLst>
   </p:cSld>
@@ -6700,7 +6769,7 @@
           <a:p>
             <a:r>
               <a:rPr lang="en-US" dirty="0" smtClean="0"/>
-              <a:t>Using Spark Packages</a:t>
+              <a:t>What also doesn’t work</a:t>
             </a:r>
             <a:endParaRPr lang="en-US" dirty="0"/>
           </a:p>
@@ -6721,59 +6790,47 @@
           <a:bodyPr/>
           <a:lstStyle/>
           <a:p>
-            <a:pPr marL="0" indent="0">
-              <a:buNone/>
-            </a:pPr>
-            <a:r>
-              <a:rPr lang="en-US" dirty="0" smtClean="0"/>
-              <a:t>Automatic download from the web:</a:t>
-            </a:r>
-          </a:p>
-          <a:p>
-            <a:pPr marL="0" indent="0">
-              <a:buNone/>
-            </a:pPr>
+            <a:r>
+              <a:rPr lang="en-US" dirty="0" err="1"/>
+              <a:t>rdd.foreach</a:t>
+            </a:r>
+            <a:r>
+              <a:rPr lang="en-US" dirty="0"/>
+              <a:t>(</a:t>
+            </a:r>
+            <a:r>
+              <a:rPr lang="en-US" dirty="0" err="1"/>
+              <a:t>println</a:t>
+            </a:r>
+            <a:r>
+              <a:rPr lang="en-US" dirty="0" smtClean="0"/>
+              <a:t>)</a:t>
+            </a:r>
+          </a:p>
+          <a:p>
             <a:endParaRPr lang="en-US" dirty="0"/>
           </a:p>
           <a:p>
-            <a:pPr marL="0" indent="0">
-              <a:buNone/>
-            </a:pPr>
-            <a:endParaRPr lang="en-US" dirty="0" smtClean="0"/>
-          </a:p>
-          <a:p>
-            <a:pPr marL="0" indent="0">
-              <a:buNone/>
-            </a:pPr>
-            <a:r>
-              <a:rPr lang="en-US" sz="2400" dirty="0" smtClean="0"/>
-              <a:t>bin</a:t>
-            </a:r>
-            <a:r>
-              <a:rPr lang="en-US" sz="2400" dirty="0"/>
-              <a:t>/spark-shell </a:t>
-            </a:r>
-            <a:endParaRPr lang="en-US" sz="2400" dirty="0" smtClean="0"/>
-          </a:p>
-          <a:p>
-            <a:pPr marL="457200" lvl="1" indent="0">
-              <a:buNone/>
-            </a:pPr>
-            <a:r>
-              <a:rPr lang="en-US" sz="2400" dirty="0" smtClean="0"/>
-              <a:t>-</a:t>
-            </a:r>
-            <a:r>
-              <a:rPr lang="en-US" sz="2400" dirty="0"/>
-              <a:t>-packages com.databricks:spark-csv_2.11:1.2.0</a:t>
-            </a:r>
+            <a:r>
+              <a:rPr lang="en-US" dirty="0" smtClean="0"/>
+              <a:t>Of course this </a:t>
+            </a:r>
+            <a:r>
+              <a:rPr lang="en-US" i="1" dirty="0" smtClean="0"/>
+              <a:t>will</a:t>
+            </a:r>
+            <a:r>
+              <a:rPr lang="en-US" dirty="0" smtClean="0"/>
+              <a:t> work when you test in local mode</a:t>
+            </a:r>
+            <a:endParaRPr lang="en-US" dirty="0"/>
           </a:p>
         </p:txBody>
       </p:sp>
     </p:spTree>
     <p:extLst>
       <p:ext uri="{BB962C8B-B14F-4D97-AF65-F5344CB8AC3E}">
-        <p14:creationId xmlns:p14="http://schemas.microsoft.com/office/powerpoint/2010/main" val="2390105459"/>
+        <p14:creationId xmlns:p14="http://schemas.microsoft.com/office/powerpoint/2010/main" val="2238802243"/>
       </p:ext>
     </p:extLst>
   </p:cSld>
@@ -6819,12 +6876,88 @@
         </p:nvSpPr>
         <p:spPr/>
         <p:txBody>
+          <a:bodyPr>
+            <a:normAutofit/>
+          </a:bodyPr>
+          <a:lstStyle/>
+          <a:p>
+            <a:r>
+              <a:rPr lang="en-US" dirty="0" smtClean="0"/>
+              <a:t>Spark packages</a:t>
+            </a:r>
+            <a:endParaRPr lang="en-US" dirty="0"/>
+          </a:p>
+        </p:txBody>
+      </p:sp>
+      <p:sp>
+        <p:nvSpPr>
+          <p:cNvPr id="3" name="Content Placeholder 2"/>
+          <p:cNvSpPr>
+            <a:spLocks noGrp="1"/>
+          </p:cNvSpPr>
+          <p:nvPr>
+            <p:ph idx="1"/>
+          </p:nvPr>
+        </p:nvSpPr>
+        <p:spPr/>
+        <p:txBody>
           <a:bodyPr/>
           <a:lstStyle/>
           <a:p>
             <a:r>
               <a:rPr lang="en-US" dirty="0" smtClean="0"/>
-              <a:t>Time for a lab!</a:t>
+              <a:t>A wide set of plugins</a:t>
+            </a:r>
+          </a:p>
+          <a:p>
+            <a:pPr lvl="1"/>
+            <a:r>
+              <a:rPr lang="en-US" dirty="0" smtClean="0"/>
+              <a:t>Currently 148 community donated plugins</a:t>
+            </a:r>
+          </a:p>
+          <a:p>
+            <a:r>
+              <a:rPr lang="en-US" dirty="0" smtClean="0"/>
+              <a:t> Data connectors	</a:t>
+            </a:r>
+          </a:p>
+          <a:p>
+            <a:pPr lvl="1"/>
+            <a:r>
+              <a:rPr lang="en-US" dirty="0" smtClean="0"/>
+              <a:t>Cassandra, </a:t>
+            </a:r>
+            <a:r>
+              <a:rPr lang="en-US" dirty="0" err="1" smtClean="0"/>
+              <a:t>Couchbase</a:t>
+            </a:r>
+            <a:r>
+              <a:rPr lang="en-US" dirty="0" smtClean="0"/>
+              <a:t>, Mongo, CSV, </a:t>
+            </a:r>
+            <a:r>
+              <a:rPr lang="en-US" dirty="0" err="1" smtClean="0"/>
+              <a:t>etc</a:t>
+            </a:r>
+            <a:endParaRPr lang="en-US" dirty="0" smtClean="0"/>
+          </a:p>
+          <a:p>
+            <a:r>
+              <a:rPr lang="en-US" dirty="0" smtClean="0"/>
+              <a:t>Machine Learning, Neural networks</a:t>
+            </a:r>
+          </a:p>
+          <a:p>
+            <a:r>
+              <a:rPr lang="en-US" dirty="0" smtClean="0"/>
+              <a:t>Streaming</a:t>
+            </a:r>
+          </a:p>
+          <a:p>
+            <a:r>
+              <a:rPr lang="en-US" dirty="0" err="1" smtClean="0"/>
+              <a:t>etc</a:t>
             </a:r>
             <a:endParaRPr lang="en-US" dirty="0"/>
           </a:p>
@@ -6833,7 +6966,7 @@
     </p:spTree>
     <p:extLst>
       <p:ext uri="{BB962C8B-B14F-4D97-AF65-F5344CB8AC3E}">
-        <p14:creationId xmlns:p14="http://schemas.microsoft.com/office/powerpoint/2010/main" val="816383995"/>
+        <p14:creationId xmlns:p14="http://schemas.microsoft.com/office/powerpoint/2010/main" val="2454011762"/>
       </p:ext>
     </p:extLst>
   </p:cSld>
@@ -6884,7 +7017,7 @@
           <a:p>
             <a:r>
               <a:rPr lang="en-US" dirty="0" smtClean="0"/>
-              <a:t>Locality</a:t>
+              <a:t>Using Spark Packages</a:t>
             </a:r>
             <a:endParaRPr lang="en-US" dirty="0"/>
           </a:p>
@@ -6905,39 +7038,59 @@
           <a:bodyPr/>
           <a:lstStyle/>
           <a:p>
-            <a:r>
-              <a:rPr lang="en-US" dirty="0" smtClean="0"/>
-              <a:t>Spark understands the locality of data:</a:t>
-            </a:r>
-          </a:p>
-          <a:p>
-            <a:pPr lvl="1"/>
-            <a:r>
-              <a:rPr lang="en-US" dirty="0" smtClean="0"/>
-              <a:t>Already in memory</a:t>
-            </a:r>
-          </a:p>
-          <a:p>
-            <a:pPr lvl="1"/>
-            <a:r>
-              <a:rPr lang="en-US" dirty="0" smtClean="0"/>
-              <a:t>HDFS location</a:t>
-            </a:r>
-          </a:p>
-          <a:p>
-            <a:pPr lvl="1"/>
-            <a:r>
-              <a:rPr lang="en-US" dirty="0" smtClean="0"/>
-              <a:t>Cassandra location</a:t>
-            </a:r>
+            <a:pPr marL="0" indent="0">
+              <a:buNone/>
+            </a:pPr>
+            <a:r>
+              <a:rPr lang="en-US" dirty="0" smtClean="0"/>
+              <a:t>Automatic download from the web:</a:t>
+            </a:r>
+          </a:p>
+          <a:p>
+            <a:pPr marL="0" indent="0">
+              <a:buNone/>
+            </a:pPr>
             <a:endParaRPr lang="en-US" dirty="0"/>
+          </a:p>
+          <a:p>
+            <a:pPr marL="0" indent="0">
+              <a:buNone/>
+            </a:pPr>
+            <a:endParaRPr lang="en-US" dirty="0" smtClean="0"/>
+          </a:p>
+          <a:p>
+            <a:pPr marL="0" indent="0">
+              <a:buNone/>
+            </a:pPr>
+            <a:r>
+              <a:rPr lang="en-US" sz="2400" dirty="0" smtClean="0"/>
+              <a:t>bin</a:t>
+            </a:r>
+            <a:r>
+              <a:rPr lang="en-US" sz="2400" dirty="0"/>
+              <a:t>/spark-shell </a:t>
+            </a:r>
+            <a:endParaRPr lang="en-US" sz="2400" dirty="0" smtClean="0"/>
+          </a:p>
+          <a:p>
+            <a:pPr marL="457200" lvl="1" indent="0">
+              <a:buNone/>
+            </a:pPr>
+            <a:r>
+              <a:rPr lang="en-US" sz="2400" dirty="0" smtClean="0"/>
+              <a:t>-</a:t>
+            </a:r>
+            <a:r>
+              <a:rPr lang="en-US" sz="2400" dirty="0"/>
+              <a:t>-packages com.databricks:spark-csv_2.11:1.2.0</a:t>
+            </a:r>
           </a:p>
         </p:txBody>
       </p:sp>
     </p:spTree>
     <p:extLst>
       <p:ext uri="{BB962C8B-B14F-4D97-AF65-F5344CB8AC3E}">
-        <p14:creationId xmlns:p14="http://schemas.microsoft.com/office/powerpoint/2010/main" val="546616968"/>
+        <p14:creationId xmlns:p14="http://schemas.microsoft.com/office/powerpoint/2010/main" val="2390105459"/>
       </p:ext>
     </p:extLst>
   </p:cSld>
@@ -6988,6 +7141,170 @@
           <a:p>
             <a:r>
               <a:rPr lang="en-US" dirty="0" smtClean="0"/>
+              <a:t>Time for a lab!</a:t>
+            </a:r>
+            <a:endParaRPr lang="en-US" dirty="0"/>
+          </a:p>
+        </p:txBody>
+      </p:sp>
+    </p:spTree>
+    <p:extLst>
+      <p:ext uri="{BB962C8B-B14F-4D97-AF65-F5344CB8AC3E}">
+        <p14:creationId xmlns:p14="http://schemas.microsoft.com/office/powerpoint/2010/main" val="816383995"/>
+      </p:ext>
+    </p:extLst>
+  </p:cSld>
+  <p:clrMapOvr>
+    <a:masterClrMapping/>
+  </p:clrMapOvr>
+  <p:timing>
+    <p:tnLst>
+      <p:par>
+        <p:cTn xmlns:p14="http://schemas.microsoft.com/office/powerpoint/2010/main" id="1" dur="indefinite" restart="never" nodeType="tmRoot"/>
+      </p:par>
+    </p:tnLst>
+  </p:timing>
+</p:sld>
+</file>
+
+<file path=ppt/slides/slide28.xml><?xml version="1.0" encoding="utf-8"?>
+<p:sld xmlns:a="http://schemas.openxmlformats.org/drawingml/2006/main" xmlns:r="http://schemas.openxmlformats.org/officeDocument/2006/relationships" xmlns:p="http://schemas.openxmlformats.org/presentationml/2006/main">
+  <p:cSld>
+    <p:spTree>
+      <p:nvGrpSpPr>
+        <p:cNvPr id="1" name=""/>
+        <p:cNvGrpSpPr/>
+        <p:nvPr/>
+      </p:nvGrpSpPr>
+      <p:grpSpPr>
+        <a:xfrm>
+          <a:off x="0" y="0"/>
+          <a:ext cx="0" cy="0"/>
+          <a:chOff x="0" y="0"/>
+          <a:chExt cx="0" cy="0"/>
+        </a:xfrm>
+      </p:grpSpPr>
+      <p:sp>
+        <p:nvSpPr>
+          <p:cNvPr id="2" name="Title 1"/>
+          <p:cNvSpPr>
+            <a:spLocks noGrp="1"/>
+          </p:cNvSpPr>
+          <p:nvPr>
+            <p:ph type="title"/>
+          </p:nvPr>
+        </p:nvSpPr>
+        <p:spPr/>
+        <p:txBody>
+          <a:bodyPr/>
+          <a:lstStyle/>
+          <a:p>
+            <a:r>
+              <a:rPr lang="en-US" dirty="0" smtClean="0"/>
+              <a:t>Locality</a:t>
+            </a:r>
+            <a:endParaRPr lang="en-US" dirty="0"/>
+          </a:p>
+        </p:txBody>
+      </p:sp>
+      <p:sp>
+        <p:nvSpPr>
+          <p:cNvPr id="3" name="Content Placeholder 2"/>
+          <p:cNvSpPr>
+            <a:spLocks noGrp="1"/>
+          </p:cNvSpPr>
+          <p:nvPr>
+            <p:ph idx="1"/>
+          </p:nvPr>
+        </p:nvSpPr>
+        <p:spPr/>
+        <p:txBody>
+          <a:bodyPr/>
+          <a:lstStyle/>
+          <a:p>
+            <a:r>
+              <a:rPr lang="en-US" dirty="0" smtClean="0"/>
+              <a:t>Spark understands the locality of data:</a:t>
+            </a:r>
+          </a:p>
+          <a:p>
+            <a:pPr lvl="1"/>
+            <a:r>
+              <a:rPr lang="en-US" dirty="0" smtClean="0"/>
+              <a:t>Already in memory</a:t>
+            </a:r>
+          </a:p>
+          <a:p>
+            <a:pPr lvl="1"/>
+            <a:r>
+              <a:rPr lang="en-US" dirty="0" smtClean="0"/>
+              <a:t>HDFS location</a:t>
+            </a:r>
+          </a:p>
+          <a:p>
+            <a:pPr lvl="1"/>
+            <a:r>
+              <a:rPr lang="en-US" dirty="0" smtClean="0"/>
+              <a:t>Cassandra location</a:t>
+            </a:r>
+            <a:endParaRPr lang="en-US" dirty="0"/>
+          </a:p>
+        </p:txBody>
+      </p:sp>
+    </p:spTree>
+    <p:extLst>
+      <p:ext uri="{BB962C8B-B14F-4D97-AF65-F5344CB8AC3E}">
+        <p14:creationId xmlns:p14="http://schemas.microsoft.com/office/powerpoint/2010/main" val="546616968"/>
+      </p:ext>
+    </p:extLst>
+  </p:cSld>
+  <p:clrMapOvr>
+    <a:masterClrMapping/>
+  </p:clrMapOvr>
+  <p:timing>
+    <p:tnLst>
+      <p:par>
+        <p:cTn xmlns:p14="http://schemas.microsoft.com/office/powerpoint/2010/main" id="1" dur="indefinite" restart="never" nodeType="tmRoot"/>
+      </p:par>
+    </p:tnLst>
+  </p:timing>
+</p:sld>
+</file>
+
+<file path=ppt/slides/slide29.xml><?xml version="1.0" encoding="utf-8"?>
+<p:sld xmlns:a="http://schemas.openxmlformats.org/drawingml/2006/main" xmlns:r="http://schemas.openxmlformats.org/officeDocument/2006/relationships" xmlns:p="http://schemas.openxmlformats.org/presentationml/2006/main">
+  <p:cSld>
+    <p:spTree>
+      <p:nvGrpSpPr>
+        <p:cNvPr id="1" name=""/>
+        <p:cNvGrpSpPr/>
+        <p:nvPr/>
+      </p:nvGrpSpPr>
+      <p:grpSpPr>
+        <a:xfrm>
+          <a:off x="0" y="0"/>
+          <a:ext cx="0" cy="0"/>
+          <a:chOff x="0" y="0"/>
+          <a:chExt cx="0" cy="0"/>
+        </a:xfrm>
+      </p:grpSpPr>
+      <p:sp>
+        <p:nvSpPr>
+          <p:cNvPr id="2" name="Title 1"/>
+          <p:cNvSpPr>
+            <a:spLocks noGrp="1"/>
+          </p:cNvSpPr>
+          <p:nvPr>
+            <p:ph type="title"/>
+          </p:nvPr>
+        </p:nvSpPr>
+        <p:spPr/>
+        <p:txBody>
+          <a:bodyPr/>
+          <a:lstStyle/>
+          <a:p>
+            <a:r>
+              <a:rPr lang="en-US" dirty="0" smtClean="0"/>
               <a:t>Spark Extras</a:t>
             </a:r>
             <a:endParaRPr lang="en-US" dirty="0"/>
@@ -7289,289 +7606,6 @@
     <p:extLst>
       <p:ext uri="{BB962C8B-B14F-4D97-AF65-F5344CB8AC3E}">
         <p14:creationId xmlns:p14="http://schemas.microsoft.com/office/powerpoint/2010/main" val="1179171226"/>
-      </p:ext>
-    </p:extLst>
-  </p:cSld>
-  <p:clrMapOvr>
-    <a:masterClrMapping/>
-  </p:clrMapOvr>
-</p:sld>
-</file>
-
-<file path=ppt/slides/slide28.xml><?xml version="1.0" encoding="utf-8"?>
-<p:sld xmlns:a="http://schemas.openxmlformats.org/drawingml/2006/main" xmlns:r="http://schemas.openxmlformats.org/officeDocument/2006/relationships" xmlns:p="http://schemas.openxmlformats.org/presentationml/2006/main">
-  <p:cSld>
-    <p:spTree>
-      <p:nvGrpSpPr>
-        <p:cNvPr id="1" name=""/>
-        <p:cNvGrpSpPr/>
-        <p:nvPr/>
-      </p:nvGrpSpPr>
-      <p:grpSpPr>
-        <a:xfrm>
-          <a:off x="0" y="0"/>
-          <a:ext cx="0" cy="0"/>
-          <a:chOff x="0" y="0"/>
-          <a:chExt cx="0" cy="0"/>
-        </a:xfrm>
-      </p:grpSpPr>
-      <p:sp>
-        <p:nvSpPr>
-          <p:cNvPr id="2" name="Title 1"/>
-          <p:cNvSpPr>
-            <a:spLocks noGrp="1"/>
-          </p:cNvSpPr>
-          <p:nvPr>
-            <p:ph type="title"/>
-          </p:nvPr>
-        </p:nvSpPr>
-        <p:spPr/>
-        <p:txBody>
-          <a:bodyPr/>
-          <a:lstStyle/>
-          <a:p>
-            <a:r>
-              <a:rPr lang="en-US" dirty="0" smtClean="0"/>
-              <a:t>Spark Extras</a:t>
-            </a:r>
-            <a:endParaRPr lang="en-US" dirty="0"/>
-          </a:p>
-        </p:txBody>
-      </p:sp>
-      <p:sp>
-        <p:nvSpPr>
-          <p:cNvPr id="3" name="Content Placeholder 2"/>
-          <p:cNvSpPr>
-            <a:spLocks noGrp="1"/>
-          </p:cNvSpPr>
-          <p:nvPr>
-            <p:ph idx="1"/>
-          </p:nvPr>
-        </p:nvSpPr>
-        <p:spPr/>
-        <p:txBody>
-          <a:bodyPr>
-            <a:normAutofit fontScale="92500" lnSpcReduction="20000"/>
-          </a:bodyPr>
-          <a:lstStyle/>
-          <a:p>
-            <a:r>
-              <a:rPr lang="en-US" dirty="0" smtClean="0"/>
-              <a:t>Spark SQL</a:t>
-            </a:r>
-          </a:p>
-          <a:p>
-            <a:pPr lvl="1"/>
-            <a:r>
-              <a:rPr lang="en-US" dirty="0" smtClean="0"/>
-              <a:t>Like Apache Hive – use SQL in Spark</a:t>
-            </a:r>
-          </a:p>
-          <a:p>
-            <a:r>
-              <a:rPr lang="en-US" dirty="0" smtClean="0"/>
-              <a:t>Spark Streaming	</a:t>
-            </a:r>
-          </a:p>
-          <a:p>
-            <a:pPr lvl="1"/>
-            <a:r>
-              <a:rPr lang="en-US" dirty="0" err="1" smtClean="0"/>
-              <a:t>Realtime</a:t>
-            </a:r>
-            <a:r>
-              <a:rPr lang="en-US" dirty="0" smtClean="0"/>
-              <a:t> analysis </a:t>
-            </a:r>
-            <a:r>
-              <a:rPr lang="en-US" smtClean="0"/>
-              <a:t>in Spark</a:t>
-            </a:r>
-            <a:endParaRPr lang="en-US" dirty="0" smtClean="0"/>
-          </a:p>
-          <a:p>
-            <a:r>
-              <a:rPr lang="en-US" dirty="0" smtClean="0"/>
-              <a:t>Spark </a:t>
-            </a:r>
-            <a:r>
-              <a:rPr lang="en-US" dirty="0" err="1" smtClean="0"/>
-              <a:t>MLLib</a:t>
-            </a:r>
-            <a:endParaRPr lang="en-US" dirty="0" smtClean="0"/>
-          </a:p>
-          <a:p>
-            <a:pPr lvl="1"/>
-            <a:r>
-              <a:rPr lang="en-US" dirty="0" smtClean="0"/>
-              <a:t>Like Mahout – Machine learning in Spark</a:t>
-            </a:r>
-          </a:p>
-          <a:p>
-            <a:r>
-              <a:rPr lang="en-US" dirty="0" err="1" smtClean="0"/>
-              <a:t>GraphX</a:t>
-            </a:r>
-            <a:endParaRPr lang="en-US" dirty="0" smtClean="0"/>
-          </a:p>
-          <a:p>
-            <a:pPr lvl="1"/>
-            <a:r>
-              <a:rPr lang="en-US" dirty="0" smtClean="0"/>
-              <a:t>Graph processing in Spark</a:t>
-            </a:r>
-          </a:p>
-          <a:p>
-            <a:r>
-              <a:rPr lang="en-US" dirty="0" err="1" smtClean="0"/>
-              <a:t>SparkR</a:t>
-            </a:r>
-            <a:endParaRPr lang="en-US" dirty="0" smtClean="0"/>
-          </a:p>
-          <a:p>
-            <a:pPr lvl="1"/>
-            <a:r>
-              <a:rPr lang="en-US" dirty="0" smtClean="0"/>
-              <a:t>R statistical analysis on Spark</a:t>
-            </a:r>
-            <a:endParaRPr lang="en-US" dirty="0"/>
-          </a:p>
-        </p:txBody>
-      </p:sp>
-    </p:spTree>
-    <p:extLst>
-      <p:ext uri="{BB962C8B-B14F-4D97-AF65-F5344CB8AC3E}">
-        <p14:creationId xmlns:p14="http://schemas.microsoft.com/office/powerpoint/2010/main" val="2973337137"/>
-      </p:ext>
-    </p:extLst>
-  </p:cSld>
-  <p:clrMapOvr>
-    <a:masterClrMapping/>
-  </p:clrMapOvr>
-</p:sld>
-</file>
-
-<file path=ppt/slides/slide29.xml><?xml version="1.0" encoding="utf-8"?>
-<p:sld xmlns:a="http://schemas.openxmlformats.org/drawingml/2006/main" xmlns:r="http://schemas.openxmlformats.org/officeDocument/2006/relationships" xmlns:p="http://schemas.openxmlformats.org/presentationml/2006/main">
-  <p:cSld>
-    <p:spTree>
-      <p:nvGrpSpPr>
-        <p:cNvPr id="1" name=""/>
-        <p:cNvGrpSpPr/>
-        <p:nvPr/>
-      </p:nvGrpSpPr>
-      <p:grpSpPr>
-        <a:xfrm>
-          <a:off x="0" y="0"/>
-          <a:ext cx="0" cy="0"/>
-          <a:chOff x="0" y="0"/>
-          <a:chExt cx="0" cy="0"/>
-        </a:xfrm>
-      </p:grpSpPr>
-      <p:sp>
-        <p:nvSpPr>
-          <p:cNvPr id="2" name="Title 1"/>
-          <p:cNvSpPr>
-            <a:spLocks noGrp="1"/>
-          </p:cNvSpPr>
-          <p:nvPr>
-            <p:ph type="title"/>
-          </p:nvPr>
-        </p:nvSpPr>
-        <p:spPr/>
-        <p:txBody>
-          <a:bodyPr/>
-          <a:lstStyle/>
-          <a:p>
-            <a:r>
-              <a:rPr lang="en-US" dirty="0" err="1" smtClean="0"/>
-              <a:t>SparkSQL</a:t>
-            </a:r>
-            <a:endParaRPr lang="en-US" dirty="0"/>
-          </a:p>
-        </p:txBody>
-      </p:sp>
-      <p:sp>
-        <p:nvSpPr>
-          <p:cNvPr id="3" name="Content Placeholder 2"/>
-          <p:cNvSpPr>
-            <a:spLocks noGrp="1"/>
-          </p:cNvSpPr>
-          <p:nvPr>
-            <p:ph idx="1"/>
-          </p:nvPr>
-        </p:nvSpPr>
-        <p:spPr/>
-        <p:txBody>
-          <a:bodyPr>
-            <a:normAutofit fontScale="92500" lnSpcReduction="10000"/>
-          </a:bodyPr>
-          <a:lstStyle/>
-          <a:p>
-            <a:r>
-              <a:rPr lang="en-US" dirty="0" smtClean="0"/>
-              <a:t>Integrates into existing Spark programs</a:t>
-            </a:r>
-          </a:p>
-          <a:p>
-            <a:pPr lvl="1"/>
-            <a:r>
-              <a:rPr lang="en-US" dirty="0" smtClean="0"/>
-              <a:t>Mixes SQL with Python, </a:t>
-            </a:r>
-            <a:r>
-              <a:rPr lang="en-US" dirty="0" err="1" smtClean="0"/>
-              <a:t>Scala</a:t>
-            </a:r>
-            <a:r>
-              <a:rPr lang="en-US" dirty="0" smtClean="0"/>
-              <a:t> or Java</a:t>
-            </a:r>
-          </a:p>
-          <a:p>
-            <a:r>
-              <a:rPr lang="en-US" dirty="0" smtClean="0"/>
-              <a:t>Integrates data from CSV, Avro, Parquet, JDBC, ODBC, JSON, </a:t>
-            </a:r>
-            <a:r>
-              <a:rPr lang="en-US" dirty="0" err="1" smtClean="0"/>
-              <a:t>etc</a:t>
-            </a:r>
-            <a:endParaRPr lang="en-US" dirty="0" smtClean="0"/>
-          </a:p>
-          <a:p>
-            <a:pPr lvl="1"/>
-            <a:r>
-              <a:rPr lang="en-US" dirty="0" smtClean="0"/>
-              <a:t>Including joins across them</a:t>
-            </a:r>
-          </a:p>
-          <a:p>
-            <a:r>
-              <a:rPr lang="en-US" dirty="0" smtClean="0"/>
-              <a:t>Fully supports Apache Hive</a:t>
-            </a:r>
-          </a:p>
-          <a:p>
-            <a:pPr lvl="1"/>
-            <a:r>
-              <a:rPr lang="en-US" i="1" dirty="0" smtClean="0"/>
-              <a:t>If you build it with Hive support</a:t>
-            </a:r>
-          </a:p>
-          <a:p>
-            <a:r>
-              <a:rPr lang="en-US" dirty="0" smtClean="0"/>
-              <a:t>Fits into the resilient scalable model of Spark</a:t>
-            </a:r>
-            <a:endParaRPr lang="en-US" dirty="0"/>
-          </a:p>
-        </p:txBody>
-      </p:sp>
-    </p:spTree>
-    <p:extLst>
-      <p:ext uri="{BB962C8B-B14F-4D97-AF65-F5344CB8AC3E}">
-        <p14:creationId xmlns:p14="http://schemas.microsoft.com/office/powerpoint/2010/main" val="2727632874"/>
       </p:ext>
     </p:extLst>
   </p:cSld>
@@ -7738,7 +7772,7 @@
           <a:p>
             <a:r>
               <a:rPr lang="en-US" dirty="0" smtClean="0"/>
-              <a:t>Spark SQL example</a:t>
+              <a:t>Spark Extras</a:t>
             </a:r>
             <a:endParaRPr lang="en-US" dirty="0"/>
           </a:p>
@@ -7757,463 +7791,97 @@
         <p:spPr/>
         <p:txBody>
           <a:bodyPr>
-            <a:normAutofit fontScale="47500" lnSpcReduction="20000"/>
+            <a:normAutofit fontScale="92500" lnSpcReduction="20000"/>
           </a:bodyPr>
           <a:lstStyle/>
           <a:p>
-            <a:pPr marL="0" indent="0">
-              <a:buNone/>
-            </a:pPr>
-            <a:r>
-              <a:rPr lang="en-US" dirty="0">
-                <a:latin typeface="Lucida Console"/>
-                <a:cs typeface="Lucida Console"/>
-              </a:rPr>
-              <a:t>from </a:t>
-            </a:r>
-            <a:r>
-              <a:rPr lang="en-US" dirty="0" err="1">
-                <a:latin typeface="Lucida Console"/>
-                <a:cs typeface="Lucida Console"/>
-              </a:rPr>
-              <a:t>pyspark.sql</a:t>
-            </a:r>
-            <a:r>
-              <a:rPr lang="en-US" dirty="0">
-                <a:latin typeface="Lucida Console"/>
-                <a:cs typeface="Lucida Console"/>
-              </a:rPr>
-              <a:t> import </a:t>
-            </a:r>
-            <a:r>
-              <a:rPr lang="en-US" dirty="0" err="1">
-                <a:latin typeface="Lucida Console"/>
-                <a:cs typeface="Lucida Console"/>
-              </a:rPr>
-              <a:t>SQLContext</a:t>
-            </a:r>
-            <a:r>
-              <a:rPr lang="en-US" dirty="0">
-                <a:latin typeface="Lucida Console"/>
-                <a:cs typeface="Lucida Console"/>
-              </a:rPr>
-              <a:t>, Row</a:t>
-            </a:r>
-          </a:p>
-          <a:p>
-            <a:pPr marL="0" indent="0">
-              <a:buNone/>
-            </a:pPr>
-            <a:r>
-              <a:rPr lang="en-US" dirty="0" err="1">
-                <a:latin typeface="Lucida Console"/>
-                <a:cs typeface="Lucida Console"/>
-              </a:rPr>
-              <a:t>sqlContext</a:t>
-            </a:r>
-            <a:r>
-              <a:rPr lang="en-US" dirty="0">
-                <a:latin typeface="Lucida Console"/>
-                <a:cs typeface="Lucida Console"/>
-              </a:rPr>
-              <a:t> = </a:t>
-            </a:r>
-            <a:r>
-              <a:rPr lang="en-US" dirty="0" err="1">
-                <a:latin typeface="Lucida Console"/>
-                <a:cs typeface="Lucida Console"/>
-              </a:rPr>
-              <a:t>SQLContext</a:t>
-            </a:r>
-            <a:r>
-              <a:rPr lang="en-US" dirty="0">
-                <a:latin typeface="Lucida Console"/>
-                <a:cs typeface="Lucida Console"/>
-              </a:rPr>
-              <a:t>(</a:t>
-            </a:r>
-            <a:r>
-              <a:rPr lang="en-US" dirty="0" err="1">
-                <a:latin typeface="Lucida Console"/>
-                <a:cs typeface="Lucida Console"/>
-              </a:rPr>
-              <a:t>sc</a:t>
-            </a:r>
-            <a:r>
-              <a:rPr lang="en-US" dirty="0">
-                <a:latin typeface="Lucida Console"/>
-                <a:cs typeface="Lucida Console"/>
-              </a:rPr>
-              <a:t>)</a:t>
-            </a:r>
-          </a:p>
-          <a:p>
-            <a:pPr marL="0" indent="0">
-              <a:buNone/>
-            </a:pPr>
-            <a:endParaRPr lang="en-US" dirty="0">
-              <a:latin typeface="Lucida Console"/>
-              <a:cs typeface="Lucida Console"/>
-            </a:endParaRPr>
-          </a:p>
-          <a:p>
-            <a:pPr marL="0" indent="0">
-              <a:buNone/>
-            </a:pPr>
-            <a:r>
-              <a:rPr lang="en-US" dirty="0">
-                <a:latin typeface="Lucida Console"/>
-                <a:cs typeface="Lucida Console"/>
-              </a:rPr>
-              <a:t>lines = </a:t>
-            </a:r>
-            <a:r>
-              <a:rPr lang="en-US" dirty="0" err="1">
-                <a:latin typeface="Lucida Console"/>
-                <a:cs typeface="Lucida Console"/>
-              </a:rPr>
-              <a:t>sc.textFile</a:t>
-            </a:r>
-            <a:r>
-              <a:rPr lang="en-US" dirty="0">
-                <a:latin typeface="Lucida Console"/>
-                <a:cs typeface="Lucida Console"/>
-              </a:rPr>
-              <a:t>("examples/</a:t>
-            </a:r>
-            <a:r>
-              <a:rPr lang="en-US" dirty="0" err="1">
-                <a:latin typeface="Lucida Console"/>
-                <a:cs typeface="Lucida Console"/>
-              </a:rPr>
-              <a:t>src</a:t>
-            </a:r>
-            <a:r>
-              <a:rPr lang="en-US" dirty="0">
-                <a:latin typeface="Lucida Console"/>
-                <a:cs typeface="Lucida Console"/>
-              </a:rPr>
-              <a:t>/main/resources/</a:t>
-            </a:r>
-            <a:r>
-              <a:rPr lang="en-US" dirty="0" err="1">
-                <a:latin typeface="Lucida Console"/>
-                <a:cs typeface="Lucida Console"/>
-              </a:rPr>
-              <a:t>people.txt</a:t>
-            </a:r>
-            <a:r>
-              <a:rPr lang="en-US" dirty="0">
-                <a:latin typeface="Lucida Console"/>
-                <a:cs typeface="Lucida Console"/>
-              </a:rPr>
-              <a:t>")</a:t>
-            </a:r>
-          </a:p>
-          <a:p>
-            <a:pPr marL="0" indent="0">
-              <a:buNone/>
-            </a:pPr>
-            <a:r>
-              <a:rPr lang="en-US" dirty="0">
-                <a:latin typeface="Lucida Console"/>
-                <a:cs typeface="Lucida Console"/>
-              </a:rPr>
-              <a:t>parts = </a:t>
-            </a:r>
-            <a:r>
-              <a:rPr lang="en-US" dirty="0" err="1">
-                <a:latin typeface="Lucida Console"/>
-                <a:cs typeface="Lucida Console"/>
-              </a:rPr>
-              <a:t>lines.map</a:t>
-            </a:r>
-            <a:r>
-              <a:rPr lang="en-US" dirty="0">
-                <a:latin typeface="Lucida Console"/>
-                <a:cs typeface="Lucida Console"/>
-              </a:rPr>
-              <a:t>(lambda l: </a:t>
-            </a:r>
-            <a:r>
-              <a:rPr lang="en-US" dirty="0" err="1">
-                <a:latin typeface="Lucida Console"/>
-                <a:cs typeface="Lucida Console"/>
-              </a:rPr>
-              <a:t>l.split</a:t>
-            </a:r>
-            <a:r>
-              <a:rPr lang="en-US" dirty="0">
-                <a:latin typeface="Lucida Console"/>
-                <a:cs typeface="Lucida Console"/>
-              </a:rPr>
-              <a:t>(","))</a:t>
-            </a:r>
-          </a:p>
-          <a:p>
-            <a:pPr marL="0" indent="0">
-              <a:buNone/>
-            </a:pPr>
-            <a:r>
-              <a:rPr lang="en-US" dirty="0">
-                <a:latin typeface="Lucida Console"/>
-                <a:cs typeface="Lucida Console"/>
-              </a:rPr>
-              <a:t>people = </a:t>
-            </a:r>
-            <a:r>
-              <a:rPr lang="en-US" dirty="0" err="1">
-                <a:latin typeface="Lucida Console"/>
-                <a:cs typeface="Lucida Console"/>
-              </a:rPr>
-              <a:t>parts.map</a:t>
-            </a:r>
-            <a:r>
-              <a:rPr lang="en-US" dirty="0">
-                <a:latin typeface="Lucida Console"/>
-                <a:cs typeface="Lucida Console"/>
-              </a:rPr>
-              <a:t>(lambda p: Row(name=p[0], age=</a:t>
-            </a:r>
-            <a:r>
-              <a:rPr lang="en-US" dirty="0" err="1">
-                <a:latin typeface="Lucida Console"/>
-                <a:cs typeface="Lucida Console"/>
-              </a:rPr>
-              <a:t>int</a:t>
-            </a:r>
-            <a:r>
-              <a:rPr lang="en-US" dirty="0">
-                <a:latin typeface="Lucida Console"/>
-                <a:cs typeface="Lucida Console"/>
-              </a:rPr>
-              <a:t>(p[1])))</a:t>
-            </a:r>
-          </a:p>
-          <a:p>
-            <a:pPr marL="0" indent="0">
-              <a:buNone/>
-            </a:pPr>
-            <a:endParaRPr lang="en-US" dirty="0">
-              <a:latin typeface="Lucida Console"/>
-              <a:cs typeface="Lucida Console"/>
-            </a:endParaRPr>
-          </a:p>
-          <a:p>
-            <a:pPr marL="0" indent="0">
-              <a:buNone/>
-            </a:pPr>
-            <a:r>
-              <a:rPr lang="en-US" dirty="0" err="1">
-                <a:latin typeface="Lucida Console"/>
-                <a:cs typeface="Lucida Console"/>
-              </a:rPr>
-              <a:t>schemaPeople</a:t>
-            </a:r>
-            <a:r>
-              <a:rPr lang="en-US" dirty="0">
-                <a:latin typeface="Lucida Console"/>
-                <a:cs typeface="Lucida Console"/>
-              </a:rPr>
-              <a:t> = </a:t>
-            </a:r>
-            <a:r>
-              <a:rPr lang="en-US" dirty="0" err="1">
-                <a:latin typeface="Lucida Console"/>
-                <a:cs typeface="Lucida Console"/>
-              </a:rPr>
-              <a:t>sqlContext.createDataFrame</a:t>
-            </a:r>
-            <a:r>
-              <a:rPr lang="en-US" dirty="0">
-                <a:latin typeface="Lucida Console"/>
-                <a:cs typeface="Lucida Console"/>
-              </a:rPr>
-              <a:t>(people)</a:t>
-            </a:r>
-          </a:p>
-          <a:p>
-            <a:pPr marL="0" indent="0">
-              <a:buNone/>
-            </a:pPr>
-            <a:r>
-              <a:rPr lang="en-US" dirty="0" err="1">
-                <a:latin typeface="Lucida Console"/>
-                <a:cs typeface="Lucida Console"/>
-              </a:rPr>
-              <a:t>schemaPeople.registerTempTable</a:t>
-            </a:r>
-            <a:r>
-              <a:rPr lang="en-US" dirty="0">
-                <a:latin typeface="Lucida Console"/>
-                <a:cs typeface="Lucida Console"/>
-              </a:rPr>
-              <a:t>("people")</a:t>
-            </a:r>
-          </a:p>
-          <a:p>
-            <a:pPr marL="0" indent="0">
-              <a:buNone/>
-            </a:pPr>
-            <a:endParaRPr lang="en-US" dirty="0">
-              <a:latin typeface="Lucida Console"/>
-              <a:cs typeface="Lucida Console"/>
-            </a:endParaRPr>
-          </a:p>
-          <a:p>
-            <a:pPr marL="0" indent="0">
-              <a:buNone/>
-            </a:pPr>
-            <a:r>
-              <a:rPr lang="en-US" dirty="0">
-                <a:latin typeface="Lucida Console"/>
-                <a:cs typeface="Lucida Console"/>
-              </a:rPr>
-              <a:t>teenagers = </a:t>
-            </a:r>
-            <a:r>
-              <a:rPr lang="en-US" dirty="0" err="1">
-                <a:latin typeface="Lucida Console"/>
-                <a:cs typeface="Lucida Console"/>
-              </a:rPr>
-              <a:t>sqlContext.sql</a:t>
-            </a:r>
-            <a:r>
-              <a:rPr lang="en-US" dirty="0">
-                <a:latin typeface="Lucida Console"/>
-                <a:cs typeface="Lucida Console"/>
-              </a:rPr>
-              <a:t>("SELECT name FROM people WHERE age &gt;= 13 AND age &lt;= 19")</a:t>
-            </a:r>
-          </a:p>
-          <a:p>
-            <a:pPr marL="0" indent="0">
-              <a:buNone/>
-            </a:pPr>
-            <a:endParaRPr lang="en-US" dirty="0">
-              <a:latin typeface="Lucida Console"/>
-              <a:cs typeface="Lucida Console"/>
-            </a:endParaRPr>
-          </a:p>
-          <a:p>
-            <a:pPr marL="0" indent="0">
-              <a:buNone/>
-            </a:pPr>
-            <a:r>
-              <a:rPr lang="en-US" dirty="0" err="1">
-                <a:latin typeface="Lucida Console"/>
-                <a:cs typeface="Lucida Console"/>
-              </a:rPr>
-              <a:t>teenNames</a:t>
-            </a:r>
-            <a:r>
-              <a:rPr lang="en-US" dirty="0">
-                <a:latin typeface="Lucida Console"/>
-                <a:cs typeface="Lucida Console"/>
-              </a:rPr>
-              <a:t> = </a:t>
-            </a:r>
-            <a:r>
-              <a:rPr lang="en-US" dirty="0" err="1">
-                <a:latin typeface="Lucida Console"/>
-                <a:cs typeface="Lucida Console"/>
-              </a:rPr>
-              <a:t>teenagers.map</a:t>
-            </a:r>
-            <a:r>
-              <a:rPr lang="en-US" dirty="0">
-                <a:latin typeface="Lucida Console"/>
-                <a:cs typeface="Lucida Console"/>
-              </a:rPr>
-              <a:t>(lambda p: "Name: " + </a:t>
-            </a:r>
-            <a:r>
-              <a:rPr lang="en-US" dirty="0" err="1">
-                <a:latin typeface="Lucida Console"/>
-                <a:cs typeface="Lucida Console"/>
-              </a:rPr>
-              <a:t>p.name</a:t>
-            </a:r>
-            <a:r>
-              <a:rPr lang="en-US" dirty="0">
-                <a:latin typeface="Lucida Console"/>
-                <a:cs typeface="Lucida Console"/>
-              </a:rPr>
-              <a:t>)</a:t>
-            </a:r>
-          </a:p>
-          <a:p>
-            <a:pPr marL="0" indent="0">
-              <a:buNone/>
-            </a:pPr>
-            <a:r>
-              <a:rPr lang="en-US" dirty="0">
-                <a:latin typeface="Lucida Console"/>
-                <a:cs typeface="Lucida Console"/>
-              </a:rPr>
-              <a:t>for </a:t>
-            </a:r>
-            <a:r>
-              <a:rPr lang="en-US" dirty="0" err="1">
-                <a:latin typeface="Lucida Console"/>
-                <a:cs typeface="Lucida Console"/>
-              </a:rPr>
-              <a:t>teenName</a:t>
-            </a:r>
-            <a:r>
-              <a:rPr lang="en-US" dirty="0">
-                <a:latin typeface="Lucida Console"/>
-                <a:cs typeface="Lucida Console"/>
-              </a:rPr>
-              <a:t> in </a:t>
-            </a:r>
-            <a:r>
-              <a:rPr lang="en-US" dirty="0" err="1">
-                <a:latin typeface="Lucida Console"/>
-                <a:cs typeface="Lucida Console"/>
-              </a:rPr>
-              <a:t>teenNames.collect</a:t>
-            </a:r>
-            <a:r>
-              <a:rPr lang="en-US" dirty="0">
-                <a:latin typeface="Lucida Console"/>
-                <a:cs typeface="Lucida Console"/>
-              </a:rPr>
-              <a:t>():</a:t>
-            </a:r>
-          </a:p>
-          <a:p>
-            <a:pPr marL="0" indent="0">
-              <a:buNone/>
-            </a:pPr>
-            <a:r>
-              <a:rPr lang="en-US" dirty="0">
-                <a:latin typeface="Lucida Console"/>
-                <a:cs typeface="Lucida Console"/>
-              </a:rPr>
-              <a:t>  print(</a:t>
-            </a:r>
-            <a:r>
-              <a:rPr lang="en-US" dirty="0" err="1">
-                <a:latin typeface="Lucida Console"/>
-                <a:cs typeface="Lucida Console"/>
-              </a:rPr>
-              <a:t>teenName</a:t>
-            </a:r>
-            <a:r>
-              <a:rPr lang="en-US" dirty="0">
-                <a:latin typeface="Lucida Console"/>
-                <a:cs typeface="Lucida Console"/>
-              </a:rPr>
-              <a:t>)</a:t>
-            </a:r>
+            <a:r>
+              <a:rPr lang="en-US" dirty="0" smtClean="0"/>
+              <a:t>Spark SQL</a:t>
+            </a:r>
+          </a:p>
+          <a:p>
+            <a:pPr lvl="1"/>
+            <a:r>
+              <a:rPr lang="en-US" dirty="0" smtClean="0"/>
+              <a:t>Like Apache Hive – use SQL in Spark</a:t>
+            </a:r>
+          </a:p>
+          <a:p>
+            <a:r>
+              <a:rPr lang="en-US" dirty="0" smtClean="0"/>
+              <a:t>Spark Streaming	</a:t>
+            </a:r>
+          </a:p>
+          <a:p>
+            <a:pPr lvl="1"/>
+            <a:r>
+              <a:rPr lang="en-US" dirty="0" err="1" smtClean="0"/>
+              <a:t>Realtime</a:t>
+            </a:r>
+            <a:r>
+              <a:rPr lang="en-US" dirty="0" smtClean="0"/>
+              <a:t> analysis </a:t>
+            </a:r>
+            <a:r>
+              <a:rPr lang="en-US" smtClean="0"/>
+              <a:t>in Spark</a:t>
+            </a:r>
+            <a:endParaRPr lang="en-US" dirty="0" smtClean="0"/>
+          </a:p>
+          <a:p>
+            <a:r>
+              <a:rPr lang="en-US" dirty="0" smtClean="0"/>
+              <a:t>Spark </a:t>
+            </a:r>
+            <a:r>
+              <a:rPr lang="en-US" dirty="0" err="1" smtClean="0"/>
+              <a:t>MLLib</a:t>
+            </a:r>
+            <a:endParaRPr lang="en-US" dirty="0" smtClean="0"/>
+          </a:p>
+          <a:p>
+            <a:pPr lvl="1"/>
+            <a:r>
+              <a:rPr lang="en-US" dirty="0" smtClean="0"/>
+              <a:t>Like Mahout – Machine learning in Spark</a:t>
+            </a:r>
+          </a:p>
+          <a:p>
+            <a:r>
+              <a:rPr lang="en-US" dirty="0" err="1" smtClean="0"/>
+              <a:t>GraphX</a:t>
+            </a:r>
+            <a:endParaRPr lang="en-US" dirty="0" smtClean="0"/>
+          </a:p>
+          <a:p>
+            <a:pPr lvl="1"/>
+            <a:r>
+              <a:rPr lang="en-US" dirty="0" smtClean="0"/>
+              <a:t>Graph processing in Spark</a:t>
+            </a:r>
+          </a:p>
+          <a:p>
+            <a:r>
+              <a:rPr lang="en-US" dirty="0" err="1" smtClean="0"/>
+              <a:t>SparkR</a:t>
+            </a:r>
+            <a:endParaRPr lang="en-US" dirty="0" smtClean="0"/>
+          </a:p>
+          <a:p>
+            <a:pPr lvl="1"/>
+            <a:r>
+              <a:rPr lang="en-US" dirty="0" smtClean="0"/>
+              <a:t>R statistical analysis on Spark</a:t>
+            </a:r>
+            <a:endParaRPr lang="en-US" dirty="0"/>
           </a:p>
         </p:txBody>
       </p:sp>
     </p:spTree>
     <p:extLst>
       <p:ext uri="{BB962C8B-B14F-4D97-AF65-F5344CB8AC3E}">
-        <p14:creationId xmlns:p14="http://schemas.microsoft.com/office/powerpoint/2010/main" val="2424698580"/>
+        <p14:creationId xmlns:p14="http://schemas.microsoft.com/office/powerpoint/2010/main" val="2973337137"/>
       </p:ext>
     </p:extLst>
   </p:cSld>
@@ -8256,8 +7924,8 @@
           <a:lstStyle/>
           <a:p>
             <a:r>
-              <a:rPr lang="en-US" dirty="0" smtClean="0"/>
-              <a:t>Spark MLlib</a:t>
+              <a:rPr lang="en-US" dirty="0" err="1" smtClean="0"/>
+              <a:t>SparkSQL</a:t>
             </a:r>
             <a:endParaRPr lang="en-US" dirty="0"/>
           </a:p>
@@ -8276,49 +7944,34 @@
         <p:spPr/>
         <p:txBody>
           <a:bodyPr>
-            <a:normAutofit lnSpcReduction="10000"/>
+            <a:normAutofit fontScale="92500" lnSpcReduction="10000"/>
           </a:bodyPr>
           <a:lstStyle/>
           <a:p>
             <a:r>
               <a:rPr lang="en-US" dirty="0" smtClean="0"/>
-              <a:t>Simple stats and correlation testing</a:t>
-            </a:r>
-          </a:p>
-          <a:p>
-            <a:r>
-              <a:rPr lang="en-US" dirty="0" smtClean="0"/>
-              <a:t>Classification and regression</a:t>
-            </a:r>
-          </a:p>
-          <a:p>
-            <a:r>
-              <a:rPr lang="en-US" dirty="0" smtClean="0"/>
-              <a:t>Collaborative Filtering</a:t>
+              <a:t>Integrates into existing Spark programs</a:t>
             </a:r>
           </a:p>
           <a:p>
             <a:pPr lvl="1"/>
             <a:r>
               <a:rPr lang="en-US" dirty="0" smtClean="0"/>
-              <a:t>Alternating Least Squares </a:t>
-            </a:r>
-          </a:p>
-          <a:p>
-            <a:r>
-              <a:rPr lang="en-US" dirty="0" smtClean="0"/>
-              <a:t>Clustering</a:t>
-            </a:r>
-          </a:p>
-          <a:p>
-            <a:pPr lvl="1"/>
-            <a:r>
-              <a:rPr lang="en-US" dirty="0"/>
-              <a:t>k</a:t>
-            </a:r>
-            <a:r>
-              <a:rPr lang="en-US" dirty="0" smtClean="0"/>
-              <a:t>-means, </a:t>
+              <a:t>Mixes SQL with Python, </a:t>
+            </a:r>
+            <a:r>
+              <a:rPr lang="en-US" dirty="0" err="1" smtClean="0"/>
+              <a:t>Scala</a:t>
+            </a:r>
+            <a:r>
+              <a:rPr lang="en-US" dirty="0" smtClean="0"/>
+              <a:t> or Java</a:t>
+            </a:r>
+          </a:p>
+          <a:p>
+            <a:r>
+              <a:rPr lang="en-US" dirty="0" smtClean="0"/>
+              <a:t>Integrates data from CSV, Avro, Parquet, JDBC, ODBC, JSON, </a:t>
             </a:r>
             <a:r>
               <a:rPr lang="en-US" dirty="0" err="1" smtClean="0"/>
@@ -8327,15 +7980,29 @@
             <a:endParaRPr lang="en-US" dirty="0" smtClean="0"/>
           </a:p>
           <a:p>
-            <a:r>
-              <a:rPr lang="en-US" dirty="0" smtClean="0"/>
-              <a:t>Frequent Pattern Mining</a:t>
-            </a:r>
-          </a:p>
-          <a:p>
-            <a:r>
-              <a:rPr lang="en-US" dirty="0" smtClean="0"/>
-              <a:t>Plus more</a:t>
+            <a:pPr lvl="1"/>
+            <a:r>
+              <a:rPr lang="en-US" dirty="0" smtClean="0"/>
+              <a:t>Including joins across them</a:t>
+            </a:r>
+          </a:p>
+          <a:p>
+            <a:r>
+              <a:rPr lang="en-US" dirty="0" smtClean="0"/>
+              <a:t>Fully supports Apache Hive</a:t>
+            </a:r>
+          </a:p>
+          <a:p>
+            <a:pPr lvl="1"/>
+            <a:r>
+              <a:rPr lang="en-US" i="1" dirty="0" smtClean="0"/>
+              <a:t>If you build it with Hive support</a:t>
+            </a:r>
+          </a:p>
+          <a:p>
+            <a:r>
+              <a:rPr lang="en-US" dirty="0" smtClean="0"/>
+              <a:t>Fits into the resilient scalable model of Spark</a:t>
             </a:r>
             <a:endParaRPr lang="en-US" dirty="0"/>
           </a:p>
@@ -8344,7 +8011,7 @@
     </p:spTree>
     <p:extLst>
       <p:ext uri="{BB962C8B-B14F-4D97-AF65-F5344CB8AC3E}">
-        <p14:creationId xmlns:p14="http://schemas.microsoft.com/office/powerpoint/2010/main" val="3869310880"/>
+        <p14:creationId xmlns:p14="http://schemas.microsoft.com/office/powerpoint/2010/main" val="2727632874"/>
       </p:ext>
     </p:extLst>
   </p:cSld>
@@ -8388,6 +8055,656 @@
           <a:p>
             <a:r>
               <a:rPr lang="en-US" dirty="0" smtClean="0"/>
+              <a:t>Spark SQL example</a:t>
+            </a:r>
+            <a:endParaRPr lang="en-US" dirty="0"/>
+          </a:p>
+        </p:txBody>
+      </p:sp>
+      <p:sp>
+        <p:nvSpPr>
+          <p:cNvPr id="3" name="Content Placeholder 2"/>
+          <p:cNvSpPr>
+            <a:spLocks noGrp="1"/>
+          </p:cNvSpPr>
+          <p:nvPr>
+            <p:ph idx="1"/>
+          </p:nvPr>
+        </p:nvSpPr>
+        <p:spPr/>
+        <p:txBody>
+          <a:bodyPr>
+            <a:normAutofit fontScale="47500" lnSpcReduction="20000"/>
+          </a:bodyPr>
+          <a:lstStyle/>
+          <a:p>
+            <a:pPr marL="0" indent="0">
+              <a:buNone/>
+            </a:pPr>
+            <a:r>
+              <a:rPr lang="en-US" dirty="0">
+                <a:latin typeface="Lucida Console"/>
+                <a:cs typeface="Lucida Console"/>
+              </a:rPr>
+              <a:t>from </a:t>
+            </a:r>
+            <a:r>
+              <a:rPr lang="en-US" dirty="0" err="1">
+                <a:latin typeface="Lucida Console"/>
+                <a:cs typeface="Lucida Console"/>
+              </a:rPr>
+              <a:t>pyspark.sql</a:t>
+            </a:r>
+            <a:r>
+              <a:rPr lang="en-US" dirty="0">
+                <a:latin typeface="Lucida Console"/>
+                <a:cs typeface="Lucida Console"/>
+              </a:rPr>
+              <a:t> import </a:t>
+            </a:r>
+            <a:r>
+              <a:rPr lang="en-US" dirty="0" err="1">
+                <a:latin typeface="Lucida Console"/>
+                <a:cs typeface="Lucida Console"/>
+              </a:rPr>
+              <a:t>SQLContext</a:t>
+            </a:r>
+            <a:r>
+              <a:rPr lang="en-US" dirty="0">
+                <a:latin typeface="Lucida Console"/>
+                <a:cs typeface="Lucida Console"/>
+              </a:rPr>
+              <a:t>, Row</a:t>
+            </a:r>
+          </a:p>
+          <a:p>
+            <a:pPr marL="0" indent="0">
+              <a:buNone/>
+            </a:pPr>
+            <a:r>
+              <a:rPr lang="en-US" dirty="0" err="1">
+                <a:latin typeface="Lucida Console"/>
+                <a:cs typeface="Lucida Console"/>
+              </a:rPr>
+              <a:t>sqlContext</a:t>
+            </a:r>
+            <a:r>
+              <a:rPr lang="en-US" dirty="0">
+                <a:latin typeface="Lucida Console"/>
+                <a:cs typeface="Lucida Console"/>
+              </a:rPr>
+              <a:t> = </a:t>
+            </a:r>
+            <a:r>
+              <a:rPr lang="en-US" dirty="0" err="1">
+                <a:latin typeface="Lucida Console"/>
+                <a:cs typeface="Lucida Console"/>
+              </a:rPr>
+              <a:t>SQLContext</a:t>
+            </a:r>
+            <a:r>
+              <a:rPr lang="en-US" dirty="0">
+                <a:latin typeface="Lucida Console"/>
+                <a:cs typeface="Lucida Console"/>
+              </a:rPr>
+              <a:t>(</a:t>
+            </a:r>
+            <a:r>
+              <a:rPr lang="en-US" dirty="0" err="1">
+                <a:latin typeface="Lucida Console"/>
+                <a:cs typeface="Lucida Console"/>
+              </a:rPr>
+              <a:t>sc</a:t>
+            </a:r>
+            <a:r>
+              <a:rPr lang="en-US" dirty="0">
+                <a:latin typeface="Lucida Console"/>
+                <a:cs typeface="Lucida Console"/>
+              </a:rPr>
+              <a:t>)</a:t>
+            </a:r>
+          </a:p>
+          <a:p>
+            <a:pPr marL="0" indent="0">
+              <a:buNone/>
+            </a:pPr>
+            <a:endParaRPr lang="en-US" dirty="0">
+              <a:latin typeface="Lucida Console"/>
+              <a:cs typeface="Lucida Console"/>
+            </a:endParaRPr>
+          </a:p>
+          <a:p>
+            <a:pPr marL="0" indent="0">
+              <a:buNone/>
+            </a:pPr>
+            <a:r>
+              <a:rPr lang="en-US" dirty="0">
+                <a:latin typeface="Lucida Console"/>
+                <a:cs typeface="Lucida Console"/>
+              </a:rPr>
+              <a:t>lines = </a:t>
+            </a:r>
+            <a:r>
+              <a:rPr lang="en-US" dirty="0" err="1">
+                <a:latin typeface="Lucida Console"/>
+                <a:cs typeface="Lucida Console"/>
+              </a:rPr>
+              <a:t>sc.textFile</a:t>
+            </a:r>
+            <a:r>
+              <a:rPr lang="en-US" dirty="0">
+                <a:latin typeface="Lucida Console"/>
+                <a:cs typeface="Lucida Console"/>
+              </a:rPr>
+              <a:t>("examples/</a:t>
+            </a:r>
+            <a:r>
+              <a:rPr lang="en-US" dirty="0" err="1">
+                <a:latin typeface="Lucida Console"/>
+                <a:cs typeface="Lucida Console"/>
+              </a:rPr>
+              <a:t>src</a:t>
+            </a:r>
+            <a:r>
+              <a:rPr lang="en-US" dirty="0">
+                <a:latin typeface="Lucida Console"/>
+                <a:cs typeface="Lucida Console"/>
+              </a:rPr>
+              <a:t>/main/resources/</a:t>
+            </a:r>
+            <a:r>
+              <a:rPr lang="en-US" dirty="0" err="1">
+                <a:latin typeface="Lucida Console"/>
+                <a:cs typeface="Lucida Console"/>
+              </a:rPr>
+              <a:t>people.txt</a:t>
+            </a:r>
+            <a:r>
+              <a:rPr lang="en-US" dirty="0">
+                <a:latin typeface="Lucida Console"/>
+                <a:cs typeface="Lucida Console"/>
+              </a:rPr>
+              <a:t>")</a:t>
+            </a:r>
+          </a:p>
+          <a:p>
+            <a:pPr marL="0" indent="0">
+              <a:buNone/>
+            </a:pPr>
+            <a:r>
+              <a:rPr lang="en-US" dirty="0">
+                <a:latin typeface="Lucida Console"/>
+                <a:cs typeface="Lucida Console"/>
+              </a:rPr>
+              <a:t>parts = </a:t>
+            </a:r>
+            <a:r>
+              <a:rPr lang="en-US" dirty="0" err="1">
+                <a:latin typeface="Lucida Console"/>
+                <a:cs typeface="Lucida Console"/>
+              </a:rPr>
+              <a:t>lines.map</a:t>
+            </a:r>
+            <a:r>
+              <a:rPr lang="en-US" dirty="0">
+                <a:latin typeface="Lucida Console"/>
+                <a:cs typeface="Lucida Console"/>
+              </a:rPr>
+              <a:t>(lambda l: </a:t>
+            </a:r>
+            <a:r>
+              <a:rPr lang="en-US" dirty="0" err="1">
+                <a:latin typeface="Lucida Console"/>
+                <a:cs typeface="Lucida Console"/>
+              </a:rPr>
+              <a:t>l.split</a:t>
+            </a:r>
+            <a:r>
+              <a:rPr lang="en-US" dirty="0">
+                <a:latin typeface="Lucida Console"/>
+                <a:cs typeface="Lucida Console"/>
+              </a:rPr>
+              <a:t>(","))</a:t>
+            </a:r>
+          </a:p>
+          <a:p>
+            <a:pPr marL="0" indent="0">
+              <a:buNone/>
+            </a:pPr>
+            <a:r>
+              <a:rPr lang="en-US" dirty="0">
+                <a:latin typeface="Lucida Console"/>
+                <a:cs typeface="Lucida Console"/>
+              </a:rPr>
+              <a:t>people = </a:t>
+            </a:r>
+            <a:r>
+              <a:rPr lang="en-US" dirty="0" err="1">
+                <a:latin typeface="Lucida Console"/>
+                <a:cs typeface="Lucida Console"/>
+              </a:rPr>
+              <a:t>parts.map</a:t>
+            </a:r>
+            <a:r>
+              <a:rPr lang="en-US" dirty="0">
+                <a:latin typeface="Lucida Console"/>
+                <a:cs typeface="Lucida Console"/>
+              </a:rPr>
+              <a:t>(lambda p: Row(name=p[0], age=</a:t>
+            </a:r>
+            <a:r>
+              <a:rPr lang="en-US" dirty="0" err="1">
+                <a:latin typeface="Lucida Console"/>
+                <a:cs typeface="Lucida Console"/>
+              </a:rPr>
+              <a:t>int</a:t>
+            </a:r>
+            <a:r>
+              <a:rPr lang="en-US" dirty="0">
+                <a:latin typeface="Lucida Console"/>
+                <a:cs typeface="Lucida Console"/>
+              </a:rPr>
+              <a:t>(p[1])))</a:t>
+            </a:r>
+          </a:p>
+          <a:p>
+            <a:pPr marL="0" indent="0">
+              <a:buNone/>
+            </a:pPr>
+            <a:endParaRPr lang="en-US" dirty="0">
+              <a:latin typeface="Lucida Console"/>
+              <a:cs typeface="Lucida Console"/>
+            </a:endParaRPr>
+          </a:p>
+          <a:p>
+            <a:pPr marL="0" indent="0">
+              <a:buNone/>
+            </a:pPr>
+            <a:r>
+              <a:rPr lang="en-US" dirty="0" err="1">
+                <a:latin typeface="Lucida Console"/>
+                <a:cs typeface="Lucida Console"/>
+              </a:rPr>
+              <a:t>schemaPeople</a:t>
+            </a:r>
+            <a:r>
+              <a:rPr lang="en-US" dirty="0">
+                <a:latin typeface="Lucida Console"/>
+                <a:cs typeface="Lucida Console"/>
+              </a:rPr>
+              <a:t> = </a:t>
+            </a:r>
+            <a:r>
+              <a:rPr lang="en-US" dirty="0" err="1">
+                <a:latin typeface="Lucida Console"/>
+                <a:cs typeface="Lucida Console"/>
+              </a:rPr>
+              <a:t>sqlContext.createDataFrame</a:t>
+            </a:r>
+            <a:r>
+              <a:rPr lang="en-US" dirty="0">
+                <a:latin typeface="Lucida Console"/>
+                <a:cs typeface="Lucida Console"/>
+              </a:rPr>
+              <a:t>(people)</a:t>
+            </a:r>
+          </a:p>
+          <a:p>
+            <a:pPr marL="0" indent="0">
+              <a:buNone/>
+            </a:pPr>
+            <a:r>
+              <a:rPr lang="en-US" dirty="0" err="1">
+                <a:latin typeface="Lucida Console"/>
+                <a:cs typeface="Lucida Console"/>
+              </a:rPr>
+              <a:t>schemaPeople.registerTempTable</a:t>
+            </a:r>
+            <a:r>
+              <a:rPr lang="en-US" dirty="0">
+                <a:latin typeface="Lucida Console"/>
+                <a:cs typeface="Lucida Console"/>
+              </a:rPr>
+              <a:t>("people")</a:t>
+            </a:r>
+          </a:p>
+          <a:p>
+            <a:pPr marL="0" indent="0">
+              <a:buNone/>
+            </a:pPr>
+            <a:endParaRPr lang="en-US" dirty="0">
+              <a:latin typeface="Lucida Console"/>
+              <a:cs typeface="Lucida Console"/>
+            </a:endParaRPr>
+          </a:p>
+          <a:p>
+            <a:pPr marL="0" indent="0">
+              <a:buNone/>
+            </a:pPr>
+            <a:r>
+              <a:rPr lang="en-US" dirty="0">
+                <a:latin typeface="Lucida Console"/>
+                <a:cs typeface="Lucida Console"/>
+              </a:rPr>
+              <a:t>teenagers = </a:t>
+            </a:r>
+            <a:r>
+              <a:rPr lang="en-US" dirty="0" err="1">
+                <a:latin typeface="Lucida Console"/>
+                <a:cs typeface="Lucida Console"/>
+              </a:rPr>
+              <a:t>sqlContext.sql</a:t>
+            </a:r>
+            <a:r>
+              <a:rPr lang="en-US" dirty="0">
+                <a:latin typeface="Lucida Console"/>
+                <a:cs typeface="Lucida Console"/>
+              </a:rPr>
+              <a:t>("SELECT name FROM people WHERE age &gt;= 13 AND age &lt;= 19")</a:t>
+            </a:r>
+          </a:p>
+          <a:p>
+            <a:pPr marL="0" indent="0">
+              <a:buNone/>
+            </a:pPr>
+            <a:endParaRPr lang="en-US" dirty="0">
+              <a:latin typeface="Lucida Console"/>
+              <a:cs typeface="Lucida Console"/>
+            </a:endParaRPr>
+          </a:p>
+          <a:p>
+            <a:pPr marL="0" indent="0">
+              <a:buNone/>
+            </a:pPr>
+            <a:r>
+              <a:rPr lang="en-US" dirty="0" err="1">
+                <a:latin typeface="Lucida Console"/>
+                <a:cs typeface="Lucida Console"/>
+              </a:rPr>
+              <a:t>teenNames</a:t>
+            </a:r>
+            <a:r>
+              <a:rPr lang="en-US" dirty="0">
+                <a:latin typeface="Lucida Console"/>
+                <a:cs typeface="Lucida Console"/>
+              </a:rPr>
+              <a:t> = </a:t>
+            </a:r>
+            <a:r>
+              <a:rPr lang="en-US" dirty="0" err="1">
+                <a:latin typeface="Lucida Console"/>
+                <a:cs typeface="Lucida Console"/>
+              </a:rPr>
+              <a:t>teenagers.map</a:t>
+            </a:r>
+            <a:r>
+              <a:rPr lang="en-US" dirty="0">
+                <a:latin typeface="Lucida Console"/>
+                <a:cs typeface="Lucida Console"/>
+              </a:rPr>
+              <a:t>(lambda p: "Name: " + </a:t>
+            </a:r>
+            <a:r>
+              <a:rPr lang="en-US" dirty="0" err="1">
+                <a:latin typeface="Lucida Console"/>
+                <a:cs typeface="Lucida Console"/>
+              </a:rPr>
+              <a:t>p.name</a:t>
+            </a:r>
+            <a:r>
+              <a:rPr lang="en-US" dirty="0">
+                <a:latin typeface="Lucida Console"/>
+                <a:cs typeface="Lucida Console"/>
+              </a:rPr>
+              <a:t>)</a:t>
+            </a:r>
+          </a:p>
+          <a:p>
+            <a:pPr marL="0" indent="0">
+              <a:buNone/>
+            </a:pPr>
+            <a:r>
+              <a:rPr lang="en-US" dirty="0">
+                <a:latin typeface="Lucida Console"/>
+                <a:cs typeface="Lucida Console"/>
+              </a:rPr>
+              <a:t>for </a:t>
+            </a:r>
+            <a:r>
+              <a:rPr lang="en-US" dirty="0" err="1">
+                <a:latin typeface="Lucida Console"/>
+                <a:cs typeface="Lucida Console"/>
+              </a:rPr>
+              <a:t>teenName</a:t>
+            </a:r>
+            <a:r>
+              <a:rPr lang="en-US" dirty="0">
+                <a:latin typeface="Lucida Console"/>
+                <a:cs typeface="Lucida Console"/>
+              </a:rPr>
+              <a:t> in </a:t>
+            </a:r>
+            <a:r>
+              <a:rPr lang="en-US" dirty="0" err="1">
+                <a:latin typeface="Lucida Console"/>
+                <a:cs typeface="Lucida Console"/>
+              </a:rPr>
+              <a:t>teenNames.collect</a:t>
+            </a:r>
+            <a:r>
+              <a:rPr lang="en-US" dirty="0">
+                <a:latin typeface="Lucida Console"/>
+                <a:cs typeface="Lucida Console"/>
+              </a:rPr>
+              <a:t>():</a:t>
+            </a:r>
+          </a:p>
+          <a:p>
+            <a:pPr marL="0" indent="0">
+              <a:buNone/>
+            </a:pPr>
+            <a:r>
+              <a:rPr lang="en-US" dirty="0">
+                <a:latin typeface="Lucida Console"/>
+                <a:cs typeface="Lucida Console"/>
+              </a:rPr>
+              <a:t>  print(</a:t>
+            </a:r>
+            <a:r>
+              <a:rPr lang="en-US" dirty="0" err="1">
+                <a:latin typeface="Lucida Console"/>
+                <a:cs typeface="Lucida Console"/>
+              </a:rPr>
+              <a:t>teenName</a:t>
+            </a:r>
+            <a:r>
+              <a:rPr lang="en-US" dirty="0">
+                <a:latin typeface="Lucida Console"/>
+                <a:cs typeface="Lucida Console"/>
+              </a:rPr>
+              <a:t>)</a:t>
+            </a:r>
+          </a:p>
+        </p:txBody>
+      </p:sp>
+    </p:spTree>
+    <p:extLst>
+      <p:ext uri="{BB962C8B-B14F-4D97-AF65-F5344CB8AC3E}">
+        <p14:creationId xmlns:p14="http://schemas.microsoft.com/office/powerpoint/2010/main" val="2424698580"/>
+      </p:ext>
+    </p:extLst>
+  </p:cSld>
+  <p:clrMapOvr>
+    <a:masterClrMapping/>
+  </p:clrMapOvr>
+</p:sld>
+</file>
+
+<file path=ppt/slides/slide33.xml><?xml version="1.0" encoding="utf-8"?>
+<p:sld xmlns:a="http://schemas.openxmlformats.org/drawingml/2006/main" xmlns:r="http://schemas.openxmlformats.org/officeDocument/2006/relationships" xmlns:p="http://schemas.openxmlformats.org/presentationml/2006/main">
+  <p:cSld>
+    <p:spTree>
+      <p:nvGrpSpPr>
+        <p:cNvPr id="1" name=""/>
+        <p:cNvGrpSpPr/>
+        <p:nvPr/>
+      </p:nvGrpSpPr>
+      <p:grpSpPr>
+        <a:xfrm>
+          <a:off x="0" y="0"/>
+          <a:ext cx="0" cy="0"/>
+          <a:chOff x="0" y="0"/>
+          <a:chExt cx="0" cy="0"/>
+        </a:xfrm>
+      </p:grpSpPr>
+      <p:sp>
+        <p:nvSpPr>
+          <p:cNvPr id="2" name="Title 1"/>
+          <p:cNvSpPr>
+            <a:spLocks noGrp="1"/>
+          </p:cNvSpPr>
+          <p:nvPr>
+            <p:ph type="title"/>
+          </p:nvPr>
+        </p:nvSpPr>
+        <p:spPr/>
+        <p:txBody>
+          <a:bodyPr/>
+          <a:lstStyle/>
+          <a:p>
+            <a:r>
+              <a:rPr lang="en-US" dirty="0" smtClean="0"/>
+              <a:t>Spark MLlib</a:t>
+            </a:r>
+            <a:endParaRPr lang="en-US" dirty="0"/>
+          </a:p>
+        </p:txBody>
+      </p:sp>
+      <p:sp>
+        <p:nvSpPr>
+          <p:cNvPr id="3" name="Content Placeholder 2"/>
+          <p:cNvSpPr>
+            <a:spLocks noGrp="1"/>
+          </p:cNvSpPr>
+          <p:nvPr>
+            <p:ph idx="1"/>
+          </p:nvPr>
+        </p:nvSpPr>
+        <p:spPr/>
+        <p:txBody>
+          <a:bodyPr>
+            <a:normAutofit lnSpcReduction="10000"/>
+          </a:bodyPr>
+          <a:lstStyle/>
+          <a:p>
+            <a:r>
+              <a:rPr lang="en-US" dirty="0" smtClean="0"/>
+              <a:t>Simple stats and correlation testing</a:t>
+            </a:r>
+          </a:p>
+          <a:p>
+            <a:r>
+              <a:rPr lang="en-US" dirty="0" smtClean="0"/>
+              <a:t>Classification and regression</a:t>
+            </a:r>
+          </a:p>
+          <a:p>
+            <a:r>
+              <a:rPr lang="en-US" dirty="0" smtClean="0"/>
+              <a:t>Collaborative Filtering</a:t>
+            </a:r>
+          </a:p>
+          <a:p>
+            <a:pPr lvl="1"/>
+            <a:r>
+              <a:rPr lang="en-US" dirty="0" smtClean="0"/>
+              <a:t>Alternating Least Squares </a:t>
+            </a:r>
+          </a:p>
+          <a:p>
+            <a:r>
+              <a:rPr lang="en-US" dirty="0" smtClean="0"/>
+              <a:t>Clustering</a:t>
+            </a:r>
+          </a:p>
+          <a:p>
+            <a:pPr lvl="1"/>
+            <a:r>
+              <a:rPr lang="en-US" dirty="0"/>
+              <a:t>k</a:t>
+            </a:r>
+            <a:r>
+              <a:rPr lang="en-US" dirty="0" smtClean="0"/>
+              <a:t>-means, </a:t>
+            </a:r>
+            <a:r>
+              <a:rPr lang="en-US" dirty="0" err="1" smtClean="0"/>
+              <a:t>etc</a:t>
+            </a:r>
+            <a:endParaRPr lang="en-US" dirty="0" smtClean="0"/>
+          </a:p>
+          <a:p>
+            <a:r>
+              <a:rPr lang="en-US" dirty="0" smtClean="0"/>
+              <a:t>Frequent Pattern Mining</a:t>
+            </a:r>
+          </a:p>
+          <a:p>
+            <a:r>
+              <a:rPr lang="en-US" dirty="0" smtClean="0"/>
+              <a:t>Plus more</a:t>
+            </a:r>
+            <a:endParaRPr lang="en-US" dirty="0"/>
+          </a:p>
+        </p:txBody>
+      </p:sp>
+    </p:spTree>
+    <p:extLst>
+      <p:ext uri="{BB962C8B-B14F-4D97-AF65-F5344CB8AC3E}">
+        <p14:creationId xmlns:p14="http://schemas.microsoft.com/office/powerpoint/2010/main" val="3869310880"/>
+      </p:ext>
+    </p:extLst>
+  </p:cSld>
+  <p:clrMapOvr>
+    <a:masterClrMapping/>
+  </p:clrMapOvr>
+</p:sld>
+</file>
+
+<file path=ppt/slides/slide34.xml><?xml version="1.0" encoding="utf-8"?>
+<p:sld xmlns:a="http://schemas.openxmlformats.org/drawingml/2006/main" xmlns:r="http://schemas.openxmlformats.org/officeDocument/2006/relationships" xmlns:p="http://schemas.openxmlformats.org/presentationml/2006/main">
+  <p:cSld>
+    <p:spTree>
+      <p:nvGrpSpPr>
+        <p:cNvPr id="1" name=""/>
+        <p:cNvGrpSpPr/>
+        <p:nvPr/>
+      </p:nvGrpSpPr>
+      <p:grpSpPr>
+        <a:xfrm>
+          <a:off x="0" y="0"/>
+          <a:ext cx="0" cy="0"/>
+          <a:chOff x="0" y="0"/>
+          <a:chExt cx="0" cy="0"/>
+        </a:xfrm>
+      </p:grpSpPr>
+      <p:sp>
+        <p:nvSpPr>
+          <p:cNvPr id="2" name="Title 1"/>
+          <p:cNvSpPr>
+            <a:spLocks noGrp="1"/>
+          </p:cNvSpPr>
+          <p:nvPr>
+            <p:ph type="title"/>
+          </p:nvPr>
+        </p:nvSpPr>
+        <p:spPr/>
+        <p:txBody>
+          <a:bodyPr/>
+          <a:lstStyle/>
+          <a:p>
+            <a:r>
+              <a:rPr lang="en-US" dirty="0" smtClean="0"/>
               <a:t>MLlib example</a:t>
             </a:r>
             <a:endParaRPr lang="en-US" dirty="0"/>
@@ -8708,7 +9025,7 @@
 </p:sld>
 </file>
 
-<file path=ppt/slides/slide33.xml><?xml version="1.0" encoding="utf-8"?>
+<file path=ppt/slides/slide35.xml><?xml version="1.0" encoding="utf-8"?>
 <p:sld xmlns:a="http://schemas.openxmlformats.org/drawingml/2006/main" xmlns:r="http://schemas.openxmlformats.org/officeDocument/2006/relationships" xmlns:p="http://schemas.openxmlformats.org/presentationml/2006/main">
   <p:cSld>
     <p:spTree>
@@ -8834,7 +9151,7 @@
 </p:sld>
 </file>
 
-<file path=ppt/slides/slide34.xml><?xml version="1.0" encoding="utf-8"?>
+<file path=ppt/slides/slide36.xml><?xml version="1.0" encoding="utf-8"?>
 <p:sld xmlns:a="http://schemas.openxmlformats.org/drawingml/2006/main" xmlns:r="http://schemas.openxmlformats.org/officeDocument/2006/relationships" xmlns:p="http://schemas.openxmlformats.org/presentationml/2006/main">
   <p:cSld>
     <p:spTree>
@@ -8962,7 +9279,7 @@
 </p:sld>
 </file>
 
-<file path=ppt/slides/slide35.xml><?xml version="1.0" encoding="utf-8"?>
+<file path=ppt/slides/slide37.xml><?xml version="1.0" encoding="utf-8"?>
 <p:sld xmlns:a="http://schemas.openxmlformats.org/drawingml/2006/main" xmlns:r="http://schemas.openxmlformats.org/officeDocument/2006/relationships" xmlns:p="http://schemas.openxmlformats.org/presentationml/2006/main">
   <p:cSld>
     <p:spTree>
@@ -9050,7 +9367,7 @@
 </p:sld>
 </file>
 
-<file path=ppt/slides/slide36.xml><?xml version="1.0" encoding="utf-8"?>
+<file path=ppt/slides/slide38.xml><?xml version="1.0" encoding="utf-8"?>
 <p:sld xmlns:a="http://schemas.openxmlformats.org/drawingml/2006/main" xmlns:r="http://schemas.openxmlformats.org/officeDocument/2006/relationships" xmlns:p="http://schemas.openxmlformats.org/presentationml/2006/main">
   <p:cSld>
     <p:spTree>

--- a/pres-source/07-spark-and-adjuncts.pptx
+++ b/pres-source/07-spark-and-adjuncts.pptx
@@ -5,7 +5,7 @@
     <p:sldMasterId id="2147483648" r:id="rId1"/>
   </p:sldMasterIdLst>
   <p:notesMasterIdLst>
-    <p:notesMasterId r:id="rId40"/>
+    <p:notesMasterId r:id="rId47"/>
   </p:notesMasterIdLst>
   <p:sldIdLst>
     <p:sldId id="256" r:id="rId2"/>
@@ -21,31 +21,38 @@
     <p:sldId id="297" r:id="rId12"/>
     <p:sldId id="272" r:id="rId13"/>
     <p:sldId id="280" r:id="rId14"/>
-    <p:sldId id="267" r:id="rId15"/>
-    <p:sldId id="300" r:id="rId16"/>
-    <p:sldId id="301" r:id="rId17"/>
-    <p:sldId id="282" r:id="rId18"/>
-    <p:sldId id="278" r:id="rId19"/>
-    <p:sldId id="279" r:id="rId20"/>
-    <p:sldId id="276" r:id="rId21"/>
-    <p:sldId id="268" r:id="rId22"/>
-    <p:sldId id="283" r:id="rId23"/>
-    <p:sldId id="277" r:id="rId24"/>
-    <p:sldId id="274" r:id="rId25"/>
-    <p:sldId id="281" r:id="rId26"/>
-    <p:sldId id="284" r:id="rId27"/>
-    <p:sldId id="275" r:id="rId28"/>
-    <p:sldId id="298" r:id="rId29"/>
-    <p:sldId id="294" r:id="rId30"/>
-    <p:sldId id="288" r:id="rId31"/>
-    <p:sldId id="285" r:id="rId32"/>
-    <p:sldId id="286" r:id="rId33"/>
-    <p:sldId id="287" r:id="rId34"/>
-    <p:sldId id="289" r:id="rId35"/>
-    <p:sldId id="290" r:id="rId36"/>
-    <p:sldId id="292" r:id="rId37"/>
-    <p:sldId id="291" r:id="rId38"/>
-    <p:sldId id="293" r:id="rId39"/>
+    <p:sldId id="302" r:id="rId15"/>
+    <p:sldId id="303" r:id="rId16"/>
+    <p:sldId id="267" r:id="rId17"/>
+    <p:sldId id="300" r:id="rId18"/>
+    <p:sldId id="301" r:id="rId19"/>
+    <p:sldId id="308" r:id="rId20"/>
+    <p:sldId id="305" r:id="rId21"/>
+    <p:sldId id="304" r:id="rId22"/>
+    <p:sldId id="306" r:id="rId23"/>
+    <p:sldId id="307" r:id="rId24"/>
+    <p:sldId id="282" r:id="rId25"/>
+    <p:sldId id="278" r:id="rId26"/>
+    <p:sldId id="279" r:id="rId27"/>
+    <p:sldId id="276" r:id="rId28"/>
+    <p:sldId id="268" r:id="rId29"/>
+    <p:sldId id="283" r:id="rId30"/>
+    <p:sldId id="277" r:id="rId31"/>
+    <p:sldId id="274" r:id="rId32"/>
+    <p:sldId id="281" r:id="rId33"/>
+    <p:sldId id="284" r:id="rId34"/>
+    <p:sldId id="275" r:id="rId35"/>
+    <p:sldId id="298" r:id="rId36"/>
+    <p:sldId id="294" r:id="rId37"/>
+    <p:sldId id="288" r:id="rId38"/>
+    <p:sldId id="285" r:id="rId39"/>
+    <p:sldId id="286" r:id="rId40"/>
+    <p:sldId id="287" r:id="rId41"/>
+    <p:sldId id="289" r:id="rId42"/>
+    <p:sldId id="290" r:id="rId43"/>
+    <p:sldId id="292" r:id="rId44"/>
+    <p:sldId id="291" r:id="rId45"/>
+    <p:sldId id="293" r:id="rId46"/>
   </p:sldIdLst>
   <p:sldSz cx="9144000" cy="6858000" type="screen4x3"/>
   <p:notesSz cx="6858000" cy="9144000"/>
@@ -4182,11 +4189,11 @@
           <a:p>
             <a:pPr eaLnBrk="1" hangingPunct="1"/>
             <a:r>
-              <a:rPr lang="en-US" dirty="0" smtClean="0">
+              <a:rPr lang="en-US" smtClean="0">
                 <a:ea typeface="ヒラギノ角ゴ ProN W3" charset="0"/>
                 <a:cs typeface="ヒラギノ角ゴ ProN W3" charset="0"/>
               </a:rPr>
-              <a:t>Nov 2015</a:t>
+              <a:t>Sep 2016</a:t>
             </a:r>
             <a:endParaRPr lang="en-US" dirty="0">
               <a:ea typeface="ヒラギノ角ゴ ProN W3" charset="0"/>
@@ -4920,7 +4927,7 @@
           <a:p>
             <a:r>
               <a:rPr lang="en-US" dirty="0" smtClean="0"/>
-              <a:t>Apache Spark RDD objects</a:t>
+              <a:t>Spark Coding</a:t>
             </a:r>
             <a:endParaRPr lang="en-US" dirty="0"/>
           </a:p>
@@ -4939,95 +4946,61 @@
         <p:spPr/>
         <p:txBody>
           <a:bodyPr>
-            <a:normAutofit fontScale="77500" lnSpcReduction="20000"/>
+            <a:normAutofit lnSpcReduction="10000"/>
           </a:bodyPr>
           <a:lstStyle/>
           <a:p>
             <a:r>
               <a:rPr lang="en-US" dirty="0" smtClean="0"/>
-              <a:t>Typical operations include</a:t>
+              <a:t>You can code in:</a:t>
             </a:r>
           </a:p>
           <a:p>
             <a:pPr lvl="1"/>
             <a:r>
-              <a:rPr lang="en-US" dirty="0" smtClean="0"/>
-              <a:t>map: apply a function to each line/element</a:t>
-            </a:r>
+              <a:rPr lang="en-US" dirty="0" err="1" smtClean="0"/>
+              <a:t>Scala</a:t>
+            </a:r>
+            <a:endParaRPr lang="en-US" dirty="0" smtClean="0"/>
           </a:p>
           <a:p>
             <a:pPr lvl="1"/>
             <a:r>
-              <a:rPr lang="en-US" dirty="0" err="1" smtClean="0"/>
-              <a:t>flatMap</a:t>
-            </a:r>
-            <a:r>
-              <a:rPr lang="en-US" dirty="0" smtClean="0"/>
-              <a:t>: can return a sequence not just an element</a:t>
+              <a:rPr lang="en-US" dirty="0" smtClean="0"/>
+              <a:t>Java</a:t>
             </a:r>
           </a:p>
           <a:p>
             <a:pPr lvl="1"/>
             <a:r>
               <a:rPr lang="en-US" dirty="0" smtClean="0"/>
-              <a:t>filter: return element if </a:t>
-            </a:r>
-            <a:r>
-              <a:rPr lang="en-US" dirty="0" err="1" smtClean="0"/>
-              <a:t>func</a:t>
-            </a:r>
-            <a:r>
-              <a:rPr lang="en-US" dirty="0" smtClean="0"/>
-              <a:t>(element) is true</a:t>
+              <a:t>Python</a:t>
             </a:r>
           </a:p>
           <a:p>
             <a:pPr lvl="1"/>
             <a:r>
-              <a:rPr lang="en-US" dirty="0" err="1" smtClean="0"/>
-              <a:t>reduceByKey</a:t>
-            </a:r>
-            <a:r>
-              <a:rPr lang="en-US" dirty="0" smtClean="0"/>
-              <a:t>: reduces a set of [K,V] key/value pairs</a:t>
+              <a:rPr lang="en-US" dirty="0" smtClean="0"/>
+              <a:t>R</a:t>
+            </a:r>
+          </a:p>
+          <a:p>
+            <a:r>
+              <a:rPr lang="en-US" dirty="0" smtClean="0"/>
+              <a:t>We will be using Python in the class</a:t>
+            </a:r>
+          </a:p>
+          <a:p>
+            <a:r>
+              <a:rPr lang="en-US" dirty="0" smtClean="0"/>
+              <a:t>After you leave here you can use anything you like </a:t>
             </a:r>
           </a:p>
           <a:p>
             <a:pPr lvl="1"/>
             <a:r>
               <a:rPr lang="en-US" dirty="0" smtClean="0"/>
-              <a:t>reduce: apply a reducer function</a:t>
-            </a:r>
-          </a:p>
-          <a:p>
-            <a:pPr lvl="1"/>
-            <a:r>
-              <a:rPr lang="en-US" dirty="0" smtClean="0"/>
-              <a:t>collect: get all the results back to the master (driver) server in the cluster</a:t>
-            </a:r>
-          </a:p>
-          <a:p>
-            <a:pPr lvl="1"/>
-            <a:r>
-              <a:rPr lang="en-US" dirty="0" err="1" smtClean="0"/>
-              <a:t>foreach</a:t>
-            </a:r>
-            <a:r>
-              <a:rPr lang="en-US" dirty="0" smtClean="0"/>
-              <a:t>: apply a function across each element</a:t>
-            </a:r>
-          </a:p>
-          <a:p>
-            <a:r>
-              <a:rPr lang="en-US" dirty="0" smtClean="0"/>
-              <a:t>Operations on RDDs will happen across machines</a:t>
-            </a:r>
-          </a:p>
-          <a:p>
-            <a:pPr lvl="1"/>
-            <a:r>
-              <a:rPr lang="en-US" dirty="0" smtClean="0"/>
-              <a:t>Be careful!</a:t>
+              <a:t>Including “Not Spark”</a:t>
             </a:r>
           </a:p>
         </p:txBody>
@@ -5035,20 +5008,13 @@
     </p:spTree>
     <p:extLst>
       <p:ext uri="{BB962C8B-B14F-4D97-AF65-F5344CB8AC3E}">
-        <p14:creationId xmlns:p14="http://schemas.microsoft.com/office/powerpoint/2010/main" val="3975351591"/>
+        <p14:creationId xmlns:p14="http://schemas.microsoft.com/office/powerpoint/2010/main" val="3418550297"/>
       </p:ext>
     </p:extLst>
   </p:cSld>
   <p:clrMapOvr>
     <a:masterClrMapping/>
   </p:clrMapOvr>
-  <p:timing>
-    <p:tnLst>
-      <p:par>
-        <p:cTn xmlns:p14="http://schemas.microsoft.com/office/powerpoint/2010/main" id="1" dur="indefinite" restart="never" nodeType="tmRoot"/>
-      </p:par>
-    </p:tnLst>
-  </p:timing>
 </p:sld>
 </file>
 
@@ -5086,7 +5052,7 @@
           <a:p>
             <a:r>
               <a:rPr lang="en-US" dirty="0" smtClean="0"/>
-              <a:t>Most common </a:t>
+              <a:t>Spark Key Objects</a:t>
             </a:r>
             <a:endParaRPr lang="en-US" dirty="0"/>
           </a:p>
@@ -5105,130 +5071,92 @@
         <p:spPr/>
         <p:txBody>
           <a:bodyPr>
-            <a:normAutofit fontScale="92500"/>
+            <a:normAutofit fontScale="92500" lnSpcReduction="20000"/>
           </a:bodyPr>
           <a:lstStyle/>
           <a:p>
             <a:r>
+              <a:rPr lang="en-US" dirty="0" smtClean="0"/>
+              <a:t>RDD</a:t>
+            </a:r>
+          </a:p>
+          <a:p>
+            <a:pPr lvl="1"/>
+            <a:r>
+              <a:rPr lang="en-US" dirty="0" smtClean="0"/>
+              <a:t>Think of it like an array</a:t>
+            </a:r>
+          </a:p>
+          <a:p>
+            <a:pPr lvl="1"/>
+            <a:r>
+              <a:rPr lang="en-US" dirty="0" smtClean="0"/>
+              <a:t>You can do map/reduce operations on it</a:t>
+            </a:r>
+          </a:p>
+          <a:p>
+            <a:pPr lvl="2"/>
+            <a:r>
+              <a:rPr lang="en-US" dirty="0" smtClean="0"/>
+              <a:t>And others</a:t>
+            </a:r>
+          </a:p>
+          <a:p>
+            <a:pPr lvl="1"/>
+            <a:r>
+              <a:rPr lang="en-US" dirty="0" smtClean="0"/>
+              <a:t>But you can’t assume everything is run on one machine</a:t>
+            </a:r>
+          </a:p>
+          <a:p>
+            <a:pPr lvl="1"/>
+            <a:r>
+              <a:rPr lang="en-US" dirty="0" smtClean="0"/>
+              <a:t>Unless you explicitly force that using </a:t>
+            </a:r>
+            <a:r>
               <a:rPr lang="en-US" dirty="0" err="1" smtClean="0"/>
-              <a:t>RDD.map</a:t>
-            </a:r>
-            <a:r>
-              <a:rPr lang="en-US" dirty="0" smtClean="0"/>
-              <a:t>(lambda x: </a:t>
-            </a:r>
-            <a:r>
-              <a:rPr lang="is-IS" dirty="0" smtClean="0"/>
-              <a:t>…)</a:t>
-            </a:r>
+              <a:t>forEach</a:t>
+            </a:r>
+            <a:r>
+              <a:rPr lang="en-US" dirty="0" smtClean="0"/>
+              <a:t>() or collect()</a:t>
+            </a:r>
+          </a:p>
+          <a:p>
+            <a:r>
+              <a:rPr lang="en-US" dirty="0" err="1" smtClean="0"/>
+              <a:t>DataFrame</a:t>
+            </a:r>
+            <a:endParaRPr lang="en-US" dirty="0" smtClean="0"/>
           </a:p>
           <a:p>
             <a:pPr lvl="1"/>
             <a:r>
-              <a:rPr lang="is-IS" dirty="0" smtClean="0"/>
-              <a:t>Applies the lambda function to each element in the RDD</a:t>
-            </a:r>
-          </a:p>
-          <a:p>
-            <a:r>
-              <a:rPr lang="is-IS" dirty="0" smtClean="0"/>
-              <a:t>RDD.flatMap(lambda x: ...)</a:t>
-            </a:r>
-          </a:p>
-          <a:p>
-            <a:pPr lvl="1"/>
-            <a:r>
-              <a:rPr lang="en-US" dirty="0" smtClean="0"/>
-              <a:t>The lambda produces a sequence of items that are then flattened into a single RDD</a:t>
-            </a:r>
-          </a:p>
-          <a:p>
-            <a:r>
-              <a:rPr lang="en-US" dirty="0" err="1" smtClean="0">
-                <a:solidFill>
-                  <a:schemeClr val="bg1">
-                    <a:lumMod val="50000"/>
-                  </a:schemeClr>
-                </a:solidFill>
-              </a:rPr>
-              <a:t>RDD.reduce</a:t>
-            </a:r>
-            <a:r>
-              <a:rPr lang="en-US" dirty="0" smtClean="0">
-                <a:solidFill>
-                  <a:schemeClr val="bg1">
-                    <a:lumMod val="50000"/>
-                  </a:schemeClr>
-                </a:solidFill>
-              </a:rPr>
-              <a:t>(lambda </a:t>
-            </a:r>
-            <a:r>
-              <a:rPr lang="en-US" dirty="0" err="1" smtClean="0">
-                <a:solidFill>
-                  <a:schemeClr val="bg1">
-                    <a:lumMod val="50000"/>
-                  </a:schemeClr>
-                </a:solidFill>
-              </a:rPr>
-              <a:t>x,y</a:t>
-            </a:r>
-            <a:r>
-              <a:rPr lang="en-US" dirty="0" smtClean="0">
-                <a:solidFill>
-                  <a:schemeClr val="bg1">
-                    <a:lumMod val="50000"/>
-                  </a:schemeClr>
-                </a:solidFill>
-              </a:rPr>
-              <a:t>: </a:t>
-            </a:r>
-            <a:r>
-              <a:rPr lang="is-IS" dirty="0" smtClean="0">
-                <a:solidFill>
-                  <a:schemeClr val="bg1">
-                    <a:lumMod val="50000"/>
-                  </a:schemeClr>
-                </a:solidFill>
-              </a:rPr>
-              <a:t>…)</a:t>
-            </a:r>
-          </a:p>
-          <a:p>
-            <a:pPr lvl="1"/>
-            <a:r>
-              <a:rPr lang="is-IS" dirty="0" smtClean="0">
-                <a:solidFill>
-                  <a:schemeClr val="bg1">
-                    <a:lumMod val="50000"/>
-                  </a:schemeClr>
-                </a:solidFill>
-              </a:rPr>
-              <a:t>Applies the function iteratively across all the elements in the RDD</a:t>
-            </a:r>
-            <a:endParaRPr lang="en-US" dirty="0" smtClean="0">
-              <a:solidFill>
-                <a:schemeClr val="bg1">
-                  <a:lumMod val="50000"/>
-                </a:schemeClr>
-              </a:solidFill>
-            </a:endParaRPr>
-          </a:p>
-          <a:p>
-            <a:pPr marL="0" indent="0">
-              <a:buNone/>
-            </a:pPr>
-            <a:endParaRPr lang="en-US" dirty="0" smtClean="0"/>
-          </a:p>
-          <a:p>
-            <a:endParaRPr lang="en-US" dirty="0"/>
+              <a:rPr lang="en-US" dirty="0" smtClean="0"/>
+              <a:t>Think of it like a DB </a:t>
+            </a:r>
+            <a:r>
+              <a:rPr lang="en-US" dirty="0" err="1" smtClean="0"/>
+              <a:t>resultSet</a:t>
+            </a:r>
+            <a:r>
+              <a:rPr lang="en-US" dirty="0" smtClean="0"/>
+              <a:t> </a:t>
+            </a:r>
+          </a:p>
+          <a:p>
+            <a:r>
+              <a:rPr lang="en-US" dirty="0" smtClean="0"/>
+              <a:t>You can convert from DF &lt;-&gt; RDD</a:t>
+            </a:r>
           </a:p>
         </p:txBody>
       </p:sp>
     </p:spTree>
     <p:extLst>
       <p:ext uri="{BB962C8B-B14F-4D97-AF65-F5344CB8AC3E}">
-        <p14:creationId xmlns:p14="http://schemas.microsoft.com/office/powerpoint/2010/main" val="3242857952"/>
+        <p14:creationId xmlns:p14="http://schemas.microsoft.com/office/powerpoint/2010/main" val="2045902029"/>
       </p:ext>
     </p:extLst>
   </p:cSld>
@@ -5271,111 +5199,136 @@
           <a:lstStyle/>
           <a:p>
             <a:r>
+              <a:rPr lang="en-US" dirty="0" smtClean="0"/>
+              <a:t>Apache Spark RDD objects</a:t>
+            </a:r>
+            <a:endParaRPr lang="en-US" dirty="0"/>
+          </a:p>
+        </p:txBody>
+      </p:sp>
+      <p:sp>
+        <p:nvSpPr>
+          <p:cNvPr id="3" name="Content Placeholder 2"/>
+          <p:cNvSpPr>
+            <a:spLocks noGrp="1"/>
+          </p:cNvSpPr>
+          <p:nvPr>
+            <p:ph idx="1"/>
+          </p:nvPr>
+        </p:nvSpPr>
+        <p:spPr/>
+        <p:txBody>
+          <a:bodyPr>
+            <a:normAutofit fontScale="77500" lnSpcReduction="20000"/>
+          </a:bodyPr>
+          <a:lstStyle/>
+          <a:p>
+            <a:r>
+              <a:rPr lang="en-US" dirty="0" smtClean="0"/>
+              <a:t>Typical operations include</a:t>
+            </a:r>
+          </a:p>
+          <a:p>
+            <a:pPr lvl="1"/>
+            <a:r>
+              <a:rPr lang="en-US" dirty="0" smtClean="0"/>
+              <a:t>map: apply a function to each line/element</a:t>
+            </a:r>
+          </a:p>
+          <a:p>
+            <a:pPr lvl="1"/>
+            <a:r>
+              <a:rPr lang="en-US" dirty="0" err="1" smtClean="0"/>
+              <a:t>flatMap</a:t>
+            </a:r>
+            <a:r>
+              <a:rPr lang="en-US" dirty="0" smtClean="0"/>
+              <a:t>: can return a sequence not just an element</a:t>
+            </a:r>
+          </a:p>
+          <a:p>
+            <a:pPr lvl="1"/>
+            <a:r>
+              <a:rPr lang="en-US" dirty="0" smtClean="0"/>
+              <a:t>filter: return element if </a:t>
+            </a:r>
+            <a:r>
+              <a:rPr lang="en-US" dirty="0" err="1" smtClean="0"/>
+              <a:t>func</a:t>
+            </a:r>
+            <a:r>
+              <a:rPr lang="en-US" dirty="0" smtClean="0"/>
+              <a:t>(element) is true</a:t>
+            </a:r>
+          </a:p>
+          <a:p>
+            <a:pPr lvl="1"/>
+            <a:r>
               <a:rPr lang="en-US" dirty="0" err="1" smtClean="0"/>
               <a:t>reduceByKey</a:t>
             </a:r>
-            <a:endParaRPr lang="en-US" dirty="0"/>
-          </a:p>
-        </p:txBody>
-      </p:sp>
-      <p:sp>
-        <p:nvSpPr>
-          <p:cNvPr id="3" name="Content Placeholder 2"/>
-          <p:cNvSpPr>
-            <a:spLocks noGrp="1"/>
-          </p:cNvSpPr>
-          <p:nvPr>
-            <p:ph idx="1"/>
-          </p:nvPr>
-        </p:nvSpPr>
-        <p:spPr/>
-        <p:txBody>
-          <a:bodyPr/>
-          <a:lstStyle/>
-          <a:p>
-            <a:r>
-              <a:rPr lang="en-US" dirty="0" smtClean="0"/>
-              <a:t>Function (V,V) -&gt; V</a:t>
-            </a:r>
-          </a:p>
-          <a:p>
-            <a:r>
-              <a:rPr lang="en-US" dirty="0" smtClean="0"/>
-              <a:t>Takes pairs (K,V)</a:t>
+            <a:r>
+              <a:rPr lang="en-US" dirty="0" smtClean="0"/>
+              <a:t>: reduces a set of [K,V] key/value pairs</a:t>
             </a:r>
           </a:p>
           <a:p>
             <a:pPr lvl="1"/>
             <a:r>
               <a:rPr lang="en-US" dirty="0" smtClean="0"/>
-              <a:t>It will apply the function </a:t>
-            </a:r>
-            <a:r>
-              <a:rPr lang="en-US" i="1" dirty="0" smtClean="0"/>
-              <a:t>within</a:t>
-            </a:r>
-            <a:r>
-              <a:rPr lang="en-US" dirty="0" smtClean="0"/>
-              <a:t> the Key K</a:t>
+              <a:t>reduce: apply a reducer function</a:t>
             </a:r>
           </a:p>
           <a:p>
             <a:pPr lvl="1"/>
             <a:r>
-              <a:rPr lang="en-US" dirty="0"/>
-              <a:t>[</a:t>
-            </a:r>
-            <a:r>
-              <a:rPr lang="en-US" dirty="0" smtClean="0"/>
-              <a:t>(hello, 1), (hello, 1), (hello, 1), </a:t>
-            </a:r>
-            <a:br>
-              <a:rPr lang="en-US" dirty="0" smtClean="0"/>
-            </a:br>
-            <a:r>
-              <a:rPr lang="en-US" dirty="0" smtClean="0"/>
-              <a:t>(world,1), (world, 1)]</a:t>
-            </a:r>
-            <a:br>
-              <a:rPr lang="en-US" dirty="0" smtClean="0"/>
-            </a:br>
-            <a:r>
-              <a:rPr lang="en-US" i="1" dirty="0" smtClean="0"/>
-              <a:t>lambda </a:t>
-            </a:r>
-            <a:r>
-              <a:rPr lang="en-US" i="1" dirty="0" err="1" smtClean="0"/>
-              <a:t>x,y</a:t>
-            </a:r>
-            <a:r>
-              <a:rPr lang="en-US" i="1" dirty="0" smtClean="0"/>
-              <a:t>: </a:t>
-            </a:r>
-            <a:r>
-              <a:rPr lang="en-US" i="1" dirty="0" err="1" smtClean="0"/>
-              <a:t>x+y</a:t>
-            </a:r>
-            <a:endParaRPr lang="en-US" i="1" dirty="0"/>
-          </a:p>
-          <a:p>
-            <a:r>
-              <a:rPr lang="en-US" dirty="0" smtClean="0"/>
-              <a:t>What is the result?</a:t>
-            </a:r>
-            <a:endParaRPr lang="en-US" dirty="0"/>
+              <a:rPr lang="en-US" dirty="0" smtClean="0"/>
+              <a:t>collect: get all the results back to the master (driver) server in the cluster</a:t>
+            </a:r>
+          </a:p>
+          <a:p>
+            <a:pPr lvl="1"/>
+            <a:r>
+              <a:rPr lang="en-US" dirty="0" err="1" smtClean="0"/>
+              <a:t>foreach</a:t>
+            </a:r>
+            <a:r>
+              <a:rPr lang="en-US" dirty="0" smtClean="0"/>
+              <a:t>: apply a function across each element</a:t>
+            </a:r>
+          </a:p>
+          <a:p>
+            <a:r>
+              <a:rPr lang="en-US" dirty="0" smtClean="0"/>
+              <a:t>Operations on RDDs will happen across machines</a:t>
+            </a:r>
+          </a:p>
+          <a:p>
+            <a:pPr lvl="1"/>
+            <a:r>
+              <a:rPr lang="en-US" dirty="0" smtClean="0"/>
+              <a:t>Be careful!</a:t>
+            </a:r>
           </a:p>
         </p:txBody>
       </p:sp>
     </p:spTree>
     <p:extLst>
       <p:ext uri="{BB962C8B-B14F-4D97-AF65-F5344CB8AC3E}">
-        <p14:creationId xmlns:p14="http://schemas.microsoft.com/office/powerpoint/2010/main" val="1596769057"/>
+        <p14:creationId xmlns:p14="http://schemas.microsoft.com/office/powerpoint/2010/main" val="3975351591"/>
       </p:ext>
     </p:extLst>
   </p:cSld>
   <p:clrMapOvr>
     <a:masterClrMapping/>
   </p:clrMapOvr>
+  <p:timing>
+    <p:tnLst>
+      <p:par>
+        <p:cTn xmlns:p14="http://schemas.microsoft.com/office/powerpoint/2010/main" id="1" dur="indefinite" restart="never" nodeType="tmRoot"/>
+      </p:par>
+    </p:tnLst>
+  </p:timing>
 </p:sld>
 </file>
 
@@ -5413,53 +5366,155 @@
           <a:p>
             <a:r>
               <a:rPr lang="en-US" dirty="0" smtClean="0"/>
-              <a:t>Serialization</a:t>
+              <a:t>Most common </a:t>
             </a:r>
             <a:endParaRPr lang="en-US" dirty="0"/>
           </a:p>
         </p:txBody>
       </p:sp>
-      <p:pic>
-        <p:nvPicPr>
-          <p:cNvPr id="4" name="Picture 3"/>
-          <p:cNvPicPr>
-            <a:picLocks noChangeAspect="1"/>
-          </p:cNvPicPr>
-          <p:nvPr/>
-        </p:nvPicPr>
-        <p:blipFill>
-          <a:blip r:embed="rId2"/>
-          <a:stretch>
-            <a:fillRect/>
-          </a:stretch>
-        </p:blipFill>
-        <p:spPr>
-          <a:xfrm>
-            <a:off x="0" y="1546058"/>
-            <a:ext cx="9144000" cy="5180292"/>
-          </a:xfrm>
-          <a:prstGeom prst="rect">
-            <a:avLst/>
-          </a:prstGeom>
-        </p:spPr>
-      </p:pic>
+      <p:sp>
+        <p:nvSpPr>
+          <p:cNvPr id="3" name="Content Placeholder 2"/>
+          <p:cNvSpPr>
+            <a:spLocks noGrp="1"/>
+          </p:cNvSpPr>
+          <p:nvPr>
+            <p:ph idx="1"/>
+          </p:nvPr>
+        </p:nvSpPr>
+        <p:spPr/>
+        <p:txBody>
+          <a:bodyPr>
+            <a:normAutofit fontScale="92500"/>
+          </a:bodyPr>
+          <a:lstStyle/>
+          <a:p>
+            <a:r>
+              <a:rPr lang="en-US" dirty="0" err="1" smtClean="0"/>
+              <a:t>RDD.map</a:t>
+            </a:r>
+            <a:r>
+              <a:rPr lang="en-US" dirty="0" smtClean="0"/>
+              <a:t>(lambda x: </a:t>
+            </a:r>
+            <a:r>
+              <a:rPr lang="is-IS" dirty="0" smtClean="0"/>
+              <a:t>…)</a:t>
+            </a:r>
+          </a:p>
+          <a:p>
+            <a:pPr lvl="1"/>
+            <a:r>
+              <a:rPr lang="is-IS" dirty="0" smtClean="0"/>
+              <a:t>Applies the lambda function to each element in the RDD</a:t>
+            </a:r>
+          </a:p>
+          <a:p>
+            <a:r>
+              <a:rPr lang="is-IS" dirty="0" smtClean="0"/>
+              <a:t>RDD.flatMap(lambda x: ...)</a:t>
+            </a:r>
+          </a:p>
+          <a:p>
+            <a:pPr lvl="1"/>
+            <a:r>
+              <a:rPr lang="en-US" dirty="0" smtClean="0"/>
+              <a:t>The lambda produces a sequence of items that are then flattened into a single RDD</a:t>
+            </a:r>
+          </a:p>
+          <a:p>
+            <a:r>
+              <a:rPr lang="en-US" dirty="0" err="1" smtClean="0">
+                <a:solidFill>
+                  <a:schemeClr val="bg1">
+                    <a:lumMod val="50000"/>
+                  </a:schemeClr>
+                </a:solidFill>
+              </a:rPr>
+              <a:t>RDD.reduce</a:t>
+            </a:r>
+            <a:r>
+              <a:rPr lang="en-US" dirty="0" smtClean="0">
+                <a:solidFill>
+                  <a:schemeClr val="bg1">
+                    <a:lumMod val="50000"/>
+                  </a:schemeClr>
+                </a:solidFill>
+              </a:rPr>
+              <a:t>(lambda </a:t>
+            </a:r>
+            <a:r>
+              <a:rPr lang="en-US" dirty="0" err="1" smtClean="0">
+                <a:solidFill>
+                  <a:schemeClr val="bg1">
+                    <a:lumMod val="50000"/>
+                  </a:schemeClr>
+                </a:solidFill>
+              </a:rPr>
+              <a:t>x,y</a:t>
+            </a:r>
+            <a:r>
+              <a:rPr lang="en-US" dirty="0" smtClean="0">
+                <a:solidFill>
+                  <a:schemeClr val="bg1">
+                    <a:lumMod val="50000"/>
+                  </a:schemeClr>
+                </a:solidFill>
+              </a:rPr>
+              <a:t>: </a:t>
+            </a:r>
+            <a:r>
+              <a:rPr lang="is-IS" dirty="0" smtClean="0">
+                <a:solidFill>
+                  <a:schemeClr val="bg1">
+                    <a:lumMod val="50000"/>
+                  </a:schemeClr>
+                </a:solidFill>
+              </a:rPr>
+              <a:t>…)</a:t>
+            </a:r>
+          </a:p>
+          <a:p>
+            <a:pPr lvl="1"/>
+            <a:r>
+              <a:rPr lang="is-IS" dirty="0" smtClean="0">
+                <a:solidFill>
+                  <a:schemeClr val="bg1">
+                    <a:lumMod val="50000"/>
+                  </a:schemeClr>
+                </a:solidFill>
+              </a:rPr>
+              <a:t>Applies the function iteratively across all the elements in the RDD</a:t>
+            </a:r>
+            <a:endParaRPr lang="en-US" dirty="0" smtClean="0">
+              <a:solidFill>
+                <a:schemeClr val="bg1">
+                  <a:lumMod val="50000"/>
+                </a:schemeClr>
+              </a:solidFill>
+            </a:endParaRPr>
+          </a:p>
+          <a:p>
+            <a:pPr marL="0" indent="0">
+              <a:buNone/>
+            </a:pPr>
+            <a:endParaRPr lang="en-US" dirty="0" smtClean="0"/>
+          </a:p>
+          <a:p>
+            <a:endParaRPr lang="en-US" dirty="0"/>
+          </a:p>
+        </p:txBody>
+      </p:sp>
     </p:spTree>
     <p:extLst>
       <p:ext uri="{BB962C8B-B14F-4D97-AF65-F5344CB8AC3E}">
-        <p14:creationId xmlns:p14="http://schemas.microsoft.com/office/powerpoint/2010/main" val="510409518"/>
+        <p14:creationId xmlns:p14="http://schemas.microsoft.com/office/powerpoint/2010/main" val="3242857952"/>
       </p:ext>
     </p:extLst>
   </p:cSld>
   <p:clrMapOvr>
     <a:masterClrMapping/>
   </p:clrMapOvr>
-  <p:timing>
-    <p:tnLst>
-      <p:par>
-        <p:cTn xmlns:p14="http://schemas.microsoft.com/office/powerpoint/2010/main" id="1" dur="indefinite" restart="never" nodeType="tmRoot"/>
-      </p:par>
-    </p:tnLst>
-  </p:timing>
 </p:sld>
 </file>
 
@@ -5496,8 +5551,8 @@
           <a:lstStyle/>
           <a:p>
             <a:r>
-              <a:rPr lang="en-US" dirty="0" smtClean="0"/>
-              <a:t>Lambda syntax</a:t>
+              <a:rPr lang="en-US" dirty="0" err="1" smtClean="0"/>
+              <a:t>reduceByKey</a:t>
             </a:r>
             <a:endParaRPr lang="en-US" dirty="0"/>
           </a:p>
@@ -5520,21 +5575,72 @@
           <a:p>
             <a:r>
               <a:rPr lang="en-US" dirty="0" smtClean="0"/>
-              <a:t>Lambda’s are unnamed functions</a:t>
+              <a:t>Function (V,V) -&gt; V</a:t>
+            </a:r>
+          </a:p>
+          <a:p>
+            <a:r>
+              <a:rPr lang="en-US" dirty="0" smtClean="0"/>
+              <a:t>Takes pairs (K,V)</a:t>
             </a:r>
           </a:p>
           <a:p>
             <a:pPr lvl="1"/>
             <a:r>
               <a:rPr lang="en-US" dirty="0" smtClean="0"/>
-              <a:t>From Alonzo Church’s 1930s work on the Lambda Calculus</a:t>
+              <a:t>It will apply the function </a:t>
+            </a:r>
+            <a:r>
+              <a:rPr lang="en-US" i="1" dirty="0" smtClean="0"/>
+              <a:t>within</a:t>
+            </a:r>
+            <a:r>
+              <a:rPr lang="en-US" dirty="0" smtClean="0"/>
+              <a:t> the Key K</a:t>
             </a:r>
           </a:p>
           <a:p>
             <a:pPr lvl="1"/>
             <a:r>
-              <a:rPr lang="en-US" dirty="0" smtClean="0"/>
-              <a:t>Recently added to Java</a:t>
+              <a:rPr lang="en-US" dirty="0"/>
+              <a:t>[</a:t>
+            </a:r>
+            <a:r>
+              <a:rPr lang="en-US" dirty="0" smtClean="0"/>
+              <a:t>(hello, 1), (hello, 1), (hello, 1), </a:t>
+            </a:r>
+            <a:br>
+              <a:rPr lang="en-US" dirty="0" smtClean="0"/>
+            </a:br>
+            <a:r>
+              <a:rPr lang="en-US" dirty="0" smtClean="0"/>
+              <a:t>(world,1), (world, 1)]</a:t>
+            </a:r>
+            <a:br>
+              <a:rPr lang="en-US" dirty="0" smtClean="0"/>
+            </a:br>
+            <a:r>
+              <a:rPr lang="en-US" i="1" dirty="0" smtClean="0"/>
+              <a:t>lambda </a:t>
+            </a:r>
+            <a:r>
+              <a:rPr lang="en-US" i="1" dirty="0" err="1" smtClean="0"/>
+              <a:t>x,y</a:t>
+            </a:r>
+            <a:r>
+              <a:rPr lang="en-US" i="1" dirty="0" smtClean="0"/>
+              <a:t>: </a:t>
+            </a:r>
+            <a:r>
+              <a:rPr lang="en-US" i="1" dirty="0" err="1" smtClean="0"/>
+              <a:t>x+y</a:t>
+            </a:r>
+            <a:endParaRPr lang="en-US" i="1" dirty="0"/>
+          </a:p>
+          <a:p>
+            <a:r>
+              <a:rPr lang="en-US" dirty="0" smtClean="0"/>
+              <a:t>What is the result?</a:t>
             </a:r>
             <a:endParaRPr lang="en-US" dirty="0"/>
           </a:p>
@@ -5543,20 +5649,13 @@
     </p:spTree>
     <p:extLst>
       <p:ext uri="{BB962C8B-B14F-4D97-AF65-F5344CB8AC3E}">
-        <p14:creationId xmlns:p14="http://schemas.microsoft.com/office/powerpoint/2010/main" val="2738737034"/>
+        <p14:creationId xmlns:p14="http://schemas.microsoft.com/office/powerpoint/2010/main" val="1596769057"/>
       </p:ext>
     </p:extLst>
   </p:cSld>
   <p:clrMapOvr>
     <a:masterClrMapping/>
   </p:clrMapOvr>
-  <p:timing>
-    <p:tnLst>
-      <p:par>
-        <p:cTn xmlns:p14="http://schemas.microsoft.com/office/powerpoint/2010/main" id="1" dur="indefinite" restart="never" nodeType="tmRoot"/>
-      </p:par>
-    </p:tnLst>
-  </p:timing>
 </p:sld>
 </file>
 
@@ -5594,7 +5693,7 @@
           <a:p>
             <a:r>
               <a:rPr lang="en-US" dirty="0" smtClean="0"/>
-              <a:t>Lambda syntax in Python	</a:t>
+              <a:t>Getting results</a:t>
             </a:r>
             <a:endParaRPr lang="en-US" dirty="0"/>
           </a:p>
@@ -5617,23 +5716,27 @@
           <a:p>
             <a:r>
               <a:rPr lang="en-US" dirty="0" smtClean="0"/>
-              <a:t>Simply:</a:t>
-            </a:r>
-          </a:p>
-          <a:p>
-            <a:endParaRPr lang="en-US" dirty="0"/>
-          </a:p>
-          <a:p>
-            <a:pPr marL="457200" lvl="1" indent="0">
-              <a:buNone/>
-            </a:pPr>
-            <a:r>
-              <a:rPr lang="en-US" dirty="0" smtClean="0"/>
-              <a:t>f = lambda x: </a:t>
-            </a:r>
+              <a:t>You often need to bring the results back to a single thread to display them:</a:t>
+            </a:r>
+          </a:p>
+          <a:p>
+            <a:pPr lvl="1"/>
+            <a:r>
+              <a:rPr lang="en-US" dirty="0" smtClean="0"/>
+              <a:t>collect()</a:t>
+            </a:r>
+          </a:p>
+          <a:p>
+            <a:r>
+              <a:rPr lang="en-US" dirty="0" smtClean="0"/>
+              <a:t>Alternatively you can save the results (which can happen in parallel)</a:t>
+            </a:r>
+          </a:p>
+          <a:p>
+            <a:pPr lvl="1"/>
             <a:r>
               <a:rPr lang="en-US" dirty="0" err="1" smtClean="0"/>
-              <a:t>x.split</a:t>
+              <a:t>RDD.saveAsTextFile</a:t>
             </a:r>
             <a:r>
               <a:rPr lang="en-US" dirty="0" smtClean="0"/>
@@ -5641,28 +5744,14 @@
             </a:r>
           </a:p>
           <a:p>
-            <a:pPr marL="457200" lvl="1" indent="0">
-              <a:buNone/>
-            </a:pPr>
-            <a:r>
-              <a:rPr lang="en-US" dirty="0"/>
-              <a:t>g</a:t>
-            </a:r>
-            <a:r>
-              <a:rPr lang="en-US" dirty="0" smtClean="0"/>
-              <a:t> = lambda </a:t>
-            </a:r>
+            <a:pPr lvl="1"/>
             <a:r>
               <a:rPr lang="en-US" dirty="0" err="1" smtClean="0"/>
-              <a:t>x,y</a:t>
-            </a:r>
-            <a:r>
-              <a:rPr lang="en-US" dirty="0" smtClean="0"/>
-              <a:t>: </a:t>
-            </a:r>
-            <a:r>
-              <a:rPr lang="en-US" dirty="0" err="1" smtClean="0"/>
-              <a:t>x+y</a:t>
+              <a:t>DataFrame.save</a:t>
+            </a:r>
+            <a:r>
+              <a:rPr lang="en-US" dirty="0" smtClean="0"/>
+              <a:t>()</a:t>
             </a:r>
             <a:endParaRPr lang="en-US" dirty="0"/>
           </a:p>
@@ -5671,20 +5760,13 @@
     </p:spTree>
     <p:extLst>
       <p:ext uri="{BB962C8B-B14F-4D97-AF65-F5344CB8AC3E}">
-        <p14:creationId xmlns:p14="http://schemas.microsoft.com/office/powerpoint/2010/main" val="4275047535"/>
+        <p14:creationId xmlns:p14="http://schemas.microsoft.com/office/powerpoint/2010/main" val="979518038"/>
       </p:ext>
     </p:extLst>
   </p:cSld>
   <p:clrMapOvr>
     <a:masterClrMapping/>
   </p:clrMapOvr>
-  <p:timing>
-    <p:tnLst>
-      <p:par>
-        <p:cTn xmlns:p14="http://schemas.microsoft.com/office/powerpoint/2010/main" id="1" dur="indefinite" restart="never" nodeType="tmRoot"/>
-      </p:par>
-    </p:tnLst>
-  </p:timing>
 </p:sld>
 </file>
 
@@ -5977,6 +6059,666 @@
           <a:p>
             <a:r>
               <a:rPr lang="en-US" dirty="0" smtClean="0"/>
+              <a:t>Other useful things</a:t>
+            </a:r>
+            <a:endParaRPr lang="en-US" dirty="0"/>
+          </a:p>
+        </p:txBody>
+      </p:sp>
+      <p:sp>
+        <p:nvSpPr>
+          <p:cNvPr id="3" name="Content Placeholder 2"/>
+          <p:cNvSpPr>
+            <a:spLocks noGrp="1"/>
+          </p:cNvSpPr>
+          <p:nvPr>
+            <p:ph idx="1"/>
+          </p:nvPr>
+        </p:nvSpPr>
+        <p:spPr/>
+        <p:txBody>
+          <a:bodyPr>
+            <a:noAutofit/>
+          </a:bodyPr>
+          <a:lstStyle/>
+          <a:p>
+            <a:r>
+              <a:rPr lang="en-US" sz="2000" dirty="0" smtClean="0"/>
+              <a:t>first()</a:t>
+            </a:r>
+          </a:p>
+          <a:p>
+            <a:pPr lvl="1"/>
+            <a:r>
+              <a:rPr lang="en-US" sz="1600" dirty="0" smtClean="0"/>
+              <a:t>Returns the first member of an RDD</a:t>
+            </a:r>
+          </a:p>
+          <a:p>
+            <a:r>
+              <a:rPr lang="en-US" sz="2000" dirty="0" smtClean="0"/>
+              <a:t>take(10)</a:t>
+            </a:r>
+          </a:p>
+          <a:p>
+            <a:pPr lvl="1"/>
+            <a:r>
+              <a:rPr lang="en-US" sz="1600" dirty="0" smtClean="0"/>
+              <a:t>Returns the first 10 elements</a:t>
+            </a:r>
+          </a:p>
+          <a:p>
+            <a:r>
+              <a:rPr lang="en-US" sz="2000" dirty="0"/>
+              <a:t>s</a:t>
+            </a:r>
+            <a:r>
+              <a:rPr lang="en-US" sz="2000" dirty="0" smtClean="0"/>
+              <a:t>ample(..)/</a:t>
+            </a:r>
+            <a:r>
+              <a:rPr lang="en-US" sz="2000" dirty="0" err="1" smtClean="0"/>
+              <a:t>takeSample</a:t>
+            </a:r>
+            <a:r>
+              <a:rPr lang="en-US" sz="2000" dirty="0" smtClean="0"/>
+              <a:t>(..)</a:t>
+            </a:r>
+          </a:p>
+          <a:p>
+            <a:pPr lvl="1"/>
+            <a:r>
+              <a:rPr lang="en-US" sz="1600" dirty="0" smtClean="0"/>
+              <a:t>Samples the RDD </a:t>
+            </a:r>
+          </a:p>
+          <a:p>
+            <a:pPr lvl="1"/>
+            <a:r>
+              <a:rPr lang="en-US" sz="1600" dirty="0" smtClean="0"/>
+              <a:t>Very useful for reducing a massive dataset to something workable while you are testing</a:t>
+            </a:r>
+          </a:p>
+          <a:p>
+            <a:r>
+              <a:rPr lang="en-US" sz="2000" dirty="0" smtClean="0"/>
+              <a:t>count() </a:t>
+            </a:r>
+          </a:p>
+          <a:p>
+            <a:pPr lvl="1"/>
+            <a:r>
+              <a:rPr lang="en-US" sz="1600" dirty="0" smtClean="0"/>
+              <a:t>Counts the RDD</a:t>
+            </a:r>
+          </a:p>
+          <a:p>
+            <a:r>
+              <a:rPr lang="en-US" sz="2000" dirty="0" err="1" smtClean="0"/>
+              <a:t>countByKey</a:t>
+            </a:r>
+            <a:r>
+              <a:rPr lang="en-US" sz="2000" dirty="0" smtClean="0"/>
+              <a:t>()</a:t>
+            </a:r>
+          </a:p>
+          <a:p>
+            <a:pPr lvl="1"/>
+            <a:r>
+              <a:rPr lang="en-US" sz="1600" dirty="0" smtClean="0"/>
+              <a:t>Counts by key </a:t>
+            </a:r>
+          </a:p>
+          <a:p>
+            <a:pPr lvl="1"/>
+            <a:r>
+              <a:rPr lang="en-US" sz="1600" dirty="0" smtClean="0"/>
+              <a:t>Might have been useful in our word count example </a:t>
+            </a:r>
+            <a:r>
+              <a:rPr lang="en-US" sz="1600" dirty="0" smtClean="0">
+                <a:sym typeface="Wingdings"/>
+              </a:rPr>
+              <a:t></a:t>
+            </a:r>
+          </a:p>
+          <a:p>
+            <a:r>
+              <a:rPr lang="en-US" sz="2000" dirty="0" err="1" smtClean="0"/>
+              <a:t>forEach</a:t>
+            </a:r>
+            <a:r>
+              <a:rPr lang="en-US" sz="2000" dirty="0" smtClean="0"/>
+              <a:t>()</a:t>
+            </a:r>
+          </a:p>
+          <a:p>
+            <a:pPr lvl="1"/>
+            <a:r>
+              <a:rPr lang="en-US" sz="1600" dirty="0" smtClean="0"/>
+              <a:t>Allows you to do operations with side-effects (accumulators)</a:t>
+            </a:r>
+          </a:p>
+        </p:txBody>
+      </p:sp>
+    </p:spTree>
+    <p:extLst>
+      <p:ext uri="{BB962C8B-B14F-4D97-AF65-F5344CB8AC3E}">
+        <p14:creationId xmlns:p14="http://schemas.microsoft.com/office/powerpoint/2010/main" val="1439122615"/>
+      </p:ext>
+    </p:extLst>
+  </p:cSld>
+  <p:clrMapOvr>
+    <a:masterClrMapping/>
+  </p:clrMapOvr>
+</p:sld>
+</file>
+
+<file path=ppt/slides/slide21.xml><?xml version="1.0" encoding="utf-8"?>
+<p:sld xmlns:a="http://schemas.openxmlformats.org/drawingml/2006/main" xmlns:r="http://schemas.openxmlformats.org/officeDocument/2006/relationships" xmlns:p="http://schemas.openxmlformats.org/presentationml/2006/main">
+  <p:cSld>
+    <p:spTree>
+      <p:nvGrpSpPr>
+        <p:cNvPr id="1" name=""/>
+        <p:cNvGrpSpPr/>
+        <p:nvPr/>
+      </p:nvGrpSpPr>
+      <p:grpSpPr>
+        <a:xfrm>
+          <a:off x="0" y="0"/>
+          <a:ext cx="0" cy="0"/>
+          <a:chOff x="0" y="0"/>
+          <a:chExt cx="0" cy="0"/>
+        </a:xfrm>
+      </p:grpSpPr>
+      <p:pic>
+        <p:nvPicPr>
+          <p:cNvPr id="4" name="Picture 3"/>
+          <p:cNvPicPr>
+            <a:picLocks noChangeAspect="1"/>
+          </p:cNvPicPr>
+          <p:nvPr/>
+        </p:nvPicPr>
+        <p:blipFill>
+          <a:blip r:embed="rId2"/>
+          <a:stretch>
+            <a:fillRect/>
+          </a:stretch>
+        </p:blipFill>
+        <p:spPr>
+          <a:xfrm>
+            <a:off x="88900" y="0"/>
+            <a:ext cx="8957388" cy="6858000"/>
+          </a:xfrm>
+          <a:prstGeom prst="rect">
+            <a:avLst/>
+          </a:prstGeom>
+        </p:spPr>
+      </p:pic>
+    </p:spTree>
+    <p:extLst>
+      <p:ext uri="{BB962C8B-B14F-4D97-AF65-F5344CB8AC3E}">
+        <p14:creationId xmlns:p14="http://schemas.microsoft.com/office/powerpoint/2010/main" val="1096945024"/>
+      </p:ext>
+    </p:extLst>
+  </p:cSld>
+  <p:clrMapOvr>
+    <a:masterClrMapping/>
+  </p:clrMapOvr>
+</p:sld>
+</file>
+
+<file path=ppt/slides/slide22.xml><?xml version="1.0" encoding="utf-8"?>
+<p:sld xmlns:a="http://schemas.openxmlformats.org/drawingml/2006/main" xmlns:r="http://schemas.openxmlformats.org/officeDocument/2006/relationships" xmlns:p="http://schemas.openxmlformats.org/presentationml/2006/main">
+  <p:cSld>
+    <p:spTree>
+      <p:nvGrpSpPr>
+        <p:cNvPr id="1" name=""/>
+        <p:cNvGrpSpPr/>
+        <p:nvPr/>
+      </p:nvGrpSpPr>
+      <p:grpSpPr>
+        <a:xfrm>
+          <a:off x="0" y="0"/>
+          <a:ext cx="0" cy="0"/>
+          <a:chOff x="0" y="0"/>
+          <a:chExt cx="0" cy="0"/>
+        </a:xfrm>
+      </p:grpSpPr>
+      <p:pic>
+        <p:nvPicPr>
+          <p:cNvPr id="5" name="Picture 4"/>
+          <p:cNvPicPr>
+            <a:picLocks noChangeAspect="1"/>
+          </p:cNvPicPr>
+          <p:nvPr/>
+        </p:nvPicPr>
+        <p:blipFill>
+          <a:blip r:embed="rId2"/>
+          <a:stretch>
+            <a:fillRect/>
+          </a:stretch>
+        </p:blipFill>
+        <p:spPr>
+          <a:xfrm>
+            <a:off x="0" y="139700"/>
+            <a:ext cx="9144000" cy="6573743"/>
+          </a:xfrm>
+          <a:prstGeom prst="rect">
+            <a:avLst/>
+          </a:prstGeom>
+        </p:spPr>
+      </p:pic>
+    </p:spTree>
+    <p:extLst>
+      <p:ext uri="{BB962C8B-B14F-4D97-AF65-F5344CB8AC3E}">
+        <p14:creationId xmlns:p14="http://schemas.microsoft.com/office/powerpoint/2010/main" val="437745056"/>
+      </p:ext>
+    </p:extLst>
+  </p:cSld>
+  <p:clrMapOvr>
+    <a:masterClrMapping/>
+  </p:clrMapOvr>
+</p:sld>
+</file>
+
+<file path=ppt/slides/slide23.xml><?xml version="1.0" encoding="utf-8"?>
+<p:sld xmlns:a="http://schemas.openxmlformats.org/drawingml/2006/main" xmlns:r="http://schemas.openxmlformats.org/officeDocument/2006/relationships" xmlns:p="http://schemas.openxmlformats.org/presentationml/2006/main">
+  <p:cSld>
+    <p:spTree>
+      <p:nvGrpSpPr>
+        <p:cNvPr id="1" name=""/>
+        <p:cNvGrpSpPr/>
+        <p:nvPr/>
+      </p:nvGrpSpPr>
+      <p:grpSpPr>
+        <a:xfrm>
+          <a:off x="0" y="0"/>
+          <a:ext cx="0" cy="0"/>
+          <a:chOff x="0" y="0"/>
+          <a:chExt cx="0" cy="0"/>
+        </a:xfrm>
+      </p:grpSpPr>
+      <p:pic>
+        <p:nvPicPr>
+          <p:cNvPr id="4" name="Picture 3"/>
+          <p:cNvPicPr>
+            <a:picLocks noChangeAspect="1"/>
+          </p:cNvPicPr>
+          <p:nvPr/>
+        </p:nvPicPr>
+        <p:blipFill>
+          <a:blip r:embed="rId2"/>
+          <a:stretch>
+            <a:fillRect/>
+          </a:stretch>
+        </p:blipFill>
+        <p:spPr>
+          <a:xfrm>
+            <a:off x="0" y="127000"/>
+            <a:ext cx="9144000" cy="6594881"/>
+          </a:xfrm>
+          <a:prstGeom prst="rect">
+            <a:avLst/>
+          </a:prstGeom>
+        </p:spPr>
+      </p:pic>
+    </p:spTree>
+    <p:extLst>
+      <p:ext uri="{BB962C8B-B14F-4D97-AF65-F5344CB8AC3E}">
+        <p14:creationId xmlns:p14="http://schemas.microsoft.com/office/powerpoint/2010/main" val="4029174358"/>
+      </p:ext>
+    </p:extLst>
+  </p:cSld>
+  <p:clrMapOvr>
+    <a:masterClrMapping/>
+  </p:clrMapOvr>
+</p:sld>
+</file>
+
+<file path=ppt/slides/slide24.xml><?xml version="1.0" encoding="utf-8"?>
+<p:sld xmlns:a="http://schemas.openxmlformats.org/drawingml/2006/main" xmlns:r="http://schemas.openxmlformats.org/officeDocument/2006/relationships" xmlns:p="http://schemas.openxmlformats.org/presentationml/2006/main">
+  <p:cSld>
+    <p:spTree>
+      <p:nvGrpSpPr>
+        <p:cNvPr id="1" name=""/>
+        <p:cNvGrpSpPr/>
+        <p:nvPr/>
+      </p:nvGrpSpPr>
+      <p:grpSpPr>
+        <a:xfrm>
+          <a:off x="0" y="0"/>
+          <a:ext cx="0" cy="0"/>
+          <a:chOff x="0" y="0"/>
+          <a:chExt cx="0" cy="0"/>
+        </a:xfrm>
+      </p:grpSpPr>
+      <p:sp>
+        <p:nvSpPr>
+          <p:cNvPr id="2" name="Title 1"/>
+          <p:cNvSpPr>
+            <a:spLocks noGrp="1"/>
+          </p:cNvSpPr>
+          <p:nvPr>
+            <p:ph type="title"/>
+          </p:nvPr>
+        </p:nvSpPr>
+        <p:spPr/>
+        <p:txBody>
+          <a:bodyPr/>
+          <a:lstStyle/>
+          <a:p>
+            <a:r>
+              <a:rPr lang="en-US" dirty="0" smtClean="0"/>
+              <a:t>Serialization</a:t>
+            </a:r>
+            <a:endParaRPr lang="en-US" dirty="0"/>
+          </a:p>
+        </p:txBody>
+      </p:sp>
+      <p:pic>
+        <p:nvPicPr>
+          <p:cNvPr id="4" name="Picture 3"/>
+          <p:cNvPicPr>
+            <a:picLocks noChangeAspect="1"/>
+          </p:cNvPicPr>
+          <p:nvPr/>
+        </p:nvPicPr>
+        <p:blipFill>
+          <a:blip r:embed="rId2"/>
+          <a:stretch>
+            <a:fillRect/>
+          </a:stretch>
+        </p:blipFill>
+        <p:spPr>
+          <a:xfrm>
+            <a:off x="0" y="1546058"/>
+            <a:ext cx="9144000" cy="5180292"/>
+          </a:xfrm>
+          <a:prstGeom prst="rect">
+            <a:avLst/>
+          </a:prstGeom>
+        </p:spPr>
+      </p:pic>
+    </p:spTree>
+    <p:extLst>
+      <p:ext uri="{BB962C8B-B14F-4D97-AF65-F5344CB8AC3E}">
+        <p14:creationId xmlns:p14="http://schemas.microsoft.com/office/powerpoint/2010/main" val="510409518"/>
+      </p:ext>
+    </p:extLst>
+  </p:cSld>
+  <p:clrMapOvr>
+    <a:masterClrMapping/>
+  </p:clrMapOvr>
+  <p:timing>
+    <p:tnLst>
+      <p:par>
+        <p:cTn xmlns:p14="http://schemas.microsoft.com/office/powerpoint/2010/main" id="1" dur="indefinite" restart="never" nodeType="tmRoot"/>
+      </p:par>
+    </p:tnLst>
+  </p:timing>
+</p:sld>
+</file>
+
+<file path=ppt/slides/slide25.xml><?xml version="1.0" encoding="utf-8"?>
+<p:sld xmlns:a="http://schemas.openxmlformats.org/drawingml/2006/main" xmlns:r="http://schemas.openxmlformats.org/officeDocument/2006/relationships" xmlns:p="http://schemas.openxmlformats.org/presentationml/2006/main">
+  <p:cSld>
+    <p:spTree>
+      <p:nvGrpSpPr>
+        <p:cNvPr id="1" name=""/>
+        <p:cNvGrpSpPr/>
+        <p:nvPr/>
+      </p:nvGrpSpPr>
+      <p:grpSpPr>
+        <a:xfrm>
+          <a:off x="0" y="0"/>
+          <a:ext cx="0" cy="0"/>
+          <a:chOff x="0" y="0"/>
+          <a:chExt cx="0" cy="0"/>
+        </a:xfrm>
+      </p:grpSpPr>
+      <p:sp>
+        <p:nvSpPr>
+          <p:cNvPr id="2" name="Title 1"/>
+          <p:cNvSpPr>
+            <a:spLocks noGrp="1"/>
+          </p:cNvSpPr>
+          <p:nvPr>
+            <p:ph type="title"/>
+          </p:nvPr>
+        </p:nvSpPr>
+        <p:spPr/>
+        <p:txBody>
+          <a:bodyPr/>
+          <a:lstStyle/>
+          <a:p>
+            <a:r>
+              <a:rPr lang="en-US" dirty="0" smtClean="0"/>
+              <a:t>Lambda syntax</a:t>
+            </a:r>
+            <a:endParaRPr lang="en-US" dirty="0"/>
+          </a:p>
+        </p:txBody>
+      </p:sp>
+      <p:sp>
+        <p:nvSpPr>
+          <p:cNvPr id="3" name="Content Placeholder 2"/>
+          <p:cNvSpPr>
+            <a:spLocks noGrp="1"/>
+          </p:cNvSpPr>
+          <p:nvPr>
+            <p:ph idx="1"/>
+          </p:nvPr>
+        </p:nvSpPr>
+        <p:spPr/>
+        <p:txBody>
+          <a:bodyPr/>
+          <a:lstStyle/>
+          <a:p>
+            <a:r>
+              <a:rPr lang="en-US" dirty="0" smtClean="0"/>
+              <a:t>Lambda’s are unnamed functions</a:t>
+            </a:r>
+          </a:p>
+          <a:p>
+            <a:pPr lvl="1"/>
+            <a:r>
+              <a:rPr lang="en-US" dirty="0" smtClean="0"/>
+              <a:t>From Alonzo Church’s 1930s work on the Lambda Calculus</a:t>
+            </a:r>
+          </a:p>
+          <a:p>
+            <a:pPr lvl="1"/>
+            <a:r>
+              <a:rPr lang="en-US" dirty="0" smtClean="0"/>
+              <a:t>Recently added to Java</a:t>
+            </a:r>
+            <a:endParaRPr lang="en-US" dirty="0"/>
+          </a:p>
+        </p:txBody>
+      </p:sp>
+    </p:spTree>
+    <p:extLst>
+      <p:ext uri="{BB962C8B-B14F-4D97-AF65-F5344CB8AC3E}">
+        <p14:creationId xmlns:p14="http://schemas.microsoft.com/office/powerpoint/2010/main" val="2738737034"/>
+      </p:ext>
+    </p:extLst>
+  </p:cSld>
+  <p:clrMapOvr>
+    <a:masterClrMapping/>
+  </p:clrMapOvr>
+  <p:timing>
+    <p:tnLst>
+      <p:par>
+        <p:cTn xmlns:p14="http://schemas.microsoft.com/office/powerpoint/2010/main" id="1" dur="indefinite" restart="never" nodeType="tmRoot"/>
+      </p:par>
+    </p:tnLst>
+  </p:timing>
+</p:sld>
+</file>
+
+<file path=ppt/slides/slide26.xml><?xml version="1.0" encoding="utf-8"?>
+<p:sld xmlns:a="http://schemas.openxmlformats.org/drawingml/2006/main" xmlns:r="http://schemas.openxmlformats.org/officeDocument/2006/relationships" xmlns:p="http://schemas.openxmlformats.org/presentationml/2006/main">
+  <p:cSld>
+    <p:spTree>
+      <p:nvGrpSpPr>
+        <p:cNvPr id="1" name=""/>
+        <p:cNvGrpSpPr/>
+        <p:nvPr/>
+      </p:nvGrpSpPr>
+      <p:grpSpPr>
+        <a:xfrm>
+          <a:off x="0" y="0"/>
+          <a:ext cx="0" cy="0"/>
+          <a:chOff x="0" y="0"/>
+          <a:chExt cx="0" cy="0"/>
+        </a:xfrm>
+      </p:grpSpPr>
+      <p:sp>
+        <p:nvSpPr>
+          <p:cNvPr id="2" name="Title 1"/>
+          <p:cNvSpPr>
+            <a:spLocks noGrp="1"/>
+          </p:cNvSpPr>
+          <p:nvPr>
+            <p:ph type="title"/>
+          </p:nvPr>
+        </p:nvSpPr>
+        <p:spPr/>
+        <p:txBody>
+          <a:bodyPr/>
+          <a:lstStyle/>
+          <a:p>
+            <a:r>
+              <a:rPr lang="en-US" dirty="0" smtClean="0"/>
+              <a:t>Lambda syntax in Python	</a:t>
+            </a:r>
+            <a:endParaRPr lang="en-US" dirty="0"/>
+          </a:p>
+        </p:txBody>
+      </p:sp>
+      <p:sp>
+        <p:nvSpPr>
+          <p:cNvPr id="3" name="Content Placeholder 2"/>
+          <p:cNvSpPr>
+            <a:spLocks noGrp="1"/>
+          </p:cNvSpPr>
+          <p:nvPr>
+            <p:ph idx="1"/>
+          </p:nvPr>
+        </p:nvSpPr>
+        <p:spPr/>
+        <p:txBody>
+          <a:bodyPr/>
+          <a:lstStyle/>
+          <a:p>
+            <a:r>
+              <a:rPr lang="en-US" dirty="0" smtClean="0"/>
+              <a:t>Simply:</a:t>
+            </a:r>
+          </a:p>
+          <a:p>
+            <a:endParaRPr lang="en-US" dirty="0"/>
+          </a:p>
+          <a:p>
+            <a:pPr marL="457200" lvl="1" indent="0">
+              <a:buNone/>
+            </a:pPr>
+            <a:r>
+              <a:rPr lang="en-US" dirty="0" smtClean="0"/>
+              <a:t>f = lambda x: </a:t>
+            </a:r>
+            <a:r>
+              <a:rPr lang="en-US" dirty="0" err="1" smtClean="0"/>
+              <a:t>x.split</a:t>
+            </a:r>
+            <a:r>
+              <a:rPr lang="en-US" dirty="0" smtClean="0"/>
+              <a:t>()</a:t>
+            </a:r>
+          </a:p>
+          <a:p>
+            <a:pPr marL="457200" lvl="1" indent="0">
+              <a:buNone/>
+            </a:pPr>
+            <a:r>
+              <a:rPr lang="en-US" dirty="0"/>
+              <a:t>g</a:t>
+            </a:r>
+            <a:r>
+              <a:rPr lang="en-US" dirty="0" smtClean="0"/>
+              <a:t> = lambda </a:t>
+            </a:r>
+            <a:r>
+              <a:rPr lang="en-US" dirty="0" err="1" smtClean="0"/>
+              <a:t>x,y</a:t>
+            </a:r>
+            <a:r>
+              <a:rPr lang="en-US" dirty="0" smtClean="0"/>
+              <a:t>: </a:t>
+            </a:r>
+            <a:r>
+              <a:rPr lang="en-US" dirty="0" err="1" smtClean="0"/>
+              <a:t>x+y</a:t>
+            </a:r>
+            <a:endParaRPr lang="en-US" dirty="0"/>
+          </a:p>
+        </p:txBody>
+      </p:sp>
+    </p:spTree>
+    <p:extLst>
+      <p:ext uri="{BB962C8B-B14F-4D97-AF65-F5344CB8AC3E}">
+        <p14:creationId xmlns:p14="http://schemas.microsoft.com/office/powerpoint/2010/main" val="4275047535"/>
+      </p:ext>
+    </p:extLst>
+  </p:cSld>
+  <p:clrMapOvr>
+    <a:masterClrMapping/>
+  </p:clrMapOvr>
+  <p:timing>
+    <p:tnLst>
+      <p:par>
+        <p:cTn xmlns:p14="http://schemas.microsoft.com/office/powerpoint/2010/main" id="1" dur="indefinite" restart="never" nodeType="tmRoot"/>
+      </p:par>
+    </p:tnLst>
+  </p:timing>
+</p:sld>
+</file>
+
+<file path=ppt/slides/slide27.xml><?xml version="1.0" encoding="utf-8"?>
+<p:sld xmlns:a="http://schemas.openxmlformats.org/drawingml/2006/main" xmlns:r="http://schemas.openxmlformats.org/officeDocument/2006/relationships" xmlns:p="http://schemas.openxmlformats.org/presentationml/2006/main">
+  <p:cSld>
+    <p:spTree>
+      <p:nvGrpSpPr>
+        <p:cNvPr id="1" name=""/>
+        <p:cNvGrpSpPr/>
+        <p:nvPr/>
+      </p:nvGrpSpPr>
+      <p:grpSpPr>
+        <a:xfrm>
+          <a:off x="0" y="0"/>
+          <a:ext cx="0" cy="0"/>
+          <a:chOff x="0" y="0"/>
+          <a:chExt cx="0" cy="0"/>
+        </a:xfrm>
+      </p:grpSpPr>
+      <p:sp>
+        <p:nvSpPr>
+          <p:cNvPr id="2" name="Title 1"/>
+          <p:cNvSpPr>
+            <a:spLocks noGrp="1"/>
+          </p:cNvSpPr>
+          <p:nvPr>
+            <p:ph type="title"/>
+          </p:nvPr>
+        </p:nvSpPr>
+        <p:spPr/>
+        <p:txBody>
+          <a:bodyPr/>
+          <a:lstStyle/>
+          <a:p>
+            <a:r>
+              <a:rPr lang="en-US" dirty="0" smtClean="0"/>
               <a:t>Example</a:t>
             </a:r>
             <a:endParaRPr lang="en-US" dirty="0"/>
@@ -6217,7 +6959,7 @@
 </p:sld>
 </file>
 
-<file path=ppt/slides/slide21.xml><?xml version="1.0" encoding="utf-8"?>
+<file path=ppt/slides/slide28.xml><?xml version="1.0" encoding="utf-8"?>
 <p:sld xmlns:a="http://schemas.openxmlformats.org/drawingml/2006/main" xmlns:r="http://schemas.openxmlformats.org/officeDocument/2006/relationships" xmlns:p="http://schemas.openxmlformats.org/presentationml/2006/main">
   <p:cSld>
     <p:spTree>
@@ -6420,7 +7162,7 @@
 </p:sld>
 </file>
 
-<file path=ppt/slides/slide22.xml><?xml version="1.0" encoding="utf-8"?>
+<file path=ppt/slides/slide29.xml><?xml version="1.0" encoding="utf-8"?>
 <p:sld xmlns:a="http://schemas.openxmlformats.org/drawingml/2006/main" xmlns:r="http://schemas.openxmlformats.org/officeDocument/2006/relationships" xmlns:p="http://schemas.openxmlformats.org/presentationml/2006/main">
   <p:cSld>
     <p:spTree>
@@ -6504,1117 +7246,6 @@
 </p:sld>
 </file>
 
-<file path=ppt/slides/slide23.xml><?xml version="1.0" encoding="utf-8"?>
-<p:sld xmlns:a="http://schemas.openxmlformats.org/drawingml/2006/main" xmlns:r="http://schemas.openxmlformats.org/officeDocument/2006/relationships" xmlns:p="http://schemas.openxmlformats.org/presentationml/2006/main">
-  <p:cSld>
-    <p:spTree>
-      <p:nvGrpSpPr>
-        <p:cNvPr id="1" name=""/>
-        <p:cNvGrpSpPr/>
-        <p:nvPr/>
-      </p:nvGrpSpPr>
-      <p:grpSpPr>
-        <a:xfrm>
-          <a:off x="0" y="0"/>
-          <a:ext cx="0" cy="0"/>
-          <a:chOff x="0" y="0"/>
-          <a:chExt cx="0" cy="0"/>
-        </a:xfrm>
-      </p:grpSpPr>
-      <p:sp>
-        <p:nvSpPr>
-          <p:cNvPr id="2" name="Title 1"/>
-          <p:cNvSpPr>
-            <a:spLocks noGrp="1"/>
-          </p:cNvSpPr>
-          <p:nvPr>
-            <p:ph type="title"/>
-          </p:nvPr>
-        </p:nvSpPr>
-        <p:spPr/>
-        <p:txBody>
-          <a:bodyPr>
-            <a:normAutofit fontScale="90000"/>
-          </a:bodyPr>
-          <a:lstStyle/>
-          <a:p>
-            <a:r>
-              <a:rPr lang="en-US" dirty="0" smtClean="0"/>
-              <a:t>How to count across a cluster?</a:t>
-            </a:r>
-            <a:endParaRPr lang="en-US" dirty="0"/>
-          </a:p>
-        </p:txBody>
-      </p:sp>
-      <p:sp>
-        <p:nvSpPr>
-          <p:cNvPr id="3" name="Content Placeholder 2"/>
-          <p:cNvSpPr>
-            <a:spLocks noGrp="1"/>
-          </p:cNvSpPr>
-          <p:nvPr>
-            <p:ph idx="1"/>
-          </p:nvPr>
-        </p:nvSpPr>
-        <p:spPr/>
-        <p:txBody>
-          <a:bodyPr>
-            <a:normAutofit/>
-          </a:bodyPr>
-          <a:lstStyle/>
-          <a:p>
-            <a:r>
-              <a:rPr lang="en-US" sz="2800" dirty="0" smtClean="0"/>
-              <a:t>Accumulators</a:t>
-            </a:r>
-          </a:p>
-          <a:p>
-            <a:endParaRPr lang="en-US" sz="2800" dirty="0" smtClean="0"/>
-          </a:p>
-          <a:p>
-            <a:pPr marL="0" indent="0">
-              <a:buNone/>
-            </a:pPr>
-            <a:r>
-              <a:rPr lang="en-US" sz="2800" dirty="0" smtClean="0"/>
-              <a:t>	</a:t>
-            </a:r>
-            <a:r>
-              <a:rPr lang="en-US" sz="2800" dirty="0" err="1" smtClean="0">
-                <a:latin typeface="Lucida Console"/>
-                <a:cs typeface="Lucida Console"/>
-              </a:rPr>
-              <a:t>acc</a:t>
-            </a:r>
-            <a:r>
-              <a:rPr lang="en-US" sz="2800" dirty="0" smtClean="0">
-                <a:latin typeface="Lucida Console"/>
-                <a:cs typeface="Lucida Console"/>
-              </a:rPr>
-              <a:t> = </a:t>
-            </a:r>
-            <a:r>
-              <a:rPr lang="en-US" sz="2800" dirty="0" err="1" smtClean="0">
-                <a:latin typeface="Lucida Console"/>
-                <a:cs typeface="Lucida Console"/>
-              </a:rPr>
-              <a:t>sc.accumulator</a:t>
-            </a:r>
-            <a:r>
-              <a:rPr lang="en-US" sz="2800" dirty="0" smtClean="0">
-                <a:latin typeface="Lucida Console"/>
-                <a:cs typeface="Lucida Console"/>
-              </a:rPr>
-              <a:t>()</a:t>
-            </a:r>
-          </a:p>
-          <a:p>
-            <a:pPr marL="0" indent="0">
-              <a:buNone/>
-            </a:pPr>
-            <a:r>
-              <a:rPr lang="en-US" sz="2800" dirty="0" smtClean="0">
-                <a:latin typeface="Lucida Console"/>
-                <a:cs typeface="Lucida Console"/>
-              </a:rPr>
-              <a:t>	</a:t>
-            </a:r>
-            <a:r>
-              <a:rPr lang="en-US" sz="2800" dirty="0" err="1" smtClean="0">
-                <a:latin typeface="Lucida Console"/>
-                <a:cs typeface="Lucida Console"/>
-              </a:rPr>
-              <a:t>rdd</a:t>
-            </a:r>
-            <a:r>
-              <a:rPr lang="en-US" sz="2800" dirty="0" smtClean="0">
-                <a:latin typeface="Lucida Console"/>
-                <a:cs typeface="Lucida Console"/>
-              </a:rPr>
-              <a:t> </a:t>
-            </a:r>
-            <a:r>
-              <a:rPr lang="en-US" sz="2800" dirty="0">
-                <a:latin typeface="Lucida Console"/>
-                <a:cs typeface="Lucida Console"/>
-              </a:rPr>
-              <a:t>= </a:t>
-            </a:r>
-            <a:r>
-              <a:rPr lang="en-US" sz="2800" dirty="0" err="1">
-                <a:latin typeface="Lucida Console"/>
-                <a:cs typeface="Lucida Console"/>
-              </a:rPr>
-              <a:t>sc.parallelize</a:t>
-            </a:r>
-            <a:r>
-              <a:rPr lang="en-US" sz="2800" dirty="0">
-                <a:latin typeface="Lucida Console"/>
-                <a:cs typeface="Lucida Console"/>
-              </a:rPr>
-              <a:t>(data</a:t>
-            </a:r>
-            <a:r>
-              <a:rPr lang="en-US" sz="2800" dirty="0" smtClean="0">
-                <a:latin typeface="Lucida Console"/>
-                <a:cs typeface="Lucida Console"/>
-              </a:rPr>
-              <a:t>)</a:t>
-            </a:r>
-            <a:br>
-              <a:rPr lang="en-US" sz="2800" dirty="0" smtClean="0">
-                <a:latin typeface="Lucida Console"/>
-                <a:cs typeface="Lucida Console"/>
-              </a:rPr>
-            </a:br>
-            <a:r>
-              <a:rPr lang="en-US" sz="2800" dirty="0" smtClean="0">
-                <a:latin typeface="Lucida Console"/>
-                <a:cs typeface="Lucida Console"/>
-              </a:rPr>
-              <a:t>	</a:t>
-            </a:r>
-            <a:r>
-              <a:rPr lang="en-US" sz="2800" dirty="0" err="1" smtClean="0">
-                <a:latin typeface="Lucida Console"/>
-                <a:cs typeface="Lucida Console"/>
-              </a:rPr>
-              <a:t>rdd.foreach</a:t>
-            </a:r>
-            <a:r>
-              <a:rPr lang="en-US" sz="2800" dirty="0" smtClean="0">
-                <a:latin typeface="Lucida Console"/>
-                <a:cs typeface="Lucida Console"/>
-              </a:rPr>
-              <a:t>(lambda x: </a:t>
-            </a:r>
-            <a:r>
-              <a:rPr lang="en-US" sz="2800" dirty="0" err="1" smtClean="0">
-                <a:latin typeface="Lucida Console"/>
-                <a:cs typeface="Lucida Console"/>
-              </a:rPr>
-              <a:t>acc.add</a:t>
-            </a:r>
-            <a:r>
-              <a:rPr lang="en-US" sz="2800" dirty="0" smtClean="0">
-                <a:latin typeface="Lucida Console"/>
-                <a:cs typeface="Lucida Console"/>
-              </a:rPr>
-              <a:t>(x))</a:t>
-            </a:r>
-            <a:endParaRPr lang="en-US" sz="2800" dirty="0">
-              <a:latin typeface="Lucida Console"/>
-              <a:cs typeface="Lucida Console"/>
-            </a:endParaRPr>
-          </a:p>
-          <a:p>
-            <a:pPr marL="0" indent="0">
-              <a:buNone/>
-            </a:pPr>
-            <a:endParaRPr lang="en-US" sz="2800" dirty="0"/>
-          </a:p>
-        </p:txBody>
-      </p:sp>
-    </p:spTree>
-    <p:extLst>
-      <p:ext uri="{BB962C8B-B14F-4D97-AF65-F5344CB8AC3E}">
-        <p14:creationId xmlns:p14="http://schemas.microsoft.com/office/powerpoint/2010/main" val="1340352141"/>
-      </p:ext>
-    </p:extLst>
-  </p:cSld>
-  <p:clrMapOvr>
-    <a:masterClrMapping/>
-  </p:clrMapOvr>
-  <p:timing>
-    <p:tnLst>
-      <p:par>
-        <p:cTn xmlns:p14="http://schemas.microsoft.com/office/powerpoint/2010/main" id="1" dur="indefinite" restart="never" nodeType="tmRoot"/>
-      </p:par>
-    </p:tnLst>
-  </p:timing>
-</p:sld>
-</file>
-
-<file path=ppt/slides/slide24.xml><?xml version="1.0" encoding="utf-8"?>
-<p:sld xmlns:a="http://schemas.openxmlformats.org/drawingml/2006/main" xmlns:r="http://schemas.openxmlformats.org/officeDocument/2006/relationships" xmlns:p="http://schemas.openxmlformats.org/presentationml/2006/main">
-  <p:cSld>
-    <p:spTree>
-      <p:nvGrpSpPr>
-        <p:cNvPr id="1" name=""/>
-        <p:cNvGrpSpPr/>
-        <p:nvPr/>
-      </p:nvGrpSpPr>
-      <p:grpSpPr>
-        <a:xfrm>
-          <a:off x="0" y="0"/>
-          <a:ext cx="0" cy="0"/>
-          <a:chOff x="0" y="0"/>
-          <a:chExt cx="0" cy="0"/>
-        </a:xfrm>
-      </p:grpSpPr>
-      <p:sp>
-        <p:nvSpPr>
-          <p:cNvPr id="2" name="Title 1"/>
-          <p:cNvSpPr>
-            <a:spLocks noGrp="1"/>
-          </p:cNvSpPr>
-          <p:nvPr>
-            <p:ph type="title"/>
-          </p:nvPr>
-        </p:nvSpPr>
-        <p:spPr/>
-        <p:txBody>
-          <a:bodyPr/>
-          <a:lstStyle/>
-          <a:p>
-            <a:r>
-              <a:rPr lang="en-US" dirty="0" smtClean="0"/>
-              <a:t>What also doesn’t work</a:t>
-            </a:r>
-            <a:endParaRPr lang="en-US" dirty="0"/>
-          </a:p>
-        </p:txBody>
-      </p:sp>
-      <p:sp>
-        <p:nvSpPr>
-          <p:cNvPr id="3" name="Content Placeholder 2"/>
-          <p:cNvSpPr>
-            <a:spLocks noGrp="1"/>
-          </p:cNvSpPr>
-          <p:nvPr>
-            <p:ph idx="1"/>
-          </p:nvPr>
-        </p:nvSpPr>
-        <p:spPr/>
-        <p:txBody>
-          <a:bodyPr/>
-          <a:lstStyle/>
-          <a:p>
-            <a:r>
-              <a:rPr lang="en-US" dirty="0" err="1"/>
-              <a:t>rdd.foreach</a:t>
-            </a:r>
-            <a:r>
-              <a:rPr lang="en-US" dirty="0"/>
-              <a:t>(</a:t>
-            </a:r>
-            <a:r>
-              <a:rPr lang="en-US" dirty="0" err="1"/>
-              <a:t>println</a:t>
-            </a:r>
-            <a:r>
-              <a:rPr lang="en-US" dirty="0" smtClean="0"/>
-              <a:t>)</a:t>
-            </a:r>
-          </a:p>
-          <a:p>
-            <a:endParaRPr lang="en-US" dirty="0"/>
-          </a:p>
-          <a:p>
-            <a:r>
-              <a:rPr lang="en-US" dirty="0" smtClean="0"/>
-              <a:t>Of course this </a:t>
-            </a:r>
-            <a:r>
-              <a:rPr lang="en-US" i="1" dirty="0" smtClean="0"/>
-              <a:t>will</a:t>
-            </a:r>
-            <a:r>
-              <a:rPr lang="en-US" dirty="0" smtClean="0"/>
-              <a:t> work when you test in local mode</a:t>
-            </a:r>
-            <a:endParaRPr lang="en-US" dirty="0"/>
-          </a:p>
-        </p:txBody>
-      </p:sp>
-    </p:spTree>
-    <p:extLst>
-      <p:ext uri="{BB962C8B-B14F-4D97-AF65-F5344CB8AC3E}">
-        <p14:creationId xmlns:p14="http://schemas.microsoft.com/office/powerpoint/2010/main" val="2238802243"/>
-      </p:ext>
-    </p:extLst>
-  </p:cSld>
-  <p:clrMapOvr>
-    <a:masterClrMapping/>
-  </p:clrMapOvr>
-  <p:timing>
-    <p:tnLst>
-      <p:par>
-        <p:cTn xmlns:p14="http://schemas.microsoft.com/office/powerpoint/2010/main" id="1" dur="indefinite" restart="never" nodeType="tmRoot"/>
-      </p:par>
-    </p:tnLst>
-  </p:timing>
-</p:sld>
-</file>
-
-<file path=ppt/slides/slide25.xml><?xml version="1.0" encoding="utf-8"?>
-<p:sld xmlns:a="http://schemas.openxmlformats.org/drawingml/2006/main" xmlns:r="http://schemas.openxmlformats.org/officeDocument/2006/relationships" xmlns:p="http://schemas.openxmlformats.org/presentationml/2006/main">
-  <p:cSld>
-    <p:spTree>
-      <p:nvGrpSpPr>
-        <p:cNvPr id="1" name=""/>
-        <p:cNvGrpSpPr/>
-        <p:nvPr/>
-      </p:nvGrpSpPr>
-      <p:grpSpPr>
-        <a:xfrm>
-          <a:off x="0" y="0"/>
-          <a:ext cx="0" cy="0"/>
-          <a:chOff x="0" y="0"/>
-          <a:chExt cx="0" cy="0"/>
-        </a:xfrm>
-      </p:grpSpPr>
-      <p:sp>
-        <p:nvSpPr>
-          <p:cNvPr id="2" name="Title 1"/>
-          <p:cNvSpPr>
-            <a:spLocks noGrp="1"/>
-          </p:cNvSpPr>
-          <p:nvPr>
-            <p:ph type="title"/>
-          </p:nvPr>
-        </p:nvSpPr>
-        <p:spPr/>
-        <p:txBody>
-          <a:bodyPr>
-            <a:normAutofit/>
-          </a:bodyPr>
-          <a:lstStyle/>
-          <a:p>
-            <a:r>
-              <a:rPr lang="en-US" dirty="0" smtClean="0"/>
-              <a:t>Spark packages</a:t>
-            </a:r>
-            <a:endParaRPr lang="en-US" dirty="0"/>
-          </a:p>
-        </p:txBody>
-      </p:sp>
-      <p:sp>
-        <p:nvSpPr>
-          <p:cNvPr id="3" name="Content Placeholder 2"/>
-          <p:cNvSpPr>
-            <a:spLocks noGrp="1"/>
-          </p:cNvSpPr>
-          <p:nvPr>
-            <p:ph idx="1"/>
-          </p:nvPr>
-        </p:nvSpPr>
-        <p:spPr/>
-        <p:txBody>
-          <a:bodyPr/>
-          <a:lstStyle/>
-          <a:p>
-            <a:r>
-              <a:rPr lang="en-US" dirty="0" smtClean="0"/>
-              <a:t>A wide set of plugins</a:t>
-            </a:r>
-          </a:p>
-          <a:p>
-            <a:pPr lvl="1"/>
-            <a:r>
-              <a:rPr lang="en-US" dirty="0" smtClean="0"/>
-              <a:t>Currently 148 community donated plugins</a:t>
-            </a:r>
-          </a:p>
-          <a:p>
-            <a:r>
-              <a:rPr lang="en-US" dirty="0" smtClean="0"/>
-              <a:t> Data connectors	</a:t>
-            </a:r>
-          </a:p>
-          <a:p>
-            <a:pPr lvl="1"/>
-            <a:r>
-              <a:rPr lang="en-US" dirty="0" smtClean="0"/>
-              <a:t>Cassandra, </a:t>
-            </a:r>
-            <a:r>
-              <a:rPr lang="en-US" dirty="0" err="1" smtClean="0"/>
-              <a:t>Couchbase</a:t>
-            </a:r>
-            <a:r>
-              <a:rPr lang="en-US" dirty="0" smtClean="0"/>
-              <a:t>, Mongo, CSV, </a:t>
-            </a:r>
-            <a:r>
-              <a:rPr lang="en-US" dirty="0" err="1" smtClean="0"/>
-              <a:t>etc</a:t>
-            </a:r>
-            <a:endParaRPr lang="en-US" dirty="0" smtClean="0"/>
-          </a:p>
-          <a:p>
-            <a:r>
-              <a:rPr lang="en-US" dirty="0" smtClean="0"/>
-              <a:t>Machine Learning, Neural networks</a:t>
-            </a:r>
-          </a:p>
-          <a:p>
-            <a:r>
-              <a:rPr lang="en-US" dirty="0" smtClean="0"/>
-              <a:t>Streaming</a:t>
-            </a:r>
-          </a:p>
-          <a:p>
-            <a:r>
-              <a:rPr lang="en-US" dirty="0" err="1" smtClean="0"/>
-              <a:t>etc</a:t>
-            </a:r>
-            <a:endParaRPr lang="en-US" dirty="0"/>
-          </a:p>
-        </p:txBody>
-      </p:sp>
-    </p:spTree>
-    <p:extLst>
-      <p:ext uri="{BB962C8B-B14F-4D97-AF65-F5344CB8AC3E}">
-        <p14:creationId xmlns:p14="http://schemas.microsoft.com/office/powerpoint/2010/main" val="2454011762"/>
-      </p:ext>
-    </p:extLst>
-  </p:cSld>
-  <p:clrMapOvr>
-    <a:masterClrMapping/>
-  </p:clrMapOvr>
-  <p:timing>
-    <p:tnLst>
-      <p:par>
-        <p:cTn xmlns:p14="http://schemas.microsoft.com/office/powerpoint/2010/main" id="1" dur="indefinite" restart="never" nodeType="tmRoot"/>
-      </p:par>
-    </p:tnLst>
-  </p:timing>
-</p:sld>
-</file>
-
-<file path=ppt/slides/slide26.xml><?xml version="1.0" encoding="utf-8"?>
-<p:sld xmlns:a="http://schemas.openxmlformats.org/drawingml/2006/main" xmlns:r="http://schemas.openxmlformats.org/officeDocument/2006/relationships" xmlns:p="http://schemas.openxmlformats.org/presentationml/2006/main">
-  <p:cSld>
-    <p:spTree>
-      <p:nvGrpSpPr>
-        <p:cNvPr id="1" name=""/>
-        <p:cNvGrpSpPr/>
-        <p:nvPr/>
-      </p:nvGrpSpPr>
-      <p:grpSpPr>
-        <a:xfrm>
-          <a:off x="0" y="0"/>
-          <a:ext cx="0" cy="0"/>
-          <a:chOff x="0" y="0"/>
-          <a:chExt cx="0" cy="0"/>
-        </a:xfrm>
-      </p:grpSpPr>
-      <p:sp>
-        <p:nvSpPr>
-          <p:cNvPr id="2" name="Title 1"/>
-          <p:cNvSpPr>
-            <a:spLocks noGrp="1"/>
-          </p:cNvSpPr>
-          <p:nvPr>
-            <p:ph type="title"/>
-          </p:nvPr>
-        </p:nvSpPr>
-        <p:spPr/>
-        <p:txBody>
-          <a:bodyPr/>
-          <a:lstStyle/>
-          <a:p>
-            <a:r>
-              <a:rPr lang="en-US" dirty="0" smtClean="0"/>
-              <a:t>Using Spark Packages</a:t>
-            </a:r>
-            <a:endParaRPr lang="en-US" dirty="0"/>
-          </a:p>
-        </p:txBody>
-      </p:sp>
-      <p:sp>
-        <p:nvSpPr>
-          <p:cNvPr id="3" name="Content Placeholder 2"/>
-          <p:cNvSpPr>
-            <a:spLocks noGrp="1"/>
-          </p:cNvSpPr>
-          <p:nvPr>
-            <p:ph idx="1"/>
-          </p:nvPr>
-        </p:nvSpPr>
-        <p:spPr/>
-        <p:txBody>
-          <a:bodyPr/>
-          <a:lstStyle/>
-          <a:p>
-            <a:pPr marL="0" indent="0">
-              <a:buNone/>
-            </a:pPr>
-            <a:r>
-              <a:rPr lang="en-US" dirty="0" smtClean="0"/>
-              <a:t>Automatic download from the web:</a:t>
-            </a:r>
-          </a:p>
-          <a:p>
-            <a:pPr marL="0" indent="0">
-              <a:buNone/>
-            </a:pPr>
-            <a:endParaRPr lang="en-US" dirty="0"/>
-          </a:p>
-          <a:p>
-            <a:pPr marL="0" indent="0">
-              <a:buNone/>
-            </a:pPr>
-            <a:endParaRPr lang="en-US" dirty="0" smtClean="0"/>
-          </a:p>
-          <a:p>
-            <a:pPr marL="0" indent="0">
-              <a:buNone/>
-            </a:pPr>
-            <a:r>
-              <a:rPr lang="en-US" sz="2400" dirty="0" smtClean="0"/>
-              <a:t>bin</a:t>
-            </a:r>
-            <a:r>
-              <a:rPr lang="en-US" sz="2400" dirty="0"/>
-              <a:t>/spark-shell </a:t>
-            </a:r>
-            <a:endParaRPr lang="en-US" sz="2400" dirty="0" smtClean="0"/>
-          </a:p>
-          <a:p>
-            <a:pPr marL="457200" lvl="1" indent="0">
-              <a:buNone/>
-            </a:pPr>
-            <a:r>
-              <a:rPr lang="en-US" sz="2400" dirty="0" smtClean="0"/>
-              <a:t>-</a:t>
-            </a:r>
-            <a:r>
-              <a:rPr lang="en-US" sz="2400" dirty="0"/>
-              <a:t>-packages com.databricks:spark-csv_2.11:1.2.0</a:t>
-            </a:r>
-          </a:p>
-        </p:txBody>
-      </p:sp>
-    </p:spTree>
-    <p:extLst>
-      <p:ext uri="{BB962C8B-B14F-4D97-AF65-F5344CB8AC3E}">
-        <p14:creationId xmlns:p14="http://schemas.microsoft.com/office/powerpoint/2010/main" val="2390105459"/>
-      </p:ext>
-    </p:extLst>
-  </p:cSld>
-  <p:clrMapOvr>
-    <a:masterClrMapping/>
-  </p:clrMapOvr>
-  <p:timing>
-    <p:tnLst>
-      <p:par>
-        <p:cTn xmlns:p14="http://schemas.microsoft.com/office/powerpoint/2010/main" id="1" dur="indefinite" restart="never" nodeType="tmRoot"/>
-      </p:par>
-    </p:tnLst>
-  </p:timing>
-</p:sld>
-</file>
-
-<file path=ppt/slides/slide27.xml><?xml version="1.0" encoding="utf-8"?>
-<p:sld xmlns:a="http://schemas.openxmlformats.org/drawingml/2006/main" xmlns:r="http://schemas.openxmlformats.org/officeDocument/2006/relationships" xmlns:p="http://schemas.openxmlformats.org/presentationml/2006/main">
-  <p:cSld>
-    <p:spTree>
-      <p:nvGrpSpPr>
-        <p:cNvPr id="1" name=""/>
-        <p:cNvGrpSpPr/>
-        <p:nvPr/>
-      </p:nvGrpSpPr>
-      <p:grpSpPr>
-        <a:xfrm>
-          <a:off x="0" y="0"/>
-          <a:ext cx="0" cy="0"/>
-          <a:chOff x="0" y="0"/>
-          <a:chExt cx="0" cy="0"/>
-        </a:xfrm>
-      </p:grpSpPr>
-      <p:sp>
-        <p:nvSpPr>
-          <p:cNvPr id="2" name="Title 1"/>
-          <p:cNvSpPr>
-            <a:spLocks noGrp="1"/>
-          </p:cNvSpPr>
-          <p:nvPr>
-            <p:ph type="title"/>
-          </p:nvPr>
-        </p:nvSpPr>
-        <p:spPr/>
-        <p:txBody>
-          <a:bodyPr/>
-          <a:lstStyle/>
-          <a:p>
-            <a:r>
-              <a:rPr lang="en-US" dirty="0" smtClean="0"/>
-              <a:t>Time for a lab!</a:t>
-            </a:r>
-            <a:endParaRPr lang="en-US" dirty="0"/>
-          </a:p>
-        </p:txBody>
-      </p:sp>
-    </p:spTree>
-    <p:extLst>
-      <p:ext uri="{BB962C8B-B14F-4D97-AF65-F5344CB8AC3E}">
-        <p14:creationId xmlns:p14="http://schemas.microsoft.com/office/powerpoint/2010/main" val="816383995"/>
-      </p:ext>
-    </p:extLst>
-  </p:cSld>
-  <p:clrMapOvr>
-    <a:masterClrMapping/>
-  </p:clrMapOvr>
-  <p:timing>
-    <p:tnLst>
-      <p:par>
-        <p:cTn xmlns:p14="http://schemas.microsoft.com/office/powerpoint/2010/main" id="1" dur="indefinite" restart="never" nodeType="tmRoot"/>
-      </p:par>
-    </p:tnLst>
-  </p:timing>
-</p:sld>
-</file>
-
-<file path=ppt/slides/slide28.xml><?xml version="1.0" encoding="utf-8"?>
-<p:sld xmlns:a="http://schemas.openxmlformats.org/drawingml/2006/main" xmlns:r="http://schemas.openxmlformats.org/officeDocument/2006/relationships" xmlns:p="http://schemas.openxmlformats.org/presentationml/2006/main">
-  <p:cSld>
-    <p:spTree>
-      <p:nvGrpSpPr>
-        <p:cNvPr id="1" name=""/>
-        <p:cNvGrpSpPr/>
-        <p:nvPr/>
-      </p:nvGrpSpPr>
-      <p:grpSpPr>
-        <a:xfrm>
-          <a:off x="0" y="0"/>
-          <a:ext cx="0" cy="0"/>
-          <a:chOff x="0" y="0"/>
-          <a:chExt cx="0" cy="0"/>
-        </a:xfrm>
-      </p:grpSpPr>
-      <p:sp>
-        <p:nvSpPr>
-          <p:cNvPr id="2" name="Title 1"/>
-          <p:cNvSpPr>
-            <a:spLocks noGrp="1"/>
-          </p:cNvSpPr>
-          <p:nvPr>
-            <p:ph type="title"/>
-          </p:nvPr>
-        </p:nvSpPr>
-        <p:spPr/>
-        <p:txBody>
-          <a:bodyPr/>
-          <a:lstStyle/>
-          <a:p>
-            <a:r>
-              <a:rPr lang="en-US" dirty="0" smtClean="0"/>
-              <a:t>Locality</a:t>
-            </a:r>
-            <a:endParaRPr lang="en-US" dirty="0"/>
-          </a:p>
-        </p:txBody>
-      </p:sp>
-      <p:sp>
-        <p:nvSpPr>
-          <p:cNvPr id="3" name="Content Placeholder 2"/>
-          <p:cNvSpPr>
-            <a:spLocks noGrp="1"/>
-          </p:cNvSpPr>
-          <p:nvPr>
-            <p:ph idx="1"/>
-          </p:nvPr>
-        </p:nvSpPr>
-        <p:spPr/>
-        <p:txBody>
-          <a:bodyPr/>
-          <a:lstStyle/>
-          <a:p>
-            <a:r>
-              <a:rPr lang="en-US" dirty="0" smtClean="0"/>
-              <a:t>Spark understands the locality of data:</a:t>
-            </a:r>
-          </a:p>
-          <a:p>
-            <a:pPr lvl="1"/>
-            <a:r>
-              <a:rPr lang="en-US" dirty="0" smtClean="0"/>
-              <a:t>Already in memory</a:t>
-            </a:r>
-          </a:p>
-          <a:p>
-            <a:pPr lvl="1"/>
-            <a:r>
-              <a:rPr lang="en-US" dirty="0" smtClean="0"/>
-              <a:t>HDFS location</a:t>
-            </a:r>
-          </a:p>
-          <a:p>
-            <a:pPr lvl="1"/>
-            <a:r>
-              <a:rPr lang="en-US" dirty="0" smtClean="0"/>
-              <a:t>Cassandra location</a:t>
-            </a:r>
-            <a:endParaRPr lang="en-US" dirty="0"/>
-          </a:p>
-        </p:txBody>
-      </p:sp>
-    </p:spTree>
-    <p:extLst>
-      <p:ext uri="{BB962C8B-B14F-4D97-AF65-F5344CB8AC3E}">
-        <p14:creationId xmlns:p14="http://schemas.microsoft.com/office/powerpoint/2010/main" val="546616968"/>
-      </p:ext>
-    </p:extLst>
-  </p:cSld>
-  <p:clrMapOvr>
-    <a:masterClrMapping/>
-  </p:clrMapOvr>
-  <p:timing>
-    <p:tnLst>
-      <p:par>
-        <p:cTn xmlns:p14="http://schemas.microsoft.com/office/powerpoint/2010/main" id="1" dur="indefinite" restart="never" nodeType="tmRoot"/>
-      </p:par>
-    </p:tnLst>
-  </p:timing>
-</p:sld>
-</file>
-
-<file path=ppt/slides/slide29.xml><?xml version="1.0" encoding="utf-8"?>
-<p:sld xmlns:a="http://schemas.openxmlformats.org/drawingml/2006/main" xmlns:r="http://schemas.openxmlformats.org/officeDocument/2006/relationships" xmlns:p="http://schemas.openxmlformats.org/presentationml/2006/main">
-  <p:cSld>
-    <p:spTree>
-      <p:nvGrpSpPr>
-        <p:cNvPr id="1" name=""/>
-        <p:cNvGrpSpPr/>
-        <p:nvPr/>
-      </p:nvGrpSpPr>
-      <p:grpSpPr>
-        <a:xfrm>
-          <a:off x="0" y="0"/>
-          <a:ext cx="0" cy="0"/>
-          <a:chOff x="0" y="0"/>
-          <a:chExt cx="0" cy="0"/>
-        </a:xfrm>
-      </p:grpSpPr>
-      <p:sp>
-        <p:nvSpPr>
-          <p:cNvPr id="2" name="Title 1"/>
-          <p:cNvSpPr>
-            <a:spLocks noGrp="1"/>
-          </p:cNvSpPr>
-          <p:nvPr>
-            <p:ph type="title"/>
-          </p:nvPr>
-        </p:nvSpPr>
-        <p:spPr/>
-        <p:txBody>
-          <a:bodyPr/>
-          <a:lstStyle/>
-          <a:p>
-            <a:r>
-              <a:rPr lang="en-US" dirty="0" smtClean="0"/>
-              <a:t>Spark Extras</a:t>
-            </a:r>
-            <a:endParaRPr lang="en-US" dirty="0"/>
-          </a:p>
-        </p:txBody>
-      </p:sp>
-      <p:sp>
-        <p:nvSpPr>
-          <p:cNvPr id="4" name="Rounded Rectangle 3"/>
-          <p:cNvSpPr/>
-          <p:nvPr/>
-        </p:nvSpPr>
-        <p:spPr>
-          <a:xfrm>
-            <a:off x="812800" y="4510708"/>
-            <a:ext cx="7467600" cy="1117600"/>
-          </a:xfrm>
-          <a:prstGeom prst="roundRect">
-            <a:avLst/>
-          </a:prstGeom>
-        </p:spPr>
-        <p:style>
-          <a:lnRef idx="1">
-            <a:schemeClr val="accent1"/>
-          </a:lnRef>
-          <a:fillRef idx="2">
-            <a:schemeClr val="accent1"/>
-          </a:fillRef>
-          <a:effectRef idx="1">
-            <a:schemeClr val="accent1"/>
-          </a:effectRef>
-          <a:fontRef idx="minor">
-            <a:schemeClr val="dk1"/>
-          </a:fontRef>
-        </p:style>
-        <p:txBody>
-          <a:bodyPr rtlCol="0" anchor="ctr"/>
-          <a:lstStyle/>
-          <a:p>
-            <a:pPr algn="ctr"/>
-            <a:r>
-              <a:rPr lang="en-US" sz="2800" dirty="0" smtClean="0">
-                <a:latin typeface="Montserrat"/>
-              </a:rPr>
-              <a:t>Spark Core</a:t>
-            </a:r>
-            <a:endParaRPr lang="en-US" sz="2800" dirty="0">
-              <a:latin typeface="Montserrat"/>
-            </a:endParaRPr>
-          </a:p>
-        </p:txBody>
-      </p:sp>
-      <p:sp>
-        <p:nvSpPr>
-          <p:cNvPr id="5" name="Rounded Rectangle 4"/>
-          <p:cNvSpPr/>
-          <p:nvPr/>
-        </p:nvSpPr>
-        <p:spPr>
-          <a:xfrm>
-            <a:off x="812800" y="1902148"/>
-            <a:ext cx="1371600" cy="2463800"/>
-          </a:xfrm>
-          <a:prstGeom prst="roundRect">
-            <a:avLst/>
-          </a:prstGeom>
-        </p:spPr>
-        <p:style>
-          <a:lnRef idx="1">
-            <a:schemeClr val="accent4"/>
-          </a:lnRef>
-          <a:fillRef idx="2">
-            <a:schemeClr val="accent4"/>
-          </a:fillRef>
-          <a:effectRef idx="1">
-            <a:schemeClr val="accent4"/>
-          </a:effectRef>
-          <a:fontRef idx="minor">
-            <a:schemeClr val="dk1"/>
-          </a:fontRef>
-        </p:style>
-        <p:txBody>
-          <a:bodyPr rtlCol="0" anchor="ctr"/>
-          <a:lstStyle/>
-          <a:p>
-            <a:pPr algn="ctr"/>
-            <a:r>
-              <a:rPr lang="en-US" sz="1400" dirty="0" smtClean="0">
-                <a:latin typeface="Montserrat"/>
-              </a:rPr>
-              <a:t>Spark </a:t>
-            </a:r>
-          </a:p>
-          <a:p>
-            <a:pPr algn="ctr"/>
-            <a:r>
-              <a:rPr lang="en-US" sz="1400" dirty="0" smtClean="0">
-                <a:latin typeface="Montserrat"/>
-              </a:rPr>
-              <a:t>SQL</a:t>
-            </a:r>
-            <a:endParaRPr lang="en-US" sz="1400" dirty="0">
-              <a:latin typeface="Montserrat"/>
-            </a:endParaRPr>
-          </a:p>
-        </p:txBody>
-      </p:sp>
-      <p:sp>
-        <p:nvSpPr>
-          <p:cNvPr id="6" name="Rounded Rectangle 5"/>
-          <p:cNvSpPr/>
-          <p:nvPr/>
-        </p:nvSpPr>
-        <p:spPr>
-          <a:xfrm>
-            <a:off x="2336800" y="1902148"/>
-            <a:ext cx="1371600" cy="2463800"/>
-          </a:xfrm>
-          <a:prstGeom prst="roundRect">
-            <a:avLst/>
-          </a:prstGeom>
-        </p:spPr>
-        <p:style>
-          <a:lnRef idx="1">
-            <a:schemeClr val="accent4"/>
-          </a:lnRef>
-          <a:fillRef idx="2">
-            <a:schemeClr val="accent4"/>
-          </a:fillRef>
-          <a:effectRef idx="1">
-            <a:schemeClr val="accent4"/>
-          </a:effectRef>
-          <a:fontRef idx="minor">
-            <a:schemeClr val="dk1"/>
-          </a:fontRef>
-        </p:style>
-        <p:txBody>
-          <a:bodyPr rtlCol="0" anchor="ctr"/>
-          <a:lstStyle/>
-          <a:p>
-            <a:pPr algn="ctr"/>
-            <a:r>
-              <a:rPr lang="en-US" sz="1400" dirty="0" smtClean="0">
-                <a:latin typeface="Montserrat"/>
-              </a:rPr>
-              <a:t>Spark Streaming</a:t>
-            </a:r>
-            <a:endParaRPr lang="en-US" sz="1400" dirty="0">
-              <a:latin typeface="Montserrat"/>
-            </a:endParaRPr>
-          </a:p>
-        </p:txBody>
-      </p:sp>
-      <p:sp>
-        <p:nvSpPr>
-          <p:cNvPr id="7" name="Rounded Rectangle 6"/>
-          <p:cNvSpPr/>
-          <p:nvPr/>
-        </p:nvSpPr>
-        <p:spPr>
-          <a:xfrm>
-            <a:off x="3860800" y="1902148"/>
-            <a:ext cx="1371600" cy="2463800"/>
-          </a:xfrm>
-          <a:prstGeom prst="roundRect">
-            <a:avLst/>
-          </a:prstGeom>
-        </p:spPr>
-        <p:style>
-          <a:lnRef idx="1">
-            <a:schemeClr val="accent4"/>
-          </a:lnRef>
-          <a:fillRef idx="2">
-            <a:schemeClr val="accent4"/>
-          </a:fillRef>
-          <a:effectRef idx="1">
-            <a:schemeClr val="accent4"/>
-          </a:effectRef>
-          <a:fontRef idx="minor">
-            <a:schemeClr val="dk1"/>
-          </a:fontRef>
-        </p:style>
-        <p:txBody>
-          <a:bodyPr rtlCol="0" anchor="ctr"/>
-          <a:lstStyle/>
-          <a:p>
-            <a:pPr algn="ctr"/>
-            <a:r>
-              <a:rPr lang="en-US" sz="1400" dirty="0" smtClean="0">
-                <a:latin typeface="Montserrat"/>
-              </a:rPr>
-              <a:t>Spark</a:t>
-            </a:r>
-          </a:p>
-          <a:p>
-            <a:pPr algn="ctr"/>
-            <a:r>
-              <a:rPr lang="en-US" sz="1400" dirty="0" smtClean="0">
-                <a:latin typeface="Montserrat"/>
-              </a:rPr>
-              <a:t>MLlib	</a:t>
-            </a:r>
-          </a:p>
-        </p:txBody>
-      </p:sp>
-      <p:sp>
-        <p:nvSpPr>
-          <p:cNvPr id="8" name="Rounded Rectangle 7"/>
-          <p:cNvSpPr/>
-          <p:nvPr/>
-        </p:nvSpPr>
-        <p:spPr>
-          <a:xfrm>
-            <a:off x="5384800" y="1902148"/>
-            <a:ext cx="1371600" cy="2463800"/>
-          </a:xfrm>
-          <a:prstGeom prst="roundRect">
-            <a:avLst/>
-          </a:prstGeom>
-        </p:spPr>
-        <p:style>
-          <a:lnRef idx="1">
-            <a:schemeClr val="accent4"/>
-          </a:lnRef>
-          <a:fillRef idx="2">
-            <a:schemeClr val="accent4"/>
-          </a:fillRef>
-          <a:effectRef idx="1">
-            <a:schemeClr val="accent4"/>
-          </a:effectRef>
-          <a:fontRef idx="minor">
-            <a:schemeClr val="dk1"/>
-          </a:fontRef>
-        </p:style>
-        <p:txBody>
-          <a:bodyPr rtlCol="0" anchor="ctr"/>
-          <a:lstStyle/>
-          <a:p>
-            <a:pPr algn="ctr"/>
-            <a:r>
-              <a:rPr lang="en-US" sz="1400" dirty="0" err="1" smtClean="0">
-                <a:latin typeface="Montserrat"/>
-              </a:rPr>
-              <a:t>SparkR</a:t>
-            </a:r>
-            <a:endParaRPr lang="en-US" sz="1400" dirty="0">
-              <a:latin typeface="Montserrat"/>
-            </a:endParaRPr>
-          </a:p>
-        </p:txBody>
-      </p:sp>
-      <p:sp>
-        <p:nvSpPr>
-          <p:cNvPr id="9" name="Rounded Rectangle 8"/>
-          <p:cNvSpPr/>
-          <p:nvPr/>
-        </p:nvSpPr>
-        <p:spPr>
-          <a:xfrm>
-            <a:off x="6908800" y="1902148"/>
-            <a:ext cx="1371600" cy="2463800"/>
-          </a:xfrm>
-          <a:prstGeom prst="roundRect">
-            <a:avLst/>
-          </a:prstGeom>
-        </p:spPr>
-        <p:style>
-          <a:lnRef idx="1">
-            <a:schemeClr val="accent4"/>
-          </a:lnRef>
-          <a:fillRef idx="2">
-            <a:schemeClr val="accent4"/>
-          </a:fillRef>
-          <a:effectRef idx="1">
-            <a:schemeClr val="accent4"/>
-          </a:effectRef>
-          <a:fontRef idx="minor">
-            <a:schemeClr val="dk1"/>
-          </a:fontRef>
-        </p:style>
-        <p:txBody>
-          <a:bodyPr rtlCol="0" anchor="ctr"/>
-          <a:lstStyle/>
-          <a:p>
-            <a:pPr algn="ctr"/>
-            <a:r>
-              <a:rPr lang="en-US" sz="1400" dirty="0" err="1" smtClean="0">
-                <a:latin typeface="Montserrat"/>
-              </a:rPr>
-              <a:t>GraphX</a:t>
-            </a:r>
-            <a:endParaRPr lang="en-US" sz="1400" dirty="0">
-              <a:latin typeface="Montserrat"/>
-            </a:endParaRPr>
-          </a:p>
-        </p:txBody>
-      </p:sp>
-    </p:spTree>
-    <p:extLst>
-      <p:ext uri="{BB962C8B-B14F-4D97-AF65-F5344CB8AC3E}">
-        <p14:creationId xmlns:p14="http://schemas.microsoft.com/office/powerpoint/2010/main" val="1179171226"/>
-      </p:ext>
-    </p:extLst>
-  </p:cSld>
-  <p:clrMapOvr>
-    <a:masterClrMapping/>
-  </p:clrMapOvr>
-</p:sld>
-</file>
-
 <file path=ppt/slides/slide3.xml><?xml version="1.0" encoding="utf-8"?>
 <p:sld xmlns:a="http://schemas.openxmlformats.org/drawingml/2006/main" xmlns:r="http://schemas.openxmlformats.org/officeDocument/2006/relationships" xmlns:p="http://schemas.openxmlformats.org/presentationml/2006/main">
   <p:cSld>
@@ -7767,127 +7398,205 @@
         </p:nvSpPr>
         <p:spPr/>
         <p:txBody>
-          <a:bodyPr/>
-          <a:lstStyle/>
-          <a:p>
-            <a:r>
-              <a:rPr lang="en-US" dirty="0" smtClean="0"/>
-              <a:t>Spark Extras</a:t>
-            </a:r>
-            <a:endParaRPr lang="en-US" dirty="0"/>
-          </a:p>
-        </p:txBody>
-      </p:sp>
-      <p:sp>
-        <p:nvSpPr>
-          <p:cNvPr id="3" name="Content Placeholder 2"/>
-          <p:cNvSpPr>
-            <a:spLocks noGrp="1"/>
-          </p:cNvSpPr>
-          <p:nvPr>
-            <p:ph idx="1"/>
-          </p:nvPr>
-        </p:nvSpPr>
-        <p:spPr/>
-        <p:txBody>
           <a:bodyPr>
-            <a:normAutofit fontScale="92500" lnSpcReduction="20000"/>
+            <a:normAutofit fontScale="90000"/>
           </a:bodyPr>
           <a:lstStyle/>
           <a:p>
             <a:r>
               <a:rPr lang="en-US" dirty="0" smtClean="0"/>
-              <a:t>Spark SQL</a:t>
-            </a:r>
-          </a:p>
-          <a:p>
-            <a:pPr lvl="1"/>
-            <a:r>
-              <a:rPr lang="en-US" dirty="0" smtClean="0"/>
-              <a:t>Like Apache Hive – use SQL in Spark</a:t>
-            </a:r>
-          </a:p>
-          <a:p>
-            <a:r>
-              <a:rPr lang="en-US" dirty="0" smtClean="0"/>
-              <a:t>Spark Streaming	</a:t>
-            </a:r>
-          </a:p>
-          <a:p>
-            <a:pPr lvl="1"/>
-            <a:r>
-              <a:rPr lang="en-US" dirty="0" err="1" smtClean="0"/>
-              <a:t>Realtime</a:t>
-            </a:r>
-            <a:r>
-              <a:rPr lang="en-US" dirty="0" smtClean="0"/>
-              <a:t> analysis </a:t>
-            </a:r>
-            <a:r>
-              <a:rPr lang="en-US" smtClean="0"/>
-              <a:t>in Spark</a:t>
-            </a:r>
-            <a:endParaRPr lang="en-US" dirty="0" smtClean="0"/>
-          </a:p>
-          <a:p>
-            <a:r>
-              <a:rPr lang="en-US" dirty="0" smtClean="0"/>
-              <a:t>Spark </a:t>
-            </a:r>
-            <a:r>
-              <a:rPr lang="en-US" dirty="0" err="1" smtClean="0"/>
-              <a:t>MLLib</a:t>
-            </a:r>
-            <a:endParaRPr lang="en-US" dirty="0" smtClean="0"/>
-          </a:p>
-          <a:p>
-            <a:pPr lvl="1"/>
-            <a:r>
-              <a:rPr lang="en-US" dirty="0" smtClean="0"/>
-              <a:t>Like Mahout – Machine learning in Spark</a:t>
-            </a:r>
-          </a:p>
-          <a:p>
-            <a:r>
-              <a:rPr lang="en-US" dirty="0" err="1" smtClean="0"/>
-              <a:t>GraphX</a:t>
-            </a:r>
-            <a:endParaRPr lang="en-US" dirty="0" smtClean="0"/>
-          </a:p>
-          <a:p>
-            <a:pPr lvl="1"/>
-            <a:r>
-              <a:rPr lang="en-US" dirty="0" smtClean="0"/>
-              <a:t>Graph processing in Spark</a:t>
-            </a:r>
-          </a:p>
-          <a:p>
-            <a:r>
-              <a:rPr lang="en-US" dirty="0" err="1" smtClean="0"/>
-              <a:t>SparkR</a:t>
-            </a:r>
-            <a:endParaRPr lang="en-US" dirty="0" smtClean="0"/>
-          </a:p>
-          <a:p>
-            <a:pPr lvl="1"/>
-            <a:r>
-              <a:rPr lang="en-US" dirty="0" smtClean="0"/>
-              <a:t>R statistical analysis on Spark</a:t>
+              <a:t>How to count across a cluster?</a:t>
             </a:r>
             <a:endParaRPr lang="en-US" dirty="0"/>
+          </a:p>
+        </p:txBody>
+      </p:sp>
+      <p:sp>
+        <p:nvSpPr>
+          <p:cNvPr id="3" name="Content Placeholder 2"/>
+          <p:cNvSpPr>
+            <a:spLocks noGrp="1"/>
+          </p:cNvSpPr>
+          <p:nvPr>
+            <p:ph idx="1"/>
+          </p:nvPr>
+        </p:nvSpPr>
+        <p:spPr/>
+        <p:txBody>
+          <a:bodyPr>
+            <a:normAutofit/>
+          </a:bodyPr>
+          <a:lstStyle/>
+          <a:p>
+            <a:r>
+              <a:rPr lang="en-US" sz="2800" dirty="0" smtClean="0"/>
+              <a:t>Accumulators</a:t>
+            </a:r>
+          </a:p>
+          <a:p>
+            <a:endParaRPr lang="en-US" sz="2800" dirty="0" smtClean="0"/>
+          </a:p>
+          <a:p>
+            <a:pPr marL="0" indent="0">
+              <a:buNone/>
+            </a:pPr>
+            <a:r>
+              <a:rPr lang="en-US" sz="2800" dirty="0" smtClean="0"/>
+              <a:t>	</a:t>
+            </a:r>
+            <a:r>
+              <a:rPr lang="en-US" sz="2800" dirty="0" err="1" smtClean="0">
+                <a:latin typeface="Lucida Console"/>
+                <a:cs typeface="Lucida Console"/>
+              </a:rPr>
+              <a:t>acc</a:t>
+            </a:r>
+            <a:r>
+              <a:rPr lang="en-US" sz="2800" dirty="0" smtClean="0">
+                <a:latin typeface="Lucida Console"/>
+                <a:cs typeface="Lucida Console"/>
+              </a:rPr>
+              <a:t> = </a:t>
+            </a:r>
+            <a:r>
+              <a:rPr lang="en-US" sz="2800" dirty="0" err="1" smtClean="0">
+                <a:latin typeface="Lucida Console"/>
+                <a:cs typeface="Lucida Console"/>
+              </a:rPr>
+              <a:t>sc.accumulator</a:t>
+            </a:r>
+            <a:r>
+              <a:rPr lang="en-US" sz="2800" dirty="0" smtClean="0">
+                <a:latin typeface="Lucida Console"/>
+                <a:cs typeface="Lucida Console"/>
+              </a:rPr>
+              <a:t>()</a:t>
+            </a:r>
+          </a:p>
+          <a:p>
+            <a:pPr marL="0" indent="0">
+              <a:buNone/>
+            </a:pPr>
+            <a:r>
+              <a:rPr lang="en-US" sz="2800" dirty="0" smtClean="0">
+                <a:latin typeface="Lucida Console"/>
+                <a:cs typeface="Lucida Console"/>
+              </a:rPr>
+              <a:t>	</a:t>
+            </a:r>
+            <a:r>
+              <a:rPr lang="en-US" sz="2800" dirty="0" err="1" smtClean="0">
+                <a:latin typeface="Lucida Console"/>
+                <a:cs typeface="Lucida Console"/>
+              </a:rPr>
+              <a:t>rdd</a:t>
+            </a:r>
+            <a:r>
+              <a:rPr lang="en-US" sz="2800" dirty="0" smtClean="0">
+                <a:latin typeface="Lucida Console"/>
+                <a:cs typeface="Lucida Console"/>
+              </a:rPr>
+              <a:t> </a:t>
+            </a:r>
+            <a:r>
+              <a:rPr lang="en-US" sz="2800" dirty="0">
+                <a:latin typeface="Lucida Console"/>
+                <a:cs typeface="Lucida Console"/>
+              </a:rPr>
+              <a:t>= </a:t>
+            </a:r>
+            <a:r>
+              <a:rPr lang="en-US" sz="2800" dirty="0" err="1">
+                <a:latin typeface="Lucida Console"/>
+                <a:cs typeface="Lucida Console"/>
+              </a:rPr>
+              <a:t>sc.parallelize</a:t>
+            </a:r>
+            <a:r>
+              <a:rPr lang="en-US" sz="2800" dirty="0">
+                <a:latin typeface="Lucida Console"/>
+                <a:cs typeface="Lucida Console"/>
+              </a:rPr>
+              <a:t>(data</a:t>
+            </a:r>
+            <a:r>
+              <a:rPr lang="en-US" sz="2800" dirty="0" smtClean="0">
+                <a:latin typeface="Lucida Console"/>
+                <a:cs typeface="Lucida Console"/>
+              </a:rPr>
+              <a:t>)</a:t>
+            </a:r>
+            <a:br>
+              <a:rPr lang="en-US" sz="2800" dirty="0" smtClean="0">
+                <a:latin typeface="Lucida Console"/>
+                <a:cs typeface="Lucida Console"/>
+              </a:rPr>
+            </a:br>
+            <a:r>
+              <a:rPr lang="en-US" sz="2800" dirty="0" smtClean="0">
+                <a:latin typeface="Lucida Console"/>
+                <a:cs typeface="Lucida Console"/>
+              </a:rPr>
+              <a:t>	</a:t>
+            </a:r>
+            <a:r>
+              <a:rPr lang="en-US" sz="2800" dirty="0" err="1" smtClean="0">
+                <a:latin typeface="Lucida Console"/>
+                <a:cs typeface="Lucida Console"/>
+              </a:rPr>
+              <a:t>rdd.foreach</a:t>
+            </a:r>
+            <a:r>
+              <a:rPr lang="en-US" sz="2800" dirty="0" smtClean="0">
+                <a:latin typeface="Lucida Console"/>
+                <a:cs typeface="Lucida Console"/>
+              </a:rPr>
+              <a:t>(lambda x: </a:t>
+            </a:r>
+            <a:r>
+              <a:rPr lang="en-US" sz="2800" dirty="0" err="1" smtClean="0">
+                <a:latin typeface="Lucida Console"/>
+                <a:cs typeface="Lucida Console"/>
+              </a:rPr>
+              <a:t>acc.add</a:t>
+            </a:r>
+            <a:r>
+              <a:rPr lang="en-US" sz="2800" dirty="0" smtClean="0">
+                <a:latin typeface="Lucida Console"/>
+                <a:cs typeface="Lucida Console"/>
+              </a:rPr>
+              <a:t>(x))</a:t>
+            </a:r>
+            <a:endParaRPr lang="en-US" sz="2800" dirty="0">
+              <a:latin typeface="Lucida Console"/>
+              <a:cs typeface="Lucida Console"/>
+            </a:endParaRPr>
+          </a:p>
+          <a:p>
+            <a:pPr marL="0" indent="0">
+              <a:buNone/>
+            </a:pPr>
+            <a:endParaRPr lang="en-US" sz="2800" dirty="0"/>
           </a:p>
         </p:txBody>
       </p:sp>
     </p:spTree>
     <p:extLst>
       <p:ext uri="{BB962C8B-B14F-4D97-AF65-F5344CB8AC3E}">
-        <p14:creationId xmlns:p14="http://schemas.microsoft.com/office/powerpoint/2010/main" val="2973337137"/>
+        <p14:creationId xmlns:p14="http://schemas.microsoft.com/office/powerpoint/2010/main" val="1340352141"/>
       </p:ext>
     </p:extLst>
   </p:cSld>
   <p:clrMapOvr>
     <a:masterClrMapping/>
   </p:clrMapOvr>
+  <p:timing>
+    <p:tnLst>
+      <p:par>
+        <p:cTn xmlns:p14="http://schemas.microsoft.com/office/powerpoint/2010/main" id="1" dur="indefinite" restart="never" nodeType="tmRoot"/>
+      </p:par>
+    </p:tnLst>
+  </p:timing>
 </p:sld>
 </file>
 
@@ -7924,85 +7633,60 @@
           <a:lstStyle/>
           <a:p>
             <a:r>
+              <a:rPr lang="en-US" dirty="0" smtClean="0"/>
+              <a:t>What also doesn’t work</a:t>
+            </a:r>
+            <a:endParaRPr lang="en-US" dirty="0"/>
+          </a:p>
+        </p:txBody>
+      </p:sp>
+      <p:sp>
+        <p:nvSpPr>
+          <p:cNvPr id="3" name="Content Placeholder 2"/>
+          <p:cNvSpPr>
+            <a:spLocks noGrp="1"/>
+          </p:cNvSpPr>
+          <p:nvPr>
+            <p:ph idx="1"/>
+          </p:nvPr>
+        </p:nvSpPr>
+        <p:spPr/>
+        <p:txBody>
+          <a:bodyPr/>
+          <a:lstStyle/>
+          <a:p>
+            <a:r>
               <a:rPr lang="en-US" dirty="0" err="1" smtClean="0"/>
-              <a:t>SparkSQL</a:t>
-            </a:r>
+              <a:t>rdd.forEach</a:t>
+            </a:r>
+            <a:r>
+              <a:rPr lang="en-US" dirty="0"/>
+              <a:t>(</a:t>
+            </a:r>
+            <a:r>
+              <a:rPr lang="en-US" dirty="0" err="1"/>
+              <a:t>println</a:t>
+            </a:r>
+            <a:r>
+              <a:rPr lang="en-US" dirty="0" smtClean="0"/>
+              <a:t>)</a:t>
+            </a:r>
+          </a:p>
+          <a:p>
             <a:endParaRPr lang="en-US" dirty="0"/>
           </a:p>
-        </p:txBody>
-      </p:sp>
-      <p:sp>
-        <p:nvSpPr>
-          <p:cNvPr id="3" name="Content Placeholder 2"/>
-          <p:cNvSpPr>
-            <a:spLocks noGrp="1"/>
-          </p:cNvSpPr>
-          <p:nvPr>
-            <p:ph idx="1"/>
-          </p:nvPr>
-        </p:nvSpPr>
-        <p:spPr/>
-        <p:txBody>
-          <a:bodyPr>
-            <a:normAutofit fontScale="92500" lnSpcReduction="10000"/>
-          </a:bodyPr>
-          <a:lstStyle/>
-          <a:p>
-            <a:r>
-              <a:rPr lang="en-US" dirty="0" smtClean="0"/>
-              <a:t>Integrates into existing Spark programs</a:t>
-            </a:r>
-          </a:p>
-          <a:p>
-            <a:pPr lvl="1"/>
-            <a:r>
-              <a:rPr lang="en-US" dirty="0" smtClean="0"/>
-              <a:t>Mixes SQL with Python, </a:t>
-            </a:r>
-            <a:r>
-              <a:rPr lang="en-US" dirty="0" err="1" smtClean="0"/>
-              <a:t>Scala</a:t>
-            </a:r>
-            <a:r>
-              <a:rPr lang="en-US" dirty="0" smtClean="0"/>
-              <a:t> or Java</a:t>
-            </a:r>
-          </a:p>
-          <a:p>
-            <a:r>
-              <a:rPr lang="en-US" dirty="0" smtClean="0"/>
-              <a:t>Integrates data from CSV, Avro, Parquet, JDBC, ODBC, JSON, </a:t>
-            </a:r>
-            <a:r>
-              <a:rPr lang="en-US" dirty="0" err="1" smtClean="0"/>
-              <a:t>etc</a:t>
-            </a:r>
-            <a:endParaRPr lang="en-US" dirty="0" smtClean="0"/>
-          </a:p>
-          <a:p>
-            <a:pPr lvl="1"/>
-            <a:r>
-              <a:rPr lang="en-US" dirty="0" smtClean="0"/>
-              <a:t>Including joins across them</a:t>
-            </a:r>
-          </a:p>
-          <a:p>
-            <a:r>
-              <a:rPr lang="en-US" dirty="0" smtClean="0"/>
-              <a:t>Fully supports Apache Hive</a:t>
-            </a:r>
-          </a:p>
-          <a:p>
-            <a:pPr lvl="1"/>
+          <a:p>
+            <a:r>
+              <a:rPr lang="en-US" dirty="0" smtClean="0"/>
+              <a:t>Of course this </a:t>
+            </a:r>
             <a:r>
               <a:rPr lang="en-US" i="1" dirty="0" smtClean="0"/>
-              <a:t>If you build it with Hive support</a:t>
-            </a:r>
-          </a:p>
-          <a:p>
-            <a:r>
-              <a:rPr lang="en-US" dirty="0" smtClean="0"/>
-              <a:t>Fits into the resilient scalable model of Spark</a:t>
+              <a:t>will</a:t>
+            </a:r>
+            <a:r>
+              <a:rPr lang="en-US" dirty="0" smtClean="0"/>
+              <a:t> work when you test in local mode</a:t>
             </a:r>
             <a:endParaRPr lang="en-US" dirty="0"/>
           </a:p>
@@ -8011,13 +7695,20 @@
     </p:spTree>
     <p:extLst>
       <p:ext uri="{BB962C8B-B14F-4D97-AF65-F5344CB8AC3E}">
-        <p14:creationId xmlns:p14="http://schemas.microsoft.com/office/powerpoint/2010/main" val="2727632874"/>
+        <p14:creationId xmlns:p14="http://schemas.microsoft.com/office/powerpoint/2010/main" val="2238802243"/>
       </p:ext>
     </p:extLst>
   </p:cSld>
   <p:clrMapOvr>
     <a:masterClrMapping/>
   </p:clrMapOvr>
+  <p:timing>
+    <p:tnLst>
+      <p:par>
+        <p:cTn xmlns:p14="http://schemas.microsoft.com/office/powerpoint/2010/main" id="1" dur="indefinite" restart="never" nodeType="tmRoot"/>
+      </p:par>
+    </p:tnLst>
+  </p:timing>
 </p:sld>
 </file>
 
@@ -8050,493 +7741,110 @@
         </p:nvSpPr>
         <p:spPr/>
         <p:txBody>
+          <a:bodyPr>
+            <a:normAutofit/>
+          </a:bodyPr>
+          <a:lstStyle/>
+          <a:p>
+            <a:r>
+              <a:rPr lang="en-US" dirty="0" smtClean="0"/>
+              <a:t>Spark packages</a:t>
+            </a:r>
+            <a:endParaRPr lang="en-US" dirty="0"/>
+          </a:p>
+        </p:txBody>
+      </p:sp>
+      <p:sp>
+        <p:nvSpPr>
+          <p:cNvPr id="3" name="Content Placeholder 2"/>
+          <p:cNvSpPr>
+            <a:spLocks noGrp="1"/>
+          </p:cNvSpPr>
+          <p:nvPr>
+            <p:ph idx="1"/>
+          </p:nvPr>
+        </p:nvSpPr>
+        <p:spPr/>
+        <p:txBody>
           <a:bodyPr/>
           <a:lstStyle/>
           <a:p>
             <a:r>
               <a:rPr lang="en-US" dirty="0" smtClean="0"/>
-              <a:t>Spark SQL example</a:t>
+              <a:t>A wide set of plugins</a:t>
+            </a:r>
+          </a:p>
+          <a:p>
+            <a:pPr lvl="1"/>
+            <a:r>
+              <a:rPr lang="en-US" dirty="0" smtClean="0"/>
+              <a:t>Currently 148 community donated plugins</a:t>
+            </a:r>
+          </a:p>
+          <a:p>
+            <a:r>
+              <a:rPr lang="en-US" dirty="0" smtClean="0"/>
+              <a:t> Data connectors	</a:t>
+            </a:r>
+          </a:p>
+          <a:p>
+            <a:pPr lvl="1"/>
+            <a:r>
+              <a:rPr lang="en-US" dirty="0" smtClean="0"/>
+              <a:t>Cassandra, </a:t>
+            </a:r>
+            <a:r>
+              <a:rPr lang="en-US" dirty="0" err="1" smtClean="0"/>
+              <a:t>Couchbase</a:t>
+            </a:r>
+            <a:r>
+              <a:rPr lang="en-US" dirty="0" smtClean="0"/>
+              <a:t>, Mongo, CSV, </a:t>
+            </a:r>
+            <a:r>
+              <a:rPr lang="en-US" dirty="0" err="1" smtClean="0"/>
+              <a:t>etc</a:t>
+            </a:r>
+            <a:endParaRPr lang="en-US" dirty="0" smtClean="0"/>
+          </a:p>
+          <a:p>
+            <a:r>
+              <a:rPr lang="en-US" dirty="0" smtClean="0"/>
+              <a:t>Machine Learning, Neural networks</a:t>
+            </a:r>
+          </a:p>
+          <a:p>
+            <a:r>
+              <a:rPr lang="en-US" dirty="0" smtClean="0"/>
+              <a:t>Streaming</a:t>
+            </a:r>
+          </a:p>
+          <a:p>
+            <a:r>
+              <a:rPr lang="en-US" dirty="0" err="1" smtClean="0"/>
+              <a:t>etc</a:t>
             </a:r>
             <a:endParaRPr lang="en-US" dirty="0"/>
-          </a:p>
-        </p:txBody>
-      </p:sp>
-      <p:sp>
-        <p:nvSpPr>
-          <p:cNvPr id="3" name="Content Placeholder 2"/>
-          <p:cNvSpPr>
-            <a:spLocks noGrp="1"/>
-          </p:cNvSpPr>
-          <p:nvPr>
-            <p:ph idx="1"/>
-          </p:nvPr>
-        </p:nvSpPr>
-        <p:spPr/>
-        <p:txBody>
-          <a:bodyPr>
-            <a:normAutofit fontScale="47500" lnSpcReduction="20000"/>
-          </a:bodyPr>
-          <a:lstStyle/>
-          <a:p>
-            <a:pPr marL="0" indent="0">
-              <a:buNone/>
-            </a:pPr>
-            <a:r>
-              <a:rPr lang="en-US" dirty="0">
-                <a:latin typeface="Lucida Console"/>
-                <a:cs typeface="Lucida Console"/>
-              </a:rPr>
-              <a:t>from </a:t>
-            </a:r>
-            <a:r>
-              <a:rPr lang="en-US" dirty="0" err="1">
-                <a:latin typeface="Lucida Console"/>
-                <a:cs typeface="Lucida Console"/>
-              </a:rPr>
-              <a:t>pyspark.sql</a:t>
-            </a:r>
-            <a:r>
-              <a:rPr lang="en-US" dirty="0">
-                <a:latin typeface="Lucida Console"/>
-                <a:cs typeface="Lucida Console"/>
-              </a:rPr>
-              <a:t> import </a:t>
-            </a:r>
-            <a:r>
-              <a:rPr lang="en-US" dirty="0" err="1">
-                <a:latin typeface="Lucida Console"/>
-                <a:cs typeface="Lucida Console"/>
-              </a:rPr>
-              <a:t>SQLContext</a:t>
-            </a:r>
-            <a:r>
-              <a:rPr lang="en-US" dirty="0">
-                <a:latin typeface="Lucida Console"/>
-                <a:cs typeface="Lucida Console"/>
-              </a:rPr>
-              <a:t>, Row</a:t>
-            </a:r>
-          </a:p>
-          <a:p>
-            <a:pPr marL="0" indent="0">
-              <a:buNone/>
-            </a:pPr>
-            <a:r>
-              <a:rPr lang="en-US" dirty="0" err="1">
-                <a:latin typeface="Lucida Console"/>
-                <a:cs typeface="Lucida Console"/>
-              </a:rPr>
-              <a:t>sqlContext</a:t>
-            </a:r>
-            <a:r>
-              <a:rPr lang="en-US" dirty="0">
-                <a:latin typeface="Lucida Console"/>
-                <a:cs typeface="Lucida Console"/>
-              </a:rPr>
-              <a:t> = </a:t>
-            </a:r>
-            <a:r>
-              <a:rPr lang="en-US" dirty="0" err="1">
-                <a:latin typeface="Lucida Console"/>
-                <a:cs typeface="Lucida Console"/>
-              </a:rPr>
-              <a:t>SQLContext</a:t>
-            </a:r>
-            <a:r>
-              <a:rPr lang="en-US" dirty="0">
-                <a:latin typeface="Lucida Console"/>
-                <a:cs typeface="Lucida Console"/>
-              </a:rPr>
-              <a:t>(</a:t>
-            </a:r>
-            <a:r>
-              <a:rPr lang="en-US" dirty="0" err="1">
-                <a:latin typeface="Lucida Console"/>
-                <a:cs typeface="Lucida Console"/>
-              </a:rPr>
-              <a:t>sc</a:t>
-            </a:r>
-            <a:r>
-              <a:rPr lang="en-US" dirty="0">
-                <a:latin typeface="Lucida Console"/>
-                <a:cs typeface="Lucida Console"/>
-              </a:rPr>
-              <a:t>)</a:t>
-            </a:r>
-          </a:p>
-          <a:p>
-            <a:pPr marL="0" indent="0">
-              <a:buNone/>
-            </a:pPr>
-            <a:endParaRPr lang="en-US" dirty="0">
-              <a:latin typeface="Lucida Console"/>
-              <a:cs typeface="Lucida Console"/>
-            </a:endParaRPr>
-          </a:p>
-          <a:p>
-            <a:pPr marL="0" indent="0">
-              <a:buNone/>
-            </a:pPr>
-            <a:r>
-              <a:rPr lang="en-US" dirty="0">
-                <a:latin typeface="Lucida Console"/>
-                <a:cs typeface="Lucida Console"/>
-              </a:rPr>
-              <a:t>lines = </a:t>
-            </a:r>
-            <a:r>
-              <a:rPr lang="en-US" dirty="0" err="1">
-                <a:latin typeface="Lucida Console"/>
-                <a:cs typeface="Lucida Console"/>
-              </a:rPr>
-              <a:t>sc.textFile</a:t>
-            </a:r>
-            <a:r>
-              <a:rPr lang="en-US" dirty="0">
-                <a:latin typeface="Lucida Console"/>
-                <a:cs typeface="Lucida Console"/>
-              </a:rPr>
-              <a:t>("examples/</a:t>
-            </a:r>
-            <a:r>
-              <a:rPr lang="en-US" dirty="0" err="1">
-                <a:latin typeface="Lucida Console"/>
-                <a:cs typeface="Lucida Console"/>
-              </a:rPr>
-              <a:t>src</a:t>
-            </a:r>
-            <a:r>
-              <a:rPr lang="en-US" dirty="0">
-                <a:latin typeface="Lucida Console"/>
-                <a:cs typeface="Lucida Console"/>
-              </a:rPr>
-              <a:t>/main/resources/</a:t>
-            </a:r>
-            <a:r>
-              <a:rPr lang="en-US" dirty="0" err="1">
-                <a:latin typeface="Lucida Console"/>
-                <a:cs typeface="Lucida Console"/>
-              </a:rPr>
-              <a:t>people.txt</a:t>
-            </a:r>
-            <a:r>
-              <a:rPr lang="en-US" dirty="0">
-                <a:latin typeface="Lucida Console"/>
-                <a:cs typeface="Lucida Console"/>
-              </a:rPr>
-              <a:t>")</a:t>
-            </a:r>
-          </a:p>
-          <a:p>
-            <a:pPr marL="0" indent="0">
-              <a:buNone/>
-            </a:pPr>
-            <a:r>
-              <a:rPr lang="en-US" dirty="0">
-                <a:latin typeface="Lucida Console"/>
-                <a:cs typeface="Lucida Console"/>
-              </a:rPr>
-              <a:t>parts = </a:t>
-            </a:r>
-            <a:r>
-              <a:rPr lang="en-US" dirty="0" err="1">
-                <a:latin typeface="Lucida Console"/>
-                <a:cs typeface="Lucida Console"/>
-              </a:rPr>
-              <a:t>lines.map</a:t>
-            </a:r>
-            <a:r>
-              <a:rPr lang="en-US" dirty="0">
-                <a:latin typeface="Lucida Console"/>
-                <a:cs typeface="Lucida Console"/>
-              </a:rPr>
-              <a:t>(lambda l: </a:t>
-            </a:r>
-            <a:r>
-              <a:rPr lang="en-US" dirty="0" err="1">
-                <a:latin typeface="Lucida Console"/>
-                <a:cs typeface="Lucida Console"/>
-              </a:rPr>
-              <a:t>l.split</a:t>
-            </a:r>
-            <a:r>
-              <a:rPr lang="en-US" dirty="0">
-                <a:latin typeface="Lucida Console"/>
-                <a:cs typeface="Lucida Console"/>
-              </a:rPr>
-              <a:t>(","))</a:t>
-            </a:r>
-          </a:p>
-          <a:p>
-            <a:pPr marL="0" indent="0">
-              <a:buNone/>
-            </a:pPr>
-            <a:r>
-              <a:rPr lang="en-US" dirty="0">
-                <a:latin typeface="Lucida Console"/>
-                <a:cs typeface="Lucida Console"/>
-              </a:rPr>
-              <a:t>people = </a:t>
-            </a:r>
-            <a:r>
-              <a:rPr lang="en-US" dirty="0" err="1">
-                <a:latin typeface="Lucida Console"/>
-                <a:cs typeface="Lucida Console"/>
-              </a:rPr>
-              <a:t>parts.map</a:t>
-            </a:r>
-            <a:r>
-              <a:rPr lang="en-US" dirty="0">
-                <a:latin typeface="Lucida Console"/>
-                <a:cs typeface="Lucida Console"/>
-              </a:rPr>
-              <a:t>(lambda p: Row(name=p[0], age=</a:t>
-            </a:r>
-            <a:r>
-              <a:rPr lang="en-US" dirty="0" err="1">
-                <a:latin typeface="Lucida Console"/>
-                <a:cs typeface="Lucida Console"/>
-              </a:rPr>
-              <a:t>int</a:t>
-            </a:r>
-            <a:r>
-              <a:rPr lang="en-US" dirty="0">
-                <a:latin typeface="Lucida Console"/>
-                <a:cs typeface="Lucida Console"/>
-              </a:rPr>
-              <a:t>(p[1])))</a:t>
-            </a:r>
-          </a:p>
-          <a:p>
-            <a:pPr marL="0" indent="0">
-              <a:buNone/>
-            </a:pPr>
-            <a:endParaRPr lang="en-US" dirty="0">
-              <a:latin typeface="Lucida Console"/>
-              <a:cs typeface="Lucida Console"/>
-            </a:endParaRPr>
-          </a:p>
-          <a:p>
-            <a:pPr marL="0" indent="0">
-              <a:buNone/>
-            </a:pPr>
-            <a:r>
-              <a:rPr lang="en-US" dirty="0" err="1">
-                <a:latin typeface="Lucida Console"/>
-                <a:cs typeface="Lucida Console"/>
-              </a:rPr>
-              <a:t>schemaPeople</a:t>
-            </a:r>
-            <a:r>
-              <a:rPr lang="en-US" dirty="0">
-                <a:latin typeface="Lucida Console"/>
-                <a:cs typeface="Lucida Console"/>
-              </a:rPr>
-              <a:t> = </a:t>
-            </a:r>
-            <a:r>
-              <a:rPr lang="en-US" dirty="0" err="1">
-                <a:latin typeface="Lucida Console"/>
-                <a:cs typeface="Lucida Console"/>
-              </a:rPr>
-              <a:t>sqlContext.createDataFrame</a:t>
-            </a:r>
-            <a:r>
-              <a:rPr lang="en-US" dirty="0">
-                <a:latin typeface="Lucida Console"/>
-                <a:cs typeface="Lucida Console"/>
-              </a:rPr>
-              <a:t>(people)</a:t>
-            </a:r>
-          </a:p>
-          <a:p>
-            <a:pPr marL="0" indent="0">
-              <a:buNone/>
-            </a:pPr>
-            <a:r>
-              <a:rPr lang="en-US" dirty="0" err="1">
-                <a:latin typeface="Lucida Console"/>
-                <a:cs typeface="Lucida Console"/>
-              </a:rPr>
-              <a:t>schemaPeople.registerTempTable</a:t>
-            </a:r>
-            <a:r>
-              <a:rPr lang="en-US" dirty="0">
-                <a:latin typeface="Lucida Console"/>
-                <a:cs typeface="Lucida Console"/>
-              </a:rPr>
-              <a:t>("people")</a:t>
-            </a:r>
-          </a:p>
-          <a:p>
-            <a:pPr marL="0" indent="0">
-              <a:buNone/>
-            </a:pPr>
-            <a:endParaRPr lang="en-US" dirty="0">
-              <a:latin typeface="Lucida Console"/>
-              <a:cs typeface="Lucida Console"/>
-            </a:endParaRPr>
-          </a:p>
-          <a:p>
-            <a:pPr marL="0" indent="0">
-              <a:buNone/>
-            </a:pPr>
-            <a:r>
-              <a:rPr lang="en-US" dirty="0">
-                <a:latin typeface="Lucida Console"/>
-                <a:cs typeface="Lucida Console"/>
-              </a:rPr>
-              <a:t>teenagers = </a:t>
-            </a:r>
-            <a:r>
-              <a:rPr lang="en-US" dirty="0" err="1">
-                <a:latin typeface="Lucida Console"/>
-                <a:cs typeface="Lucida Console"/>
-              </a:rPr>
-              <a:t>sqlContext.sql</a:t>
-            </a:r>
-            <a:r>
-              <a:rPr lang="en-US" dirty="0">
-                <a:latin typeface="Lucida Console"/>
-                <a:cs typeface="Lucida Console"/>
-              </a:rPr>
-              <a:t>("SELECT name FROM people WHERE age &gt;= 13 AND age &lt;= 19")</a:t>
-            </a:r>
-          </a:p>
-          <a:p>
-            <a:pPr marL="0" indent="0">
-              <a:buNone/>
-            </a:pPr>
-            <a:endParaRPr lang="en-US" dirty="0">
-              <a:latin typeface="Lucida Console"/>
-              <a:cs typeface="Lucida Console"/>
-            </a:endParaRPr>
-          </a:p>
-          <a:p>
-            <a:pPr marL="0" indent="0">
-              <a:buNone/>
-            </a:pPr>
-            <a:r>
-              <a:rPr lang="en-US" dirty="0" err="1">
-                <a:latin typeface="Lucida Console"/>
-                <a:cs typeface="Lucida Console"/>
-              </a:rPr>
-              <a:t>teenNames</a:t>
-            </a:r>
-            <a:r>
-              <a:rPr lang="en-US" dirty="0">
-                <a:latin typeface="Lucida Console"/>
-                <a:cs typeface="Lucida Console"/>
-              </a:rPr>
-              <a:t> = </a:t>
-            </a:r>
-            <a:r>
-              <a:rPr lang="en-US" dirty="0" err="1">
-                <a:latin typeface="Lucida Console"/>
-                <a:cs typeface="Lucida Console"/>
-              </a:rPr>
-              <a:t>teenagers.map</a:t>
-            </a:r>
-            <a:r>
-              <a:rPr lang="en-US" dirty="0">
-                <a:latin typeface="Lucida Console"/>
-                <a:cs typeface="Lucida Console"/>
-              </a:rPr>
-              <a:t>(lambda p: "Name: " + </a:t>
-            </a:r>
-            <a:r>
-              <a:rPr lang="en-US" dirty="0" err="1">
-                <a:latin typeface="Lucida Console"/>
-                <a:cs typeface="Lucida Console"/>
-              </a:rPr>
-              <a:t>p.name</a:t>
-            </a:r>
-            <a:r>
-              <a:rPr lang="en-US" dirty="0">
-                <a:latin typeface="Lucida Console"/>
-                <a:cs typeface="Lucida Console"/>
-              </a:rPr>
-              <a:t>)</a:t>
-            </a:r>
-          </a:p>
-          <a:p>
-            <a:pPr marL="0" indent="0">
-              <a:buNone/>
-            </a:pPr>
-            <a:r>
-              <a:rPr lang="en-US" dirty="0">
-                <a:latin typeface="Lucida Console"/>
-                <a:cs typeface="Lucida Console"/>
-              </a:rPr>
-              <a:t>for </a:t>
-            </a:r>
-            <a:r>
-              <a:rPr lang="en-US" dirty="0" err="1">
-                <a:latin typeface="Lucida Console"/>
-                <a:cs typeface="Lucida Console"/>
-              </a:rPr>
-              <a:t>teenName</a:t>
-            </a:r>
-            <a:r>
-              <a:rPr lang="en-US" dirty="0">
-                <a:latin typeface="Lucida Console"/>
-                <a:cs typeface="Lucida Console"/>
-              </a:rPr>
-              <a:t> in </a:t>
-            </a:r>
-            <a:r>
-              <a:rPr lang="en-US" dirty="0" err="1">
-                <a:latin typeface="Lucida Console"/>
-                <a:cs typeface="Lucida Console"/>
-              </a:rPr>
-              <a:t>teenNames.collect</a:t>
-            </a:r>
-            <a:r>
-              <a:rPr lang="en-US" dirty="0">
-                <a:latin typeface="Lucida Console"/>
-                <a:cs typeface="Lucida Console"/>
-              </a:rPr>
-              <a:t>():</a:t>
-            </a:r>
-          </a:p>
-          <a:p>
-            <a:pPr marL="0" indent="0">
-              <a:buNone/>
-            </a:pPr>
-            <a:r>
-              <a:rPr lang="en-US" dirty="0">
-                <a:latin typeface="Lucida Console"/>
-                <a:cs typeface="Lucida Console"/>
-              </a:rPr>
-              <a:t>  print(</a:t>
-            </a:r>
-            <a:r>
-              <a:rPr lang="en-US" dirty="0" err="1">
-                <a:latin typeface="Lucida Console"/>
-                <a:cs typeface="Lucida Console"/>
-              </a:rPr>
-              <a:t>teenName</a:t>
-            </a:r>
-            <a:r>
-              <a:rPr lang="en-US" dirty="0">
-                <a:latin typeface="Lucida Console"/>
-                <a:cs typeface="Lucida Console"/>
-              </a:rPr>
-              <a:t>)</a:t>
-            </a:r>
           </a:p>
         </p:txBody>
       </p:sp>
     </p:spTree>
     <p:extLst>
       <p:ext uri="{BB962C8B-B14F-4D97-AF65-F5344CB8AC3E}">
-        <p14:creationId xmlns:p14="http://schemas.microsoft.com/office/powerpoint/2010/main" val="2424698580"/>
+        <p14:creationId xmlns:p14="http://schemas.microsoft.com/office/powerpoint/2010/main" val="2454011762"/>
       </p:ext>
     </p:extLst>
   </p:cSld>
   <p:clrMapOvr>
     <a:masterClrMapping/>
   </p:clrMapOvr>
+  <p:timing>
+    <p:tnLst>
+      <p:par>
+        <p:cTn xmlns:p14="http://schemas.microsoft.com/office/powerpoint/2010/main" id="1" dur="indefinite" restart="never" nodeType="tmRoot"/>
+      </p:par>
+    </p:tnLst>
+  </p:timing>
 </p:sld>
 </file>
 
@@ -8574,7 +7882,7 @@
           <a:p>
             <a:r>
               <a:rPr lang="en-US" dirty="0" smtClean="0"/>
-              <a:t>Spark MLlib</a:t>
+              <a:t>Using Spark Packages</a:t>
             </a:r>
             <a:endParaRPr lang="en-US" dirty="0"/>
           </a:p>
@@ -8592,82 +7900,75 @@
         </p:nvSpPr>
         <p:spPr/>
         <p:txBody>
-          <a:bodyPr>
-            <a:normAutofit lnSpcReduction="10000"/>
-          </a:bodyPr>
+          <a:bodyPr/>
           <a:lstStyle/>
           <a:p>
-            <a:r>
-              <a:rPr lang="en-US" dirty="0" smtClean="0"/>
-              <a:t>Simple stats and correlation testing</a:t>
-            </a:r>
-          </a:p>
-          <a:p>
-            <a:r>
-              <a:rPr lang="en-US" dirty="0" smtClean="0"/>
-              <a:t>Classification and regression</a:t>
-            </a:r>
-          </a:p>
-          <a:p>
-            <a:r>
-              <a:rPr lang="en-US" dirty="0" smtClean="0"/>
-              <a:t>Collaborative Filtering</a:t>
-            </a:r>
-          </a:p>
-          <a:p>
-            <a:pPr lvl="1"/>
-            <a:r>
-              <a:rPr lang="en-US" dirty="0" smtClean="0"/>
-              <a:t>Alternating Least Squares </a:t>
-            </a:r>
-          </a:p>
-          <a:p>
-            <a:r>
-              <a:rPr lang="en-US" dirty="0" smtClean="0"/>
-              <a:t>Clustering</a:t>
-            </a:r>
-          </a:p>
-          <a:p>
-            <a:pPr lvl="1"/>
-            <a:r>
-              <a:rPr lang="en-US" dirty="0"/>
-              <a:t>k</a:t>
-            </a:r>
-            <a:r>
-              <a:rPr lang="en-US" dirty="0" smtClean="0"/>
-              <a:t>-means, </a:t>
-            </a:r>
-            <a:r>
-              <a:rPr lang="en-US" dirty="0" err="1" smtClean="0"/>
-              <a:t>etc</a:t>
-            </a:r>
+            <a:pPr marL="0" indent="0">
+              <a:buNone/>
+            </a:pPr>
+            <a:r>
+              <a:rPr lang="en-US" dirty="0" smtClean="0"/>
+              <a:t>Automatic download from the web:</a:t>
+            </a:r>
+          </a:p>
+          <a:p>
+            <a:pPr marL="0" indent="0">
+              <a:buNone/>
+            </a:pPr>
+            <a:endParaRPr lang="en-US" dirty="0"/>
+          </a:p>
+          <a:p>
+            <a:pPr marL="0" indent="0">
+              <a:buNone/>
+            </a:pPr>
             <a:endParaRPr lang="en-US" dirty="0" smtClean="0"/>
           </a:p>
           <a:p>
-            <a:r>
-              <a:rPr lang="en-US" dirty="0" smtClean="0"/>
-              <a:t>Frequent Pattern Mining</a:t>
-            </a:r>
-          </a:p>
-          <a:p>
-            <a:r>
-              <a:rPr lang="en-US" dirty="0" smtClean="0"/>
-              <a:t>Plus more</a:t>
-            </a:r>
-            <a:endParaRPr lang="en-US" dirty="0"/>
+            <a:pPr marL="0" indent="0">
+              <a:buNone/>
+            </a:pPr>
+            <a:r>
+              <a:rPr lang="en-US" sz="2400" dirty="0" smtClean="0"/>
+              <a:t>bin</a:t>
+            </a:r>
+            <a:r>
+              <a:rPr lang="en-US" sz="2400" dirty="0"/>
+              <a:t>/spark-shell </a:t>
+            </a:r>
+            <a:endParaRPr lang="en-US" sz="2400" dirty="0" smtClean="0"/>
+          </a:p>
+          <a:p>
+            <a:pPr marL="457200" lvl="1" indent="0">
+              <a:buNone/>
+            </a:pPr>
+            <a:r>
+              <a:rPr lang="en-US" sz="2400" dirty="0" smtClean="0"/>
+              <a:t>-</a:t>
+            </a:r>
+            <a:r>
+              <a:rPr lang="en-US" sz="2400" dirty="0"/>
+              <a:t>-packages com.databricks:spark-csv_2.11:1.2.0</a:t>
+            </a:r>
           </a:p>
         </p:txBody>
       </p:sp>
     </p:spTree>
     <p:extLst>
       <p:ext uri="{BB962C8B-B14F-4D97-AF65-F5344CB8AC3E}">
-        <p14:creationId xmlns:p14="http://schemas.microsoft.com/office/powerpoint/2010/main" val="3869310880"/>
+        <p14:creationId xmlns:p14="http://schemas.microsoft.com/office/powerpoint/2010/main" val="2390105459"/>
       </p:ext>
     </p:extLst>
   </p:cSld>
   <p:clrMapOvr>
     <a:masterClrMapping/>
   </p:clrMapOvr>
+  <p:timing>
+    <p:tnLst>
+      <p:par>
+        <p:cTn xmlns:p14="http://schemas.microsoft.com/office/powerpoint/2010/main" id="1" dur="indefinite" restart="never" nodeType="tmRoot"/>
+      </p:par>
+    </p:tnLst>
+  </p:timing>
 </p:sld>
 </file>
 
@@ -8705,323 +8006,29 @@
           <a:p>
             <a:r>
               <a:rPr lang="en-US" dirty="0" smtClean="0"/>
-              <a:t>MLlib example</a:t>
+              <a:t>Time for a lab!</a:t>
             </a:r>
             <a:endParaRPr lang="en-US" dirty="0"/>
-          </a:p>
-        </p:txBody>
-      </p:sp>
-      <p:sp>
-        <p:nvSpPr>
-          <p:cNvPr id="3" name="Content Placeholder 2"/>
-          <p:cNvSpPr>
-            <a:spLocks noGrp="1"/>
-          </p:cNvSpPr>
-          <p:nvPr>
-            <p:ph idx="1"/>
-          </p:nvPr>
-        </p:nvSpPr>
-        <p:spPr>
-          <a:xfrm>
-            <a:off x="375635" y="1613855"/>
-            <a:ext cx="8229600" cy="4525963"/>
-          </a:xfrm>
-        </p:spPr>
-        <p:txBody>
-          <a:bodyPr>
-            <a:noAutofit/>
-          </a:bodyPr>
-          <a:lstStyle/>
-          <a:p>
-            <a:pPr marL="0" indent="0">
-              <a:buNone/>
-            </a:pPr>
-            <a:r>
-              <a:rPr lang="en-US" sz="1600" dirty="0">
-                <a:latin typeface="Lucida Console"/>
-                <a:cs typeface="Lucida Console"/>
-              </a:rPr>
-              <a:t>from </a:t>
-            </a:r>
-            <a:r>
-              <a:rPr lang="en-US" sz="1600" dirty="0" err="1">
-                <a:latin typeface="Lucida Console"/>
-                <a:cs typeface="Lucida Console"/>
-              </a:rPr>
-              <a:t>pyspark.mllib.fpm</a:t>
-            </a:r>
-            <a:r>
-              <a:rPr lang="en-US" sz="1600" dirty="0">
-                <a:latin typeface="Lucida Console"/>
-                <a:cs typeface="Lucida Console"/>
-              </a:rPr>
-              <a:t> import </a:t>
-            </a:r>
-            <a:r>
-              <a:rPr lang="en-US" sz="1600" dirty="0" err="1">
-                <a:latin typeface="Lucida Console"/>
-                <a:cs typeface="Lucida Console"/>
-              </a:rPr>
-              <a:t>FPGrowth</a:t>
-            </a:r>
-            <a:endParaRPr lang="en-US" sz="1600" dirty="0">
-              <a:latin typeface="Lucida Console"/>
-              <a:cs typeface="Lucida Console"/>
-            </a:endParaRPr>
-          </a:p>
-          <a:p>
-            <a:pPr marL="0" indent="0">
-              <a:buNone/>
-            </a:pPr>
-            <a:endParaRPr lang="en-US" sz="1600" dirty="0">
-              <a:latin typeface="Lucida Console"/>
-              <a:cs typeface="Lucida Console"/>
-            </a:endParaRPr>
-          </a:p>
-          <a:p>
-            <a:pPr marL="0" indent="0">
-              <a:buNone/>
-            </a:pPr>
-            <a:r>
-              <a:rPr lang="en-US" sz="1600" dirty="0">
-                <a:latin typeface="Lucida Console"/>
-                <a:cs typeface="Lucida Console"/>
-              </a:rPr>
-              <a:t>data = </a:t>
-            </a:r>
-            <a:r>
-              <a:rPr lang="en-US" sz="1600" dirty="0" err="1">
-                <a:latin typeface="Lucida Console"/>
-                <a:cs typeface="Lucida Console"/>
-              </a:rPr>
-              <a:t>sc.textFile</a:t>
-            </a:r>
-            <a:r>
-              <a:rPr lang="en-US" sz="1600" dirty="0">
-                <a:latin typeface="Lucida Console"/>
-                <a:cs typeface="Lucida Console"/>
-              </a:rPr>
-              <a:t>("data/</a:t>
-            </a:r>
-            <a:r>
-              <a:rPr lang="en-US" sz="1600" dirty="0" err="1">
-                <a:latin typeface="Lucida Console"/>
-                <a:cs typeface="Lucida Console"/>
-              </a:rPr>
-              <a:t>mllib</a:t>
-            </a:r>
-            <a:r>
-              <a:rPr lang="en-US" sz="1600" dirty="0">
-                <a:latin typeface="Lucida Console"/>
-                <a:cs typeface="Lucida Console"/>
-              </a:rPr>
-              <a:t>/</a:t>
-            </a:r>
-            <a:r>
-              <a:rPr lang="en-US" sz="1600" dirty="0" err="1">
-                <a:latin typeface="Lucida Console"/>
-                <a:cs typeface="Lucida Console"/>
-              </a:rPr>
-              <a:t>sample_fpgrowth.txt</a:t>
-            </a:r>
-            <a:r>
-              <a:rPr lang="en-US" sz="1600" dirty="0">
-                <a:latin typeface="Lucida Console"/>
-                <a:cs typeface="Lucida Console"/>
-              </a:rPr>
-              <a:t>")</a:t>
-            </a:r>
-          </a:p>
-          <a:p>
-            <a:pPr marL="0" indent="0">
-              <a:buNone/>
-            </a:pPr>
-            <a:endParaRPr lang="en-US" sz="1600" dirty="0">
-              <a:latin typeface="Lucida Console"/>
-              <a:cs typeface="Lucida Console"/>
-            </a:endParaRPr>
-          </a:p>
-          <a:p>
-            <a:pPr marL="0" indent="0">
-              <a:buNone/>
-            </a:pPr>
-            <a:r>
-              <a:rPr lang="en-US" sz="1600" dirty="0">
-                <a:latin typeface="Lucida Console"/>
-                <a:cs typeface="Lucida Console"/>
-              </a:rPr>
-              <a:t>transactions = </a:t>
-            </a:r>
-            <a:r>
-              <a:rPr lang="en-US" sz="1600" dirty="0" err="1">
-                <a:latin typeface="Lucida Console"/>
-                <a:cs typeface="Lucida Console"/>
-              </a:rPr>
-              <a:t>data.map</a:t>
-            </a:r>
-            <a:r>
-              <a:rPr lang="en-US" sz="1600" dirty="0">
-                <a:latin typeface="Lucida Console"/>
-                <a:cs typeface="Lucida Console"/>
-              </a:rPr>
-              <a:t>(lambda line: </a:t>
-            </a:r>
-            <a:r>
-              <a:rPr lang="en-US" sz="1600" dirty="0" err="1">
-                <a:latin typeface="Lucida Console"/>
-                <a:cs typeface="Lucida Console"/>
-              </a:rPr>
-              <a:t>line.strip</a:t>
-            </a:r>
-            <a:r>
-              <a:rPr lang="en-US" sz="1600" dirty="0">
-                <a:latin typeface="Lucida Console"/>
-                <a:cs typeface="Lucida Console"/>
-              </a:rPr>
-              <a:t>().split(' '))</a:t>
-            </a:r>
-          </a:p>
-          <a:p>
-            <a:pPr marL="0" indent="0">
-              <a:buNone/>
-            </a:pPr>
-            <a:endParaRPr lang="en-US" sz="1600" dirty="0">
-              <a:latin typeface="Lucida Console"/>
-              <a:cs typeface="Lucida Console"/>
-            </a:endParaRPr>
-          </a:p>
-          <a:p>
-            <a:pPr marL="0" indent="0">
-              <a:buNone/>
-            </a:pPr>
-            <a:r>
-              <a:rPr lang="en-US" sz="1600" dirty="0">
-                <a:latin typeface="Lucida Console"/>
-                <a:cs typeface="Lucida Console"/>
-              </a:rPr>
-              <a:t>model = </a:t>
-            </a:r>
-            <a:r>
-              <a:rPr lang="en-US" sz="1600" dirty="0" err="1">
-                <a:latin typeface="Lucida Console"/>
-                <a:cs typeface="Lucida Console"/>
-              </a:rPr>
-              <a:t>FPGrowth.train</a:t>
-            </a:r>
-            <a:r>
-              <a:rPr lang="en-US" sz="1600" dirty="0">
-                <a:latin typeface="Lucida Console"/>
-                <a:cs typeface="Lucida Console"/>
-              </a:rPr>
-              <a:t>(transactions, </a:t>
-            </a:r>
-            <a:r>
-              <a:rPr lang="en-US" sz="1600" dirty="0" err="1">
-                <a:latin typeface="Lucida Console"/>
-                <a:cs typeface="Lucida Console"/>
-              </a:rPr>
-              <a:t>minSupport</a:t>
-            </a:r>
-            <a:r>
-              <a:rPr lang="en-US" sz="1600" dirty="0">
-                <a:latin typeface="Lucida Console"/>
-                <a:cs typeface="Lucida Console"/>
-              </a:rPr>
-              <a:t>=0.2, </a:t>
-            </a:r>
-            <a:r>
-              <a:rPr lang="en-US" sz="1600" dirty="0" smtClean="0">
-                <a:latin typeface="Lucida Console"/>
-                <a:cs typeface="Lucida Console"/>
-              </a:rPr>
-              <a:t>	</a:t>
-            </a:r>
-            <a:r>
-              <a:rPr lang="en-US" sz="1600" dirty="0" err="1" smtClean="0">
-                <a:latin typeface="Lucida Console"/>
-                <a:cs typeface="Lucida Console"/>
-              </a:rPr>
-              <a:t>numPartitions</a:t>
-            </a:r>
-            <a:r>
-              <a:rPr lang="en-US" sz="1600" dirty="0">
-                <a:latin typeface="Lucida Console"/>
-                <a:cs typeface="Lucida Console"/>
-              </a:rPr>
-              <a:t>=10)</a:t>
-            </a:r>
-          </a:p>
-          <a:p>
-            <a:pPr marL="0" indent="0">
-              <a:buNone/>
-            </a:pPr>
-            <a:endParaRPr lang="en-US" sz="1600" dirty="0">
-              <a:latin typeface="Lucida Console"/>
-              <a:cs typeface="Lucida Console"/>
-            </a:endParaRPr>
-          </a:p>
-          <a:p>
-            <a:pPr marL="0" indent="0">
-              <a:buNone/>
-            </a:pPr>
-            <a:r>
-              <a:rPr lang="en-US" sz="1600" dirty="0">
-                <a:latin typeface="Lucida Console"/>
-                <a:cs typeface="Lucida Console"/>
-              </a:rPr>
-              <a:t>result = </a:t>
-            </a:r>
-            <a:r>
-              <a:rPr lang="en-US" sz="1600" dirty="0" err="1">
-                <a:latin typeface="Lucida Console"/>
-                <a:cs typeface="Lucida Console"/>
-              </a:rPr>
-              <a:t>model.freqItemsets</a:t>
-            </a:r>
-            <a:r>
-              <a:rPr lang="en-US" sz="1600" dirty="0">
-                <a:latin typeface="Lucida Console"/>
-                <a:cs typeface="Lucida Console"/>
-              </a:rPr>
-              <a:t>().collect()</a:t>
-            </a:r>
-          </a:p>
-          <a:p>
-            <a:pPr marL="0" indent="0">
-              <a:buNone/>
-            </a:pPr>
-            <a:r>
-              <a:rPr lang="en-US" sz="1600" dirty="0">
-                <a:latin typeface="Lucida Console"/>
-                <a:cs typeface="Lucida Console"/>
-              </a:rPr>
-              <a:t>for fi in result:</a:t>
-            </a:r>
-          </a:p>
-          <a:p>
-            <a:pPr marL="0" indent="0">
-              <a:buNone/>
-            </a:pPr>
-            <a:r>
-              <a:rPr lang="en-US" sz="1600" dirty="0">
-                <a:latin typeface="Lucida Console"/>
-                <a:cs typeface="Lucida Console"/>
-              </a:rPr>
-              <a:t>    print(fi)</a:t>
-            </a:r>
           </a:p>
         </p:txBody>
       </p:sp>
     </p:spTree>
     <p:extLst>
       <p:ext uri="{BB962C8B-B14F-4D97-AF65-F5344CB8AC3E}">
-        <p14:creationId xmlns:p14="http://schemas.microsoft.com/office/powerpoint/2010/main" val="718509098"/>
+        <p14:creationId xmlns:p14="http://schemas.microsoft.com/office/powerpoint/2010/main" val="816383995"/>
       </p:ext>
     </p:extLst>
   </p:cSld>
   <p:clrMapOvr>
     <a:masterClrMapping/>
   </p:clrMapOvr>
+  <p:timing>
+    <p:tnLst>
+      <p:par>
+        <p:cTn xmlns:p14="http://schemas.microsoft.com/office/powerpoint/2010/main" id="1" dur="indefinite" restart="never" nodeType="tmRoot"/>
+      </p:par>
+    </p:tnLst>
+  </p:timing>
 </p:sld>
 </file>
 
@@ -9058,8 +8065,8 @@
           <a:lstStyle/>
           <a:p>
             <a:r>
-              <a:rPr lang="en-US" dirty="0" err="1" smtClean="0"/>
-              <a:t>GraphX</a:t>
+              <a:rPr lang="en-US" dirty="0" smtClean="0"/>
+              <a:t>Locality</a:t>
             </a:r>
             <a:endParaRPr lang="en-US" dirty="0"/>
           </a:p>
@@ -9082,72 +8089,50 @@
           <a:p>
             <a:r>
               <a:rPr lang="en-US" dirty="0" smtClean="0"/>
-              <a:t>  </a:t>
-            </a:r>
-          </a:p>
-          <a:p>
+              <a:t>Spark understands the locality of data:</a:t>
+            </a:r>
+          </a:p>
+          <a:p>
+            <a:pPr lvl="1"/>
+            <a:r>
+              <a:rPr lang="en-US" dirty="0" smtClean="0"/>
+              <a:t>Already in memory</a:t>
+            </a:r>
+          </a:p>
+          <a:p>
+            <a:pPr lvl="1"/>
+            <a:r>
+              <a:rPr lang="en-US" dirty="0" smtClean="0"/>
+              <a:t>HDFS location</a:t>
+            </a:r>
+          </a:p>
+          <a:p>
+            <a:pPr lvl="1"/>
+            <a:r>
+              <a:rPr lang="en-US" dirty="0" smtClean="0"/>
+              <a:t>Cassandra location</a:t>
+            </a:r>
             <a:endParaRPr lang="en-US" dirty="0"/>
           </a:p>
         </p:txBody>
       </p:sp>
-      <p:pic>
-        <p:nvPicPr>
-          <p:cNvPr id="4" name="Picture 3"/>
-          <p:cNvPicPr>
-            <a:picLocks noChangeAspect="1"/>
-          </p:cNvPicPr>
-          <p:nvPr/>
-        </p:nvPicPr>
-        <p:blipFill>
-          <a:blip r:embed="rId2"/>
-          <a:stretch>
-            <a:fillRect/>
-          </a:stretch>
-        </p:blipFill>
-        <p:spPr>
-          <a:xfrm>
-            <a:off x="6313668" y="274638"/>
-            <a:ext cx="2639155" cy="904155"/>
-          </a:xfrm>
-          <a:prstGeom prst="rect">
-            <a:avLst/>
-          </a:prstGeom>
-        </p:spPr>
-      </p:pic>
-      <p:pic>
-        <p:nvPicPr>
-          <p:cNvPr id="5" name="Picture 4"/>
-          <p:cNvPicPr>
-            <a:picLocks noChangeAspect="1"/>
-          </p:cNvPicPr>
-          <p:nvPr/>
-        </p:nvPicPr>
-        <p:blipFill>
-          <a:blip r:embed="rId3"/>
-          <a:stretch>
-            <a:fillRect/>
-          </a:stretch>
-        </p:blipFill>
-        <p:spPr>
-          <a:xfrm>
-            <a:off x="1160710" y="1295243"/>
-            <a:ext cx="7128120" cy="4630232"/>
-          </a:xfrm>
-          <a:prstGeom prst="rect">
-            <a:avLst/>
-          </a:prstGeom>
-        </p:spPr>
-      </p:pic>
     </p:spTree>
     <p:extLst>
       <p:ext uri="{BB962C8B-B14F-4D97-AF65-F5344CB8AC3E}">
-        <p14:creationId xmlns:p14="http://schemas.microsoft.com/office/powerpoint/2010/main" val="303583761"/>
+        <p14:creationId xmlns:p14="http://schemas.microsoft.com/office/powerpoint/2010/main" val="546616968"/>
       </p:ext>
     </p:extLst>
   </p:cSld>
   <p:clrMapOvr>
     <a:masterClrMapping/>
   </p:clrMapOvr>
+  <p:timing>
+    <p:tnLst>
+      <p:par>
+        <p:cTn xmlns:p14="http://schemas.microsoft.com/office/powerpoint/2010/main" id="1" dur="indefinite" restart="never" nodeType="tmRoot"/>
+      </p:par>
+    </p:tnLst>
+  </p:timing>
 </p:sld>
 </file>
 
@@ -9185,7 +8170,7 @@
           <a:p>
             <a:r>
               <a:rPr lang="en-US" dirty="0" smtClean="0"/>
-              <a:t>R</a:t>
+              <a:t>Spark Extras</a:t>
             </a:r>
             <a:endParaRPr lang="en-US" dirty="0"/>
           </a:p>
@@ -9193,83 +8178,299 @@
       </p:sp>
       <p:sp>
         <p:nvSpPr>
-          <p:cNvPr id="3" name="Content Placeholder 2"/>
-          <p:cNvSpPr>
-            <a:spLocks noGrp="1"/>
-          </p:cNvSpPr>
-          <p:nvPr>
-            <p:ph idx="1"/>
-          </p:nvPr>
-        </p:nvSpPr>
-        <p:spPr/>
-        <p:txBody>
-          <a:bodyPr>
-            <a:normAutofit lnSpcReduction="10000"/>
-          </a:bodyPr>
-          <a:lstStyle/>
-          <a:p>
-            <a:r>
-              <a:rPr lang="en-US" dirty="0" smtClean="0"/>
-              <a:t> R is an open source system for statistics and graphics</a:t>
-            </a:r>
-          </a:p>
-          <a:p>
-            <a:pPr lvl="1"/>
-            <a:r>
-              <a:rPr lang="en-US" dirty="0" smtClean="0"/>
-              <a:t>Based on the S language from AT&amp;T Bell Labs</a:t>
-            </a:r>
-          </a:p>
-          <a:p>
-            <a:r>
-              <a:rPr lang="en-US" dirty="0" smtClean="0"/>
-              <a:t>Supports a wide variety of statistical techniques and graphing tools</a:t>
-            </a:r>
-          </a:p>
-          <a:p>
-            <a:r>
-              <a:rPr lang="en-US" dirty="0" smtClean="0"/>
-              <a:t>An extensible set of packages that provide extra functions via CRAN</a:t>
-            </a:r>
-          </a:p>
-          <a:p>
-            <a:pPr lvl="1"/>
-            <a:r>
-              <a:rPr lang="en-US" dirty="0" smtClean="0"/>
-              <a:t>The Comprehensive R Archive Network</a:t>
-            </a:r>
-            <a:endParaRPr lang="en-US" dirty="0"/>
-          </a:p>
-        </p:txBody>
-      </p:sp>
-      <p:pic>
-        <p:nvPicPr>
-          <p:cNvPr id="5" name="Picture 4"/>
-          <p:cNvPicPr>
-            <a:picLocks noChangeAspect="1"/>
-          </p:cNvPicPr>
+          <p:cNvPr id="4" name="Rounded Rectangle 3"/>
+          <p:cNvSpPr/>
           <p:nvPr/>
-        </p:nvPicPr>
-        <p:blipFill>
-          <a:blip r:embed="rId2"/>
-          <a:stretch>
-            <a:fillRect/>
-          </a:stretch>
-        </p:blipFill>
+        </p:nvSpPr>
         <p:spPr>
           <a:xfrm>
-            <a:off x="7685385" y="117126"/>
-            <a:ext cx="1170279" cy="906966"/>
+            <a:off x="812800" y="4510708"/>
+            <a:ext cx="7467600" cy="1117600"/>
           </a:xfrm>
-          <a:prstGeom prst="rect">
+          <a:prstGeom prst="roundRect">
             <a:avLst/>
           </a:prstGeom>
         </p:spPr>
-      </p:pic>
+        <p:style>
+          <a:lnRef idx="1">
+            <a:schemeClr val="accent1"/>
+          </a:lnRef>
+          <a:fillRef idx="2">
+            <a:schemeClr val="accent1"/>
+          </a:fillRef>
+          <a:effectRef idx="1">
+            <a:schemeClr val="accent1"/>
+          </a:effectRef>
+          <a:fontRef idx="minor">
+            <a:schemeClr val="dk1"/>
+          </a:fontRef>
+        </p:style>
+        <p:txBody>
+          <a:bodyPr rtlCol="0" anchor="ctr"/>
+          <a:lstStyle/>
+          <a:p>
+            <a:pPr algn="ctr"/>
+            <a:r>
+              <a:rPr lang="en-US" sz="2800" dirty="0" smtClean="0">
+                <a:latin typeface="Montserrat"/>
+              </a:rPr>
+              <a:t>Spark Core</a:t>
+            </a:r>
+            <a:endParaRPr lang="en-US" sz="2800" dirty="0">
+              <a:latin typeface="Montserrat"/>
+            </a:endParaRPr>
+          </a:p>
+        </p:txBody>
+      </p:sp>
+      <p:sp>
+        <p:nvSpPr>
+          <p:cNvPr id="5" name="Rounded Rectangle 4"/>
+          <p:cNvSpPr/>
+          <p:nvPr/>
+        </p:nvSpPr>
+        <p:spPr>
+          <a:xfrm>
+            <a:off x="812800" y="1902148"/>
+            <a:ext cx="1371600" cy="2463800"/>
+          </a:xfrm>
+          <a:prstGeom prst="roundRect">
+            <a:avLst/>
+          </a:prstGeom>
+        </p:spPr>
+        <p:style>
+          <a:lnRef idx="1">
+            <a:schemeClr val="accent4"/>
+          </a:lnRef>
+          <a:fillRef idx="2">
+            <a:schemeClr val="accent4"/>
+          </a:fillRef>
+          <a:effectRef idx="1">
+            <a:schemeClr val="accent4"/>
+          </a:effectRef>
+          <a:fontRef idx="minor">
+            <a:schemeClr val="dk1"/>
+          </a:fontRef>
+        </p:style>
+        <p:txBody>
+          <a:bodyPr rtlCol="0" anchor="ctr"/>
+          <a:lstStyle/>
+          <a:p>
+            <a:pPr algn="ctr"/>
+            <a:r>
+              <a:rPr lang="en-US" sz="1400" dirty="0" smtClean="0">
+                <a:latin typeface="Montserrat"/>
+              </a:rPr>
+              <a:t>Spark </a:t>
+            </a:r>
+          </a:p>
+          <a:p>
+            <a:pPr algn="ctr"/>
+            <a:r>
+              <a:rPr lang="en-US" sz="1400" dirty="0" smtClean="0">
+                <a:latin typeface="Montserrat"/>
+              </a:rPr>
+              <a:t>SQL</a:t>
+            </a:r>
+            <a:endParaRPr lang="en-US" sz="1400" dirty="0">
+              <a:latin typeface="Montserrat"/>
+            </a:endParaRPr>
+          </a:p>
+        </p:txBody>
+      </p:sp>
+      <p:sp>
+        <p:nvSpPr>
+          <p:cNvPr id="6" name="Rounded Rectangle 5"/>
+          <p:cNvSpPr/>
+          <p:nvPr/>
+        </p:nvSpPr>
+        <p:spPr>
+          <a:xfrm>
+            <a:off x="2336800" y="1902148"/>
+            <a:ext cx="1371600" cy="2463800"/>
+          </a:xfrm>
+          <a:prstGeom prst="roundRect">
+            <a:avLst/>
+          </a:prstGeom>
+        </p:spPr>
+        <p:style>
+          <a:lnRef idx="1">
+            <a:schemeClr val="accent4"/>
+          </a:lnRef>
+          <a:fillRef idx="2">
+            <a:schemeClr val="accent4"/>
+          </a:fillRef>
+          <a:effectRef idx="1">
+            <a:schemeClr val="accent4"/>
+          </a:effectRef>
+          <a:fontRef idx="minor">
+            <a:schemeClr val="dk1"/>
+          </a:fontRef>
+        </p:style>
+        <p:txBody>
+          <a:bodyPr rtlCol="0" anchor="ctr"/>
+          <a:lstStyle/>
+          <a:p>
+            <a:pPr algn="ctr"/>
+            <a:r>
+              <a:rPr lang="en-US" sz="1400" dirty="0" smtClean="0">
+                <a:latin typeface="Montserrat"/>
+              </a:rPr>
+              <a:t>Spark Streaming</a:t>
+            </a:r>
+            <a:endParaRPr lang="en-US" sz="1400" dirty="0">
+              <a:latin typeface="Montserrat"/>
+            </a:endParaRPr>
+          </a:p>
+        </p:txBody>
+      </p:sp>
+      <p:sp>
+        <p:nvSpPr>
+          <p:cNvPr id="7" name="Rounded Rectangle 6"/>
+          <p:cNvSpPr/>
+          <p:nvPr/>
+        </p:nvSpPr>
+        <p:spPr>
+          <a:xfrm>
+            <a:off x="3860800" y="1902148"/>
+            <a:ext cx="1371600" cy="2463800"/>
+          </a:xfrm>
+          <a:prstGeom prst="roundRect">
+            <a:avLst/>
+          </a:prstGeom>
+        </p:spPr>
+        <p:style>
+          <a:lnRef idx="1">
+            <a:schemeClr val="accent4"/>
+          </a:lnRef>
+          <a:fillRef idx="2">
+            <a:schemeClr val="accent4"/>
+          </a:fillRef>
+          <a:effectRef idx="1">
+            <a:schemeClr val="accent4"/>
+          </a:effectRef>
+          <a:fontRef idx="minor">
+            <a:schemeClr val="dk1"/>
+          </a:fontRef>
+        </p:style>
+        <p:txBody>
+          <a:bodyPr rtlCol="0" anchor="ctr"/>
+          <a:lstStyle/>
+          <a:p>
+            <a:pPr algn="ctr"/>
+            <a:r>
+              <a:rPr lang="en-US" sz="1400" dirty="0" smtClean="0">
+                <a:latin typeface="Montserrat"/>
+              </a:rPr>
+              <a:t>Spark</a:t>
+            </a:r>
+          </a:p>
+          <a:p>
+            <a:pPr algn="ctr"/>
+            <a:r>
+              <a:rPr lang="en-US" sz="1400" dirty="0" smtClean="0">
+                <a:latin typeface="Montserrat"/>
+              </a:rPr>
+              <a:t>MLlib	</a:t>
+            </a:r>
+          </a:p>
+        </p:txBody>
+      </p:sp>
+      <p:sp>
+        <p:nvSpPr>
+          <p:cNvPr id="8" name="Rounded Rectangle 7"/>
+          <p:cNvSpPr/>
+          <p:nvPr/>
+        </p:nvSpPr>
+        <p:spPr>
+          <a:xfrm>
+            <a:off x="5384800" y="1902148"/>
+            <a:ext cx="1371600" cy="2463800"/>
+          </a:xfrm>
+          <a:prstGeom prst="roundRect">
+            <a:avLst/>
+          </a:prstGeom>
+        </p:spPr>
+        <p:style>
+          <a:lnRef idx="1">
+            <a:schemeClr val="accent4"/>
+          </a:lnRef>
+          <a:fillRef idx="2">
+            <a:schemeClr val="accent4"/>
+          </a:fillRef>
+          <a:effectRef idx="1">
+            <a:schemeClr val="accent4"/>
+          </a:effectRef>
+          <a:fontRef idx="minor">
+            <a:schemeClr val="dk1"/>
+          </a:fontRef>
+        </p:style>
+        <p:txBody>
+          <a:bodyPr rtlCol="0" anchor="ctr"/>
+          <a:lstStyle/>
+          <a:p>
+            <a:pPr algn="ctr"/>
+            <a:r>
+              <a:rPr lang="en-US" sz="1400" dirty="0" err="1" smtClean="0">
+                <a:latin typeface="Montserrat"/>
+              </a:rPr>
+              <a:t>SparkR</a:t>
+            </a:r>
+            <a:endParaRPr lang="en-US" sz="1400" dirty="0">
+              <a:latin typeface="Montserrat"/>
+            </a:endParaRPr>
+          </a:p>
+        </p:txBody>
+      </p:sp>
+      <p:sp>
+        <p:nvSpPr>
+          <p:cNvPr id="9" name="Rounded Rectangle 8"/>
+          <p:cNvSpPr/>
+          <p:nvPr/>
+        </p:nvSpPr>
+        <p:spPr>
+          <a:xfrm>
+            <a:off x="6908800" y="1902148"/>
+            <a:ext cx="1371600" cy="2463800"/>
+          </a:xfrm>
+          <a:prstGeom prst="roundRect">
+            <a:avLst/>
+          </a:prstGeom>
+        </p:spPr>
+        <p:style>
+          <a:lnRef idx="1">
+            <a:schemeClr val="accent4"/>
+          </a:lnRef>
+          <a:fillRef idx="2">
+            <a:schemeClr val="accent4"/>
+          </a:fillRef>
+          <a:effectRef idx="1">
+            <a:schemeClr val="accent4"/>
+          </a:effectRef>
+          <a:fontRef idx="minor">
+            <a:schemeClr val="dk1"/>
+          </a:fontRef>
+        </p:style>
+        <p:txBody>
+          <a:bodyPr rtlCol="0" anchor="ctr"/>
+          <a:lstStyle/>
+          <a:p>
+            <a:pPr algn="ctr"/>
+            <a:r>
+              <a:rPr lang="en-US" sz="1400" dirty="0" err="1" smtClean="0">
+                <a:latin typeface="Montserrat"/>
+              </a:rPr>
+              <a:t>GraphX</a:t>
+            </a:r>
+            <a:endParaRPr lang="en-US" sz="1400" dirty="0">
+              <a:latin typeface="Montserrat"/>
+            </a:endParaRPr>
+          </a:p>
+        </p:txBody>
+      </p:sp>
     </p:spTree>
     <p:extLst>
       <p:ext uri="{BB962C8B-B14F-4D97-AF65-F5344CB8AC3E}">
-        <p14:creationId xmlns:p14="http://schemas.microsoft.com/office/powerpoint/2010/main" val="2680998897"/>
+        <p14:creationId xmlns:p14="http://schemas.microsoft.com/office/powerpoint/2010/main" val="1179171226"/>
       </p:ext>
     </p:extLst>
   </p:cSld>
@@ -9312,43 +8513,108 @@
           <a:lstStyle/>
           <a:p>
             <a:r>
+              <a:rPr lang="en-US" dirty="0" smtClean="0"/>
+              <a:t>Spark Extras</a:t>
+            </a:r>
+            <a:endParaRPr lang="en-US" dirty="0"/>
+          </a:p>
+        </p:txBody>
+      </p:sp>
+      <p:sp>
+        <p:nvSpPr>
+          <p:cNvPr id="3" name="Content Placeholder 2"/>
+          <p:cNvSpPr>
+            <a:spLocks noGrp="1"/>
+          </p:cNvSpPr>
+          <p:nvPr>
+            <p:ph idx="1"/>
+          </p:nvPr>
+        </p:nvSpPr>
+        <p:spPr/>
+        <p:txBody>
+          <a:bodyPr>
+            <a:normAutofit fontScale="92500" lnSpcReduction="20000"/>
+          </a:bodyPr>
+          <a:lstStyle/>
+          <a:p>
+            <a:r>
+              <a:rPr lang="en-US" dirty="0" smtClean="0"/>
+              <a:t>Spark SQL</a:t>
+            </a:r>
+          </a:p>
+          <a:p>
+            <a:pPr lvl="1"/>
+            <a:r>
+              <a:rPr lang="en-US" dirty="0" smtClean="0"/>
+              <a:t>Like Apache Hive – use SQL in Spark</a:t>
+            </a:r>
+          </a:p>
+          <a:p>
+            <a:r>
+              <a:rPr lang="en-US" dirty="0" smtClean="0"/>
+              <a:t>Spark Streaming	</a:t>
+            </a:r>
+          </a:p>
+          <a:p>
+            <a:pPr lvl="1"/>
+            <a:r>
+              <a:rPr lang="en-US" dirty="0" err="1" smtClean="0"/>
+              <a:t>Realtime</a:t>
+            </a:r>
+            <a:r>
+              <a:rPr lang="en-US" dirty="0" smtClean="0"/>
+              <a:t> analysis </a:t>
+            </a:r>
+            <a:r>
+              <a:rPr lang="en-US" smtClean="0"/>
+              <a:t>in Spark</a:t>
+            </a:r>
+            <a:endParaRPr lang="en-US" dirty="0" smtClean="0"/>
+          </a:p>
+          <a:p>
+            <a:r>
+              <a:rPr lang="en-US" dirty="0" smtClean="0"/>
+              <a:t>Spark </a:t>
+            </a:r>
+            <a:r>
+              <a:rPr lang="en-US" dirty="0" err="1" smtClean="0"/>
+              <a:t>MLLib</a:t>
+            </a:r>
+            <a:endParaRPr lang="en-US" dirty="0" smtClean="0"/>
+          </a:p>
+          <a:p>
+            <a:pPr lvl="1"/>
+            <a:r>
+              <a:rPr lang="en-US" dirty="0" smtClean="0"/>
+              <a:t>Like Mahout – Machine learning in Spark</a:t>
+            </a:r>
+          </a:p>
+          <a:p>
+            <a:r>
+              <a:rPr lang="en-US" dirty="0" err="1" smtClean="0"/>
+              <a:t>GraphX</a:t>
+            </a:r>
+            <a:endParaRPr lang="en-US" dirty="0" smtClean="0"/>
+          </a:p>
+          <a:p>
+            <a:pPr lvl="1"/>
+            <a:r>
+              <a:rPr lang="en-US" dirty="0" smtClean="0"/>
+              <a:t>Graph processing in Spark</a:t>
+            </a:r>
+          </a:p>
+          <a:p>
+            <a:r>
               <a:rPr lang="en-US" dirty="0" err="1" smtClean="0"/>
               <a:t>SparkR</a:t>
             </a:r>
-            <a:endParaRPr lang="en-US" dirty="0"/>
-          </a:p>
-        </p:txBody>
-      </p:sp>
-      <p:sp>
-        <p:nvSpPr>
-          <p:cNvPr id="3" name="Content Placeholder 2"/>
-          <p:cNvSpPr>
-            <a:spLocks noGrp="1"/>
-          </p:cNvSpPr>
-          <p:nvPr>
-            <p:ph idx="1"/>
-          </p:nvPr>
-        </p:nvSpPr>
-        <p:spPr/>
-        <p:txBody>
-          <a:bodyPr/>
-          <a:lstStyle/>
-          <a:p>
-            <a:r>
-              <a:rPr lang="en-US" dirty="0" smtClean="0"/>
-              <a:t>A lightweight approach to use Spark from within R</a:t>
-            </a:r>
-          </a:p>
-          <a:p>
-            <a:r>
-              <a:rPr lang="en-US" dirty="0" smtClean="0"/>
-              <a:t>Also works with MLlib for machine learning</a:t>
-            </a:r>
-          </a:p>
-          <a:p>
-            <a:r>
-              <a:rPr lang="en-US" dirty="0" smtClean="0"/>
-              <a:t>Allows complex statistical analysis to be done on a Spark cluster </a:t>
+            <a:endParaRPr lang="en-US" dirty="0" smtClean="0"/>
+          </a:p>
+          <a:p>
+            <a:pPr lvl="1"/>
+            <a:r>
+              <a:rPr lang="en-US" dirty="0" smtClean="0"/>
+              <a:t>R statistical analysis on Spark</a:t>
             </a:r>
             <a:endParaRPr lang="en-US" dirty="0"/>
           </a:p>
@@ -9357,7 +8623,7 @@
     </p:spTree>
     <p:extLst>
       <p:ext uri="{BB962C8B-B14F-4D97-AF65-F5344CB8AC3E}">
-        <p14:creationId xmlns:p14="http://schemas.microsoft.com/office/powerpoint/2010/main" val="3906456086"/>
+        <p14:creationId xmlns:p14="http://schemas.microsoft.com/office/powerpoint/2010/main" val="2973337137"/>
       </p:ext>
     </p:extLst>
   </p:cSld>
@@ -9400,8 +8666,85 @@
           <a:lstStyle/>
           <a:p>
             <a:r>
-              <a:rPr lang="en-US" dirty="0" smtClean="0"/>
-              <a:t>Questions?</a:t>
+              <a:rPr lang="en-US" dirty="0" err="1" smtClean="0"/>
+              <a:t>SparkSQL</a:t>
+            </a:r>
+            <a:endParaRPr lang="en-US" dirty="0"/>
+          </a:p>
+        </p:txBody>
+      </p:sp>
+      <p:sp>
+        <p:nvSpPr>
+          <p:cNvPr id="3" name="Content Placeholder 2"/>
+          <p:cNvSpPr>
+            <a:spLocks noGrp="1"/>
+          </p:cNvSpPr>
+          <p:nvPr>
+            <p:ph idx="1"/>
+          </p:nvPr>
+        </p:nvSpPr>
+        <p:spPr/>
+        <p:txBody>
+          <a:bodyPr>
+            <a:normAutofit fontScale="92500" lnSpcReduction="10000"/>
+          </a:bodyPr>
+          <a:lstStyle/>
+          <a:p>
+            <a:r>
+              <a:rPr lang="en-US" dirty="0" smtClean="0"/>
+              <a:t>Integrates into existing Spark programs</a:t>
+            </a:r>
+          </a:p>
+          <a:p>
+            <a:pPr lvl="1"/>
+            <a:r>
+              <a:rPr lang="en-US" dirty="0" smtClean="0"/>
+              <a:t>Mixes SQL with Python, </a:t>
+            </a:r>
+            <a:r>
+              <a:rPr lang="en-US" dirty="0" err="1" smtClean="0"/>
+              <a:t>Scala</a:t>
+            </a:r>
+            <a:r>
+              <a:rPr lang="en-US" dirty="0" smtClean="0"/>
+              <a:t> or Java</a:t>
+            </a:r>
+          </a:p>
+          <a:p>
+            <a:r>
+              <a:rPr lang="en-US" dirty="0" smtClean="0"/>
+              <a:t>Integrates data from CSV, Avro, Parquet, JDBC, ODBC, JSON, </a:t>
+            </a:r>
+            <a:r>
+              <a:rPr lang="en-US" dirty="0" err="1" smtClean="0"/>
+              <a:t>etc</a:t>
+            </a:r>
+            <a:endParaRPr lang="en-US" dirty="0" smtClean="0"/>
+          </a:p>
+          <a:p>
+            <a:pPr lvl="1"/>
+            <a:r>
+              <a:rPr lang="en-US" dirty="0" smtClean="0"/>
+              <a:t>Including joins across them</a:t>
+            </a:r>
+          </a:p>
+          <a:p>
+            <a:r>
+              <a:rPr lang="en-US" dirty="0" smtClean="0"/>
+              <a:t>Fully supports Apache Hive</a:t>
+            </a:r>
+          </a:p>
+          <a:p>
+            <a:pPr lvl="1"/>
+            <a:r>
+              <a:rPr lang="en-US" i="1" dirty="0" smtClean="0"/>
+              <a:t>If you build it with Hive support</a:t>
+            </a:r>
+          </a:p>
+          <a:p>
+            <a:r>
+              <a:rPr lang="en-US" dirty="0" smtClean="0"/>
+              <a:t>Fits into the resilient scalable model of Spark</a:t>
             </a:r>
             <a:endParaRPr lang="en-US" dirty="0"/>
           </a:p>
@@ -9410,7 +8753,526 @@
     </p:spTree>
     <p:extLst>
       <p:ext uri="{BB962C8B-B14F-4D97-AF65-F5344CB8AC3E}">
-        <p14:creationId xmlns:p14="http://schemas.microsoft.com/office/powerpoint/2010/main" val="4217437947"/>
+        <p14:creationId xmlns:p14="http://schemas.microsoft.com/office/powerpoint/2010/main" val="2727632874"/>
+      </p:ext>
+    </p:extLst>
+  </p:cSld>
+  <p:clrMapOvr>
+    <a:masterClrMapping/>
+  </p:clrMapOvr>
+</p:sld>
+</file>
+
+<file path=ppt/slides/slide39.xml><?xml version="1.0" encoding="utf-8"?>
+<p:sld xmlns:a="http://schemas.openxmlformats.org/drawingml/2006/main" xmlns:r="http://schemas.openxmlformats.org/officeDocument/2006/relationships" xmlns:p="http://schemas.openxmlformats.org/presentationml/2006/main">
+  <p:cSld>
+    <p:spTree>
+      <p:nvGrpSpPr>
+        <p:cNvPr id="1" name=""/>
+        <p:cNvGrpSpPr/>
+        <p:nvPr/>
+      </p:nvGrpSpPr>
+      <p:grpSpPr>
+        <a:xfrm>
+          <a:off x="0" y="0"/>
+          <a:ext cx="0" cy="0"/>
+          <a:chOff x="0" y="0"/>
+          <a:chExt cx="0" cy="0"/>
+        </a:xfrm>
+      </p:grpSpPr>
+      <p:sp>
+        <p:nvSpPr>
+          <p:cNvPr id="2" name="Title 1"/>
+          <p:cNvSpPr>
+            <a:spLocks noGrp="1"/>
+          </p:cNvSpPr>
+          <p:nvPr>
+            <p:ph type="title"/>
+          </p:nvPr>
+        </p:nvSpPr>
+        <p:spPr/>
+        <p:txBody>
+          <a:bodyPr/>
+          <a:lstStyle/>
+          <a:p>
+            <a:r>
+              <a:rPr lang="en-US" dirty="0" smtClean="0"/>
+              <a:t>Spark SQL example</a:t>
+            </a:r>
+            <a:endParaRPr lang="en-US" dirty="0"/>
+          </a:p>
+        </p:txBody>
+      </p:sp>
+      <p:sp>
+        <p:nvSpPr>
+          <p:cNvPr id="3" name="Content Placeholder 2"/>
+          <p:cNvSpPr>
+            <a:spLocks noGrp="1"/>
+          </p:cNvSpPr>
+          <p:nvPr>
+            <p:ph idx="1"/>
+          </p:nvPr>
+        </p:nvSpPr>
+        <p:spPr/>
+        <p:txBody>
+          <a:bodyPr>
+            <a:normAutofit fontScale="47500" lnSpcReduction="20000"/>
+          </a:bodyPr>
+          <a:lstStyle/>
+          <a:p>
+            <a:pPr marL="0" indent="0">
+              <a:buNone/>
+            </a:pPr>
+            <a:r>
+              <a:rPr lang="en-US" dirty="0">
+                <a:latin typeface="Lucida Console"/>
+                <a:cs typeface="Lucida Console"/>
+              </a:rPr>
+              <a:t>from </a:t>
+            </a:r>
+            <a:r>
+              <a:rPr lang="en-US" dirty="0" err="1">
+                <a:latin typeface="Lucida Console"/>
+                <a:cs typeface="Lucida Console"/>
+              </a:rPr>
+              <a:t>pyspark.sql</a:t>
+            </a:r>
+            <a:r>
+              <a:rPr lang="en-US" dirty="0">
+                <a:latin typeface="Lucida Console"/>
+                <a:cs typeface="Lucida Console"/>
+              </a:rPr>
+              <a:t> import </a:t>
+            </a:r>
+            <a:r>
+              <a:rPr lang="en-US" dirty="0" err="1">
+                <a:latin typeface="Lucida Console"/>
+                <a:cs typeface="Lucida Console"/>
+              </a:rPr>
+              <a:t>SQLContext</a:t>
+            </a:r>
+            <a:r>
+              <a:rPr lang="en-US" dirty="0">
+                <a:latin typeface="Lucida Console"/>
+                <a:cs typeface="Lucida Console"/>
+              </a:rPr>
+              <a:t>, Row</a:t>
+            </a:r>
+          </a:p>
+          <a:p>
+            <a:pPr marL="0" indent="0">
+              <a:buNone/>
+            </a:pPr>
+            <a:r>
+              <a:rPr lang="en-US" dirty="0" err="1">
+                <a:latin typeface="Lucida Console"/>
+                <a:cs typeface="Lucida Console"/>
+              </a:rPr>
+              <a:t>sqlContext</a:t>
+            </a:r>
+            <a:r>
+              <a:rPr lang="en-US" dirty="0">
+                <a:latin typeface="Lucida Console"/>
+                <a:cs typeface="Lucida Console"/>
+              </a:rPr>
+              <a:t> = </a:t>
+            </a:r>
+            <a:r>
+              <a:rPr lang="en-US" dirty="0" err="1">
+                <a:latin typeface="Lucida Console"/>
+                <a:cs typeface="Lucida Console"/>
+              </a:rPr>
+              <a:t>SQLContext</a:t>
+            </a:r>
+            <a:r>
+              <a:rPr lang="en-US" dirty="0">
+                <a:latin typeface="Lucida Console"/>
+                <a:cs typeface="Lucida Console"/>
+              </a:rPr>
+              <a:t>(</a:t>
+            </a:r>
+            <a:r>
+              <a:rPr lang="en-US" dirty="0" err="1">
+                <a:latin typeface="Lucida Console"/>
+                <a:cs typeface="Lucida Console"/>
+              </a:rPr>
+              <a:t>sc</a:t>
+            </a:r>
+            <a:r>
+              <a:rPr lang="en-US" dirty="0">
+                <a:latin typeface="Lucida Console"/>
+                <a:cs typeface="Lucida Console"/>
+              </a:rPr>
+              <a:t>)</a:t>
+            </a:r>
+          </a:p>
+          <a:p>
+            <a:pPr marL="0" indent="0">
+              <a:buNone/>
+            </a:pPr>
+            <a:endParaRPr lang="en-US" dirty="0">
+              <a:latin typeface="Lucida Console"/>
+              <a:cs typeface="Lucida Console"/>
+            </a:endParaRPr>
+          </a:p>
+          <a:p>
+            <a:pPr marL="0" indent="0">
+              <a:buNone/>
+            </a:pPr>
+            <a:r>
+              <a:rPr lang="en-US" dirty="0">
+                <a:latin typeface="Lucida Console"/>
+                <a:cs typeface="Lucida Console"/>
+              </a:rPr>
+              <a:t>lines = </a:t>
+            </a:r>
+            <a:r>
+              <a:rPr lang="en-US" dirty="0" err="1">
+                <a:latin typeface="Lucida Console"/>
+                <a:cs typeface="Lucida Console"/>
+              </a:rPr>
+              <a:t>sc.textFile</a:t>
+            </a:r>
+            <a:r>
+              <a:rPr lang="en-US" dirty="0">
+                <a:latin typeface="Lucida Console"/>
+                <a:cs typeface="Lucida Console"/>
+              </a:rPr>
+              <a:t>("examples/</a:t>
+            </a:r>
+            <a:r>
+              <a:rPr lang="en-US" dirty="0" err="1">
+                <a:latin typeface="Lucida Console"/>
+                <a:cs typeface="Lucida Console"/>
+              </a:rPr>
+              <a:t>src</a:t>
+            </a:r>
+            <a:r>
+              <a:rPr lang="en-US" dirty="0">
+                <a:latin typeface="Lucida Console"/>
+                <a:cs typeface="Lucida Console"/>
+              </a:rPr>
+              <a:t>/main/resources/</a:t>
+            </a:r>
+            <a:r>
+              <a:rPr lang="en-US" dirty="0" err="1">
+                <a:latin typeface="Lucida Console"/>
+                <a:cs typeface="Lucida Console"/>
+              </a:rPr>
+              <a:t>people.txt</a:t>
+            </a:r>
+            <a:r>
+              <a:rPr lang="en-US" dirty="0">
+                <a:latin typeface="Lucida Console"/>
+                <a:cs typeface="Lucida Console"/>
+              </a:rPr>
+              <a:t>")</a:t>
+            </a:r>
+          </a:p>
+          <a:p>
+            <a:pPr marL="0" indent="0">
+              <a:buNone/>
+            </a:pPr>
+            <a:r>
+              <a:rPr lang="en-US" dirty="0">
+                <a:latin typeface="Lucida Console"/>
+                <a:cs typeface="Lucida Console"/>
+              </a:rPr>
+              <a:t>parts = </a:t>
+            </a:r>
+            <a:r>
+              <a:rPr lang="en-US" dirty="0" err="1">
+                <a:latin typeface="Lucida Console"/>
+                <a:cs typeface="Lucida Console"/>
+              </a:rPr>
+              <a:t>lines.map</a:t>
+            </a:r>
+            <a:r>
+              <a:rPr lang="en-US" dirty="0">
+                <a:latin typeface="Lucida Console"/>
+                <a:cs typeface="Lucida Console"/>
+              </a:rPr>
+              <a:t>(lambda l: </a:t>
+            </a:r>
+            <a:r>
+              <a:rPr lang="en-US" dirty="0" err="1">
+                <a:latin typeface="Lucida Console"/>
+                <a:cs typeface="Lucida Console"/>
+              </a:rPr>
+              <a:t>l.split</a:t>
+            </a:r>
+            <a:r>
+              <a:rPr lang="en-US" dirty="0">
+                <a:latin typeface="Lucida Console"/>
+                <a:cs typeface="Lucida Console"/>
+              </a:rPr>
+              <a:t>(","))</a:t>
+            </a:r>
+          </a:p>
+          <a:p>
+            <a:pPr marL="0" indent="0">
+              <a:buNone/>
+            </a:pPr>
+            <a:r>
+              <a:rPr lang="en-US" dirty="0">
+                <a:latin typeface="Lucida Console"/>
+                <a:cs typeface="Lucida Console"/>
+              </a:rPr>
+              <a:t>people = </a:t>
+            </a:r>
+            <a:r>
+              <a:rPr lang="en-US" dirty="0" err="1">
+                <a:latin typeface="Lucida Console"/>
+                <a:cs typeface="Lucida Console"/>
+              </a:rPr>
+              <a:t>parts.map</a:t>
+            </a:r>
+            <a:r>
+              <a:rPr lang="en-US" dirty="0">
+                <a:latin typeface="Lucida Console"/>
+                <a:cs typeface="Lucida Console"/>
+              </a:rPr>
+              <a:t>(lambda p: Row(name=p[0], age=</a:t>
+            </a:r>
+            <a:r>
+              <a:rPr lang="en-US" dirty="0" err="1">
+                <a:latin typeface="Lucida Console"/>
+                <a:cs typeface="Lucida Console"/>
+              </a:rPr>
+              <a:t>int</a:t>
+            </a:r>
+            <a:r>
+              <a:rPr lang="en-US" dirty="0">
+                <a:latin typeface="Lucida Console"/>
+                <a:cs typeface="Lucida Console"/>
+              </a:rPr>
+              <a:t>(p[1])))</a:t>
+            </a:r>
+          </a:p>
+          <a:p>
+            <a:pPr marL="0" indent="0">
+              <a:buNone/>
+            </a:pPr>
+            <a:endParaRPr lang="en-US" dirty="0">
+              <a:latin typeface="Lucida Console"/>
+              <a:cs typeface="Lucida Console"/>
+            </a:endParaRPr>
+          </a:p>
+          <a:p>
+            <a:pPr marL="0" indent="0">
+              <a:buNone/>
+            </a:pPr>
+            <a:r>
+              <a:rPr lang="en-US" dirty="0" err="1">
+                <a:latin typeface="Lucida Console"/>
+                <a:cs typeface="Lucida Console"/>
+              </a:rPr>
+              <a:t>schemaPeople</a:t>
+            </a:r>
+            <a:r>
+              <a:rPr lang="en-US" dirty="0">
+                <a:latin typeface="Lucida Console"/>
+                <a:cs typeface="Lucida Console"/>
+              </a:rPr>
+              <a:t> = </a:t>
+            </a:r>
+            <a:r>
+              <a:rPr lang="en-US" dirty="0" err="1">
+                <a:latin typeface="Lucida Console"/>
+                <a:cs typeface="Lucida Console"/>
+              </a:rPr>
+              <a:t>sqlContext.createDataFrame</a:t>
+            </a:r>
+            <a:r>
+              <a:rPr lang="en-US" dirty="0">
+                <a:latin typeface="Lucida Console"/>
+                <a:cs typeface="Lucida Console"/>
+              </a:rPr>
+              <a:t>(people)</a:t>
+            </a:r>
+          </a:p>
+          <a:p>
+            <a:pPr marL="0" indent="0">
+              <a:buNone/>
+            </a:pPr>
+            <a:r>
+              <a:rPr lang="en-US" dirty="0" err="1">
+                <a:latin typeface="Lucida Console"/>
+                <a:cs typeface="Lucida Console"/>
+              </a:rPr>
+              <a:t>schemaPeople.registerTempTable</a:t>
+            </a:r>
+            <a:r>
+              <a:rPr lang="en-US" dirty="0">
+                <a:latin typeface="Lucida Console"/>
+                <a:cs typeface="Lucida Console"/>
+              </a:rPr>
+              <a:t>("people")</a:t>
+            </a:r>
+          </a:p>
+          <a:p>
+            <a:pPr marL="0" indent="0">
+              <a:buNone/>
+            </a:pPr>
+            <a:endParaRPr lang="en-US" dirty="0">
+              <a:latin typeface="Lucida Console"/>
+              <a:cs typeface="Lucida Console"/>
+            </a:endParaRPr>
+          </a:p>
+          <a:p>
+            <a:pPr marL="0" indent="0">
+              <a:buNone/>
+            </a:pPr>
+            <a:r>
+              <a:rPr lang="en-US" dirty="0">
+                <a:latin typeface="Lucida Console"/>
+                <a:cs typeface="Lucida Console"/>
+              </a:rPr>
+              <a:t>teenagers = </a:t>
+            </a:r>
+            <a:r>
+              <a:rPr lang="en-US" dirty="0" err="1">
+                <a:latin typeface="Lucida Console"/>
+                <a:cs typeface="Lucida Console"/>
+              </a:rPr>
+              <a:t>sqlContext.sql</a:t>
+            </a:r>
+            <a:r>
+              <a:rPr lang="en-US" dirty="0">
+                <a:latin typeface="Lucida Console"/>
+                <a:cs typeface="Lucida Console"/>
+              </a:rPr>
+              <a:t>("SELECT name FROM people WHERE age &gt;= 13 AND age &lt;= 19")</a:t>
+            </a:r>
+          </a:p>
+          <a:p>
+            <a:pPr marL="0" indent="0">
+              <a:buNone/>
+            </a:pPr>
+            <a:endParaRPr lang="en-US" dirty="0">
+              <a:latin typeface="Lucida Console"/>
+              <a:cs typeface="Lucida Console"/>
+            </a:endParaRPr>
+          </a:p>
+          <a:p>
+            <a:pPr marL="0" indent="0">
+              <a:buNone/>
+            </a:pPr>
+            <a:r>
+              <a:rPr lang="en-US" dirty="0" err="1">
+                <a:latin typeface="Lucida Console"/>
+                <a:cs typeface="Lucida Console"/>
+              </a:rPr>
+              <a:t>teenNames</a:t>
+            </a:r>
+            <a:r>
+              <a:rPr lang="en-US" dirty="0">
+                <a:latin typeface="Lucida Console"/>
+                <a:cs typeface="Lucida Console"/>
+              </a:rPr>
+              <a:t> = </a:t>
+            </a:r>
+            <a:r>
+              <a:rPr lang="en-US" dirty="0" err="1">
+                <a:latin typeface="Lucida Console"/>
+                <a:cs typeface="Lucida Console"/>
+              </a:rPr>
+              <a:t>teenagers.map</a:t>
+            </a:r>
+            <a:r>
+              <a:rPr lang="en-US" dirty="0">
+                <a:latin typeface="Lucida Console"/>
+                <a:cs typeface="Lucida Console"/>
+              </a:rPr>
+              <a:t>(lambda p: "Name: " + </a:t>
+            </a:r>
+            <a:r>
+              <a:rPr lang="en-US" dirty="0" err="1">
+                <a:latin typeface="Lucida Console"/>
+                <a:cs typeface="Lucida Console"/>
+              </a:rPr>
+              <a:t>p.name</a:t>
+            </a:r>
+            <a:r>
+              <a:rPr lang="en-US" dirty="0">
+                <a:latin typeface="Lucida Console"/>
+                <a:cs typeface="Lucida Console"/>
+              </a:rPr>
+              <a:t>)</a:t>
+            </a:r>
+          </a:p>
+          <a:p>
+            <a:pPr marL="0" indent="0">
+              <a:buNone/>
+            </a:pPr>
+            <a:r>
+              <a:rPr lang="en-US" dirty="0">
+                <a:latin typeface="Lucida Console"/>
+                <a:cs typeface="Lucida Console"/>
+              </a:rPr>
+              <a:t>for </a:t>
+            </a:r>
+            <a:r>
+              <a:rPr lang="en-US" dirty="0" err="1">
+                <a:latin typeface="Lucida Console"/>
+                <a:cs typeface="Lucida Console"/>
+              </a:rPr>
+              <a:t>teenName</a:t>
+            </a:r>
+            <a:r>
+              <a:rPr lang="en-US" dirty="0">
+                <a:latin typeface="Lucida Console"/>
+                <a:cs typeface="Lucida Console"/>
+              </a:rPr>
+              <a:t> in </a:t>
+            </a:r>
+            <a:r>
+              <a:rPr lang="en-US" dirty="0" err="1">
+                <a:latin typeface="Lucida Console"/>
+                <a:cs typeface="Lucida Console"/>
+              </a:rPr>
+              <a:t>teenNames.collect</a:t>
+            </a:r>
+            <a:r>
+              <a:rPr lang="en-US" dirty="0">
+                <a:latin typeface="Lucida Console"/>
+                <a:cs typeface="Lucida Console"/>
+              </a:rPr>
+              <a:t>():</a:t>
+            </a:r>
+          </a:p>
+          <a:p>
+            <a:pPr marL="0" indent="0">
+              <a:buNone/>
+            </a:pPr>
+            <a:r>
+              <a:rPr lang="en-US" dirty="0">
+                <a:latin typeface="Lucida Console"/>
+                <a:cs typeface="Lucida Console"/>
+              </a:rPr>
+              <a:t>  print(</a:t>
+            </a:r>
+            <a:r>
+              <a:rPr lang="en-US" dirty="0" err="1">
+                <a:latin typeface="Lucida Console"/>
+                <a:cs typeface="Lucida Console"/>
+              </a:rPr>
+              <a:t>teenName</a:t>
+            </a:r>
+            <a:r>
+              <a:rPr lang="en-US" dirty="0">
+                <a:latin typeface="Lucida Console"/>
+                <a:cs typeface="Lucida Console"/>
+              </a:rPr>
+              <a:t>)</a:t>
+            </a:r>
+          </a:p>
+        </p:txBody>
+      </p:sp>
+    </p:spTree>
+    <p:extLst>
+      <p:ext uri="{BB962C8B-B14F-4D97-AF65-F5344CB8AC3E}">
+        <p14:creationId xmlns:p14="http://schemas.microsoft.com/office/powerpoint/2010/main" val="2424698580"/>
       </p:ext>
     </p:extLst>
   </p:cSld>
@@ -9981,6 +9843,886 @@
       </p:par>
     </p:tnLst>
   </p:timing>
+</p:sld>
+</file>
+
+<file path=ppt/slides/slide40.xml><?xml version="1.0" encoding="utf-8"?>
+<p:sld xmlns:a="http://schemas.openxmlformats.org/drawingml/2006/main" xmlns:r="http://schemas.openxmlformats.org/officeDocument/2006/relationships" xmlns:p="http://schemas.openxmlformats.org/presentationml/2006/main">
+  <p:cSld>
+    <p:spTree>
+      <p:nvGrpSpPr>
+        <p:cNvPr id="1" name=""/>
+        <p:cNvGrpSpPr/>
+        <p:nvPr/>
+      </p:nvGrpSpPr>
+      <p:grpSpPr>
+        <a:xfrm>
+          <a:off x="0" y="0"/>
+          <a:ext cx="0" cy="0"/>
+          <a:chOff x="0" y="0"/>
+          <a:chExt cx="0" cy="0"/>
+        </a:xfrm>
+      </p:grpSpPr>
+      <p:sp>
+        <p:nvSpPr>
+          <p:cNvPr id="2" name="Title 1"/>
+          <p:cNvSpPr>
+            <a:spLocks noGrp="1"/>
+          </p:cNvSpPr>
+          <p:nvPr>
+            <p:ph type="title"/>
+          </p:nvPr>
+        </p:nvSpPr>
+        <p:spPr/>
+        <p:txBody>
+          <a:bodyPr/>
+          <a:lstStyle/>
+          <a:p>
+            <a:r>
+              <a:rPr lang="en-US" dirty="0" smtClean="0"/>
+              <a:t>Spark MLlib</a:t>
+            </a:r>
+            <a:endParaRPr lang="en-US" dirty="0"/>
+          </a:p>
+        </p:txBody>
+      </p:sp>
+      <p:sp>
+        <p:nvSpPr>
+          <p:cNvPr id="3" name="Content Placeholder 2"/>
+          <p:cNvSpPr>
+            <a:spLocks noGrp="1"/>
+          </p:cNvSpPr>
+          <p:nvPr>
+            <p:ph idx="1"/>
+          </p:nvPr>
+        </p:nvSpPr>
+        <p:spPr/>
+        <p:txBody>
+          <a:bodyPr>
+            <a:normAutofit lnSpcReduction="10000"/>
+          </a:bodyPr>
+          <a:lstStyle/>
+          <a:p>
+            <a:r>
+              <a:rPr lang="en-US" dirty="0" smtClean="0"/>
+              <a:t>Simple stats and correlation testing</a:t>
+            </a:r>
+          </a:p>
+          <a:p>
+            <a:r>
+              <a:rPr lang="en-US" dirty="0" smtClean="0"/>
+              <a:t>Classification and regression</a:t>
+            </a:r>
+          </a:p>
+          <a:p>
+            <a:r>
+              <a:rPr lang="en-US" dirty="0" smtClean="0"/>
+              <a:t>Collaborative Filtering</a:t>
+            </a:r>
+          </a:p>
+          <a:p>
+            <a:pPr lvl="1"/>
+            <a:r>
+              <a:rPr lang="en-US" dirty="0" smtClean="0"/>
+              <a:t>Alternating Least Squares </a:t>
+            </a:r>
+          </a:p>
+          <a:p>
+            <a:r>
+              <a:rPr lang="en-US" dirty="0" smtClean="0"/>
+              <a:t>Clustering</a:t>
+            </a:r>
+          </a:p>
+          <a:p>
+            <a:pPr lvl="1"/>
+            <a:r>
+              <a:rPr lang="en-US" dirty="0"/>
+              <a:t>k</a:t>
+            </a:r>
+            <a:r>
+              <a:rPr lang="en-US" dirty="0" smtClean="0"/>
+              <a:t>-means, </a:t>
+            </a:r>
+            <a:r>
+              <a:rPr lang="en-US" dirty="0" err="1" smtClean="0"/>
+              <a:t>etc</a:t>
+            </a:r>
+            <a:endParaRPr lang="en-US" dirty="0" smtClean="0"/>
+          </a:p>
+          <a:p>
+            <a:r>
+              <a:rPr lang="en-US" dirty="0" smtClean="0"/>
+              <a:t>Frequent Pattern Mining</a:t>
+            </a:r>
+          </a:p>
+          <a:p>
+            <a:r>
+              <a:rPr lang="en-US" dirty="0" smtClean="0"/>
+              <a:t>Plus more</a:t>
+            </a:r>
+            <a:endParaRPr lang="en-US" dirty="0"/>
+          </a:p>
+        </p:txBody>
+      </p:sp>
+    </p:spTree>
+    <p:extLst>
+      <p:ext uri="{BB962C8B-B14F-4D97-AF65-F5344CB8AC3E}">
+        <p14:creationId xmlns:p14="http://schemas.microsoft.com/office/powerpoint/2010/main" val="3869310880"/>
+      </p:ext>
+    </p:extLst>
+  </p:cSld>
+  <p:clrMapOvr>
+    <a:masterClrMapping/>
+  </p:clrMapOvr>
+</p:sld>
+</file>
+
+<file path=ppt/slides/slide41.xml><?xml version="1.0" encoding="utf-8"?>
+<p:sld xmlns:a="http://schemas.openxmlformats.org/drawingml/2006/main" xmlns:r="http://schemas.openxmlformats.org/officeDocument/2006/relationships" xmlns:p="http://schemas.openxmlformats.org/presentationml/2006/main">
+  <p:cSld>
+    <p:spTree>
+      <p:nvGrpSpPr>
+        <p:cNvPr id="1" name=""/>
+        <p:cNvGrpSpPr/>
+        <p:nvPr/>
+      </p:nvGrpSpPr>
+      <p:grpSpPr>
+        <a:xfrm>
+          <a:off x="0" y="0"/>
+          <a:ext cx="0" cy="0"/>
+          <a:chOff x="0" y="0"/>
+          <a:chExt cx="0" cy="0"/>
+        </a:xfrm>
+      </p:grpSpPr>
+      <p:sp>
+        <p:nvSpPr>
+          <p:cNvPr id="2" name="Title 1"/>
+          <p:cNvSpPr>
+            <a:spLocks noGrp="1"/>
+          </p:cNvSpPr>
+          <p:nvPr>
+            <p:ph type="title"/>
+          </p:nvPr>
+        </p:nvSpPr>
+        <p:spPr/>
+        <p:txBody>
+          <a:bodyPr/>
+          <a:lstStyle/>
+          <a:p>
+            <a:r>
+              <a:rPr lang="en-US" dirty="0" smtClean="0"/>
+              <a:t>MLlib example</a:t>
+            </a:r>
+            <a:endParaRPr lang="en-US" dirty="0"/>
+          </a:p>
+        </p:txBody>
+      </p:sp>
+      <p:sp>
+        <p:nvSpPr>
+          <p:cNvPr id="3" name="Content Placeholder 2"/>
+          <p:cNvSpPr>
+            <a:spLocks noGrp="1"/>
+          </p:cNvSpPr>
+          <p:nvPr>
+            <p:ph idx="1"/>
+          </p:nvPr>
+        </p:nvSpPr>
+        <p:spPr>
+          <a:xfrm>
+            <a:off x="375635" y="1613855"/>
+            <a:ext cx="8229600" cy="4525963"/>
+          </a:xfrm>
+        </p:spPr>
+        <p:txBody>
+          <a:bodyPr>
+            <a:noAutofit/>
+          </a:bodyPr>
+          <a:lstStyle/>
+          <a:p>
+            <a:pPr marL="0" indent="0">
+              <a:buNone/>
+            </a:pPr>
+            <a:r>
+              <a:rPr lang="en-US" sz="1600" dirty="0">
+                <a:latin typeface="Lucida Console"/>
+                <a:cs typeface="Lucida Console"/>
+              </a:rPr>
+              <a:t>from </a:t>
+            </a:r>
+            <a:r>
+              <a:rPr lang="en-US" sz="1600" dirty="0" err="1">
+                <a:latin typeface="Lucida Console"/>
+                <a:cs typeface="Lucida Console"/>
+              </a:rPr>
+              <a:t>pyspark.mllib.fpm</a:t>
+            </a:r>
+            <a:r>
+              <a:rPr lang="en-US" sz="1600" dirty="0">
+                <a:latin typeface="Lucida Console"/>
+                <a:cs typeface="Lucida Console"/>
+              </a:rPr>
+              <a:t> import </a:t>
+            </a:r>
+            <a:r>
+              <a:rPr lang="en-US" sz="1600" dirty="0" err="1">
+                <a:latin typeface="Lucida Console"/>
+                <a:cs typeface="Lucida Console"/>
+              </a:rPr>
+              <a:t>FPGrowth</a:t>
+            </a:r>
+            <a:endParaRPr lang="en-US" sz="1600" dirty="0">
+              <a:latin typeface="Lucida Console"/>
+              <a:cs typeface="Lucida Console"/>
+            </a:endParaRPr>
+          </a:p>
+          <a:p>
+            <a:pPr marL="0" indent="0">
+              <a:buNone/>
+            </a:pPr>
+            <a:endParaRPr lang="en-US" sz="1600" dirty="0">
+              <a:latin typeface="Lucida Console"/>
+              <a:cs typeface="Lucida Console"/>
+            </a:endParaRPr>
+          </a:p>
+          <a:p>
+            <a:pPr marL="0" indent="0">
+              <a:buNone/>
+            </a:pPr>
+            <a:r>
+              <a:rPr lang="en-US" sz="1600" dirty="0">
+                <a:latin typeface="Lucida Console"/>
+                <a:cs typeface="Lucida Console"/>
+              </a:rPr>
+              <a:t>data = </a:t>
+            </a:r>
+            <a:r>
+              <a:rPr lang="en-US" sz="1600" dirty="0" err="1">
+                <a:latin typeface="Lucida Console"/>
+                <a:cs typeface="Lucida Console"/>
+              </a:rPr>
+              <a:t>sc.textFile</a:t>
+            </a:r>
+            <a:r>
+              <a:rPr lang="en-US" sz="1600" dirty="0">
+                <a:latin typeface="Lucida Console"/>
+                <a:cs typeface="Lucida Console"/>
+              </a:rPr>
+              <a:t>("data/</a:t>
+            </a:r>
+            <a:r>
+              <a:rPr lang="en-US" sz="1600" dirty="0" err="1">
+                <a:latin typeface="Lucida Console"/>
+                <a:cs typeface="Lucida Console"/>
+              </a:rPr>
+              <a:t>mllib</a:t>
+            </a:r>
+            <a:r>
+              <a:rPr lang="en-US" sz="1600" dirty="0">
+                <a:latin typeface="Lucida Console"/>
+                <a:cs typeface="Lucida Console"/>
+              </a:rPr>
+              <a:t>/</a:t>
+            </a:r>
+            <a:r>
+              <a:rPr lang="en-US" sz="1600" dirty="0" err="1">
+                <a:latin typeface="Lucida Console"/>
+                <a:cs typeface="Lucida Console"/>
+              </a:rPr>
+              <a:t>sample_fpgrowth.txt</a:t>
+            </a:r>
+            <a:r>
+              <a:rPr lang="en-US" sz="1600" dirty="0">
+                <a:latin typeface="Lucida Console"/>
+                <a:cs typeface="Lucida Console"/>
+              </a:rPr>
+              <a:t>")</a:t>
+            </a:r>
+          </a:p>
+          <a:p>
+            <a:pPr marL="0" indent="0">
+              <a:buNone/>
+            </a:pPr>
+            <a:endParaRPr lang="en-US" sz="1600" dirty="0">
+              <a:latin typeface="Lucida Console"/>
+              <a:cs typeface="Lucida Console"/>
+            </a:endParaRPr>
+          </a:p>
+          <a:p>
+            <a:pPr marL="0" indent="0">
+              <a:buNone/>
+            </a:pPr>
+            <a:r>
+              <a:rPr lang="en-US" sz="1600" dirty="0">
+                <a:latin typeface="Lucida Console"/>
+                <a:cs typeface="Lucida Console"/>
+              </a:rPr>
+              <a:t>transactions = </a:t>
+            </a:r>
+            <a:r>
+              <a:rPr lang="en-US" sz="1600" dirty="0" err="1">
+                <a:latin typeface="Lucida Console"/>
+                <a:cs typeface="Lucida Console"/>
+              </a:rPr>
+              <a:t>data.map</a:t>
+            </a:r>
+            <a:r>
+              <a:rPr lang="en-US" sz="1600" dirty="0">
+                <a:latin typeface="Lucida Console"/>
+                <a:cs typeface="Lucida Console"/>
+              </a:rPr>
+              <a:t>(lambda line: </a:t>
+            </a:r>
+            <a:r>
+              <a:rPr lang="en-US" sz="1600" dirty="0" err="1">
+                <a:latin typeface="Lucida Console"/>
+                <a:cs typeface="Lucida Console"/>
+              </a:rPr>
+              <a:t>line.strip</a:t>
+            </a:r>
+            <a:r>
+              <a:rPr lang="en-US" sz="1600" dirty="0">
+                <a:latin typeface="Lucida Console"/>
+                <a:cs typeface="Lucida Console"/>
+              </a:rPr>
+              <a:t>().split(' '))</a:t>
+            </a:r>
+          </a:p>
+          <a:p>
+            <a:pPr marL="0" indent="0">
+              <a:buNone/>
+            </a:pPr>
+            <a:endParaRPr lang="en-US" sz="1600" dirty="0">
+              <a:latin typeface="Lucida Console"/>
+              <a:cs typeface="Lucida Console"/>
+            </a:endParaRPr>
+          </a:p>
+          <a:p>
+            <a:pPr marL="0" indent="0">
+              <a:buNone/>
+            </a:pPr>
+            <a:r>
+              <a:rPr lang="en-US" sz="1600" dirty="0">
+                <a:latin typeface="Lucida Console"/>
+                <a:cs typeface="Lucida Console"/>
+              </a:rPr>
+              <a:t>model = </a:t>
+            </a:r>
+            <a:r>
+              <a:rPr lang="en-US" sz="1600" dirty="0" err="1">
+                <a:latin typeface="Lucida Console"/>
+                <a:cs typeface="Lucida Console"/>
+              </a:rPr>
+              <a:t>FPGrowth.train</a:t>
+            </a:r>
+            <a:r>
+              <a:rPr lang="en-US" sz="1600" dirty="0">
+                <a:latin typeface="Lucida Console"/>
+                <a:cs typeface="Lucida Console"/>
+              </a:rPr>
+              <a:t>(transactions, </a:t>
+            </a:r>
+            <a:r>
+              <a:rPr lang="en-US" sz="1600" dirty="0" err="1">
+                <a:latin typeface="Lucida Console"/>
+                <a:cs typeface="Lucida Console"/>
+              </a:rPr>
+              <a:t>minSupport</a:t>
+            </a:r>
+            <a:r>
+              <a:rPr lang="en-US" sz="1600" dirty="0">
+                <a:latin typeface="Lucida Console"/>
+                <a:cs typeface="Lucida Console"/>
+              </a:rPr>
+              <a:t>=0.2, </a:t>
+            </a:r>
+            <a:r>
+              <a:rPr lang="en-US" sz="1600" dirty="0" smtClean="0">
+                <a:latin typeface="Lucida Console"/>
+                <a:cs typeface="Lucida Console"/>
+              </a:rPr>
+              <a:t>	</a:t>
+            </a:r>
+            <a:r>
+              <a:rPr lang="en-US" sz="1600" dirty="0" err="1" smtClean="0">
+                <a:latin typeface="Lucida Console"/>
+                <a:cs typeface="Lucida Console"/>
+              </a:rPr>
+              <a:t>numPartitions</a:t>
+            </a:r>
+            <a:r>
+              <a:rPr lang="en-US" sz="1600" dirty="0">
+                <a:latin typeface="Lucida Console"/>
+                <a:cs typeface="Lucida Console"/>
+              </a:rPr>
+              <a:t>=10)</a:t>
+            </a:r>
+          </a:p>
+          <a:p>
+            <a:pPr marL="0" indent="0">
+              <a:buNone/>
+            </a:pPr>
+            <a:endParaRPr lang="en-US" sz="1600" dirty="0">
+              <a:latin typeface="Lucida Console"/>
+              <a:cs typeface="Lucida Console"/>
+            </a:endParaRPr>
+          </a:p>
+          <a:p>
+            <a:pPr marL="0" indent="0">
+              <a:buNone/>
+            </a:pPr>
+            <a:r>
+              <a:rPr lang="en-US" sz="1600" dirty="0">
+                <a:latin typeface="Lucida Console"/>
+                <a:cs typeface="Lucida Console"/>
+              </a:rPr>
+              <a:t>result = </a:t>
+            </a:r>
+            <a:r>
+              <a:rPr lang="en-US" sz="1600" dirty="0" err="1">
+                <a:latin typeface="Lucida Console"/>
+                <a:cs typeface="Lucida Console"/>
+              </a:rPr>
+              <a:t>model.freqItemsets</a:t>
+            </a:r>
+            <a:r>
+              <a:rPr lang="en-US" sz="1600" dirty="0">
+                <a:latin typeface="Lucida Console"/>
+                <a:cs typeface="Lucida Console"/>
+              </a:rPr>
+              <a:t>().collect()</a:t>
+            </a:r>
+          </a:p>
+          <a:p>
+            <a:pPr marL="0" indent="0">
+              <a:buNone/>
+            </a:pPr>
+            <a:r>
+              <a:rPr lang="en-US" sz="1600" dirty="0">
+                <a:latin typeface="Lucida Console"/>
+                <a:cs typeface="Lucida Console"/>
+              </a:rPr>
+              <a:t>for fi in result:</a:t>
+            </a:r>
+          </a:p>
+          <a:p>
+            <a:pPr marL="0" indent="0">
+              <a:buNone/>
+            </a:pPr>
+            <a:r>
+              <a:rPr lang="en-US" sz="1600" dirty="0">
+                <a:latin typeface="Lucida Console"/>
+                <a:cs typeface="Lucida Console"/>
+              </a:rPr>
+              <a:t>    print(fi)</a:t>
+            </a:r>
+          </a:p>
+        </p:txBody>
+      </p:sp>
+    </p:spTree>
+    <p:extLst>
+      <p:ext uri="{BB962C8B-B14F-4D97-AF65-F5344CB8AC3E}">
+        <p14:creationId xmlns:p14="http://schemas.microsoft.com/office/powerpoint/2010/main" val="718509098"/>
+      </p:ext>
+    </p:extLst>
+  </p:cSld>
+  <p:clrMapOvr>
+    <a:masterClrMapping/>
+  </p:clrMapOvr>
+</p:sld>
+</file>
+
+<file path=ppt/slides/slide42.xml><?xml version="1.0" encoding="utf-8"?>
+<p:sld xmlns:a="http://schemas.openxmlformats.org/drawingml/2006/main" xmlns:r="http://schemas.openxmlformats.org/officeDocument/2006/relationships" xmlns:p="http://schemas.openxmlformats.org/presentationml/2006/main">
+  <p:cSld>
+    <p:spTree>
+      <p:nvGrpSpPr>
+        <p:cNvPr id="1" name=""/>
+        <p:cNvGrpSpPr/>
+        <p:nvPr/>
+      </p:nvGrpSpPr>
+      <p:grpSpPr>
+        <a:xfrm>
+          <a:off x="0" y="0"/>
+          <a:ext cx="0" cy="0"/>
+          <a:chOff x="0" y="0"/>
+          <a:chExt cx="0" cy="0"/>
+        </a:xfrm>
+      </p:grpSpPr>
+      <p:sp>
+        <p:nvSpPr>
+          <p:cNvPr id="2" name="Title 1"/>
+          <p:cNvSpPr>
+            <a:spLocks noGrp="1"/>
+          </p:cNvSpPr>
+          <p:nvPr>
+            <p:ph type="title"/>
+          </p:nvPr>
+        </p:nvSpPr>
+        <p:spPr/>
+        <p:txBody>
+          <a:bodyPr/>
+          <a:lstStyle/>
+          <a:p>
+            <a:r>
+              <a:rPr lang="en-US" dirty="0" err="1" smtClean="0"/>
+              <a:t>GraphX</a:t>
+            </a:r>
+            <a:endParaRPr lang="en-US" dirty="0"/>
+          </a:p>
+        </p:txBody>
+      </p:sp>
+      <p:sp>
+        <p:nvSpPr>
+          <p:cNvPr id="3" name="Content Placeholder 2"/>
+          <p:cNvSpPr>
+            <a:spLocks noGrp="1"/>
+          </p:cNvSpPr>
+          <p:nvPr>
+            <p:ph idx="1"/>
+          </p:nvPr>
+        </p:nvSpPr>
+        <p:spPr/>
+        <p:txBody>
+          <a:bodyPr/>
+          <a:lstStyle/>
+          <a:p>
+            <a:r>
+              <a:rPr lang="en-US" dirty="0" smtClean="0"/>
+              <a:t>  </a:t>
+            </a:r>
+          </a:p>
+          <a:p>
+            <a:endParaRPr lang="en-US" dirty="0"/>
+          </a:p>
+        </p:txBody>
+      </p:sp>
+      <p:pic>
+        <p:nvPicPr>
+          <p:cNvPr id="4" name="Picture 3"/>
+          <p:cNvPicPr>
+            <a:picLocks noChangeAspect="1"/>
+          </p:cNvPicPr>
+          <p:nvPr/>
+        </p:nvPicPr>
+        <p:blipFill>
+          <a:blip r:embed="rId2"/>
+          <a:stretch>
+            <a:fillRect/>
+          </a:stretch>
+        </p:blipFill>
+        <p:spPr>
+          <a:xfrm>
+            <a:off x="6313668" y="274638"/>
+            <a:ext cx="2639155" cy="904155"/>
+          </a:xfrm>
+          <a:prstGeom prst="rect">
+            <a:avLst/>
+          </a:prstGeom>
+        </p:spPr>
+      </p:pic>
+      <p:pic>
+        <p:nvPicPr>
+          <p:cNvPr id="5" name="Picture 4"/>
+          <p:cNvPicPr>
+            <a:picLocks noChangeAspect="1"/>
+          </p:cNvPicPr>
+          <p:nvPr/>
+        </p:nvPicPr>
+        <p:blipFill>
+          <a:blip r:embed="rId3"/>
+          <a:stretch>
+            <a:fillRect/>
+          </a:stretch>
+        </p:blipFill>
+        <p:spPr>
+          <a:xfrm>
+            <a:off x="1160710" y="1295243"/>
+            <a:ext cx="7128120" cy="4630232"/>
+          </a:xfrm>
+          <a:prstGeom prst="rect">
+            <a:avLst/>
+          </a:prstGeom>
+        </p:spPr>
+      </p:pic>
+    </p:spTree>
+    <p:extLst>
+      <p:ext uri="{BB962C8B-B14F-4D97-AF65-F5344CB8AC3E}">
+        <p14:creationId xmlns:p14="http://schemas.microsoft.com/office/powerpoint/2010/main" val="303583761"/>
+      </p:ext>
+    </p:extLst>
+  </p:cSld>
+  <p:clrMapOvr>
+    <a:masterClrMapping/>
+  </p:clrMapOvr>
+</p:sld>
+</file>
+
+<file path=ppt/slides/slide43.xml><?xml version="1.0" encoding="utf-8"?>
+<p:sld xmlns:a="http://schemas.openxmlformats.org/drawingml/2006/main" xmlns:r="http://schemas.openxmlformats.org/officeDocument/2006/relationships" xmlns:p="http://schemas.openxmlformats.org/presentationml/2006/main">
+  <p:cSld>
+    <p:spTree>
+      <p:nvGrpSpPr>
+        <p:cNvPr id="1" name=""/>
+        <p:cNvGrpSpPr/>
+        <p:nvPr/>
+      </p:nvGrpSpPr>
+      <p:grpSpPr>
+        <a:xfrm>
+          <a:off x="0" y="0"/>
+          <a:ext cx="0" cy="0"/>
+          <a:chOff x="0" y="0"/>
+          <a:chExt cx="0" cy="0"/>
+        </a:xfrm>
+      </p:grpSpPr>
+      <p:sp>
+        <p:nvSpPr>
+          <p:cNvPr id="2" name="Title 1"/>
+          <p:cNvSpPr>
+            <a:spLocks noGrp="1"/>
+          </p:cNvSpPr>
+          <p:nvPr>
+            <p:ph type="title"/>
+          </p:nvPr>
+        </p:nvSpPr>
+        <p:spPr/>
+        <p:txBody>
+          <a:bodyPr/>
+          <a:lstStyle/>
+          <a:p>
+            <a:r>
+              <a:rPr lang="en-US" dirty="0" smtClean="0"/>
+              <a:t>R</a:t>
+            </a:r>
+            <a:endParaRPr lang="en-US" dirty="0"/>
+          </a:p>
+        </p:txBody>
+      </p:sp>
+      <p:sp>
+        <p:nvSpPr>
+          <p:cNvPr id="3" name="Content Placeholder 2"/>
+          <p:cNvSpPr>
+            <a:spLocks noGrp="1"/>
+          </p:cNvSpPr>
+          <p:nvPr>
+            <p:ph idx="1"/>
+          </p:nvPr>
+        </p:nvSpPr>
+        <p:spPr/>
+        <p:txBody>
+          <a:bodyPr>
+            <a:normAutofit lnSpcReduction="10000"/>
+          </a:bodyPr>
+          <a:lstStyle/>
+          <a:p>
+            <a:r>
+              <a:rPr lang="en-US" dirty="0" smtClean="0"/>
+              <a:t> R is an open source system for statistics and graphics</a:t>
+            </a:r>
+          </a:p>
+          <a:p>
+            <a:pPr lvl="1"/>
+            <a:r>
+              <a:rPr lang="en-US" dirty="0" smtClean="0"/>
+              <a:t>Based on the S language from AT&amp;T Bell Labs</a:t>
+            </a:r>
+          </a:p>
+          <a:p>
+            <a:r>
+              <a:rPr lang="en-US" dirty="0" smtClean="0"/>
+              <a:t>Supports a wide variety of statistical techniques and graphing tools</a:t>
+            </a:r>
+          </a:p>
+          <a:p>
+            <a:r>
+              <a:rPr lang="en-US" dirty="0" smtClean="0"/>
+              <a:t>An extensible set of packages that provide extra functions via CRAN</a:t>
+            </a:r>
+          </a:p>
+          <a:p>
+            <a:pPr lvl="1"/>
+            <a:r>
+              <a:rPr lang="en-US" dirty="0" smtClean="0"/>
+              <a:t>The Comprehensive R Archive Network</a:t>
+            </a:r>
+            <a:endParaRPr lang="en-US" dirty="0"/>
+          </a:p>
+        </p:txBody>
+      </p:sp>
+      <p:pic>
+        <p:nvPicPr>
+          <p:cNvPr id="5" name="Picture 4"/>
+          <p:cNvPicPr>
+            <a:picLocks noChangeAspect="1"/>
+          </p:cNvPicPr>
+          <p:nvPr/>
+        </p:nvPicPr>
+        <p:blipFill>
+          <a:blip r:embed="rId2"/>
+          <a:stretch>
+            <a:fillRect/>
+          </a:stretch>
+        </p:blipFill>
+        <p:spPr>
+          <a:xfrm>
+            <a:off x="7685385" y="117126"/>
+            <a:ext cx="1170279" cy="906966"/>
+          </a:xfrm>
+          <a:prstGeom prst="rect">
+            <a:avLst/>
+          </a:prstGeom>
+        </p:spPr>
+      </p:pic>
+    </p:spTree>
+    <p:extLst>
+      <p:ext uri="{BB962C8B-B14F-4D97-AF65-F5344CB8AC3E}">
+        <p14:creationId xmlns:p14="http://schemas.microsoft.com/office/powerpoint/2010/main" val="2680998897"/>
+      </p:ext>
+    </p:extLst>
+  </p:cSld>
+  <p:clrMapOvr>
+    <a:masterClrMapping/>
+  </p:clrMapOvr>
+</p:sld>
+</file>
+
+<file path=ppt/slides/slide44.xml><?xml version="1.0" encoding="utf-8"?>
+<p:sld xmlns:a="http://schemas.openxmlformats.org/drawingml/2006/main" xmlns:r="http://schemas.openxmlformats.org/officeDocument/2006/relationships" xmlns:p="http://schemas.openxmlformats.org/presentationml/2006/main">
+  <p:cSld>
+    <p:spTree>
+      <p:nvGrpSpPr>
+        <p:cNvPr id="1" name=""/>
+        <p:cNvGrpSpPr/>
+        <p:nvPr/>
+      </p:nvGrpSpPr>
+      <p:grpSpPr>
+        <a:xfrm>
+          <a:off x="0" y="0"/>
+          <a:ext cx="0" cy="0"/>
+          <a:chOff x="0" y="0"/>
+          <a:chExt cx="0" cy="0"/>
+        </a:xfrm>
+      </p:grpSpPr>
+      <p:sp>
+        <p:nvSpPr>
+          <p:cNvPr id="2" name="Title 1"/>
+          <p:cNvSpPr>
+            <a:spLocks noGrp="1"/>
+          </p:cNvSpPr>
+          <p:nvPr>
+            <p:ph type="title"/>
+          </p:nvPr>
+        </p:nvSpPr>
+        <p:spPr/>
+        <p:txBody>
+          <a:bodyPr/>
+          <a:lstStyle/>
+          <a:p>
+            <a:r>
+              <a:rPr lang="en-US" dirty="0" err="1" smtClean="0"/>
+              <a:t>SparkR</a:t>
+            </a:r>
+            <a:endParaRPr lang="en-US" dirty="0"/>
+          </a:p>
+        </p:txBody>
+      </p:sp>
+      <p:sp>
+        <p:nvSpPr>
+          <p:cNvPr id="3" name="Content Placeholder 2"/>
+          <p:cNvSpPr>
+            <a:spLocks noGrp="1"/>
+          </p:cNvSpPr>
+          <p:nvPr>
+            <p:ph idx="1"/>
+          </p:nvPr>
+        </p:nvSpPr>
+        <p:spPr/>
+        <p:txBody>
+          <a:bodyPr/>
+          <a:lstStyle/>
+          <a:p>
+            <a:r>
+              <a:rPr lang="en-US" dirty="0" smtClean="0"/>
+              <a:t>A lightweight approach to use Spark from within R</a:t>
+            </a:r>
+          </a:p>
+          <a:p>
+            <a:r>
+              <a:rPr lang="en-US" dirty="0" smtClean="0"/>
+              <a:t>Also works with MLlib for machine learning</a:t>
+            </a:r>
+          </a:p>
+          <a:p>
+            <a:r>
+              <a:rPr lang="en-US" dirty="0" smtClean="0"/>
+              <a:t>Allows complex statistical analysis to be done on a Spark cluster </a:t>
+            </a:r>
+            <a:endParaRPr lang="en-US" dirty="0"/>
+          </a:p>
+        </p:txBody>
+      </p:sp>
+    </p:spTree>
+    <p:extLst>
+      <p:ext uri="{BB962C8B-B14F-4D97-AF65-F5344CB8AC3E}">
+        <p14:creationId xmlns:p14="http://schemas.microsoft.com/office/powerpoint/2010/main" val="3906456086"/>
+      </p:ext>
+    </p:extLst>
+  </p:cSld>
+  <p:clrMapOvr>
+    <a:masterClrMapping/>
+  </p:clrMapOvr>
+</p:sld>
+</file>
+
+<file path=ppt/slides/slide45.xml><?xml version="1.0" encoding="utf-8"?>
+<p:sld xmlns:a="http://schemas.openxmlformats.org/drawingml/2006/main" xmlns:r="http://schemas.openxmlformats.org/officeDocument/2006/relationships" xmlns:p="http://schemas.openxmlformats.org/presentationml/2006/main">
+  <p:cSld>
+    <p:spTree>
+      <p:nvGrpSpPr>
+        <p:cNvPr id="1" name=""/>
+        <p:cNvGrpSpPr/>
+        <p:nvPr/>
+      </p:nvGrpSpPr>
+      <p:grpSpPr>
+        <a:xfrm>
+          <a:off x="0" y="0"/>
+          <a:ext cx="0" cy="0"/>
+          <a:chOff x="0" y="0"/>
+          <a:chExt cx="0" cy="0"/>
+        </a:xfrm>
+      </p:grpSpPr>
+      <p:sp>
+        <p:nvSpPr>
+          <p:cNvPr id="2" name="Title 1"/>
+          <p:cNvSpPr>
+            <a:spLocks noGrp="1"/>
+          </p:cNvSpPr>
+          <p:nvPr>
+            <p:ph type="title"/>
+          </p:nvPr>
+        </p:nvSpPr>
+        <p:spPr/>
+        <p:txBody>
+          <a:bodyPr/>
+          <a:lstStyle/>
+          <a:p>
+            <a:r>
+              <a:rPr lang="en-US" dirty="0" smtClean="0"/>
+              <a:t>Questions?</a:t>
+            </a:r>
+            <a:endParaRPr lang="en-US" dirty="0"/>
+          </a:p>
+        </p:txBody>
+      </p:sp>
+    </p:spTree>
+    <p:extLst>
+      <p:ext uri="{BB962C8B-B14F-4D97-AF65-F5344CB8AC3E}">
+        <p14:creationId xmlns:p14="http://schemas.microsoft.com/office/powerpoint/2010/main" val="4217437947"/>
+      </p:ext>
+    </p:extLst>
+  </p:cSld>
+  <p:clrMapOvr>
+    <a:masterClrMapping/>
+  </p:clrMapOvr>
 </p:sld>
 </file>
 

--- a/pres-source/07-spark-and-adjuncts.pptx
+++ b/pres-source/07-spark-and-adjuncts.pptx
@@ -5,7 +5,7 @@
     <p:sldMasterId id="2147483648" r:id="rId1"/>
   </p:sldMasterIdLst>
   <p:notesMasterIdLst>
-    <p:notesMasterId r:id="rId47"/>
+    <p:notesMasterId r:id="rId48"/>
   </p:notesMasterIdLst>
   <p:sldIdLst>
     <p:sldId id="256" r:id="rId2"/>
@@ -39,20 +39,21 @@
     <p:sldId id="283" r:id="rId30"/>
     <p:sldId id="277" r:id="rId31"/>
     <p:sldId id="274" r:id="rId32"/>
-    <p:sldId id="281" r:id="rId33"/>
-    <p:sldId id="284" r:id="rId34"/>
-    <p:sldId id="275" r:id="rId35"/>
-    <p:sldId id="298" r:id="rId36"/>
-    <p:sldId id="294" r:id="rId37"/>
-    <p:sldId id="288" r:id="rId38"/>
-    <p:sldId id="285" r:id="rId39"/>
-    <p:sldId id="286" r:id="rId40"/>
-    <p:sldId id="287" r:id="rId41"/>
-    <p:sldId id="289" r:id="rId42"/>
-    <p:sldId id="290" r:id="rId43"/>
-    <p:sldId id="292" r:id="rId44"/>
-    <p:sldId id="291" r:id="rId45"/>
-    <p:sldId id="293" r:id="rId46"/>
+    <p:sldId id="310" r:id="rId33"/>
+    <p:sldId id="311" r:id="rId34"/>
+    <p:sldId id="312" r:id="rId35"/>
+    <p:sldId id="281" r:id="rId36"/>
+    <p:sldId id="284" r:id="rId37"/>
+    <p:sldId id="275" r:id="rId38"/>
+    <p:sldId id="298" r:id="rId39"/>
+    <p:sldId id="294" r:id="rId40"/>
+    <p:sldId id="288" r:id="rId41"/>
+    <p:sldId id="287" r:id="rId42"/>
+    <p:sldId id="289" r:id="rId43"/>
+    <p:sldId id="290" r:id="rId44"/>
+    <p:sldId id="292" r:id="rId45"/>
+    <p:sldId id="291" r:id="rId46"/>
+    <p:sldId id="293" r:id="rId47"/>
   </p:sldIdLst>
   <p:sldSz cx="9144000" cy="6858000" type="screen4x3"/>
   <p:notesSz cx="6858000" cy="9144000"/>
@@ -241,7 +242,7 @@
             <a:fld id="{7307762F-A706-E543-A832-3C298AA3103F}" type="datetimeFigureOut">
               <a:rPr lang="en-US" smtClean="0"/>
               <a:pPr/>
-              <a:t>09/09/16</a:t>
+              <a:t>07/07/17</a:t>
             </a:fld>
             <a:endParaRPr lang="en-US" dirty="0"/>
           </a:p>
@@ -815,7 +816,7 @@
             <a:fld id="{875CF0EB-321F-0749-B37A-89BBA859503C}" type="datetimeFigureOut">
               <a:rPr lang="en-US" smtClean="0"/>
               <a:pPr/>
-              <a:t>09/09/16</a:t>
+              <a:t>07/07/17</a:t>
             </a:fld>
             <a:endParaRPr lang="en-US" dirty="0"/>
           </a:p>
@@ -1039,7 +1040,7 @@
             <a:fld id="{875CF0EB-321F-0749-B37A-89BBA859503C}" type="datetimeFigureOut">
               <a:rPr lang="en-US" smtClean="0"/>
               <a:pPr/>
-              <a:t>09/09/16</a:t>
+              <a:t>07/07/17</a:t>
             </a:fld>
             <a:endParaRPr lang="en-US" dirty="0"/>
           </a:p>
@@ -1253,7 +1254,7 @@
             <a:fld id="{875CF0EB-321F-0749-B37A-89BBA859503C}" type="datetimeFigureOut">
               <a:rPr lang="en-US" smtClean="0"/>
               <a:pPr/>
-              <a:t>09/09/16</a:t>
+              <a:t>07/07/17</a:t>
             </a:fld>
             <a:endParaRPr lang="en-US" dirty="0"/>
           </a:p>
@@ -1543,7 +1544,7 @@
             <a:fld id="{875CF0EB-321F-0749-B37A-89BBA859503C}" type="datetimeFigureOut">
               <a:rPr lang="en-US" smtClean="0"/>
               <a:pPr/>
-              <a:t>09/09/16</a:t>
+              <a:t>07/07/17</a:t>
             </a:fld>
             <a:endParaRPr lang="en-US" dirty="0"/>
           </a:p>
@@ -1875,7 +1876,7 @@
             <a:fld id="{875CF0EB-321F-0749-B37A-89BBA859503C}" type="datetimeFigureOut">
               <a:rPr lang="en-US" smtClean="0"/>
               <a:pPr/>
-              <a:t>09/09/16</a:t>
+              <a:t>07/07/17</a:t>
             </a:fld>
             <a:endParaRPr lang="en-US" dirty="0"/>
           </a:p>
@@ -2341,7 +2342,7 @@
             <a:fld id="{875CF0EB-321F-0749-B37A-89BBA859503C}" type="datetimeFigureOut">
               <a:rPr lang="en-US" smtClean="0"/>
               <a:pPr/>
-              <a:t>09/09/16</a:t>
+              <a:t>07/07/17</a:t>
             </a:fld>
             <a:endParaRPr lang="en-US" dirty="0"/>
           </a:p>
@@ -2503,7 +2504,7 @@
             <a:fld id="{875CF0EB-321F-0749-B37A-89BBA859503C}" type="datetimeFigureOut">
               <a:rPr lang="en-US" smtClean="0"/>
               <a:pPr/>
-              <a:t>09/09/16</a:t>
+              <a:t>07/07/17</a:t>
             </a:fld>
             <a:endParaRPr lang="en-US" dirty="0"/>
           </a:p>
@@ -2642,7 +2643,7 @@
             <a:fld id="{875CF0EB-321F-0749-B37A-89BBA859503C}" type="datetimeFigureOut">
               <a:rPr lang="en-US" smtClean="0"/>
               <a:pPr/>
-              <a:t>09/09/16</a:t>
+              <a:t>07/07/17</a:t>
             </a:fld>
             <a:endParaRPr lang="en-US" dirty="0"/>
           </a:p>
@@ -2963,7 +2964,7 @@
             <a:fld id="{875CF0EB-321F-0749-B37A-89BBA859503C}" type="datetimeFigureOut">
               <a:rPr lang="en-US" smtClean="0"/>
               <a:pPr/>
-              <a:t>09/09/16</a:t>
+              <a:t>07/07/17</a:t>
             </a:fld>
             <a:endParaRPr lang="en-US" dirty="0"/>
           </a:p>
@@ -3260,7 +3261,7 @@
             <a:fld id="{875CF0EB-321F-0749-B37A-89BBA859503C}" type="datetimeFigureOut">
               <a:rPr lang="en-US" smtClean="0"/>
               <a:pPr/>
-              <a:t>09/09/16</a:t>
+              <a:t>07/07/17</a:t>
             </a:fld>
             <a:endParaRPr lang="en-US" dirty="0"/>
           </a:p>
@@ -4307,7 +4308,7 @@
         </p:nvSpPr>
         <p:spPr>
           <a:xfrm>
-            <a:off x="2047185" y="6432507"/>
+            <a:off x="2047185" y="6008667"/>
             <a:ext cx="7096815" cy="369332"/>
           </a:xfrm>
           <a:prstGeom prst="rect">
@@ -4492,7 +4493,7 @@
         </p:nvSpPr>
         <p:spPr>
           <a:xfrm>
-            <a:off x="2143898" y="6464773"/>
+            <a:off x="2047185" y="5850675"/>
             <a:ext cx="7096815" cy="369332"/>
           </a:xfrm>
           <a:prstGeom prst="rect">
@@ -4946,7 +4947,7 @@
         <p:spPr/>
         <p:txBody>
           <a:bodyPr>
-            <a:normAutofit lnSpcReduction="10000"/>
+            <a:normAutofit fontScale="92500" lnSpcReduction="20000"/>
           </a:bodyPr>
           <a:lstStyle/>
           <a:p>
@@ -4983,6 +4984,14 @@
               <a:rPr lang="en-US" dirty="0" smtClean="0"/>
               <a:t>R</a:t>
             </a:r>
+          </a:p>
+          <a:p>
+            <a:pPr lvl="1"/>
+            <a:r>
+              <a:rPr lang="en-US" dirty="0" smtClean="0"/>
+              <a:t>SQL</a:t>
+            </a:r>
+            <a:endParaRPr lang="en-US" dirty="0" smtClean="0"/>
           </a:p>
           <a:p>
             <a:r>
@@ -7741,65 +7750,58 @@
         </p:nvSpPr>
         <p:spPr/>
         <p:txBody>
+          <a:bodyPr/>
+          <a:lstStyle/>
+          <a:p>
+            <a:r>
+              <a:rPr lang="en-US" dirty="0" err="1" smtClean="0"/>
+              <a:t>SparkSQL</a:t>
+            </a:r>
+            <a:endParaRPr lang="en-US" dirty="0"/>
+          </a:p>
+        </p:txBody>
+      </p:sp>
+      <p:sp>
+        <p:nvSpPr>
+          <p:cNvPr id="3" name="Content Placeholder 2"/>
+          <p:cNvSpPr>
+            <a:spLocks noGrp="1"/>
+          </p:cNvSpPr>
+          <p:nvPr>
+            <p:ph idx="1"/>
+          </p:nvPr>
+        </p:nvSpPr>
+        <p:spPr/>
+        <p:txBody>
           <a:bodyPr>
-            <a:normAutofit/>
+            <a:normAutofit fontScale="92500" lnSpcReduction="10000"/>
           </a:bodyPr>
           <a:lstStyle/>
           <a:p>
             <a:r>
               <a:rPr lang="en-US" dirty="0" smtClean="0"/>
-              <a:t>Spark packages</a:t>
-            </a:r>
-            <a:endParaRPr lang="en-US" dirty="0"/>
-          </a:p>
-        </p:txBody>
-      </p:sp>
-      <p:sp>
-        <p:nvSpPr>
-          <p:cNvPr id="3" name="Content Placeholder 2"/>
-          <p:cNvSpPr>
-            <a:spLocks noGrp="1"/>
-          </p:cNvSpPr>
-          <p:nvPr>
-            <p:ph idx="1"/>
-          </p:nvPr>
-        </p:nvSpPr>
-        <p:spPr/>
-        <p:txBody>
-          <a:bodyPr/>
-          <a:lstStyle/>
-          <a:p>
-            <a:r>
-              <a:rPr lang="en-US" dirty="0" smtClean="0"/>
-              <a:t>A wide set of plugins</a:t>
+              <a:t>Integrates into existing Spark programs</a:t>
             </a:r>
           </a:p>
           <a:p>
             <a:pPr lvl="1"/>
             <a:r>
               <a:rPr lang="en-US" dirty="0" smtClean="0"/>
-              <a:t>Currently 148 community donated plugins</a:t>
-            </a:r>
-          </a:p>
-          <a:p>
-            <a:r>
-              <a:rPr lang="en-US" dirty="0" smtClean="0"/>
-              <a:t> Data connectors	</a:t>
-            </a:r>
-          </a:p>
-          <a:p>
-            <a:pPr lvl="1"/>
-            <a:r>
-              <a:rPr lang="en-US" dirty="0" smtClean="0"/>
-              <a:t>Cassandra, </a:t>
+              <a:t>Mixes SQL with Python, </a:t>
             </a:r>
             <a:r>
               <a:rPr lang="en-US" dirty="0" err="1" smtClean="0"/>
-              <a:t>Couchbase</a:t>
-            </a:r>
-            <a:r>
-              <a:rPr lang="en-US" dirty="0" smtClean="0"/>
-              <a:t>, Mongo, CSV, </a:t>
+              <a:t>Scala</a:t>
+            </a:r>
+            <a:r>
+              <a:rPr lang="en-US" dirty="0" smtClean="0"/>
+              <a:t> or Java</a:t>
+            </a:r>
+          </a:p>
+          <a:p>
+            <a:r>
+              <a:rPr lang="en-US" dirty="0" smtClean="0"/>
+              <a:t>Integrates data from CSV, Avro, Parquet, JDBC, ODBC, JSON, </a:t>
             </a:r>
             <a:r>
               <a:rPr lang="en-US" dirty="0" err="1" smtClean="0"/>
@@ -7808,21 +7810,29 @@
             <a:endParaRPr lang="en-US" dirty="0" smtClean="0"/>
           </a:p>
           <a:p>
-            <a:r>
-              <a:rPr lang="en-US" dirty="0" smtClean="0"/>
-              <a:t>Machine Learning, Neural networks</a:t>
-            </a:r>
-          </a:p>
-          <a:p>
-            <a:r>
-              <a:rPr lang="en-US" dirty="0" smtClean="0"/>
-              <a:t>Streaming</a:t>
-            </a:r>
-          </a:p>
-          <a:p>
-            <a:r>
-              <a:rPr lang="en-US" dirty="0" err="1" smtClean="0"/>
-              <a:t>etc</a:t>
+            <a:pPr lvl="1"/>
+            <a:r>
+              <a:rPr lang="en-US" dirty="0" smtClean="0"/>
+              <a:t>Including joins across them</a:t>
+            </a:r>
+          </a:p>
+          <a:p>
+            <a:r>
+              <a:rPr lang="en-US" dirty="0" smtClean="0"/>
+              <a:t>Fully supports Apache Hive</a:t>
+            </a:r>
+          </a:p>
+          <a:p>
+            <a:pPr lvl="1"/>
+            <a:r>
+              <a:rPr lang="en-US" i="1" dirty="0" smtClean="0"/>
+              <a:t>If you build it with Hive support</a:t>
+            </a:r>
+          </a:p>
+          <a:p>
+            <a:r>
+              <a:rPr lang="en-US" dirty="0" smtClean="0"/>
+              <a:t>Fits into the resilient scalable model of Spark</a:t>
             </a:r>
             <a:endParaRPr lang="en-US" dirty="0"/>
           </a:p>
@@ -7831,20 +7841,13 @@
     </p:spTree>
     <p:extLst>
       <p:ext uri="{BB962C8B-B14F-4D97-AF65-F5344CB8AC3E}">
-        <p14:creationId xmlns:p14="http://schemas.microsoft.com/office/powerpoint/2010/main" val="2454011762"/>
+        <p14:creationId xmlns:p14="http://schemas.microsoft.com/office/powerpoint/2010/main" val="1912318869"/>
       </p:ext>
     </p:extLst>
   </p:cSld>
   <p:clrMapOvr>
     <a:masterClrMapping/>
   </p:clrMapOvr>
-  <p:timing>
-    <p:tnLst>
-      <p:par>
-        <p:cTn xmlns:p14="http://schemas.microsoft.com/office/powerpoint/2010/main" id="1" dur="indefinite" restart="never" nodeType="tmRoot"/>
-      </p:par>
-    </p:tnLst>
-  </p:timing>
 </p:sld>
 </file>
 
@@ -7882,7 +7885,7 @@
           <a:p>
             <a:r>
               <a:rPr lang="en-US" dirty="0" smtClean="0"/>
-              <a:t>Using Spark Packages</a:t>
+              <a:t>Spark SQL example</a:t>
             </a:r>
             <a:endParaRPr lang="en-US" dirty="0"/>
           </a:p>
@@ -7900,54 +7903,456 @@
         </p:nvSpPr>
         <p:spPr/>
         <p:txBody>
-          <a:bodyPr/>
+          <a:bodyPr>
+            <a:normAutofit fontScale="47500" lnSpcReduction="20000"/>
+          </a:bodyPr>
           <a:lstStyle/>
           <a:p>
             <a:pPr marL="0" indent="0">
               <a:buNone/>
             </a:pPr>
             <a:r>
-              <a:rPr lang="en-US" dirty="0" smtClean="0"/>
-              <a:t>Automatic download from the web:</a:t>
+              <a:rPr lang="en-US" dirty="0">
+                <a:latin typeface="Lucida Console"/>
+                <a:cs typeface="Lucida Console"/>
+              </a:rPr>
+              <a:t>from </a:t>
+            </a:r>
+            <a:r>
+              <a:rPr lang="en-US" dirty="0" err="1">
+                <a:latin typeface="Lucida Console"/>
+                <a:cs typeface="Lucida Console"/>
+              </a:rPr>
+              <a:t>pyspark.sql</a:t>
+            </a:r>
+            <a:r>
+              <a:rPr lang="en-US" dirty="0">
+                <a:latin typeface="Lucida Console"/>
+                <a:cs typeface="Lucida Console"/>
+              </a:rPr>
+              <a:t> import </a:t>
+            </a:r>
+            <a:r>
+              <a:rPr lang="en-US" dirty="0" err="1">
+                <a:latin typeface="Lucida Console"/>
+                <a:cs typeface="Lucida Console"/>
+              </a:rPr>
+              <a:t>SQLContext</a:t>
+            </a:r>
+            <a:r>
+              <a:rPr lang="en-US" dirty="0">
+                <a:latin typeface="Lucida Console"/>
+                <a:cs typeface="Lucida Console"/>
+              </a:rPr>
+              <a:t>, Row</a:t>
             </a:r>
           </a:p>
           <a:p>
             <a:pPr marL="0" indent="0">
               <a:buNone/>
             </a:pPr>
-            <a:endParaRPr lang="en-US" dirty="0"/>
+            <a:r>
+              <a:rPr lang="en-US" dirty="0" err="1">
+                <a:latin typeface="Lucida Console"/>
+                <a:cs typeface="Lucida Console"/>
+              </a:rPr>
+              <a:t>sqlContext</a:t>
+            </a:r>
+            <a:r>
+              <a:rPr lang="en-US" dirty="0">
+                <a:latin typeface="Lucida Console"/>
+                <a:cs typeface="Lucida Console"/>
+              </a:rPr>
+              <a:t> = </a:t>
+            </a:r>
+            <a:r>
+              <a:rPr lang="en-US" dirty="0" err="1">
+                <a:latin typeface="Lucida Console"/>
+                <a:cs typeface="Lucida Console"/>
+              </a:rPr>
+              <a:t>SQLContext</a:t>
+            </a:r>
+            <a:r>
+              <a:rPr lang="en-US" dirty="0">
+                <a:latin typeface="Lucida Console"/>
+                <a:cs typeface="Lucida Console"/>
+              </a:rPr>
+              <a:t>(</a:t>
+            </a:r>
+            <a:r>
+              <a:rPr lang="en-US" dirty="0" err="1">
+                <a:latin typeface="Lucida Console"/>
+                <a:cs typeface="Lucida Console"/>
+              </a:rPr>
+              <a:t>sc</a:t>
+            </a:r>
+            <a:r>
+              <a:rPr lang="en-US" dirty="0">
+                <a:latin typeface="Lucida Console"/>
+                <a:cs typeface="Lucida Console"/>
+              </a:rPr>
+              <a:t>)</a:t>
+            </a:r>
           </a:p>
           <a:p>
             <a:pPr marL="0" indent="0">
               <a:buNone/>
             </a:pPr>
-            <a:endParaRPr lang="en-US" dirty="0" smtClean="0"/>
+            <a:endParaRPr lang="en-US" dirty="0">
+              <a:latin typeface="Lucida Console"/>
+              <a:cs typeface="Lucida Console"/>
+            </a:endParaRPr>
           </a:p>
           <a:p>
             <a:pPr marL="0" indent="0">
               <a:buNone/>
             </a:pPr>
             <a:r>
-              <a:rPr lang="en-US" sz="2400" dirty="0" smtClean="0"/>
-              <a:t>bin</a:t>
-            </a:r>
-            <a:r>
-              <a:rPr lang="en-US" sz="2400" dirty="0"/>
-              <a:t>/spark-shell </a:t>
-            </a:r>
-            <a:endParaRPr lang="en-US" sz="2400" dirty="0" smtClean="0"/>
-          </a:p>
-          <a:p>
-            <a:pPr marL="457200" lvl="1" indent="0">
+              <a:rPr lang="en-US" dirty="0">
+                <a:latin typeface="Lucida Console"/>
+                <a:cs typeface="Lucida Console"/>
+              </a:rPr>
+              <a:t>lines = </a:t>
+            </a:r>
+            <a:r>
+              <a:rPr lang="en-US" dirty="0" err="1">
+                <a:latin typeface="Lucida Console"/>
+                <a:cs typeface="Lucida Console"/>
+              </a:rPr>
+              <a:t>sc.textFile</a:t>
+            </a:r>
+            <a:r>
+              <a:rPr lang="en-US" dirty="0">
+                <a:latin typeface="Lucida Console"/>
+                <a:cs typeface="Lucida Console"/>
+              </a:rPr>
+              <a:t>("examples/</a:t>
+            </a:r>
+            <a:r>
+              <a:rPr lang="en-US" dirty="0" err="1">
+                <a:latin typeface="Lucida Console"/>
+                <a:cs typeface="Lucida Console"/>
+              </a:rPr>
+              <a:t>src</a:t>
+            </a:r>
+            <a:r>
+              <a:rPr lang="en-US" dirty="0">
+                <a:latin typeface="Lucida Console"/>
+                <a:cs typeface="Lucida Console"/>
+              </a:rPr>
+              <a:t>/main/resources/</a:t>
+            </a:r>
+            <a:r>
+              <a:rPr lang="en-US" dirty="0" err="1">
+                <a:latin typeface="Lucida Console"/>
+                <a:cs typeface="Lucida Console"/>
+              </a:rPr>
+              <a:t>people.txt</a:t>
+            </a:r>
+            <a:r>
+              <a:rPr lang="en-US" dirty="0">
+                <a:latin typeface="Lucida Console"/>
+                <a:cs typeface="Lucida Console"/>
+              </a:rPr>
+              <a:t>")</a:t>
+            </a:r>
+          </a:p>
+          <a:p>
+            <a:pPr marL="0" indent="0">
               <a:buNone/>
             </a:pPr>
             <a:r>
-              <a:rPr lang="en-US" sz="2400" dirty="0" smtClean="0"/>
-              <a:t>-</a:t>
-            </a:r>
-            <a:r>
-              <a:rPr lang="en-US" sz="2400" dirty="0"/>
-              <a:t>-packages com.databricks:spark-csv_2.11:1.2.0</a:t>
+              <a:rPr lang="en-US" dirty="0">
+                <a:latin typeface="Lucida Console"/>
+                <a:cs typeface="Lucida Console"/>
+              </a:rPr>
+              <a:t>parts = </a:t>
+            </a:r>
+            <a:r>
+              <a:rPr lang="en-US" dirty="0" err="1">
+                <a:latin typeface="Lucida Console"/>
+                <a:cs typeface="Lucida Console"/>
+              </a:rPr>
+              <a:t>lines.map</a:t>
+            </a:r>
+            <a:r>
+              <a:rPr lang="en-US" dirty="0">
+                <a:latin typeface="Lucida Console"/>
+                <a:cs typeface="Lucida Console"/>
+              </a:rPr>
+              <a:t>(lambda l: </a:t>
+            </a:r>
+            <a:r>
+              <a:rPr lang="en-US" dirty="0" err="1">
+                <a:latin typeface="Lucida Console"/>
+                <a:cs typeface="Lucida Console"/>
+              </a:rPr>
+              <a:t>l.split</a:t>
+            </a:r>
+            <a:r>
+              <a:rPr lang="en-US" dirty="0">
+                <a:latin typeface="Lucida Console"/>
+                <a:cs typeface="Lucida Console"/>
+              </a:rPr>
+              <a:t>(","))</a:t>
+            </a:r>
+          </a:p>
+          <a:p>
+            <a:pPr marL="0" indent="0">
+              <a:buNone/>
+            </a:pPr>
+            <a:r>
+              <a:rPr lang="en-US" dirty="0">
+                <a:latin typeface="Lucida Console"/>
+                <a:cs typeface="Lucida Console"/>
+              </a:rPr>
+              <a:t>people = </a:t>
+            </a:r>
+            <a:r>
+              <a:rPr lang="en-US" dirty="0" err="1">
+                <a:latin typeface="Lucida Console"/>
+                <a:cs typeface="Lucida Console"/>
+              </a:rPr>
+              <a:t>parts.map</a:t>
+            </a:r>
+            <a:r>
+              <a:rPr lang="en-US" dirty="0">
+                <a:latin typeface="Lucida Console"/>
+                <a:cs typeface="Lucida Console"/>
+              </a:rPr>
+              <a:t>(lambda p: Row(name=p[0], age=</a:t>
+            </a:r>
+            <a:r>
+              <a:rPr lang="en-US" dirty="0" err="1">
+                <a:latin typeface="Lucida Console"/>
+                <a:cs typeface="Lucida Console"/>
+              </a:rPr>
+              <a:t>int</a:t>
+            </a:r>
+            <a:r>
+              <a:rPr lang="en-US" dirty="0">
+                <a:latin typeface="Lucida Console"/>
+                <a:cs typeface="Lucida Console"/>
+              </a:rPr>
+              <a:t>(p[1])))</a:t>
+            </a:r>
+          </a:p>
+          <a:p>
+            <a:pPr marL="0" indent="0">
+              <a:buNone/>
+            </a:pPr>
+            <a:endParaRPr lang="en-US" dirty="0">
+              <a:latin typeface="Lucida Console"/>
+              <a:cs typeface="Lucida Console"/>
+            </a:endParaRPr>
+          </a:p>
+          <a:p>
+            <a:pPr marL="0" indent="0">
+              <a:buNone/>
+            </a:pPr>
+            <a:r>
+              <a:rPr lang="en-US" dirty="0" err="1">
+                <a:latin typeface="Lucida Console"/>
+                <a:cs typeface="Lucida Console"/>
+              </a:rPr>
+              <a:t>schemaPeople</a:t>
+            </a:r>
+            <a:r>
+              <a:rPr lang="en-US" dirty="0">
+                <a:latin typeface="Lucida Console"/>
+                <a:cs typeface="Lucida Console"/>
+              </a:rPr>
+              <a:t> = </a:t>
+            </a:r>
+            <a:r>
+              <a:rPr lang="en-US" dirty="0" err="1">
+                <a:latin typeface="Lucida Console"/>
+                <a:cs typeface="Lucida Console"/>
+              </a:rPr>
+              <a:t>sqlContext.createDataFrame</a:t>
+            </a:r>
+            <a:r>
+              <a:rPr lang="en-US" dirty="0">
+                <a:latin typeface="Lucida Console"/>
+                <a:cs typeface="Lucida Console"/>
+              </a:rPr>
+              <a:t>(people)</a:t>
+            </a:r>
+          </a:p>
+          <a:p>
+            <a:pPr marL="0" indent="0">
+              <a:buNone/>
+            </a:pPr>
+            <a:r>
+              <a:rPr lang="en-US" dirty="0" err="1">
+                <a:latin typeface="Lucida Console"/>
+                <a:cs typeface="Lucida Console"/>
+              </a:rPr>
+              <a:t>schemaPeople.registerTempTable</a:t>
+            </a:r>
+            <a:r>
+              <a:rPr lang="en-US" dirty="0">
+                <a:latin typeface="Lucida Console"/>
+                <a:cs typeface="Lucida Console"/>
+              </a:rPr>
+              <a:t>("people")</a:t>
+            </a:r>
+          </a:p>
+          <a:p>
+            <a:pPr marL="0" indent="0">
+              <a:buNone/>
+            </a:pPr>
+            <a:endParaRPr lang="en-US" dirty="0">
+              <a:latin typeface="Lucida Console"/>
+              <a:cs typeface="Lucida Console"/>
+            </a:endParaRPr>
+          </a:p>
+          <a:p>
+            <a:pPr marL="0" indent="0">
+              <a:buNone/>
+            </a:pPr>
+            <a:r>
+              <a:rPr lang="en-US" dirty="0">
+                <a:latin typeface="Lucida Console"/>
+                <a:cs typeface="Lucida Console"/>
+              </a:rPr>
+              <a:t>teenagers = </a:t>
+            </a:r>
+            <a:r>
+              <a:rPr lang="en-US" dirty="0" err="1">
+                <a:latin typeface="Lucida Console"/>
+                <a:cs typeface="Lucida Console"/>
+              </a:rPr>
+              <a:t>sqlContext.sql</a:t>
+            </a:r>
+            <a:r>
+              <a:rPr lang="en-US" dirty="0">
+                <a:latin typeface="Lucida Console"/>
+                <a:cs typeface="Lucida Console"/>
+              </a:rPr>
+              <a:t>("SELECT name FROM people WHERE age &gt;= 13 AND age &lt;= 19")</a:t>
+            </a:r>
+          </a:p>
+          <a:p>
+            <a:pPr marL="0" indent="0">
+              <a:buNone/>
+            </a:pPr>
+            <a:endParaRPr lang="en-US" dirty="0">
+              <a:latin typeface="Lucida Console"/>
+              <a:cs typeface="Lucida Console"/>
+            </a:endParaRPr>
+          </a:p>
+          <a:p>
+            <a:pPr marL="0" indent="0">
+              <a:buNone/>
+            </a:pPr>
+            <a:r>
+              <a:rPr lang="en-US" dirty="0" err="1">
+                <a:latin typeface="Lucida Console"/>
+                <a:cs typeface="Lucida Console"/>
+              </a:rPr>
+              <a:t>teenNames</a:t>
+            </a:r>
+            <a:r>
+              <a:rPr lang="en-US" dirty="0">
+                <a:latin typeface="Lucida Console"/>
+                <a:cs typeface="Lucida Console"/>
+              </a:rPr>
+              <a:t> = </a:t>
+            </a:r>
+            <a:r>
+              <a:rPr lang="en-US" dirty="0" err="1">
+                <a:latin typeface="Lucida Console"/>
+                <a:cs typeface="Lucida Console"/>
+              </a:rPr>
+              <a:t>teenagers.map</a:t>
+            </a:r>
+            <a:r>
+              <a:rPr lang="en-US" dirty="0">
+                <a:latin typeface="Lucida Console"/>
+                <a:cs typeface="Lucida Console"/>
+              </a:rPr>
+              <a:t>(lambda p: "Name: " + </a:t>
+            </a:r>
+            <a:r>
+              <a:rPr lang="en-US" dirty="0" err="1">
+                <a:latin typeface="Lucida Console"/>
+                <a:cs typeface="Lucida Console"/>
+              </a:rPr>
+              <a:t>p.name</a:t>
+            </a:r>
+            <a:r>
+              <a:rPr lang="en-US" dirty="0">
+                <a:latin typeface="Lucida Console"/>
+                <a:cs typeface="Lucida Console"/>
+              </a:rPr>
+              <a:t>)</a:t>
+            </a:r>
+          </a:p>
+          <a:p>
+            <a:pPr marL="0" indent="0">
+              <a:buNone/>
+            </a:pPr>
+            <a:r>
+              <a:rPr lang="en-US" dirty="0">
+                <a:latin typeface="Lucida Console"/>
+                <a:cs typeface="Lucida Console"/>
+              </a:rPr>
+              <a:t>for </a:t>
+            </a:r>
+            <a:r>
+              <a:rPr lang="en-US" dirty="0" err="1">
+                <a:latin typeface="Lucida Console"/>
+                <a:cs typeface="Lucida Console"/>
+              </a:rPr>
+              <a:t>teenName</a:t>
+            </a:r>
+            <a:r>
+              <a:rPr lang="en-US" dirty="0">
+                <a:latin typeface="Lucida Console"/>
+                <a:cs typeface="Lucida Console"/>
+              </a:rPr>
+              <a:t> in </a:t>
+            </a:r>
+            <a:r>
+              <a:rPr lang="en-US" dirty="0" err="1">
+                <a:latin typeface="Lucida Console"/>
+                <a:cs typeface="Lucida Console"/>
+              </a:rPr>
+              <a:t>teenNames.collect</a:t>
+            </a:r>
+            <a:r>
+              <a:rPr lang="en-US" dirty="0">
+                <a:latin typeface="Lucida Console"/>
+                <a:cs typeface="Lucida Console"/>
+              </a:rPr>
+              <a:t>():</a:t>
+            </a:r>
+          </a:p>
+          <a:p>
+            <a:pPr marL="0" indent="0">
+              <a:buNone/>
+            </a:pPr>
+            <a:r>
+              <a:rPr lang="en-US" dirty="0">
+                <a:latin typeface="Lucida Console"/>
+                <a:cs typeface="Lucida Console"/>
+              </a:rPr>
+              <a:t>  print(</a:t>
+            </a:r>
+            <a:r>
+              <a:rPr lang="en-US" dirty="0" err="1">
+                <a:latin typeface="Lucida Console"/>
+                <a:cs typeface="Lucida Console"/>
+              </a:rPr>
+              <a:t>teenName</a:t>
+            </a:r>
+            <a:r>
+              <a:rPr lang="en-US" dirty="0">
+                <a:latin typeface="Lucida Console"/>
+                <a:cs typeface="Lucida Console"/>
+              </a:rPr>
+              <a:t>)</a:t>
             </a:r>
           </a:p>
         </p:txBody>
@@ -7955,20 +8360,13 @@
     </p:spTree>
     <p:extLst>
       <p:ext uri="{BB962C8B-B14F-4D97-AF65-F5344CB8AC3E}">
-        <p14:creationId xmlns:p14="http://schemas.microsoft.com/office/powerpoint/2010/main" val="2390105459"/>
+        <p14:creationId xmlns:p14="http://schemas.microsoft.com/office/powerpoint/2010/main" val="2906470586"/>
       </p:ext>
     </p:extLst>
   </p:cSld>
   <p:clrMapOvr>
     <a:masterClrMapping/>
   </p:clrMapOvr>
-  <p:timing>
-    <p:tnLst>
-      <p:par>
-        <p:cTn xmlns:p14="http://schemas.microsoft.com/office/powerpoint/2010/main" id="1" dur="indefinite" restart="never" nodeType="tmRoot"/>
-      </p:par>
-    </p:tnLst>
-  </p:timing>
 </p:sld>
 </file>
 
@@ -8001,34 +8399,130 @@
         </p:nvSpPr>
         <p:spPr/>
         <p:txBody>
+          <a:bodyPr>
+            <a:normAutofit fontScale="90000"/>
+          </a:bodyPr>
+          <a:lstStyle/>
+          <a:p>
+            <a:r>
+              <a:rPr lang="en-US" dirty="0" err="1" smtClean="0"/>
+              <a:t>DataFrame</a:t>
+            </a:r>
+            <a:r>
+              <a:rPr lang="en-US" dirty="0" smtClean="0"/>
+              <a:t/>
+            </a:r>
+            <a:br>
+              <a:rPr lang="en-US" dirty="0" smtClean="0"/>
+            </a:br>
+            <a:r>
+              <a:rPr lang="en-US" sz="3100" dirty="0" smtClean="0"/>
+              <a:t>Based on Python and R </a:t>
+            </a:r>
+            <a:r>
+              <a:rPr lang="en-US" sz="3100" dirty="0" err="1" smtClean="0"/>
+              <a:t>dataframes</a:t>
+            </a:r>
+            <a:endParaRPr lang="en-US" dirty="0"/>
+          </a:p>
+        </p:txBody>
+      </p:sp>
+      <p:sp>
+        <p:nvSpPr>
+          <p:cNvPr id="6" name="Content Placeholder 5"/>
+          <p:cNvSpPr>
+            <a:spLocks noGrp="1"/>
+          </p:cNvSpPr>
+          <p:nvPr>
+            <p:ph idx="1"/>
+          </p:nvPr>
+        </p:nvSpPr>
+        <p:spPr/>
+        <p:txBody>
           <a:bodyPr/>
           <a:lstStyle/>
           <a:p>
             <a:r>
               <a:rPr lang="en-US" dirty="0" smtClean="0"/>
-              <a:t>Time for a lab!</a:t>
-            </a:r>
+              <a:t>Column based object used by SQL</a:t>
+            </a:r>
+          </a:p>
+          <a:p>
+            <a:r>
+              <a:rPr lang="en-US" dirty="0" smtClean="0"/>
+              <a:t>Offers SQL like programming </a:t>
+            </a:r>
+          </a:p>
+          <a:p>
+            <a:r>
+              <a:rPr lang="en-US" dirty="0" smtClean="0"/>
+              <a:t>Supports algebraic </a:t>
+            </a:r>
+            <a:r>
+              <a:rPr lang="en-US" dirty="0" err="1" smtClean="0"/>
+              <a:t>optimisation</a:t>
+            </a:r>
+            <a:r>
+              <a:rPr lang="en-US" dirty="0" smtClean="0"/>
+              <a:t> and code gen</a:t>
+            </a:r>
+          </a:p>
+          <a:p>
+            <a:r>
+              <a:rPr lang="en-US" dirty="0" smtClean="0"/>
+              <a:t>E.g. in </a:t>
+            </a:r>
+            <a:r>
+              <a:rPr lang="en-US" dirty="0" err="1" smtClean="0"/>
+              <a:t>Scala</a:t>
+            </a:r>
+            <a:r>
+              <a:rPr lang="en-US" dirty="0" smtClean="0"/>
+              <a:t>:</a:t>
+            </a:r>
+          </a:p>
+          <a:p>
+            <a:pPr marL="0" indent="0">
+              <a:buNone/>
+            </a:pPr>
             <a:endParaRPr lang="en-US" dirty="0"/>
           </a:p>
         </p:txBody>
       </p:sp>
+      <p:pic>
+        <p:nvPicPr>
+          <p:cNvPr id="4" name="Picture 3"/>
+          <p:cNvPicPr>
+            <a:picLocks noChangeAspect="1"/>
+          </p:cNvPicPr>
+          <p:nvPr/>
+        </p:nvPicPr>
+        <p:blipFill>
+          <a:blip r:embed="rId2"/>
+          <a:stretch>
+            <a:fillRect/>
+          </a:stretch>
+        </p:blipFill>
+        <p:spPr>
+          <a:xfrm>
+            <a:off x="1362019" y="4572608"/>
+            <a:ext cx="7454900" cy="2209800"/>
+          </a:xfrm>
+          <a:prstGeom prst="rect">
+            <a:avLst/>
+          </a:prstGeom>
+        </p:spPr>
+      </p:pic>
     </p:spTree>
     <p:extLst>
       <p:ext uri="{BB962C8B-B14F-4D97-AF65-F5344CB8AC3E}">
-        <p14:creationId xmlns:p14="http://schemas.microsoft.com/office/powerpoint/2010/main" val="816383995"/>
+        <p14:creationId xmlns:p14="http://schemas.microsoft.com/office/powerpoint/2010/main" val="2882236440"/>
       </p:ext>
     </p:extLst>
   </p:cSld>
   <p:clrMapOvr>
     <a:masterClrMapping/>
   </p:clrMapOvr>
-  <p:timing>
-    <p:tnLst>
-      <p:par>
-        <p:cTn xmlns:p14="http://schemas.microsoft.com/office/powerpoint/2010/main" id="1" dur="indefinite" restart="never" nodeType="tmRoot"/>
-      </p:par>
-    </p:tnLst>
-  </p:timing>
 </p:sld>
 </file>
 
@@ -8061,56 +8555,88 @@
         </p:nvSpPr>
         <p:spPr/>
         <p:txBody>
+          <a:bodyPr>
+            <a:normAutofit/>
+          </a:bodyPr>
+          <a:lstStyle/>
+          <a:p>
+            <a:r>
+              <a:rPr lang="en-US" dirty="0" smtClean="0"/>
+              <a:t>Spark packages</a:t>
+            </a:r>
+            <a:endParaRPr lang="en-US" dirty="0"/>
+          </a:p>
+        </p:txBody>
+      </p:sp>
+      <p:sp>
+        <p:nvSpPr>
+          <p:cNvPr id="3" name="Content Placeholder 2"/>
+          <p:cNvSpPr>
+            <a:spLocks noGrp="1"/>
+          </p:cNvSpPr>
+          <p:nvPr>
+            <p:ph idx="1"/>
+          </p:nvPr>
+        </p:nvSpPr>
+        <p:spPr/>
+        <p:txBody>
           <a:bodyPr/>
           <a:lstStyle/>
           <a:p>
             <a:r>
               <a:rPr lang="en-US" dirty="0" smtClean="0"/>
-              <a:t>Locality</a:t>
-            </a:r>
-            <a:endParaRPr lang="en-US" dirty="0"/>
-          </a:p>
-        </p:txBody>
-      </p:sp>
-      <p:sp>
-        <p:nvSpPr>
-          <p:cNvPr id="3" name="Content Placeholder 2"/>
-          <p:cNvSpPr>
-            <a:spLocks noGrp="1"/>
-          </p:cNvSpPr>
-          <p:nvPr>
-            <p:ph idx="1"/>
-          </p:nvPr>
-        </p:nvSpPr>
-        <p:spPr/>
-        <p:txBody>
-          <a:bodyPr/>
-          <a:lstStyle/>
-          <a:p>
-            <a:r>
-              <a:rPr lang="en-US" dirty="0" smtClean="0"/>
-              <a:t>Spark understands the locality of data:</a:t>
+              <a:t>A wide set of plugins</a:t>
             </a:r>
           </a:p>
           <a:p>
             <a:pPr lvl="1"/>
             <a:r>
               <a:rPr lang="en-US" dirty="0" smtClean="0"/>
-              <a:t>Already in memory</a:t>
+              <a:t>Currently 148 community donated plugins</a:t>
+            </a:r>
+          </a:p>
+          <a:p>
+            <a:r>
+              <a:rPr lang="en-US" dirty="0" smtClean="0"/>
+              <a:t> Data connectors	</a:t>
             </a:r>
           </a:p>
           <a:p>
             <a:pPr lvl="1"/>
             <a:r>
               <a:rPr lang="en-US" dirty="0" smtClean="0"/>
-              <a:t>HDFS location</a:t>
-            </a:r>
-          </a:p>
-          <a:p>
-            <a:pPr lvl="1"/>
-            <a:r>
-              <a:rPr lang="en-US" dirty="0" smtClean="0"/>
-              <a:t>Cassandra location</a:t>
+              <a:t>Cassandra, </a:t>
+            </a:r>
+            <a:r>
+              <a:rPr lang="en-US" dirty="0" err="1" smtClean="0"/>
+              <a:t>Couchbase</a:t>
+            </a:r>
+            <a:r>
+              <a:rPr lang="en-US" dirty="0" smtClean="0"/>
+              <a:t>, Mongo, CSV, </a:t>
+            </a:r>
+            <a:r>
+              <a:rPr lang="en-US" dirty="0" err="1" smtClean="0"/>
+              <a:t>etc</a:t>
+            </a:r>
+            <a:endParaRPr lang="en-US" dirty="0" smtClean="0"/>
+          </a:p>
+          <a:p>
+            <a:r>
+              <a:rPr lang="en-US" dirty="0" smtClean="0"/>
+              <a:t>Machine Learning, Neural networks</a:t>
+            </a:r>
+          </a:p>
+          <a:p>
+            <a:r>
+              <a:rPr lang="en-US" dirty="0" smtClean="0"/>
+              <a:t>Streaming</a:t>
+            </a:r>
+          </a:p>
+          <a:p>
+            <a:r>
+              <a:rPr lang="en-US" dirty="0" err="1" smtClean="0"/>
+              <a:t>etc</a:t>
             </a:r>
             <a:endParaRPr lang="en-US" dirty="0"/>
           </a:p>
@@ -8119,7 +8645,7 @@
     </p:spTree>
     <p:extLst>
       <p:ext uri="{BB962C8B-B14F-4D97-AF65-F5344CB8AC3E}">
-        <p14:creationId xmlns:p14="http://schemas.microsoft.com/office/powerpoint/2010/main" val="546616968"/>
+        <p14:creationId xmlns:p14="http://schemas.microsoft.com/office/powerpoint/2010/main" val="2454011762"/>
       </p:ext>
     </p:extLst>
   </p:cSld>
@@ -8170,6 +8696,294 @@
           <a:p>
             <a:r>
               <a:rPr lang="en-US" dirty="0" smtClean="0"/>
+              <a:t>Using Spark Packages</a:t>
+            </a:r>
+            <a:endParaRPr lang="en-US" dirty="0"/>
+          </a:p>
+        </p:txBody>
+      </p:sp>
+      <p:sp>
+        <p:nvSpPr>
+          <p:cNvPr id="3" name="Content Placeholder 2"/>
+          <p:cNvSpPr>
+            <a:spLocks noGrp="1"/>
+          </p:cNvSpPr>
+          <p:nvPr>
+            <p:ph idx="1"/>
+          </p:nvPr>
+        </p:nvSpPr>
+        <p:spPr/>
+        <p:txBody>
+          <a:bodyPr/>
+          <a:lstStyle/>
+          <a:p>
+            <a:pPr marL="0" indent="0">
+              <a:buNone/>
+            </a:pPr>
+            <a:r>
+              <a:rPr lang="en-US" dirty="0" smtClean="0"/>
+              <a:t>Automatic download from the web:</a:t>
+            </a:r>
+          </a:p>
+          <a:p>
+            <a:pPr marL="0" indent="0">
+              <a:buNone/>
+            </a:pPr>
+            <a:endParaRPr lang="en-US" dirty="0"/>
+          </a:p>
+          <a:p>
+            <a:pPr marL="0" indent="0">
+              <a:buNone/>
+            </a:pPr>
+            <a:endParaRPr lang="en-US" dirty="0" smtClean="0"/>
+          </a:p>
+          <a:p>
+            <a:pPr marL="0" indent="0">
+              <a:buNone/>
+            </a:pPr>
+            <a:r>
+              <a:rPr lang="en-US" sz="2400" dirty="0" smtClean="0"/>
+              <a:t>bin</a:t>
+            </a:r>
+            <a:r>
+              <a:rPr lang="en-US" sz="2400" dirty="0"/>
+              <a:t>/spark-shell </a:t>
+            </a:r>
+            <a:endParaRPr lang="en-US" sz="2400" dirty="0" smtClean="0"/>
+          </a:p>
+          <a:p>
+            <a:pPr marL="457200" lvl="1" indent="0">
+              <a:buNone/>
+            </a:pPr>
+            <a:r>
+              <a:rPr lang="en-US" sz="2400" dirty="0" smtClean="0"/>
+              <a:t>-</a:t>
+            </a:r>
+            <a:r>
+              <a:rPr lang="en-US" sz="2400" dirty="0"/>
+              <a:t>-packages com.databricks:spark-csv_2.11:1.2.0</a:t>
+            </a:r>
+          </a:p>
+        </p:txBody>
+      </p:sp>
+    </p:spTree>
+    <p:extLst>
+      <p:ext uri="{BB962C8B-B14F-4D97-AF65-F5344CB8AC3E}">
+        <p14:creationId xmlns:p14="http://schemas.microsoft.com/office/powerpoint/2010/main" val="2390105459"/>
+      </p:ext>
+    </p:extLst>
+  </p:cSld>
+  <p:clrMapOvr>
+    <a:masterClrMapping/>
+  </p:clrMapOvr>
+  <p:timing>
+    <p:tnLst>
+      <p:par>
+        <p:cTn xmlns:p14="http://schemas.microsoft.com/office/powerpoint/2010/main" id="1" dur="indefinite" restart="never" nodeType="tmRoot"/>
+      </p:par>
+    </p:tnLst>
+  </p:timing>
+</p:sld>
+</file>
+
+<file path=ppt/slides/slide37.xml><?xml version="1.0" encoding="utf-8"?>
+<p:sld xmlns:a="http://schemas.openxmlformats.org/drawingml/2006/main" xmlns:r="http://schemas.openxmlformats.org/officeDocument/2006/relationships" xmlns:p="http://schemas.openxmlformats.org/presentationml/2006/main">
+  <p:cSld>
+    <p:spTree>
+      <p:nvGrpSpPr>
+        <p:cNvPr id="1" name=""/>
+        <p:cNvGrpSpPr/>
+        <p:nvPr/>
+      </p:nvGrpSpPr>
+      <p:grpSpPr>
+        <a:xfrm>
+          <a:off x="0" y="0"/>
+          <a:ext cx="0" cy="0"/>
+          <a:chOff x="0" y="0"/>
+          <a:chExt cx="0" cy="0"/>
+        </a:xfrm>
+      </p:grpSpPr>
+      <p:sp>
+        <p:nvSpPr>
+          <p:cNvPr id="2" name="Title 1"/>
+          <p:cNvSpPr>
+            <a:spLocks noGrp="1"/>
+          </p:cNvSpPr>
+          <p:nvPr>
+            <p:ph type="title"/>
+          </p:nvPr>
+        </p:nvSpPr>
+        <p:spPr/>
+        <p:txBody>
+          <a:bodyPr/>
+          <a:lstStyle/>
+          <a:p>
+            <a:r>
+              <a:rPr lang="en-US" dirty="0" smtClean="0"/>
+              <a:t>Time for a lab!</a:t>
+            </a:r>
+            <a:endParaRPr lang="en-US" dirty="0"/>
+          </a:p>
+        </p:txBody>
+      </p:sp>
+    </p:spTree>
+    <p:extLst>
+      <p:ext uri="{BB962C8B-B14F-4D97-AF65-F5344CB8AC3E}">
+        <p14:creationId xmlns:p14="http://schemas.microsoft.com/office/powerpoint/2010/main" val="816383995"/>
+      </p:ext>
+    </p:extLst>
+  </p:cSld>
+  <p:clrMapOvr>
+    <a:masterClrMapping/>
+  </p:clrMapOvr>
+  <p:timing>
+    <p:tnLst>
+      <p:par>
+        <p:cTn xmlns:p14="http://schemas.microsoft.com/office/powerpoint/2010/main" id="1" dur="indefinite" restart="never" nodeType="tmRoot"/>
+      </p:par>
+    </p:tnLst>
+  </p:timing>
+</p:sld>
+</file>
+
+<file path=ppt/slides/slide38.xml><?xml version="1.0" encoding="utf-8"?>
+<p:sld xmlns:a="http://schemas.openxmlformats.org/drawingml/2006/main" xmlns:r="http://schemas.openxmlformats.org/officeDocument/2006/relationships" xmlns:p="http://schemas.openxmlformats.org/presentationml/2006/main">
+  <p:cSld>
+    <p:spTree>
+      <p:nvGrpSpPr>
+        <p:cNvPr id="1" name=""/>
+        <p:cNvGrpSpPr/>
+        <p:nvPr/>
+      </p:nvGrpSpPr>
+      <p:grpSpPr>
+        <a:xfrm>
+          <a:off x="0" y="0"/>
+          <a:ext cx="0" cy="0"/>
+          <a:chOff x="0" y="0"/>
+          <a:chExt cx="0" cy="0"/>
+        </a:xfrm>
+      </p:grpSpPr>
+      <p:sp>
+        <p:nvSpPr>
+          <p:cNvPr id="2" name="Title 1"/>
+          <p:cNvSpPr>
+            <a:spLocks noGrp="1"/>
+          </p:cNvSpPr>
+          <p:nvPr>
+            <p:ph type="title"/>
+          </p:nvPr>
+        </p:nvSpPr>
+        <p:spPr/>
+        <p:txBody>
+          <a:bodyPr/>
+          <a:lstStyle/>
+          <a:p>
+            <a:r>
+              <a:rPr lang="en-US" dirty="0" smtClean="0"/>
+              <a:t>Locality</a:t>
+            </a:r>
+            <a:endParaRPr lang="en-US" dirty="0"/>
+          </a:p>
+        </p:txBody>
+      </p:sp>
+      <p:sp>
+        <p:nvSpPr>
+          <p:cNvPr id="3" name="Content Placeholder 2"/>
+          <p:cNvSpPr>
+            <a:spLocks noGrp="1"/>
+          </p:cNvSpPr>
+          <p:nvPr>
+            <p:ph idx="1"/>
+          </p:nvPr>
+        </p:nvSpPr>
+        <p:spPr/>
+        <p:txBody>
+          <a:bodyPr/>
+          <a:lstStyle/>
+          <a:p>
+            <a:r>
+              <a:rPr lang="en-US" dirty="0" smtClean="0"/>
+              <a:t>Spark understands the locality of data:</a:t>
+            </a:r>
+          </a:p>
+          <a:p>
+            <a:pPr lvl="1"/>
+            <a:r>
+              <a:rPr lang="en-US" dirty="0" smtClean="0"/>
+              <a:t>Already in memory</a:t>
+            </a:r>
+          </a:p>
+          <a:p>
+            <a:pPr lvl="1"/>
+            <a:r>
+              <a:rPr lang="en-US" dirty="0" smtClean="0"/>
+              <a:t>HDFS location</a:t>
+            </a:r>
+          </a:p>
+          <a:p>
+            <a:pPr lvl="1"/>
+            <a:r>
+              <a:rPr lang="en-US" dirty="0" smtClean="0"/>
+              <a:t>Cassandra location</a:t>
+            </a:r>
+            <a:endParaRPr lang="en-US" dirty="0"/>
+          </a:p>
+        </p:txBody>
+      </p:sp>
+    </p:spTree>
+    <p:extLst>
+      <p:ext uri="{BB962C8B-B14F-4D97-AF65-F5344CB8AC3E}">
+        <p14:creationId xmlns:p14="http://schemas.microsoft.com/office/powerpoint/2010/main" val="546616968"/>
+      </p:ext>
+    </p:extLst>
+  </p:cSld>
+  <p:clrMapOvr>
+    <a:masterClrMapping/>
+  </p:clrMapOvr>
+  <p:timing>
+    <p:tnLst>
+      <p:par>
+        <p:cTn xmlns:p14="http://schemas.microsoft.com/office/powerpoint/2010/main" id="1" dur="indefinite" restart="never" nodeType="tmRoot"/>
+      </p:par>
+    </p:tnLst>
+  </p:timing>
+</p:sld>
+</file>
+
+<file path=ppt/slides/slide39.xml><?xml version="1.0" encoding="utf-8"?>
+<p:sld xmlns:a="http://schemas.openxmlformats.org/drawingml/2006/main" xmlns:r="http://schemas.openxmlformats.org/officeDocument/2006/relationships" xmlns:p="http://schemas.openxmlformats.org/presentationml/2006/main">
+  <p:cSld>
+    <p:spTree>
+      <p:nvGrpSpPr>
+        <p:cNvPr id="1" name=""/>
+        <p:cNvGrpSpPr/>
+        <p:nvPr/>
+      </p:nvGrpSpPr>
+      <p:grpSpPr>
+        <a:xfrm>
+          <a:off x="0" y="0"/>
+          <a:ext cx="0" cy="0"/>
+          <a:chOff x="0" y="0"/>
+          <a:chExt cx="0" cy="0"/>
+        </a:xfrm>
+      </p:grpSpPr>
+      <p:sp>
+        <p:nvSpPr>
+          <p:cNvPr id="2" name="Title 1"/>
+          <p:cNvSpPr>
+            <a:spLocks noGrp="1"/>
+          </p:cNvSpPr>
+          <p:nvPr>
+            <p:ph type="title"/>
+          </p:nvPr>
+        </p:nvSpPr>
+        <p:spPr/>
+        <p:txBody>
+          <a:bodyPr/>
+          <a:lstStyle/>
+          <a:p>
+            <a:r>
+              <a:rPr lang="en-US" dirty="0" smtClean="0"/>
               <a:t>Spark Extras</a:t>
             </a:r>
             <a:endParaRPr lang="en-US" dirty="0"/>
@@ -8471,808 +9285,6 @@
     <p:extLst>
       <p:ext uri="{BB962C8B-B14F-4D97-AF65-F5344CB8AC3E}">
         <p14:creationId xmlns:p14="http://schemas.microsoft.com/office/powerpoint/2010/main" val="1179171226"/>
-      </p:ext>
-    </p:extLst>
-  </p:cSld>
-  <p:clrMapOvr>
-    <a:masterClrMapping/>
-  </p:clrMapOvr>
-</p:sld>
-</file>
-
-<file path=ppt/slides/slide37.xml><?xml version="1.0" encoding="utf-8"?>
-<p:sld xmlns:a="http://schemas.openxmlformats.org/drawingml/2006/main" xmlns:r="http://schemas.openxmlformats.org/officeDocument/2006/relationships" xmlns:p="http://schemas.openxmlformats.org/presentationml/2006/main">
-  <p:cSld>
-    <p:spTree>
-      <p:nvGrpSpPr>
-        <p:cNvPr id="1" name=""/>
-        <p:cNvGrpSpPr/>
-        <p:nvPr/>
-      </p:nvGrpSpPr>
-      <p:grpSpPr>
-        <a:xfrm>
-          <a:off x="0" y="0"/>
-          <a:ext cx="0" cy="0"/>
-          <a:chOff x="0" y="0"/>
-          <a:chExt cx="0" cy="0"/>
-        </a:xfrm>
-      </p:grpSpPr>
-      <p:sp>
-        <p:nvSpPr>
-          <p:cNvPr id="2" name="Title 1"/>
-          <p:cNvSpPr>
-            <a:spLocks noGrp="1"/>
-          </p:cNvSpPr>
-          <p:nvPr>
-            <p:ph type="title"/>
-          </p:nvPr>
-        </p:nvSpPr>
-        <p:spPr/>
-        <p:txBody>
-          <a:bodyPr/>
-          <a:lstStyle/>
-          <a:p>
-            <a:r>
-              <a:rPr lang="en-US" dirty="0" smtClean="0"/>
-              <a:t>Spark Extras</a:t>
-            </a:r>
-            <a:endParaRPr lang="en-US" dirty="0"/>
-          </a:p>
-        </p:txBody>
-      </p:sp>
-      <p:sp>
-        <p:nvSpPr>
-          <p:cNvPr id="3" name="Content Placeholder 2"/>
-          <p:cNvSpPr>
-            <a:spLocks noGrp="1"/>
-          </p:cNvSpPr>
-          <p:nvPr>
-            <p:ph idx="1"/>
-          </p:nvPr>
-        </p:nvSpPr>
-        <p:spPr/>
-        <p:txBody>
-          <a:bodyPr>
-            <a:normAutofit fontScale="92500" lnSpcReduction="20000"/>
-          </a:bodyPr>
-          <a:lstStyle/>
-          <a:p>
-            <a:r>
-              <a:rPr lang="en-US" dirty="0" smtClean="0"/>
-              <a:t>Spark SQL</a:t>
-            </a:r>
-          </a:p>
-          <a:p>
-            <a:pPr lvl="1"/>
-            <a:r>
-              <a:rPr lang="en-US" dirty="0" smtClean="0"/>
-              <a:t>Like Apache Hive – use SQL in Spark</a:t>
-            </a:r>
-          </a:p>
-          <a:p>
-            <a:r>
-              <a:rPr lang="en-US" dirty="0" smtClean="0"/>
-              <a:t>Spark Streaming	</a:t>
-            </a:r>
-          </a:p>
-          <a:p>
-            <a:pPr lvl="1"/>
-            <a:r>
-              <a:rPr lang="en-US" dirty="0" err="1" smtClean="0"/>
-              <a:t>Realtime</a:t>
-            </a:r>
-            <a:r>
-              <a:rPr lang="en-US" dirty="0" smtClean="0"/>
-              <a:t> analysis </a:t>
-            </a:r>
-            <a:r>
-              <a:rPr lang="en-US" smtClean="0"/>
-              <a:t>in Spark</a:t>
-            </a:r>
-            <a:endParaRPr lang="en-US" dirty="0" smtClean="0"/>
-          </a:p>
-          <a:p>
-            <a:r>
-              <a:rPr lang="en-US" dirty="0" smtClean="0"/>
-              <a:t>Spark </a:t>
-            </a:r>
-            <a:r>
-              <a:rPr lang="en-US" dirty="0" err="1" smtClean="0"/>
-              <a:t>MLLib</a:t>
-            </a:r>
-            <a:endParaRPr lang="en-US" dirty="0" smtClean="0"/>
-          </a:p>
-          <a:p>
-            <a:pPr lvl="1"/>
-            <a:r>
-              <a:rPr lang="en-US" dirty="0" smtClean="0"/>
-              <a:t>Like Mahout – Machine learning in Spark</a:t>
-            </a:r>
-          </a:p>
-          <a:p>
-            <a:r>
-              <a:rPr lang="en-US" dirty="0" err="1" smtClean="0"/>
-              <a:t>GraphX</a:t>
-            </a:r>
-            <a:endParaRPr lang="en-US" dirty="0" smtClean="0"/>
-          </a:p>
-          <a:p>
-            <a:pPr lvl="1"/>
-            <a:r>
-              <a:rPr lang="en-US" dirty="0" smtClean="0"/>
-              <a:t>Graph processing in Spark</a:t>
-            </a:r>
-          </a:p>
-          <a:p>
-            <a:r>
-              <a:rPr lang="en-US" dirty="0" err="1" smtClean="0"/>
-              <a:t>SparkR</a:t>
-            </a:r>
-            <a:endParaRPr lang="en-US" dirty="0" smtClean="0"/>
-          </a:p>
-          <a:p>
-            <a:pPr lvl="1"/>
-            <a:r>
-              <a:rPr lang="en-US" dirty="0" smtClean="0"/>
-              <a:t>R statistical analysis on Spark</a:t>
-            </a:r>
-            <a:endParaRPr lang="en-US" dirty="0"/>
-          </a:p>
-        </p:txBody>
-      </p:sp>
-    </p:spTree>
-    <p:extLst>
-      <p:ext uri="{BB962C8B-B14F-4D97-AF65-F5344CB8AC3E}">
-        <p14:creationId xmlns:p14="http://schemas.microsoft.com/office/powerpoint/2010/main" val="2973337137"/>
-      </p:ext>
-    </p:extLst>
-  </p:cSld>
-  <p:clrMapOvr>
-    <a:masterClrMapping/>
-  </p:clrMapOvr>
-</p:sld>
-</file>
-
-<file path=ppt/slides/slide38.xml><?xml version="1.0" encoding="utf-8"?>
-<p:sld xmlns:a="http://schemas.openxmlformats.org/drawingml/2006/main" xmlns:r="http://schemas.openxmlformats.org/officeDocument/2006/relationships" xmlns:p="http://schemas.openxmlformats.org/presentationml/2006/main">
-  <p:cSld>
-    <p:spTree>
-      <p:nvGrpSpPr>
-        <p:cNvPr id="1" name=""/>
-        <p:cNvGrpSpPr/>
-        <p:nvPr/>
-      </p:nvGrpSpPr>
-      <p:grpSpPr>
-        <a:xfrm>
-          <a:off x="0" y="0"/>
-          <a:ext cx="0" cy="0"/>
-          <a:chOff x="0" y="0"/>
-          <a:chExt cx="0" cy="0"/>
-        </a:xfrm>
-      </p:grpSpPr>
-      <p:sp>
-        <p:nvSpPr>
-          <p:cNvPr id="2" name="Title 1"/>
-          <p:cNvSpPr>
-            <a:spLocks noGrp="1"/>
-          </p:cNvSpPr>
-          <p:nvPr>
-            <p:ph type="title"/>
-          </p:nvPr>
-        </p:nvSpPr>
-        <p:spPr/>
-        <p:txBody>
-          <a:bodyPr/>
-          <a:lstStyle/>
-          <a:p>
-            <a:r>
-              <a:rPr lang="en-US" dirty="0" err="1" smtClean="0"/>
-              <a:t>SparkSQL</a:t>
-            </a:r>
-            <a:endParaRPr lang="en-US" dirty="0"/>
-          </a:p>
-        </p:txBody>
-      </p:sp>
-      <p:sp>
-        <p:nvSpPr>
-          <p:cNvPr id="3" name="Content Placeholder 2"/>
-          <p:cNvSpPr>
-            <a:spLocks noGrp="1"/>
-          </p:cNvSpPr>
-          <p:nvPr>
-            <p:ph idx="1"/>
-          </p:nvPr>
-        </p:nvSpPr>
-        <p:spPr/>
-        <p:txBody>
-          <a:bodyPr>
-            <a:normAutofit fontScale="92500" lnSpcReduction="10000"/>
-          </a:bodyPr>
-          <a:lstStyle/>
-          <a:p>
-            <a:r>
-              <a:rPr lang="en-US" dirty="0" smtClean="0"/>
-              <a:t>Integrates into existing Spark programs</a:t>
-            </a:r>
-          </a:p>
-          <a:p>
-            <a:pPr lvl="1"/>
-            <a:r>
-              <a:rPr lang="en-US" dirty="0" smtClean="0"/>
-              <a:t>Mixes SQL with Python, </a:t>
-            </a:r>
-            <a:r>
-              <a:rPr lang="en-US" dirty="0" err="1" smtClean="0"/>
-              <a:t>Scala</a:t>
-            </a:r>
-            <a:r>
-              <a:rPr lang="en-US" dirty="0" smtClean="0"/>
-              <a:t> or Java</a:t>
-            </a:r>
-          </a:p>
-          <a:p>
-            <a:r>
-              <a:rPr lang="en-US" dirty="0" smtClean="0"/>
-              <a:t>Integrates data from CSV, Avro, Parquet, JDBC, ODBC, JSON, </a:t>
-            </a:r>
-            <a:r>
-              <a:rPr lang="en-US" dirty="0" err="1" smtClean="0"/>
-              <a:t>etc</a:t>
-            </a:r>
-            <a:endParaRPr lang="en-US" dirty="0" smtClean="0"/>
-          </a:p>
-          <a:p>
-            <a:pPr lvl="1"/>
-            <a:r>
-              <a:rPr lang="en-US" dirty="0" smtClean="0"/>
-              <a:t>Including joins across them</a:t>
-            </a:r>
-          </a:p>
-          <a:p>
-            <a:r>
-              <a:rPr lang="en-US" dirty="0" smtClean="0"/>
-              <a:t>Fully supports Apache Hive</a:t>
-            </a:r>
-          </a:p>
-          <a:p>
-            <a:pPr lvl="1"/>
-            <a:r>
-              <a:rPr lang="en-US" i="1" dirty="0" smtClean="0"/>
-              <a:t>If you build it with Hive support</a:t>
-            </a:r>
-          </a:p>
-          <a:p>
-            <a:r>
-              <a:rPr lang="en-US" dirty="0" smtClean="0"/>
-              <a:t>Fits into the resilient scalable model of Spark</a:t>
-            </a:r>
-            <a:endParaRPr lang="en-US" dirty="0"/>
-          </a:p>
-        </p:txBody>
-      </p:sp>
-    </p:spTree>
-    <p:extLst>
-      <p:ext uri="{BB962C8B-B14F-4D97-AF65-F5344CB8AC3E}">
-        <p14:creationId xmlns:p14="http://schemas.microsoft.com/office/powerpoint/2010/main" val="2727632874"/>
-      </p:ext>
-    </p:extLst>
-  </p:cSld>
-  <p:clrMapOvr>
-    <a:masterClrMapping/>
-  </p:clrMapOvr>
-</p:sld>
-</file>
-
-<file path=ppt/slides/slide39.xml><?xml version="1.0" encoding="utf-8"?>
-<p:sld xmlns:a="http://schemas.openxmlformats.org/drawingml/2006/main" xmlns:r="http://schemas.openxmlformats.org/officeDocument/2006/relationships" xmlns:p="http://schemas.openxmlformats.org/presentationml/2006/main">
-  <p:cSld>
-    <p:spTree>
-      <p:nvGrpSpPr>
-        <p:cNvPr id="1" name=""/>
-        <p:cNvGrpSpPr/>
-        <p:nvPr/>
-      </p:nvGrpSpPr>
-      <p:grpSpPr>
-        <a:xfrm>
-          <a:off x="0" y="0"/>
-          <a:ext cx="0" cy="0"/>
-          <a:chOff x="0" y="0"/>
-          <a:chExt cx="0" cy="0"/>
-        </a:xfrm>
-      </p:grpSpPr>
-      <p:sp>
-        <p:nvSpPr>
-          <p:cNvPr id="2" name="Title 1"/>
-          <p:cNvSpPr>
-            <a:spLocks noGrp="1"/>
-          </p:cNvSpPr>
-          <p:nvPr>
-            <p:ph type="title"/>
-          </p:nvPr>
-        </p:nvSpPr>
-        <p:spPr/>
-        <p:txBody>
-          <a:bodyPr/>
-          <a:lstStyle/>
-          <a:p>
-            <a:r>
-              <a:rPr lang="en-US" dirty="0" smtClean="0"/>
-              <a:t>Spark SQL example</a:t>
-            </a:r>
-            <a:endParaRPr lang="en-US" dirty="0"/>
-          </a:p>
-        </p:txBody>
-      </p:sp>
-      <p:sp>
-        <p:nvSpPr>
-          <p:cNvPr id="3" name="Content Placeholder 2"/>
-          <p:cNvSpPr>
-            <a:spLocks noGrp="1"/>
-          </p:cNvSpPr>
-          <p:nvPr>
-            <p:ph idx="1"/>
-          </p:nvPr>
-        </p:nvSpPr>
-        <p:spPr/>
-        <p:txBody>
-          <a:bodyPr>
-            <a:normAutofit fontScale="47500" lnSpcReduction="20000"/>
-          </a:bodyPr>
-          <a:lstStyle/>
-          <a:p>
-            <a:pPr marL="0" indent="0">
-              <a:buNone/>
-            </a:pPr>
-            <a:r>
-              <a:rPr lang="en-US" dirty="0">
-                <a:latin typeface="Lucida Console"/>
-                <a:cs typeface="Lucida Console"/>
-              </a:rPr>
-              <a:t>from </a:t>
-            </a:r>
-            <a:r>
-              <a:rPr lang="en-US" dirty="0" err="1">
-                <a:latin typeface="Lucida Console"/>
-                <a:cs typeface="Lucida Console"/>
-              </a:rPr>
-              <a:t>pyspark.sql</a:t>
-            </a:r>
-            <a:r>
-              <a:rPr lang="en-US" dirty="0">
-                <a:latin typeface="Lucida Console"/>
-                <a:cs typeface="Lucida Console"/>
-              </a:rPr>
-              <a:t> import </a:t>
-            </a:r>
-            <a:r>
-              <a:rPr lang="en-US" dirty="0" err="1">
-                <a:latin typeface="Lucida Console"/>
-                <a:cs typeface="Lucida Console"/>
-              </a:rPr>
-              <a:t>SQLContext</a:t>
-            </a:r>
-            <a:r>
-              <a:rPr lang="en-US" dirty="0">
-                <a:latin typeface="Lucida Console"/>
-                <a:cs typeface="Lucida Console"/>
-              </a:rPr>
-              <a:t>, Row</a:t>
-            </a:r>
-          </a:p>
-          <a:p>
-            <a:pPr marL="0" indent="0">
-              <a:buNone/>
-            </a:pPr>
-            <a:r>
-              <a:rPr lang="en-US" dirty="0" err="1">
-                <a:latin typeface="Lucida Console"/>
-                <a:cs typeface="Lucida Console"/>
-              </a:rPr>
-              <a:t>sqlContext</a:t>
-            </a:r>
-            <a:r>
-              <a:rPr lang="en-US" dirty="0">
-                <a:latin typeface="Lucida Console"/>
-                <a:cs typeface="Lucida Console"/>
-              </a:rPr>
-              <a:t> = </a:t>
-            </a:r>
-            <a:r>
-              <a:rPr lang="en-US" dirty="0" err="1">
-                <a:latin typeface="Lucida Console"/>
-                <a:cs typeface="Lucida Console"/>
-              </a:rPr>
-              <a:t>SQLContext</a:t>
-            </a:r>
-            <a:r>
-              <a:rPr lang="en-US" dirty="0">
-                <a:latin typeface="Lucida Console"/>
-                <a:cs typeface="Lucida Console"/>
-              </a:rPr>
-              <a:t>(</a:t>
-            </a:r>
-            <a:r>
-              <a:rPr lang="en-US" dirty="0" err="1">
-                <a:latin typeface="Lucida Console"/>
-                <a:cs typeface="Lucida Console"/>
-              </a:rPr>
-              <a:t>sc</a:t>
-            </a:r>
-            <a:r>
-              <a:rPr lang="en-US" dirty="0">
-                <a:latin typeface="Lucida Console"/>
-                <a:cs typeface="Lucida Console"/>
-              </a:rPr>
-              <a:t>)</a:t>
-            </a:r>
-          </a:p>
-          <a:p>
-            <a:pPr marL="0" indent="0">
-              <a:buNone/>
-            </a:pPr>
-            <a:endParaRPr lang="en-US" dirty="0">
-              <a:latin typeface="Lucida Console"/>
-              <a:cs typeface="Lucida Console"/>
-            </a:endParaRPr>
-          </a:p>
-          <a:p>
-            <a:pPr marL="0" indent="0">
-              <a:buNone/>
-            </a:pPr>
-            <a:r>
-              <a:rPr lang="en-US" dirty="0">
-                <a:latin typeface="Lucida Console"/>
-                <a:cs typeface="Lucida Console"/>
-              </a:rPr>
-              <a:t>lines = </a:t>
-            </a:r>
-            <a:r>
-              <a:rPr lang="en-US" dirty="0" err="1">
-                <a:latin typeface="Lucida Console"/>
-                <a:cs typeface="Lucida Console"/>
-              </a:rPr>
-              <a:t>sc.textFile</a:t>
-            </a:r>
-            <a:r>
-              <a:rPr lang="en-US" dirty="0">
-                <a:latin typeface="Lucida Console"/>
-                <a:cs typeface="Lucida Console"/>
-              </a:rPr>
-              <a:t>("examples/</a:t>
-            </a:r>
-            <a:r>
-              <a:rPr lang="en-US" dirty="0" err="1">
-                <a:latin typeface="Lucida Console"/>
-                <a:cs typeface="Lucida Console"/>
-              </a:rPr>
-              <a:t>src</a:t>
-            </a:r>
-            <a:r>
-              <a:rPr lang="en-US" dirty="0">
-                <a:latin typeface="Lucida Console"/>
-                <a:cs typeface="Lucida Console"/>
-              </a:rPr>
-              <a:t>/main/resources/</a:t>
-            </a:r>
-            <a:r>
-              <a:rPr lang="en-US" dirty="0" err="1">
-                <a:latin typeface="Lucida Console"/>
-                <a:cs typeface="Lucida Console"/>
-              </a:rPr>
-              <a:t>people.txt</a:t>
-            </a:r>
-            <a:r>
-              <a:rPr lang="en-US" dirty="0">
-                <a:latin typeface="Lucida Console"/>
-                <a:cs typeface="Lucida Console"/>
-              </a:rPr>
-              <a:t>")</a:t>
-            </a:r>
-          </a:p>
-          <a:p>
-            <a:pPr marL="0" indent="0">
-              <a:buNone/>
-            </a:pPr>
-            <a:r>
-              <a:rPr lang="en-US" dirty="0">
-                <a:latin typeface="Lucida Console"/>
-                <a:cs typeface="Lucida Console"/>
-              </a:rPr>
-              <a:t>parts = </a:t>
-            </a:r>
-            <a:r>
-              <a:rPr lang="en-US" dirty="0" err="1">
-                <a:latin typeface="Lucida Console"/>
-                <a:cs typeface="Lucida Console"/>
-              </a:rPr>
-              <a:t>lines.map</a:t>
-            </a:r>
-            <a:r>
-              <a:rPr lang="en-US" dirty="0">
-                <a:latin typeface="Lucida Console"/>
-                <a:cs typeface="Lucida Console"/>
-              </a:rPr>
-              <a:t>(lambda l: </a:t>
-            </a:r>
-            <a:r>
-              <a:rPr lang="en-US" dirty="0" err="1">
-                <a:latin typeface="Lucida Console"/>
-                <a:cs typeface="Lucida Console"/>
-              </a:rPr>
-              <a:t>l.split</a:t>
-            </a:r>
-            <a:r>
-              <a:rPr lang="en-US" dirty="0">
-                <a:latin typeface="Lucida Console"/>
-                <a:cs typeface="Lucida Console"/>
-              </a:rPr>
-              <a:t>(","))</a:t>
-            </a:r>
-          </a:p>
-          <a:p>
-            <a:pPr marL="0" indent="0">
-              <a:buNone/>
-            </a:pPr>
-            <a:r>
-              <a:rPr lang="en-US" dirty="0">
-                <a:latin typeface="Lucida Console"/>
-                <a:cs typeface="Lucida Console"/>
-              </a:rPr>
-              <a:t>people = </a:t>
-            </a:r>
-            <a:r>
-              <a:rPr lang="en-US" dirty="0" err="1">
-                <a:latin typeface="Lucida Console"/>
-                <a:cs typeface="Lucida Console"/>
-              </a:rPr>
-              <a:t>parts.map</a:t>
-            </a:r>
-            <a:r>
-              <a:rPr lang="en-US" dirty="0">
-                <a:latin typeface="Lucida Console"/>
-                <a:cs typeface="Lucida Console"/>
-              </a:rPr>
-              <a:t>(lambda p: Row(name=p[0], age=</a:t>
-            </a:r>
-            <a:r>
-              <a:rPr lang="en-US" dirty="0" err="1">
-                <a:latin typeface="Lucida Console"/>
-                <a:cs typeface="Lucida Console"/>
-              </a:rPr>
-              <a:t>int</a:t>
-            </a:r>
-            <a:r>
-              <a:rPr lang="en-US" dirty="0">
-                <a:latin typeface="Lucida Console"/>
-                <a:cs typeface="Lucida Console"/>
-              </a:rPr>
-              <a:t>(p[1])))</a:t>
-            </a:r>
-          </a:p>
-          <a:p>
-            <a:pPr marL="0" indent="0">
-              <a:buNone/>
-            </a:pPr>
-            <a:endParaRPr lang="en-US" dirty="0">
-              <a:latin typeface="Lucida Console"/>
-              <a:cs typeface="Lucida Console"/>
-            </a:endParaRPr>
-          </a:p>
-          <a:p>
-            <a:pPr marL="0" indent="0">
-              <a:buNone/>
-            </a:pPr>
-            <a:r>
-              <a:rPr lang="en-US" dirty="0" err="1">
-                <a:latin typeface="Lucida Console"/>
-                <a:cs typeface="Lucida Console"/>
-              </a:rPr>
-              <a:t>schemaPeople</a:t>
-            </a:r>
-            <a:r>
-              <a:rPr lang="en-US" dirty="0">
-                <a:latin typeface="Lucida Console"/>
-                <a:cs typeface="Lucida Console"/>
-              </a:rPr>
-              <a:t> = </a:t>
-            </a:r>
-            <a:r>
-              <a:rPr lang="en-US" dirty="0" err="1">
-                <a:latin typeface="Lucida Console"/>
-                <a:cs typeface="Lucida Console"/>
-              </a:rPr>
-              <a:t>sqlContext.createDataFrame</a:t>
-            </a:r>
-            <a:r>
-              <a:rPr lang="en-US" dirty="0">
-                <a:latin typeface="Lucida Console"/>
-                <a:cs typeface="Lucida Console"/>
-              </a:rPr>
-              <a:t>(people)</a:t>
-            </a:r>
-          </a:p>
-          <a:p>
-            <a:pPr marL="0" indent="0">
-              <a:buNone/>
-            </a:pPr>
-            <a:r>
-              <a:rPr lang="en-US" dirty="0" err="1">
-                <a:latin typeface="Lucida Console"/>
-                <a:cs typeface="Lucida Console"/>
-              </a:rPr>
-              <a:t>schemaPeople.registerTempTable</a:t>
-            </a:r>
-            <a:r>
-              <a:rPr lang="en-US" dirty="0">
-                <a:latin typeface="Lucida Console"/>
-                <a:cs typeface="Lucida Console"/>
-              </a:rPr>
-              <a:t>("people")</a:t>
-            </a:r>
-          </a:p>
-          <a:p>
-            <a:pPr marL="0" indent="0">
-              <a:buNone/>
-            </a:pPr>
-            <a:endParaRPr lang="en-US" dirty="0">
-              <a:latin typeface="Lucida Console"/>
-              <a:cs typeface="Lucida Console"/>
-            </a:endParaRPr>
-          </a:p>
-          <a:p>
-            <a:pPr marL="0" indent="0">
-              <a:buNone/>
-            </a:pPr>
-            <a:r>
-              <a:rPr lang="en-US" dirty="0">
-                <a:latin typeface="Lucida Console"/>
-                <a:cs typeface="Lucida Console"/>
-              </a:rPr>
-              <a:t>teenagers = </a:t>
-            </a:r>
-            <a:r>
-              <a:rPr lang="en-US" dirty="0" err="1">
-                <a:latin typeface="Lucida Console"/>
-                <a:cs typeface="Lucida Console"/>
-              </a:rPr>
-              <a:t>sqlContext.sql</a:t>
-            </a:r>
-            <a:r>
-              <a:rPr lang="en-US" dirty="0">
-                <a:latin typeface="Lucida Console"/>
-                <a:cs typeface="Lucida Console"/>
-              </a:rPr>
-              <a:t>("SELECT name FROM people WHERE age &gt;= 13 AND age &lt;= 19")</a:t>
-            </a:r>
-          </a:p>
-          <a:p>
-            <a:pPr marL="0" indent="0">
-              <a:buNone/>
-            </a:pPr>
-            <a:endParaRPr lang="en-US" dirty="0">
-              <a:latin typeface="Lucida Console"/>
-              <a:cs typeface="Lucida Console"/>
-            </a:endParaRPr>
-          </a:p>
-          <a:p>
-            <a:pPr marL="0" indent="0">
-              <a:buNone/>
-            </a:pPr>
-            <a:r>
-              <a:rPr lang="en-US" dirty="0" err="1">
-                <a:latin typeface="Lucida Console"/>
-                <a:cs typeface="Lucida Console"/>
-              </a:rPr>
-              <a:t>teenNames</a:t>
-            </a:r>
-            <a:r>
-              <a:rPr lang="en-US" dirty="0">
-                <a:latin typeface="Lucida Console"/>
-                <a:cs typeface="Lucida Console"/>
-              </a:rPr>
-              <a:t> = </a:t>
-            </a:r>
-            <a:r>
-              <a:rPr lang="en-US" dirty="0" err="1">
-                <a:latin typeface="Lucida Console"/>
-                <a:cs typeface="Lucida Console"/>
-              </a:rPr>
-              <a:t>teenagers.map</a:t>
-            </a:r>
-            <a:r>
-              <a:rPr lang="en-US" dirty="0">
-                <a:latin typeface="Lucida Console"/>
-                <a:cs typeface="Lucida Console"/>
-              </a:rPr>
-              <a:t>(lambda p: "Name: " + </a:t>
-            </a:r>
-            <a:r>
-              <a:rPr lang="en-US" dirty="0" err="1">
-                <a:latin typeface="Lucida Console"/>
-                <a:cs typeface="Lucida Console"/>
-              </a:rPr>
-              <a:t>p.name</a:t>
-            </a:r>
-            <a:r>
-              <a:rPr lang="en-US" dirty="0">
-                <a:latin typeface="Lucida Console"/>
-                <a:cs typeface="Lucida Console"/>
-              </a:rPr>
-              <a:t>)</a:t>
-            </a:r>
-          </a:p>
-          <a:p>
-            <a:pPr marL="0" indent="0">
-              <a:buNone/>
-            </a:pPr>
-            <a:r>
-              <a:rPr lang="en-US" dirty="0">
-                <a:latin typeface="Lucida Console"/>
-                <a:cs typeface="Lucida Console"/>
-              </a:rPr>
-              <a:t>for </a:t>
-            </a:r>
-            <a:r>
-              <a:rPr lang="en-US" dirty="0" err="1">
-                <a:latin typeface="Lucida Console"/>
-                <a:cs typeface="Lucida Console"/>
-              </a:rPr>
-              <a:t>teenName</a:t>
-            </a:r>
-            <a:r>
-              <a:rPr lang="en-US" dirty="0">
-                <a:latin typeface="Lucida Console"/>
-                <a:cs typeface="Lucida Console"/>
-              </a:rPr>
-              <a:t> in </a:t>
-            </a:r>
-            <a:r>
-              <a:rPr lang="en-US" dirty="0" err="1">
-                <a:latin typeface="Lucida Console"/>
-                <a:cs typeface="Lucida Console"/>
-              </a:rPr>
-              <a:t>teenNames.collect</a:t>
-            </a:r>
-            <a:r>
-              <a:rPr lang="en-US" dirty="0">
-                <a:latin typeface="Lucida Console"/>
-                <a:cs typeface="Lucida Console"/>
-              </a:rPr>
-              <a:t>():</a:t>
-            </a:r>
-          </a:p>
-          <a:p>
-            <a:pPr marL="0" indent="0">
-              <a:buNone/>
-            </a:pPr>
-            <a:r>
-              <a:rPr lang="en-US" dirty="0">
-                <a:latin typeface="Lucida Console"/>
-                <a:cs typeface="Lucida Console"/>
-              </a:rPr>
-              <a:t>  print(</a:t>
-            </a:r>
-            <a:r>
-              <a:rPr lang="en-US" dirty="0" err="1">
-                <a:latin typeface="Lucida Console"/>
-                <a:cs typeface="Lucida Console"/>
-              </a:rPr>
-              <a:t>teenName</a:t>
-            </a:r>
-            <a:r>
-              <a:rPr lang="en-US" dirty="0">
-                <a:latin typeface="Lucida Console"/>
-                <a:cs typeface="Lucida Console"/>
-              </a:rPr>
-              <a:t>)</a:t>
-            </a:r>
-          </a:p>
-        </p:txBody>
-      </p:sp>
-    </p:spTree>
-    <p:extLst>
-      <p:ext uri="{BB962C8B-B14F-4D97-AF65-F5344CB8AC3E}">
-        <p14:creationId xmlns:p14="http://schemas.microsoft.com/office/powerpoint/2010/main" val="2424698580"/>
       </p:ext>
     </p:extLst>
   </p:cSld>
@@ -9880,7 +9892,7 @@
           <a:p>
             <a:r>
               <a:rPr lang="en-US" dirty="0" smtClean="0"/>
-              <a:t>Spark MLlib</a:t>
+              <a:t>Spark Extras</a:t>
             </a:r>
             <a:endParaRPr lang="en-US" dirty="0"/>
           </a:p>
@@ -9899,66 +9911,74 @@
         <p:spPr/>
         <p:txBody>
           <a:bodyPr>
-            <a:normAutofit lnSpcReduction="10000"/>
+            <a:normAutofit/>
           </a:bodyPr>
           <a:lstStyle/>
           <a:p>
             <a:r>
               <a:rPr lang="en-US" dirty="0" smtClean="0"/>
-              <a:t>Simple stats and correlation testing</a:t>
-            </a:r>
-          </a:p>
-          <a:p>
-            <a:r>
-              <a:rPr lang="en-US" dirty="0" smtClean="0"/>
-              <a:t>Classification and regression</a:t>
-            </a:r>
-          </a:p>
-          <a:p>
-            <a:r>
-              <a:rPr lang="en-US" dirty="0" smtClean="0"/>
-              <a:t>Collaborative Filtering</a:t>
+              <a:t>Spark </a:t>
+            </a:r>
+            <a:r>
+              <a:rPr lang="en-US" dirty="0" smtClean="0"/>
+              <a:t>Streaming	</a:t>
             </a:r>
           </a:p>
           <a:p>
             <a:pPr lvl="1"/>
             <a:r>
-              <a:rPr lang="en-US" dirty="0" smtClean="0"/>
-              <a:t>Alternating Least Squares </a:t>
-            </a:r>
-          </a:p>
-          <a:p>
-            <a:r>
-              <a:rPr lang="en-US" dirty="0" smtClean="0"/>
-              <a:t>Clustering</a:t>
-            </a:r>
+              <a:rPr lang="en-US" dirty="0" err="1" smtClean="0"/>
+              <a:t>Realtime</a:t>
+            </a:r>
+            <a:r>
+              <a:rPr lang="en-US" dirty="0" smtClean="0"/>
+              <a:t> analysis in Spark</a:t>
+            </a:r>
+          </a:p>
+          <a:p>
+            <a:r>
+              <a:rPr lang="en-US" dirty="0" smtClean="0"/>
+              <a:t>Spark </a:t>
+            </a:r>
+            <a:r>
+              <a:rPr lang="en-US" dirty="0" err="1" smtClean="0"/>
+              <a:t>MLLib</a:t>
+            </a:r>
+            <a:endParaRPr lang="en-US" dirty="0" smtClean="0"/>
           </a:p>
           <a:p>
             <a:pPr lvl="1"/>
             <a:r>
-              <a:rPr lang="en-US" dirty="0"/>
-              <a:t>k</a:t>
-            </a:r>
-            <a:r>
-              <a:rPr lang="en-US" dirty="0" smtClean="0"/>
-              <a:t>-means, </a:t>
-            </a:r>
+              <a:rPr lang="en-US" dirty="0" smtClean="0"/>
+              <a:t>Like Mahout – Machine learning in Spark</a:t>
+            </a:r>
+          </a:p>
+          <a:p>
             <a:r>
               <a:rPr lang="en-US" dirty="0" err="1" smtClean="0"/>
-              <a:t>etc</a:t>
+              <a:t>GraphX</a:t>
             </a:r>
             <a:endParaRPr lang="en-US" dirty="0" smtClean="0"/>
           </a:p>
           <a:p>
-            <a:r>
-              <a:rPr lang="en-US" dirty="0" smtClean="0"/>
-              <a:t>Frequent Pattern Mining</a:t>
-            </a:r>
-          </a:p>
-          <a:p>
-            <a:r>
-              <a:rPr lang="en-US" dirty="0" smtClean="0"/>
-              <a:t>Plus more</a:t>
+            <a:pPr lvl="1"/>
+            <a:r>
+              <a:rPr lang="en-US" dirty="0" smtClean="0"/>
+              <a:t>Graph processing in Spark</a:t>
+            </a:r>
+          </a:p>
+          <a:p>
+            <a:r>
+              <a:rPr lang="en-US" dirty="0" err="1" smtClean="0"/>
+              <a:t>SparkR</a:t>
+            </a:r>
+            <a:endParaRPr lang="en-US" dirty="0" smtClean="0"/>
+          </a:p>
+          <a:p>
+            <a:pPr lvl="1"/>
+            <a:r>
+              <a:rPr lang="en-US" dirty="0" smtClean="0"/>
+              <a:t>R statistical analysis on Spark</a:t>
             </a:r>
             <a:endParaRPr lang="en-US" dirty="0"/>
           </a:p>
@@ -9967,7 +9987,7 @@
     </p:spTree>
     <p:extLst>
       <p:ext uri="{BB962C8B-B14F-4D97-AF65-F5344CB8AC3E}">
-        <p14:creationId xmlns:p14="http://schemas.microsoft.com/office/powerpoint/2010/main" val="3869310880"/>
+        <p14:creationId xmlns:p14="http://schemas.microsoft.com/office/powerpoint/2010/main" val="2973337137"/>
       </p:ext>
     </p:extLst>
   </p:cSld>
@@ -10011,6 +10031,137 @@
           <a:p>
             <a:r>
               <a:rPr lang="en-US" dirty="0" smtClean="0"/>
+              <a:t>Spark MLlib</a:t>
+            </a:r>
+            <a:endParaRPr lang="en-US" dirty="0"/>
+          </a:p>
+        </p:txBody>
+      </p:sp>
+      <p:sp>
+        <p:nvSpPr>
+          <p:cNvPr id="3" name="Content Placeholder 2"/>
+          <p:cNvSpPr>
+            <a:spLocks noGrp="1"/>
+          </p:cNvSpPr>
+          <p:nvPr>
+            <p:ph idx="1"/>
+          </p:nvPr>
+        </p:nvSpPr>
+        <p:spPr/>
+        <p:txBody>
+          <a:bodyPr>
+            <a:normAutofit lnSpcReduction="10000"/>
+          </a:bodyPr>
+          <a:lstStyle/>
+          <a:p>
+            <a:r>
+              <a:rPr lang="en-US" dirty="0" smtClean="0"/>
+              <a:t>Simple stats and correlation testing</a:t>
+            </a:r>
+          </a:p>
+          <a:p>
+            <a:r>
+              <a:rPr lang="en-US" dirty="0" smtClean="0"/>
+              <a:t>Classification and regression</a:t>
+            </a:r>
+          </a:p>
+          <a:p>
+            <a:r>
+              <a:rPr lang="en-US" dirty="0" smtClean="0"/>
+              <a:t>Collaborative Filtering</a:t>
+            </a:r>
+          </a:p>
+          <a:p>
+            <a:pPr lvl="1"/>
+            <a:r>
+              <a:rPr lang="en-US" dirty="0" smtClean="0"/>
+              <a:t>Alternating Least Squares </a:t>
+            </a:r>
+          </a:p>
+          <a:p>
+            <a:r>
+              <a:rPr lang="en-US" dirty="0" smtClean="0"/>
+              <a:t>Clustering</a:t>
+            </a:r>
+          </a:p>
+          <a:p>
+            <a:pPr lvl="1"/>
+            <a:r>
+              <a:rPr lang="en-US" dirty="0"/>
+              <a:t>k</a:t>
+            </a:r>
+            <a:r>
+              <a:rPr lang="en-US" dirty="0" smtClean="0"/>
+              <a:t>-means, </a:t>
+            </a:r>
+            <a:r>
+              <a:rPr lang="en-US" dirty="0" err="1" smtClean="0"/>
+              <a:t>etc</a:t>
+            </a:r>
+            <a:endParaRPr lang="en-US" dirty="0" smtClean="0"/>
+          </a:p>
+          <a:p>
+            <a:r>
+              <a:rPr lang="en-US" dirty="0" smtClean="0"/>
+              <a:t>Frequent Pattern Mining</a:t>
+            </a:r>
+          </a:p>
+          <a:p>
+            <a:r>
+              <a:rPr lang="en-US" dirty="0" smtClean="0"/>
+              <a:t>Plus more</a:t>
+            </a:r>
+            <a:endParaRPr lang="en-US" dirty="0"/>
+          </a:p>
+        </p:txBody>
+      </p:sp>
+    </p:spTree>
+    <p:extLst>
+      <p:ext uri="{BB962C8B-B14F-4D97-AF65-F5344CB8AC3E}">
+        <p14:creationId xmlns:p14="http://schemas.microsoft.com/office/powerpoint/2010/main" val="3869310880"/>
+      </p:ext>
+    </p:extLst>
+  </p:cSld>
+  <p:clrMapOvr>
+    <a:masterClrMapping/>
+  </p:clrMapOvr>
+</p:sld>
+</file>
+
+<file path=ppt/slides/slide42.xml><?xml version="1.0" encoding="utf-8"?>
+<p:sld xmlns:a="http://schemas.openxmlformats.org/drawingml/2006/main" xmlns:r="http://schemas.openxmlformats.org/officeDocument/2006/relationships" xmlns:p="http://schemas.openxmlformats.org/presentationml/2006/main">
+  <p:cSld>
+    <p:spTree>
+      <p:nvGrpSpPr>
+        <p:cNvPr id="1" name=""/>
+        <p:cNvGrpSpPr/>
+        <p:nvPr/>
+      </p:nvGrpSpPr>
+      <p:grpSpPr>
+        <a:xfrm>
+          <a:off x="0" y="0"/>
+          <a:ext cx="0" cy="0"/>
+          <a:chOff x="0" y="0"/>
+          <a:chExt cx="0" cy="0"/>
+        </a:xfrm>
+      </p:grpSpPr>
+      <p:sp>
+        <p:nvSpPr>
+          <p:cNvPr id="2" name="Title 1"/>
+          <p:cNvSpPr>
+            <a:spLocks noGrp="1"/>
+          </p:cNvSpPr>
+          <p:nvPr>
+            <p:ph type="title"/>
+          </p:nvPr>
+        </p:nvSpPr>
+        <p:spPr/>
+        <p:txBody>
+          <a:bodyPr/>
+          <a:lstStyle/>
+          <a:p>
+            <a:r>
+              <a:rPr lang="en-US" dirty="0" smtClean="0"/>
               <a:t>MLlib example</a:t>
             </a:r>
             <a:endParaRPr lang="en-US" dirty="0"/>
@@ -10331,7 +10482,7 @@
 </p:sld>
 </file>
 
-<file path=ppt/slides/slide42.xml><?xml version="1.0" encoding="utf-8"?>
+<file path=ppt/slides/slide43.xml><?xml version="1.0" encoding="utf-8"?>
 <p:sld xmlns:a="http://schemas.openxmlformats.org/drawingml/2006/main" xmlns:r="http://schemas.openxmlformats.org/officeDocument/2006/relationships" xmlns:p="http://schemas.openxmlformats.org/presentationml/2006/main">
   <p:cSld>
     <p:spTree>
@@ -10457,7 +10608,7 @@
 </p:sld>
 </file>
 
-<file path=ppt/slides/slide43.xml><?xml version="1.0" encoding="utf-8"?>
+<file path=ppt/slides/slide44.xml><?xml version="1.0" encoding="utf-8"?>
 <p:sld xmlns:a="http://schemas.openxmlformats.org/drawingml/2006/main" xmlns:r="http://schemas.openxmlformats.org/officeDocument/2006/relationships" xmlns:p="http://schemas.openxmlformats.org/presentationml/2006/main">
   <p:cSld>
     <p:spTree>
@@ -10585,7 +10736,7 @@
 </p:sld>
 </file>
 
-<file path=ppt/slides/slide44.xml><?xml version="1.0" encoding="utf-8"?>
+<file path=ppt/slides/slide45.xml><?xml version="1.0" encoding="utf-8"?>
 <p:sld xmlns:a="http://schemas.openxmlformats.org/drawingml/2006/main" xmlns:r="http://schemas.openxmlformats.org/officeDocument/2006/relationships" xmlns:p="http://schemas.openxmlformats.org/presentationml/2006/main">
   <p:cSld>
     <p:spTree>
@@ -10673,7 +10824,7 @@
 </p:sld>
 </file>
 
-<file path=ppt/slides/slide45.xml><?xml version="1.0" encoding="utf-8"?>
+<file path=ppt/slides/slide46.xml><?xml version="1.0" encoding="utf-8"?>
 <p:sld xmlns:a="http://schemas.openxmlformats.org/drawingml/2006/main" xmlns:r="http://schemas.openxmlformats.org/officeDocument/2006/relationships" xmlns:p="http://schemas.openxmlformats.org/presentationml/2006/main">
   <p:cSld>
     <p:spTree>

--- a/pres-source/07-spark-and-adjuncts.pptx
+++ b/pres-source/07-spark-and-adjuncts.pptx
@@ -5,7 +5,7 @@
     <p:sldMasterId id="2147483648" r:id="rId1"/>
   </p:sldMasterIdLst>
   <p:notesMasterIdLst>
-    <p:notesMasterId r:id="rId48"/>
+    <p:notesMasterId r:id="rId50"/>
   </p:notesMasterIdLst>
   <p:sldIdLst>
     <p:sldId id="256" r:id="rId2"/>
@@ -44,16 +44,18 @@
     <p:sldId id="312" r:id="rId35"/>
     <p:sldId id="281" r:id="rId36"/>
     <p:sldId id="284" r:id="rId37"/>
-    <p:sldId id="275" r:id="rId38"/>
-    <p:sldId id="298" r:id="rId39"/>
-    <p:sldId id="294" r:id="rId40"/>
-    <p:sldId id="288" r:id="rId41"/>
-    <p:sldId id="287" r:id="rId42"/>
-    <p:sldId id="289" r:id="rId43"/>
-    <p:sldId id="290" r:id="rId44"/>
-    <p:sldId id="292" r:id="rId45"/>
-    <p:sldId id="291" r:id="rId46"/>
-    <p:sldId id="293" r:id="rId47"/>
+    <p:sldId id="313" r:id="rId38"/>
+    <p:sldId id="314" r:id="rId39"/>
+    <p:sldId id="275" r:id="rId40"/>
+    <p:sldId id="298" r:id="rId41"/>
+    <p:sldId id="294" r:id="rId42"/>
+    <p:sldId id="288" r:id="rId43"/>
+    <p:sldId id="287" r:id="rId44"/>
+    <p:sldId id="289" r:id="rId45"/>
+    <p:sldId id="290" r:id="rId46"/>
+    <p:sldId id="292" r:id="rId47"/>
+    <p:sldId id="291" r:id="rId48"/>
+    <p:sldId id="293" r:id="rId49"/>
   </p:sldIdLst>
   <p:sldSz cx="9144000" cy="6858000" type="screen4x3"/>
   <p:notesSz cx="6858000" cy="9144000"/>
@@ -242,7 +244,7 @@
             <a:fld id="{7307762F-A706-E543-A832-3C298AA3103F}" type="datetimeFigureOut">
               <a:rPr lang="en-US" smtClean="0"/>
               <a:pPr/>
-              <a:t>07/07/17</a:t>
+              <a:t>09/07/17</a:t>
             </a:fld>
             <a:endParaRPr lang="en-US" dirty="0"/>
           </a:p>
@@ -816,7 +818,7 @@
             <a:fld id="{875CF0EB-321F-0749-B37A-89BBA859503C}" type="datetimeFigureOut">
               <a:rPr lang="en-US" smtClean="0"/>
               <a:pPr/>
-              <a:t>07/07/17</a:t>
+              <a:t>09/07/17</a:t>
             </a:fld>
             <a:endParaRPr lang="en-US" dirty="0"/>
           </a:p>
@@ -1040,7 +1042,7 @@
             <a:fld id="{875CF0EB-321F-0749-B37A-89BBA859503C}" type="datetimeFigureOut">
               <a:rPr lang="en-US" smtClean="0"/>
               <a:pPr/>
-              <a:t>07/07/17</a:t>
+              <a:t>09/07/17</a:t>
             </a:fld>
             <a:endParaRPr lang="en-US" dirty="0"/>
           </a:p>
@@ -1254,7 +1256,7 @@
             <a:fld id="{875CF0EB-321F-0749-B37A-89BBA859503C}" type="datetimeFigureOut">
               <a:rPr lang="en-US" smtClean="0"/>
               <a:pPr/>
-              <a:t>07/07/17</a:t>
+              <a:t>09/07/17</a:t>
             </a:fld>
             <a:endParaRPr lang="en-US" dirty="0"/>
           </a:p>
@@ -1544,7 +1546,7 @@
             <a:fld id="{875CF0EB-321F-0749-B37A-89BBA859503C}" type="datetimeFigureOut">
               <a:rPr lang="en-US" smtClean="0"/>
               <a:pPr/>
-              <a:t>07/07/17</a:t>
+              <a:t>09/07/17</a:t>
             </a:fld>
             <a:endParaRPr lang="en-US" dirty="0"/>
           </a:p>
@@ -1876,7 +1878,7 @@
             <a:fld id="{875CF0EB-321F-0749-B37A-89BBA859503C}" type="datetimeFigureOut">
               <a:rPr lang="en-US" smtClean="0"/>
               <a:pPr/>
-              <a:t>07/07/17</a:t>
+              <a:t>09/07/17</a:t>
             </a:fld>
             <a:endParaRPr lang="en-US" dirty="0"/>
           </a:p>
@@ -2342,7 +2344,7 @@
             <a:fld id="{875CF0EB-321F-0749-B37A-89BBA859503C}" type="datetimeFigureOut">
               <a:rPr lang="en-US" smtClean="0"/>
               <a:pPr/>
-              <a:t>07/07/17</a:t>
+              <a:t>09/07/17</a:t>
             </a:fld>
             <a:endParaRPr lang="en-US" dirty="0"/>
           </a:p>
@@ -2504,7 +2506,7 @@
             <a:fld id="{875CF0EB-321F-0749-B37A-89BBA859503C}" type="datetimeFigureOut">
               <a:rPr lang="en-US" smtClean="0"/>
               <a:pPr/>
-              <a:t>07/07/17</a:t>
+              <a:t>09/07/17</a:t>
             </a:fld>
             <a:endParaRPr lang="en-US" dirty="0"/>
           </a:p>
@@ -2643,7 +2645,7 @@
             <a:fld id="{875CF0EB-321F-0749-B37A-89BBA859503C}" type="datetimeFigureOut">
               <a:rPr lang="en-US" smtClean="0"/>
               <a:pPr/>
-              <a:t>07/07/17</a:t>
+              <a:t>09/07/17</a:t>
             </a:fld>
             <a:endParaRPr lang="en-US" dirty="0"/>
           </a:p>
@@ -2964,7 +2966,7 @@
             <a:fld id="{875CF0EB-321F-0749-B37A-89BBA859503C}" type="datetimeFigureOut">
               <a:rPr lang="en-US" smtClean="0"/>
               <a:pPr/>
-              <a:t>07/07/17</a:t>
+              <a:t>09/07/17</a:t>
             </a:fld>
             <a:endParaRPr lang="en-US" dirty="0"/>
           </a:p>
@@ -3261,7 +3263,7 @@
             <a:fld id="{875CF0EB-321F-0749-B37A-89BBA859503C}" type="datetimeFigureOut">
               <a:rPr lang="en-US" smtClean="0"/>
               <a:pPr/>
-              <a:t>07/07/17</a:t>
+              <a:t>09/07/17</a:t>
             </a:fld>
             <a:endParaRPr lang="en-US" dirty="0"/>
           </a:p>
@@ -4194,7 +4196,7 @@
                 <a:ea typeface="ヒラギノ角ゴ ProN W3" charset="0"/>
                 <a:cs typeface="ヒラギノ角ゴ ProN W3" charset="0"/>
               </a:rPr>
-              <a:t>Sep 2016</a:t>
+              <a:t>July 2017</a:t>
             </a:r>
             <a:endParaRPr lang="en-US" dirty="0">
               <a:ea typeface="ヒラギノ角ゴ ProN W3" charset="0"/>
@@ -4991,7 +4993,6 @@
               <a:rPr lang="en-US" dirty="0" smtClean="0"/>
               <a:t>SQL</a:t>
             </a:r>
-            <a:endParaRPr lang="en-US" dirty="0" smtClean="0"/>
           </a:p>
           <a:p>
             <a:r>
@@ -8820,7 +8821,91 @@
           <a:p>
             <a:r>
               <a:rPr lang="en-US" dirty="0" smtClean="0"/>
-              <a:t>Time for a lab!</a:t>
+              <a:t>Notebooks</a:t>
+            </a:r>
+            <a:endParaRPr lang="en-US" dirty="0"/>
+          </a:p>
+        </p:txBody>
+      </p:sp>
+      <p:sp>
+        <p:nvSpPr>
+          <p:cNvPr id="4" name="Content Placeholder 3"/>
+          <p:cNvSpPr>
+            <a:spLocks noGrp="1"/>
+          </p:cNvSpPr>
+          <p:nvPr>
+            <p:ph idx="1"/>
+          </p:nvPr>
+        </p:nvSpPr>
+        <p:spPr/>
+        <p:txBody>
+          <a:bodyPr>
+            <a:normAutofit fontScale="92500" lnSpcReduction="20000"/>
+          </a:bodyPr>
+          <a:lstStyle/>
+          <a:p>
+            <a:r>
+              <a:rPr lang="en-US" dirty="0" smtClean="0"/>
+              <a:t>A way of creating and sharing big data analysis</a:t>
+            </a:r>
+          </a:p>
+          <a:p>
+            <a:r>
+              <a:rPr lang="en-US" dirty="0" smtClean="0"/>
+              <a:t>Combines code, comments, analysis and results</a:t>
+            </a:r>
+          </a:p>
+          <a:p>
+            <a:pPr lvl="1"/>
+            <a:r>
+              <a:rPr lang="en-US" dirty="0" err="1" smtClean="0"/>
+              <a:t>Jupyter</a:t>
+            </a:r>
+            <a:endParaRPr lang="en-US" dirty="0" smtClean="0"/>
+          </a:p>
+          <a:p>
+            <a:pPr lvl="2"/>
+            <a:r>
+              <a:rPr lang="en-US" dirty="0" smtClean="0"/>
+              <a:t>Previously </a:t>
+            </a:r>
+            <a:r>
+              <a:rPr lang="en-US" dirty="0" err="1" smtClean="0"/>
+              <a:t>IPython</a:t>
+            </a:r>
+            <a:r>
+              <a:rPr lang="en-US" dirty="0" smtClean="0"/>
+              <a:t>, now much extended for Big Data</a:t>
+            </a:r>
+            <a:endParaRPr lang="en-US" dirty="0"/>
+          </a:p>
+          <a:p>
+            <a:pPr lvl="2"/>
+            <a:r>
+              <a:rPr lang="en-US" dirty="0" smtClean="0"/>
+              <a:t>Supports not just Python, but Spark </a:t>
+            </a:r>
+            <a:r>
+              <a:rPr lang="en-US" dirty="0" err="1" smtClean="0"/>
+              <a:t>Scala</a:t>
+            </a:r>
+            <a:r>
+              <a:rPr lang="en-US" dirty="0" smtClean="0"/>
+              <a:t> and others</a:t>
+            </a:r>
+          </a:p>
+          <a:p>
+            <a:pPr lvl="1"/>
+            <a:r>
+              <a:rPr lang="en-US" dirty="0" smtClean="0"/>
+              <a:t>Apache Zeppelin</a:t>
+            </a:r>
+          </a:p>
+          <a:p>
+            <a:pPr lvl="2"/>
+            <a:r>
+              <a:rPr lang="en-US" dirty="0" smtClean="0"/>
+              <a:t>A new project aimed at multiple big data analysis models</a:t>
             </a:r>
             <a:endParaRPr lang="en-US" dirty="0"/>
           </a:p>
@@ -8829,20 +8914,13 @@
     </p:spTree>
     <p:extLst>
       <p:ext uri="{BB962C8B-B14F-4D97-AF65-F5344CB8AC3E}">
-        <p14:creationId xmlns:p14="http://schemas.microsoft.com/office/powerpoint/2010/main" val="816383995"/>
+        <p14:creationId xmlns:p14="http://schemas.microsoft.com/office/powerpoint/2010/main" val="4201993415"/>
       </p:ext>
     </p:extLst>
   </p:cSld>
   <p:clrMapOvr>
     <a:masterClrMapping/>
   </p:clrMapOvr>
-  <p:timing>
-    <p:tnLst>
-      <p:par>
-        <p:cTn xmlns:p14="http://schemas.microsoft.com/office/powerpoint/2010/main" id="1" dur="indefinite" restart="never" nodeType="tmRoot"/>
-      </p:par>
-    </p:tnLst>
-  </p:timing>
 </p:sld>
 </file>
 
@@ -8879,74 +8957,47 @@
           <a:lstStyle/>
           <a:p>
             <a:r>
-              <a:rPr lang="en-US" dirty="0" smtClean="0"/>
-              <a:t>Locality</a:t>
-            </a:r>
-            <a:endParaRPr lang="en-US" dirty="0"/>
-          </a:p>
-        </p:txBody>
-      </p:sp>
-      <p:sp>
-        <p:nvSpPr>
-          <p:cNvPr id="3" name="Content Placeholder 2"/>
-          <p:cNvSpPr>
-            <a:spLocks noGrp="1"/>
-          </p:cNvSpPr>
-          <p:nvPr>
-            <p:ph idx="1"/>
-          </p:nvPr>
-        </p:nvSpPr>
-        <p:spPr/>
-        <p:txBody>
-          <a:bodyPr/>
-          <a:lstStyle/>
-          <a:p>
-            <a:r>
-              <a:rPr lang="en-US" dirty="0" smtClean="0"/>
-              <a:t>Spark understands the locality of data:</a:t>
-            </a:r>
-          </a:p>
-          <a:p>
-            <a:pPr lvl="1"/>
-            <a:r>
-              <a:rPr lang="en-US" dirty="0" smtClean="0"/>
-              <a:t>Already in memory</a:t>
-            </a:r>
-          </a:p>
-          <a:p>
-            <a:pPr lvl="1"/>
-            <a:r>
-              <a:rPr lang="en-US" dirty="0" smtClean="0"/>
-              <a:t>HDFS location</a:t>
-            </a:r>
-          </a:p>
-          <a:p>
-            <a:pPr lvl="1"/>
-            <a:r>
-              <a:rPr lang="en-US" dirty="0" smtClean="0"/>
-              <a:t>Cassandra location</a:t>
-            </a:r>
-            <a:endParaRPr lang="en-US" dirty="0"/>
-          </a:p>
-        </p:txBody>
-      </p:sp>
+              <a:rPr lang="en-US" smtClean="0"/>
+              <a:t>Jupyter</a:t>
+            </a:r>
+            <a:endParaRPr lang="en-US"/>
+          </a:p>
+        </p:txBody>
+      </p:sp>
+      <p:pic>
+        <p:nvPicPr>
+          <p:cNvPr id="5" name="Picture 4"/>
+          <p:cNvPicPr>
+            <a:picLocks noChangeAspect="1"/>
+          </p:cNvPicPr>
+          <p:nvPr/>
+        </p:nvPicPr>
+        <p:blipFill>
+          <a:blip r:embed="rId2"/>
+          <a:stretch>
+            <a:fillRect/>
+          </a:stretch>
+        </p:blipFill>
+        <p:spPr>
+          <a:xfrm>
+            <a:off x="0" y="1290975"/>
+            <a:ext cx="9144000" cy="4806863"/>
+          </a:xfrm>
+          <a:prstGeom prst="rect">
+            <a:avLst/>
+          </a:prstGeom>
+        </p:spPr>
+      </p:pic>
     </p:spTree>
     <p:extLst>
       <p:ext uri="{BB962C8B-B14F-4D97-AF65-F5344CB8AC3E}">
-        <p14:creationId xmlns:p14="http://schemas.microsoft.com/office/powerpoint/2010/main" val="546616968"/>
+        <p14:creationId xmlns:p14="http://schemas.microsoft.com/office/powerpoint/2010/main" val="1412177931"/>
       </p:ext>
     </p:extLst>
   </p:cSld>
   <p:clrMapOvr>
     <a:masterClrMapping/>
   </p:clrMapOvr>
-  <p:timing>
-    <p:tnLst>
-      <p:par>
-        <p:cTn xmlns:p14="http://schemas.microsoft.com/office/powerpoint/2010/main" id="1" dur="indefinite" restart="never" nodeType="tmRoot"/>
-      </p:par>
-    </p:tnLst>
-  </p:timing>
 </p:sld>
 </file>
 
@@ -8984,313 +9035,29 @@
           <a:p>
             <a:r>
               <a:rPr lang="en-US" dirty="0" smtClean="0"/>
-              <a:t>Spark Extras</a:t>
+              <a:t>Time for a lab!</a:t>
             </a:r>
             <a:endParaRPr lang="en-US" dirty="0"/>
-          </a:p>
-        </p:txBody>
-      </p:sp>
-      <p:sp>
-        <p:nvSpPr>
-          <p:cNvPr id="4" name="Rounded Rectangle 3"/>
-          <p:cNvSpPr/>
-          <p:nvPr/>
-        </p:nvSpPr>
-        <p:spPr>
-          <a:xfrm>
-            <a:off x="812800" y="4510708"/>
-            <a:ext cx="7467600" cy="1117600"/>
-          </a:xfrm>
-          <a:prstGeom prst="roundRect">
-            <a:avLst/>
-          </a:prstGeom>
-        </p:spPr>
-        <p:style>
-          <a:lnRef idx="1">
-            <a:schemeClr val="accent1"/>
-          </a:lnRef>
-          <a:fillRef idx="2">
-            <a:schemeClr val="accent1"/>
-          </a:fillRef>
-          <a:effectRef idx="1">
-            <a:schemeClr val="accent1"/>
-          </a:effectRef>
-          <a:fontRef idx="minor">
-            <a:schemeClr val="dk1"/>
-          </a:fontRef>
-        </p:style>
-        <p:txBody>
-          <a:bodyPr rtlCol="0" anchor="ctr"/>
-          <a:lstStyle/>
-          <a:p>
-            <a:pPr algn="ctr"/>
-            <a:r>
-              <a:rPr lang="en-US" sz="2800" dirty="0" smtClean="0">
-                <a:latin typeface="Montserrat"/>
-              </a:rPr>
-              <a:t>Spark Core</a:t>
-            </a:r>
-            <a:endParaRPr lang="en-US" sz="2800" dirty="0">
-              <a:latin typeface="Montserrat"/>
-            </a:endParaRPr>
-          </a:p>
-        </p:txBody>
-      </p:sp>
-      <p:sp>
-        <p:nvSpPr>
-          <p:cNvPr id="5" name="Rounded Rectangle 4"/>
-          <p:cNvSpPr/>
-          <p:nvPr/>
-        </p:nvSpPr>
-        <p:spPr>
-          <a:xfrm>
-            <a:off x="812800" y="1902148"/>
-            <a:ext cx="1371600" cy="2463800"/>
-          </a:xfrm>
-          <a:prstGeom prst="roundRect">
-            <a:avLst/>
-          </a:prstGeom>
-        </p:spPr>
-        <p:style>
-          <a:lnRef idx="1">
-            <a:schemeClr val="accent4"/>
-          </a:lnRef>
-          <a:fillRef idx="2">
-            <a:schemeClr val="accent4"/>
-          </a:fillRef>
-          <a:effectRef idx="1">
-            <a:schemeClr val="accent4"/>
-          </a:effectRef>
-          <a:fontRef idx="minor">
-            <a:schemeClr val="dk1"/>
-          </a:fontRef>
-        </p:style>
-        <p:txBody>
-          <a:bodyPr rtlCol="0" anchor="ctr"/>
-          <a:lstStyle/>
-          <a:p>
-            <a:pPr algn="ctr"/>
-            <a:r>
-              <a:rPr lang="en-US" sz="1400" dirty="0" smtClean="0">
-                <a:latin typeface="Montserrat"/>
-              </a:rPr>
-              <a:t>Spark </a:t>
-            </a:r>
-          </a:p>
-          <a:p>
-            <a:pPr algn="ctr"/>
-            <a:r>
-              <a:rPr lang="en-US" sz="1400" dirty="0" smtClean="0">
-                <a:latin typeface="Montserrat"/>
-              </a:rPr>
-              <a:t>SQL</a:t>
-            </a:r>
-            <a:endParaRPr lang="en-US" sz="1400" dirty="0">
-              <a:latin typeface="Montserrat"/>
-            </a:endParaRPr>
-          </a:p>
-        </p:txBody>
-      </p:sp>
-      <p:sp>
-        <p:nvSpPr>
-          <p:cNvPr id="6" name="Rounded Rectangle 5"/>
-          <p:cNvSpPr/>
-          <p:nvPr/>
-        </p:nvSpPr>
-        <p:spPr>
-          <a:xfrm>
-            <a:off x="2336800" y="1902148"/>
-            <a:ext cx="1371600" cy="2463800"/>
-          </a:xfrm>
-          <a:prstGeom prst="roundRect">
-            <a:avLst/>
-          </a:prstGeom>
-        </p:spPr>
-        <p:style>
-          <a:lnRef idx="1">
-            <a:schemeClr val="accent4"/>
-          </a:lnRef>
-          <a:fillRef idx="2">
-            <a:schemeClr val="accent4"/>
-          </a:fillRef>
-          <a:effectRef idx="1">
-            <a:schemeClr val="accent4"/>
-          </a:effectRef>
-          <a:fontRef idx="minor">
-            <a:schemeClr val="dk1"/>
-          </a:fontRef>
-        </p:style>
-        <p:txBody>
-          <a:bodyPr rtlCol="0" anchor="ctr"/>
-          <a:lstStyle/>
-          <a:p>
-            <a:pPr algn="ctr"/>
-            <a:r>
-              <a:rPr lang="en-US" sz="1400" dirty="0" smtClean="0">
-                <a:latin typeface="Montserrat"/>
-              </a:rPr>
-              <a:t>Spark Streaming</a:t>
-            </a:r>
-            <a:endParaRPr lang="en-US" sz="1400" dirty="0">
-              <a:latin typeface="Montserrat"/>
-            </a:endParaRPr>
-          </a:p>
-        </p:txBody>
-      </p:sp>
-      <p:sp>
-        <p:nvSpPr>
-          <p:cNvPr id="7" name="Rounded Rectangle 6"/>
-          <p:cNvSpPr/>
-          <p:nvPr/>
-        </p:nvSpPr>
-        <p:spPr>
-          <a:xfrm>
-            <a:off x="3860800" y="1902148"/>
-            <a:ext cx="1371600" cy="2463800"/>
-          </a:xfrm>
-          <a:prstGeom prst="roundRect">
-            <a:avLst/>
-          </a:prstGeom>
-        </p:spPr>
-        <p:style>
-          <a:lnRef idx="1">
-            <a:schemeClr val="accent4"/>
-          </a:lnRef>
-          <a:fillRef idx="2">
-            <a:schemeClr val="accent4"/>
-          </a:fillRef>
-          <a:effectRef idx="1">
-            <a:schemeClr val="accent4"/>
-          </a:effectRef>
-          <a:fontRef idx="minor">
-            <a:schemeClr val="dk1"/>
-          </a:fontRef>
-        </p:style>
-        <p:txBody>
-          <a:bodyPr rtlCol="0" anchor="ctr"/>
-          <a:lstStyle/>
-          <a:p>
-            <a:pPr algn="ctr"/>
-            <a:r>
-              <a:rPr lang="en-US" sz="1400" dirty="0" smtClean="0">
-                <a:latin typeface="Montserrat"/>
-              </a:rPr>
-              <a:t>Spark</a:t>
-            </a:r>
-          </a:p>
-          <a:p>
-            <a:pPr algn="ctr"/>
-            <a:r>
-              <a:rPr lang="en-US" sz="1400" dirty="0" smtClean="0">
-                <a:latin typeface="Montserrat"/>
-              </a:rPr>
-              <a:t>MLlib	</a:t>
-            </a:r>
-          </a:p>
-        </p:txBody>
-      </p:sp>
-      <p:sp>
-        <p:nvSpPr>
-          <p:cNvPr id="8" name="Rounded Rectangle 7"/>
-          <p:cNvSpPr/>
-          <p:nvPr/>
-        </p:nvSpPr>
-        <p:spPr>
-          <a:xfrm>
-            <a:off x="5384800" y="1902148"/>
-            <a:ext cx="1371600" cy="2463800"/>
-          </a:xfrm>
-          <a:prstGeom prst="roundRect">
-            <a:avLst/>
-          </a:prstGeom>
-        </p:spPr>
-        <p:style>
-          <a:lnRef idx="1">
-            <a:schemeClr val="accent4"/>
-          </a:lnRef>
-          <a:fillRef idx="2">
-            <a:schemeClr val="accent4"/>
-          </a:fillRef>
-          <a:effectRef idx="1">
-            <a:schemeClr val="accent4"/>
-          </a:effectRef>
-          <a:fontRef idx="minor">
-            <a:schemeClr val="dk1"/>
-          </a:fontRef>
-        </p:style>
-        <p:txBody>
-          <a:bodyPr rtlCol="0" anchor="ctr"/>
-          <a:lstStyle/>
-          <a:p>
-            <a:pPr algn="ctr"/>
-            <a:r>
-              <a:rPr lang="en-US" sz="1400" dirty="0" err="1" smtClean="0">
-                <a:latin typeface="Montserrat"/>
-              </a:rPr>
-              <a:t>SparkR</a:t>
-            </a:r>
-            <a:endParaRPr lang="en-US" sz="1400" dirty="0">
-              <a:latin typeface="Montserrat"/>
-            </a:endParaRPr>
-          </a:p>
-        </p:txBody>
-      </p:sp>
-      <p:sp>
-        <p:nvSpPr>
-          <p:cNvPr id="9" name="Rounded Rectangle 8"/>
-          <p:cNvSpPr/>
-          <p:nvPr/>
-        </p:nvSpPr>
-        <p:spPr>
-          <a:xfrm>
-            <a:off x="6908800" y="1902148"/>
-            <a:ext cx="1371600" cy="2463800"/>
-          </a:xfrm>
-          <a:prstGeom prst="roundRect">
-            <a:avLst/>
-          </a:prstGeom>
-        </p:spPr>
-        <p:style>
-          <a:lnRef idx="1">
-            <a:schemeClr val="accent4"/>
-          </a:lnRef>
-          <a:fillRef idx="2">
-            <a:schemeClr val="accent4"/>
-          </a:fillRef>
-          <a:effectRef idx="1">
-            <a:schemeClr val="accent4"/>
-          </a:effectRef>
-          <a:fontRef idx="minor">
-            <a:schemeClr val="dk1"/>
-          </a:fontRef>
-        </p:style>
-        <p:txBody>
-          <a:bodyPr rtlCol="0" anchor="ctr"/>
-          <a:lstStyle/>
-          <a:p>
-            <a:pPr algn="ctr"/>
-            <a:r>
-              <a:rPr lang="en-US" sz="1400" dirty="0" err="1" smtClean="0">
-                <a:latin typeface="Montserrat"/>
-              </a:rPr>
-              <a:t>GraphX</a:t>
-            </a:r>
-            <a:endParaRPr lang="en-US" sz="1400" dirty="0">
-              <a:latin typeface="Montserrat"/>
-            </a:endParaRPr>
           </a:p>
         </p:txBody>
       </p:sp>
     </p:spTree>
     <p:extLst>
       <p:ext uri="{BB962C8B-B14F-4D97-AF65-F5344CB8AC3E}">
-        <p14:creationId xmlns:p14="http://schemas.microsoft.com/office/powerpoint/2010/main" val="1179171226"/>
+        <p14:creationId xmlns:p14="http://schemas.microsoft.com/office/powerpoint/2010/main" val="816383995"/>
       </p:ext>
     </p:extLst>
   </p:cSld>
   <p:clrMapOvr>
     <a:masterClrMapping/>
   </p:clrMapOvr>
+  <p:timing>
+    <p:tnLst>
+      <p:par>
+        <p:cTn xmlns:p14="http://schemas.microsoft.com/office/powerpoint/2010/main" id="1" dur="indefinite" restart="never" nodeType="tmRoot"/>
+      </p:par>
+    </p:tnLst>
+  </p:timing>
 </p:sld>
 </file>
 
@@ -9892,7 +9659,7 @@
           <a:p>
             <a:r>
               <a:rPr lang="en-US" dirty="0" smtClean="0"/>
-              <a:t>Spark Extras</a:t>
+              <a:t>Locality</a:t>
             </a:r>
             <a:endParaRPr lang="en-US" dirty="0"/>
           </a:p>
@@ -9910,75 +9677,33 @@
         </p:nvSpPr>
         <p:spPr/>
         <p:txBody>
-          <a:bodyPr>
-            <a:normAutofit/>
-          </a:bodyPr>
+          <a:bodyPr/>
           <a:lstStyle/>
           <a:p>
             <a:r>
               <a:rPr lang="en-US" dirty="0" smtClean="0"/>
-              <a:t>Spark </a:t>
-            </a:r>
-            <a:r>
-              <a:rPr lang="en-US" dirty="0" smtClean="0"/>
-              <a:t>Streaming	</a:t>
+              <a:t>Spark understands the locality of data:</a:t>
             </a:r>
           </a:p>
           <a:p>
             <a:pPr lvl="1"/>
             <a:r>
-              <a:rPr lang="en-US" dirty="0" err="1" smtClean="0"/>
-              <a:t>Realtime</a:t>
-            </a:r>
-            <a:r>
-              <a:rPr lang="en-US" dirty="0" smtClean="0"/>
-              <a:t> analysis in Spark</a:t>
-            </a:r>
-          </a:p>
-          <a:p>
-            <a:r>
-              <a:rPr lang="en-US" dirty="0" smtClean="0"/>
-              <a:t>Spark </a:t>
-            </a:r>
-            <a:r>
-              <a:rPr lang="en-US" dirty="0" err="1" smtClean="0"/>
-              <a:t>MLLib</a:t>
-            </a:r>
-            <a:endParaRPr lang="en-US" dirty="0" smtClean="0"/>
+              <a:rPr lang="en-US" dirty="0" smtClean="0"/>
+              <a:t>Already in memory</a:t>
+            </a:r>
           </a:p>
           <a:p>
             <a:pPr lvl="1"/>
             <a:r>
               <a:rPr lang="en-US" dirty="0" smtClean="0"/>
-              <a:t>Like Mahout – Machine learning in Spark</a:t>
-            </a:r>
-          </a:p>
-          <a:p>
-            <a:r>
-              <a:rPr lang="en-US" dirty="0" err="1" smtClean="0"/>
-              <a:t>GraphX</a:t>
-            </a:r>
-            <a:endParaRPr lang="en-US" dirty="0" smtClean="0"/>
+              <a:t>HDFS location</a:t>
+            </a:r>
           </a:p>
           <a:p>
             <a:pPr lvl="1"/>
             <a:r>
               <a:rPr lang="en-US" dirty="0" smtClean="0"/>
-              <a:t>Graph processing in Spark</a:t>
-            </a:r>
-          </a:p>
-          <a:p>
-            <a:r>
-              <a:rPr lang="en-US" dirty="0" err="1" smtClean="0"/>
-              <a:t>SparkR</a:t>
-            </a:r>
-            <a:endParaRPr lang="en-US" dirty="0" smtClean="0"/>
-          </a:p>
-          <a:p>
-            <a:pPr lvl="1"/>
-            <a:r>
-              <a:rPr lang="en-US" dirty="0" smtClean="0"/>
-              <a:t>R statistical analysis on Spark</a:t>
+              <a:t>Cassandra location</a:t>
             </a:r>
             <a:endParaRPr lang="en-US" dirty="0"/>
           </a:p>
@@ -9987,13 +9712,20 @@
     </p:spTree>
     <p:extLst>
       <p:ext uri="{BB962C8B-B14F-4D97-AF65-F5344CB8AC3E}">
-        <p14:creationId xmlns:p14="http://schemas.microsoft.com/office/powerpoint/2010/main" val="2973337137"/>
+        <p14:creationId xmlns:p14="http://schemas.microsoft.com/office/powerpoint/2010/main" val="546616968"/>
       </p:ext>
     </p:extLst>
   </p:cSld>
   <p:clrMapOvr>
     <a:masterClrMapping/>
   </p:clrMapOvr>
+  <p:timing>
+    <p:tnLst>
+      <p:par>
+        <p:cTn xmlns:p14="http://schemas.microsoft.com/office/powerpoint/2010/main" id="1" dur="indefinite" restart="never" nodeType="tmRoot"/>
+      </p:par>
+    </p:tnLst>
+  </p:timing>
 </p:sld>
 </file>
 
@@ -10031,7 +9763,7 @@
           <a:p>
             <a:r>
               <a:rPr lang="en-US" dirty="0" smtClean="0"/>
-              <a:t>Spark MLlib</a:t>
+              <a:t>Spark Extras</a:t>
             </a:r>
             <a:endParaRPr lang="en-US" dirty="0"/>
           </a:p>
@@ -10039,86 +9771,299 @@
       </p:sp>
       <p:sp>
         <p:nvSpPr>
-          <p:cNvPr id="3" name="Content Placeholder 2"/>
-          <p:cNvSpPr>
-            <a:spLocks noGrp="1"/>
-          </p:cNvSpPr>
-          <p:nvPr>
-            <p:ph idx="1"/>
-          </p:nvPr>
-        </p:nvSpPr>
-        <p:spPr/>
-        <p:txBody>
-          <a:bodyPr>
-            <a:normAutofit lnSpcReduction="10000"/>
-          </a:bodyPr>
+          <p:cNvPr id="4" name="Rounded Rectangle 3"/>
+          <p:cNvSpPr/>
+          <p:nvPr/>
+        </p:nvSpPr>
+        <p:spPr>
+          <a:xfrm>
+            <a:off x="812800" y="4510708"/>
+            <a:ext cx="7467600" cy="1117600"/>
+          </a:xfrm>
+          <a:prstGeom prst="roundRect">
+            <a:avLst/>
+          </a:prstGeom>
+        </p:spPr>
+        <p:style>
+          <a:lnRef idx="1">
+            <a:schemeClr val="accent1"/>
+          </a:lnRef>
+          <a:fillRef idx="2">
+            <a:schemeClr val="accent1"/>
+          </a:fillRef>
+          <a:effectRef idx="1">
+            <a:schemeClr val="accent1"/>
+          </a:effectRef>
+          <a:fontRef idx="minor">
+            <a:schemeClr val="dk1"/>
+          </a:fontRef>
+        </p:style>
+        <p:txBody>
+          <a:bodyPr rtlCol="0" anchor="ctr"/>
           <a:lstStyle/>
           <a:p>
-            <a:r>
-              <a:rPr lang="en-US" dirty="0" smtClean="0"/>
-              <a:t>Simple stats and correlation testing</a:t>
-            </a:r>
-          </a:p>
-          <a:p>
-            <a:r>
-              <a:rPr lang="en-US" dirty="0" smtClean="0"/>
-              <a:t>Classification and regression</a:t>
-            </a:r>
-          </a:p>
-          <a:p>
-            <a:r>
-              <a:rPr lang="en-US" dirty="0" smtClean="0"/>
-              <a:t>Collaborative Filtering</a:t>
-            </a:r>
-          </a:p>
-          <a:p>
-            <a:pPr lvl="1"/>
-            <a:r>
-              <a:rPr lang="en-US" dirty="0" smtClean="0"/>
-              <a:t>Alternating Least Squares </a:t>
-            </a:r>
-          </a:p>
-          <a:p>
-            <a:r>
-              <a:rPr lang="en-US" dirty="0" smtClean="0"/>
-              <a:t>Clustering</a:t>
-            </a:r>
-          </a:p>
-          <a:p>
-            <a:pPr lvl="1"/>
-            <a:r>
-              <a:rPr lang="en-US" dirty="0"/>
-              <a:t>k</a:t>
-            </a:r>
-            <a:r>
-              <a:rPr lang="en-US" dirty="0" smtClean="0"/>
-              <a:t>-means, </a:t>
-            </a:r>
-            <a:r>
-              <a:rPr lang="en-US" dirty="0" err="1" smtClean="0"/>
-              <a:t>etc</a:t>
-            </a:r>
-            <a:endParaRPr lang="en-US" dirty="0" smtClean="0"/>
-          </a:p>
-          <a:p>
-            <a:r>
-              <a:rPr lang="en-US" dirty="0" smtClean="0"/>
-              <a:t>Frequent Pattern Mining</a:t>
-            </a:r>
-          </a:p>
-          <a:p>
-            <a:r>
-              <a:rPr lang="en-US" dirty="0" smtClean="0"/>
-              <a:t>Plus more</a:t>
-            </a:r>
-            <a:endParaRPr lang="en-US" dirty="0"/>
+            <a:pPr algn="ctr"/>
+            <a:r>
+              <a:rPr lang="en-US" sz="2800" dirty="0" smtClean="0">
+                <a:latin typeface="Montserrat"/>
+              </a:rPr>
+              <a:t>Spark Core</a:t>
+            </a:r>
+            <a:endParaRPr lang="en-US" sz="2800" dirty="0">
+              <a:latin typeface="Montserrat"/>
+            </a:endParaRPr>
+          </a:p>
+        </p:txBody>
+      </p:sp>
+      <p:sp>
+        <p:nvSpPr>
+          <p:cNvPr id="5" name="Rounded Rectangle 4"/>
+          <p:cNvSpPr/>
+          <p:nvPr/>
+        </p:nvSpPr>
+        <p:spPr>
+          <a:xfrm>
+            <a:off x="812800" y="1902148"/>
+            <a:ext cx="1371600" cy="2463800"/>
+          </a:xfrm>
+          <a:prstGeom prst="roundRect">
+            <a:avLst/>
+          </a:prstGeom>
+        </p:spPr>
+        <p:style>
+          <a:lnRef idx="1">
+            <a:schemeClr val="accent4"/>
+          </a:lnRef>
+          <a:fillRef idx="2">
+            <a:schemeClr val="accent4"/>
+          </a:fillRef>
+          <a:effectRef idx="1">
+            <a:schemeClr val="accent4"/>
+          </a:effectRef>
+          <a:fontRef idx="minor">
+            <a:schemeClr val="dk1"/>
+          </a:fontRef>
+        </p:style>
+        <p:txBody>
+          <a:bodyPr rtlCol="0" anchor="ctr"/>
+          <a:lstStyle/>
+          <a:p>
+            <a:pPr algn="ctr"/>
+            <a:r>
+              <a:rPr lang="en-US" sz="1400" dirty="0" smtClean="0">
+                <a:latin typeface="Montserrat"/>
+              </a:rPr>
+              <a:t>Spark </a:t>
+            </a:r>
+          </a:p>
+          <a:p>
+            <a:pPr algn="ctr"/>
+            <a:r>
+              <a:rPr lang="en-US" sz="1400" dirty="0" smtClean="0">
+                <a:latin typeface="Montserrat"/>
+              </a:rPr>
+              <a:t>SQL</a:t>
+            </a:r>
+            <a:endParaRPr lang="en-US" sz="1400" dirty="0">
+              <a:latin typeface="Montserrat"/>
+            </a:endParaRPr>
+          </a:p>
+        </p:txBody>
+      </p:sp>
+      <p:sp>
+        <p:nvSpPr>
+          <p:cNvPr id="6" name="Rounded Rectangle 5"/>
+          <p:cNvSpPr/>
+          <p:nvPr/>
+        </p:nvSpPr>
+        <p:spPr>
+          <a:xfrm>
+            <a:off x="2336800" y="1902148"/>
+            <a:ext cx="1371600" cy="2463800"/>
+          </a:xfrm>
+          <a:prstGeom prst="roundRect">
+            <a:avLst/>
+          </a:prstGeom>
+        </p:spPr>
+        <p:style>
+          <a:lnRef idx="1">
+            <a:schemeClr val="accent4"/>
+          </a:lnRef>
+          <a:fillRef idx="2">
+            <a:schemeClr val="accent4"/>
+          </a:fillRef>
+          <a:effectRef idx="1">
+            <a:schemeClr val="accent4"/>
+          </a:effectRef>
+          <a:fontRef idx="minor">
+            <a:schemeClr val="dk1"/>
+          </a:fontRef>
+        </p:style>
+        <p:txBody>
+          <a:bodyPr rtlCol="0" anchor="ctr"/>
+          <a:lstStyle/>
+          <a:p>
+            <a:pPr algn="ctr"/>
+            <a:r>
+              <a:rPr lang="en-US" sz="1400" dirty="0" smtClean="0">
+                <a:latin typeface="Montserrat"/>
+              </a:rPr>
+              <a:t>Spark Streaming</a:t>
+            </a:r>
+            <a:endParaRPr lang="en-US" sz="1400" dirty="0">
+              <a:latin typeface="Montserrat"/>
+            </a:endParaRPr>
+          </a:p>
+        </p:txBody>
+      </p:sp>
+      <p:sp>
+        <p:nvSpPr>
+          <p:cNvPr id="7" name="Rounded Rectangle 6"/>
+          <p:cNvSpPr/>
+          <p:nvPr/>
+        </p:nvSpPr>
+        <p:spPr>
+          <a:xfrm>
+            <a:off x="3860800" y="1902148"/>
+            <a:ext cx="1371600" cy="2463800"/>
+          </a:xfrm>
+          <a:prstGeom prst="roundRect">
+            <a:avLst/>
+          </a:prstGeom>
+        </p:spPr>
+        <p:style>
+          <a:lnRef idx="1">
+            <a:schemeClr val="accent4"/>
+          </a:lnRef>
+          <a:fillRef idx="2">
+            <a:schemeClr val="accent4"/>
+          </a:fillRef>
+          <a:effectRef idx="1">
+            <a:schemeClr val="accent4"/>
+          </a:effectRef>
+          <a:fontRef idx="minor">
+            <a:schemeClr val="dk1"/>
+          </a:fontRef>
+        </p:style>
+        <p:txBody>
+          <a:bodyPr rtlCol="0" anchor="ctr"/>
+          <a:lstStyle/>
+          <a:p>
+            <a:pPr algn="ctr"/>
+            <a:r>
+              <a:rPr lang="en-US" sz="1400" dirty="0" smtClean="0">
+                <a:latin typeface="Montserrat"/>
+              </a:rPr>
+              <a:t>Spark</a:t>
+            </a:r>
+          </a:p>
+          <a:p>
+            <a:pPr algn="ctr"/>
+            <a:r>
+              <a:rPr lang="en-US" sz="1400" dirty="0" smtClean="0">
+                <a:latin typeface="Montserrat"/>
+              </a:rPr>
+              <a:t>MLlib	</a:t>
+            </a:r>
+          </a:p>
+        </p:txBody>
+      </p:sp>
+      <p:sp>
+        <p:nvSpPr>
+          <p:cNvPr id="8" name="Rounded Rectangle 7"/>
+          <p:cNvSpPr/>
+          <p:nvPr/>
+        </p:nvSpPr>
+        <p:spPr>
+          <a:xfrm>
+            <a:off x="5384800" y="1902148"/>
+            <a:ext cx="1371600" cy="2463800"/>
+          </a:xfrm>
+          <a:prstGeom prst="roundRect">
+            <a:avLst/>
+          </a:prstGeom>
+        </p:spPr>
+        <p:style>
+          <a:lnRef idx="1">
+            <a:schemeClr val="accent4"/>
+          </a:lnRef>
+          <a:fillRef idx="2">
+            <a:schemeClr val="accent4"/>
+          </a:fillRef>
+          <a:effectRef idx="1">
+            <a:schemeClr val="accent4"/>
+          </a:effectRef>
+          <a:fontRef idx="minor">
+            <a:schemeClr val="dk1"/>
+          </a:fontRef>
+        </p:style>
+        <p:txBody>
+          <a:bodyPr rtlCol="0" anchor="ctr"/>
+          <a:lstStyle/>
+          <a:p>
+            <a:pPr algn="ctr"/>
+            <a:r>
+              <a:rPr lang="en-US" sz="1400" dirty="0" err="1" smtClean="0">
+                <a:latin typeface="Montserrat"/>
+              </a:rPr>
+              <a:t>SparkR</a:t>
+            </a:r>
+            <a:endParaRPr lang="en-US" sz="1400" dirty="0">
+              <a:latin typeface="Montserrat"/>
+            </a:endParaRPr>
+          </a:p>
+        </p:txBody>
+      </p:sp>
+      <p:sp>
+        <p:nvSpPr>
+          <p:cNvPr id="9" name="Rounded Rectangle 8"/>
+          <p:cNvSpPr/>
+          <p:nvPr/>
+        </p:nvSpPr>
+        <p:spPr>
+          <a:xfrm>
+            <a:off x="6908800" y="1902148"/>
+            <a:ext cx="1371600" cy="2463800"/>
+          </a:xfrm>
+          <a:prstGeom prst="roundRect">
+            <a:avLst/>
+          </a:prstGeom>
+        </p:spPr>
+        <p:style>
+          <a:lnRef idx="1">
+            <a:schemeClr val="accent4"/>
+          </a:lnRef>
+          <a:fillRef idx="2">
+            <a:schemeClr val="accent4"/>
+          </a:fillRef>
+          <a:effectRef idx="1">
+            <a:schemeClr val="accent4"/>
+          </a:effectRef>
+          <a:fontRef idx="minor">
+            <a:schemeClr val="dk1"/>
+          </a:fontRef>
+        </p:style>
+        <p:txBody>
+          <a:bodyPr rtlCol="0" anchor="ctr"/>
+          <a:lstStyle/>
+          <a:p>
+            <a:pPr algn="ctr"/>
+            <a:r>
+              <a:rPr lang="en-US" sz="1400" dirty="0" err="1" smtClean="0">
+                <a:latin typeface="Montserrat"/>
+              </a:rPr>
+              <a:t>GraphX</a:t>
+            </a:r>
+            <a:endParaRPr lang="en-US" sz="1400" dirty="0">
+              <a:latin typeface="Montserrat"/>
+            </a:endParaRPr>
           </a:p>
         </p:txBody>
       </p:sp>
     </p:spTree>
     <p:extLst>
       <p:ext uri="{BB962C8B-B14F-4D97-AF65-F5344CB8AC3E}">
-        <p14:creationId xmlns:p14="http://schemas.microsoft.com/office/powerpoint/2010/main" val="3869310880"/>
+        <p14:creationId xmlns:p14="http://schemas.microsoft.com/office/powerpoint/2010/main" val="1179171226"/>
       </p:ext>
     </p:extLst>
   </p:cSld>
@@ -10162,6 +10107,272 @@
           <a:p>
             <a:r>
               <a:rPr lang="en-US" dirty="0" smtClean="0"/>
+              <a:t>Spark Extras</a:t>
+            </a:r>
+            <a:endParaRPr lang="en-US" dirty="0"/>
+          </a:p>
+        </p:txBody>
+      </p:sp>
+      <p:sp>
+        <p:nvSpPr>
+          <p:cNvPr id="3" name="Content Placeholder 2"/>
+          <p:cNvSpPr>
+            <a:spLocks noGrp="1"/>
+          </p:cNvSpPr>
+          <p:nvPr>
+            <p:ph idx="1"/>
+          </p:nvPr>
+        </p:nvSpPr>
+        <p:spPr/>
+        <p:txBody>
+          <a:bodyPr>
+            <a:normAutofit/>
+          </a:bodyPr>
+          <a:lstStyle/>
+          <a:p>
+            <a:r>
+              <a:rPr lang="en-US" dirty="0" smtClean="0"/>
+              <a:t>Spark Streaming	</a:t>
+            </a:r>
+          </a:p>
+          <a:p>
+            <a:pPr lvl="1"/>
+            <a:r>
+              <a:rPr lang="en-US" dirty="0" err="1" smtClean="0"/>
+              <a:t>Realtime</a:t>
+            </a:r>
+            <a:r>
+              <a:rPr lang="en-US" dirty="0" smtClean="0"/>
+              <a:t> analysis in Spark</a:t>
+            </a:r>
+          </a:p>
+          <a:p>
+            <a:r>
+              <a:rPr lang="en-US" dirty="0" smtClean="0"/>
+              <a:t>Spark </a:t>
+            </a:r>
+            <a:r>
+              <a:rPr lang="en-US" dirty="0" err="1" smtClean="0"/>
+              <a:t>MLLib</a:t>
+            </a:r>
+            <a:endParaRPr lang="en-US" dirty="0" smtClean="0"/>
+          </a:p>
+          <a:p>
+            <a:pPr lvl="1"/>
+            <a:r>
+              <a:rPr lang="en-US" dirty="0" smtClean="0"/>
+              <a:t>Like Mahout – Machine learning in Spark</a:t>
+            </a:r>
+          </a:p>
+          <a:p>
+            <a:r>
+              <a:rPr lang="en-US" dirty="0" err="1" smtClean="0"/>
+              <a:t>GraphX</a:t>
+            </a:r>
+            <a:endParaRPr lang="en-US" dirty="0" smtClean="0"/>
+          </a:p>
+          <a:p>
+            <a:pPr lvl="1"/>
+            <a:r>
+              <a:rPr lang="en-US" dirty="0" smtClean="0"/>
+              <a:t>Graph processing in Spark</a:t>
+            </a:r>
+          </a:p>
+          <a:p>
+            <a:r>
+              <a:rPr lang="en-US" dirty="0" err="1" smtClean="0"/>
+              <a:t>SparkR</a:t>
+            </a:r>
+            <a:endParaRPr lang="en-US" dirty="0" smtClean="0"/>
+          </a:p>
+          <a:p>
+            <a:pPr lvl="1"/>
+            <a:r>
+              <a:rPr lang="en-US" dirty="0" smtClean="0"/>
+              <a:t>R statistical analysis on Spark</a:t>
+            </a:r>
+            <a:endParaRPr lang="en-US" dirty="0"/>
+          </a:p>
+        </p:txBody>
+      </p:sp>
+    </p:spTree>
+    <p:extLst>
+      <p:ext uri="{BB962C8B-B14F-4D97-AF65-F5344CB8AC3E}">
+        <p14:creationId xmlns:p14="http://schemas.microsoft.com/office/powerpoint/2010/main" val="2973337137"/>
+      </p:ext>
+    </p:extLst>
+  </p:cSld>
+  <p:clrMapOvr>
+    <a:masterClrMapping/>
+  </p:clrMapOvr>
+</p:sld>
+</file>
+
+<file path=ppt/slides/slide43.xml><?xml version="1.0" encoding="utf-8"?>
+<p:sld xmlns:a="http://schemas.openxmlformats.org/drawingml/2006/main" xmlns:r="http://schemas.openxmlformats.org/officeDocument/2006/relationships" xmlns:p="http://schemas.openxmlformats.org/presentationml/2006/main">
+  <p:cSld>
+    <p:spTree>
+      <p:nvGrpSpPr>
+        <p:cNvPr id="1" name=""/>
+        <p:cNvGrpSpPr/>
+        <p:nvPr/>
+      </p:nvGrpSpPr>
+      <p:grpSpPr>
+        <a:xfrm>
+          <a:off x="0" y="0"/>
+          <a:ext cx="0" cy="0"/>
+          <a:chOff x="0" y="0"/>
+          <a:chExt cx="0" cy="0"/>
+        </a:xfrm>
+      </p:grpSpPr>
+      <p:sp>
+        <p:nvSpPr>
+          <p:cNvPr id="2" name="Title 1"/>
+          <p:cNvSpPr>
+            <a:spLocks noGrp="1"/>
+          </p:cNvSpPr>
+          <p:nvPr>
+            <p:ph type="title"/>
+          </p:nvPr>
+        </p:nvSpPr>
+        <p:spPr/>
+        <p:txBody>
+          <a:bodyPr/>
+          <a:lstStyle/>
+          <a:p>
+            <a:r>
+              <a:rPr lang="en-US" dirty="0" smtClean="0"/>
+              <a:t>Spark MLlib</a:t>
+            </a:r>
+            <a:endParaRPr lang="en-US" dirty="0"/>
+          </a:p>
+        </p:txBody>
+      </p:sp>
+      <p:sp>
+        <p:nvSpPr>
+          <p:cNvPr id="3" name="Content Placeholder 2"/>
+          <p:cNvSpPr>
+            <a:spLocks noGrp="1"/>
+          </p:cNvSpPr>
+          <p:nvPr>
+            <p:ph idx="1"/>
+          </p:nvPr>
+        </p:nvSpPr>
+        <p:spPr/>
+        <p:txBody>
+          <a:bodyPr>
+            <a:normAutofit lnSpcReduction="10000"/>
+          </a:bodyPr>
+          <a:lstStyle/>
+          <a:p>
+            <a:r>
+              <a:rPr lang="en-US" dirty="0" smtClean="0"/>
+              <a:t>Simple stats and correlation testing</a:t>
+            </a:r>
+          </a:p>
+          <a:p>
+            <a:r>
+              <a:rPr lang="en-US" dirty="0" smtClean="0"/>
+              <a:t>Classification and regression</a:t>
+            </a:r>
+          </a:p>
+          <a:p>
+            <a:r>
+              <a:rPr lang="en-US" dirty="0" smtClean="0"/>
+              <a:t>Collaborative Filtering</a:t>
+            </a:r>
+          </a:p>
+          <a:p>
+            <a:pPr lvl="1"/>
+            <a:r>
+              <a:rPr lang="en-US" dirty="0" smtClean="0"/>
+              <a:t>Alternating Least Squares </a:t>
+            </a:r>
+          </a:p>
+          <a:p>
+            <a:r>
+              <a:rPr lang="en-US" dirty="0" smtClean="0"/>
+              <a:t>Clustering</a:t>
+            </a:r>
+          </a:p>
+          <a:p>
+            <a:pPr lvl="1"/>
+            <a:r>
+              <a:rPr lang="en-US" dirty="0"/>
+              <a:t>k</a:t>
+            </a:r>
+            <a:r>
+              <a:rPr lang="en-US" dirty="0" smtClean="0"/>
+              <a:t>-means, </a:t>
+            </a:r>
+            <a:r>
+              <a:rPr lang="en-US" dirty="0" err="1" smtClean="0"/>
+              <a:t>etc</a:t>
+            </a:r>
+            <a:endParaRPr lang="en-US" dirty="0" smtClean="0"/>
+          </a:p>
+          <a:p>
+            <a:r>
+              <a:rPr lang="en-US" dirty="0" smtClean="0"/>
+              <a:t>Frequent Pattern Mining</a:t>
+            </a:r>
+          </a:p>
+          <a:p>
+            <a:r>
+              <a:rPr lang="en-US" dirty="0" smtClean="0"/>
+              <a:t>Plus more</a:t>
+            </a:r>
+            <a:endParaRPr lang="en-US" dirty="0"/>
+          </a:p>
+        </p:txBody>
+      </p:sp>
+    </p:spTree>
+    <p:extLst>
+      <p:ext uri="{BB962C8B-B14F-4D97-AF65-F5344CB8AC3E}">
+        <p14:creationId xmlns:p14="http://schemas.microsoft.com/office/powerpoint/2010/main" val="3869310880"/>
+      </p:ext>
+    </p:extLst>
+  </p:cSld>
+  <p:clrMapOvr>
+    <a:masterClrMapping/>
+  </p:clrMapOvr>
+</p:sld>
+</file>
+
+<file path=ppt/slides/slide44.xml><?xml version="1.0" encoding="utf-8"?>
+<p:sld xmlns:a="http://schemas.openxmlformats.org/drawingml/2006/main" xmlns:r="http://schemas.openxmlformats.org/officeDocument/2006/relationships" xmlns:p="http://schemas.openxmlformats.org/presentationml/2006/main">
+  <p:cSld>
+    <p:spTree>
+      <p:nvGrpSpPr>
+        <p:cNvPr id="1" name=""/>
+        <p:cNvGrpSpPr/>
+        <p:nvPr/>
+      </p:nvGrpSpPr>
+      <p:grpSpPr>
+        <a:xfrm>
+          <a:off x="0" y="0"/>
+          <a:ext cx="0" cy="0"/>
+          <a:chOff x="0" y="0"/>
+          <a:chExt cx="0" cy="0"/>
+        </a:xfrm>
+      </p:grpSpPr>
+      <p:sp>
+        <p:nvSpPr>
+          <p:cNvPr id="2" name="Title 1"/>
+          <p:cNvSpPr>
+            <a:spLocks noGrp="1"/>
+          </p:cNvSpPr>
+          <p:nvPr>
+            <p:ph type="title"/>
+          </p:nvPr>
+        </p:nvSpPr>
+        <p:spPr/>
+        <p:txBody>
+          <a:bodyPr/>
+          <a:lstStyle/>
+          <a:p>
+            <a:r>
+              <a:rPr lang="en-US" dirty="0" smtClean="0"/>
               <a:t>MLlib example</a:t>
             </a:r>
             <a:endParaRPr lang="en-US" dirty="0"/>
@@ -10482,7 +10693,7 @@
 </p:sld>
 </file>
 
-<file path=ppt/slides/slide43.xml><?xml version="1.0" encoding="utf-8"?>
+<file path=ppt/slides/slide45.xml><?xml version="1.0" encoding="utf-8"?>
 <p:sld xmlns:a="http://schemas.openxmlformats.org/drawingml/2006/main" xmlns:r="http://schemas.openxmlformats.org/officeDocument/2006/relationships" xmlns:p="http://schemas.openxmlformats.org/presentationml/2006/main">
   <p:cSld>
     <p:spTree>
@@ -10608,7 +10819,7 @@
 </p:sld>
 </file>
 
-<file path=ppt/slides/slide44.xml><?xml version="1.0" encoding="utf-8"?>
+<file path=ppt/slides/slide46.xml><?xml version="1.0" encoding="utf-8"?>
 <p:sld xmlns:a="http://schemas.openxmlformats.org/drawingml/2006/main" xmlns:r="http://schemas.openxmlformats.org/officeDocument/2006/relationships" xmlns:p="http://schemas.openxmlformats.org/presentationml/2006/main">
   <p:cSld>
     <p:spTree>
@@ -10736,7 +10947,7 @@
 </p:sld>
 </file>
 
-<file path=ppt/slides/slide45.xml><?xml version="1.0" encoding="utf-8"?>
+<file path=ppt/slides/slide47.xml><?xml version="1.0" encoding="utf-8"?>
 <p:sld xmlns:a="http://schemas.openxmlformats.org/drawingml/2006/main" xmlns:r="http://schemas.openxmlformats.org/officeDocument/2006/relationships" xmlns:p="http://schemas.openxmlformats.org/presentationml/2006/main">
   <p:cSld>
     <p:spTree>
@@ -10824,7 +11035,7 @@
 </p:sld>
 </file>
 
-<file path=ppt/slides/slide46.xml><?xml version="1.0" encoding="utf-8"?>
+<file path=ppt/slides/slide48.xml><?xml version="1.0" encoding="utf-8"?>
 <p:sld xmlns:a="http://schemas.openxmlformats.org/drawingml/2006/main" xmlns:r="http://schemas.openxmlformats.org/officeDocument/2006/relationships" xmlns:p="http://schemas.openxmlformats.org/presentationml/2006/main">
   <p:cSld>
     <p:spTree>

--- a/pres-source/07-spark-and-adjuncts.pptx
+++ b/pres-source/07-spark-and-adjuncts.pptx
@@ -5,7 +5,7 @@
     <p:sldMasterId id="2147483648" r:id="rId1"/>
   </p:sldMasterIdLst>
   <p:notesMasterIdLst>
-    <p:notesMasterId r:id="rId50"/>
+    <p:notesMasterId r:id="rId51"/>
   </p:notesMasterIdLst>
   <p:sldIdLst>
     <p:sldId id="256" r:id="rId2"/>
@@ -42,20 +42,21 @@
     <p:sldId id="310" r:id="rId33"/>
     <p:sldId id="311" r:id="rId34"/>
     <p:sldId id="312" r:id="rId35"/>
-    <p:sldId id="281" r:id="rId36"/>
-    <p:sldId id="284" r:id="rId37"/>
-    <p:sldId id="313" r:id="rId38"/>
-    <p:sldId id="314" r:id="rId39"/>
-    <p:sldId id="275" r:id="rId40"/>
-    <p:sldId id="298" r:id="rId41"/>
-    <p:sldId id="294" r:id="rId42"/>
-    <p:sldId id="288" r:id="rId43"/>
-    <p:sldId id="287" r:id="rId44"/>
-    <p:sldId id="289" r:id="rId45"/>
-    <p:sldId id="290" r:id="rId46"/>
-    <p:sldId id="292" r:id="rId47"/>
-    <p:sldId id="291" r:id="rId48"/>
-    <p:sldId id="293" r:id="rId49"/>
+    <p:sldId id="315" r:id="rId36"/>
+    <p:sldId id="281" r:id="rId37"/>
+    <p:sldId id="284" r:id="rId38"/>
+    <p:sldId id="313" r:id="rId39"/>
+    <p:sldId id="314" r:id="rId40"/>
+    <p:sldId id="275" r:id="rId41"/>
+    <p:sldId id="298" r:id="rId42"/>
+    <p:sldId id="294" r:id="rId43"/>
+    <p:sldId id="288" r:id="rId44"/>
+    <p:sldId id="287" r:id="rId45"/>
+    <p:sldId id="289" r:id="rId46"/>
+    <p:sldId id="290" r:id="rId47"/>
+    <p:sldId id="292" r:id="rId48"/>
+    <p:sldId id="291" r:id="rId49"/>
+    <p:sldId id="293" r:id="rId50"/>
   </p:sldIdLst>
   <p:sldSz cx="9144000" cy="6858000" type="screen4x3"/>
   <p:notesSz cx="6858000" cy="9144000"/>
@@ -244,7 +245,7 @@
             <a:fld id="{7307762F-A706-E543-A832-3C298AA3103F}" type="datetimeFigureOut">
               <a:rPr lang="en-US" smtClean="0"/>
               <a:pPr/>
-              <a:t>09/07/17</a:t>
+              <a:t>19/07/17</a:t>
             </a:fld>
             <a:endParaRPr lang="en-US" dirty="0"/>
           </a:p>
@@ -818,7 +819,7 @@
             <a:fld id="{875CF0EB-321F-0749-B37A-89BBA859503C}" type="datetimeFigureOut">
               <a:rPr lang="en-US" smtClean="0"/>
               <a:pPr/>
-              <a:t>09/07/17</a:t>
+              <a:t>19/07/17</a:t>
             </a:fld>
             <a:endParaRPr lang="en-US" dirty="0"/>
           </a:p>
@@ -1042,7 +1043,7 @@
             <a:fld id="{875CF0EB-321F-0749-B37A-89BBA859503C}" type="datetimeFigureOut">
               <a:rPr lang="en-US" smtClean="0"/>
               <a:pPr/>
-              <a:t>09/07/17</a:t>
+              <a:t>19/07/17</a:t>
             </a:fld>
             <a:endParaRPr lang="en-US" dirty="0"/>
           </a:p>
@@ -1256,7 +1257,7 @@
             <a:fld id="{875CF0EB-321F-0749-B37A-89BBA859503C}" type="datetimeFigureOut">
               <a:rPr lang="en-US" smtClean="0"/>
               <a:pPr/>
-              <a:t>09/07/17</a:t>
+              <a:t>19/07/17</a:t>
             </a:fld>
             <a:endParaRPr lang="en-US" dirty="0"/>
           </a:p>
@@ -1546,7 +1547,7 @@
             <a:fld id="{875CF0EB-321F-0749-B37A-89BBA859503C}" type="datetimeFigureOut">
               <a:rPr lang="en-US" smtClean="0"/>
               <a:pPr/>
-              <a:t>09/07/17</a:t>
+              <a:t>19/07/17</a:t>
             </a:fld>
             <a:endParaRPr lang="en-US" dirty="0"/>
           </a:p>
@@ -1878,7 +1879,7 @@
             <a:fld id="{875CF0EB-321F-0749-B37A-89BBA859503C}" type="datetimeFigureOut">
               <a:rPr lang="en-US" smtClean="0"/>
               <a:pPr/>
-              <a:t>09/07/17</a:t>
+              <a:t>19/07/17</a:t>
             </a:fld>
             <a:endParaRPr lang="en-US" dirty="0"/>
           </a:p>
@@ -2344,7 +2345,7 @@
             <a:fld id="{875CF0EB-321F-0749-B37A-89BBA859503C}" type="datetimeFigureOut">
               <a:rPr lang="en-US" smtClean="0"/>
               <a:pPr/>
-              <a:t>09/07/17</a:t>
+              <a:t>19/07/17</a:t>
             </a:fld>
             <a:endParaRPr lang="en-US" dirty="0"/>
           </a:p>
@@ -2506,7 +2507,7 @@
             <a:fld id="{875CF0EB-321F-0749-B37A-89BBA859503C}" type="datetimeFigureOut">
               <a:rPr lang="en-US" smtClean="0"/>
               <a:pPr/>
-              <a:t>09/07/17</a:t>
+              <a:t>19/07/17</a:t>
             </a:fld>
             <a:endParaRPr lang="en-US" dirty="0"/>
           </a:p>
@@ -2645,7 +2646,7 @@
             <a:fld id="{875CF0EB-321F-0749-B37A-89BBA859503C}" type="datetimeFigureOut">
               <a:rPr lang="en-US" smtClean="0"/>
               <a:pPr/>
-              <a:t>09/07/17</a:t>
+              <a:t>19/07/17</a:t>
             </a:fld>
             <a:endParaRPr lang="en-US" dirty="0"/>
           </a:p>
@@ -2966,7 +2967,7 @@
             <a:fld id="{875CF0EB-321F-0749-B37A-89BBA859503C}" type="datetimeFigureOut">
               <a:rPr lang="en-US" smtClean="0"/>
               <a:pPr/>
-              <a:t>09/07/17</a:t>
+              <a:t>19/07/17</a:t>
             </a:fld>
             <a:endParaRPr lang="en-US" dirty="0"/>
           </a:p>
@@ -3263,7 +3264,7 @@
             <a:fld id="{875CF0EB-321F-0749-B37A-89BBA859503C}" type="datetimeFigureOut">
               <a:rPr lang="en-US" smtClean="0"/>
               <a:pPr/>
-              <a:t>09/07/17</a:t>
+              <a:t>19/07/17</a:t>
             </a:fld>
             <a:endParaRPr lang="en-US" dirty="0"/>
           </a:p>
@@ -5025,6 +5026,13 @@
   <p:clrMapOvr>
     <a:masterClrMapping/>
   </p:clrMapOvr>
+  <p:timing>
+    <p:tnLst>
+      <p:par>
+        <p:cTn xmlns:p14="http://schemas.microsoft.com/office/powerpoint/2010/main" id="1" dur="indefinite" restart="never" nodeType="tmRoot"/>
+      </p:par>
+    </p:tnLst>
+  </p:timing>
 </p:sld>
 </file>
 
@@ -5173,6 +5181,13 @@
   <p:clrMapOvr>
     <a:masterClrMapping/>
   </p:clrMapOvr>
+  <p:timing>
+    <p:tnLst>
+      <p:par>
+        <p:cTn xmlns:p14="http://schemas.microsoft.com/office/powerpoint/2010/main" id="1" dur="indefinite" restart="never" nodeType="tmRoot"/>
+      </p:par>
+    </p:tnLst>
+  </p:timing>
 </p:sld>
 </file>
 
@@ -5525,6 +5540,13 @@
   <p:clrMapOvr>
     <a:masterClrMapping/>
   </p:clrMapOvr>
+  <p:timing>
+    <p:tnLst>
+      <p:par>
+        <p:cTn xmlns:p14="http://schemas.microsoft.com/office/powerpoint/2010/main" id="1" dur="indefinite" restart="never" nodeType="tmRoot"/>
+      </p:par>
+    </p:tnLst>
+  </p:timing>
 </p:sld>
 </file>
 
@@ -5666,6 +5688,13 @@
   <p:clrMapOvr>
     <a:masterClrMapping/>
   </p:clrMapOvr>
+  <p:timing>
+    <p:tnLst>
+      <p:par>
+        <p:cTn xmlns:p14="http://schemas.microsoft.com/office/powerpoint/2010/main" id="1" dur="indefinite" restart="never" nodeType="tmRoot"/>
+      </p:par>
+    </p:tnLst>
+  </p:timing>
 </p:sld>
 </file>
 
@@ -5777,6 +5806,13 @@
   <p:clrMapOvr>
     <a:masterClrMapping/>
   </p:clrMapOvr>
+  <p:timing>
+    <p:tnLst>
+      <p:par>
+        <p:cTn xmlns:p14="http://schemas.microsoft.com/office/powerpoint/2010/main" id="1" dur="indefinite" restart="never" nodeType="tmRoot"/>
+      </p:par>
+    </p:tnLst>
+  </p:timing>
 </p:sld>
 </file>
 
@@ -6221,6 +6257,13 @@
   <p:clrMapOvr>
     <a:masterClrMapping/>
   </p:clrMapOvr>
+  <p:timing>
+    <p:tnLst>
+      <p:par>
+        <p:cTn xmlns:p14="http://schemas.microsoft.com/office/powerpoint/2010/main" id="1" dur="indefinite" restart="never" nodeType="tmRoot"/>
+      </p:par>
+    </p:tnLst>
+  </p:timing>
 </p:sld>
 </file>
 
@@ -6275,6 +6318,13 @@
   <p:clrMapOvr>
     <a:masterClrMapping/>
   </p:clrMapOvr>
+  <p:timing>
+    <p:tnLst>
+      <p:par>
+        <p:cTn xmlns:p14="http://schemas.microsoft.com/office/powerpoint/2010/main" id="1" dur="indefinite" restart="never" nodeType="tmRoot"/>
+      </p:par>
+    </p:tnLst>
+  </p:timing>
 </p:sld>
 </file>
 
@@ -6329,6 +6379,13 @@
   <p:clrMapOvr>
     <a:masterClrMapping/>
   </p:clrMapOvr>
+  <p:timing>
+    <p:tnLst>
+      <p:par>
+        <p:cTn xmlns:p14="http://schemas.microsoft.com/office/powerpoint/2010/main" id="1" dur="indefinite" restart="never" nodeType="tmRoot"/>
+      </p:par>
+    </p:tnLst>
+  </p:timing>
 </p:sld>
 </file>
 
@@ -6383,6 +6440,13 @@
   <p:clrMapOvr>
     <a:masterClrMapping/>
   </p:clrMapOvr>
+  <p:timing>
+    <p:tnLst>
+      <p:par>
+        <p:cTn xmlns:p14="http://schemas.microsoft.com/office/powerpoint/2010/main" id="1" dur="indefinite" restart="never" nodeType="tmRoot"/>
+      </p:par>
+    </p:tnLst>
+  </p:timing>
 </p:sld>
 </file>
 
@@ -7849,6 +7913,13 @@
   <p:clrMapOvr>
     <a:masterClrMapping/>
   </p:clrMapOvr>
+  <p:timing>
+    <p:tnLst>
+      <p:par>
+        <p:cTn xmlns:p14="http://schemas.microsoft.com/office/powerpoint/2010/main" id="1" dur="indefinite" restart="never" nodeType="tmRoot"/>
+      </p:par>
+    </p:tnLst>
+  </p:timing>
 </p:sld>
 </file>
 
@@ -8368,6 +8439,13 @@
   <p:clrMapOvr>
     <a:masterClrMapping/>
   </p:clrMapOvr>
+  <p:timing>
+    <p:tnLst>
+      <p:par>
+        <p:cTn xmlns:p14="http://schemas.microsoft.com/office/powerpoint/2010/main" id="1" dur="indefinite" restart="never" nodeType="tmRoot"/>
+      </p:par>
+    </p:tnLst>
+  </p:timing>
 </p:sld>
 </file>
 
@@ -8524,6 +8602,13 @@
   <p:clrMapOvr>
     <a:masterClrMapping/>
   </p:clrMapOvr>
+  <p:timing>
+    <p:tnLst>
+      <p:par>
+        <p:cTn xmlns:p14="http://schemas.microsoft.com/office/powerpoint/2010/main" id="1" dur="indefinite" restart="never" nodeType="tmRoot"/>
+      </p:par>
+    </p:tnLst>
+  </p:timing>
 </p:sld>
 </file>
 
@@ -8556,89 +8641,174 @@
         </p:nvSpPr>
         <p:spPr/>
         <p:txBody>
-          <a:bodyPr>
-            <a:normAutofit/>
-          </a:bodyPr>
-          <a:lstStyle/>
-          <a:p>
-            <a:r>
-              <a:rPr lang="en-US" dirty="0" smtClean="0"/>
-              <a:t>Spark packages</a:t>
-            </a:r>
-            <a:endParaRPr lang="en-US" dirty="0"/>
-          </a:p>
-        </p:txBody>
-      </p:sp>
-      <p:sp>
-        <p:nvSpPr>
-          <p:cNvPr id="3" name="Content Placeholder 2"/>
-          <p:cNvSpPr>
-            <a:spLocks noGrp="1"/>
-          </p:cNvSpPr>
-          <p:nvPr>
-            <p:ph idx="1"/>
-          </p:nvPr>
-        </p:nvSpPr>
-        <p:spPr/>
-        <p:txBody>
           <a:bodyPr/>
           <a:lstStyle/>
           <a:p>
             <a:r>
               <a:rPr lang="en-US" dirty="0" smtClean="0"/>
-              <a:t>A wide set of plugins</a:t>
-            </a:r>
-          </a:p>
-          <a:p>
-            <a:pPr lvl="1"/>
-            <a:r>
-              <a:rPr lang="en-US" dirty="0" smtClean="0"/>
-              <a:t>Currently 148 community donated plugins</a:t>
-            </a:r>
-          </a:p>
-          <a:p>
-            <a:r>
-              <a:rPr lang="en-US" dirty="0" smtClean="0"/>
-              <a:t> Data connectors	</a:t>
-            </a:r>
-          </a:p>
-          <a:p>
-            <a:pPr lvl="1"/>
-            <a:r>
-              <a:rPr lang="en-US" dirty="0" smtClean="0"/>
-              <a:t>Cassandra, </a:t>
-            </a:r>
+              <a:t>More SQL</a:t>
+            </a:r>
+            <a:endParaRPr lang="en-US" dirty="0"/>
+          </a:p>
+        </p:txBody>
+      </p:sp>
+      <p:sp>
+        <p:nvSpPr>
+          <p:cNvPr id="3" name="Content Placeholder 2"/>
+          <p:cNvSpPr>
+            <a:spLocks noGrp="1"/>
+          </p:cNvSpPr>
+          <p:nvPr>
+            <p:ph idx="1"/>
+          </p:nvPr>
+        </p:nvSpPr>
+        <p:spPr/>
+        <p:txBody>
+          <a:bodyPr/>
+          <a:lstStyle/>
+          <a:p>
+            <a:pPr marL="0" indent="0">
+              <a:buNone/>
+            </a:pPr>
             <a:r>
               <a:rPr lang="en-US" dirty="0" err="1" smtClean="0"/>
-              <a:t>Couchbase</a:t>
-            </a:r>
-            <a:r>
-              <a:rPr lang="en-US" dirty="0" smtClean="0"/>
-              <a:t>, Mongo, CSV, </a:t>
+              <a:t>df</a:t>
+            </a:r>
+            <a:r>
+              <a:rPr lang="en-US" dirty="0" smtClean="0"/>
+              <a:t>.</a:t>
+            </a:r>
+            <a:br>
+              <a:rPr lang="en-US" dirty="0" smtClean="0"/>
+            </a:br>
+            <a:r>
+              <a:rPr lang="en-US" dirty="0" smtClean="0"/>
+              <a:t>  select('</a:t>
             </a:r>
             <a:r>
               <a:rPr lang="en-US" dirty="0" err="1" smtClean="0"/>
-              <a:t>etc</a:t>
-            </a:r>
-            <a:endParaRPr lang="en-US" dirty="0" smtClean="0"/>
-          </a:p>
-          <a:p>
-            <a:r>
-              <a:rPr lang="en-US" dirty="0" smtClean="0"/>
-              <a:t>Machine Learning, Neural networks</a:t>
-            </a:r>
-          </a:p>
-          <a:p>
-            <a:r>
-              <a:rPr lang="en-US" dirty="0" smtClean="0"/>
-              <a:t>Streaming</a:t>
-            </a:r>
-          </a:p>
-          <a:p>
+              <a:t>postcode’,’id</a:t>
+            </a:r>
+            <a:r>
+              <a:rPr lang="en-US" dirty="0" smtClean="0"/>
+              <a:t>').</a:t>
+            </a:r>
+            <a:br>
+              <a:rPr lang="en-US" dirty="0" smtClean="0"/>
+            </a:br>
+            <a:r>
+              <a:rPr lang="en-US" dirty="0" smtClean="0"/>
+              <a:t>  </a:t>
+            </a:r>
             <a:r>
               <a:rPr lang="en-US" dirty="0" err="1" smtClean="0"/>
-              <a:t>etc</a:t>
-            </a:r>
+              <a:t>withColumn</a:t>
+            </a:r>
+            <a:r>
+              <a:rPr lang="en-US" dirty="0" smtClean="0"/>
+              <a:t>('</a:t>
+            </a:r>
+            <a:r>
+              <a:rPr lang="en-US" dirty="0" err="1" smtClean="0"/>
+              <a:t>first_pc</a:t>
+            </a:r>
+            <a:r>
+              <a:rPr lang="en-US" dirty="0" smtClean="0"/>
+              <a:t>', </a:t>
+            </a:r>
+            <a:br>
+              <a:rPr lang="en-US" dirty="0" smtClean="0"/>
+            </a:br>
+            <a:r>
+              <a:rPr lang="en-US" dirty="0" smtClean="0"/>
+              <a:t>    split(</a:t>
+            </a:r>
+            <a:r>
+              <a:rPr lang="en-US" dirty="0" err="1" smtClean="0"/>
+              <a:t>df.postcode</a:t>
+            </a:r>
+            <a:r>
+              <a:rPr lang="en-US" dirty="0" smtClean="0"/>
+              <a:t>, '\s’[0]).</a:t>
+            </a:r>
+            <a:br>
+              <a:rPr lang="en-US" dirty="0" smtClean="0"/>
+            </a:br>
+            <a:r>
+              <a:rPr lang="en-US" dirty="0" smtClean="0"/>
+              <a:t>    where((col("</a:t>
+            </a:r>
+            <a:r>
+              <a:rPr lang="en-US" dirty="0" err="1" smtClean="0"/>
+              <a:t>first_pc</a:t>
+            </a:r>
+            <a:r>
+              <a:rPr lang="en-US" dirty="0" smtClean="0"/>
+              <a:t>") == 'SW11') or  </a:t>
+            </a:r>
+            <a:br>
+              <a:rPr lang="en-US" dirty="0" smtClean="0"/>
+            </a:br>
+            <a:r>
+              <a:rPr lang="en-US" dirty="0" smtClean="0"/>
+              <a:t>                 (col("</a:t>
+            </a:r>
+            <a:r>
+              <a:rPr lang="en-US" dirty="0" err="1" smtClean="0"/>
+              <a:t>first_pc</a:t>
+            </a:r>
+            <a:r>
+              <a:rPr lang="en-US" dirty="0" smtClean="0"/>
+              <a:t>") == 'OX1')).</a:t>
+            </a:r>
+            <a:br>
+              <a:rPr lang="en-US" dirty="0" smtClean="0"/>
+            </a:br>
+            <a:r>
+              <a:rPr lang="en-US" dirty="0" smtClean="0"/>
+              <a:t>     </a:t>
+            </a:r>
+            <a:r>
+              <a:rPr lang="en-US" dirty="0" err="1" smtClean="0"/>
+              <a:t>groupBy</a:t>
+            </a:r>
+            <a:r>
+              <a:rPr lang="en-US" dirty="0" smtClean="0"/>
+              <a:t>('</a:t>
+            </a:r>
+            <a:r>
+              <a:rPr lang="en-US" dirty="0" err="1" smtClean="0"/>
+              <a:t>first_pc</a:t>
+            </a:r>
+            <a:r>
+              <a:rPr lang="en-US" dirty="0" smtClean="0"/>
+              <a:t>').</a:t>
+            </a:r>
+            <a:br>
+              <a:rPr lang="en-US" dirty="0" smtClean="0"/>
+            </a:br>
+            <a:r>
+              <a:rPr lang="en-US" dirty="0" smtClean="0"/>
+              <a:t>     </a:t>
+            </a:r>
+            <a:r>
+              <a:rPr lang="en-US" dirty="0" err="1" smtClean="0"/>
+              <a:t>agg</a:t>
+            </a:r>
+            <a:r>
+              <a:rPr lang="en-US" dirty="0" smtClean="0"/>
+              <a:t>({"id": "count"})</a:t>
+            </a:r>
+            <a:r>
+              <a:rPr lang="en-US" smtClean="0"/>
+              <a:t>.show(</a:t>
+            </a:r>
+            <a:r>
+              <a:rPr lang="en-US" dirty="0" smtClean="0"/>
+              <a:t>)</a:t>
+            </a:r>
+          </a:p>
+          <a:p>
             <a:endParaRPr lang="en-US" dirty="0"/>
           </a:p>
         </p:txBody>
@@ -8646,7 +8816,7 @@
     </p:spTree>
     <p:extLst>
       <p:ext uri="{BB962C8B-B14F-4D97-AF65-F5344CB8AC3E}">
-        <p14:creationId xmlns:p14="http://schemas.microsoft.com/office/powerpoint/2010/main" val="2454011762"/>
+        <p14:creationId xmlns:p14="http://schemas.microsoft.com/office/powerpoint/2010/main" val="752523419"/>
       </p:ext>
     </p:extLst>
   </p:cSld>
@@ -8692,85 +8862,97 @@
         </p:nvSpPr>
         <p:spPr/>
         <p:txBody>
+          <a:bodyPr>
+            <a:normAutofit/>
+          </a:bodyPr>
+          <a:lstStyle/>
+          <a:p>
+            <a:r>
+              <a:rPr lang="en-US" dirty="0" smtClean="0"/>
+              <a:t>Spark packages</a:t>
+            </a:r>
+            <a:endParaRPr lang="en-US" dirty="0"/>
+          </a:p>
+        </p:txBody>
+      </p:sp>
+      <p:sp>
+        <p:nvSpPr>
+          <p:cNvPr id="3" name="Content Placeholder 2"/>
+          <p:cNvSpPr>
+            <a:spLocks noGrp="1"/>
+          </p:cNvSpPr>
+          <p:nvPr>
+            <p:ph idx="1"/>
+          </p:nvPr>
+        </p:nvSpPr>
+        <p:spPr/>
+        <p:txBody>
           <a:bodyPr/>
           <a:lstStyle/>
           <a:p>
             <a:r>
               <a:rPr lang="en-US" dirty="0" smtClean="0"/>
-              <a:t>Using Spark Packages</a:t>
+              <a:t>A wide set of plugins</a:t>
+            </a:r>
+          </a:p>
+          <a:p>
+            <a:pPr lvl="1"/>
+            <a:r>
+              <a:rPr lang="en-US" dirty="0" smtClean="0"/>
+              <a:t>Currently 148 community donated plugins</a:t>
+            </a:r>
+          </a:p>
+          <a:p>
+            <a:r>
+              <a:rPr lang="en-US" dirty="0" smtClean="0"/>
+              <a:t> Data connectors	</a:t>
+            </a:r>
+          </a:p>
+          <a:p>
+            <a:pPr lvl="1"/>
+            <a:r>
+              <a:rPr lang="en-US" dirty="0" smtClean="0"/>
+              <a:t>Cassandra, </a:t>
+            </a:r>
+            <a:r>
+              <a:rPr lang="en-US" dirty="0" err="1" smtClean="0"/>
+              <a:t>Couchbase</a:t>
+            </a:r>
+            <a:r>
+              <a:rPr lang="en-US" dirty="0" smtClean="0"/>
+              <a:t>, Mongo, CSV, </a:t>
+            </a:r>
+            <a:r>
+              <a:rPr lang="en-US" dirty="0" err="1" smtClean="0"/>
+              <a:t>etc</a:t>
+            </a:r>
+            <a:endParaRPr lang="en-US" dirty="0" smtClean="0"/>
+          </a:p>
+          <a:p>
+            <a:r>
+              <a:rPr lang="en-US" dirty="0" smtClean="0"/>
+              <a:t>Machine Learning, Neural networks</a:t>
+            </a:r>
+          </a:p>
+          <a:p>
+            <a:r>
+              <a:rPr lang="en-US" dirty="0" smtClean="0"/>
+              <a:t>Streaming</a:t>
+            </a:r>
+          </a:p>
+          <a:p>
+            <a:r>
+              <a:rPr lang="en-US" dirty="0" err="1" smtClean="0"/>
+              <a:t>etc</a:t>
             </a:r>
             <a:endParaRPr lang="en-US" dirty="0"/>
-          </a:p>
-        </p:txBody>
-      </p:sp>
-      <p:sp>
-        <p:nvSpPr>
-          <p:cNvPr id="3" name="Content Placeholder 2"/>
-          <p:cNvSpPr>
-            <a:spLocks noGrp="1"/>
-          </p:cNvSpPr>
-          <p:nvPr>
-            <p:ph idx="1"/>
-          </p:nvPr>
-        </p:nvSpPr>
-        <p:spPr/>
-        <p:txBody>
-          <a:bodyPr/>
-          <a:lstStyle/>
-          <a:p>
-            <a:pPr marL="0" indent="0">
-              <a:buNone/>
-            </a:pPr>
-            <a:r>
-              <a:rPr lang="en-US" dirty="0" smtClean="0"/>
-              <a:t>Automatic download from the web:</a:t>
-            </a:r>
-          </a:p>
-          <a:p>
-            <a:pPr marL="0" indent="0">
-              <a:buNone/>
-            </a:pPr>
-            <a:endParaRPr lang="en-US" dirty="0"/>
-          </a:p>
-          <a:p>
-            <a:pPr marL="0" indent="0">
-              <a:buNone/>
-            </a:pPr>
-            <a:endParaRPr lang="en-US" dirty="0" smtClean="0"/>
-          </a:p>
-          <a:p>
-            <a:pPr marL="0" indent="0">
-              <a:buNone/>
-            </a:pPr>
-            <a:r>
-              <a:rPr lang="en-US" sz="2400" dirty="0" smtClean="0"/>
-              <a:t>bin</a:t>
-            </a:r>
-            <a:r>
-              <a:rPr lang="en-US" sz="2400" dirty="0"/>
-              <a:t>/spark-shell </a:t>
-            </a:r>
-            <a:endParaRPr lang="en-US" sz="2400" dirty="0" smtClean="0"/>
-          </a:p>
-          <a:p>
-            <a:pPr marL="457200" lvl="1" indent="0">
-              <a:buNone/>
-            </a:pPr>
-            <a:r>
-              <a:rPr lang="en-US" sz="2400" dirty="0" smtClean="0"/>
-              <a:t>-</a:t>
-            </a:r>
-            <a:r>
-              <a:rPr lang="en-US" sz="2400" dirty="0"/>
-              <a:t>-packages com.databricks:spark-csv_2.11:1.2.0</a:t>
-            </a:r>
           </a:p>
         </p:txBody>
       </p:sp>
     </p:spTree>
     <p:extLst>
       <p:ext uri="{BB962C8B-B14F-4D97-AF65-F5344CB8AC3E}">
-        <p14:creationId xmlns:p14="http://schemas.microsoft.com/office/powerpoint/2010/main" val="2390105459"/>
+        <p14:creationId xmlns:p14="http://schemas.microsoft.com/office/powerpoint/2010/main" val="2454011762"/>
       </p:ext>
     </p:extLst>
   </p:cSld>
@@ -8821,6 +9003,130 @@
           <a:p>
             <a:r>
               <a:rPr lang="en-US" dirty="0" smtClean="0"/>
+              <a:t>Using Spark Packages</a:t>
+            </a:r>
+            <a:endParaRPr lang="en-US" dirty="0"/>
+          </a:p>
+        </p:txBody>
+      </p:sp>
+      <p:sp>
+        <p:nvSpPr>
+          <p:cNvPr id="3" name="Content Placeholder 2"/>
+          <p:cNvSpPr>
+            <a:spLocks noGrp="1"/>
+          </p:cNvSpPr>
+          <p:nvPr>
+            <p:ph idx="1"/>
+          </p:nvPr>
+        </p:nvSpPr>
+        <p:spPr/>
+        <p:txBody>
+          <a:bodyPr/>
+          <a:lstStyle/>
+          <a:p>
+            <a:pPr marL="0" indent="0">
+              <a:buNone/>
+            </a:pPr>
+            <a:r>
+              <a:rPr lang="en-US" dirty="0" smtClean="0"/>
+              <a:t>Automatic download from the web:</a:t>
+            </a:r>
+          </a:p>
+          <a:p>
+            <a:pPr marL="0" indent="0">
+              <a:buNone/>
+            </a:pPr>
+            <a:endParaRPr lang="en-US" dirty="0"/>
+          </a:p>
+          <a:p>
+            <a:pPr marL="0" indent="0">
+              <a:buNone/>
+            </a:pPr>
+            <a:endParaRPr lang="en-US" dirty="0" smtClean="0"/>
+          </a:p>
+          <a:p>
+            <a:pPr marL="0" indent="0">
+              <a:buNone/>
+            </a:pPr>
+            <a:r>
+              <a:rPr lang="en-US" sz="2400" dirty="0" smtClean="0"/>
+              <a:t>bin</a:t>
+            </a:r>
+            <a:r>
+              <a:rPr lang="en-US" sz="2400" dirty="0"/>
+              <a:t>/spark-shell </a:t>
+            </a:r>
+            <a:endParaRPr lang="en-US" sz="2400" dirty="0" smtClean="0"/>
+          </a:p>
+          <a:p>
+            <a:pPr marL="457200" lvl="1" indent="0">
+              <a:buNone/>
+            </a:pPr>
+            <a:r>
+              <a:rPr lang="en-US" sz="2400" dirty="0" smtClean="0"/>
+              <a:t>-</a:t>
+            </a:r>
+            <a:r>
+              <a:rPr lang="en-US" sz="2400" dirty="0"/>
+              <a:t>-packages com.databricks:spark-csv_2.11:1.2.0</a:t>
+            </a:r>
+          </a:p>
+        </p:txBody>
+      </p:sp>
+    </p:spTree>
+    <p:extLst>
+      <p:ext uri="{BB962C8B-B14F-4D97-AF65-F5344CB8AC3E}">
+        <p14:creationId xmlns:p14="http://schemas.microsoft.com/office/powerpoint/2010/main" val="2390105459"/>
+      </p:ext>
+    </p:extLst>
+  </p:cSld>
+  <p:clrMapOvr>
+    <a:masterClrMapping/>
+  </p:clrMapOvr>
+  <p:timing>
+    <p:tnLst>
+      <p:par>
+        <p:cTn xmlns:p14="http://schemas.microsoft.com/office/powerpoint/2010/main" id="1" dur="indefinite" restart="never" nodeType="tmRoot"/>
+      </p:par>
+    </p:tnLst>
+  </p:timing>
+</p:sld>
+</file>
+
+<file path=ppt/slides/slide38.xml><?xml version="1.0" encoding="utf-8"?>
+<p:sld xmlns:a="http://schemas.openxmlformats.org/drawingml/2006/main" xmlns:r="http://schemas.openxmlformats.org/officeDocument/2006/relationships" xmlns:p="http://schemas.openxmlformats.org/presentationml/2006/main">
+  <p:cSld>
+    <p:spTree>
+      <p:nvGrpSpPr>
+        <p:cNvPr id="1" name=""/>
+        <p:cNvGrpSpPr/>
+        <p:nvPr/>
+      </p:nvGrpSpPr>
+      <p:grpSpPr>
+        <a:xfrm>
+          <a:off x="0" y="0"/>
+          <a:ext cx="0" cy="0"/>
+          <a:chOff x="0" y="0"/>
+          <a:chExt cx="0" cy="0"/>
+        </a:xfrm>
+      </p:grpSpPr>
+      <p:sp>
+        <p:nvSpPr>
+          <p:cNvPr id="2" name="Title 1"/>
+          <p:cNvSpPr>
+            <a:spLocks noGrp="1"/>
+          </p:cNvSpPr>
+          <p:nvPr>
+            <p:ph type="title"/>
+          </p:nvPr>
+        </p:nvSpPr>
+        <p:spPr/>
+        <p:txBody>
+          <a:bodyPr/>
+          <a:lstStyle/>
+          <a:p>
+            <a:r>
+              <a:rPr lang="en-US" dirty="0" smtClean="0"/>
               <a:t>Notebooks</a:t>
             </a:r>
             <a:endParaRPr lang="en-US" dirty="0"/>
@@ -8921,10 +9227,17 @@
   <p:clrMapOvr>
     <a:masterClrMapping/>
   </p:clrMapOvr>
+  <p:timing>
+    <p:tnLst>
+      <p:par>
+        <p:cTn xmlns:p14="http://schemas.microsoft.com/office/powerpoint/2010/main" id="1" dur="indefinite" restart="never" nodeType="tmRoot"/>
+      </p:par>
+    </p:tnLst>
+  </p:timing>
 </p:sld>
 </file>
 
-<file path=ppt/slides/slide38.xml><?xml version="1.0" encoding="utf-8"?>
+<file path=ppt/slides/slide39.xml><?xml version="1.0" encoding="utf-8"?>
 <p:sld xmlns:a="http://schemas.openxmlformats.org/drawingml/2006/main" xmlns:r="http://schemas.openxmlformats.org/officeDocument/2006/relationships" xmlns:p="http://schemas.openxmlformats.org/presentationml/2006/main">
   <p:cSld>
     <p:spTree>
@@ -8992,59 +9305,6 @@
     <p:extLst>
       <p:ext uri="{BB962C8B-B14F-4D97-AF65-F5344CB8AC3E}">
         <p14:creationId xmlns:p14="http://schemas.microsoft.com/office/powerpoint/2010/main" val="1412177931"/>
-      </p:ext>
-    </p:extLst>
-  </p:cSld>
-  <p:clrMapOvr>
-    <a:masterClrMapping/>
-  </p:clrMapOvr>
-</p:sld>
-</file>
-
-<file path=ppt/slides/slide39.xml><?xml version="1.0" encoding="utf-8"?>
-<p:sld xmlns:a="http://schemas.openxmlformats.org/drawingml/2006/main" xmlns:r="http://schemas.openxmlformats.org/officeDocument/2006/relationships" xmlns:p="http://schemas.openxmlformats.org/presentationml/2006/main">
-  <p:cSld>
-    <p:spTree>
-      <p:nvGrpSpPr>
-        <p:cNvPr id="1" name=""/>
-        <p:cNvGrpSpPr/>
-        <p:nvPr/>
-      </p:nvGrpSpPr>
-      <p:grpSpPr>
-        <a:xfrm>
-          <a:off x="0" y="0"/>
-          <a:ext cx="0" cy="0"/>
-          <a:chOff x="0" y="0"/>
-          <a:chExt cx="0" cy="0"/>
-        </a:xfrm>
-      </p:grpSpPr>
-      <p:sp>
-        <p:nvSpPr>
-          <p:cNvPr id="2" name="Title 1"/>
-          <p:cNvSpPr>
-            <a:spLocks noGrp="1"/>
-          </p:cNvSpPr>
-          <p:nvPr>
-            <p:ph type="title"/>
-          </p:nvPr>
-        </p:nvSpPr>
-        <p:spPr/>
-        <p:txBody>
-          <a:bodyPr/>
-          <a:lstStyle/>
-          <a:p>
-            <a:r>
-              <a:rPr lang="en-US" dirty="0" smtClean="0"/>
-              <a:t>Time for a lab!</a:t>
-            </a:r>
-            <a:endParaRPr lang="en-US" dirty="0"/>
-          </a:p>
-        </p:txBody>
-      </p:sp>
-    </p:spTree>
-    <p:extLst>
-      <p:ext uri="{BB962C8B-B14F-4D97-AF65-F5344CB8AC3E}">
-        <p14:creationId xmlns:p14="http://schemas.microsoft.com/office/powerpoint/2010/main" val="816383995"/>
       </p:ext>
     </p:extLst>
   </p:cSld>
@@ -9659,51 +9919,7 @@
           <a:p>
             <a:r>
               <a:rPr lang="en-US" dirty="0" smtClean="0"/>
-              <a:t>Locality</a:t>
-            </a:r>
-            <a:endParaRPr lang="en-US" dirty="0"/>
-          </a:p>
-        </p:txBody>
-      </p:sp>
-      <p:sp>
-        <p:nvSpPr>
-          <p:cNvPr id="3" name="Content Placeholder 2"/>
-          <p:cNvSpPr>
-            <a:spLocks noGrp="1"/>
-          </p:cNvSpPr>
-          <p:nvPr>
-            <p:ph idx="1"/>
-          </p:nvPr>
-        </p:nvSpPr>
-        <p:spPr/>
-        <p:txBody>
-          <a:bodyPr/>
-          <a:lstStyle/>
-          <a:p>
-            <a:r>
-              <a:rPr lang="en-US" dirty="0" smtClean="0"/>
-              <a:t>Spark understands the locality of data:</a:t>
-            </a:r>
-          </a:p>
-          <a:p>
-            <a:pPr lvl="1"/>
-            <a:r>
-              <a:rPr lang="en-US" dirty="0" smtClean="0"/>
-              <a:t>Already in memory</a:t>
-            </a:r>
-          </a:p>
-          <a:p>
-            <a:pPr lvl="1"/>
-            <a:r>
-              <a:rPr lang="en-US" dirty="0" smtClean="0"/>
-              <a:t>HDFS location</a:t>
-            </a:r>
-          </a:p>
-          <a:p>
-            <a:pPr lvl="1"/>
-            <a:r>
-              <a:rPr lang="en-US" dirty="0" smtClean="0"/>
-              <a:t>Cassandra location</a:t>
+              <a:t>Time for a lab!</a:t>
             </a:r>
             <a:endParaRPr lang="en-US" dirty="0"/>
           </a:p>
@@ -9712,7 +9928,7 @@
     </p:spTree>
     <p:extLst>
       <p:ext uri="{BB962C8B-B14F-4D97-AF65-F5344CB8AC3E}">
-        <p14:creationId xmlns:p14="http://schemas.microsoft.com/office/powerpoint/2010/main" val="546616968"/>
+        <p14:creationId xmlns:p14="http://schemas.microsoft.com/office/powerpoint/2010/main" val="816383995"/>
       </p:ext>
     </p:extLst>
   </p:cSld>
@@ -9763,6 +9979,110 @@
           <a:p>
             <a:r>
               <a:rPr lang="en-US" dirty="0" smtClean="0"/>
+              <a:t>Locality</a:t>
+            </a:r>
+            <a:endParaRPr lang="en-US" dirty="0"/>
+          </a:p>
+        </p:txBody>
+      </p:sp>
+      <p:sp>
+        <p:nvSpPr>
+          <p:cNvPr id="3" name="Content Placeholder 2"/>
+          <p:cNvSpPr>
+            <a:spLocks noGrp="1"/>
+          </p:cNvSpPr>
+          <p:nvPr>
+            <p:ph idx="1"/>
+          </p:nvPr>
+        </p:nvSpPr>
+        <p:spPr/>
+        <p:txBody>
+          <a:bodyPr/>
+          <a:lstStyle/>
+          <a:p>
+            <a:r>
+              <a:rPr lang="en-US" dirty="0" smtClean="0"/>
+              <a:t>Spark understands the locality of data:</a:t>
+            </a:r>
+          </a:p>
+          <a:p>
+            <a:pPr lvl="1"/>
+            <a:r>
+              <a:rPr lang="en-US" dirty="0" smtClean="0"/>
+              <a:t>Already in memory</a:t>
+            </a:r>
+          </a:p>
+          <a:p>
+            <a:pPr lvl="1"/>
+            <a:r>
+              <a:rPr lang="en-US" dirty="0" smtClean="0"/>
+              <a:t>HDFS location</a:t>
+            </a:r>
+          </a:p>
+          <a:p>
+            <a:pPr lvl="1"/>
+            <a:r>
+              <a:rPr lang="en-US" dirty="0" smtClean="0"/>
+              <a:t>Cassandra location</a:t>
+            </a:r>
+            <a:endParaRPr lang="en-US" dirty="0"/>
+          </a:p>
+        </p:txBody>
+      </p:sp>
+    </p:spTree>
+    <p:extLst>
+      <p:ext uri="{BB962C8B-B14F-4D97-AF65-F5344CB8AC3E}">
+        <p14:creationId xmlns:p14="http://schemas.microsoft.com/office/powerpoint/2010/main" val="546616968"/>
+      </p:ext>
+    </p:extLst>
+  </p:cSld>
+  <p:clrMapOvr>
+    <a:masterClrMapping/>
+  </p:clrMapOvr>
+  <p:timing>
+    <p:tnLst>
+      <p:par>
+        <p:cTn xmlns:p14="http://schemas.microsoft.com/office/powerpoint/2010/main" id="1" dur="indefinite" restart="never" nodeType="tmRoot"/>
+      </p:par>
+    </p:tnLst>
+  </p:timing>
+</p:sld>
+</file>
+
+<file path=ppt/slides/slide42.xml><?xml version="1.0" encoding="utf-8"?>
+<p:sld xmlns:a="http://schemas.openxmlformats.org/drawingml/2006/main" xmlns:r="http://schemas.openxmlformats.org/officeDocument/2006/relationships" xmlns:p="http://schemas.openxmlformats.org/presentationml/2006/main">
+  <p:cSld>
+    <p:spTree>
+      <p:nvGrpSpPr>
+        <p:cNvPr id="1" name=""/>
+        <p:cNvGrpSpPr/>
+        <p:nvPr/>
+      </p:nvGrpSpPr>
+      <p:grpSpPr>
+        <a:xfrm>
+          <a:off x="0" y="0"/>
+          <a:ext cx="0" cy="0"/>
+          <a:chOff x="0" y="0"/>
+          <a:chExt cx="0" cy="0"/>
+        </a:xfrm>
+      </p:grpSpPr>
+      <p:sp>
+        <p:nvSpPr>
+          <p:cNvPr id="2" name="Title 1"/>
+          <p:cNvSpPr>
+            <a:spLocks noGrp="1"/>
+          </p:cNvSpPr>
+          <p:nvPr>
+            <p:ph type="title"/>
+          </p:nvPr>
+        </p:nvSpPr>
+        <p:spPr/>
+        <p:txBody>
+          <a:bodyPr/>
+          <a:lstStyle/>
+          <a:p>
+            <a:r>
+              <a:rPr lang="en-US" dirty="0" smtClean="0"/>
               <a:t>Spark Extras</a:t>
             </a:r>
             <a:endParaRPr lang="en-US" dirty="0"/>
@@ -10070,141 +10390,13 @@
   <p:clrMapOvr>
     <a:masterClrMapping/>
   </p:clrMapOvr>
-</p:sld>
-</file>
-
-<file path=ppt/slides/slide42.xml><?xml version="1.0" encoding="utf-8"?>
-<p:sld xmlns:a="http://schemas.openxmlformats.org/drawingml/2006/main" xmlns:r="http://schemas.openxmlformats.org/officeDocument/2006/relationships" xmlns:p="http://schemas.openxmlformats.org/presentationml/2006/main">
-  <p:cSld>
-    <p:spTree>
-      <p:nvGrpSpPr>
-        <p:cNvPr id="1" name=""/>
-        <p:cNvGrpSpPr/>
-        <p:nvPr/>
-      </p:nvGrpSpPr>
-      <p:grpSpPr>
-        <a:xfrm>
-          <a:off x="0" y="0"/>
-          <a:ext cx="0" cy="0"/>
-          <a:chOff x="0" y="0"/>
-          <a:chExt cx="0" cy="0"/>
-        </a:xfrm>
-      </p:grpSpPr>
-      <p:sp>
-        <p:nvSpPr>
-          <p:cNvPr id="2" name="Title 1"/>
-          <p:cNvSpPr>
-            <a:spLocks noGrp="1"/>
-          </p:cNvSpPr>
-          <p:nvPr>
-            <p:ph type="title"/>
-          </p:nvPr>
-        </p:nvSpPr>
-        <p:spPr/>
-        <p:txBody>
-          <a:bodyPr/>
-          <a:lstStyle/>
-          <a:p>
-            <a:r>
-              <a:rPr lang="en-US" dirty="0" smtClean="0"/>
-              <a:t>Spark Extras</a:t>
-            </a:r>
-            <a:endParaRPr lang="en-US" dirty="0"/>
-          </a:p>
-        </p:txBody>
-      </p:sp>
-      <p:sp>
-        <p:nvSpPr>
-          <p:cNvPr id="3" name="Content Placeholder 2"/>
-          <p:cNvSpPr>
-            <a:spLocks noGrp="1"/>
-          </p:cNvSpPr>
-          <p:nvPr>
-            <p:ph idx="1"/>
-          </p:nvPr>
-        </p:nvSpPr>
-        <p:spPr/>
-        <p:txBody>
-          <a:bodyPr>
-            <a:normAutofit/>
-          </a:bodyPr>
-          <a:lstStyle/>
-          <a:p>
-            <a:r>
-              <a:rPr lang="en-US" dirty="0" smtClean="0"/>
-              <a:t>Spark Streaming	</a:t>
-            </a:r>
-          </a:p>
-          <a:p>
-            <a:pPr lvl="1"/>
-            <a:r>
-              <a:rPr lang="en-US" dirty="0" err="1" smtClean="0"/>
-              <a:t>Realtime</a:t>
-            </a:r>
-            <a:r>
-              <a:rPr lang="en-US" dirty="0" smtClean="0"/>
-              <a:t> analysis in Spark</a:t>
-            </a:r>
-          </a:p>
-          <a:p>
-            <a:r>
-              <a:rPr lang="en-US" dirty="0" smtClean="0"/>
-              <a:t>Spark </a:t>
-            </a:r>
-            <a:r>
-              <a:rPr lang="en-US" dirty="0" err="1" smtClean="0"/>
-              <a:t>MLLib</a:t>
-            </a:r>
-            <a:endParaRPr lang="en-US" dirty="0" smtClean="0"/>
-          </a:p>
-          <a:p>
-            <a:pPr lvl="1"/>
-            <a:r>
-              <a:rPr lang="en-US" dirty="0" smtClean="0"/>
-              <a:t>Like Mahout – Machine learning in Spark</a:t>
-            </a:r>
-          </a:p>
-          <a:p>
-            <a:r>
-              <a:rPr lang="en-US" dirty="0" err="1" smtClean="0"/>
-              <a:t>GraphX</a:t>
-            </a:r>
-            <a:endParaRPr lang="en-US" dirty="0" smtClean="0"/>
-          </a:p>
-          <a:p>
-            <a:pPr lvl="1"/>
-            <a:r>
-              <a:rPr lang="en-US" dirty="0" smtClean="0"/>
-              <a:t>Graph processing in Spark</a:t>
-            </a:r>
-          </a:p>
-          <a:p>
-            <a:r>
-              <a:rPr lang="en-US" dirty="0" err="1" smtClean="0"/>
-              <a:t>SparkR</a:t>
-            </a:r>
-            <a:endParaRPr lang="en-US" dirty="0" smtClean="0"/>
-          </a:p>
-          <a:p>
-            <a:pPr lvl="1"/>
-            <a:r>
-              <a:rPr lang="en-US" dirty="0" smtClean="0"/>
-              <a:t>R statistical analysis on Spark</a:t>
-            </a:r>
-            <a:endParaRPr lang="en-US" dirty="0"/>
-          </a:p>
-        </p:txBody>
-      </p:sp>
-    </p:spTree>
-    <p:extLst>
-      <p:ext uri="{BB962C8B-B14F-4D97-AF65-F5344CB8AC3E}">
-        <p14:creationId xmlns:p14="http://schemas.microsoft.com/office/powerpoint/2010/main" val="2973337137"/>
-      </p:ext>
-    </p:extLst>
-  </p:cSld>
-  <p:clrMapOvr>
-    <a:masterClrMapping/>
-  </p:clrMapOvr>
+  <p:timing>
+    <p:tnLst>
+      <p:par>
+        <p:cTn xmlns:p14="http://schemas.microsoft.com/office/powerpoint/2010/main" id="1" dur="indefinite" restart="never" nodeType="tmRoot"/>
+      </p:par>
+    </p:tnLst>
+  </p:timing>
 </p:sld>
 </file>
 
@@ -10242,7 +10434,7 @@
           <a:p>
             <a:r>
               <a:rPr lang="en-US" dirty="0" smtClean="0"/>
-              <a:t>Spark MLlib</a:t>
+              <a:t>Spark Extras</a:t>
             </a:r>
             <a:endParaRPr lang="en-US" dirty="0"/>
           </a:p>
@@ -10261,66 +10453,70 @@
         <p:spPr/>
         <p:txBody>
           <a:bodyPr>
-            <a:normAutofit lnSpcReduction="10000"/>
+            <a:normAutofit/>
           </a:bodyPr>
           <a:lstStyle/>
           <a:p>
             <a:r>
               <a:rPr lang="en-US" dirty="0" smtClean="0"/>
-              <a:t>Simple stats and correlation testing</a:t>
-            </a:r>
-          </a:p>
-          <a:p>
-            <a:r>
-              <a:rPr lang="en-US" dirty="0" smtClean="0"/>
-              <a:t>Classification and regression</a:t>
-            </a:r>
-          </a:p>
-          <a:p>
-            <a:r>
-              <a:rPr lang="en-US" dirty="0" smtClean="0"/>
-              <a:t>Collaborative Filtering</a:t>
+              <a:t>Spark Streaming	</a:t>
             </a:r>
           </a:p>
           <a:p>
             <a:pPr lvl="1"/>
             <a:r>
-              <a:rPr lang="en-US" dirty="0" smtClean="0"/>
-              <a:t>Alternating Least Squares </a:t>
-            </a:r>
-          </a:p>
-          <a:p>
-            <a:r>
-              <a:rPr lang="en-US" dirty="0" smtClean="0"/>
-              <a:t>Clustering</a:t>
-            </a:r>
+              <a:rPr lang="en-US" dirty="0" err="1" smtClean="0"/>
+              <a:t>Realtime</a:t>
+            </a:r>
+            <a:r>
+              <a:rPr lang="en-US" dirty="0" smtClean="0"/>
+              <a:t> analysis in Spark</a:t>
+            </a:r>
+          </a:p>
+          <a:p>
+            <a:r>
+              <a:rPr lang="en-US" dirty="0" smtClean="0"/>
+              <a:t>Spark </a:t>
+            </a:r>
+            <a:r>
+              <a:rPr lang="en-US" dirty="0" err="1" smtClean="0"/>
+              <a:t>MLLib</a:t>
+            </a:r>
+            <a:endParaRPr lang="en-US" dirty="0" smtClean="0"/>
           </a:p>
           <a:p>
             <a:pPr lvl="1"/>
             <a:r>
-              <a:rPr lang="en-US" dirty="0"/>
-              <a:t>k</a:t>
-            </a:r>
-            <a:r>
-              <a:rPr lang="en-US" dirty="0" smtClean="0"/>
-              <a:t>-means, </a:t>
-            </a:r>
+              <a:rPr lang="en-US" dirty="0" smtClean="0"/>
+              <a:t>Like Mahout – Machine learning in Spark</a:t>
+            </a:r>
+          </a:p>
+          <a:p>
             <a:r>
               <a:rPr lang="en-US" dirty="0" err="1" smtClean="0"/>
-              <a:t>etc</a:t>
+              <a:t>GraphX</a:t>
             </a:r>
             <a:endParaRPr lang="en-US" dirty="0" smtClean="0"/>
           </a:p>
           <a:p>
-            <a:r>
-              <a:rPr lang="en-US" dirty="0" smtClean="0"/>
-              <a:t>Frequent Pattern Mining</a:t>
-            </a:r>
-          </a:p>
-          <a:p>
-            <a:r>
-              <a:rPr lang="en-US" dirty="0" smtClean="0"/>
-              <a:t>Plus more</a:t>
+            <a:pPr lvl="1"/>
+            <a:r>
+              <a:rPr lang="en-US" dirty="0" smtClean="0"/>
+              <a:t>Graph processing in Spark</a:t>
+            </a:r>
+          </a:p>
+          <a:p>
+            <a:r>
+              <a:rPr lang="en-US" dirty="0" err="1" smtClean="0"/>
+              <a:t>SparkR</a:t>
+            </a:r>
+            <a:endParaRPr lang="en-US" dirty="0" smtClean="0"/>
+          </a:p>
+          <a:p>
+            <a:pPr lvl="1"/>
+            <a:r>
+              <a:rPr lang="en-US" dirty="0" smtClean="0"/>
+              <a:t>R statistical analysis on Spark</a:t>
             </a:r>
             <a:endParaRPr lang="en-US" dirty="0"/>
           </a:p>
@@ -10329,13 +10525,20 @@
     </p:spTree>
     <p:extLst>
       <p:ext uri="{BB962C8B-B14F-4D97-AF65-F5344CB8AC3E}">
-        <p14:creationId xmlns:p14="http://schemas.microsoft.com/office/powerpoint/2010/main" val="3869310880"/>
+        <p14:creationId xmlns:p14="http://schemas.microsoft.com/office/powerpoint/2010/main" val="2973337137"/>
       </p:ext>
     </p:extLst>
   </p:cSld>
   <p:clrMapOvr>
     <a:masterClrMapping/>
   </p:clrMapOvr>
+  <p:timing>
+    <p:tnLst>
+      <p:par>
+        <p:cTn xmlns:p14="http://schemas.microsoft.com/office/powerpoint/2010/main" id="1" dur="indefinite" restart="never" nodeType="tmRoot"/>
+      </p:par>
+    </p:tnLst>
+  </p:timing>
 </p:sld>
 </file>
 
@@ -10373,6 +10576,144 @@
           <a:p>
             <a:r>
               <a:rPr lang="en-US" dirty="0" smtClean="0"/>
+              <a:t>Spark MLlib</a:t>
+            </a:r>
+            <a:endParaRPr lang="en-US" dirty="0"/>
+          </a:p>
+        </p:txBody>
+      </p:sp>
+      <p:sp>
+        <p:nvSpPr>
+          <p:cNvPr id="3" name="Content Placeholder 2"/>
+          <p:cNvSpPr>
+            <a:spLocks noGrp="1"/>
+          </p:cNvSpPr>
+          <p:nvPr>
+            <p:ph idx="1"/>
+          </p:nvPr>
+        </p:nvSpPr>
+        <p:spPr/>
+        <p:txBody>
+          <a:bodyPr>
+            <a:normAutofit lnSpcReduction="10000"/>
+          </a:bodyPr>
+          <a:lstStyle/>
+          <a:p>
+            <a:r>
+              <a:rPr lang="en-US" dirty="0" smtClean="0"/>
+              <a:t>Simple stats and correlation testing</a:t>
+            </a:r>
+          </a:p>
+          <a:p>
+            <a:r>
+              <a:rPr lang="en-US" dirty="0" smtClean="0"/>
+              <a:t>Classification and regression</a:t>
+            </a:r>
+          </a:p>
+          <a:p>
+            <a:r>
+              <a:rPr lang="en-US" dirty="0" smtClean="0"/>
+              <a:t>Collaborative Filtering</a:t>
+            </a:r>
+          </a:p>
+          <a:p>
+            <a:pPr lvl="1"/>
+            <a:r>
+              <a:rPr lang="en-US" dirty="0" smtClean="0"/>
+              <a:t>Alternating Least Squares </a:t>
+            </a:r>
+          </a:p>
+          <a:p>
+            <a:r>
+              <a:rPr lang="en-US" dirty="0" smtClean="0"/>
+              <a:t>Clustering</a:t>
+            </a:r>
+          </a:p>
+          <a:p>
+            <a:pPr lvl="1"/>
+            <a:r>
+              <a:rPr lang="en-US" dirty="0"/>
+              <a:t>k</a:t>
+            </a:r>
+            <a:r>
+              <a:rPr lang="en-US" dirty="0" smtClean="0"/>
+              <a:t>-means, </a:t>
+            </a:r>
+            <a:r>
+              <a:rPr lang="en-US" dirty="0" err="1" smtClean="0"/>
+              <a:t>etc</a:t>
+            </a:r>
+            <a:endParaRPr lang="en-US" dirty="0" smtClean="0"/>
+          </a:p>
+          <a:p>
+            <a:r>
+              <a:rPr lang="en-US" dirty="0" smtClean="0"/>
+              <a:t>Frequent Pattern Mining</a:t>
+            </a:r>
+          </a:p>
+          <a:p>
+            <a:r>
+              <a:rPr lang="en-US" dirty="0" smtClean="0"/>
+              <a:t>Plus more</a:t>
+            </a:r>
+            <a:endParaRPr lang="en-US" dirty="0"/>
+          </a:p>
+        </p:txBody>
+      </p:sp>
+    </p:spTree>
+    <p:extLst>
+      <p:ext uri="{BB962C8B-B14F-4D97-AF65-F5344CB8AC3E}">
+        <p14:creationId xmlns:p14="http://schemas.microsoft.com/office/powerpoint/2010/main" val="3869310880"/>
+      </p:ext>
+    </p:extLst>
+  </p:cSld>
+  <p:clrMapOvr>
+    <a:masterClrMapping/>
+  </p:clrMapOvr>
+  <p:timing>
+    <p:tnLst>
+      <p:par>
+        <p:cTn xmlns:p14="http://schemas.microsoft.com/office/powerpoint/2010/main" id="1" dur="indefinite" restart="never" nodeType="tmRoot"/>
+      </p:par>
+    </p:tnLst>
+  </p:timing>
+</p:sld>
+</file>
+
+<file path=ppt/slides/slide45.xml><?xml version="1.0" encoding="utf-8"?>
+<p:sld xmlns:a="http://schemas.openxmlformats.org/drawingml/2006/main" xmlns:r="http://schemas.openxmlformats.org/officeDocument/2006/relationships" xmlns:p="http://schemas.openxmlformats.org/presentationml/2006/main">
+  <p:cSld>
+    <p:spTree>
+      <p:nvGrpSpPr>
+        <p:cNvPr id="1" name=""/>
+        <p:cNvGrpSpPr/>
+        <p:nvPr/>
+      </p:nvGrpSpPr>
+      <p:grpSpPr>
+        <a:xfrm>
+          <a:off x="0" y="0"/>
+          <a:ext cx="0" cy="0"/>
+          <a:chOff x="0" y="0"/>
+          <a:chExt cx="0" cy="0"/>
+        </a:xfrm>
+      </p:grpSpPr>
+      <p:sp>
+        <p:nvSpPr>
+          <p:cNvPr id="2" name="Title 1"/>
+          <p:cNvSpPr>
+            <a:spLocks noGrp="1"/>
+          </p:cNvSpPr>
+          <p:nvPr>
+            <p:ph type="title"/>
+          </p:nvPr>
+        </p:nvSpPr>
+        <p:spPr/>
+        <p:txBody>
+          <a:bodyPr/>
+          <a:lstStyle/>
+          <a:p>
+            <a:r>
+              <a:rPr lang="en-US" dirty="0" smtClean="0"/>
               <a:t>MLlib example</a:t>
             </a:r>
             <a:endParaRPr lang="en-US" dirty="0"/>
@@ -10690,10 +11031,17 @@
   <p:clrMapOvr>
     <a:masterClrMapping/>
   </p:clrMapOvr>
+  <p:timing>
+    <p:tnLst>
+      <p:par>
+        <p:cTn xmlns:p14="http://schemas.microsoft.com/office/powerpoint/2010/main" id="1" dur="indefinite" restart="never" nodeType="tmRoot"/>
+      </p:par>
+    </p:tnLst>
+  </p:timing>
 </p:sld>
 </file>
 
-<file path=ppt/slides/slide45.xml><?xml version="1.0" encoding="utf-8"?>
+<file path=ppt/slides/slide46.xml><?xml version="1.0" encoding="utf-8"?>
 <p:sld xmlns:a="http://schemas.openxmlformats.org/drawingml/2006/main" xmlns:r="http://schemas.openxmlformats.org/officeDocument/2006/relationships" xmlns:p="http://schemas.openxmlformats.org/presentationml/2006/main">
   <p:cSld>
     <p:spTree>
@@ -10816,10 +11164,17 @@
   <p:clrMapOvr>
     <a:masterClrMapping/>
   </p:clrMapOvr>
+  <p:timing>
+    <p:tnLst>
+      <p:par>
+        <p:cTn xmlns:p14="http://schemas.microsoft.com/office/powerpoint/2010/main" id="1" dur="indefinite" restart="never" nodeType="tmRoot"/>
+      </p:par>
+    </p:tnLst>
+  </p:timing>
 </p:sld>
 </file>
 
-<file path=ppt/slides/slide46.xml><?xml version="1.0" encoding="utf-8"?>
+<file path=ppt/slides/slide47.xml><?xml version="1.0" encoding="utf-8"?>
 <p:sld xmlns:a="http://schemas.openxmlformats.org/drawingml/2006/main" xmlns:r="http://schemas.openxmlformats.org/officeDocument/2006/relationships" xmlns:p="http://schemas.openxmlformats.org/presentationml/2006/main">
   <p:cSld>
     <p:spTree>
@@ -10944,94 +11299,13 @@
   <p:clrMapOvr>
     <a:masterClrMapping/>
   </p:clrMapOvr>
-</p:sld>
-</file>
-
-<file path=ppt/slides/slide47.xml><?xml version="1.0" encoding="utf-8"?>
-<p:sld xmlns:a="http://schemas.openxmlformats.org/drawingml/2006/main" xmlns:r="http://schemas.openxmlformats.org/officeDocument/2006/relationships" xmlns:p="http://schemas.openxmlformats.org/presentationml/2006/main">
-  <p:cSld>
-    <p:spTree>
-      <p:nvGrpSpPr>
-        <p:cNvPr id="1" name=""/>
-        <p:cNvGrpSpPr/>
-        <p:nvPr/>
-      </p:nvGrpSpPr>
-      <p:grpSpPr>
-        <a:xfrm>
-          <a:off x="0" y="0"/>
-          <a:ext cx="0" cy="0"/>
-          <a:chOff x="0" y="0"/>
-          <a:chExt cx="0" cy="0"/>
-        </a:xfrm>
-      </p:grpSpPr>
-      <p:sp>
-        <p:nvSpPr>
-          <p:cNvPr id="2" name="Title 1"/>
-          <p:cNvSpPr>
-            <a:spLocks noGrp="1"/>
-          </p:cNvSpPr>
-          <p:nvPr>
-            <p:ph type="title"/>
-          </p:nvPr>
-        </p:nvSpPr>
-        <p:spPr/>
-        <p:txBody>
-          <a:bodyPr/>
-          <a:lstStyle/>
-          <a:p>
-            <a:r>
-              <a:rPr lang="en-US" dirty="0" err="1" smtClean="0"/>
-              <a:t>SparkR</a:t>
-            </a:r>
-            <a:endParaRPr lang="en-US" dirty="0"/>
-          </a:p>
-        </p:txBody>
-      </p:sp>
-      <p:sp>
-        <p:nvSpPr>
-          <p:cNvPr id="3" name="Content Placeholder 2"/>
-          <p:cNvSpPr>
-            <a:spLocks noGrp="1"/>
-          </p:cNvSpPr>
-          <p:nvPr>
-            <p:ph idx="1"/>
-          </p:nvPr>
-        </p:nvSpPr>
-        <p:spPr/>
-        <p:txBody>
-          <a:bodyPr/>
-          <a:lstStyle/>
-          <a:p>
-            <a:r>
-              <a:rPr lang="en-US" dirty="0" smtClean="0"/>
-              <a:t>A lightweight approach to use Spark from within R</a:t>
-            </a:r>
-          </a:p>
-          <a:p>
-            <a:r>
-              <a:rPr lang="en-US" dirty="0" smtClean="0"/>
-              <a:t>Also works with MLlib for machine learning</a:t>
-            </a:r>
-          </a:p>
-          <a:p>
-            <a:r>
-              <a:rPr lang="en-US" dirty="0" smtClean="0"/>
-              <a:t>Allows complex statistical analysis to be done on a Spark cluster </a:t>
-            </a:r>
-            <a:endParaRPr lang="en-US" dirty="0"/>
-          </a:p>
-        </p:txBody>
-      </p:sp>
-    </p:spTree>
-    <p:extLst>
-      <p:ext uri="{BB962C8B-B14F-4D97-AF65-F5344CB8AC3E}">
-        <p14:creationId xmlns:p14="http://schemas.microsoft.com/office/powerpoint/2010/main" val="3906456086"/>
-      </p:ext>
-    </p:extLst>
-  </p:cSld>
-  <p:clrMapOvr>
-    <a:masterClrMapping/>
-  </p:clrMapOvr>
+  <p:timing>
+    <p:tnLst>
+      <p:par>
+        <p:cTn xmlns:p14="http://schemas.microsoft.com/office/powerpoint/2010/main" id="1" dur="indefinite" restart="never" nodeType="tmRoot"/>
+      </p:par>
+    </p:tnLst>
+  </p:timing>
 </p:sld>
 </file>
 
@@ -11068,6 +11342,101 @@
           <a:lstStyle/>
           <a:p>
             <a:r>
+              <a:rPr lang="en-US" dirty="0" err="1" smtClean="0"/>
+              <a:t>SparkR</a:t>
+            </a:r>
+            <a:endParaRPr lang="en-US" dirty="0"/>
+          </a:p>
+        </p:txBody>
+      </p:sp>
+      <p:sp>
+        <p:nvSpPr>
+          <p:cNvPr id="3" name="Content Placeholder 2"/>
+          <p:cNvSpPr>
+            <a:spLocks noGrp="1"/>
+          </p:cNvSpPr>
+          <p:nvPr>
+            <p:ph idx="1"/>
+          </p:nvPr>
+        </p:nvSpPr>
+        <p:spPr/>
+        <p:txBody>
+          <a:bodyPr/>
+          <a:lstStyle/>
+          <a:p>
+            <a:r>
+              <a:rPr lang="en-US" dirty="0" smtClean="0"/>
+              <a:t>A lightweight approach to use Spark from within R</a:t>
+            </a:r>
+          </a:p>
+          <a:p>
+            <a:r>
+              <a:rPr lang="en-US" dirty="0" smtClean="0"/>
+              <a:t>Also works with MLlib for machine learning</a:t>
+            </a:r>
+          </a:p>
+          <a:p>
+            <a:r>
+              <a:rPr lang="en-US" dirty="0" smtClean="0"/>
+              <a:t>Allows complex statistical analysis to be done on a Spark cluster </a:t>
+            </a:r>
+            <a:endParaRPr lang="en-US" dirty="0"/>
+          </a:p>
+        </p:txBody>
+      </p:sp>
+    </p:spTree>
+    <p:extLst>
+      <p:ext uri="{BB962C8B-B14F-4D97-AF65-F5344CB8AC3E}">
+        <p14:creationId xmlns:p14="http://schemas.microsoft.com/office/powerpoint/2010/main" val="3906456086"/>
+      </p:ext>
+    </p:extLst>
+  </p:cSld>
+  <p:clrMapOvr>
+    <a:masterClrMapping/>
+  </p:clrMapOvr>
+  <p:timing>
+    <p:tnLst>
+      <p:par>
+        <p:cTn xmlns:p14="http://schemas.microsoft.com/office/powerpoint/2010/main" id="1" dur="indefinite" restart="never" nodeType="tmRoot"/>
+      </p:par>
+    </p:tnLst>
+  </p:timing>
+</p:sld>
+</file>
+
+<file path=ppt/slides/slide49.xml><?xml version="1.0" encoding="utf-8"?>
+<p:sld xmlns:a="http://schemas.openxmlformats.org/drawingml/2006/main" xmlns:r="http://schemas.openxmlformats.org/officeDocument/2006/relationships" xmlns:p="http://schemas.openxmlformats.org/presentationml/2006/main">
+  <p:cSld>
+    <p:spTree>
+      <p:nvGrpSpPr>
+        <p:cNvPr id="1" name=""/>
+        <p:cNvGrpSpPr/>
+        <p:nvPr/>
+      </p:nvGrpSpPr>
+      <p:grpSpPr>
+        <a:xfrm>
+          <a:off x="0" y="0"/>
+          <a:ext cx="0" cy="0"/>
+          <a:chOff x="0" y="0"/>
+          <a:chExt cx="0" cy="0"/>
+        </a:xfrm>
+      </p:grpSpPr>
+      <p:sp>
+        <p:nvSpPr>
+          <p:cNvPr id="2" name="Title 1"/>
+          <p:cNvSpPr>
+            <a:spLocks noGrp="1"/>
+          </p:cNvSpPr>
+          <p:nvPr>
+            <p:ph type="title"/>
+          </p:nvPr>
+        </p:nvSpPr>
+        <p:spPr/>
+        <p:txBody>
+          <a:bodyPr/>
+          <a:lstStyle/>
+          <a:p>
+            <a:r>
               <a:rPr lang="en-US" dirty="0" smtClean="0"/>
               <a:t>Questions?</a:t>
             </a:r>
@@ -11085,6 +11454,13 @@
   <p:clrMapOvr>
     <a:masterClrMapping/>
   </p:clrMapOvr>
+  <p:timing>
+    <p:tnLst>
+      <p:par>
+        <p:cTn xmlns:p14="http://schemas.microsoft.com/office/powerpoint/2010/main" id="1" dur="indefinite" restart="never" nodeType="tmRoot"/>
+      </p:par>
+    </p:tnLst>
+  </p:timing>
 </p:sld>
 </file>
 

--- a/pres-source/07-spark-and-adjuncts.pptx
+++ b/pres-source/07-spark-and-adjuncts.pptx
@@ -61,16 +61,17 @@
     <p:sldId id="305" r:id="rId56"/>
     <p:sldId id="306" r:id="rId57"/>
     <p:sldId id="307" r:id="rId58"/>
+    <p:sldId id="308" r:id="rId59"/>
   </p:sldIdLst>
   <p:sldSz cy="6858000" cx="9144000"/>
   <p:notesSz cx="6858000" cy="9144000"/>
   <p:embeddedFontLst>
     <p:embeddedFont>
       <p:font typeface="Montserrat"/>
-      <p:regular r:id="rId59"/>
-      <p:bold r:id="rId60"/>
-      <p:italic r:id="rId61"/>
-      <p:boldItalic r:id="rId62"/>
+      <p:regular r:id="rId60"/>
+      <p:bold r:id="rId61"/>
+      <p:italic r:id="rId62"/>
+      <p:boldItalic r:id="rId63"/>
     </p:embeddedFont>
   </p:embeddedFontLst>
   <p:defaultTextStyle>
@@ -5314,46 +5315,7 @@
       </p:grpSpPr>
       <p:sp>
         <p:nvSpPr>
-          <p:cNvPr id="426" name="Google Shape;426;p43:notes"/>
-          <p:cNvSpPr txBox="1"/>
-          <p:nvPr>
-            <p:ph idx="1" type="body"/>
-          </p:nvPr>
-        </p:nvSpPr>
-        <p:spPr>
-          <a:xfrm>
-            <a:off x="685800" y="4343400"/>
-            <a:ext cx="5486400" cy="4114800"/>
-          </a:xfrm>
-          <a:prstGeom prst="rect">
-            <a:avLst/>
-          </a:prstGeom>
-        </p:spPr>
-        <p:txBody>
-          <a:bodyPr anchorCtr="0" anchor="t" bIns="45700" lIns="91425" spcFirstLastPara="1" rIns="91425" wrap="square" tIns="45700">
-            <a:noAutofit/>
-          </a:bodyPr>
-          <a:lstStyle/>
-          <a:p>
-            <a:pPr indent="0" lvl="0" marL="0" rtl="0" algn="l">
-              <a:spcBef>
-                <a:spcPts val="0"/>
-              </a:spcBef>
-              <a:spcAft>
-                <a:spcPts val="0"/>
-              </a:spcAft>
-              <a:buNone/>
-            </a:pPr>
-            <a:r>
-              <a:t/>
-            </a:r>
-            <a:endParaRPr/>
-          </a:p>
-        </p:txBody>
-      </p:sp>
-      <p:sp>
-        <p:nvSpPr>
-          <p:cNvPr id="427" name="Google Shape;427;p43:notes"/>
+          <p:cNvPr id="426" name="Google Shape;426;g822fb0802a_0_0:notes"/>
           <p:cNvSpPr/>
           <p:nvPr>
             <p:ph idx="2" type="sldImg"/>
@@ -5386,34 +5348,9 @@
           </a:custGeom>
         </p:spPr>
       </p:sp>
-    </p:spTree>
-  </p:cSld>
-  <p:clrMapOvr>
-    <a:masterClrMapping/>
-  </p:clrMapOvr>
-</p:notes>
-</file>
-
-<file path=ppt/notesSlides/notesSlide45.xml><?xml version="1.0" encoding="utf-8"?>
-<p:notes xmlns:a="http://schemas.openxmlformats.org/drawingml/2006/main" xmlns:r="http://schemas.openxmlformats.org/officeDocument/2006/relationships" xmlns:mc="http://schemas.openxmlformats.org/markup-compatibility/2006" xmlns:mv="urn:schemas-microsoft-com:mac:vml" xmlns:p="http://schemas.openxmlformats.org/presentationml/2006/main" xmlns:c="http://schemas.openxmlformats.org/drawingml/2006/chart" xmlns:dgm="http://schemas.openxmlformats.org/drawingml/2006/diagram" xmlns:o="urn:schemas-microsoft-com:office:office" xmlns:v="urn:schemas-microsoft-com:vml" xmlns:pvml="urn:schemas-microsoft-com:office:powerpoint" xmlns:com="http://schemas.openxmlformats.org/drawingml/2006/compatibility" xmlns:p14="http://schemas.microsoft.com/office/powerpoint/2010/main" xmlns:p15="http://schemas.microsoft.com/office/powerpoint/2012/main" showMasterPhAnim="0" showMasterSp="0">
-  <p:cSld>
-    <p:spTree>
-      <p:nvGrpSpPr>
-        <p:cNvPr id="436" name="Shape 436"/>
-        <p:cNvGrpSpPr/>
-        <p:nvPr/>
-      </p:nvGrpSpPr>
-      <p:grpSpPr>
-        <a:xfrm>
-          <a:off x="0" y="0"/>
-          <a:ext cx="0" cy="0"/>
-          <a:chOff x="0" y="0"/>
-          <a:chExt cx="0" cy="0"/>
-        </a:xfrm>
-      </p:grpSpPr>
       <p:sp>
         <p:nvSpPr>
-          <p:cNvPr id="437" name="Google Shape;437;p44:notes"/>
+          <p:cNvPr id="427" name="Google Shape;427;g822fb0802a_0_0:notes"/>
           <p:cNvSpPr txBox="1"/>
           <p:nvPr>
             <p:ph idx="1" type="body"/>
@@ -5452,7 +5389,115 @@
       </p:sp>
       <p:sp>
         <p:nvSpPr>
-          <p:cNvPr id="438" name="Google Shape;438;p44:notes"/>
+          <p:cNvPr id="428" name="Google Shape;428;g822fb0802a_0_0:notes"/>
+          <p:cNvSpPr txBox="1"/>
+          <p:nvPr>
+            <p:ph idx="12" type="sldNum"/>
+          </p:nvPr>
+        </p:nvSpPr>
+        <p:spPr>
+          <a:xfrm>
+            <a:off x="3884613" y="8685213"/>
+            <a:ext cx="2971800" cy="457200"/>
+          </a:xfrm>
+          <a:prstGeom prst="rect">
+            <a:avLst/>
+          </a:prstGeom>
+        </p:spPr>
+        <p:txBody>
+          <a:bodyPr anchorCtr="0" anchor="b" bIns="45700" lIns="91425" spcFirstLastPara="1" rIns="91425" wrap="square" tIns="45700">
+            <a:noAutofit/>
+          </a:bodyPr>
+          <a:lstStyle/>
+          <a:p>
+            <a:pPr indent="0" lvl="0" marL="0" rtl="0" algn="r">
+              <a:spcBef>
+                <a:spcPts val="0"/>
+              </a:spcBef>
+              <a:spcAft>
+                <a:spcPts val="0"/>
+              </a:spcAft>
+              <a:buClr>
+                <a:srgbClr val="000000"/>
+              </a:buClr>
+              <a:buFont typeface="Arial"/>
+              <a:buNone/>
+            </a:pPr>
+            <a:fld id="{00000000-1234-1234-1234-123412341234}" type="slidenum">
+              <a:rPr lang="en-US"/>
+              <a:t>‹#›</a:t>
+            </a:fld>
+            <a:endParaRPr/>
+          </a:p>
+        </p:txBody>
+      </p:sp>
+    </p:spTree>
+  </p:cSld>
+  <p:clrMapOvr>
+    <a:masterClrMapping/>
+  </p:clrMapOvr>
+</p:notes>
+</file>
+
+<file path=ppt/notesSlides/notesSlide45.xml><?xml version="1.0" encoding="utf-8"?>
+<p:notes xmlns:a="http://schemas.openxmlformats.org/drawingml/2006/main" xmlns:r="http://schemas.openxmlformats.org/officeDocument/2006/relationships" xmlns:mc="http://schemas.openxmlformats.org/markup-compatibility/2006" xmlns:mv="urn:schemas-microsoft-com:mac:vml" xmlns:p="http://schemas.openxmlformats.org/presentationml/2006/main" xmlns:c="http://schemas.openxmlformats.org/drawingml/2006/chart" xmlns:dgm="http://schemas.openxmlformats.org/drawingml/2006/diagram" xmlns:o="urn:schemas-microsoft-com:office:office" xmlns:v="urn:schemas-microsoft-com:vml" xmlns:pvml="urn:schemas-microsoft-com:office:powerpoint" xmlns:com="http://schemas.openxmlformats.org/drawingml/2006/compatibility" xmlns:p14="http://schemas.microsoft.com/office/powerpoint/2010/main" xmlns:p15="http://schemas.microsoft.com/office/powerpoint/2012/main" showMasterPhAnim="0" showMasterSp="0">
+  <p:cSld>
+    <p:spTree>
+      <p:nvGrpSpPr>
+        <p:cNvPr id="433" name="Shape 433"/>
+        <p:cNvGrpSpPr/>
+        <p:nvPr/>
+      </p:nvGrpSpPr>
+      <p:grpSpPr>
+        <a:xfrm>
+          <a:off x="0" y="0"/>
+          <a:ext cx="0" cy="0"/>
+          <a:chOff x="0" y="0"/>
+          <a:chExt cx="0" cy="0"/>
+        </a:xfrm>
+      </p:grpSpPr>
+      <p:sp>
+        <p:nvSpPr>
+          <p:cNvPr id="434" name="Google Shape;434;p43:notes"/>
+          <p:cNvSpPr txBox="1"/>
+          <p:nvPr>
+            <p:ph idx="1" type="body"/>
+          </p:nvPr>
+        </p:nvSpPr>
+        <p:spPr>
+          <a:xfrm>
+            <a:off x="685800" y="4343400"/>
+            <a:ext cx="5486400" cy="4114800"/>
+          </a:xfrm>
+          <a:prstGeom prst="rect">
+            <a:avLst/>
+          </a:prstGeom>
+        </p:spPr>
+        <p:txBody>
+          <a:bodyPr anchorCtr="0" anchor="t" bIns="45700" lIns="91425" spcFirstLastPara="1" rIns="91425" wrap="square" tIns="45700">
+            <a:noAutofit/>
+          </a:bodyPr>
+          <a:lstStyle/>
+          <a:p>
+            <a:pPr indent="0" lvl="0" marL="0" rtl="0" algn="l">
+              <a:spcBef>
+                <a:spcPts val="0"/>
+              </a:spcBef>
+              <a:spcAft>
+                <a:spcPts val="0"/>
+              </a:spcAft>
+              <a:buNone/>
+            </a:pPr>
+            <a:r>
+              <a:t/>
+            </a:r>
+            <a:endParaRPr/>
+          </a:p>
+        </p:txBody>
+      </p:sp>
+      <p:sp>
+        <p:nvSpPr>
+          <p:cNvPr id="435" name="Google Shape;435;p43:notes"/>
           <p:cNvSpPr/>
           <p:nvPr>
             <p:ph idx="2" type="sldImg"/>
@@ -5498,7 +5543,7 @@
   <p:cSld>
     <p:spTree>
       <p:nvGrpSpPr>
-        <p:cNvPr id="442" name="Shape 442"/>
+        <p:cNvPr id="444" name="Shape 444"/>
         <p:cNvGrpSpPr/>
         <p:nvPr/>
       </p:nvGrpSpPr>
@@ -5512,7 +5557,7 @@
       </p:grpSpPr>
       <p:sp>
         <p:nvSpPr>
-          <p:cNvPr id="443" name="Google Shape;443;p45:notes"/>
+          <p:cNvPr id="445" name="Google Shape;445;p44:notes"/>
           <p:cNvSpPr txBox="1"/>
           <p:nvPr>
             <p:ph idx="1" type="body"/>
@@ -5551,7 +5596,7 @@
       </p:sp>
       <p:sp>
         <p:nvSpPr>
-          <p:cNvPr id="444" name="Google Shape;444;p45:notes"/>
+          <p:cNvPr id="446" name="Google Shape;446;p44:notes"/>
           <p:cNvSpPr/>
           <p:nvPr>
             <p:ph idx="2" type="sldImg"/>
@@ -5597,7 +5642,7 @@
   <p:cSld>
     <p:spTree>
       <p:nvGrpSpPr>
-        <p:cNvPr id="448" name="Shape 448"/>
+        <p:cNvPr id="450" name="Shape 450"/>
         <p:cNvGrpSpPr/>
         <p:nvPr/>
       </p:nvGrpSpPr>
@@ -5611,7 +5656,7 @@
       </p:grpSpPr>
       <p:sp>
         <p:nvSpPr>
-          <p:cNvPr id="449" name="Google Shape;449;p46:notes"/>
+          <p:cNvPr id="451" name="Google Shape;451;p45:notes"/>
           <p:cNvSpPr txBox="1"/>
           <p:nvPr>
             <p:ph idx="1" type="body"/>
@@ -5650,7 +5695,7 @@
       </p:sp>
       <p:sp>
         <p:nvSpPr>
-          <p:cNvPr id="450" name="Google Shape;450;p46:notes"/>
+          <p:cNvPr id="452" name="Google Shape;452;p45:notes"/>
           <p:cNvSpPr/>
           <p:nvPr>
             <p:ph idx="2" type="sldImg"/>
@@ -5696,7 +5741,7 @@
   <p:cSld>
     <p:spTree>
       <p:nvGrpSpPr>
-        <p:cNvPr id="454" name="Shape 454"/>
+        <p:cNvPr id="456" name="Shape 456"/>
         <p:cNvGrpSpPr/>
         <p:nvPr/>
       </p:nvGrpSpPr>
@@ -5710,7 +5755,7 @@
       </p:grpSpPr>
       <p:sp>
         <p:nvSpPr>
-          <p:cNvPr id="455" name="Google Shape;455;p47:notes"/>
+          <p:cNvPr id="457" name="Google Shape;457;p46:notes"/>
           <p:cNvSpPr txBox="1"/>
           <p:nvPr>
             <p:ph idx="1" type="body"/>
@@ -5749,7 +5794,7 @@
       </p:sp>
       <p:sp>
         <p:nvSpPr>
-          <p:cNvPr id="456" name="Google Shape;456;p47:notes"/>
+          <p:cNvPr id="458" name="Google Shape;458;p46:notes"/>
           <p:cNvSpPr/>
           <p:nvPr>
             <p:ph idx="2" type="sldImg"/>
@@ -5809,7 +5854,7 @@
       </p:grpSpPr>
       <p:sp>
         <p:nvSpPr>
-          <p:cNvPr id="463" name="Google Shape;463;p48:notes"/>
+          <p:cNvPr id="463" name="Google Shape;463;p47:notes"/>
           <p:cNvSpPr txBox="1"/>
           <p:nvPr>
             <p:ph idx="1" type="body"/>
@@ -5848,7 +5893,7 @@
       </p:sp>
       <p:sp>
         <p:nvSpPr>
-          <p:cNvPr id="464" name="Google Shape;464;p48:notes"/>
+          <p:cNvPr id="464" name="Google Shape;464;p47:notes"/>
           <p:cNvSpPr/>
           <p:nvPr>
             <p:ph idx="2" type="sldImg"/>
@@ -5993,7 +6038,7 @@
   <p:cSld>
     <p:spTree>
       <p:nvGrpSpPr>
-        <p:cNvPr id="469" name="Shape 469"/>
+        <p:cNvPr id="470" name="Shape 470"/>
         <p:cNvGrpSpPr/>
         <p:nvPr/>
       </p:nvGrpSpPr>
@@ -6007,7 +6052,7 @@
       </p:grpSpPr>
       <p:sp>
         <p:nvSpPr>
-          <p:cNvPr id="470" name="Google Shape;470;p49:notes"/>
+          <p:cNvPr id="471" name="Google Shape;471;p48:notes"/>
           <p:cNvSpPr txBox="1"/>
           <p:nvPr>
             <p:ph idx="1" type="body"/>
@@ -6046,7 +6091,7 @@
       </p:sp>
       <p:sp>
         <p:nvSpPr>
-          <p:cNvPr id="471" name="Google Shape;471;p49:notes"/>
+          <p:cNvPr id="472" name="Google Shape;472;p48:notes"/>
           <p:cNvSpPr/>
           <p:nvPr>
             <p:ph idx="2" type="sldImg"/>
@@ -6092,7 +6137,7 @@
   <p:cSld>
     <p:spTree>
       <p:nvGrpSpPr>
-        <p:cNvPr id="475" name="Shape 475"/>
+        <p:cNvPr id="477" name="Shape 477"/>
         <p:cNvGrpSpPr/>
         <p:nvPr/>
       </p:nvGrpSpPr>
@@ -6106,7 +6151,7 @@
       </p:grpSpPr>
       <p:sp>
         <p:nvSpPr>
-          <p:cNvPr id="476" name="Google Shape;476;g8a5323e63d_0_77:notes"/>
+          <p:cNvPr id="478" name="Google Shape;478;p49:notes"/>
           <p:cNvSpPr txBox="1"/>
           <p:nvPr>
             <p:ph idx="1" type="body"/>
@@ -6145,7 +6190,7 @@
       </p:sp>
       <p:sp>
         <p:nvSpPr>
-          <p:cNvPr id="477" name="Google Shape;477;g8a5323e63d_0_77:notes"/>
+          <p:cNvPr id="479" name="Google Shape;479;p49:notes"/>
           <p:cNvSpPr/>
           <p:nvPr>
             <p:ph idx="2" type="sldImg"/>
@@ -6191,7 +6236,7 @@
   <p:cSld>
     <p:spTree>
       <p:nvGrpSpPr>
-        <p:cNvPr id="482" name="Shape 482"/>
+        <p:cNvPr id="483" name="Shape 483"/>
         <p:cNvGrpSpPr/>
         <p:nvPr/>
       </p:nvGrpSpPr>
@@ -6205,7 +6250,7 @@
       </p:grpSpPr>
       <p:sp>
         <p:nvSpPr>
-          <p:cNvPr id="483" name="Google Shape;483;p50:notes"/>
+          <p:cNvPr id="484" name="Google Shape;484;g8a5323e63d_0_77:notes"/>
           <p:cNvSpPr txBox="1"/>
           <p:nvPr>
             <p:ph idx="1" type="body"/>
@@ -6244,7 +6289,106 @@
       </p:sp>
       <p:sp>
         <p:nvSpPr>
-          <p:cNvPr id="484" name="Google Shape;484;p50:notes"/>
+          <p:cNvPr id="485" name="Google Shape;485;g8a5323e63d_0_77:notes"/>
+          <p:cNvSpPr/>
+          <p:nvPr>
+            <p:ph idx="2" type="sldImg"/>
+          </p:nvPr>
+        </p:nvSpPr>
+        <p:spPr>
+          <a:xfrm>
+            <a:off x="1143000" y="685800"/>
+            <a:ext cx="4572000" cy="3429000"/>
+          </a:xfrm>
+          <a:custGeom>
+            <a:rect b="b" l="l" r="r" t="t"/>
+            <a:pathLst>
+              <a:path extrusionOk="0" h="120000" w="120000">
+                <a:moveTo>
+                  <a:pt x="0" y="0"/>
+                </a:moveTo>
+                <a:lnTo>
+                  <a:pt x="120000" y="0"/>
+                </a:lnTo>
+                <a:lnTo>
+                  <a:pt x="120000" y="120000"/>
+                </a:lnTo>
+                <a:lnTo>
+                  <a:pt x="0" y="120000"/>
+                </a:lnTo>
+                <a:close/>
+              </a:path>
+            </a:pathLst>
+          </a:custGeom>
+        </p:spPr>
+      </p:sp>
+    </p:spTree>
+  </p:cSld>
+  <p:clrMapOvr>
+    <a:masterClrMapping/>
+  </p:clrMapOvr>
+</p:notes>
+</file>
+
+<file path=ppt/notesSlides/notesSlide53.xml><?xml version="1.0" encoding="utf-8"?>
+<p:notes xmlns:a="http://schemas.openxmlformats.org/drawingml/2006/main" xmlns:r="http://schemas.openxmlformats.org/officeDocument/2006/relationships" xmlns:mc="http://schemas.openxmlformats.org/markup-compatibility/2006" xmlns:mv="urn:schemas-microsoft-com:mac:vml" xmlns:p="http://schemas.openxmlformats.org/presentationml/2006/main" xmlns:c="http://schemas.openxmlformats.org/drawingml/2006/chart" xmlns:dgm="http://schemas.openxmlformats.org/drawingml/2006/diagram" xmlns:o="urn:schemas-microsoft-com:office:office" xmlns:v="urn:schemas-microsoft-com:vml" xmlns:pvml="urn:schemas-microsoft-com:office:powerpoint" xmlns:com="http://schemas.openxmlformats.org/drawingml/2006/compatibility" xmlns:p14="http://schemas.microsoft.com/office/powerpoint/2010/main" xmlns:p15="http://schemas.microsoft.com/office/powerpoint/2012/main" showMasterPhAnim="0" showMasterSp="0">
+  <p:cSld>
+    <p:spTree>
+      <p:nvGrpSpPr>
+        <p:cNvPr id="490" name="Shape 490"/>
+        <p:cNvGrpSpPr/>
+        <p:nvPr/>
+      </p:nvGrpSpPr>
+      <p:grpSpPr>
+        <a:xfrm>
+          <a:off x="0" y="0"/>
+          <a:ext cx="0" cy="0"/>
+          <a:chOff x="0" y="0"/>
+          <a:chExt cx="0" cy="0"/>
+        </a:xfrm>
+      </p:grpSpPr>
+      <p:sp>
+        <p:nvSpPr>
+          <p:cNvPr id="491" name="Google Shape;491;p50:notes"/>
+          <p:cNvSpPr txBox="1"/>
+          <p:nvPr>
+            <p:ph idx="1" type="body"/>
+          </p:nvPr>
+        </p:nvSpPr>
+        <p:spPr>
+          <a:xfrm>
+            <a:off x="685800" y="4343400"/>
+            <a:ext cx="5486400" cy="4114800"/>
+          </a:xfrm>
+          <a:prstGeom prst="rect">
+            <a:avLst/>
+          </a:prstGeom>
+        </p:spPr>
+        <p:txBody>
+          <a:bodyPr anchorCtr="0" anchor="t" bIns="45700" lIns="91425" spcFirstLastPara="1" rIns="91425" wrap="square" tIns="45700">
+            <a:noAutofit/>
+          </a:bodyPr>
+          <a:lstStyle/>
+          <a:p>
+            <a:pPr indent="0" lvl="0" marL="0" rtl="0" algn="l">
+              <a:spcBef>
+                <a:spcPts val="0"/>
+              </a:spcBef>
+              <a:spcAft>
+                <a:spcPts val="0"/>
+              </a:spcAft>
+              <a:buNone/>
+            </a:pPr>
+            <a:r>
+              <a:t/>
+            </a:r>
+            <a:endParaRPr/>
+          </a:p>
+        </p:txBody>
+      </p:sp>
+      <p:sp>
+        <p:nvSpPr>
+          <p:cNvPr id="492" name="Google Shape;492;p50:notes"/>
           <p:cNvSpPr/>
           <p:nvPr>
             <p:ph idx="2" type="sldImg"/>
@@ -38043,7 +38187,7 @@
   <p:cSld>
     <p:spTree>
       <p:nvGrpSpPr>
-        <p:cNvPr id="428" name="Shape 428"/>
+        <p:cNvPr id="429" name="Shape 429"/>
         <p:cNvGrpSpPr/>
         <p:nvPr/>
       </p:nvGrpSpPr>
@@ -38057,7 +38201,147 @@
       </p:grpSpPr>
       <p:sp>
         <p:nvSpPr>
-          <p:cNvPr id="429" name="Google Shape;429;p68"/>
+          <p:cNvPr id="430" name="Google Shape;430;p68"/>
+          <p:cNvSpPr txBox="1"/>
+          <p:nvPr>
+            <p:ph type="title"/>
+          </p:nvPr>
+        </p:nvSpPr>
+        <p:spPr>
+          <a:xfrm>
+            <a:off x="457200" y="274638"/>
+            <a:ext cx="8229600" cy="1143000"/>
+          </a:xfrm>
+          <a:prstGeom prst="rect">
+            <a:avLst/>
+          </a:prstGeom>
+        </p:spPr>
+        <p:txBody>
+          <a:bodyPr anchorCtr="0" anchor="ctr" bIns="45700" lIns="91425" spcFirstLastPara="1" rIns="91425" wrap="square" tIns="45700">
+            <a:noAutofit/>
+          </a:bodyPr>
+          <a:lstStyle/>
+          <a:p>
+            <a:pPr indent="0" lvl="0" marL="0" rtl="0" algn="ctr">
+              <a:spcBef>
+                <a:spcPts val="0"/>
+              </a:spcBef>
+              <a:spcAft>
+                <a:spcPts val="0"/>
+              </a:spcAft>
+              <a:buNone/>
+            </a:pPr>
+            <a:r>
+              <a:rPr lang="en-US"/>
+              <a:t>Spark on Kubernetes</a:t>
+            </a:r>
+            <a:endParaRPr/>
+          </a:p>
+        </p:txBody>
+      </p:sp>
+      <p:pic>
+        <p:nvPicPr>
+          <p:cNvPr id="431" name="Google Shape;431;p68"/>
+          <p:cNvPicPr preferRelativeResize="0"/>
+          <p:nvPr/>
+        </p:nvPicPr>
+        <p:blipFill>
+          <a:blip r:embed="rId3">
+            <a:alphaModFix/>
+          </a:blip>
+          <a:stretch>
+            <a:fillRect/>
+          </a:stretch>
+        </p:blipFill>
+        <p:spPr>
+          <a:xfrm>
+            <a:off x="787500" y="1387449"/>
+            <a:ext cx="6599200" cy="4474600"/>
+          </a:xfrm>
+          <a:prstGeom prst="rect">
+            <a:avLst/>
+          </a:prstGeom>
+          <a:noFill/>
+          <a:ln>
+            <a:noFill/>
+          </a:ln>
+        </p:spPr>
+      </p:pic>
+      <p:sp>
+        <p:nvSpPr>
+          <p:cNvPr id="432" name="Google Shape;432;p68"/>
+          <p:cNvSpPr txBox="1"/>
+          <p:nvPr/>
+        </p:nvSpPr>
+        <p:spPr>
+          <a:xfrm>
+            <a:off x="997000" y="5862050"/>
+            <a:ext cx="6691800" cy="712200"/>
+          </a:xfrm>
+          <a:prstGeom prst="rect">
+            <a:avLst/>
+          </a:prstGeom>
+          <a:noFill/>
+          <a:ln>
+            <a:noFill/>
+          </a:ln>
+        </p:spPr>
+        <p:txBody>
+          <a:bodyPr anchorCtr="0" anchor="t" bIns="91425" lIns="91425" spcFirstLastPara="1" rIns="91425" wrap="square" tIns="91425">
+            <a:noAutofit/>
+          </a:bodyPr>
+          <a:lstStyle/>
+          <a:p>
+            <a:pPr indent="0" lvl="0" marL="0" rtl="0" algn="l">
+              <a:spcBef>
+                <a:spcPts val="0"/>
+              </a:spcBef>
+              <a:spcAft>
+                <a:spcPts val="0"/>
+              </a:spcAft>
+              <a:buNone/>
+            </a:pPr>
+            <a:r>
+              <a:rPr lang="en-US" sz="1800" u="sng">
+                <a:solidFill>
+                  <a:schemeClr val="hlink"/>
+                </a:solidFill>
+                <a:hlinkClick r:id="rId4"/>
+              </a:rPr>
+              <a:t>https://spark.apache.org/docs/latest/running-on-kubernetes.html</a:t>
+            </a:r>
+            <a:endParaRPr sz="2100"/>
+          </a:p>
+        </p:txBody>
+      </p:sp>
+    </p:spTree>
+  </p:cSld>
+  <p:clrMapOvr>
+    <a:masterClrMapping/>
+  </p:clrMapOvr>
+</p:sld>
+</file>
+
+<file path=ppt/slides/slide45.xml><?xml version="1.0" encoding="utf-8"?>
+<p:sld xmlns:a="http://schemas.openxmlformats.org/drawingml/2006/main" xmlns:r="http://schemas.openxmlformats.org/officeDocument/2006/relationships" xmlns:mc="http://schemas.openxmlformats.org/markup-compatibility/2006" xmlns:mv="urn:schemas-microsoft-com:mac:vml" xmlns:p="http://schemas.openxmlformats.org/presentationml/2006/main" xmlns:c="http://schemas.openxmlformats.org/drawingml/2006/chart" xmlns:dgm="http://schemas.openxmlformats.org/drawingml/2006/diagram" xmlns:o="urn:schemas-microsoft-com:office:office" xmlns:v="urn:schemas-microsoft-com:vml" xmlns:pvml="urn:schemas-microsoft-com:office:powerpoint" xmlns:com="http://schemas.openxmlformats.org/drawingml/2006/compatibility" xmlns:p14="http://schemas.microsoft.com/office/powerpoint/2010/main" xmlns:p15="http://schemas.microsoft.com/office/powerpoint/2012/main">
+  <p:cSld>
+    <p:spTree>
+      <p:nvGrpSpPr>
+        <p:cNvPr id="436" name="Shape 436"/>
+        <p:cNvGrpSpPr/>
+        <p:nvPr/>
+      </p:nvGrpSpPr>
+      <p:grpSpPr>
+        <a:xfrm>
+          <a:off x="0" y="0"/>
+          <a:ext cx="0" cy="0"/>
+          <a:chOff x="0" y="0"/>
+          <a:chExt cx="0" cy="0"/>
+        </a:xfrm>
+      </p:grpSpPr>
+      <p:sp>
+        <p:nvSpPr>
+          <p:cNvPr id="437" name="Google Shape;437;p69"/>
           <p:cNvSpPr txBox="1"/>
           <p:nvPr>
             <p:ph type="title"/>
@@ -38106,7 +38390,7 @@
       </p:sp>
       <p:sp>
         <p:nvSpPr>
-          <p:cNvPr id="430" name="Google Shape;430;p68"/>
+          <p:cNvPr id="438" name="Google Shape;438;p69"/>
           <p:cNvSpPr/>
           <p:nvPr/>
         </p:nvSpPr>
@@ -38192,7 +38476,7 @@
       </p:sp>
       <p:sp>
         <p:nvSpPr>
-          <p:cNvPr id="431" name="Google Shape;431;p68"/>
+          <p:cNvPr id="439" name="Google Shape;439;p69"/>
           <p:cNvSpPr/>
           <p:nvPr/>
         </p:nvSpPr>
@@ -38302,7 +38586,7 @@
       </p:sp>
       <p:sp>
         <p:nvSpPr>
-          <p:cNvPr id="432" name="Google Shape;432;p68"/>
+          <p:cNvPr id="440" name="Google Shape;440;p69"/>
           <p:cNvSpPr/>
           <p:nvPr/>
         </p:nvSpPr>
@@ -38388,7 +38672,7 @@
       </p:sp>
       <p:sp>
         <p:nvSpPr>
-          <p:cNvPr id="433" name="Google Shape;433;p68"/>
+          <p:cNvPr id="441" name="Google Shape;441;p69"/>
           <p:cNvSpPr/>
           <p:nvPr/>
         </p:nvSpPr>
@@ -38490,7 +38774,7 @@
       </p:sp>
       <p:sp>
         <p:nvSpPr>
-          <p:cNvPr id="434" name="Google Shape;434;p68"/>
+          <p:cNvPr id="442" name="Google Shape;442;p69"/>
           <p:cNvSpPr/>
           <p:nvPr/>
         </p:nvSpPr>
@@ -38576,7 +38860,7 @@
       </p:sp>
       <p:sp>
         <p:nvSpPr>
-          <p:cNvPr id="435" name="Google Shape;435;p68"/>
+          <p:cNvPr id="443" name="Google Shape;443;p69"/>
           <p:cNvSpPr/>
           <p:nvPr/>
         </p:nvSpPr>
@@ -38668,12 +38952,12 @@
 </p:sld>
 </file>
 
-<file path=ppt/slides/slide45.xml><?xml version="1.0" encoding="utf-8"?>
+<file path=ppt/slides/slide46.xml><?xml version="1.0" encoding="utf-8"?>
 <p:sld xmlns:a="http://schemas.openxmlformats.org/drawingml/2006/main" xmlns:r="http://schemas.openxmlformats.org/officeDocument/2006/relationships" xmlns:mc="http://schemas.openxmlformats.org/markup-compatibility/2006" xmlns:mv="urn:schemas-microsoft-com:mac:vml" xmlns:p="http://schemas.openxmlformats.org/presentationml/2006/main" xmlns:c="http://schemas.openxmlformats.org/drawingml/2006/chart" xmlns:dgm="http://schemas.openxmlformats.org/drawingml/2006/diagram" xmlns:o="urn:schemas-microsoft-com:office:office" xmlns:v="urn:schemas-microsoft-com:vml" xmlns:pvml="urn:schemas-microsoft-com:office:powerpoint" xmlns:com="http://schemas.openxmlformats.org/drawingml/2006/compatibility" xmlns:p14="http://schemas.microsoft.com/office/powerpoint/2010/main" xmlns:p15="http://schemas.microsoft.com/office/powerpoint/2012/main">
   <p:cSld>
     <p:spTree>
       <p:nvGrpSpPr>
-        <p:cNvPr id="439" name="Shape 439"/>
+        <p:cNvPr id="447" name="Shape 447"/>
         <p:cNvGrpSpPr/>
         <p:nvPr/>
       </p:nvGrpSpPr>
@@ -38687,7 +38971,7 @@
       </p:grpSpPr>
       <p:sp>
         <p:nvSpPr>
-          <p:cNvPr id="440" name="Google Shape;440;p69"/>
+          <p:cNvPr id="448" name="Google Shape;448;p70"/>
           <p:cNvSpPr txBox="1"/>
           <p:nvPr>
             <p:ph type="title"/>
@@ -38736,7 +39020,7 @@
       </p:sp>
       <p:sp>
         <p:nvSpPr>
-          <p:cNvPr id="441" name="Google Shape;441;p69"/>
+          <p:cNvPr id="449" name="Google Shape;449;p70"/>
           <p:cNvSpPr txBox="1"/>
           <p:nvPr>
             <p:ph idx="1" type="body"/>
@@ -38930,12 +39214,12 @@
 </p:sld>
 </file>
 
-<file path=ppt/slides/slide46.xml><?xml version="1.0" encoding="utf-8"?>
+<file path=ppt/slides/slide47.xml><?xml version="1.0" encoding="utf-8"?>
 <p:sld xmlns:a="http://schemas.openxmlformats.org/drawingml/2006/main" xmlns:r="http://schemas.openxmlformats.org/officeDocument/2006/relationships" xmlns:mc="http://schemas.openxmlformats.org/markup-compatibility/2006" xmlns:mv="urn:schemas-microsoft-com:mac:vml" xmlns:p="http://schemas.openxmlformats.org/presentationml/2006/main" xmlns:c="http://schemas.openxmlformats.org/drawingml/2006/chart" xmlns:dgm="http://schemas.openxmlformats.org/drawingml/2006/diagram" xmlns:o="urn:schemas-microsoft-com:office:office" xmlns:v="urn:schemas-microsoft-com:vml" xmlns:pvml="urn:schemas-microsoft-com:office:powerpoint" xmlns:com="http://schemas.openxmlformats.org/drawingml/2006/compatibility" xmlns:p14="http://schemas.microsoft.com/office/powerpoint/2010/main" xmlns:p15="http://schemas.microsoft.com/office/powerpoint/2012/main">
   <p:cSld>
     <p:spTree>
       <p:nvGrpSpPr>
-        <p:cNvPr id="445" name="Shape 445"/>
+        <p:cNvPr id="453" name="Shape 453"/>
         <p:cNvGrpSpPr/>
         <p:nvPr/>
       </p:nvGrpSpPr>
@@ -38949,7 +39233,7 @@
       </p:grpSpPr>
       <p:sp>
         <p:nvSpPr>
-          <p:cNvPr id="446" name="Google Shape;446;p70"/>
+          <p:cNvPr id="454" name="Google Shape;454;p71"/>
           <p:cNvSpPr txBox="1"/>
           <p:nvPr>
             <p:ph type="title"/>
@@ -38998,7 +39282,7 @@
       </p:sp>
       <p:sp>
         <p:nvSpPr>
-          <p:cNvPr id="447" name="Google Shape;447;p70"/>
+          <p:cNvPr id="455" name="Google Shape;455;p71"/>
           <p:cNvSpPr txBox="1"/>
           <p:nvPr>
             <p:ph idx="1" type="body"/>
@@ -39216,12 +39500,12 @@
 </p:sld>
 </file>
 
-<file path=ppt/slides/slide47.xml><?xml version="1.0" encoding="utf-8"?>
+<file path=ppt/slides/slide48.xml><?xml version="1.0" encoding="utf-8"?>
 <p:sld xmlns:a="http://schemas.openxmlformats.org/drawingml/2006/main" xmlns:r="http://schemas.openxmlformats.org/officeDocument/2006/relationships" xmlns:mc="http://schemas.openxmlformats.org/markup-compatibility/2006" xmlns:mv="urn:schemas-microsoft-com:mac:vml" xmlns:p="http://schemas.openxmlformats.org/presentationml/2006/main" xmlns:c="http://schemas.openxmlformats.org/drawingml/2006/chart" xmlns:dgm="http://schemas.openxmlformats.org/drawingml/2006/diagram" xmlns:o="urn:schemas-microsoft-com:office:office" xmlns:v="urn:schemas-microsoft-com:vml" xmlns:pvml="urn:schemas-microsoft-com:office:powerpoint" xmlns:com="http://schemas.openxmlformats.org/drawingml/2006/compatibility" xmlns:p14="http://schemas.microsoft.com/office/powerpoint/2010/main" xmlns:p15="http://schemas.microsoft.com/office/powerpoint/2012/main">
   <p:cSld>
     <p:spTree>
       <p:nvGrpSpPr>
-        <p:cNvPr id="451" name="Shape 451"/>
+        <p:cNvPr id="459" name="Shape 459"/>
         <p:cNvGrpSpPr/>
         <p:nvPr/>
       </p:nvGrpSpPr>
@@ -39235,7 +39519,7 @@
       </p:grpSpPr>
       <p:sp>
         <p:nvSpPr>
-          <p:cNvPr id="452" name="Google Shape;452;p71"/>
+          <p:cNvPr id="460" name="Google Shape;460;p72"/>
           <p:cNvSpPr txBox="1"/>
           <p:nvPr>
             <p:ph type="title"/>
@@ -39284,7 +39568,7 @@
       </p:sp>
       <p:sp>
         <p:nvSpPr>
-          <p:cNvPr id="453" name="Google Shape;453;p71"/>
+          <p:cNvPr id="461" name="Google Shape;461;p72"/>
           <p:cNvSpPr txBox="1"/>
           <p:nvPr>
             <p:ph idx="1" type="body"/>
@@ -39586,201 +39870,6 @@
           </a:p>
         </p:txBody>
       </p:sp>
-    </p:spTree>
-  </p:cSld>
-  <p:clrMapOvr>
-    <a:masterClrMapping/>
-  </p:clrMapOvr>
-</p:sld>
-</file>
-
-<file path=ppt/slides/slide48.xml><?xml version="1.0" encoding="utf-8"?>
-<p:sld xmlns:a="http://schemas.openxmlformats.org/drawingml/2006/main" xmlns:r="http://schemas.openxmlformats.org/officeDocument/2006/relationships" xmlns:mc="http://schemas.openxmlformats.org/markup-compatibility/2006" xmlns:mv="urn:schemas-microsoft-com:mac:vml" xmlns:p="http://schemas.openxmlformats.org/presentationml/2006/main" xmlns:c="http://schemas.openxmlformats.org/drawingml/2006/chart" xmlns:dgm="http://schemas.openxmlformats.org/drawingml/2006/diagram" xmlns:o="urn:schemas-microsoft-com:office:office" xmlns:v="urn:schemas-microsoft-com:vml" xmlns:pvml="urn:schemas-microsoft-com:office:powerpoint" xmlns:com="http://schemas.openxmlformats.org/drawingml/2006/compatibility" xmlns:p14="http://schemas.microsoft.com/office/powerpoint/2010/main" xmlns:p15="http://schemas.microsoft.com/office/powerpoint/2012/main">
-  <p:cSld>
-    <p:spTree>
-      <p:nvGrpSpPr>
-        <p:cNvPr id="457" name="Shape 457"/>
-        <p:cNvGrpSpPr/>
-        <p:nvPr/>
-      </p:nvGrpSpPr>
-      <p:grpSpPr>
-        <a:xfrm>
-          <a:off x="0" y="0"/>
-          <a:ext cx="0" cy="0"/>
-          <a:chOff x="0" y="0"/>
-          <a:chExt cx="0" cy="0"/>
-        </a:xfrm>
-      </p:grpSpPr>
-      <p:sp>
-        <p:nvSpPr>
-          <p:cNvPr id="458" name="Google Shape;458;p72"/>
-          <p:cNvSpPr txBox="1"/>
-          <p:nvPr>
-            <p:ph type="title"/>
-          </p:nvPr>
-        </p:nvSpPr>
-        <p:spPr>
-          <a:xfrm>
-            <a:off x="457200" y="274638"/>
-            <a:ext cx="8229600" cy="1143000"/>
-          </a:xfrm>
-          <a:prstGeom prst="rect">
-            <a:avLst/>
-          </a:prstGeom>
-          <a:noFill/>
-          <a:ln>
-            <a:noFill/>
-          </a:ln>
-        </p:spPr>
-        <p:txBody>
-          <a:bodyPr anchorCtr="0" anchor="ctr" bIns="45700" lIns="91425" spcFirstLastPara="1" rIns="91425" wrap="square" tIns="45700">
-            <a:noAutofit/>
-          </a:bodyPr>
-          <a:lstStyle/>
-          <a:p>
-            <a:pPr indent="0" lvl="0" marL="0" rtl="0" algn="ctr">
-              <a:spcBef>
-                <a:spcPts val="0"/>
-              </a:spcBef>
-              <a:spcAft>
-                <a:spcPts val="0"/>
-              </a:spcAft>
-              <a:buClr>
-                <a:schemeClr val="dk1"/>
-              </a:buClr>
-              <a:buSzPts val="4400"/>
-              <a:buFont typeface="Montserrat"/>
-              <a:buNone/>
-            </a:pPr>
-            <a:r>
-              <a:rPr lang="en-US"/>
-              <a:t>GraphX</a:t>
-            </a:r>
-            <a:endParaRPr/>
-          </a:p>
-        </p:txBody>
-      </p:sp>
-      <p:sp>
-        <p:nvSpPr>
-          <p:cNvPr id="459" name="Google Shape;459;p72"/>
-          <p:cNvSpPr txBox="1"/>
-          <p:nvPr>
-            <p:ph idx="1" type="body"/>
-          </p:nvPr>
-        </p:nvSpPr>
-        <p:spPr>
-          <a:xfrm>
-            <a:off x="375635" y="1600200"/>
-            <a:ext cx="8229600" cy="4525963"/>
-          </a:xfrm>
-          <a:prstGeom prst="rect">
-            <a:avLst/>
-          </a:prstGeom>
-          <a:noFill/>
-          <a:ln>
-            <a:noFill/>
-          </a:ln>
-        </p:spPr>
-        <p:txBody>
-          <a:bodyPr anchorCtr="0" anchor="t" bIns="45700" lIns="91425" spcFirstLastPara="1" rIns="91425" wrap="square" tIns="45700">
-            <a:noAutofit/>
-          </a:bodyPr>
-          <a:lstStyle/>
-          <a:p>
-            <a:pPr indent="-342900" lvl="0" marL="342900" rtl="0" algn="l">
-              <a:spcBef>
-                <a:spcPts val="0"/>
-              </a:spcBef>
-              <a:spcAft>
-                <a:spcPts val="0"/>
-              </a:spcAft>
-              <a:buClr>
-                <a:schemeClr val="dk1"/>
-              </a:buClr>
-              <a:buSzPts val="3200"/>
-              <a:buChar char="•"/>
-            </a:pPr>
-            <a:r>
-              <a:rPr lang="en-US"/>
-              <a:t>  </a:t>
-            </a:r>
-            <a:endParaRPr/>
-          </a:p>
-          <a:p>
-            <a:pPr indent="-139700" lvl="0" marL="342900" rtl="0" algn="l">
-              <a:spcBef>
-                <a:spcPts val="640"/>
-              </a:spcBef>
-              <a:spcAft>
-                <a:spcPts val="0"/>
-              </a:spcAft>
-              <a:buClr>
-                <a:schemeClr val="dk1"/>
-              </a:buClr>
-              <a:buSzPts val="3200"/>
-              <a:buNone/>
-            </a:pPr>
-            <a:r>
-              <a:t/>
-            </a:r>
-            <a:endParaRPr/>
-          </a:p>
-        </p:txBody>
-      </p:sp>
-      <p:pic>
-        <p:nvPicPr>
-          <p:cNvPr id="460" name="Google Shape;460;p72"/>
-          <p:cNvPicPr preferRelativeResize="0"/>
-          <p:nvPr/>
-        </p:nvPicPr>
-        <p:blipFill rotWithShape="1">
-          <a:blip r:embed="rId3">
-            <a:alphaModFix/>
-          </a:blip>
-          <a:srcRect b="0" l="0" r="0" t="0"/>
-          <a:stretch/>
-        </p:blipFill>
-        <p:spPr>
-          <a:xfrm>
-            <a:off x="6313668" y="274638"/>
-            <a:ext cx="2639155" cy="904155"/>
-          </a:xfrm>
-          <a:prstGeom prst="rect">
-            <a:avLst/>
-          </a:prstGeom>
-          <a:noFill/>
-          <a:ln>
-            <a:noFill/>
-          </a:ln>
-        </p:spPr>
-      </p:pic>
-      <p:pic>
-        <p:nvPicPr>
-          <p:cNvPr id="461" name="Google Shape;461;p72"/>
-          <p:cNvPicPr preferRelativeResize="0"/>
-          <p:nvPr/>
-        </p:nvPicPr>
-        <p:blipFill rotWithShape="1">
-          <a:blip r:embed="rId4">
-            <a:alphaModFix/>
-          </a:blip>
-          <a:srcRect b="0" l="0" r="0" t="0"/>
-          <a:stretch/>
-        </p:blipFill>
-        <p:spPr>
-          <a:xfrm>
-            <a:off x="1160710" y="1295243"/>
-            <a:ext cx="7128120" cy="4630232"/>
-          </a:xfrm>
-          <a:prstGeom prst="rect">
-            <a:avLst/>
-          </a:prstGeom>
-          <a:noFill/>
-          <a:ln>
-            <a:noFill/>
-          </a:ln>
-        </p:spPr>
-      </p:pic>
     </p:spTree>
   </p:cSld>
   <p:clrMapOvr>
@@ -39849,7 +39938,7 @@
             </a:pPr>
             <a:r>
               <a:rPr lang="en-US"/>
-              <a:t>R</a:t>
+              <a:t>GraphX</a:t>
             </a:r>
             <a:endParaRPr/>
           </a:p>
@@ -39883,9 +39972,6 @@
           <a:lstStyle/>
           <a:p>
             <a:pPr indent="-342900" lvl="0" marL="342900" rtl="0" algn="l">
-              <a:lnSpc>
-                <a:spcPct val="90000"/>
-              </a:lnSpc>
               <a:spcBef>
                 <a:spcPts val="0"/>
               </a:spcBef>
@@ -39900,99 +39986,26 @@
             </a:pPr>
             <a:r>
               <a:rPr lang="en-US"/>
-              <a:t> R is an open source system for statistics and graphics</a:t>
+              <a:t>  </a:t>
             </a:r>
             <a:endParaRPr/>
           </a:p>
           <a:p>
-            <a:pPr indent="-285750" lvl="1" marL="742950" rtl="0" algn="l">
-              <a:lnSpc>
-                <a:spcPct val="90000"/>
-              </a:lnSpc>
-              <a:spcBef>
-                <a:spcPts val="560"/>
-              </a:spcBef>
-              <a:spcAft>
-                <a:spcPts val="0"/>
-              </a:spcAft>
-              <a:buClr>
-                <a:schemeClr val="dk1"/>
-              </a:buClr>
-              <a:buSzPts val="2800"/>
-              <a:buChar char="–"/>
+            <a:pPr indent="-139700" lvl="0" marL="342900" rtl="0" algn="l">
+              <a:spcBef>
+                <a:spcPts val="640"/>
+              </a:spcBef>
+              <a:spcAft>
+                <a:spcPts val="0"/>
+              </a:spcAft>
+              <a:buClr>
+                <a:schemeClr val="dk1"/>
+              </a:buClr>
+              <a:buSzPts val="3200"/>
+              <a:buNone/>
             </a:pPr>
             <a:r>
-              <a:rPr lang="en-US"/>
-              <a:t>Based on the S language from AT&amp;T Bell Labs</a:t>
-            </a:r>
-            <a:endParaRPr/>
-          </a:p>
-          <a:p>
-            <a:pPr indent="-342900" lvl="0" marL="342900" rtl="0" algn="l">
-              <a:lnSpc>
-                <a:spcPct val="90000"/>
-              </a:lnSpc>
-              <a:spcBef>
-                <a:spcPts val="640"/>
-              </a:spcBef>
-              <a:spcAft>
-                <a:spcPts val="0"/>
-              </a:spcAft>
-              <a:buClr>
-                <a:schemeClr val="dk1"/>
-              </a:buClr>
-              <a:buSzPts val="3200"/>
-              <a:buChar char="•"/>
-            </a:pPr>
-            <a:r>
-              <a:rPr lang="en-US"/>
-              <a:t>Supports a wide variety of statistical techniques and graphing tools</a:t>
-            </a:r>
-            <a:endParaRPr/>
-          </a:p>
-          <a:p>
-            <a:pPr indent="-342900" lvl="0" marL="342900" rtl="0" algn="l">
-              <a:lnSpc>
-                <a:spcPct val="90000"/>
-              </a:lnSpc>
-              <a:spcBef>
-                <a:spcPts val="640"/>
-              </a:spcBef>
-              <a:spcAft>
-                <a:spcPts val="0"/>
-              </a:spcAft>
-              <a:buClr>
-                <a:schemeClr val="dk1"/>
-              </a:buClr>
-              <a:buSzPts val="3200"/>
-              <a:buChar char="•"/>
-            </a:pPr>
-            <a:r>
-              <a:rPr lang="en-US"/>
-              <a:t>An extensible set of packages that provide extra functions via CRAN</a:t>
-            </a:r>
-            <a:endParaRPr/>
-          </a:p>
-          <a:p>
-            <a:pPr indent="-285750" lvl="1" marL="742950" rtl="0" algn="l">
-              <a:lnSpc>
-                <a:spcPct val="90000"/>
-              </a:lnSpc>
-              <a:spcBef>
-                <a:spcPts val="560"/>
-              </a:spcBef>
-              <a:spcAft>
-                <a:spcPts val="0"/>
-              </a:spcAft>
-              <a:buClr>
-                <a:schemeClr val="dk1"/>
-              </a:buClr>
-              <a:buSzPts val="2800"/>
-              <a:buChar char="–"/>
-            </a:pPr>
-            <a:r>
-              <a:rPr lang="en-US"/>
-              <a:t>The Comprehensive R Archive Network</a:t>
+              <a:t/>
             </a:r>
             <a:endParaRPr/>
           </a:p>
@@ -40013,8 +40026,35 @@
         </p:blipFill>
         <p:spPr>
           <a:xfrm>
-            <a:off x="7685385" y="117126"/>
-            <a:ext cx="1170279" cy="906966"/>
+            <a:off x="6313668" y="274638"/>
+            <a:ext cx="2639155" cy="904155"/>
+          </a:xfrm>
+          <a:prstGeom prst="rect">
+            <a:avLst/>
+          </a:prstGeom>
+          <a:noFill/>
+          <a:ln>
+            <a:noFill/>
+          </a:ln>
+        </p:spPr>
+      </p:pic>
+      <p:pic>
+        <p:nvPicPr>
+          <p:cNvPr id="469" name="Google Shape;469;p73"/>
+          <p:cNvPicPr preferRelativeResize="0"/>
+          <p:nvPr/>
+        </p:nvPicPr>
+        <p:blipFill rotWithShape="1">
+          <a:blip r:embed="rId4">
+            <a:alphaModFix/>
+          </a:blip>
+          <a:srcRect b="0" l="0" r="0" t="0"/>
+          <a:stretch/>
+        </p:blipFill>
+        <p:spPr>
+          <a:xfrm>
+            <a:off x="1160710" y="1295243"/>
+            <a:ext cx="7128120" cy="4630232"/>
           </a:xfrm>
           <a:prstGeom prst="rect">
             <a:avLst/>
@@ -40240,7 +40280,7 @@
   <p:cSld>
     <p:spTree>
       <p:nvGrpSpPr>
-        <p:cNvPr id="472" name="Shape 472"/>
+        <p:cNvPr id="473" name="Shape 473"/>
         <p:cNvGrpSpPr/>
         <p:nvPr/>
       </p:nvGrpSpPr>
@@ -40254,7 +40294,7 @@
       </p:grpSpPr>
       <p:sp>
         <p:nvSpPr>
-          <p:cNvPr id="473" name="Google Shape;473;p74"/>
+          <p:cNvPr id="474" name="Google Shape;474;p74"/>
           <p:cNvSpPr txBox="1"/>
           <p:nvPr>
             <p:ph type="title"/>
@@ -40295,7 +40335,7 @@
             </a:pPr>
             <a:r>
               <a:rPr lang="en-US"/>
-              <a:t>SparkR</a:t>
+              <a:t>R</a:t>
             </a:r>
             <a:endParaRPr/>
           </a:p>
@@ -40303,7 +40343,7 @@
       </p:sp>
       <p:sp>
         <p:nvSpPr>
-          <p:cNvPr id="474" name="Google Shape;474;p74"/>
+          <p:cNvPr id="475" name="Google Shape;475;p74"/>
           <p:cNvSpPr txBox="1"/>
           <p:nvPr>
             <p:ph idx="1" type="body"/>
@@ -40329,6 +40369,9 @@
           <a:lstStyle/>
           <a:p>
             <a:pPr indent="-342900" lvl="0" marL="342900" rtl="0" algn="l">
+              <a:lnSpc>
+                <a:spcPct val="90000"/>
+              </a:lnSpc>
               <a:spcBef>
                 <a:spcPts val="0"/>
               </a:spcBef>
@@ -40343,12 +40386,38 @@
             </a:pPr>
             <a:r>
               <a:rPr lang="en-US"/>
-              <a:t>A lightweight approach to use Spark from within R</a:t>
+              <a:t> R is an open source system for statistics and graphics</a:t>
+            </a:r>
+            <a:endParaRPr/>
+          </a:p>
+          <a:p>
+            <a:pPr indent="-285750" lvl="1" marL="742950" rtl="0" algn="l">
+              <a:lnSpc>
+                <a:spcPct val="90000"/>
+              </a:lnSpc>
+              <a:spcBef>
+                <a:spcPts val="560"/>
+              </a:spcBef>
+              <a:spcAft>
+                <a:spcPts val="0"/>
+              </a:spcAft>
+              <a:buClr>
+                <a:schemeClr val="dk1"/>
+              </a:buClr>
+              <a:buSzPts val="2800"/>
+              <a:buChar char="–"/>
+            </a:pPr>
+            <a:r>
+              <a:rPr lang="en-US"/>
+              <a:t>Based on the S language from AT&amp;T Bell Labs</a:t>
             </a:r>
             <a:endParaRPr/>
           </a:p>
           <a:p>
             <a:pPr indent="-342900" lvl="0" marL="342900" rtl="0" algn="l">
+              <a:lnSpc>
+                <a:spcPct val="90000"/>
+              </a:lnSpc>
               <a:spcBef>
                 <a:spcPts val="640"/>
               </a:spcBef>
@@ -40363,12 +40432,15 @@
             </a:pPr>
             <a:r>
               <a:rPr lang="en-US"/>
-              <a:t>Also works with MLlib for machine learning</a:t>
+              <a:t>Supports a wide variety of statistical techniques and graphing tools</a:t>
             </a:r>
             <a:endParaRPr/>
           </a:p>
           <a:p>
             <a:pPr indent="-342900" lvl="0" marL="342900" rtl="0" algn="l">
+              <a:lnSpc>
+                <a:spcPct val="90000"/>
+              </a:lnSpc>
               <a:spcBef>
                 <a:spcPts val="640"/>
               </a:spcBef>
@@ -40383,12 +40455,62 @@
             </a:pPr>
             <a:r>
               <a:rPr lang="en-US"/>
-              <a:t>Allows complex statistical analysis to be done on a Spark cluster </a:t>
+              <a:t>An extensible set of packages that provide extra functions via CRAN</a:t>
+            </a:r>
+            <a:endParaRPr/>
+          </a:p>
+          <a:p>
+            <a:pPr indent="-285750" lvl="1" marL="742950" rtl="0" algn="l">
+              <a:lnSpc>
+                <a:spcPct val="90000"/>
+              </a:lnSpc>
+              <a:spcBef>
+                <a:spcPts val="560"/>
+              </a:spcBef>
+              <a:spcAft>
+                <a:spcPts val="0"/>
+              </a:spcAft>
+              <a:buClr>
+                <a:schemeClr val="dk1"/>
+              </a:buClr>
+              <a:buSzPts val="2800"/>
+              <a:buChar char="–"/>
+            </a:pPr>
+            <a:r>
+              <a:rPr lang="en-US"/>
+              <a:t>The Comprehensive R Archive Network</a:t>
             </a:r>
             <a:endParaRPr/>
           </a:p>
         </p:txBody>
       </p:sp>
+      <p:pic>
+        <p:nvPicPr>
+          <p:cNvPr id="476" name="Google Shape;476;p74"/>
+          <p:cNvPicPr preferRelativeResize="0"/>
+          <p:nvPr/>
+        </p:nvPicPr>
+        <p:blipFill rotWithShape="1">
+          <a:blip r:embed="rId3">
+            <a:alphaModFix/>
+          </a:blip>
+          <a:srcRect b="0" l="0" r="0" t="0"/>
+          <a:stretch/>
+        </p:blipFill>
+        <p:spPr>
+          <a:xfrm>
+            <a:off x="7685385" y="117126"/>
+            <a:ext cx="1170279" cy="906966"/>
+          </a:xfrm>
+          <a:prstGeom prst="rect">
+            <a:avLst/>
+          </a:prstGeom>
+          <a:noFill/>
+          <a:ln>
+            <a:noFill/>
+          </a:ln>
+        </p:spPr>
+      </p:pic>
     </p:spTree>
   </p:cSld>
   <p:clrMapOvr>
@@ -40402,7 +40524,7 @@
   <p:cSld>
     <p:spTree>
       <p:nvGrpSpPr>
-        <p:cNvPr id="478" name="Shape 478"/>
+        <p:cNvPr id="480" name="Shape 480"/>
         <p:cNvGrpSpPr/>
         <p:nvPr/>
       </p:nvGrpSpPr>
@@ -40416,7 +40538,7 @@
       </p:grpSpPr>
       <p:sp>
         <p:nvSpPr>
-          <p:cNvPr id="479" name="Google Shape;479;p75"/>
+          <p:cNvPr id="481" name="Google Shape;481;p75"/>
           <p:cNvSpPr txBox="1"/>
           <p:nvPr>
             <p:ph type="title"/>
@@ -40457,6 +40579,168 @@
             </a:pPr>
             <a:r>
               <a:rPr lang="en-US"/>
+              <a:t>SparkR</a:t>
+            </a:r>
+            <a:endParaRPr/>
+          </a:p>
+        </p:txBody>
+      </p:sp>
+      <p:sp>
+        <p:nvSpPr>
+          <p:cNvPr id="482" name="Google Shape;482;p75"/>
+          <p:cNvSpPr txBox="1"/>
+          <p:nvPr>
+            <p:ph idx="1" type="body"/>
+          </p:nvPr>
+        </p:nvSpPr>
+        <p:spPr>
+          <a:xfrm>
+            <a:off x="375635" y="1600200"/>
+            <a:ext cx="8229600" cy="4525963"/>
+          </a:xfrm>
+          <a:prstGeom prst="rect">
+            <a:avLst/>
+          </a:prstGeom>
+          <a:noFill/>
+          <a:ln>
+            <a:noFill/>
+          </a:ln>
+        </p:spPr>
+        <p:txBody>
+          <a:bodyPr anchorCtr="0" anchor="t" bIns="45700" lIns="91425" spcFirstLastPara="1" rIns="91425" wrap="square" tIns="45700">
+            <a:noAutofit/>
+          </a:bodyPr>
+          <a:lstStyle/>
+          <a:p>
+            <a:pPr indent="-342900" lvl="0" marL="342900" rtl="0" algn="l">
+              <a:spcBef>
+                <a:spcPts val="0"/>
+              </a:spcBef>
+              <a:spcAft>
+                <a:spcPts val="0"/>
+              </a:spcAft>
+              <a:buClr>
+                <a:schemeClr val="dk1"/>
+              </a:buClr>
+              <a:buSzPts val="3200"/>
+              <a:buChar char="•"/>
+            </a:pPr>
+            <a:r>
+              <a:rPr lang="en-US"/>
+              <a:t>A lightweight approach to use Spark from within R</a:t>
+            </a:r>
+            <a:endParaRPr/>
+          </a:p>
+          <a:p>
+            <a:pPr indent="-342900" lvl="0" marL="342900" rtl="0" algn="l">
+              <a:spcBef>
+                <a:spcPts val="640"/>
+              </a:spcBef>
+              <a:spcAft>
+                <a:spcPts val="0"/>
+              </a:spcAft>
+              <a:buClr>
+                <a:schemeClr val="dk1"/>
+              </a:buClr>
+              <a:buSzPts val="3200"/>
+              <a:buChar char="•"/>
+            </a:pPr>
+            <a:r>
+              <a:rPr lang="en-US"/>
+              <a:t>Also works with MLlib for machine learning</a:t>
+            </a:r>
+            <a:endParaRPr/>
+          </a:p>
+          <a:p>
+            <a:pPr indent="-342900" lvl="0" marL="342900" rtl="0" algn="l">
+              <a:spcBef>
+                <a:spcPts val="640"/>
+              </a:spcBef>
+              <a:spcAft>
+                <a:spcPts val="0"/>
+              </a:spcAft>
+              <a:buClr>
+                <a:schemeClr val="dk1"/>
+              </a:buClr>
+              <a:buSzPts val="3200"/>
+              <a:buChar char="•"/>
+            </a:pPr>
+            <a:r>
+              <a:rPr lang="en-US"/>
+              <a:t>Allows complex statistical analysis to be done on a Spark cluster </a:t>
+            </a:r>
+            <a:endParaRPr/>
+          </a:p>
+        </p:txBody>
+      </p:sp>
+    </p:spTree>
+  </p:cSld>
+  <p:clrMapOvr>
+    <a:masterClrMapping/>
+  </p:clrMapOvr>
+</p:sld>
+</file>
+
+<file path=ppt/slides/slide52.xml><?xml version="1.0" encoding="utf-8"?>
+<p:sld xmlns:a="http://schemas.openxmlformats.org/drawingml/2006/main" xmlns:r="http://schemas.openxmlformats.org/officeDocument/2006/relationships" xmlns:mc="http://schemas.openxmlformats.org/markup-compatibility/2006" xmlns:mv="urn:schemas-microsoft-com:mac:vml" xmlns:p="http://schemas.openxmlformats.org/presentationml/2006/main" xmlns:c="http://schemas.openxmlformats.org/drawingml/2006/chart" xmlns:dgm="http://schemas.openxmlformats.org/drawingml/2006/diagram" xmlns:o="urn:schemas-microsoft-com:office:office" xmlns:v="urn:schemas-microsoft-com:vml" xmlns:pvml="urn:schemas-microsoft-com:office:powerpoint" xmlns:com="http://schemas.openxmlformats.org/drawingml/2006/compatibility" xmlns:p14="http://schemas.microsoft.com/office/powerpoint/2010/main" xmlns:p15="http://schemas.microsoft.com/office/powerpoint/2012/main">
+  <p:cSld>
+    <p:spTree>
+      <p:nvGrpSpPr>
+        <p:cNvPr id="486" name="Shape 486"/>
+        <p:cNvGrpSpPr/>
+        <p:nvPr/>
+      </p:nvGrpSpPr>
+      <p:grpSpPr>
+        <a:xfrm>
+          <a:off x="0" y="0"/>
+          <a:ext cx="0" cy="0"/>
+          <a:chOff x="0" y="0"/>
+          <a:chExt cx="0" cy="0"/>
+        </a:xfrm>
+      </p:grpSpPr>
+      <p:sp>
+        <p:nvSpPr>
+          <p:cNvPr id="487" name="Google Shape;487;p76"/>
+          <p:cNvSpPr txBox="1"/>
+          <p:nvPr>
+            <p:ph type="title"/>
+          </p:nvPr>
+        </p:nvSpPr>
+        <p:spPr>
+          <a:xfrm>
+            <a:off x="457200" y="274638"/>
+            <a:ext cx="8229600" cy="1143000"/>
+          </a:xfrm>
+          <a:prstGeom prst="rect">
+            <a:avLst/>
+          </a:prstGeom>
+          <a:noFill/>
+          <a:ln>
+            <a:noFill/>
+          </a:ln>
+        </p:spPr>
+        <p:txBody>
+          <a:bodyPr anchorCtr="0" anchor="ctr" bIns="45700" lIns="91425" spcFirstLastPara="1" rIns="91425" wrap="square" tIns="45700">
+            <a:noAutofit/>
+          </a:bodyPr>
+          <a:lstStyle/>
+          <a:p>
+            <a:pPr indent="0" lvl="0" marL="0" rtl="0" algn="ctr">
+              <a:spcBef>
+                <a:spcPts val="0"/>
+              </a:spcBef>
+              <a:spcAft>
+                <a:spcPts val="0"/>
+              </a:spcAft>
+              <a:buClr>
+                <a:schemeClr val="dk1"/>
+              </a:buClr>
+              <a:buSzPts val="4400"/>
+              <a:buFont typeface="Montserrat"/>
+              <a:buNone/>
+            </a:pPr>
+            <a:r>
+              <a:rPr lang="en-US"/>
               <a:t>Apache Parquet</a:t>
             </a:r>
             <a:endParaRPr/>
@@ -40465,7 +40749,7 @@
       </p:sp>
       <p:sp>
         <p:nvSpPr>
-          <p:cNvPr id="480" name="Google Shape;480;p75"/>
+          <p:cNvPr id="488" name="Google Shape;488;p76"/>
           <p:cNvSpPr txBox="1"/>
           <p:nvPr>
             <p:ph idx="1" type="body"/>
@@ -40573,7 +40857,7 @@
       </p:sp>
       <p:pic>
         <p:nvPicPr>
-          <p:cNvPr id="481" name="Google Shape;481;p75"/>
+          <p:cNvPr id="489" name="Google Shape;489;p76"/>
           <p:cNvPicPr preferRelativeResize="0"/>
           <p:nvPr/>
         </p:nvPicPr>
@@ -40606,12 +40890,12 @@
 </p:sld>
 </file>
 
-<file path=ppt/slides/slide52.xml><?xml version="1.0" encoding="utf-8"?>
+<file path=ppt/slides/slide53.xml><?xml version="1.0" encoding="utf-8"?>
 <p:sld xmlns:a="http://schemas.openxmlformats.org/drawingml/2006/main" xmlns:r="http://schemas.openxmlformats.org/officeDocument/2006/relationships" xmlns:mc="http://schemas.openxmlformats.org/markup-compatibility/2006" xmlns:mv="urn:schemas-microsoft-com:mac:vml" xmlns:p="http://schemas.openxmlformats.org/presentationml/2006/main" xmlns:c="http://schemas.openxmlformats.org/drawingml/2006/chart" xmlns:dgm="http://schemas.openxmlformats.org/drawingml/2006/diagram" xmlns:o="urn:schemas-microsoft-com:office:office" xmlns:v="urn:schemas-microsoft-com:vml" xmlns:pvml="urn:schemas-microsoft-com:office:powerpoint" xmlns:com="http://schemas.openxmlformats.org/drawingml/2006/compatibility" xmlns:p14="http://schemas.microsoft.com/office/powerpoint/2010/main" xmlns:p15="http://schemas.microsoft.com/office/powerpoint/2012/main">
   <p:cSld>
     <p:spTree>
       <p:nvGrpSpPr>
-        <p:cNvPr id="485" name="Shape 485"/>
+        <p:cNvPr id="493" name="Shape 493"/>
         <p:cNvGrpSpPr/>
         <p:nvPr/>
       </p:nvGrpSpPr>
@@ -40625,7 +40909,7 @@
       </p:grpSpPr>
       <p:sp>
         <p:nvSpPr>
-          <p:cNvPr id="486" name="Google Shape;486;p76"/>
+          <p:cNvPr id="494" name="Google Shape;494;p77"/>
           <p:cNvSpPr txBox="1"/>
           <p:nvPr>
             <p:ph type="title"/>

--- a/pres-source/07-spark-and-adjuncts.pptx
+++ b/pres-source/07-spark-and-adjuncts.pptx
@@ -35632,7 +35632,7 @@
                 <a:cs typeface="Droid Sans Mono"/>
                 <a:sym typeface="Droid Sans Mono"/>
               </a:rPr>
-              <a:t>schemaPeople = sqlContext.createDataFrame(people)</a:t>
+              <a:t>schemaPeople = people.toDF()</a:t>
             </a:r>
             <a:endParaRPr/>
           </a:p>
@@ -35770,7 +35770,7 @@
                 <a:cs typeface="Droid Sans Mono"/>
                 <a:sym typeface="Droid Sans Mono"/>
               </a:rPr>
-              <a:t>teenNames = teenagers.map(lambda p: "Name: " + p.name)</a:t>
+              <a:t>teenNames = teenagers.rdd.map(lambda p: "Name: " + p.name)</a:t>
             </a:r>
             <a:endParaRPr/>
           </a:p>

--- a/pres-source/07-spark-and-adjuncts.pptx
+++ b/pres-source/07-spark-and-adjuncts.pptx
@@ -1,6 +1,6 @@
 
 <file path=ppt/presentation.xml><?xml version="1.0" encoding="utf-8"?>
-<p:presentation xmlns:a="http://schemas.openxmlformats.org/drawingml/2006/main" xmlns:r="http://schemas.openxmlformats.org/officeDocument/2006/relationships" xmlns:mc="http://schemas.openxmlformats.org/markup-compatibility/2006" xmlns:mv="urn:schemas-microsoft-com:mac:vml" xmlns:p="http://schemas.openxmlformats.org/presentationml/2006/main" xmlns:c="http://schemas.openxmlformats.org/drawingml/2006/chart" xmlns:dgm="http://schemas.openxmlformats.org/drawingml/2006/diagram" xmlns:o="urn:schemas-microsoft-com:office:office" xmlns:v="urn:schemas-microsoft-com:vml" xmlns:pvml="urn:schemas-microsoft-com:office:powerpoint" xmlns:com="http://schemas.openxmlformats.org/drawingml/2006/compatibility" xmlns:p14="http://schemas.microsoft.com/office/powerpoint/2010/main" xmlns:p15="http://schemas.microsoft.com/office/powerpoint/2012/main" autoCompressPictures="0" embedTrueTypeFonts="1" strictFirstAndLastChars="0" saveSubsetFonts="1">
+<p:presentation xmlns:a="http://schemas.openxmlformats.org/drawingml/2006/main" xmlns:r="http://schemas.openxmlformats.org/officeDocument/2006/relationships" xmlns:mc="http://schemas.openxmlformats.org/markup-compatibility/2006" xmlns:mv="urn:schemas-microsoft-com:mac:vml" xmlns:p="http://schemas.openxmlformats.org/presentationml/2006/main" xmlns:c="http://schemas.openxmlformats.org/drawingml/2006/chart" xmlns:dgm="http://schemas.openxmlformats.org/drawingml/2006/diagram" xmlns:o="urn:schemas-microsoft-com:office:office" xmlns:v="urn:schemas-microsoft-com:vml" xmlns:pvml="urn:schemas-microsoft-com:office:powerpoint" xmlns:com="http://schemas.openxmlformats.org/drawingml/2006/compatibility" xmlns:p14="http://schemas.microsoft.com/office/powerpoint/2010/main" xmlns:p15="http://schemas.microsoft.com/office/powerpoint/2012/main" xmlns:ahyp="http://schemas.microsoft.com/office/drawing/2018/hyperlinkcolor" autoCompressPictures="0" embedTrueTypeFonts="1" strictFirstAndLastChars="0" saveSubsetFonts="1">
   <p:sldMasterIdLst>
     <p:sldMasterId id="2147483670" r:id="rId4"/>
     <p:sldMasterId id="2147483671" r:id="rId5"/>
@@ -323,7 +323,7 @@
 </file>
 
 <file path=ppt/notesMasters/notesMaster1.xml><?xml version="1.0" encoding="utf-8"?>
-<p:notesMaster xmlns:a="http://schemas.openxmlformats.org/drawingml/2006/main" xmlns:r="http://schemas.openxmlformats.org/officeDocument/2006/relationships" xmlns:mc="http://schemas.openxmlformats.org/markup-compatibility/2006" xmlns:mv="urn:schemas-microsoft-com:mac:vml" xmlns:p="http://schemas.openxmlformats.org/presentationml/2006/main" xmlns:c="http://schemas.openxmlformats.org/drawingml/2006/chart" xmlns:dgm="http://schemas.openxmlformats.org/drawingml/2006/diagram" xmlns:o="urn:schemas-microsoft-com:office:office" xmlns:v="urn:schemas-microsoft-com:vml" xmlns:pvml="urn:schemas-microsoft-com:office:powerpoint" xmlns:com="http://schemas.openxmlformats.org/drawingml/2006/compatibility" xmlns:p14="http://schemas.microsoft.com/office/powerpoint/2010/main" xmlns:p15="http://schemas.microsoft.com/office/powerpoint/2012/main">
+<p:notesMaster xmlns:a="http://schemas.openxmlformats.org/drawingml/2006/main" xmlns:r="http://schemas.openxmlformats.org/officeDocument/2006/relationships" xmlns:mc="http://schemas.openxmlformats.org/markup-compatibility/2006" xmlns:mv="urn:schemas-microsoft-com:mac:vml" xmlns:p="http://schemas.openxmlformats.org/presentationml/2006/main" xmlns:c="http://schemas.openxmlformats.org/drawingml/2006/chart" xmlns:dgm="http://schemas.openxmlformats.org/drawingml/2006/diagram" xmlns:o="urn:schemas-microsoft-com:office:office" xmlns:v="urn:schemas-microsoft-com:vml" xmlns:pvml="urn:schemas-microsoft-com:office:powerpoint" xmlns:com="http://schemas.openxmlformats.org/drawingml/2006/compatibility" xmlns:p14="http://schemas.microsoft.com/office/powerpoint/2010/main" xmlns:p15="http://schemas.microsoft.com/office/powerpoint/2012/main" xmlns:ahyp="http://schemas.microsoft.com/office/drawing/2018/hyperlinkcolor">
   <p:cSld>
     <p:bg>
       <p:bgPr>
@@ -1491,7 +1491,7 @@
 </file>
 
 <file path=ppt/notesSlides/notesSlide1.xml><?xml version="1.0" encoding="utf-8"?>
-<p:notes xmlns:a="http://schemas.openxmlformats.org/drawingml/2006/main" xmlns:r="http://schemas.openxmlformats.org/officeDocument/2006/relationships" xmlns:mc="http://schemas.openxmlformats.org/markup-compatibility/2006" xmlns:mv="urn:schemas-microsoft-com:mac:vml" xmlns:p="http://schemas.openxmlformats.org/presentationml/2006/main" xmlns:c="http://schemas.openxmlformats.org/drawingml/2006/chart" xmlns:dgm="http://schemas.openxmlformats.org/drawingml/2006/diagram" xmlns:o="urn:schemas-microsoft-com:office:office" xmlns:v="urn:schemas-microsoft-com:vml" xmlns:pvml="urn:schemas-microsoft-com:office:powerpoint" xmlns:com="http://schemas.openxmlformats.org/drawingml/2006/compatibility" xmlns:p14="http://schemas.microsoft.com/office/powerpoint/2010/main" xmlns:p15="http://schemas.microsoft.com/office/powerpoint/2012/main" showMasterPhAnim="0" showMasterSp="0">
+<p:notes xmlns:a="http://schemas.openxmlformats.org/drawingml/2006/main" xmlns:r="http://schemas.openxmlformats.org/officeDocument/2006/relationships" xmlns:mc="http://schemas.openxmlformats.org/markup-compatibility/2006" xmlns:mv="urn:schemas-microsoft-com:mac:vml" xmlns:p="http://schemas.openxmlformats.org/presentationml/2006/main" xmlns:c="http://schemas.openxmlformats.org/drawingml/2006/chart" xmlns:dgm="http://schemas.openxmlformats.org/drawingml/2006/diagram" xmlns:o="urn:schemas-microsoft-com:office:office" xmlns:v="urn:schemas-microsoft-com:vml" xmlns:pvml="urn:schemas-microsoft-com:office:powerpoint" xmlns:com="http://schemas.openxmlformats.org/drawingml/2006/compatibility" xmlns:p14="http://schemas.microsoft.com/office/powerpoint/2010/main" xmlns:p15="http://schemas.microsoft.com/office/powerpoint/2012/main" xmlns:ahyp="http://schemas.microsoft.com/office/drawing/2018/hyperlinkcolor" showMasterPhAnim="0" showMasterSp="0">
   <p:cSld>
     <p:spTree>
       <p:nvGrpSpPr>
@@ -1590,7 +1590,7 @@
 </file>
 
 <file path=ppt/notesSlides/notesSlide10.xml><?xml version="1.0" encoding="utf-8"?>
-<p:notes xmlns:a="http://schemas.openxmlformats.org/drawingml/2006/main" xmlns:r="http://schemas.openxmlformats.org/officeDocument/2006/relationships" xmlns:mc="http://schemas.openxmlformats.org/markup-compatibility/2006" xmlns:mv="urn:schemas-microsoft-com:mac:vml" xmlns:p="http://schemas.openxmlformats.org/presentationml/2006/main" xmlns:c="http://schemas.openxmlformats.org/drawingml/2006/chart" xmlns:dgm="http://schemas.openxmlformats.org/drawingml/2006/diagram" xmlns:o="urn:schemas-microsoft-com:office:office" xmlns:v="urn:schemas-microsoft-com:vml" xmlns:pvml="urn:schemas-microsoft-com:office:powerpoint" xmlns:com="http://schemas.openxmlformats.org/drawingml/2006/compatibility" xmlns:p14="http://schemas.microsoft.com/office/powerpoint/2010/main" xmlns:p15="http://schemas.microsoft.com/office/powerpoint/2012/main" showMasterPhAnim="0" showMasterSp="0">
+<p:notes xmlns:a="http://schemas.openxmlformats.org/drawingml/2006/main" xmlns:r="http://schemas.openxmlformats.org/officeDocument/2006/relationships" xmlns:mc="http://schemas.openxmlformats.org/markup-compatibility/2006" xmlns:mv="urn:schemas-microsoft-com:mac:vml" xmlns:p="http://schemas.openxmlformats.org/presentationml/2006/main" xmlns:c="http://schemas.openxmlformats.org/drawingml/2006/chart" xmlns:dgm="http://schemas.openxmlformats.org/drawingml/2006/diagram" xmlns:o="urn:schemas-microsoft-com:office:office" xmlns:v="urn:schemas-microsoft-com:vml" xmlns:pvml="urn:schemas-microsoft-com:office:powerpoint" xmlns:com="http://schemas.openxmlformats.org/drawingml/2006/compatibility" xmlns:p14="http://schemas.microsoft.com/office/powerpoint/2010/main" xmlns:p15="http://schemas.microsoft.com/office/powerpoint/2012/main" xmlns:ahyp="http://schemas.microsoft.com/office/drawing/2018/hyperlinkcolor" showMasterPhAnim="0" showMasterSp="0">
   <p:cSld>
     <p:spTree>
       <p:nvGrpSpPr>
@@ -1689,7 +1689,7 @@
 </file>
 
 <file path=ppt/notesSlides/notesSlide11.xml><?xml version="1.0" encoding="utf-8"?>
-<p:notes xmlns:a="http://schemas.openxmlformats.org/drawingml/2006/main" xmlns:r="http://schemas.openxmlformats.org/officeDocument/2006/relationships" xmlns:mc="http://schemas.openxmlformats.org/markup-compatibility/2006" xmlns:mv="urn:schemas-microsoft-com:mac:vml" xmlns:p="http://schemas.openxmlformats.org/presentationml/2006/main" xmlns:c="http://schemas.openxmlformats.org/drawingml/2006/chart" xmlns:dgm="http://schemas.openxmlformats.org/drawingml/2006/diagram" xmlns:o="urn:schemas-microsoft-com:office:office" xmlns:v="urn:schemas-microsoft-com:vml" xmlns:pvml="urn:schemas-microsoft-com:office:powerpoint" xmlns:com="http://schemas.openxmlformats.org/drawingml/2006/compatibility" xmlns:p14="http://schemas.microsoft.com/office/powerpoint/2010/main" xmlns:p15="http://schemas.microsoft.com/office/powerpoint/2012/main" showMasterPhAnim="0" showMasterSp="0">
+<p:notes xmlns:a="http://schemas.openxmlformats.org/drawingml/2006/main" xmlns:r="http://schemas.openxmlformats.org/officeDocument/2006/relationships" xmlns:mc="http://schemas.openxmlformats.org/markup-compatibility/2006" xmlns:mv="urn:schemas-microsoft-com:mac:vml" xmlns:p="http://schemas.openxmlformats.org/presentationml/2006/main" xmlns:c="http://schemas.openxmlformats.org/drawingml/2006/chart" xmlns:dgm="http://schemas.openxmlformats.org/drawingml/2006/diagram" xmlns:o="urn:schemas-microsoft-com:office:office" xmlns:v="urn:schemas-microsoft-com:vml" xmlns:pvml="urn:schemas-microsoft-com:office:powerpoint" xmlns:com="http://schemas.openxmlformats.org/drawingml/2006/compatibility" xmlns:p14="http://schemas.microsoft.com/office/powerpoint/2010/main" xmlns:p15="http://schemas.microsoft.com/office/powerpoint/2012/main" xmlns:ahyp="http://schemas.microsoft.com/office/drawing/2018/hyperlinkcolor" showMasterPhAnim="0" showMasterSp="0">
   <p:cSld>
     <p:spTree>
       <p:nvGrpSpPr>
@@ -1788,7 +1788,7 @@
 </file>
 
 <file path=ppt/notesSlides/notesSlide12.xml><?xml version="1.0" encoding="utf-8"?>
-<p:notes xmlns:a="http://schemas.openxmlformats.org/drawingml/2006/main" xmlns:r="http://schemas.openxmlformats.org/officeDocument/2006/relationships" xmlns:mc="http://schemas.openxmlformats.org/markup-compatibility/2006" xmlns:mv="urn:schemas-microsoft-com:mac:vml" xmlns:p="http://schemas.openxmlformats.org/presentationml/2006/main" xmlns:c="http://schemas.openxmlformats.org/drawingml/2006/chart" xmlns:dgm="http://schemas.openxmlformats.org/drawingml/2006/diagram" xmlns:o="urn:schemas-microsoft-com:office:office" xmlns:v="urn:schemas-microsoft-com:vml" xmlns:pvml="urn:schemas-microsoft-com:office:powerpoint" xmlns:com="http://schemas.openxmlformats.org/drawingml/2006/compatibility" xmlns:p14="http://schemas.microsoft.com/office/powerpoint/2010/main" xmlns:p15="http://schemas.microsoft.com/office/powerpoint/2012/main" showMasterPhAnim="0" showMasterSp="0">
+<p:notes xmlns:a="http://schemas.openxmlformats.org/drawingml/2006/main" xmlns:r="http://schemas.openxmlformats.org/officeDocument/2006/relationships" xmlns:mc="http://schemas.openxmlformats.org/markup-compatibility/2006" xmlns:mv="urn:schemas-microsoft-com:mac:vml" xmlns:p="http://schemas.openxmlformats.org/presentationml/2006/main" xmlns:c="http://schemas.openxmlformats.org/drawingml/2006/chart" xmlns:dgm="http://schemas.openxmlformats.org/drawingml/2006/diagram" xmlns:o="urn:schemas-microsoft-com:office:office" xmlns:v="urn:schemas-microsoft-com:vml" xmlns:pvml="urn:schemas-microsoft-com:office:powerpoint" xmlns:com="http://schemas.openxmlformats.org/drawingml/2006/compatibility" xmlns:p14="http://schemas.microsoft.com/office/powerpoint/2010/main" xmlns:p15="http://schemas.microsoft.com/office/powerpoint/2012/main" xmlns:ahyp="http://schemas.microsoft.com/office/drawing/2018/hyperlinkcolor" showMasterPhAnim="0" showMasterSp="0">
   <p:cSld>
     <p:spTree>
       <p:nvGrpSpPr>
@@ -1887,7 +1887,7 @@
 </file>
 
 <file path=ppt/notesSlides/notesSlide13.xml><?xml version="1.0" encoding="utf-8"?>
-<p:notes xmlns:a="http://schemas.openxmlformats.org/drawingml/2006/main" xmlns:r="http://schemas.openxmlformats.org/officeDocument/2006/relationships" xmlns:mc="http://schemas.openxmlformats.org/markup-compatibility/2006" xmlns:mv="urn:schemas-microsoft-com:mac:vml" xmlns:p="http://schemas.openxmlformats.org/presentationml/2006/main" xmlns:c="http://schemas.openxmlformats.org/drawingml/2006/chart" xmlns:dgm="http://schemas.openxmlformats.org/drawingml/2006/diagram" xmlns:o="urn:schemas-microsoft-com:office:office" xmlns:v="urn:schemas-microsoft-com:vml" xmlns:pvml="urn:schemas-microsoft-com:office:powerpoint" xmlns:com="http://schemas.openxmlformats.org/drawingml/2006/compatibility" xmlns:p14="http://schemas.microsoft.com/office/powerpoint/2010/main" xmlns:p15="http://schemas.microsoft.com/office/powerpoint/2012/main" showMasterPhAnim="0" showMasterSp="0">
+<p:notes xmlns:a="http://schemas.openxmlformats.org/drawingml/2006/main" xmlns:r="http://schemas.openxmlformats.org/officeDocument/2006/relationships" xmlns:mc="http://schemas.openxmlformats.org/markup-compatibility/2006" xmlns:mv="urn:schemas-microsoft-com:mac:vml" xmlns:p="http://schemas.openxmlformats.org/presentationml/2006/main" xmlns:c="http://schemas.openxmlformats.org/drawingml/2006/chart" xmlns:dgm="http://schemas.openxmlformats.org/drawingml/2006/diagram" xmlns:o="urn:schemas-microsoft-com:office:office" xmlns:v="urn:schemas-microsoft-com:vml" xmlns:pvml="urn:schemas-microsoft-com:office:powerpoint" xmlns:com="http://schemas.openxmlformats.org/drawingml/2006/compatibility" xmlns:p14="http://schemas.microsoft.com/office/powerpoint/2010/main" xmlns:p15="http://schemas.microsoft.com/office/powerpoint/2012/main" xmlns:ahyp="http://schemas.microsoft.com/office/drawing/2018/hyperlinkcolor" showMasterPhAnim="0" showMasterSp="0">
   <p:cSld>
     <p:spTree>
       <p:nvGrpSpPr>
@@ -1986,7 +1986,7 @@
 </file>
 
 <file path=ppt/notesSlides/notesSlide14.xml><?xml version="1.0" encoding="utf-8"?>
-<p:notes xmlns:a="http://schemas.openxmlformats.org/drawingml/2006/main" xmlns:r="http://schemas.openxmlformats.org/officeDocument/2006/relationships" xmlns:mc="http://schemas.openxmlformats.org/markup-compatibility/2006" xmlns:mv="urn:schemas-microsoft-com:mac:vml" xmlns:p="http://schemas.openxmlformats.org/presentationml/2006/main" xmlns:c="http://schemas.openxmlformats.org/drawingml/2006/chart" xmlns:dgm="http://schemas.openxmlformats.org/drawingml/2006/diagram" xmlns:o="urn:schemas-microsoft-com:office:office" xmlns:v="urn:schemas-microsoft-com:vml" xmlns:pvml="urn:schemas-microsoft-com:office:powerpoint" xmlns:com="http://schemas.openxmlformats.org/drawingml/2006/compatibility" xmlns:p14="http://schemas.microsoft.com/office/powerpoint/2010/main" xmlns:p15="http://schemas.microsoft.com/office/powerpoint/2012/main" showMasterPhAnim="0" showMasterSp="0">
+<p:notes xmlns:a="http://schemas.openxmlformats.org/drawingml/2006/main" xmlns:r="http://schemas.openxmlformats.org/officeDocument/2006/relationships" xmlns:mc="http://schemas.openxmlformats.org/markup-compatibility/2006" xmlns:mv="urn:schemas-microsoft-com:mac:vml" xmlns:p="http://schemas.openxmlformats.org/presentationml/2006/main" xmlns:c="http://schemas.openxmlformats.org/drawingml/2006/chart" xmlns:dgm="http://schemas.openxmlformats.org/drawingml/2006/diagram" xmlns:o="urn:schemas-microsoft-com:office:office" xmlns:v="urn:schemas-microsoft-com:vml" xmlns:pvml="urn:schemas-microsoft-com:office:powerpoint" xmlns:com="http://schemas.openxmlformats.org/drawingml/2006/compatibility" xmlns:p14="http://schemas.microsoft.com/office/powerpoint/2010/main" xmlns:p15="http://schemas.microsoft.com/office/powerpoint/2012/main" xmlns:ahyp="http://schemas.microsoft.com/office/drawing/2018/hyperlinkcolor" showMasterPhAnim="0" showMasterSp="0">
   <p:cSld>
     <p:spTree>
       <p:nvGrpSpPr>
@@ -2129,7 +2129,7 @@
 </file>
 
 <file path=ppt/notesSlides/notesSlide15.xml><?xml version="1.0" encoding="utf-8"?>
-<p:notes xmlns:a="http://schemas.openxmlformats.org/drawingml/2006/main" xmlns:r="http://schemas.openxmlformats.org/officeDocument/2006/relationships" xmlns:mc="http://schemas.openxmlformats.org/markup-compatibility/2006" xmlns:mv="urn:schemas-microsoft-com:mac:vml" xmlns:p="http://schemas.openxmlformats.org/presentationml/2006/main" xmlns:c="http://schemas.openxmlformats.org/drawingml/2006/chart" xmlns:dgm="http://schemas.openxmlformats.org/drawingml/2006/diagram" xmlns:o="urn:schemas-microsoft-com:office:office" xmlns:v="urn:schemas-microsoft-com:vml" xmlns:pvml="urn:schemas-microsoft-com:office:powerpoint" xmlns:com="http://schemas.openxmlformats.org/drawingml/2006/compatibility" xmlns:p14="http://schemas.microsoft.com/office/powerpoint/2010/main" xmlns:p15="http://schemas.microsoft.com/office/powerpoint/2012/main" showMasterPhAnim="0" showMasterSp="0">
+<p:notes xmlns:a="http://schemas.openxmlformats.org/drawingml/2006/main" xmlns:r="http://schemas.openxmlformats.org/officeDocument/2006/relationships" xmlns:mc="http://schemas.openxmlformats.org/markup-compatibility/2006" xmlns:mv="urn:schemas-microsoft-com:mac:vml" xmlns:p="http://schemas.openxmlformats.org/presentationml/2006/main" xmlns:c="http://schemas.openxmlformats.org/drawingml/2006/chart" xmlns:dgm="http://schemas.openxmlformats.org/drawingml/2006/diagram" xmlns:o="urn:schemas-microsoft-com:office:office" xmlns:v="urn:schemas-microsoft-com:vml" xmlns:pvml="urn:schemas-microsoft-com:office:powerpoint" xmlns:com="http://schemas.openxmlformats.org/drawingml/2006/compatibility" xmlns:p14="http://schemas.microsoft.com/office/powerpoint/2010/main" xmlns:p15="http://schemas.microsoft.com/office/powerpoint/2012/main" xmlns:ahyp="http://schemas.microsoft.com/office/drawing/2018/hyperlinkcolor" showMasterPhAnim="0" showMasterSp="0">
   <p:cSld>
     <p:spTree>
       <p:nvGrpSpPr>
@@ -2228,7 +2228,7 @@
 </file>
 
 <file path=ppt/notesSlides/notesSlide16.xml><?xml version="1.0" encoding="utf-8"?>
-<p:notes xmlns:a="http://schemas.openxmlformats.org/drawingml/2006/main" xmlns:r="http://schemas.openxmlformats.org/officeDocument/2006/relationships" xmlns:mc="http://schemas.openxmlformats.org/markup-compatibility/2006" xmlns:mv="urn:schemas-microsoft-com:mac:vml" xmlns:p="http://schemas.openxmlformats.org/presentationml/2006/main" xmlns:c="http://schemas.openxmlformats.org/drawingml/2006/chart" xmlns:dgm="http://schemas.openxmlformats.org/drawingml/2006/diagram" xmlns:o="urn:schemas-microsoft-com:office:office" xmlns:v="urn:schemas-microsoft-com:vml" xmlns:pvml="urn:schemas-microsoft-com:office:powerpoint" xmlns:com="http://schemas.openxmlformats.org/drawingml/2006/compatibility" xmlns:p14="http://schemas.microsoft.com/office/powerpoint/2010/main" xmlns:p15="http://schemas.microsoft.com/office/powerpoint/2012/main" showMasterPhAnim="0" showMasterSp="0">
+<p:notes xmlns:a="http://schemas.openxmlformats.org/drawingml/2006/main" xmlns:r="http://schemas.openxmlformats.org/officeDocument/2006/relationships" xmlns:mc="http://schemas.openxmlformats.org/markup-compatibility/2006" xmlns:mv="urn:schemas-microsoft-com:mac:vml" xmlns:p="http://schemas.openxmlformats.org/presentationml/2006/main" xmlns:c="http://schemas.openxmlformats.org/drawingml/2006/chart" xmlns:dgm="http://schemas.openxmlformats.org/drawingml/2006/diagram" xmlns:o="urn:schemas-microsoft-com:office:office" xmlns:v="urn:schemas-microsoft-com:vml" xmlns:pvml="urn:schemas-microsoft-com:office:powerpoint" xmlns:com="http://schemas.openxmlformats.org/drawingml/2006/compatibility" xmlns:p14="http://schemas.microsoft.com/office/powerpoint/2010/main" xmlns:p15="http://schemas.microsoft.com/office/powerpoint/2012/main" xmlns:ahyp="http://schemas.microsoft.com/office/drawing/2018/hyperlinkcolor" showMasterPhAnim="0" showMasterSp="0">
   <p:cSld>
     <p:spTree>
       <p:nvGrpSpPr>
@@ -2327,7 +2327,7 @@
 </file>
 
 <file path=ppt/notesSlides/notesSlide17.xml><?xml version="1.0" encoding="utf-8"?>
-<p:notes xmlns:a="http://schemas.openxmlformats.org/drawingml/2006/main" xmlns:r="http://schemas.openxmlformats.org/officeDocument/2006/relationships" xmlns:mc="http://schemas.openxmlformats.org/markup-compatibility/2006" xmlns:mv="urn:schemas-microsoft-com:mac:vml" xmlns:p="http://schemas.openxmlformats.org/presentationml/2006/main" xmlns:c="http://schemas.openxmlformats.org/drawingml/2006/chart" xmlns:dgm="http://schemas.openxmlformats.org/drawingml/2006/diagram" xmlns:o="urn:schemas-microsoft-com:office:office" xmlns:v="urn:schemas-microsoft-com:vml" xmlns:pvml="urn:schemas-microsoft-com:office:powerpoint" xmlns:com="http://schemas.openxmlformats.org/drawingml/2006/compatibility" xmlns:p14="http://schemas.microsoft.com/office/powerpoint/2010/main" xmlns:p15="http://schemas.microsoft.com/office/powerpoint/2012/main" showMasterPhAnim="0" showMasterSp="0">
+<p:notes xmlns:a="http://schemas.openxmlformats.org/drawingml/2006/main" xmlns:r="http://schemas.openxmlformats.org/officeDocument/2006/relationships" xmlns:mc="http://schemas.openxmlformats.org/markup-compatibility/2006" xmlns:mv="urn:schemas-microsoft-com:mac:vml" xmlns:p="http://schemas.openxmlformats.org/presentationml/2006/main" xmlns:c="http://schemas.openxmlformats.org/drawingml/2006/chart" xmlns:dgm="http://schemas.openxmlformats.org/drawingml/2006/diagram" xmlns:o="urn:schemas-microsoft-com:office:office" xmlns:v="urn:schemas-microsoft-com:vml" xmlns:pvml="urn:schemas-microsoft-com:office:powerpoint" xmlns:com="http://schemas.openxmlformats.org/drawingml/2006/compatibility" xmlns:p14="http://schemas.microsoft.com/office/powerpoint/2010/main" xmlns:p15="http://schemas.microsoft.com/office/powerpoint/2012/main" xmlns:ahyp="http://schemas.microsoft.com/office/drawing/2018/hyperlinkcolor" showMasterPhAnim="0" showMasterSp="0">
   <p:cSld>
     <p:spTree>
       <p:nvGrpSpPr>
@@ -2426,7 +2426,7 @@
 </file>
 
 <file path=ppt/notesSlides/notesSlide18.xml><?xml version="1.0" encoding="utf-8"?>
-<p:notes xmlns:a="http://schemas.openxmlformats.org/drawingml/2006/main" xmlns:r="http://schemas.openxmlformats.org/officeDocument/2006/relationships" xmlns:mc="http://schemas.openxmlformats.org/markup-compatibility/2006" xmlns:mv="urn:schemas-microsoft-com:mac:vml" xmlns:p="http://schemas.openxmlformats.org/presentationml/2006/main" xmlns:c="http://schemas.openxmlformats.org/drawingml/2006/chart" xmlns:dgm="http://schemas.openxmlformats.org/drawingml/2006/diagram" xmlns:o="urn:schemas-microsoft-com:office:office" xmlns:v="urn:schemas-microsoft-com:vml" xmlns:pvml="urn:schemas-microsoft-com:office:powerpoint" xmlns:com="http://schemas.openxmlformats.org/drawingml/2006/compatibility" xmlns:p14="http://schemas.microsoft.com/office/powerpoint/2010/main" xmlns:p15="http://schemas.microsoft.com/office/powerpoint/2012/main" showMasterPhAnim="0" showMasterSp="0">
+<p:notes xmlns:a="http://schemas.openxmlformats.org/drawingml/2006/main" xmlns:r="http://schemas.openxmlformats.org/officeDocument/2006/relationships" xmlns:mc="http://schemas.openxmlformats.org/markup-compatibility/2006" xmlns:mv="urn:schemas-microsoft-com:mac:vml" xmlns:p="http://schemas.openxmlformats.org/presentationml/2006/main" xmlns:c="http://schemas.openxmlformats.org/drawingml/2006/chart" xmlns:dgm="http://schemas.openxmlformats.org/drawingml/2006/diagram" xmlns:o="urn:schemas-microsoft-com:office:office" xmlns:v="urn:schemas-microsoft-com:vml" xmlns:pvml="urn:schemas-microsoft-com:office:powerpoint" xmlns:com="http://schemas.openxmlformats.org/drawingml/2006/compatibility" xmlns:p14="http://schemas.microsoft.com/office/powerpoint/2010/main" xmlns:p15="http://schemas.microsoft.com/office/powerpoint/2012/main" xmlns:ahyp="http://schemas.microsoft.com/office/drawing/2018/hyperlinkcolor" showMasterPhAnim="0" showMasterSp="0">
   <p:cSld>
     <p:spTree>
       <p:nvGrpSpPr>
@@ -2525,7 +2525,7 @@
 </file>
 
 <file path=ppt/notesSlides/notesSlide19.xml><?xml version="1.0" encoding="utf-8"?>
-<p:notes xmlns:a="http://schemas.openxmlformats.org/drawingml/2006/main" xmlns:r="http://schemas.openxmlformats.org/officeDocument/2006/relationships" xmlns:mc="http://schemas.openxmlformats.org/markup-compatibility/2006" xmlns:mv="urn:schemas-microsoft-com:mac:vml" xmlns:p="http://schemas.openxmlformats.org/presentationml/2006/main" xmlns:c="http://schemas.openxmlformats.org/drawingml/2006/chart" xmlns:dgm="http://schemas.openxmlformats.org/drawingml/2006/diagram" xmlns:o="urn:schemas-microsoft-com:office:office" xmlns:v="urn:schemas-microsoft-com:vml" xmlns:pvml="urn:schemas-microsoft-com:office:powerpoint" xmlns:com="http://schemas.openxmlformats.org/drawingml/2006/compatibility" xmlns:p14="http://schemas.microsoft.com/office/powerpoint/2010/main" xmlns:p15="http://schemas.microsoft.com/office/powerpoint/2012/main" showMasterPhAnim="0" showMasterSp="0">
+<p:notes xmlns:a="http://schemas.openxmlformats.org/drawingml/2006/main" xmlns:r="http://schemas.openxmlformats.org/officeDocument/2006/relationships" xmlns:mc="http://schemas.openxmlformats.org/markup-compatibility/2006" xmlns:mv="urn:schemas-microsoft-com:mac:vml" xmlns:p="http://schemas.openxmlformats.org/presentationml/2006/main" xmlns:c="http://schemas.openxmlformats.org/drawingml/2006/chart" xmlns:dgm="http://schemas.openxmlformats.org/drawingml/2006/diagram" xmlns:o="urn:schemas-microsoft-com:office:office" xmlns:v="urn:schemas-microsoft-com:vml" xmlns:pvml="urn:schemas-microsoft-com:office:powerpoint" xmlns:com="http://schemas.openxmlformats.org/drawingml/2006/compatibility" xmlns:p14="http://schemas.microsoft.com/office/powerpoint/2010/main" xmlns:p15="http://schemas.microsoft.com/office/powerpoint/2012/main" xmlns:ahyp="http://schemas.microsoft.com/office/drawing/2018/hyperlinkcolor" showMasterPhAnim="0" showMasterSp="0">
   <p:cSld>
     <p:spTree>
       <p:nvGrpSpPr>
@@ -2624,7 +2624,7 @@
 </file>
 
 <file path=ppt/notesSlides/notesSlide2.xml><?xml version="1.0" encoding="utf-8"?>
-<p:notes xmlns:a="http://schemas.openxmlformats.org/drawingml/2006/main" xmlns:r="http://schemas.openxmlformats.org/officeDocument/2006/relationships" xmlns:mc="http://schemas.openxmlformats.org/markup-compatibility/2006" xmlns:mv="urn:schemas-microsoft-com:mac:vml" xmlns:p="http://schemas.openxmlformats.org/presentationml/2006/main" xmlns:c="http://schemas.openxmlformats.org/drawingml/2006/chart" xmlns:dgm="http://schemas.openxmlformats.org/drawingml/2006/diagram" xmlns:o="urn:schemas-microsoft-com:office:office" xmlns:v="urn:schemas-microsoft-com:vml" xmlns:pvml="urn:schemas-microsoft-com:office:powerpoint" xmlns:com="http://schemas.openxmlformats.org/drawingml/2006/compatibility" xmlns:p14="http://schemas.microsoft.com/office/powerpoint/2010/main" xmlns:p15="http://schemas.microsoft.com/office/powerpoint/2012/main" showMasterPhAnim="0" showMasterSp="0">
+<p:notes xmlns:a="http://schemas.openxmlformats.org/drawingml/2006/main" xmlns:r="http://schemas.openxmlformats.org/officeDocument/2006/relationships" xmlns:mc="http://schemas.openxmlformats.org/markup-compatibility/2006" xmlns:mv="urn:schemas-microsoft-com:mac:vml" xmlns:p="http://schemas.openxmlformats.org/presentationml/2006/main" xmlns:c="http://schemas.openxmlformats.org/drawingml/2006/chart" xmlns:dgm="http://schemas.openxmlformats.org/drawingml/2006/diagram" xmlns:o="urn:schemas-microsoft-com:office:office" xmlns:v="urn:schemas-microsoft-com:vml" xmlns:pvml="urn:schemas-microsoft-com:office:powerpoint" xmlns:com="http://schemas.openxmlformats.org/drawingml/2006/compatibility" xmlns:p14="http://schemas.microsoft.com/office/powerpoint/2010/main" xmlns:p15="http://schemas.microsoft.com/office/powerpoint/2012/main" xmlns:ahyp="http://schemas.microsoft.com/office/drawing/2018/hyperlinkcolor" showMasterPhAnim="0" showMasterSp="0">
   <p:cSld>
     <p:spTree>
       <p:nvGrpSpPr>
@@ -2723,7 +2723,7 @@
 </file>
 
 <file path=ppt/notesSlides/notesSlide20.xml><?xml version="1.0" encoding="utf-8"?>
-<p:notes xmlns:a="http://schemas.openxmlformats.org/drawingml/2006/main" xmlns:r="http://schemas.openxmlformats.org/officeDocument/2006/relationships" xmlns:mc="http://schemas.openxmlformats.org/markup-compatibility/2006" xmlns:mv="urn:schemas-microsoft-com:mac:vml" xmlns:p="http://schemas.openxmlformats.org/presentationml/2006/main" xmlns:c="http://schemas.openxmlformats.org/drawingml/2006/chart" xmlns:dgm="http://schemas.openxmlformats.org/drawingml/2006/diagram" xmlns:o="urn:schemas-microsoft-com:office:office" xmlns:v="urn:schemas-microsoft-com:vml" xmlns:pvml="urn:schemas-microsoft-com:office:powerpoint" xmlns:com="http://schemas.openxmlformats.org/drawingml/2006/compatibility" xmlns:p14="http://schemas.microsoft.com/office/powerpoint/2010/main" xmlns:p15="http://schemas.microsoft.com/office/powerpoint/2012/main" showMasterPhAnim="0" showMasterSp="0">
+<p:notes xmlns:a="http://schemas.openxmlformats.org/drawingml/2006/main" xmlns:r="http://schemas.openxmlformats.org/officeDocument/2006/relationships" xmlns:mc="http://schemas.openxmlformats.org/markup-compatibility/2006" xmlns:mv="urn:schemas-microsoft-com:mac:vml" xmlns:p="http://schemas.openxmlformats.org/presentationml/2006/main" xmlns:c="http://schemas.openxmlformats.org/drawingml/2006/chart" xmlns:dgm="http://schemas.openxmlformats.org/drawingml/2006/diagram" xmlns:o="urn:schemas-microsoft-com:office:office" xmlns:v="urn:schemas-microsoft-com:vml" xmlns:pvml="urn:schemas-microsoft-com:office:powerpoint" xmlns:com="http://schemas.openxmlformats.org/drawingml/2006/compatibility" xmlns:p14="http://schemas.microsoft.com/office/powerpoint/2010/main" xmlns:p15="http://schemas.microsoft.com/office/powerpoint/2012/main" xmlns:ahyp="http://schemas.microsoft.com/office/drawing/2018/hyperlinkcolor" showMasterPhAnim="0" showMasterSp="0">
   <p:cSld>
     <p:spTree>
       <p:nvGrpSpPr>
@@ -2822,7 +2822,7 @@
 </file>
 
 <file path=ppt/notesSlides/notesSlide21.xml><?xml version="1.0" encoding="utf-8"?>
-<p:notes xmlns:a="http://schemas.openxmlformats.org/drawingml/2006/main" xmlns:r="http://schemas.openxmlformats.org/officeDocument/2006/relationships" xmlns:mc="http://schemas.openxmlformats.org/markup-compatibility/2006" xmlns:mv="urn:schemas-microsoft-com:mac:vml" xmlns:p="http://schemas.openxmlformats.org/presentationml/2006/main" xmlns:c="http://schemas.openxmlformats.org/drawingml/2006/chart" xmlns:dgm="http://schemas.openxmlformats.org/drawingml/2006/diagram" xmlns:o="urn:schemas-microsoft-com:office:office" xmlns:v="urn:schemas-microsoft-com:vml" xmlns:pvml="urn:schemas-microsoft-com:office:powerpoint" xmlns:com="http://schemas.openxmlformats.org/drawingml/2006/compatibility" xmlns:p14="http://schemas.microsoft.com/office/powerpoint/2010/main" xmlns:p15="http://schemas.microsoft.com/office/powerpoint/2012/main" showMasterPhAnim="0" showMasterSp="0">
+<p:notes xmlns:a="http://schemas.openxmlformats.org/drawingml/2006/main" xmlns:r="http://schemas.openxmlformats.org/officeDocument/2006/relationships" xmlns:mc="http://schemas.openxmlformats.org/markup-compatibility/2006" xmlns:mv="urn:schemas-microsoft-com:mac:vml" xmlns:p="http://schemas.openxmlformats.org/presentationml/2006/main" xmlns:c="http://schemas.openxmlformats.org/drawingml/2006/chart" xmlns:dgm="http://schemas.openxmlformats.org/drawingml/2006/diagram" xmlns:o="urn:schemas-microsoft-com:office:office" xmlns:v="urn:schemas-microsoft-com:vml" xmlns:pvml="urn:schemas-microsoft-com:office:powerpoint" xmlns:com="http://schemas.openxmlformats.org/drawingml/2006/compatibility" xmlns:p14="http://schemas.microsoft.com/office/powerpoint/2010/main" xmlns:p15="http://schemas.microsoft.com/office/powerpoint/2012/main" xmlns:ahyp="http://schemas.microsoft.com/office/drawing/2018/hyperlinkcolor" showMasterPhAnim="0" showMasterSp="0">
   <p:cSld>
     <p:spTree>
       <p:nvGrpSpPr>
@@ -2921,7 +2921,7 @@
 </file>
 
 <file path=ppt/notesSlides/notesSlide22.xml><?xml version="1.0" encoding="utf-8"?>
-<p:notes xmlns:a="http://schemas.openxmlformats.org/drawingml/2006/main" xmlns:r="http://schemas.openxmlformats.org/officeDocument/2006/relationships" xmlns:mc="http://schemas.openxmlformats.org/markup-compatibility/2006" xmlns:mv="urn:schemas-microsoft-com:mac:vml" xmlns:p="http://schemas.openxmlformats.org/presentationml/2006/main" xmlns:c="http://schemas.openxmlformats.org/drawingml/2006/chart" xmlns:dgm="http://schemas.openxmlformats.org/drawingml/2006/diagram" xmlns:o="urn:schemas-microsoft-com:office:office" xmlns:v="urn:schemas-microsoft-com:vml" xmlns:pvml="urn:schemas-microsoft-com:office:powerpoint" xmlns:com="http://schemas.openxmlformats.org/drawingml/2006/compatibility" xmlns:p14="http://schemas.microsoft.com/office/powerpoint/2010/main" xmlns:p15="http://schemas.microsoft.com/office/powerpoint/2012/main" showMasterPhAnim="0" showMasterSp="0">
+<p:notes xmlns:a="http://schemas.openxmlformats.org/drawingml/2006/main" xmlns:r="http://schemas.openxmlformats.org/officeDocument/2006/relationships" xmlns:mc="http://schemas.openxmlformats.org/markup-compatibility/2006" xmlns:mv="urn:schemas-microsoft-com:mac:vml" xmlns:p="http://schemas.openxmlformats.org/presentationml/2006/main" xmlns:c="http://schemas.openxmlformats.org/drawingml/2006/chart" xmlns:dgm="http://schemas.openxmlformats.org/drawingml/2006/diagram" xmlns:o="urn:schemas-microsoft-com:office:office" xmlns:v="urn:schemas-microsoft-com:vml" xmlns:pvml="urn:schemas-microsoft-com:office:powerpoint" xmlns:com="http://schemas.openxmlformats.org/drawingml/2006/compatibility" xmlns:p14="http://schemas.microsoft.com/office/powerpoint/2010/main" xmlns:p15="http://schemas.microsoft.com/office/powerpoint/2012/main" xmlns:ahyp="http://schemas.microsoft.com/office/drawing/2018/hyperlinkcolor" showMasterPhAnim="0" showMasterSp="0">
   <p:cSld>
     <p:spTree>
       <p:nvGrpSpPr>
@@ -3020,7 +3020,7 @@
 </file>
 
 <file path=ppt/notesSlides/notesSlide23.xml><?xml version="1.0" encoding="utf-8"?>
-<p:notes xmlns:a="http://schemas.openxmlformats.org/drawingml/2006/main" xmlns:r="http://schemas.openxmlformats.org/officeDocument/2006/relationships" xmlns:mc="http://schemas.openxmlformats.org/markup-compatibility/2006" xmlns:mv="urn:schemas-microsoft-com:mac:vml" xmlns:p="http://schemas.openxmlformats.org/presentationml/2006/main" xmlns:c="http://schemas.openxmlformats.org/drawingml/2006/chart" xmlns:dgm="http://schemas.openxmlformats.org/drawingml/2006/diagram" xmlns:o="urn:schemas-microsoft-com:office:office" xmlns:v="urn:schemas-microsoft-com:vml" xmlns:pvml="urn:schemas-microsoft-com:office:powerpoint" xmlns:com="http://schemas.openxmlformats.org/drawingml/2006/compatibility" xmlns:p14="http://schemas.microsoft.com/office/powerpoint/2010/main" xmlns:p15="http://schemas.microsoft.com/office/powerpoint/2012/main" showMasterPhAnim="0" showMasterSp="0">
+<p:notes xmlns:a="http://schemas.openxmlformats.org/drawingml/2006/main" xmlns:r="http://schemas.openxmlformats.org/officeDocument/2006/relationships" xmlns:mc="http://schemas.openxmlformats.org/markup-compatibility/2006" xmlns:mv="urn:schemas-microsoft-com:mac:vml" xmlns:p="http://schemas.openxmlformats.org/presentationml/2006/main" xmlns:c="http://schemas.openxmlformats.org/drawingml/2006/chart" xmlns:dgm="http://schemas.openxmlformats.org/drawingml/2006/diagram" xmlns:o="urn:schemas-microsoft-com:office:office" xmlns:v="urn:schemas-microsoft-com:vml" xmlns:pvml="urn:schemas-microsoft-com:office:powerpoint" xmlns:com="http://schemas.openxmlformats.org/drawingml/2006/compatibility" xmlns:p14="http://schemas.microsoft.com/office/powerpoint/2010/main" xmlns:p15="http://schemas.microsoft.com/office/powerpoint/2012/main" xmlns:ahyp="http://schemas.microsoft.com/office/drawing/2018/hyperlinkcolor" showMasterPhAnim="0" showMasterSp="0">
   <p:cSld>
     <p:spTree>
       <p:nvGrpSpPr>
@@ -3119,7 +3119,7 @@
 </file>
 
 <file path=ppt/notesSlides/notesSlide24.xml><?xml version="1.0" encoding="utf-8"?>
-<p:notes xmlns:a="http://schemas.openxmlformats.org/drawingml/2006/main" xmlns:r="http://schemas.openxmlformats.org/officeDocument/2006/relationships" xmlns:mc="http://schemas.openxmlformats.org/markup-compatibility/2006" xmlns:mv="urn:schemas-microsoft-com:mac:vml" xmlns:p="http://schemas.openxmlformats.org/presentationml/2006/main" xmlns:c="http://schemas.openxmlformats.org/drawingml/2006/chart" xmlns:dgm="http://schemas.openxmlformats.org/drawingml/2006/diagram" xmlns:o="urn:schemas-microsoft-com:office:office" xmlns:v="urn:schemas-microsoft-com:vml" xmlns:pvml="urn:schemas-microsoft-com:office:powerpoint" xmlns:com="http://schemas.openxmlformats.org/drawingml/2006/compatibility" xmlns:p14="http://schemas.microsoft.com/office/powerpoint/2010/main" xmlns:p15="http://schemas.microsoft.com/office/powerpoint/2012/main" showMasterPhAnim="0" showMasterSp="0">
+<p:notes xmlns:a="http://schemas.openxmlformats.org/drawingml/2006/main" xmlns:r="http://schemas.openxmlformats.org/officeDocument/2006/relationships" xmlns:mc="http://schemas.openxmlformats.org/markup-compatibility/2006" xmlns:mv="urn:schemas-microsoft-com:mac:vml" xmlns:p="http://schemas.openxmlformats.org/presentationml/2006/main" xmlns:c="http://schemas.openxmlformats.org/drawingml/2006/chart" xmlns:dgm="http://schemas.openxmlformats.org/drawingml/2006/diagram" xmlns:o="urn:schemas-microsoft-com:office:office" xmlns:v="urn:schemas-microsoft-com:vml" xmlns:pvml="urn:schemas-microsoft-com:office:powerpoint" xmlns:com="http://schemas.openxmlformats.org/drawingml/2006/compatibility" xmlns:p14="http://schemas.microsoft.com/office/powerpoint/2010/main" xmlns:p15="http://schemas.microsoft.com/office/powerpoint/2012/main" xmlns:ahyp="http://schemas.microsoft.com/office/drawing/2018/hyperlinkcolor" showMasterPhAnim="0" showMasterSp="0">
   <p:cSld>
     <p:spTree>
       <p:nvGrpSpPr>
@@ -3218,7 +3218,7 @@
 </file>
 
 <file path=ppt/notesSlides/notesSlide25.xml><?xml version="1.0" encoding="utf-8"?>
-<p:notes xmlns:a="http://schemas.openxmlformats.org/drawingml/2006/main" xmlns:r="http://schemas.openxmlformats.org/officeDocument/2006/relationships" xmlns:mc="http://schemas.openxmlformats.org/markup-compatibility/2006" xmlns:mv="urn:schemas-microsoft-com:mac:vml" xmlns:p="http://schemas.openxmlformats.org/presentationml/2006/main" xmlns:c="http://schemas.openxmlformats.org/drawingml/2006/chart" xmlns:dgm="http://schemas.openxmlformats.org/drawingml/2006/diagram" xmlns:o="urn:schemas-microsoft-com:office:office" xmlns:v="urn:schemas-microsoft-com:vml" xmlns:pvml="urn:schemas-microsoft-com:office:powerpoint" xmlns:com="http://schemas.openxmlformats.org/drawingml/2006/compatibility" xmlns:p14="http://schemas.microsoft.com/office/powerpoint/2010/main" xmlns:p15="http://schemas.microsoft.com/office/powerpoint/2012/main" showMasterPhAnim="0" showMasterSp="0">
+<p:notes xmlns:a="http://schemas.openxmlformats.org/drawingml/2006/main" xmlns:r="http://schemas.openxmlformats.org/officeDocument/2006/relationships" xmlns:mc="http://schemas.openxmlformats.org/markup-compatibility/2006" xmlns:mv="urn:schemas-microsoft-com:mac:vml" xmlns:p="http://schemas.openxmlformats.org/presentationml/2006/main" xmlns:c="http://schemas.openxmlformats.org/drawingml/2006/chart" xmlns:dgm="http://schemas.openxmlformats.org/drawingml/2006/diagram" xmlns:o="urn:schemas-microsoft-com:office:office" xmlns:v="urn:schemas-microsoft-com:vml" xmlns:pvml="urn:schemas-microsoft-com:office:powerpoint" xmlns:com="http://schemas.openxmlformats.org/drawingml/2006/compatibility" xmlns:p14="http://schemas.microsoft.com/office/powerpoint/2010/main" xmlns:p15="http://schemas.microsoft.com/office/powerpoint/2012/main" xmlns:ahyp="http://schemas.microsoft.com/office/drawing/2018/hyperlinkcolor" showMasterPhAnim="0" showMasterSp="0">
   <p:cSld>
     <p:spTree>
       <p:nvGrpSpPr>
@@ -3317,7 +3317,7 @@
 </file>
 
 <file path=ppt/notesSlides/notesSlide26.xml><?xml version="1.0" encoding="utf-8"?>
-<p:notes xmlns:a="http://schemas.openxmlformats.org/drawingml/2006/main" xmlns:r="http://schemas.openxmlformats.org/officeDocument/2006/relationships" xmlns:mc="http://schemas.openxmlformats.org/markup-compatibility/2006" xmlns:mv="urn:schemas-microsoft-com:mac:vml" xmlns:p="http://schemas.openxmlformats.org/presentationml/2006/main" xmlns:c="http://schemas.openxmlformats.org/drawingml/2006/chart" xmlns:dgm="http://schemas.openxmlformats.org/drawingml/2006/diagram" xmlns:o="urn:schemas-microsoft-com:office:office" xmlns:v="urn:schemas-microsoft-com:vml" xmlns:pvml="urn:schemas-microsoft-com:office:powerpoint" xmlns:com="http://schemas.openxmlformats.org/drawingml/2006/compatibility" xmlns:p14="http://schemas.microsoft.com/office/powerpoint/2010/main" xmlns:p15="http://schemas.microsoft.com/office/powerpoint/2012/main" showMasterPhAnim="0" showMasterSp="0">
+<p:notes xmlns:a="http://schemas.openxmlformats.org/drawingml/2006/main" xmlns:r="http://schemas.openxmlformats.org/officeDocument/2006/relationships" xmlns:mc="http://schemas.openxmlformats.org/markup-compatibility/2006" xmlns:mv="urn:schemas-microsoft-com:mac:vml" xmlns:p="http://schemas.openxmlformats.org/presentationml/2006/main" xmlns:c="http://schemas.openxmlformats.org/drawingml/2006/chart" xmlns:dgm="http://schemas.openxmlformats.org/drawingml/2006/diagram" xmlns:o="urn:schemas-microsoft-com:office:office" xmlns:v="urn:schemas-microsoft-com:vml" xmlns:pvml="urn:schemas-microsoft-com:office:powerpoint" xmlns:com="http://schemas.openxmlformats.org/drawingml/2006/compatibility" xmlns:p14="http://schemas.microsoft.com/office/powerpoint/2010/main" xmlns:p15="http://schemas.microsoft.com/office/powerpoint/2012/main" xmlns:ahyp="http://schemas.microsoft.com/office/drawing/2018/hyperlinkcolor" showMasterPhAnim="0" showMasterSp="0">
   <p:cSld>
     <p:spTree>
       <p:nvGrpSpPr>
@@ -3416,7 +3416,7 @@
 </file>
 
 <file path=ppt/notesSlides/notesSlide27.xml><?xml version="1.0" encoding="utf-8"?>
-<p:notes xmlns:a="http://schemas.openxmlformats.org/drawingml/2006/main" xmlns:r="http://schemas.openxmlformats.org/officeDocument/2006/relationships" xmlns:mc="http://schemas.openxmlformats.org/markup-compatibility/2006" xmlns:mv="urn:schemas-microsoft-com:mac:vml" xmlns:p="http://schemas.openxmlformats.org/presentationml/2006/main" xmlns:c="http://schemas.openxmlformats.org/drawingml/2006/chart" xmlns:dgm="http://schemas.openxmlformats.org/drawingml/2006/diagram" xmlns:o="urn:schemas-microsoft-com:office:office" xmlns:v="urn:schemas-microsoft-com:vml" xmlns:pvml="urn:schemas-microsoft-com:office:powerpoint" xmlns:com="http://schemas.openxmlformats.org/drawingml/2006/compatibility" xmlns:p14="http://schemas.microsoft.com/office/powerpoint/2010/main" xmlns:p15="http://schemas.microsoft.com/office/powerpoint/2012/main" showMasterPhAnim="0" showMasterSp="0">
+<p:notes xmlns:a="http://schemas.openxmlformats.org/drawingml/2006/main" xmlns:r="http://schemas.openxmlformats.org/officeDocument/2006/relationships" xmlns:mc="http://schemas.openxmlformats.org/markup-compatibility/2006" xmlns:mv="urn:schemas-microsoft-com:mac:vml" xmlns:p="http://schemas.openxmlformats.org/presentationml/2006/main" xmlns:c="http://schemas.openxmlformats.org/drawingml/2006/chart" xmlns:dgm="http://schemas.openxmlformats.org/drawingml/2006/diagram" xmlns:o="urn:schemas-microsoft-com:office:office" xmlns:v="urn:schemas-microsoft-com:vml" xmlns:pvml="urn:schemas-microsoft-com:office:powerpoint" xmlns:com="http://schemas.openxmlformats.org/drawingml/2006/compatibility" xmlns:p14="http://schemas.microsoft.com/office/powerpoint/2010/main" xmlns:p15="http://schemas.microsoft.com/office/powerpoint/2012/main" xmlns:ahyp="http://schemas.microsoft.com/office/drawing/2018/hyperlinkcolor" showMasterPhAnim="0" showMasterSp="0">
   <p:cSld>
     <p:spTree>
       <p:nvGrpSpPr>
@@ -3515,7 +3515,7 @@
 </file>
 
 <file path=ppt/notesSlides/notesSlide28.xml><?xml version="1.0" encoding="utf-8"?>
-<p:notes xmlns:a="http://schemas.openxmlformats.org/drawingml/2006/main" xmlns:r="http://schemas.openxmlformats.org/officeDocument/2006/relationships" xmlns:mc="http://schemas.openxmlformats.org/markup-compatibility/2006" xmlns:mv="urn:schemas-microsoft-com:mac:vml" xmlns:p="http://schemas.openxmlformats.org/presentationml/2006/main" xmlns:c="http://schemas.openxmlformats.org/drawingml/2006/chart" xmlns:dgm="http://schemas.openxmlformats.org/drawingml/2006/diagram" xmlns:o="urn:schemas-microsoft-com:office:office" xmlns:v="urn:schemas-microsoft-com:vml" xmlns:pvml="urn:schemas-microsoft-com:office:powerpoint" xmlns:com="http://schemas.openxmlformats.org/drawingml/2006/compatibility" xmlns:p14="http://schemas.microsoft.com/office/powerpoint/2010/main" xmlns:p15="http://schemas.microsoft.com/office/powerpoint/2012/main" showMasterPhAnim="0" showMasterSp="0">
+<p:notes xmlns:a="http://schemas.openxmlformats.org/drawingml/2006/main" xmlns:r="http://schemas.openxmlformats.org/officeDocument/2006/relationships" xmlns:mc="http://schemas.openxmlformats.org/markup-compatibility/2006" xmlns:mv="urn:schemas-microsoft-com:mac:vml" xmlns:p="http://schemas.openxmlformats.org/presentationml/2006/main" xmlns:c="http://schemas.openxmlformats.org/drawingml/2006/chart" xmlns:dgm="http://schemas.openxmlformats.org/drawingml/2006/diagram" xmlns:o="urn:schemas-microsoft-com:office:office" xmlns:v="urn:schemas-microsoft-com:vml" xmlns:pvml="urn:schemas-microsoft-com:office:powerpoint" xmlns:com="http://schemas.openxmlformats.org/drawingml/2006/compatibility" xmlns:p14="http://schemas.microsoft.com/office/powerpoint/2010/main" xmlns:p15="http://schemas.microsoft.com/office/powerpoint/2012/main" xmlns:ahyp="http://schemas.microsoft.com/office/drawing/2018/hyperlinkcolor" showMasterPhAnim="0" showMasterSp="0">
   <p:cSld>
     <p:spTree>
       <p:nvGrpSpPr>
@@ -3614,7 +3614,7 @@
 </file>
 
 <file path=ppt/notesSlides/notesSlide29.xml><?xml version="1.0" encoding="utf-8"?>
-<p:notes xmlns:a="http://schemas.openxmlformats.org/drawingml/2006/main" xmlns:r="http://schemas.openxmlformats.org/officeDocument/2006/relationships" xmlns:mc="http://schemas.openxmlformats.org/markup-compatibility/2006" xmlns:mv="urn:schemas-microsoft-com:mac:vml" xmlns:p="http://schemas.openxmlformats.org/presentationml/2006/main" xmlns:c="http://schemas.openxmlformats.org/drawingml/2006/chart" xmlns:dgm="http://schemas.openxmlformats.org/drawingml/2006/diagram" xmlns:o="urn:schemas-microsoft-com:office:office" xmlns:v="urn:schemas-microsoft-com:vml" xmlns:pvml="urn:schemas-microsoft-com:office:powerpoint" xmlns:com="http://schemas.openxmlformats.org/drawingml/2006/compatibility" xmlns:p14="http://schemas.microsoft.com/office/powerpoint/2010/main" xmlns:p15="http://schemas.microsoft.com/office/powerpoint/2012/main" showMasterPhAnim="0" showMasterSp="0">
+<p:notes xmlns:a="http://schemas.openxmlformats.org/drawingml/2006/main" xmlns:r="http://schemas.openxmlformats.org/officeDocument/2006/relationships" xmlns:mc="http://schemas.openxmlformats.org/markup-compatibility/2006" xmlns:mv="urn:schemas-microsoft-com:mac:vml" xmlns:p="http://schemas.openxmlformats.org/presentationml/2006/main" xmlns:c="http://schemas.openxmlformats.org/drawingml/2006/chart" xmlns:dgm="http://schemas.openxmlformats.org/drawingml/2006/diagram" xmlns:o="urn:schemas-microsoft-com:office:office" xmlns:v="urn:schemas-microsoft-com:vml" xmlns:pvml="urn:schemas-microsoft-com:office:powerpoint" xmlns:com="http://schemas.openxmlformats.org/drawingml/2006/compatibility" xmlns:p14="http://schemas.microsoft.com/office/powerpoint/2010/main" xmlns:p15="http://schemas.microsoft.com/office/powerpoint/2012/main" xmlns:ahyp="http://schemas.microsoft.com/office/drawing/2018/hyperlinkcolor" showMasterPhAnim="0" showMasterSp="0">
   <p:cSld>
     <p:spTree>
       <p:nvGrpSpPr>
@@ -3713,7 +3713,7 @@
 </file>
 
 <file path=ppt/notesSlides/notesSlide3.xml><?xml version="1.0" encoding="utf-8"?>
-<p:notes xmlns:a="http://schemas.openxmlformats.org/drawingml/2006/main" xmlns:r="http://schemas.openxmlformats.org/officeDocument/2006/relationships" xmlns:mc="http://schemas.openxmlformats.org/markup-compatibility/2006" xmlns:mv="urn:schemas-microsoft-com:mac:vml" xmlns:p="http://schemas.openxmlformats.org/presentationml/2006/main" xmlns:c="http://schemas.openxmlformats.org/drawingml/2006/chart" xmlns:dgm="http://schemas.openxmlformats.org/drawingml/2006/diagram" xmlns:o="urn:schemas-microsoft-com:office:office" xmlns:v="urn:schemas-microsoft-com:vml" xmlns:pvml="urn:schemas-microsoft-com:office:powerpoint" xmlns:com="http://schemas.openxmlformats.org/drawingml/2006/compatibility" xmlns:p14="http://schemas.microsoft.com/office/powerpoint/2010/main" xmlns:p15="http://schemas.microsoft.com/office/powerpoint/2012/main" showMasterPhAnim="0" showMasterSp="0">
+<p:notes xmlns:a="http://schemas.openxmlformats.org/drawingml/2006/main" xmlns:r="http://schemas.openxmlformats.org/officeDocument/2006/relationships" xmlns:mc="http://schemas.openxmlformats.org/markup-compatibility/2006" xmlns:mv="urn:schemas-microsoft-com:mac:vml" xmlns:p="http://schemas.openxmlformats.org/presentationml/2006/main" xmlns:c="http://schemas.openxmlformats.org/drawingml/2006/chart" xmlns:dgm="http://schemas.openxmlformats.org/drawingml/2006/diagram" xmlns:o="urn:schemas-microsoft-com:office:office" xmlns:v="urn:schemas-microsoft-com:vml" xmlns:pvml="urn:schemas-microsoft-com:office:powerpoint" xmlns:com="http://schemas.openxmlformats.org/drawingml/2006/compatibility" xmlns:p14="http://schemas.microsoft.com/office/powerpoint/2010/main" xmlns:p15="http://schemas.microsoft.com/office/powerpoint/2012/main" xmlns:ahyp="http://schemas.microsoft.com/office/drawing/2018/hyperlinkcolor" showMasterPhAnim="0" showMasterSp="0">
   <p:cSld>
     <p:spTree>
       <p:nvGrpSpPr>
@@ -3812,7 +3812,7 @@
 </file>
 
 <file path=ppt/notesSlides/notesSlide30.xml><?xml version="1.0" encoding="utf-8"?>
-<p:notes xmlns:a="http://schemas.openxmlformats.org/drawingml/2006/main" xmlns:r="http://schemas.openxmlformats.org/officeDocument/2006/relationships" xmlns:mc="http://schemas.openxmlformats.org/markup-compatibility/2006" xmlns:mv="urn:schemas-microsoft-com:mac:vml" xmlns:p="http://schemas.openxmlformats.org/presentationml/2006/main" xmlns:c="http://schemas.openxmlformats.org/drawingml/2006/chart" xmlns:dgm="http://schemas.openxmlformats.org/drawingml/2006/diagram" xmlns:o="urn:schemas-microsoft-com:office:office" xmlns:v="urn:schemas-microsoft-com:vml" xmlns:pvml="urn:schemas-microsoft-com:office:powerpoint" xmlns:com="http://schemas.openxmlformats.org/drawingml/2006/compatibility" xmlns:p14="http://schemas.microsoft.com/office/powerpoint/2010/main" xmlns:p15="http://schemas.microsoft.com/office/powerpoint/2012/main" showMasterPhAnim="0" showMasterSp="0">
+<p:notes xmlns:a="http://schemas.openxmlformats.org/drawingml/2006/main" xmlns:r="http://schemas.openxmlformats.org/officeDocument/2006/relationships" xmlns:mc="http://schemas.openxmlformats.org/markup-compatibility/2006" xmlns:mv="urn:schemas-microsoft-com:mac:vml" xmlns:p="http://schemas.openxmlformats.org/presentationml/2006/main" xmlns:c="http://schemas.openxmlformats.org/drawingml/2006/chart" xmlns:dgm="http://schemas.openxmlformats.org/drawingml/2006/diagram" xmlns:o="urn:schemas-microsoft-com:office:office" xmlns:v="urn:schemas-microsoft-com:vml" xmlns:pvml="urn:schemas-microsoft-com:office:powerpoint" xmlns:com="http://schemas.openxmlformats.org/drawingml/2006/compatibility" xmlns:p14="http://schemas.microsoft.com/office/powerpoint/2010/main" xmlns:p15="http://schemas.microsoft.com/office/powerpoint/2012/main" xmlns:ahyp="http://schemas.microsoft.com/office/drawing/2018/hyperlinkcolor" showMasterPhAnim="0" showMasterSp="0">
   <p:cSld>
     <p:spTree>
       <p:nvGrpSpPr>
@@ -3911,7 +3911,7 @@
 </file>
 
 <file path=ppt/notesSlides/notesSlide31.xml><?xml version="1.0" encoding="utf-8"?>
-<p:notes xmlns:a="http://schemas.openxmlformats.org/drawingml/2006/main" xmlns:r="http://schemas.openxmlformats.org/officeDocument/2006/relationships" xmlns:mc="http://schemas.openxmlformats.org/markup-compatibility/2006" xmlns:mv="urn:schemas-microsoft-com:mac:vml" xmlns:p="http://schemas.openxmlformats.org/presentationml/2006/main" xmlns:c="http://schemas.openxmlformats.org/drawingml/2006/chart" xmlns:dgm="http://schemas.openxmlformats.org/drawingml/2006/diagram" xmlns:o="urn:schemas-microsoft-com:office:office" xmlns:v="urn:schemas-microsoft-com:vml" xmlns:pvml="urn:schemas-microsoft-com:office:powerpoint" xmlns:com="http://schemas.openxmlformats.org/drawingml/2006/compatibility" xmlns:p14="http://schemas.microsoft.com/office/powerpoint/2010/main" xmlns:p15="http://schemas.microsoft.com/office/powerpoint/2012/main" showMasterPhAnim="0" showMasterSp="0">
+<p:notes xmlns:a="http://schemas.openxmlformats.org/drawingml/2006/main" xmlns:r="http://schemas.openxmlformats.org/officeDocument/2006/relationships" xmlns:mc="http://schemas.openxmlformats.org/markup-compatibility/2006" xmlns:mv="urn:schemas-microsoft-com:mac:vml" xmlns:p="http://schemas.openxmlformats.org/presentationml/2006/main" xmlns:c="http://schemas.openxmlformats.org/drawingml/2006/chart" xmlns:dgm="http://schemas.openxmlformats.org/drawingml/2006/diagram" xmlns:o="urn:schemas-microsoft-com:office:office" xmlns:v="urn:schemas-microsoft-com:vml" xmlns:pvml="urn:schemas-microsoft-com:office:powerpoint" xmlns:com="http://schemas.openxmlformats.org/drawingml/2006/compatibility" xmlns:p14="http://schemas.microsoft.com/office/powerpoint/2010/main" xmlns:p15="http://schemas.microsoft.com/office/powerpoint/2012/main" xmlns:ahyp="http://schemas.microsoft.com/office/drawing/2018/hyperlinkcolor" showMasterPhAnim="0" showMasterSp="0">
   <p:cSld>
     <p:spTree>
       <p:nvGrpSpPr>
@@ -4010,7 +4010,7 @@
 </file>
 
 <file path=ppt/notesSlides/notesSlide32.xml><?xml version="1.0" encoding="utf-8"?>
-<p:notes xmlns:a="http://schemas.openxmlformats.org/drawingml/2006/main" xmlns:r="http://schemas.openxmlformats.org/officeDocument/2006/relationships" xmlns:mc="http://schemas.openxmlformats.org/markup-compatibility/2006" xmlns:mv="urn:schemas-microsoft-com:mac:vml" xmlns:p="http://schemas.openxmlformats.org/presentationml/2006/main" xmlns:c="http://schemas.openxmlformats.org/drawingml/2006/chart" xmlns:dgm="http://schemas.openxmlformats.org/drawingml/2006/diagram" xmlns:o="urn:schemas-microsoft-com:office:office" xmlns:v="urn:schemas-microsoft-com:vml" xmlns:pvml="urn:schemas-microsoft-com:office:powerpoint" xmlns:com="http://schemas.openxmlformats.org/drawingml/2006/compatibility" xmlns:p14="http://schemas.microsoft.com/office/powerpoint/2010/main" xmlns:p15="http://schemas.microsoft.com/office/powerpoint/2012/main" showMasterPhAnim="0" showMasterSp="0">
+<p:notes xmlns:a="http://schemas.openxmlformats.org/drawingml/2006/main" xmlns:r="http://schemas.openxmlformats.org/officeDocument/2006/relationships" xmlns:mc="http://schemas.openxmlformats.org/markup-compatibility/2006" xmlns:mv="urn:schemas-microsoft-com:mac:vml" xmlns:p="http://schemas.openxmlformats.org/presentationml/2006/main" xmlns:c="http://schemas.openxmlformats.org/drawingml/2006/chart" xmlns:dgm="http://schemas.openxmlformats.org/drawingml/2006/diagram" xmlns:o="urn:schemas-microsoft-com:office:office" xmlns:v="urn:schemas-microsoft-com:vml" xmlns:pvml="urn:schemas-microsoft-com:office:powerpoint" xmlns:com="http://schemas.openxmlformats.org/drawingml/2006/compatibility" xmlns:p14="http://schemas.microsoft.com/office/powerpoint/2010/main" xmlns:p15="http://schemas.microsoft.com/office/powerpoint/2012/main" xmlns:ahyp="http://schemas.microsoft.com/office/drawing/2018/hyperlinkcolor" showMasterPhAnim="0" showMasterSp="0">
   <p:cSld>
     <p:spTree>
       <p:nvGrpSpPr>
@@ -4109,7 +4109,7 @@
 </file>
 
 <file path=ppt/notesSlides/notesSlide33.xml><?xml version="1.0" encoding="utf-8"?>
-<p:notes xmlns:a="http://schemas.openxmlformats.org/drawingml/2006/main" xmlns:r="http://schemas.openxmlformats.org/officeDocument/2006/relationships" xmlns:mc="http://schemas.openxmlformats.org/markup-compatibility/2006" xmlns:mv="urn:schemas-microsoft-com:mac:vml" xmlns:p="http://schemas.openxmlformats.org/presentationml/2006/main" xmlns:c="http://schemas.openxmlformats.org/drawingml/2006/chart" xmlns:dgm="http://schemas.openxmlformats.org/drawingml/2006/diagram" xmlns:o="urn:schemas-microsoft-com:office:office" xmlns:v="urn:schemas-microsoft-com:vml" xmlns:pvml="urn:schemas-microsoft-com:office:powerpoint" xmlns:com="http://schemas.openxmlformats.org/drawingml/2006/compatibility" xmlns:p14="http://schemas.microsoft.com/office/powerpoint/2010/main" xmlns:p15="http://schemas.microsoft.com/office/powerpoint/2012/main" showMasterPhAnim="0" showMasterSp="0">
+<p:notes xmlns:a="http://schemas.openxmlformats.org/drawingml/2006/main" xmlns:r="http://schemas.openxmlformats.org/officeDocument/2006/relationships" xmlns:mc="http://schemas.openxmlformats.org/markup-compatibility/2006" xmlns:mv="urn:schemas-microsoft-com:mac:vml" xmlns:p="http://schemas.openxmlformats.org/presentationml/2006/main" xmlns:c="http://schemas.openxmlformats.org/drawingml/2006/chart" xmlns:dgm="http://schemas.openxmlformats.org/drawingml/2006/diagram" xmlns:o="urn:schemas-microsoft-com:office:office" xmlns:v="urn:schemas-microsoft-com:vml" xmlns:pvml="urn:schemas-microsoft-com:office:powerpoint" xmlns:com="http://schemas.openxmlformats.org/drawingml/2006/compatibility" xmlns:p14="http://schemas.microsoft.com/office/powerpoint/2010/main" xmlns:p15="http://schemas.microsoft.com/office/powerpoint/2012/main" xmlns:ahyp="http://schemas.microsoft.com/office/drawing/2018/hyperlinkcolor" showMasterPhAnim="0" showMasterSp="0">
   <p:cSld>
     <p:spTree>
       <p:nvGrpSpPr>
@@ -4208,7 +4208,7 @@
 </file>
 
 <file path=ppt/notesSlides/notesSlide34.xml><?xml version="1.0" encoding="utf-8"?>
-<p:notes xmlns:a="http://schemas.openxmlformats.org/drawingml/2006/main" xmlns:r="http://schemas.openxmlformats.org/officeDocument/2006/relationships" xmlns:mc="http://schemas.openxmlformats.org/markup-compatibility/2006" xmlns:mv="urn:schemas-microsoft-com:mac:vml" xmlns:p="http://schemas.openxmlformats.org/presentationml/2006/main" xmlns:c="http://schemas.openxmlformats.org/drawingml/2006/chart" xmlns:dgm="http://schemas.openxmlformats.org/drawingml/2006/diagram" xmlns:o="urn:schemas-microsoft-com:office:office" xmlns:v="urn:schemas-microsoft-com:vml" xmlns:pvml="urn:schemas-microsoft-com:office:powerpoint" xmlns:com="http://schemas.openxmlformats.org/drawingml/2006/compatibility" xmlns:p14="http://schemas.microsoft.com/office/powerpoint/2010/main" xmlns:p15="http://schemas.microsoft.com/office/powerpoint/2012/main" showMasterPhAnim="0" showMasterSp="0">
+<p:notes xmlns:a="http://schemas.openxmlformats.org/drawingml/2006/main" xmlns:r="http://schemas.openxmlformats.org/officeDocument/2006/relationships" xmlns:mc="http://schemas.openxmlformats.org/markup-compatibility/2006" xmlns:mv="urn:schemas-microsoft-com:mac:vml" xmlns:p="http://schemas.openxmlformats.org/presentationml/2006/main" xmlns:c="http://schemas.openxmlformats.org/drawingml/2006/chart" xmlns:dgm="http://schemas.openxmlformats.org/drawingml/2006/diagram" xmlns:o="urn:schemas-microsoft-com:office:office" xmlns:v="urn:schemas-microsoft-com:vml" xmlns:pvml="urn:schemas-microsoft-com:office:powerpoint" xmlns:com="http://schemas.openxmlformats.org/drawingml/2006/compatibility" xmlns:p14="http://schemas.microsoft.com/office/powerpoint/2010/main" xmlns:p15="http://schemas.microsoft.com/office/powerpoint/2012/main" xmlns:ahyp="http://schemas.microsoft.com/office/drawing/2018/hyperlinkcolor" showMasterPhAnim="0" showMasterSp="0">
   <p:cSld>
     <p:spTree>
       <p:nvGrpSpPr>
@@ -4307,7 +4307,7 @@
 </file>
 
 <file path=ppt/notesSlides/notesSlide35.xml><?xml version="1.0" encoding="utf-8"?>
-<p:notes xmlns:a="http://schemas.openxmlformats.org/drawingml/2006/main" xmlns:r="http://schemas.openxmlformats.org/officeDocument/2006/relationships" xmlns:mc="http://schemas.openxmlformats.org/markup-compatibility/2006" xmlns:mv="urn:schemas-microsoft-com:mac:vml" xmlns:p="http://schemas.openxmlformats.org/presentationml/2006/main" xmlns:c="http://schemas.openxmlformats.org/drawingml/2006/chart" xmlns:dgm="http://schemas.openxmlformats.org/drawingml/2006/diagram" xmlns:o="urn:schemas-microsoft-com:office:office" xmlns:v="urn:schemas-microsoft-com:vml" xmlns:pvml="urn:schemas-microsoft-com:office:powerpoint" xmlns:com="http://schemas.openxmlformats.org/drawingml/2006/compatibility" xmlns:p14="http://schemas.microsoft.com/office/powerpoint/2010/main" xmlns:p15="http://schemas.microsoft.com/office/powerpoint/2012/main" showMasterPhAnim="0" showMasterSp="0">
+<p:notes xmlns:a="http://schemas.openxmlformats.org/drawingml/2006/main" xmlns:r="http://schemas.openxmlformats.org/officeDocument/2006/relationships" xmlns:mc="http://schemas.openxmlformats.org/markup-compatibility/2006" xmlns:mv="urn:schemas-microsoft-com:mac:vml" xmlns:p="http://schemas.openxmlformats.org/presentationml/2006/main" xmlns:c="http://schemas.openxmlformats.org/drawingml/2006/chart" xmlns:dgm="http://schemas.openxmlformats.org/drawingml/2006/diagram" xmlns:o="urn:schemas-microsoft-com:office:office" xmlns:v="urn:schemas-microsoft-com:vml" xmlns:pvml="urn:schemas-microsoft-com:office:powerpoint" xmlns:com="http://schemas.openxmlformats.org/drawingml/2006/compatibility" xmlns:p14="http://schemas.microsoft.com/office/powerpoint/2010/main" xmlns:p15="http://schemas.microsoft.com/office/powerpoint/2012/main" xmlns:ahyp="http://schemas.microsoft.com/office/drawing/2018/hyperlinkcolor" showMasterPhAnim="0" showMasterSp="0">
   <p:cSld>
     <p:spTree>
       <p:nvGrpSpPr>
@@ -4406,7 +4406,7 @@
 </file>
 
 <file path=ppt/notesSlides/notesSlide36.xml><?xml version="1.0" encoding="utf-8"?>
-<p:notes xmlns:a="http://schemas.openxmlformats.org/drawingml/2006/main" xmlns:r="http://schemas.openxmlformats.org/officeDocument/2006/relationships" xmlns:mc="http://schemas.openxmlformats.org/markup-compatibility/2006" xmlns:mv="urn:schemas-microsoft-com:mac:vml" xmlns:p="http://schemas.openxmlformats.org/presentationml/2006/main" xmlns:c="http://schemas.openxmlformats.org/drawingml/2006/chart" xmlns:dgm="http://schemas.openxmlformats.org/drawingml/2006/diagram" xmlns:o="urn:schemas-microsoft-com:office:office" xmlns:v="urn:schemas-microsoft-com:vml" xmlns:pvml="urn:schemas-microsoft-com:office:powerpoint" xmlns:com="http://schemas.openxmlformats.org/drawingml/2006/compatibility" xmlns:p14="http://schemas.microsoft.com/office/powerpoint/2010/main" xmlns:p15="http://schemas.microsoft.com/office/powerpoint/2012/main" showMasterPhAnim="0" showMasterSp="0">
+<p:notes xmlns:a="http://schemas.openxmlformats.org/drawingml/2006/main" xmlns:r="http://schemas.openxmlformats.org/officeDocument/2006/relationships" xmlns:mc="http://schemas.openxmlformats.org/markup-compatibility/2006" xmlns:mv="urn:schemas-microsoft-com:mac:vml" xmlns:p="http://schemas.openxmlformats.org/presentationml/2006/main" xmlns:c="http://schemas.openxmlformats.org/drawingml/2006/chart" xmlns:dgm="http://schemas.openxmlformats.org/drawingml/2006/diagram" xmlns:o="urn:schemas-microsoft-com:office:office" xmlns:v="urn:schemas-microsoft-com:vml" xmlns:pvml="urn:schemas-microsoft-com:office:powerpoint" xmlns:com="http://schemas.openxmlformats.org/drawingml/2006/compatibility" xmlns:p14="http://schemas.microsoft.com/office/powerpoint/2010/main" xmlns:p15="http://schemas.microsoft.com/office/powerpoint/2012/main" xmlns:ahyp="http://schemas.microsoft.com/office/drawing/2018/hyperlinkcolor" showMasterPhAnim="0" showMasterSp="0">
   <p:cSld>
     <p:spTree>
       <p:nvGrpSpPr>
@@ -4505,7 +4505,7 @@
 </file>
 
 <file path=ppt/notesSlides/notesSlide37.xml><?xml version="1.0" encoding="utf-8"?>
-<p:notes xmlns:a="http://schemas.openxmlformats.org/drawingml/2006/main" xmlns:r="http://schemas.openxmlformats.org/officeDocument/2006/relationships" xmlns:mc="http://schemas.openxmlformats.org/markup-compatibility/2006" xmlns:mv="urn:schemas-microsoft-com:mac:vml" xmlns:p="http://schemas.openxmlformats.org/presentationml/2006/main" xmlns:c="http://schemas.openxmlformats.org/drawingml/2006/chart" xmlns:dgm="http://schemas.openxmlformats.org/drawingml/2006/diagram" xmlns:o="urn:schemas-microsoft-com:office:office" xmlns:v="urn:schemas-microsoft-com:vml" xmlns:pvml="urn:schemas-microsoft-com:office:powerpoint" xmlns:com="http://schemas.openxmlformats.org/drawingml/2006/compatibility" xmlns:p14="http://schemas.microsoft.com/office/powerpoint/2010/main" xmlns:p15="http://schemas.microsoft.com/office/powerpoint/2012/main" showMasterPhAnim="0" showMasterSp="0">
+<p:notes xmlns:a="http://schemas.openxmlformats.org/drawingml/2006/main" xmlns:r="http://schemas.openxmlformats.org/officeDocument/2006/relationships" xmlns:mc="http://schemas.openxmlformats.org/markup-compatibility/2006" xmlns:mv="urn:schemas-microsoft-com:mac:vml" xmlns:p="http://schemas.openxmlformats.org/presentationml/2006/main" xmlns:c="http://schemas.openxmlformats.org/drawingml/2006/chart" xmlns:dgm="http://schemas.openxmlformats.org/drawingml/2006/diagram" xmlns:o="urn:schemas-microsoft-com:office:office" xmlns:v="urn:schemas-microsoft-com:vml" xmlns:pvml="urn:schemas-microsoft-com:office:powerpoint" xmlns:com="http://schemas.openxmlformats.org/drawingml/2006/compatibility" xmlns:p14="http://schemas.microsoft.com/office/powerpoint/2010/main" xmlns:p15="http://schemas.microsoft.com/office/powerpoint/2012/main" xmlns:ahyp="http://schemas.microsoft.com/office/drawing/2018/hyperlinkcolor" showMasterPhAnim="0" showMasterSp="0">
   <p:cSld>
     <p:spTree>
       <p:nvGrpSpPr>
@@ -4604,7 +4604,7 @@
 </file>
 
 <file path=ppt/notesSlides/notesSlide38.xml><?xml version="1.0" encoding="utf-8"?>
-<p:notes xmlns:a="http://schemas.openxmlformats.org/drawingml/2006/main" xmlns:r="http://schemas.openxmlformats.org/officeDocument/2006/relationships" xmlns:mc="http://schemas.openxmlformats.org/markup-compatibility/2006" xmlns:mv="urn:schemas-microsoft-com:mac:vml" xmlns:p="http://schemas.openxmlformats.org/presentationml/2006/main" xmlns:c="http://schemas.openxmlformats.org/drawingml/2006/chart" xmlns:dgm="http://schemas.openxmlformats.org/drawingml/2006/diagram" xmlns:o="urn:schemas-microsoft-com:office:office" xmlns:v="urn:schemas-microsoft-com:vml" xmlns:pvml="urn:schemas-microsoft-com:office:powerpoint" xmlns:com="http://schemas.openxmlformats.org/drawingml/2006/compatibility" xmlns:p14="http://schemas.microsoft.com/office/powerpoint/2010/main" xmlns:p15="http://schemas.microsoft.com/office/powerpoint/2012/main" showMasterPhAnim="0" showMasterSp="0">
+<p:notes xmlns:a="http://schemas.openxmlformats.org/drawingml/2006/main" xmlns:r="http://schemas.openxmlformats.org/officeDocument/2006/relationships" xmlns:mc="http://schemas.openxmlformats.org/markup-compatibility/2006" xmlns:mv="urn:schemas-microsoft-com:mac:vml" xmlns:p="http://schemas.openxmlformats.org/presentationml/2006/main" xmlns:c="http://schemas.openxmlformats.org/drawingml/2006/chart" xmlns:dgm="http://schemas.openxmlformats.org/drawingml/2006/diagram" xmlns:o="urn:schemas-microsoft-com:office:office" xmlns:v="urn:schemas-microsoft-com:vml" xmlns:pvml="urn:schemas-microsoft-com:office:powerpoint" xmlns:com="http://schemas.openxmlformats.org/drawingml/2006/compatibility" xmlns:p14="http://schemas.microsoft.com/office/powerpoint/2010/main" xmlns:p15="http://schemas.microsoft.com/office/powerpoint/2012/main" xmlns:ahyp="http://schemas.microsoft.com/office/drawing/2018/hyperlinkcolor" showMasterPhAnim="0" showMasterSp="0">
   <p:cSld>
     <p:spTree>
       <p:nvGrpSpPr>
@@ -4703,7 +4703,7 @@
 </file>
 
 <file path=ppt/notesSlides/notesSlide39.xml><?xml version="1.0" encoding="utf-8"?>
-<p:notes xmlns:a="http://schemas.openxmlformats.org/drawingml/2006/main" xmlns:r="http://schemas.openxmlformats.org/officeDocument/2006/relationships" xmlns:mc="http://schemas.openxmlformats.org/markup-compatibility/2006" xmlns:mv="urn:schemas-microsoft-com:mac:vml" xmlns:p="http://schemas.openxmlformats.org/presentationml/2006/main" xmlns:c="http://schemas.openxmlformats.org/drawingml/2006/chart" xmlns:dgm="http://schemas.openxmlformats.org/drawingml/2006/diagram" xmlns:o="urn:schemas-microsoft-com:office:office" xmlns:v="urn:schemas-microsoft-com:vml" xmlns:pvml="urn:schemas-microsoft-com:office:powerpoint" xmlns:com="http://schemas.openxmlformats.org/drawingml/2006/compatibility" xmlns:p14="http://schemas.microsoft.com/office/powerpoint/2010/main" xmlns:p15="http://schemas.microsoft.com/office/powerpoint/2012/main" showMasterPhAnim="0" showMasterSp="0">
+<p:notes xmlns:a="http://schemas.openxmlformats.org/drawingml/2006/main" xmlns:r="http://schemas.openxmlformats.org/officeDocument/2006/relationships" xmlns:mc="http://schemas.openxmlformats.org/markup-compatibility/2006" xmlns:mv="urn:schemas-microsoft-com:mac:vml" xmlns:p="http://schemas.openxmlformats.org/presentationml/2006/main" xmlns:c="http://schemas.openxmlformats.org/drawingml/2006/chart" xmlns:dgm="http://schemas.openxmlformats.org/drawingml/2006/diagram" xmlns:o="urn:schemas-microsoft-com:office:office" xmlns:v="urn:schemas-microsoft-com:vml" xmlns:pvml="urn:schemas-microsoft-com:office:powerpoint" xmlns:com="http://schemas.openxmlformats.org/drawingml/2006/compatibility" xmlns:p14="http://schemas.microsoft.com/office/powerpoint/2010/main" xmlns:p15="http://schemas.microsoft.com/office/powerpoint/2012/main" xmlns:ahyp="http://schemas.microsoft.com/office/drawing/2018/hyperlinkcolor" showMasterPhAnim="0" showMasterSp="0">
   <p:cSld>
     <p:spTree>
       <p:nvGrpSpPr>
@@ -4802,7 +4802,7 @@
 </file>
 
 <file path=ppt/notesSlides/notesSlide4.xml><?xml version="1.0" encoding="utf-8"?>
-<p:notes xmlns:a="http://schemas.openxmlformats.org/drawingml/2006/main" xmlns:r="http://schemas.openxmlformats.org/officeDocument/2006/relationships" xmlns:mc="http://schemas.openxmlformats.org/markup-compatibility/2006" xmlns:mv="urn:schemas-microsoft-com:mac:vml" xmlns:p="http://schemas.openxmlformats.org/presentationml/2006/main" xmlns:c="http://schemas.openxmlformats.org/drawingml/2006/chart" xmlns:dgm="http://schemas.openxmlformats.org/drawingml/2006/diagram" xmlns:o="urn:schemas-microsoft-com:office:office" xmlns:v="urn:schemas-microsoft-com:vml" xmlns:pvml="urn:schemas-microsoft-com:office:powerpoint" xmlns:com="http://schemas.openxmlformats.org/drawingml/2006/compatibility" xmlns:p14="http://schemas.microsoft.com/office/powerpoint/2010/main" xmlns:p15="http://schemas.microsoft.com/office/powerpoint/2012/main" showMasterPhAnim="0" showMasterSp="0">
+<p:notes xmlns:a="http://schemas.openxmlformats.org/drawingml/2006/main" xmlns:r="http://schemas.openxmlformats.org/officeDocument/2006/relationships" xmlns:mc="http://schemas.openxmlformats.org/markup-compatibility/2006" xmlns:mv="urn:schemas-microsoft-com:mac:vml" xmlns:p="http://schemas.openxmlformats.org/presentationml/2006/main" xmlns:c="http://schemas.openxmlformats.org/drawingml/2006/chart" xmlns:dgm="http://schemas.openxmlformats.org/drawingml/2006/diagram" xmlns:o="urn:schemas-microsoft-com:office:office" xmlns:v="urn:schemas-microsoft-com:vml" xmlns:pvml="urn:schemas-microsoft-com:office:powerpoint" xmlns:com="http://schemas.openxmlformats.org/drawingml/2006/compatibility" xmlns:p14="http://schemas.microsoft.com/office/powerpoint/2010/main" xmlns:p15="http://schemas.microsoft.com/office/powerpoint/2012/main" xmlns:ahyp="http://schemas.microsoft.com/office/drawing/2018/hyperlinkcolor" showMasterPhAnim="0" showMasterSp="0">
   <p:cSld>
     <p:spTree>
       <p:nvGrpSpPr>
@@ -4901,7 +4901,7 @@
 </file>
 
 <file path=ppt/notesSlides/notesSlide40.xml><?xml version="1.0" encoding="utf-8"?>
-<p:notes xmlns:a="http://schemas.openxmlformats.org/drawingml/2006/main" xmlns:r="http://schemas.openxmlformats.org/officeDocument/2006/relationships" xmlns:mc="http://schemas.openxmlformats.org/markup-compatibility/2006" xmlns:mv="urn:schemas-microsoft-com:mac:vml" xmlns:p="http://schemas.openxmlformats.org/presentationml/2006/main" xmlns:c="http://schemas.openxmlformats.org/drawingml/2006/chart" xmlns:dgm="http://schemas.openxmlformats.org/drawingml/2006/diagram" xmlns:o="urn:schemas-microsoft-com:office:office" xmlns:v="urn:schemas-microsoft-com:vml" xmlns:pvml="urn:schemas-microsoft-com:office:powerpoint" xmlns:com="http://schemas.openxmlformats.org/drawingml/2006/compatibility" xmlns:p14="http://schemas.microsoft.com/office/powerpoint/2010/main" xmlns:p15="http://schemas.microsoft.com/office/powerpoint/2012/main" showMasterPhAnim="0" showMasterSp="0">
+<p:notes xmlns:a="http://schemas.openxmlformats.org/drawingml/2006/main" xmlns:r="http://schemas.openxmlformats.org/officeDocument/2006/relationships" xmlns:mc="http://schemas.openxmlformats.org/markup-compatibility/2006" xmlns:mv="urn:schemas-microsoft-com:mac:vml" xmlns:p="http://schemas.openxmlformats.org/presentationml/2006/main" xmlns:c="http://schemas.openxmlformats.org/drawingml/2006/chart" xmlns:dgm="http://schemas.openxmlformats.org/drawingml/2006/diagram" xmlns:o="urn:schemas-microsoft-com:office:office" xmlns:v="urn:schemas-microsoft-com:vml" xmlns:pvml="urn:schemas-microsoft-com:office:powerpoint" xmlns:com="http://schemas.openxmlformats.org/drawingml/2006/compatibility" xmlns:p14="http://schemas.microsoft.com/office/powerpoint/2010/main" xmlns:p15="http://schemas.microsoft.com/office/powerpoint/2012/main" xmlns:ahyp="http://schemas.microsoft.com/office/drawing/2018/hyperlinkcolor" showMasterPhAnim="0" showMasterSp="0">
   <p:cSld>
     <p:spTree>
       <p:nvGrpSpPr>
@@ -5000,7 +5000,7 @@
 </file>
 
 <file path=ppt/notesSlides/notesSlide41.xml><?xml version="1.0" encoding="utf-8"?>
-<p:notes xmlns:a="http://schemas.openxmlformats.org/drawingml/2006/main" xmlns:r="http://schemas.openxmlformats.org/officeDocument/2006/relationships" xmlns:mc="http://schemas.openxmlformats.org/markup-compatibility/2006" xmlns:mv="urn:schemas-microsoft-com:mac:vml" xmlns:p="http://schemas.openxmlformats.org/presentationml/2006/main" xmlns:c="http://schemas.openxmlformats.org/drawingml/2006/chart" xmlns:dgm="http://schemas.openxmlformats.org/drawingml/2006/diagram" xmlns:o="urn:schemas-microsoft-com:office:office" xmlns:v="urn:schemas-microsoft-com:vml" xmlns:pvml="urn:schemas-microsoft-com:office:powerpoint" xmlns:com="http://schemas.openxmlformats.org/drawingml/2006/compatibility" xmlns:p14="http://schemas.microsoft.com/office/powerpoint/2010/main" xmlns:p15="http://schemas.microsoft.com/office/powerpoint/2012/main" showMasterPhAnim="0" showMasterSp="0">
+<p:notes xmlns:a="http://schemas.openxmlformats.org/drawingml/2006/main" xmlns:r="http://schemas.openxmlformats.org/officeDocument/2006/relationships" xmlns:mc="http://schemas.openxmlformats.org/markup-compatibility/2006" xmlns:mv="urn:schemas-microsoft-com:mac:vml" xmlns:p="http://schemas.openxmlformats.org/presentationml/2006/main" xmlns:c="http://schemas.openxmlformats.org/drawingml/2006/chart" xmlns:dgm="http://schemas.openxmlformats.org/drawingml/2006/diagram" xmlns:o="urn:schemas-microsoft-com:office:office" xmlns:v="urn:schemas-microsoft-com:vml" xmlns:pvml="urn:schemas-microsoft-com:office:powerpoint" xmlns:com="http://schemas.openxmlformats.org/drawingml/2006/compatibility" xmlns:p14="http://schemas.microsoft.com/office/powerpoint/2010/main" xmlns:p15="http://schemas.microsoft.com/office/powerpoint/2012/main" xmlns:ahyp="http://schemas.microsoft.com/office/drawing/2018/hyperlinkcolor" showMasterPhAnim="0" showMasterSp="0">
   <p:cSld>
     <p:spTree>
       <p:nvGrpSpPr>
@@ -5099,7 +5099,7 @@
 </file>
 
 <file path=ppt/notesSlides/notesSlide42.xml><?xml version="1.0" encoding="utf-8"?>
-<p:notes xmlns:a="http://schemas.openxmlformats.org/drawingml/2006/main" xmlns:r="http://schemas.openxmlformats.org/officeDocument/2006/relationships" xmlns:mc="http://schemas.openxmlformats.org/markup-compatibility/2006" xmlns:mv="urn:schemas-microsoft-com:mac:vml" xmlns:p="http://schemas.openxmlformats.org/presentationml/2006/main" xmlns:c="http://schemas.openxmlformats.org/drawingml/2006/chart" xmlns:dgm="http://schemas.openxmlformats.org/drawingml/2006/diagram" xmlns:o="urn:schemas-microsoft-com:office:office" xmlns:v="urn:schemas-microsoft-com:vml" xmlns:pvml="urn:schemas-microsoft-com:office:powerpoint" xmlns:com="http://schemas.openxmlformats.org/drawingml/2006/compatibility" xmlns:p14="http://schemas.microsoft.com/office/powerpoint/2010/main" xmlns:p15="http://schemas.microsoft.com/office/powerpoint/2012/main" showMasterPhAnim="0" showMasterSp="0">
+<p:notes xmlns:a="http://schemas.openxmlformats.org/drawingml/2006/main" xmlns:r="http://schemas.openxmlformats.org/officeDocument/2006/relationships" xmlns:mc="http://schemas.openxmlformats.org/markup-compatibility/2006" xmlns:mv="urn:schemas-microsoft-com:mac:vml" xmlns:p="http://schemas.openxmlformats.org/presentationml/2006/main" xmlns:c="http://schemas.openxmlformats.org/drawingml/2006/chart" xmlns:dgm="http://schemas.openxmlformats.org/drawingml/2006/diagram" xmlns:o="urn:schemas-microsoft-com:office:office" xmlns:v="urn:schemas-microsoft-com:vml" xmlns:pvml="urn:schemas-microsoft-com:office:powerpoint" xmlns:com="http://schemas.openxmlformats.org/drawingml/2006/compatibility" xmlns:p14="http://schemas.microsoft.com/office/powerpoint/2010/main" xmlns:p15="http://schemas.microsoft.com/office/powerpoint/2012/main" xmlns:ahyp="http://schemas.microsoft.com/office/drawing/2018/hyperlinkcolor" showMasterPhAnim="0" showMasterSp="0">
   <p:cSld>
     <p:spTree>
       <p:nvGrpSpPr>
@@ -5198,7 +5198,7 @@
 </file>
 
 <file path=ppt/notesSlides/notesSlide43.xml><?xml version="1.0" encoding="utf-8"?>
-<p:notes xmlns:a="http://schemas.openxmlformats.org/drawingml/2006/main" xmlns:r="http://schemas.openxmlformats.org/officeDocument/2006/relationships" xmlns:mc="http://schemas.openxmlformats.org/markup-compatibility/2006" xmlns:mv="urn:schemas-microsoft-com:mac:vml" xmlns:p="http://schemas.openxmlformats.org/presentationml/2006/main" xmlns:c="http://schemas.openxmlformats.org/drawingml/2006/chart" xmlns:dgm="http://schemas.openxmlformats.org/drawingml/2006/diagram" xmlns:o="urn:schemas-microsoft-com:office:office" xmlns:v="urn:schemas-microsoft-com:vml" xmlns:pvml="urn:schemas-microsoft-com:office:powerpoint" xmlns:com="http://schemas.openxmlformats.org/drawingml/2006/compatibility" xmlns:p14="http://schemas.microsoft.com/office/powerpoint/2010/main" xmlns:p15="http://schemas.microsoft.com/office/powerpoint/2012/main" showMasterPhAnim="0" showMasterSp="0">
+<p:notes xmlns:a="http://schemas.openxmlformats.org/drawingml/2006/main" xmlns:r="http://schemas.openxmlformats.org/officeDocument/2006/relationships" xmlns:mc="http://schemas.openxmlformats.org/markup-compatibility/2006" xmlns:mv="urn:schemas-microsoft-com:mac:vml" xmlns:p="http://schemas.openxmlformats.org/presentationml/2006/main" xmlns:c="http://schemas.openxmlformats.org/drawingml/2006/chart" xmlns:dgm="http://schemas.openxmlformats.org/drawingml/2006/diagram" xmlns:o="urn:schemas-microsoft-com:office:office" xmlns:v="urn:schemas-microsoft-com:vml" xmlns:pvml="urn:schemas-microsoft-com:office:powerpoint" xmlns:com="http://schemas.openxmlformats.org/drawingml/2006/compatibility" xmlns:p14="http://schemas.microsoft.com/office/powerpoint/2010/main" xmlns:p15="http://schemas.microsoft.com/office/powerpoint/2012/main" xmlns:ahyp="http://schemas.microsoft.com/office/drawing/2018/hyperlinkcolor" showMasterPhAnim="0" showMasterSp="0">
   <p:cSld>
     <p:spTree>
       <p:nvGrpSpPr>
@@ -5297,7 +5297,7 @@
 </file>
 
 <file path=ppt/notesSlides/notesSlide44.xml><?xml version="1.0" encoding="utf-8"?>
-<p:notes xmlns:a="http://schemas.openxmlformats.org/drawingml/2006/main" xmlns:r="http://schemas.openxmlformats.org/officeDocument/2006/relationships" xmlns:mc="http://schemas.openxmlformats.org/markup-compatibility/2006" xmlns:mv="urn:schemas-microsoft-com:mac:vml" xmlns:p="http://schemas.openxmlformats.org/presentationml/2006/main" xmlns:c="http://schemas.openxmlformats.org/drawingml/2006/chart" xmlns:dgm="http://schemas.openxmlformats.org/drawingml/2006/diagram" xmlns:o="urn:schemas-microsoft-com:office:office" xmlns:v="urn:schemas-microsoft-com:vml" xmlns:pvml="urn:schemas-microsoft-com:office:powerpoint" xmlns:com="http://schemas.openxmlformats.org/drawingml/2006/compatibility" xmlns:p14="http://schemas.microsoft.com/office/powerpoint/2010/main" xmlns:p15="http://schemas.microsoft.com/office/powerpoint/2012/main" showMasterPhAnim="0" showMasterSp="0">
+<p:notes xmlns:a="http://schemas.openxmlformats.org/drawingml/2006/main" xmlns:r="http://schemas.openxmlformats.org/officeDocument/2006/relationships" xmlns:mc="http://schemas.openxmlformats.org/markup-compatibility/2006" xmlns:mv="urn:schemas-microsoft-com:mac:vml" xmlns:p="http://schemas.openxmlformats.org/presentationml/2006/main" xmlns:c="http://schemas.openxmlformats.org/drawingml/2006/chart" xmlns:dgm="http://schemas.openxmlformats.org/drawingml/2006/diagram" xmlns:o="urn:schemas-microsoft-com:office:office" xmlns:v="urn:schemas-microsoft-com:vml" xmlns:pvml="urn:schemas-microsoft-com:office:powerpoint" xmlns:com="http://schemas.openxmlformats.org/drawingml/2006/compatibility" xmlns:p14="http://schemas.microsoft.com/office/powerpoint/2010/main" xmlns:p15="http://schemas.microsoft.com/office/powerpoint/2012/main" xmlns:ahyp="http://schemas.microsoft.com/office/drawing/2018/hyperlinkcolor" showMasterPhAnim="0" showMasterSp="0">
   <p:cSld>
     <p:spTree>
       <p:nvGrpSpPr>
@@ -5440,7 +5440,7 @@
 </file>
 
 <file path=ppt/notesSlides/notesSlide45.xml><?xml version="1.0" encoding="utf-8"?>
-<p:notes xmlns:a="http://schemas.openxmlformats.org/drawingml/2006/main" xmlns:r="http://schemas.openxmlformats.org/officeDocument/2006/relationships" xmlns:mc="http://schemas.openxmlformats.org/markup-compatibility/2006" xmlns:mv="urn:schemas-microsoft-com:mac:vml" xmlns:p="http://schemas.openxmlformats.org/presentationml/2006/main" xmlns:c="http://schemas.openxmlformats.org/drawingml/2006/chart" xmlns:dgm="http://schemas.openxmlformats.org/drawingml/2006/diagram" xmlns:o="urn:schemas-microsoft-com:office:office" xmlns:v="urn:schemas-microsoft-com:vml" xmlns:pvml="urn:schemas-microsoft-com:office:powerpoint" xmlns:com="http://schemas.openxmlformats.org/drawingml/2006/compatibility" xmlns:p14="http://schemas.microsoft.com/office/powerpoint/2010/main" xmlns:p15="http://schemas.microsoft.com/office/powerpoint/2012/main" showMasterPhAnim="0" showMasterSp="0">
+<p:notes xmlns:a="http://schemas.openxmlformats.org/drawingml/2006/main" xmlns:r="http://schemas.openxmlformats.org/officeDocument/2006/relationships" xmlns:mc="http://schemas.openxmlformats.org/markup-compatibility/2006" xmlns:mv="urn:schemas-microsoft-com:mac:vml" xmlns:p="http://schemas.openxmlformats.org/presentationml/2006/main" xmlns:c="http://schemas.openxmlformats.org/drawingml/2006/chart" xmlns:dgm="http://schemas.openxmlformats.org/drawingml/2006/diagram" xmlns:o="urn:schemas-microsoft-com:office:office" xmlns:v="urn:schemas-microsoft-com:vml" xmlns:pvml="urn:schemas-microsoft-com:office:powerpoint" xmlns:com="http://schemas.openxmlformats.org/drawingml/2006/compatibility" xmlns:p14="http://schemas.microsoft.com/office/powerpoint/2010/main" xmlns:p15="http://schemas.microsoft.com/office/powerpoint/2012/main" xmlns:ahyp="http://schemas.microsoft.com/office/drawing/2018/hyperlinkcolor" showMasterPhAnim="0" showMasterSp="0">
   <p:cSld>
     <p:spTree>
       <p:nvGrpSpPr>
@@ -5539,7 +5539,7 @@
 </file>
 
 <file path=ppt/notesSlides/notesSlide46.xml><?xml version="1.0" encoding="utf-8"?>
-<p:notes xmlns:a="http://schemas.openxmlformats.org/drawingml/2006/main" xmlns:r="http://schemas.openxmlformats.org/officeDocument/2006/relationships" xmlns:mc="http://schemas.openxmlformats.org/markup-compatibility/2006" xmlns:mv="urn:schemas-microsoft-com:mac:vml" xmlns:p="http://schemas.openxmlformats.org/presentationml/2006/main" xmlns:c="http://schemas.openxmlformats.org/drawingml/2006/chart" xmlns:dgm="http://schemas.openxmlformats.org/drawingml/2006/diagram" xmlns:o="urn:schemas-microsoft-com:office:office" xmlns:v="urn:schemas-microsoft-com:vml" xmlns:pvml="urn:schemas-microsoft-com:office:powerpoint" xmlns:com="http://schemas.openxmlformats.org/drawingml/2006/compatibility" xmlns:p14="http://schemas.microsoft.com/office/powerpoint/2010/main" xmlns:p15="http://schemas.microsoft.com/office/powerpoint/2012/main" showMasterPhAnim="0" showMasterSp="0">
+<p:notes xmlns:a="http://schemas.openxmlformats.org/drawingml/2006/main" xmlns:r="http://schemas.openxmlformats.org/officeDocument/2006/relationships" xmlns:mc="http://schemas.openxmlformats.org/markup-compatibility/2006" xmlns:mv="urn:schemas-microsoft-com:mac:vml" xmlns:p="http://schemas.openxmlformats.org/presentationml/2006/main" xmlns:c="http://schemas.openxmlformats.org/drawingml/2006/chart" xmlns:dgm="http://schemas.openxmlformats.org/drawingml/2006/diagram" xmlns:o="urn:schemas-microsoft-com:office:office" xmlns:v="urn:schemas-microsoft-com:vml" xmlns:pvml="urn:schemas-microsoft-com:office:powerpoint" xmlns:com="http://schemas.openxmlformats.org/drawingml/2006/compatibility" xmlns:p14="http://schemas.microsoft.com/office/powerpoint/2010/main" xmlns:p15="http://schemas.microsoft.com/office/powerpoint/2012/main" xmlns:ahyp="http://schemas.microsoft.com/office/drawing/2018/hyperlinkcolor" showMasterPhAnim="0" showMasterSp="0">
   <p:cSld>
     <p:spTree>
       <p:nvGrpSpPr>
@@ -5638,7 +5638,7 @@
 </file>
 
 <file path=ppt/notesSlides/notesSlide47.xml><?xml version="1.0" encoding="utf-8"?>
-<p:notes xmlns:a="http://schemas.openxmlformats.org/drawingml/2006/main" xmlns:r="http://schemas.openxmlformats.org/officeDocument/2006/relationships" xmlns:mc="http://schemas.openxmlformats.org/markup-compatibility/2006" xmlns:mv="urn:schemas-microsoft-com:mac:vml" xmlns:p="http://schemas.openxmlformats.org/presentationml/2006/main" xmlns:c="http://schemas.openxmlformats.org/drawingml/2006/chart" xmlns:dgm="http://schemas.openxmlformats.org/drawingml/2006/diagram" xmlns:o="urn:schemas-microsoft-com:office:office" xmlns:v="urn:schemas-microsoft-com:vml" xmlns:pvml="urn:schemas-microsoft-com:office:powerpoint" xmlns:com="http://schemas.openxmlformats.org/drawingml/2006/compatibility" xmlns:p14="http://schemas.microsoft.com/office/powerpoint/2010/main" xmlns:p15="http://schemas.microsoft.com/office/powerpoint/2012/main" showMasterPhAnim="0" showMasterSp="0">
+<p:notes xmlns:a="http://schemas.openxmlformats.org/drawingml/2006/main" xmlns:r="http://schemas.openxmlformats.org/officeDocument/2006/relationships" xmlns:mc="http://schemas.openxmlformats.org/markup-compatibility/2006" xmlns:mv="urn:schemas-microsoft-com:mac:vml" xmlns:p="http://schemas.openxmlformats.org/presentationml/2006/main" xmlns:c="http://schemas.openxmlformats.org/drawingml/2006/chart" xmlns:dgm="http://schemas.openxmlformats.org/drawingml/2006/diagram" xmlns:o="urn:schemas-microsoft-com:office:office" xmlns:v="urn:schemas-microsoft-com:vml" xmlns:pvml="urn:schemas-microsoft-com:office:powerpoint" xmlns:com="http://schemas.openxmlformats.org/drawingml/2006/compatibility" xmlns:p14="http://schemas.microsoft.com/office/powerpoint/2010/main" xmlns:p15="http://schemas.microsoft.com/office/powerpoint/2012/main" xmlns:ahyp="http://schemas.microsoft.com/office/drawing/2018/hyperlinkcolor" showMasterPhAnim="0" showMasterSp="0">
   <p:cSld>
     <p:spTree>
       <p:nvGrpSpPr>
@@ -5737,7 +5737,7 @@
 </file>
 
 <file path=ppt/notesSlides/notesSlide48.xml><?xml version="1.0" encoding="utf-8"?>
-<p:notes xmlns:a="http://schemas.openxmlformats.org/drawingml/2006/main" xmlns:r="http://schemas.openxmlformats.org/officeDocument/2006/relationships" xmlns:mc="http://schemas.openxmlformats.org/markup-compatibility/2006" xmlns:mv="urn:schemas-microsoft-com:mac:vml" xmlns:p="http://schemas.openxmlformats.org/presentationml/2006/main" xmlns:c="http://schemas.openxmlformats.org/drawingml/2006/chart" xmlns:dgm="http://schemas.openxmlformats.org/drawingml/2006/diagram" xmlns:o="urn:schemas-microsoft-com:office:office" xmlns:v="urn:schemas-microsoft-com:vml" xmlns:pvml="urn:schemas-microsoft-com:office:powerpoint" xmlns:com="http://schemas.openxmlformats.org/drawingml/2006/compatibility" xmlns:p14="http://schemas.microsoft.com/office/powerpoint/2010/main" xmlns:p15="http://schemas.microsoft.com/office/powerpoint/2012/main" showMasterPhAnim="0" showMasterSp="0">
+<p:notes xmlns:a="http://schemas.openxmlformats.org/drawingml/2006/main" xmlns:r="http://schemas.openxmlformats.org/officeDocument/2006/relationships" xmlns:mc="http://schemas.openxmlformats.org/markup-compatibility/2006" xmlns:mv="urn:schemas-microsoft-com:mac:vml" xmlns:p="http://schemas.openxmlformats.org/presentationml/2006/main" xmlns:c="http://schemas.openxmlformats.org/drawingml/2006/chart" xmlns:dgm="http://schemas.openxmlformats.org/drawingml/2006/diagram" xmlns:o="urn:schemas-microsoft-com:office:office" xmlns:v="urn:schemas-microsoft-com:vml" xmlns:pvml="urn:schemas-microsoft-com:office:powerpoint" xmlns:com="http://schemas.openxmlformats.org/drawingml/2006/compatibility" xmlns:p14="http://schemas.microsoft.com/office/powerpoint/2010/main" xmlns:p15="http://schemas.microsoft.com/office/powerpoint/2012/main" xmlns:ahyp="http://schemas.microsoft.com/office/drawing/2018/hyperlinkcolor" showMasterPhAnim="0" showMasterSp="0">
   <p:cSld>
     <p:spTree>
       <p:nvGrpSpPr>
@@ -5836,7 +5836,7 @@
 </file>
 
 <file path=ppt/notesSlides/notesSlide49.xml><?xml version="1.0" encoding="utf-8"?>
-<p:notes xmlns:a="http://schemas.openxmlformats.org/drawingml/2006/main" xmlns:r="http://schemas.openxmlformats.org/officeDocument/2006/relationships" xmlns:mc="http://schemas.openxmlformats.org/markup-compatibility/2006" xmlns:mv="urn:schemas-microsoft-com:mac:vml" xmlns:p="http://schemas.openxmlformats.org/presentationml/2006/main" xmlns:c="http://schemas.openxmlformats.org/drawingml/2006/chart" xmlns:dgm="http://schemas.openxmlformats.org/drawingml/2006/diagram" xmlns:o="urn:schemas-microsoft-com:office:office" xmlns:v="urn:schemas-microsoft-com:vml" xmlns:pvml="urn:schemas-microsoft-com:office:powerpoint" xmlns:com="http://schemas.openxmlformats.org/drawingml/2006/compatibility" xmlns:p14="http://schemas.microsoft.com/office/powerpoint/2010/main" xmlns:p15="http://schemas.microsoft.com/office/powerpoint/2012/main" showMasterPhAnim="0" showMasterSp="0">
+<p:notes xmlns:a="http://schemas.openxmlformats.org/drawingml/2006/main" xmlns:r="http://schemas.openxmlformats.org/officeDocument/2006/relationships" xmlns:mc="http://schemas.openxmlformats.org/markup-compatibility/2006" xmlns:mv="urn:schemas-microsoft-com:mac:vml" xmlns:p="http://schemas.openxmlformats.org/presentationml/2006/main" xmlns:c="http://schemas.openxmlformats.org/drawingml/2006/chart" xmlns:dgm="http://schemas.openxmlformats.org/drawingml/2006/diagram" xmlns:o="urn:schemas-microsoft-com:office:office" xmlns:v="urn:schemas-microsoft-com:vml" xmlns:pvml="urn:schemas-microsoft-com:office:powerpoint" xmlns:com="http://schemas.openxmlformats.org/drawingml/2006/compatibility" xmlns:p14="http://schemas.microsoft.com/office/powerpoint/2010/main" xmlns:p15="http://schemas.microsoft.com/office/powerpoint/2012/main" xmlns:ahyp="http://schemas.microsoft.com/office/drawing/2018/hyperlinkcolor" showMasterPhAnim="0" showMasterSp="0">
   <p:cSld>
     <p:spTree>
       <p:nvGrpSpPr>
@@ -5935,7 +5935,7 @@
 </file>
 
 <file path=ppt/notesSlides/notesSlide5.xml><?xml version="1.0" encoding="utf-8"?>
-<p:notes xmlns:a="http://schemas.openxmlformats.org/drawingml/2006/main" xmlns:r="http://schemas.openxmlformats.org/officeDocument/2006/relationships" xmlns:mc="http://schemas.openxmlformats.org/markup-compatibility/2006" xmlns:mv="urn:schemas-microsoft-com:mac:vml" xmlns:p="http://schemas.openxmlformats.org/presentationml/2006/main" xmlns:c="http://schemas.openxmlformats.org/drawingml/2006/chart" xmlns:dgm="http://schemas.openxmlformats.org/drawingml/2006/diagram" xmlns:o="urn:schemas-microsoft-com:office:office" xmlns:v="urn:schemas-microsoft-com:vml" xmlns:pvml="urn:schemas-microsoft-com:office:powerpoint" xmlns:com="http://schemas.openxmlformats.org/drawingml/2006/compatibility" xmlns:p14="http://schemas.microsoft.com/office/powerpoint/2010/main" xmlns:p15="http://schemas.microsoft.com/office/powerpoint/2012/main" showMasterPhAnim="0" showMasterSp="0">
+<p:notes xmlns:a="http://schemas.openxmlformats.org/drawingml/2006/main" xmlns:r="http://schemas.openxmlformats.org/officeDocument/2006/relationships" xmlns:mc="http://schemas.openxmlformats.org/markup-compatibility/2006" xmlns:mv="urn:schemas-microsoft-com:mac:vml" xmlns:p="http://schemas.openxmlformats.org/presentationml/2006/main" xmlns:c="http://schemas.openxmlformats.org/drawingml/2006/chart" xmlns:dgm="http://schemas.openxmlformats.org/drawingml/2006/diagram" xmlns:o="urn:schemas-microsoft-com:office:office" xmlns:v="urn:schemas-microsoft-com:vml" xmlns:pvml="urn:schemas-microsoft-com:office:powerpoint" xmlns:com="http://schemas.openxmlformats.org/drawingml/2006/compatibility" xmlns:p14="http://schemas.microsoft.com/office/powerpoint/2010/main" xmlns:p15="http://schemas.microsoft.com/office/powerpoint/2012/main" xmlns:ahyp="http://schemas.microsoft.com/office/drawing/2018/hyperlinkcolor" showMasterPhAnim="0" showMasterSp="0">
   <p:cSld>
     <p:spTree>
       <p:nvGrpSpPr>
@@ -6034,7 +6034,7 @@
 </file>
 
 <file path=ppt/notesSlides/notesSlide50.xml><?xml version="1.0" encoding="utf-8"?>
-<p:notes xmlns:a="http://schemas.openxmlformats.org/drawingml/2006/main" xmlns:r="http://schemas.openxmlformats.org/officeDocument/2006/relationships" xmlns:mc="http://schemas.openxmlformats.org/markup-compatibility/2006" xmlns:mv="urn:schemas-microsoft-com:mac:vml" xmlns:p="http://schemas.openxmlformats.org/presentationml/2006/main" xmlns:c="http://schemas.openxmlformats.org/drawingml/2006/chart" xmlns:dgm="http://schemas.openxmlformats.org/drawingml/2006/diagram" xmlns:o="urn:schemas-microsoft-com:office:office" xmlns:v="urn:schemas-microsoft-com:vml" xmlns:pvml="urn:schemas-microsoft-com:office:powerpoint" xmlns:com="http://schemas.openxmlformats.org/drawingml/2006/compatibility" xmlns:p14="http://schemas.microsoft.com/office/powerpoint/2010/main" xmlns:p15="http://schemas.microsoft.com/office/powerpoint/2012/main" showMasterPhAnim="0" showMasterSp="0">
+<p:notes xmlns:a="http://schemas.openxmlformats.org/drawingml/2006/main" xmlns:r="http://schemas.openxmlformats.org/officeDocument/2006/relationships" xmlns:mc="http://schemas.openxmlformats.org/markup-compatibility/2006" xmlns:mv="urn:schemas-microsoft-com:mac:vml" xmlns:p="http://schemas.openxmlformats.org/presentationml/2006/main" xmlns:c="http://schemas.openxmlformats.org/drawingml/2006/chart" xmlns:dgm="http://schemas.openxmlformats.org/drawingml/2006/diagram" xmlns:o="urn:schemas-microsoft-com:office:office" xmlns:v="urn:schemas-microsoft-com:vml" xmlns:pvml="urn:schemas-microsoft-com:office:powerpoint" xmlns:com="http://schemas.openxmlformats.org/drawingml/2006/compatibility" xmlns:p14="http://schemas.microsoft.com/office/powerpoint/2010/main" xmlns:p15="http://schemas.microsoft.com/office/powerpoint/2012/main" xmlns:ahyp="http://schemas.microsoft.com/office/drawing/2018/hyperlinkcolor" showMasterPhAnim="0" showMasterSp="0">
   <p:cSld>
     <p:spTree>
       <p:nvGrpSpPr>
@@ -6133,7 +6133,7 @@
 </file>
 
 <file path=ppt/notesSlides/notesSlide51.xml><?xml version="1.0" encoding="utf-8"?>
-<p:notes xmlns:a="http://schemas.openxmlformats.org/drawingml/2006/main" xmlns:r="http://schemas.openxmlformats.org/officeDocument/2006/relationships" xmlns:mc="http://schemas.openxmlformats.org/markup-compatibility/2006" xmlns:mv="urn:schemas-microsoft-com:mac:vml" xmlns:p="http://schemas.openxmlformats.org/presentationml/2006/main" xmlns:c="http://schemas.openxmlformats.org/drawingml/2006/chart" xmlns:dgm="http://schemas.openxmlformats.org/drawingml/2006/diagram" xmlns:o="urn:schemas-microsoft-com:office:office" xmlns:v="urn:schemas-microsoft-com:vml" xmlns:pvml="urn:schemas-microsoft-com:office:powerpoint" xmlns:com="http://schemas.openxmlformats.org/drawingml/2006/compatibility" xmlns:p14="http://schemas.microsoft.com/office/powerpoint/2010/main" xmlns:p15="http://schemas.microsoft.com/office/powerpoint/2012/main" showMasterPhAnim="0" showMasterSp="0">
+<p:notes xmlns:a="http://schemas.openxmlformats.org/drawingml/2006/main" xmlns:r="http://schemas.openxmlformats.org/officeDocument/2006/relationships" xmlns:mc="http://schemas.openxmlformats.org/markup-compatibility/2006" xmlns:mv="urn:schemas-microsoft-com:mac:vml" xmlns:p="http://schemas.openxmlformats.org/presentationml/2006/main" xmlns:c="http://schemas.openxmlformats.org/drawingml/2006/chart" xmlns:dgm="http://schemas.openxmlformats.org/drawingml/2006/diagram" xmlns:o="urn:schemas-microsoft-com:office:office" xmlns:v="urn:schemas-microsoft-com:vml" xmlns:pvml="urn:schemas-microsoft-com:office:powerpoint" xmlns:com="http://schemas.openxmlformats.org/drawingml/2006/compatibility" xmlns:p14="http://schemas.microsoft.com/office/powerpoint/2010/main" xmlns:p15="http://schemas.microsoft.com/office/powerpoint/2012/main" xmlns:ahyp="http://schemas.microsoft.com/office/drawing/2018/hyperlinkcolor" showMasterPhAnim="0" showMasterSp="0">
   <p:cSld>
     <p:spTree>
       <p:nvGrpSpPr>
@@ -6232,7 +6232,7 @@
 </file>
 
 <file path=ppt/notesSlides/notesSlide52.xml><?xml version="1.0" encoding="utf-8"?>
-<p:notes xmlns:a="http://schemas.openxmlformats.org/drawingml/2006/main" xmlns:r="http://schemas.openxmlformats.org/officeDocument/2006/relationships" xmlns:mc="http://schemas.openxmlformats.org/markup-compatibility/2006" xmlns:mv="urn:schemas-microsoft-com:mac:vml" xmlns:p="http://schemas.openxmlformats.org/presentationml/2006/main" xmlns:c="http://schemas.openxmlformats.org/drawingml/2006/chart" xmlns:dgm="http://schemas.openxmlformats.org/drawingml/2006/diagram" xmlns:o="urn:schemas-microsoft-com:office:office" xmlns:v="urn:schemas-microsoft-com:vml" xmlns:pvml="urn:schemas-microsoft-com:office:powerpoint" xmlns:com="http://schemas.openxmlformats.org/drawingml/2006/compatibility" xmlns:p14="http://schemas.microsoft.com/office/powerpoint/2010/main" xmlns:p15="http://schemas.microsoft.com/office/powerpoint/2012/main" showMasterPhAnim="0" showMasterSp="0">
+<p:notes xmlns:a="http://schemas.openxmlformats.org/drawingml/2006/main" xmlns:r="http://schemas.openxmlformats.org/officeDocument/2006/relationships" xmlns:mc="http://schemas.openxmlformats.org/markup-compatibility/2006" xmlns:mv="urn:schemas-microsoft-com:mac:vml" xmlns:p="http://schemas.openxmlformats.org/presentationml/2006/main" xmlns:c="http://schemas.openxmlformats.org/drawingml/2006/chart" xmlns:dgm="http://schemas.openxmlformats.org/drawingml/2006/diagram" xmlns:o="urn:schemas-microsoft-com:office:office" xmlns:v="urn:schemas-microsoft-com:vml" xmlns:pvml="urn:schemas-microsoft-com:office:powerpoint" xmlns:com="http://schemas.openxmlformats.org/drawingml/2006/compatibility" xmlns:p14="http://schemas.microsoft.com/office/powerpoint/2010/main" xmlns:p15="http://schemas.microsoft.com/office/powerpoint/2012/main" xmlns:ahyp="http://schemas.microsoft.com/office/drawing/2018/hyperlinkcolor" showMasterPhAnim="0" showMasterSp="0">
   <p:cSld>
     <p:spTree>
       <p:nvGrpSpPr>
@@ -6331,7 +6331,7 @@
 </file>
 
 <file path=ppt/notesSlides/notesSlide53.xml><?xml version="1.0" encoding="utf-8"?>
-<p:notes xmlns:a="http://schemas.openxmlformats.org/drawingml/2006/main" xmlns:r="http://schemas.openxmlformats.org/officeDocument/2006/relationships" xmlns:mc="http://schemas.openxmlformats.org/markup-compatibility/2006" xmlns:mv="urn:schemas-microsoft-com:mac:vml" xmlns:p="http://schemas.openxmlformats.org/presentationml/2006/main" xmlns:c="http://schemas.openxmlformats.org/drawingml/2006/chart" xmlns:dgm="http://schemas.openxmlformats.org/drawingml/2006/diagram" xmlns:o="urn:schemas-microsoft-com:office:office" xmlns:v="urn:schemas-microsoft-com:vml" xmlns:pvml="urn:schemas-microsoft-com:office:powerpoint" xmlns:com="http://schemas.openxmlformats.org/drawingml/2006/compatibility" xmlns:p14="http://schemas.microsoft.com/office/powerpoint/2010/main" xmlns:p15="http://schemas.microsoft.com/office/powerpoint/2012/main" showMasterPhAnim="0" showMasterSp="0">
+<p:notes xmlns:a="http://schemas.openxmlformats.org/drawingml/2006/main" xmlns:r="http://schemas.openxmlformats.org/officeDocument/2006/relationships" xmlns:mc="http://schemas.openxmlformats.org/markup-compatibility/2006" xmlns:mv="urn:schemas-microsoft-com:mac:vml" xmlns:p="http://schemas.openxmlformats.org/presentationml/2006/main" xmlns:c="http://schemas.openxmlformats.org/drawingml/2006/chart" xmlns:dgm="http://schemas.openxmlformats.org/drawingml/2006/diagram" xmlns:o="urn:schemas-microsoft-com:office:office" xmlns:v="urn:schemas-microsoft-com:vml" xmlns:pvml="urn:schemas-microsoft-com:office:powerpoint" xmlns:com="http://schemas.openxmlformats.org/drawingml/2006/compatibility" xmlns:p14="http://schemas.microsoft.com/office/powerpoint/2010/main" xmlns:p15="http://schemas.microsoft.com/office/powerpoint/2012/main" xmlns:ahyp="http://schemas.microsoft.com/office/drawing/2018/hyperlinkcolor" showMasterPhAnim="0" showMasterSp="0">
   <p:cSld>
     <p:spTree>
       <p:nvGrpSpPr>
@@ -6430,7 +6430,7 @@
 </file>
 
 <file path=ppt/notesSlides/notesSlide6.xml><?xml version="1.0" encoding="utf-8"?>
-<p:notes xmlns:a="http://schemas.openxmlformats.org/drawingml/2006/main" xmlns:r="http://schemas.openxmlformats.org/officeDocument/2006/relationships" xmlns:mc="http://schemas.openxmlformats.org/markup-compatibility/2006" xmlns:mv="urn:schemas-microsoft-com:mac:vml" xmlns:p="http://schemas.openxmlformats.org/presentationml/2006/main" xmlns:c="http://schemas.openxmlformats.org/drawingml/2006/chart" xmlns:dgm="http://schemas.openxmlformats.org/drawingml/2006/diagram" xmlns:o="urn:schemas-microsoft-com:office:office" xmlns:v="urn:schemas-microsoft-com:vml" xmlns:pvml="urn:schemas-microsoft-com:office:powerpoint" xmlns:com="http://schemas.openxmlformats.org/drawingml/2006/compatibility" xmlns:p14="http://schemas.microsoft.com/office/powerpoint/2010/main" xmlns:p15="http://schemas.microsoft.com/office/powerpoint/2012/main" showMasterPhAnim="0" showMasterSp="0">
+<p:notes xmlns:a="http://schemas.openxmlformats.org/drawingml/2006/main" xmlns:r="http://schemas.openxmlformats.org/officeDocument/2006/relationships" xmlns:mc="http://schemas.openxmlformats.org/markup-compatibility/2006" xmlns:mv="urn:schemas-microsoft-com:mac:vml" xmlns:p="http://schemas.openxmlformats.org/presentationml/2006/main" xmlns:c="http://schemas.openxmlformats.org/drawingml/2006/chart" xmlns:dgm="http://schemas.openxmlformats.org/drawingml/2006/diagram" xmlns:o="urn:schemas-microsoft-com:office:office" xmlns:v="urn:schemas-microsoft-com:vml" xmlns:pvml="urn:schemas-microsoft-com:office:powerpoint" xmlns:com="http://schemas.openxmlformats.org/drawingml/2006/compatibility" xmlns:p14="http://schemas.microsoft.com/office/powerpoint/2010/main" xmlns:p15="http://schemas.microsoft.com/office/powerpoint/2012/main" xmlns:ahyp="http://schemas.microsoft.com/office/drawing/2018/hyperlinkcolor" showMasterPhAnim="0" showMasterSp="0">
   <p:cSld>
     <p:spTree>
       <p:nvGrpSpPr>
@@ -6529,7 +6529,7 @@
 </file>
 
 <file path=ppt/notesSlides/notesSlide7.xml><?xml version="1.0" encoding="utf-8"?>
-<p:notes xmlns:a="http://schemas.openxmlformats.org/drawingml/2006/main" xmlns:r="http://schemas.openxmlformats.org/officeDocument/2006/relationships" xmlns:mc="http://schemas.openxmlformats.org/markup-compatibility/2006" xmlns:mv="urn:schemas-microsoft-com:mac:vml" xmlns:p="http://schemas.openxmlformats.org/presentationml/2006/main" xmlns:c="http://schemas.openxmlformats.org/drawingml/2006/chart" xmlns:dgm="http://schemas.openxmlformats.org/drawingml/2006/diagram" xmlns:o="urn:schemas-microsoft-com:office:office" xmlns:v="urn:schemas-microsoft-com:vml" xmlns:pvml="urn:schemas-microsoft-com:office:powerpoint" xmlns:com="http://schemas.openxmlformats.org/drawingml/2006/compatibility" xmlns:p14="http://schemas.microsoft.com/office/powerpoint/2010/main" xmlns:p15="http://schemas.microsoft.com/office/powerpoint/2012/main" showMasterPhAnim="0" showMasterSp="0">
+<p:notes xmlns:a="http://schemas.openxmlformats.org/drawingml/2006/main" xmlns:r="http://schemas.openxmlformats.org/officeDocument/2006/relationships" xmlns:mc="http://schemas.openxmlformats.org/markup-compatibility/2006" xmlns:mv="urn:schemas-microsoft-com:mac:vml" xmlns:p="http://schemas.openxmlformats.org/presentationml/2006/main" xmlns:c="http://schemas.openxmlformats.org/drawingml/2006/chart" xmlns:dgm="http://schemas.openxmlformats.org/drawingml/2006/diagram" xmlns:o="urn:schemas-microsoft-com:office:office" xmlns:v="urn:schemas-microsoft-com:vml" xmlns:pvml="urn:schemas-microsoft-com:office:powerpoint" xmlns:com="http://schemas.openxmlformats.org/drawingml/2006/compatibility" xmlns:p14="http://schemas.microsoft.com/office/powerpoint/2010/main" xmlns:p15="http://schemas.microsoft.com/office/powerpoint/2012/main" xmlns:ahyp="http://schemas.microsoft.com/office/drawing/2018/hyperlinkcolor" showMasterPhAnim="0" showMasterSp="0">
   <p:cSld>
     <p:spTree>
       <p:nvGrpSpPr>
@@ -6628,7 +6628,7 @@
 </file>
 
 <file path=ppt/notesSlides/notesSlide8.xml><?xml version="1.0" encoding="utf-8"?>
-<p:notes xmlns:a="http://schemas.openxmlformats.org/drawingml/2006/main" xmlns:r="http://schemas.openxmlformats.org/officeDocument/2006/relationships" xmlns:mc="http://schemas.openxmlformats.org/markup-compatibility/2006" xmlns:mv="urn:schemas-microsoft-com:mac:vml" xmlns:p="http://schemas.openxmlformats.org/presentationml/2006/main" xmlns:c="http://schemas.openxmlformats.org/drawingml/2006/chart" xmlns:dgm="http://schemas.openxmlformats.org/drawingml/2006/diagram" xmlns:o="urn:schemas-microsoft-com:office:office" xmlns:v="urn:schemas-microsoft-com:vml" xmlns:pvml="urn:schemas-microsoft-com:office:powerpoint" xmlns:com="http://schemas.openxmlformats.org/drawingml/2006/compatibility" xmlns:p14="http://schemas.microsoft.com/office/powerpoint/2010/main" xmlns:p15="http://schemas.microsoft.com/office/powerpoint/2012/main" showMasterPhAnim="0" showMasterSp="0">
+<p:notes xmlns:a="http://schemas.openxmlformats.org/drawingml/2006/main" xmlns:r="http://schemas.openxmlformats.org/officeDocument/2006/relationships" xmlns:mc="http://schemas.openxmlformats.org/markup-compatibility/2006" xmlns:mv="urn:schemas-microsoft-com:mac:vml" xmlns:p="http://schemas.openxmlformats.org/presentationml/2006/main" xmlns:c="http://schemas.openxmlformats.org/drawingml/2006/chart" xmlns:dgm="http://schemas.openxmlformats.org/drawingml/2006/diagram" xmlns:o="urn:schemas-microsoft-com:office:office" xmlns:v="urn:schemas-microsoft-com:vml" xmlns:pvml="urn:schemas-microsoft-com:office:powerpoint" xmlns:com="http://schemas.openxmlformats.org/drawingml/2006/compatibility" xmlns:p14="http://schemas.microsoft.com/office/powerpoint/2010/main" xmlns:p15="http://schemas.microsoft.com/office/powerpoint/2012/main" xmlns:ahyp="http://schemas.microsoft.com/office/drawing/2018/hyperlinkcolor" showMasterPhAnim="0" showMasterSp="0">
   <p:cSld>
     <p:spTree>
       <p:nvGrpSpPr>
@@ -6727,7 +6727,7 @@
 </file>
 
 <file path=ppt/notesSlides/notesSlide9.xml><?xml version="1.0" encoding="utf-8"?>
-<p:notes xmlns:a="http://schemas.openxmlformats.org/drawingml/2006/main" xmlns:r="http://schemas.openxmlformats.org/officeDocument/2006/relationships" xmlns:mc="http://schemas.openxmlformats.org/markup-compatibility/2006" xmlns:mv="urn:schemas-microsoft-com:mac:vml" xmlns:p="http://schemas.openxmlformats.org/presentationml/2006/main" xmlns:c="http://schemas.openxmlformats.org/drawingml/2006/chart" xmlns:dgm="http://schemas.openxmlformats.org/drawingml/2006/diagram" xmlns:o="urn:schemas-microsoft-com:office:office" xmlns:v="urn:schemas-microsoft-com:vml" xmlns:pvml="urn:schemas-microsoft-com:office:powerpoint" xmlns:com="http://schemas.openxmlformats.org/drawingml/2006/compatibility" xmlns:p14="http://schemas.microsoft.com/office/powerpoint/2010/main" xmlns:p15="http://schemas.microsoft.com/office/powerpoint/2012/main" showMasterPhAnim="0" showMasterSp="0">
+<p:notes xmlns:a="http://schemas.openxmlformats.org/drawingml/2006/main" xmlns:r="http://schemas.openxmlformats.org/officeDocument/2006/relationships" xmlns:mc="http://schemas.openxmlformats.org/markup-compatibility/2006" xmlns:mv="urn:schemas-microsoft-com:mac:vml" xmlns:p="http://schemas.openxmlformats.org/presentationml/2006/main" xmlns:c="http://schemas.openxmlformats.org/drawingml/2006/chart" xmlns:dgm="http://schemas.openxmlformats.org/drawingml/2006/diagram" xmlns:o="urn:schemas-microsoft-com:office:office" xmlns:v="urn:schemas-microsoft-com:vml" xmlns:pvml="urn:schemas-microsoft-com:office:powerpoint" xmlns:com="http://schemas.openxmlformats.org/drawingml/2006/compatibility" xmlns:p14="http://schemas.microsoft.com/office/powerpoint/2010/main" xmlns:p15="http://schemas.microsoft.com/office/powerpoint/2012/main" xmlns:ahyp="http://schemas.microsoft.com/office/drawing/2018/hyperlinkcolor" showMasterPhAnim="0" showMasterSp="0">
   <p:cSld>
     <p:spTree>
       <p:nvGrpSpPr>
@@ -6826,7 +6826,7 @@
 </file>
 
 <file path=ppt/slideLayouts/slideLayout1.xml><?xml version="1.0" encoding="utf-8"?>
-<p:sldLayout xmlns:a="http://schemas.openxmlformats.org/drawingml/2006/main" xmlns:r="http://schemas.openxmlformats.org/officeDocument/2006/relationships" xmlns:mc="http://schemas.openxmlformats.org/markup-compatibility/2006" xmlns:mv="urn:schemas-microsoft-com:mac:vml" xmlns:p="http://schemas.openxmlformats.org/presentationml/2006/main" xmlns:c="http://schemas.openxmlformats.org/drawingml/2006/chart" xmlns:dgm="http://schemas.openxmlformats.org/drawingml/2006/diagram" xmlns:o="urn:schemas-microsoft-com:office:office" xmlns:v="urn:schemas-microsoft-com:vml" xmlns:pvml="urn:schemas-microsoft-com:office:powerpoint" xmlns:com="http://schemas.openxmlformats.org/drawingml/2006/compatibility" xmlns:p14="http://schemas.microsoft.com/office/powerpoint/2010/main" xmlns:p15="http://schemas.microsoft.com/office/powerpoint/2012/main" matchingName="Title Slide" type="title">
+<p:sldLayout xmlns:a="http://schemas.openxmlformats.org/drawingml/2006/main" xmlns:r="http://schemas.openxmlformats.org/officeDocument/2006/relationships" xmlns:mc="http://schemas.openxmlformats.org/markup-compatibility/2006" xmlns:mv="urn:schemas-microsoft-com:mac:vml" xmlns:p="http://schemas.openxmlformats.org/presentationml/2006/main" xmlns:c="http://schemas.openxmlformats.org/drawingml/2006/chart" xmlns:dgm="http://schemas.openxmlformats.org/drawingml/2006/diagram" xmlns:o="urn:schemas-microsoft-com:office:office" xmlns:v="urn:schemas-microsoft-com:vml" xmlns:pvml="urn:schemas-microsoft-com:office:powerpoint" xmlns:com="http://schemas.openxmlformats.org/drawingml/2006/compatibility" xmlns:p14="http://schemas.microsoft.com/office/powerpoint/2010/main" xmlns:p15="http://schemas.microsoft.com/office/powerpoint/2012/main" xmlns:ahyp="http://schemas.microsoft.com/office/drawing/2018/hyperlinkcolor" matchingName="Title Slide" type="title">
   <p:cSld name="TITLE">
     <p:spTree>
       <p:nvGrpSpPr>
@@ -7175,7 +7175,7 @@
 </file>
 
 <file path=ppt/slideLayouts/slideLayout10.xml><?xml version="1.0" encoding="utf-8"?>
-<p:sldLayout xmlns:a="http://schemas.openxmlformats.org/drawingml/2006/main" xmlns:r="http://schemas.openxmlformats.org/officeDocument/2006/relationships" xmlns:mc="http://schemas.openxmlformats.org/markup-compatibility/2006" xmlns:mv="urn:schemas-microsoft-com:mac:vml" xmlns:p="http://schemas.openxmlformats.org/presentationml/2006/main" xmlns:c="http://schemas.openxmlformats.org/drawingml/2006/chart" xmlns:dgm="http://schemas.openxmlformats.org/drawingml/2006/diagram" xmlns:o="urn:schemas-microsoft-com:office:office" xmlns:v="urn:schemas-microsoft-com:vml" xmlns:pvml="urn:schemas-microsoft-com:office:powerpoint" xmlns:com="http://schemas.openxmlformats.org/drawingml/2006/compatibility" xmlns:p14="http://schemas.microsoft.com/office/powerpoint/2010/main" xmlns:p15="http://schemas.microsoft.com/office/powerpoint/2012/main" matchingName="Title and Vertical Text" type="vertTx">
+<p:sldLayout xmlns:a="http://schemas.openxmlformats.org/drawingml/2006/main" xmlns:r="http://schemas.openxmlformats.org/officeDocument/2006/relationships" xmlns:mc="http://schemas.openxmlformats.org/markup-compatibility/2006" xmlns:mv="urn:schemas-microsoft-com:mac:vml" xmlns:p="http://schemas.openxmlformats.org/presentationml/2006/main" xmlns:c="http://schemas.openxmlformats.org/drawingml/2006/chart" xmlns:dgm="http://schemas.openxmlformats.org/drawingml/2006/diagram" xmlns:o="urn:schemas-microsoft-com:office:office" xmlns:v="urn:schemas-microsoft-com:vml" xmlns:pvml="urn:schemas-microsoft-com:office:powerpoint" xmlns:com="http://schemas.openxmlformats.org/drawingml/2006/compatibility" xmlns:p14="http://schemas.microsoft.com/office/powerpoint/2010/main" xmlns:p15="http://schemas.microsoft.com/office/powerpoint/2012/main" xmlns:ahyp="http://schemas.microsoft.com/office/drawing/2018/hyperlinkcolor" matchingName="Title and Vertical Text" type="vertTx">
   <p:cSld name="VERTICAL_TEXT">
     <p:spTree>
       <p:nvGrpSpPr>
@@ -8070,7 +8070,7 @@
 </file>
 
 <file path=ppt/slideLayouts/slideLayout11.xml><?xml version="1.0" encoding="utf-8"?>
-<p:sldLayout xmlns:a="http://schemas.openxmlformats.org/drawingml/2006/main" xmlns:r="http://schemas.openxmlformats.org/officeDocument/2006/relationships" xmlns:mc="http://schemas.openxmlformats.org/markup-compatibility/2006" xmlns:mv="urn:schemas-microsoft-com:mac:vml" xmlns:p="http://schemas.openxmlformats.org/presentationml/2006/main" xmlns:c="http://schemas.openxmlformats.org/drawingml/2006/chart" xmlns:dgm="http://schemas.openxmlformats.org/drawingml/2006/diagram" xmlns:o="urn:schemas-microsoft-com:office:office" xmlns:v="urn:schemas-microsoft-com:vml" xmlns:pvml="urn:schemas-microsoft-com:office:powerpoint" xmlns:com="http://schemas.openxmlformats.org/drawingml/2006/compatibility" xmlns:p14="http://schemas.microsoft.com/office/powerpoint/2010/main" xmlns:p15="http://schemas.microsoft.com/office/powerpoint/2012/main" matchingName="Vertical Title and Text" type="vertTitleAndTx">
+<p:sldLayout xmlns:a="http://schemas.openxmlformats.org/drawingml/2006/main" xmlns:r="http://schemas.openxmlformats.org/officeDocument/2006/relationships" xmlns:mc="http://schemas.openxmlformats.org/markup-compatibility/2006" xmlns:mv="urn:schemas-microsoft-com:mac:vml" xmlns:p="http://schemas.openxmlformats.org/presentationml/2006/main" xmlns:c="http://schemas.openxmlformats.org/drawingml/2006/chart" xmlns:dgm="http://schemas.openxmlformats.org/drawingml/2006/diagram" xmlns:o="urn:schemas-microsoft-com:office:office" xmlns:v="urn:schemas-microsoft-com:vml" xmlns:pvml="urn:schemas-microsoft-com:office:powerpoint" xmlns:com="http://schemas.openxmlformats.org/drawingml/2006/compatibility" xmlns:p14="http://schemas.microsoft.com/office/powerpoint/2010/main" xmlns:p15="http://schemas.microsoft.com/office/powerpoint/2012/main" xmlns:ahyp="http://schemas.microsoft.com/office/drawing/2018/hyperlinkcolor" matchingName="Vertical Title and Text" type="vertTitleAndTx">
   <p:cSld name="VERTICAL_TITLE_AND_VERTICAL_TEXT">
     <p:spTree>
       <p:nvGrpSpPr>
@@ -8965,7 +8965,7 @@
 </file>
 
 <file path=ppt/slideLayouts/slideLayout12.xml><?xml version="1.0" encoding="utf-8"?>
-<p:sldLayout xmlns:a="http://schemas.openxmlformats.org/drawingml/2006/main" xmlns:r="http://schemas.openxmlformats.org/officeDocument/2006/relationships" xmlns:mc="http://schemas.openxmlformats.org/markup-compatibility/2006" xmlns:mv="urn:schemas-microsoft-com:mac:vml" xmlns:p="http://schemas.openxmlformats.org/presentationml/2006/main" xmlns:c="http://schemas.openxmlformats.org/drawingml/2006/chart" xmlns:dgm="http://schemas.openxmlformats.org/drawingml/2006/diagram" xmlns:o="urn:schemas-microsoft-com:office:office" xmlns:v="urn:schemas-microsoft-com:vml" xmlns:pvml="urn:schemas-microsoft-com:office:powerpoint" xmlns:com="http://schemas.openxmlformats.org/drawingml/2006/compatibility" xmlns:p14="http://schemas.microsoft.com/office/powerpoint/2010/main" xmlns:p15="http://schemas.microsoft.com/office/powerpoint/2012/main" matchingName="Title Slide" type="title">
+<p:sldLayout xmlns:a="http://schemas.openxmlformats.org/drawingml/2006/main" xmlns:r="http://schemas.openxmlformats.org/officeDocument/2006/relationships" xmlns:mc="http://schemas.openxmlformats.org/markup-compatibility/2006" xmlns:mv="urn:schemas-microsoft-com:mac:vml" xmlns:p="http://schemas.openxmlformats.org/presentationml/2006/main" xmlns:c="http://schemas.openxmlformats.org/drawingml/2006/chart" xmlns:dgm="http://schemas.openxmlformats.org/drawingml/2006/diagram" xmlns:o="urn:schemas-microsoft-com:office:office" xmlns:v="urn:schemas-microsoft-com:vml" xmlns:pvml="urn:schemas-microsoft-com:office:powerpoint" xmlns:com="http://schemas.openxmlformats.org/drawingml/2006/compatibility" xmlns:p14="http://schemas.microsoft.com/office/powerpoint/2010/main" xmlns:p15="http://schemas.microsoft.com/office/powerpoint/2012/main" xmlns:ahyp="http://schemas.microsoft.com/office/drawing/2018/hyperlinkcolor" matchingName="Title Slide" type="title">
   <p:cSld name="TITLE">
     <p:spTree>
       <p:nvGrpSpPr>
@@ -9314,7 +9314,7 @@
 </file>
 
 <file path=ppt/slideLayouts/slideLayout13.xml><?xml version="1.0" encoding="utf-8"?>
-<p:sldLayout xmlns:a="http://schemas.openxmlformats.org/drawingml/2006/main" xmlns:r="http://schemas.openxmlformats.org/officeDocument/2006/relationships" xmlns:mc="http://schemas.openxmlformats.org/markup-compatibility/2006" xmlns:mv="urn:schemas-microsoft-com:mac:vml" xmlns:p="http://schemas.openxmlformats.org/presentationml/2006/main" xmlns:c="http://schemas.openxmlformats.org/drawingml/2006/chart" xmlns:dgm="http://schemas.openxmlformats.org/drawingml/2006/diagram" xmlns:o="urn:schemas-microsoft-com:office:office" xmlns:v="urn:schemas-microsoft-com:vml" xmlns:pvml="urn:schemas-microsoft-com:office:powerpoint" xmlns:com="http://schemas.openxmlformats.org/drawingml/2006/compatibility" xmlns:p14="http://schemas.microsoft.com/office/powerpoint/2010/main" xmlns:p15="http://schemas.microsoft.com/office/powerpoint/2012/main" matchingName="Title and Content" type="obj">
+<p:sldLayout xmlns:a="http://schemas.openxmlformats.org/drawingml/2006/main" xmlns:r="http://schemas.openxmlformats.org/officeDocument/2006/relationships" xmlns:mc="http://schemas.openxmlformats.org/markup-compatibility/2006" xmlns:mv="urn:schemas-microsoft-com:mac:vml" xmlns:p="http://schemas.openxmlformats.org/presentationml/2006/main" xmlns:c="http://schemas.openxmlformats.org/drawingml/2006/chart" xmlns:dgm="http://schemas.openxmlformats.org/drawingml/2006/diagram" xmlns:o="urn:schemas-microsoft-com:office:office" xmlns:v="urn:schemas-microsoft-com:vml" xmlns:pvml="urn:schemas-microsoft-com:office:powerpoint" xmlns:com="http://schemas.openxmlformats.org/drawingml/2006/compatibility" xmlns:p14="http://schemas.microsoft.com/office/powerpoint/2010/main" xmlns:p15="http://schemas.microsoft.com/office/powerpoint/2012/main" xmlns:ahyp="http://schemas.microsoft.com/office/drawing/2018/hyperlinkcolor" matchingName="Title and Content" type="obj">
   <p:cSld name="OBJECT">
     <p:spTree>
       <p:nvGrpSpPr>
@@ -10209,7 +10209,7 @@
 </file>
 
 <file path=ppt/slideLayouts/slideLayout14.xml><?xml version="1.0" encoding="utf-8"?>
-<p:sldLayout xmlns:a="http://schemas.openxmlformats.org/drawingml/2006/main" xmlns:r="http://schemas.openxmlformats.org/officeDocument/2006/relationships" xmlns:mc="http://schemas.openxmlformats.org/markup-compatibility/2006" xmlns:mv="urn:schemas-microsoft-com:mac:vml" xmlns:p="http://schemas.openxmlformats.org/presentationml/2006/main" xmlns:c="http://schemas.openxmlformats.org/drawingml/2006/chart" xmlns:dgm="http://schemas.openxmlformats.org/drawingml/2006/diagram" xmlns:o="urn:schemas-microsoft-com:office:office" xmlns:v="urn:schemas-microsoft-com:vml" xmlns:pvml="urn:schemas-microsoft-com:office:powerpoint" xmlns:com="http://schemas.openxmlformats.org/drawingml/2006/compatibility" xmlns:p14="http://schemas.microsoft.com/office/powerpoint/2010/main" xmlns:p15="http://schemas.microsoft.com/office/powerpoint/2012/main" matchingName="Section Header" type="secHead">
+<p:sldLayout xmlns:a="http://schemas.openxmlformats.org/drawingml/2006/main" xmlns:r="http://schemas.openxmlformats.org/officeDocument/2006/relationships" xmlns:mc="http://schemas.openxmlformats.org/markup-compatibility/2006" xmlns:mv="urn:schemas-microsoft-com:mac:vml" xmlns:p="http://schemas.openxmlformats.org/presentationml/2006/main" xmlns:c="http://schemas.openxmlformats.org/drawingml/2006/chart" xmlns:dgm="http://schemas.openxmlformats.org/drawingml/2006/diagram" xmlns:o="urn:schemas-microsoft-com:office:office" xmlns:v="urn:schemas-microsoft-com:vml" xmlns:pvml="urn:schemas-microsoft-com:office:powerpoint" xmlns:com="http://schemas.openxmlformats.org/drawingml/2006/compatibility" xmlns:p14="http://schemas.microsoft.com/office/powerpoint/2010/main" xmlns:p15="http://schemas.microsoft.com/office/powerpoint/2012/main" xmlns:ahyp="http://schemas.microsoft.com/office/drawing/2018/hyperlinkcolor" matchingName="Section Header" type="secHead">
   <p:cSld name="SECTION_HEADER">
     <p:spTree>
       <p:nvGrpSpPr>
@@ -11141,7 +11141,7 @@
 </file>
 
 <file path=ppt/slideLayouts/slideLayout15.xml><?xml version="1.0" encoding="utf-8"?>
-<p:sldLayout xmlns:a="http://schemas.openxmlformats.org/drawingml/2006/main" xmlns:r="http://schemas.openxmlformats.org/officeDocument/2006/relationships" xmlns:mc="http://schemas.openxmlformats.org/markup-compatibility/2006" xmlns:mv="urn:schemas-microsoft-com:mac:vml" xmlns:p="http://schemas.openxmlformats.org/presentationml/2006/main" xmlns:c="http://schemas.openxmlformats.org/drawingml/2006/chart" xmlns:dgm="http://schemas.openxmlformats.org/drawingml/2006/diagram" xmlns:o="urn:schemas-microsoft-com:office:office" xmlns:v="urn:schemas-microsoft-com:vml" xmlns:pvml="urn:schemas-microsoft-com:office:powerpoint" xmlns:com="http://schemas.openxmlformats.org/drawingml/2006/compatibility" xmlns:p14="http://schemas.microsoft.com/office/powerpoint/2010/main" xmlns:p15="http://schemas.microsoft.com/office/powerpoint/2012/main" matchingName="Two Content" type="twoObj">
+<p:sldLayout xmlns:a="http://schemas.openxmlformats.org/drawingml/2006/main" xmlns:r="http://schemas.openxmlformats.org/officeDocument/2006/relationships" xmlns:mc="http://schemas.openxmlformats.org/markup-compatibility/2006" xmlns:mv="urn:schemas-microsoft-com:mac:vml" xmlns:p="http://schemas.openxmlformats.org/presentationml/2006/main" xmlns:c="http://schemas.openxmlformats.org/drawingml/2006/chart" xmlns:dgm="http://schemas.openxmlformats.org/drawingml/2006/diagram" xmlns:o="urn:schemas-microsoft-com:office:office" xmlns:v="urn:schemas-microsoft-com:vml" xmlns:pvml="urn:schemas-microsoft-com:office:powerpoint" xmlns:com="http://schemas.openxmlformats.org/drawingml/2006/compatibility" xmlns:p14="http://schemas.microsoft.com/office/powerpoint/2010/main" xmlns:p15="http://schemas.microsoft.com/office/powerpoint/2012/main" xmlns:ahyp="http://schemas.microsoft.com/office/drawing/2018/hyperlinkcolor" matchingName="Two Content" type="twoObj">
   <p:cSld name="TWO_OBJECTS">
     <p:spTree>
       <p:nvGrpSpPr>
@@ -12192,7 +12192,7 @@
 </file>
 
 <file path=ppt/slideLayouts/slideLayout16.xml><?xml version="1.0" encoding="utf-8"?>
-<p:sldLayout xmlns:a="http://schemas.openxmlformats.org/drawingml/2006/main" xmlns:r="http://schemas.openxmlformats.org/officeDocument/2006/relationships" xmlns:mc="http://schemas.openxmlformats.org/markup-compatibility/2006" xmlns:mv="urn:schemas-microsoft-com:mac:vml" xmlns:p="http://schemas.openxmlformats.org/presentationml/2006/main" xmlns:c="http://schemas.openxmlformats.org/drawingml/2006/chart" xmlns:dgm="http://schemas.openxmlformats.org/drawingml/2006/diagram" xmlns:o="urn:schemas-microsoft-com:office:office" xmlns:v="urn:schemas-microsoft-com:vml" xmlns:pvml="urn:schemas-microsoft-com:office:powerpoint" xmlns:com="http://schemas.openxmlformats.org/drawingml/2006/compatibility" xmlns:p14="http://schemas.microsoft.com/office/powerpoint/2010/main" xmlns:p15="http://schemas.microsoft.com/office/powerpoint/2012/main" matchingName="Comparison" type="twoTxTwoObj">
+<p:sldLayout xmlns:a="http://schemas.openxmlformats.org/drawingml/2006/main" xmlns:r="http://schemas.openxmlformats.org/officeDocument/2006/relationships" xmlns:mc="http://schemas.openxmlformats.org/markup-compatibility/2006" xmlns:mv="urn:schemas-microsoft-com:mac:vml" xmlns:p="http://schemas.openxmlformats.org/presentationml/2006/main" xmlns:c="http://schemas.openxmlformats.org/drawingml/2006/chart" xmlns:dgm="http://schemas.openxmlformats.org/drawingml/2006/diagram" xmlns:o="urn:schemas-microsoft-com:office:office" xmlns:v="urn:schemas-microsoft-com:vml" xmlns:pvml="urn:schemas-microsoft-com:office:powerpoint" xmlns:com="http://schemas.openxmlformats.org/drawingml/2006/compatibility" xmlns:p14="http://schemas.microsoft.com/office/powerpoint/2010/main" xmlns:p15="http://schemas.microsoft.com/office/powerpoint/2012/main" xmlns:ahyp="http://schemas.microsoft.com/office/drawing/2018/hyperlinkcolor" matchingName="Comparison" type="twoTxTwoObj">
   <p:cSld name="TWO_OBJECTS_WITH_TEXT">
     <p:spTree>
       <p:nvGrpSpPr>
@@ -13556,7 +13556,7 @@
 </file>
 
 <file path=ppt/slideLayouts/slideLayout17.xml><?xml version="1.0" encoding="utf-8"?>
-<p:sldLayout xmlns:a="http://schemas.openxmlformats.org/drawingml/2006/main" xmlns:r="http://schemas.openxmlformats.org/officeDocument/2006/relationships" xmlns:mc="http://schemas.openxmlformats.org/markup-compatibility/2006" xmlns:mv="urn:schemas-microsoft-com:mac:vml" xmlns:p="http://schemas.openxmlformats.org/presentationml/2006/main" xmlns:c="http://schemas.openxmlformats.org/drawingml/2006/chart" xmlns:dgm="http://schemas.openxmlformats.org/drawingml/2006/diagram" xmlns:o="urn:schemas-microsoft-com:office:office" xmlns:v="urn:schemas-microsoft-com:vml" xmlns:pvml="urn:schemas-microsoft-com:office:powerpoint" xmlns:com="http://schemas.openxmlformats.org/drawingml/2006/compatibility" xmlns:p14="http://schemas.microsoft.com/office/powerpoint/2010/main" xmlns:p15="http://schemas.microsoft.com/office/powerpoint/2012/main" matchingName="Title Only" type="titleOnly">
+<p:sldLayout xmlns:a="http://schemas.openxmlformats.org/drawingml/2006/main" xmlns:r="http://schemas.openxmlformats.org/officeDocument/2006/relationships" xmlns:mc="http://schemas.openxmlformats.org/markup-compatibility/2006" xmlns:mv="urn:schemas-microsoft-com:mac:vml" xmlns:p="http://schemas.openxmlformats.org/presentationml/2006/main" xmlns:c="http://schemas.openxmlformats.org/drawingml/2006/chart" xmlns:dgm="http://schemas.openxmlformats.org/drawingml/2006/diagram" xmlns:o="urn:schemas-microsoft-com:office:office" xmlns:v="urn:schemas-microsoft-com:vml" xmlns:pvml="urn:schemas-microsoft-com:office:powerpoint" xmlns:com="http://schemas.openxmlformats.org/drawingml/2006/compatibility" xmlns:p14="http://schemas.microsoft.com/office/powerpoint/2010/main" xmlns:p15="http://schemas.microsoft.com/office/powerpoint/2012/main" xmlns:ahyp="http://schemas.microsoft.com/office/drawing/2018/hyperlinkcolor" matchingName="Title Only" type="titleOnly">
   <p:cSld name="TITLE_ONLY">
     <p:spTree>
       <p:nvGrpSpPr>
@@ -14295,7 +14295,7 @@
 </file>
 
 <file path=ppt/slideLayouts/slideLayout18.xml><?xml version="1.0" encoding="utf-8"?>
-<p:sldLayout xmlns:a="http://schemas.openxmlformats.org/drawingml/2006/main" xmlns:r="http://schemas.openxmlformats.org/officeDocument/2006/relationships" xmlns:mc="http://schemas.openxmlformats.org/markup-compatibility/2006" xmlns:mv="urn:schemas-microsoft-com:mac:vml" xmlns:p="http://schemas.openxmlformats.org/presentationml/2006/main" xmlns:c="http://schemas.openxmlformats.org/drawingml/2006/chart" xmlns:dgm="http://schemas.openxmlformats.org/drawingml/2006/diagram" xmlns:o="urn:schemas-microsoft-com:office:office" xmlns:v="urn:schemas-microsoft-com:vml" xmlns:pvml="urn:schemas-microsoft-com:office:powerpoint" xmlns:com="http://schemas.openxmlformats.org/drawingml/2006/compatibility" xmlns:p14="http://schemas.microsoft.com/office/powerpoint/2010/main" xmlns:p15="http://schemas.microsoft.com/office/powerpoint/2012/main" matchingName="Blank" type="blank">
+<p:sldLayout xmlns:a="http://schemas.openxmlformats.org/drawingml/2006/main" xmlns:r="http://schemas.openxmlformats.org/officeDocument/2006/relationships" xmlns:mc="http://schemas.openxmlformats.org/markup-compatibility/2006" xmlns:mv="urn:schemas-microsoft-com:mac:vml" xmlns:p="http://schemas.openxmlformats.org/presentationml/2006/main" xmlns:c="http://schemas.openxmlformats.org/drawingml/2006/chart" xmlns:dgm="http://schemas.openxmlformats.org/drawingml/2006/diagram" xmlns:o="urn:schemas-microsoft-com:office:office" xmlns:v="urn:schemas-microsoft-com:vml" xmlns:pvml="urn:schemas-microsoft-com:office:powerpoint" xmlns:com="http://schemas.openxmlformats.org/drawingml/2006/compatibility" xmlns:p14="http://schemas.microsoft.com/office/powerpoint/2010/main" xmlns:p15="http://schemas.microsoft.com/office/powerpoint/2012/main" xmlns:ahyp="http://schemas.microsoft.com/office/drawing/2018/hyperlinkcolor" matchingName="Blank" type="blank">
   <p:cSld name="BLANK">
     <p:spTree>
       <p:nvGrpSpPr>
@@ -14902,7 +14902,7 @@
 </file>
 
 <file path=ppt/slideLayouts/slideLayout19.xml><?xml version="1.0" encoding="utf-8"?>
-<p:sldLayout xmlns:a="http://schemas.openxmlformats.org/drawingml/2006/main" xmlns:r="http://schemas.openxmlformats.org/officeDocument/2006/relationships" xmlns:mc="http://schemas.openxmlformats.org/markup-compatibility/2006" xmlns:mv="urn:schemas-microsoft-com:mac:vml" xmlns:p="http://schemas.openxmlformats.org/presentationml/2006/main" xmlns:c="http://schemas.openxmlformats.org/drawingml/2006/chart" xmlns:dgm="http://schemas.openxmlformats.org/drawingml/2006/diagram" xmlns:o="urn:schemas-microsoft-com:office:office" xmlns:v="urn:schemas-microsoft-com:vml" xmlns:pvml="urn:schemas-microsoft-com:office:powerpoint" xmlns:com="http://schemas.openxmlformats.org/drawingml/2006/compatibility" xmlns:p14="http://schemas.microsoft.com/office/powerpoint/2010/main" xmlns:p15="http://schemas.microsoft.com/office/powerpoint/2012/main" matchingName="Content with Caption" type="objTx">
+<p:sldLayout xmlns:a="http://schemas.openxmlformats.org/drawingml/2006/main" xmlns:r="http://schemas.openxmlformats.org/officeDocument/2006/relationships" xmlns:mc="http://schemas.openxmlformats.org/markup-compatibility/2006" xmlns:mv="urn:schemas-microsoft-com:mac:vml" xmlns:p="http://schemas.openxmlformats.org/presentationml/2006/main" xmlns:c="http://schemas.openxmlformats.org/drawingml/2006/chart" xmlns:dgm="http://schemas.openxmlformats.org/drawingml/2006/diagram" xmlns:o="urn:schemas-microsoft-com:office:office" xmlns:v="urn:schemas-microsoft-com:vml" xmlns:pvml="urn:schemas-microsoft-com:office:powerpoint" xmlns:com="http://schemas.openxmlformats.org/drawingml/2006/compatibility" xmlns:p14="http://schemas.microsoft.com/office/powerpoint/2010/main" xmlns:p15="http://schemas.microsoft.com/office/powerpoint/2012/main" xmlns:ahyp="http://schemas.microsoft.com/office/drawing/2018/hyperlinkcolor" matchingName="Content with Caption" type="objTx">
   <p:cSld name="OBJECT_WITH_CAPTION_TEXT">
     <p:spTree>
       <p:nvGrpSpPr>
@@ -15954,7 +15954,7 @@
 </file>
 
 <file path=ppt/slideLayouts/slideLayout2.xml><?xml version="1.0" encoding="utf-8"?>
-<p:sldLayout xmlns:a="http://schemas.openxmlformats.org/drawingml/2006/main" xmlns:r="http://schemas.openxmlformats.org/officeDocument/2006/relationships" xmlns:mc="http://schemas.openxmlformats.org/markup-compatibility/2006" xmlns:mv="urn:schemas-microsoft-com:mac:vml" xmlns:p="http://schemas.openxmlformats.org/presentationml/2006/main" xmlns:c="http://schemas.openxmlformats.org/drawingml/2006/chart" xmlns:dgm="http://schemas.openxmlformats.org/drawingml/2006/diagram" xmlns:o="urn:schemas-microsoft-com:office:office" xmlns:v="urn:schemas-microsoft-com:vml" xmlns:pvml="urn:schemas-microsoft-com:office:powerpoint" xmlns:com="http://schemas.openxmlformats.org/drawingml/2006/compatibility" xmlns:p14="http://schemas.microsoft.com/office/powerpoint/2010/main" xmlns:p15="http://schemas.microsoft.com/office/powerpoint/2012/main" matchingName="Title and Content" type="obj">
+<p:sldLayout xmlns:a="http://schemas.openxmlformats.org/drawingml/2006/main" xmlns:r="http://schemas.openxmlformats.org/officeDocument/2006/relationships" xmlns:mc="http://schemas.openxmlformats.org/markup-compatibility/2006" xmlns:mv="urn:schemas-microsoft-com:mac:vml" xmlns:p="http://schemas.openxmlformats.org/presentationml/2006/main" xmlns:c="http://schemas.openxmlformats.org/drawingml/2006/chart" xmlns:dgm="http://schemas.openxmlformats.org/drawingml/2006/diagram" xmlns:o="urn:schemas-microsoft-com:office:office" xmlns:v="urn:schemas-microsoft-com:vml" xmlns:pvml="urn:schemas-microsoft-com:office:powerpoint" xmlns:com="http://schemas.openxmlformats.org/drawingml/2006/compatibility" xmlns:p14="http://schemas.microsoft.com/office/powerpoint/2010/main" xmlns:p15="http://schemas.microsoft.com/office/powerpoint/2012/main" xmlns:ahyp="http://schemas.microsoft.com/office/drawing/2018/hyperlinkcolor" matchingName="Title and Content" type="obj">
   <p:cSld name="OBJECT">
     <p:spTree>
       <p:nvGrpSpPr>
@@ -16849,7 +16849,7 @@
 </file>
 
 <file path=ppt/slideLayouts/slideLayout20.xml><?xml version="1.0" encoding="utf-8"?>
-<p:sldLayout xmlns:a="http://schemas.openxmlformats.org/drawingml/2006/main" xmlns:r="http://schemas.openxmlformats.org/officeDocument/2006/relationships" xmlns:mc="http://schemas.openxmlformats.org/markup-compatibility/2006" xmlns:mv="urn:schemas-microsoft-com:mac:vml" xmlns:p="http://schemas.openxmlformats.org/presentationml/2006/main" xmlns:c="http://schemas.openxmlformats.org/drawingml/2006/chart" xmlns:dgm="http://schemas.openxmlformats.org/drawingml/2006/diagram" xmlns:o="urn:schemas-microsoft-com:office:office" xmlns:v="urn:schemas-microsoft-com:vml" xmlns:pvml="urn:schemas-microsoft-com:office:powerpoint" xmlns:com="http://schemas.openxmlformats.org/drawingml/2006/compatibility" xmlns:p14="http://schemas.microsoft.com/office/powerpoint/2010/main" xmlns:p15="http://schemas.microsoft.com/office/powerpoint/2012/main" matchingName="Picture with Caption" type="picTx">
+<p:sldLayout xmlns:a="http://schemas.openxmlformats.org/drawingml/2006/main" xmlns:r="http://schemas.openxmlformats.org/officeDocument/2006/relationships" xmlns:mc="http://schemas.openxmlformats.org/markup-compatibility/2006" xmlns:mv="urn:schemas-microsoft-com:mac:vml" xmlns:p="http://schemas.openxmlformats.org/presentationml/2006/main" xmlns:c="http://schemas.openxmlformats.org/drawingml/2006/chart" xmlns:dgm="http://schemas.openxmlformats.org/drawingml/2006/diagram" xmlns:o="urn:schemas-microsoft-com:office:office" xmlns:v="urn:schemas-microsoft-com:vml" xmlns:pvml="urn:schemas-microsoft-com:office:powerpoint" xmlns:com="http://schemas.openxmlformats.org/drawingml/2006/compatibility" xmlns:p14="http://schemas.microsoft.com/office/powerpoint/2010/main" xmlns:p15="http://schemas.microsoft.com/office/powerpoint/2012/main" xmlns:ahyp="http://schemas.microsoft.com/office/drawing/2018/hyperlinkcolor" matchingName="Picture with Caption" type="picTx">
   <p:cSld name="PICTURE_WITH_CAPTION_TEXT">
     <p:spTree>
       <p:nvGrpSpPr>
@@ -17982,7 +17982,7 @@
 </file>
 
 <file path=ppt/slideLayouts/slideLayout21.xml><?xml version="1.0" encoding="utf-8"?>
-<p:sldLayout xmlns:a="http://schemas.openxmlformats.org/drawingml/2006/main" xmlns:r="http://schemas.openxmlformats.org/officeDocument/2006/relationships" xmlns:mc="http://schemas.openxmlformats.org/markup-compatibility/2006" xmlns:mv="urn:schemas-microsoft-com:mac:vml" xmlns:p="http://schemas.openxmlformats.org/presentationml/2006/main" xmlns:c="http://schemas.openxmlformats.org/drawingml/2006/chart" xmlns:dgm="http://schemas.openxmlformats.org/drawingml/2006/diagram" xmlns:o="urn:schemas-microsoft-com:office:office" xmlns:v="urn:schemas-microsoft-com:vml" xmlns:pvml="urn:schemas-microsoft-com:office:powerpoint" xmlns:com="http://schemas.openxmlformats.org/drawingml/2006/compatibility" xmlns:p14="http://schemas.microsoft.com/office/powerpoint/2010/main" xmlns:p15="http://schemas.microsoft.com/office/powerpoint/2012/main" matchingName="Title and Vertical Text" type="vertTx">
+<p:sldLayout xmlns:a="http://schemas.openxmlformats.org/drawingml/2006/main" xmlns:r="http://schemas.openxmlformats.org/officeDocument/2006/relationships" xmlns:mc="http://schemas.openxmlformats.org/markup-compatibility/2006" xmlns:mv="urn:schemas-microsoft-com:mac:vml" xmlns:p="http://schemas.openxmlformats.org/presentationml/2006/main" xmlns:c="http://schemas.openxmlformats.org/drawingml/2006/chart" xmlns:dgm="http://schemas.openxmlformats.org/drawingml/2006/diagram" xmlns:o="urn:schemas-microsoft-com:office:office" xmlns:v="urn:schemas-microsoft-com:vml" xmlns:pvml="urn:schemas-microsoft-com:office:powerpoint" xmlns:com="http://schemas.openxmlformats.org/drawingml/2006/compatibility" xmlns:p14="http://schemas.microsoft.com/office/powerpoint/2010/main" xmlns:p15="http://schemas.microsoft.com/office/powerpoint/2012/main" xmlns:ahyp="http://schemas.microsoft.com/office/drawing/2018/hyperlinkcolor" matchingName="Title and Vertical Text" type="vertTx">
   <p:cSld name="VERTICAL_TEXT">
     <p:spTree>
       <p:nvGrpSpPr>
@@ -18877,7 +18877,7 @@
 </file>
 
 <file path=ppt/slideLayouts/slideLayout22.xml><?xml version="1.0" encoding="utf-8"?>
-<p:sldLayout xmlns:a="http://schemas.openxmlformats.org/drawingml/2006/main" xmlns:r="http://schemas.openxmlformats.org/officeDocument/2006/relationships" xmlns:mc="http://schemas.openxmlformats.org/markup-compatibility/2006" xmlns:mv="urn:schemas-microsoft-com:mac:vml" xmlns:p="http://schemas.openxmlformats.org/presentationml/2006/main" xmlns:c="http://schemas.openxmlformats.org/drawingml/2006/chart" xmlns:dgm="http://schemas.openxmlformats.org/drawingml/2006/diagram" xmlns:o="urn:schemas-microsoft-com:office:office" xmlns:v="urn:schemas-microsoft-com:vml" xmlns:pvml="urn:schemas-microsoft-com:office:powerpoint" xmlns:com="http://schemas.openxmlformats.org/drawingml/2006/compatibility" xmlns:p14="http://schemas.microsoft.com/office/powerpoint/2010/main" xmlns:p15="http://schemas.microsoft.com/office/powerpoint/2012/main" matchingName="Vertical Title and Text" type="vertTitleAndTx">
+<p:sldLayout xmlns:a="http://schemas.openxmlformats.org/drawingml/2006/main" xmlns:r="http://schemas.openxmlformats.org/officeDocument/2006/relationships" xmlns:mc="http://schemas.openxmlformats.org/markup-compatibility/2006" xmlns:mv="urn:schemas-microsoft-com:mac:vml" xmlns:p="http://schemas.openxmlformats.org/presentationml/2006/main" xmlns:c="http://schemas.openxmlformats.org/drawingml/2006/chart" xmlns:dgm="http://schemas.openxmlformats.org/drawingml/2006/diagram" xmlns:o="urn:schemas-microsoft-com:office:office" xmlns:v="urn:schemas-microsoft-com:vml" xmlns:pvml="urn:schemas-microsoft-com:office:powerpoint" xmlns:com="http://schemas.openxmlformats.org/drawingml/2006/compatibility" xmlns:p14="http://schemas.microsoft.com/office/powerpoint/2010/main" xmlns:p15="http://schemas.microsoft.com/office/powerpoint/2012/main" xmlns:ahyp="http://schemas.microsoft.com/office/drawing/2018/hyperlinkcolor" matchingName="Vertical Title and Text" type="vertTitleAndTx">
   <p:cSld name="VERTICAL_TITLE_AND_VERTICAL_TEXT">
     <p:spTree>
       <p:nvGrpSpPr>
@@ -19772,7 +19772,7 @@
 </file>
 
 <file path=ppt/slideLayouts/slideLayout3.xml><?xml version="1.0" encoding="utf-8"?>
-<p:sldLayout xmlns:a="http://schemas.openxmlformats.org/drawingml/2006/main" xmlns:r="http://schemas.openxmlformats.org/officeDocument/2006/relationships" xmlns:mc="http://schemas.openxmlformats.org/markup-compatibility/2006" xmlns:mv="urn:schemas-microsoft-com:mac:vml" xmlns:p="http://schemas.openxmlformats.org/presentationml/2006/main" xmlns:c="http://schemas.openxmlformats.org/drawingml/2006/chart" xmlns:dgm="http://schemas.openxmlformats.org/drawingml/2006/diagram" xmlns:o="urn:schemas-microsoft-com:office:office" xmlns:v="urn:schemas-microsoft-com:vml" xmlns:pvml="urn:schemas-microsoft-com:office:powerpoint" xmlns:com="http://schemas.openxmlformats.org/drawingml/2006/compatibility" xmlns:p14="http://schemas.microsoft.com/office/powerpoint/2010/main" xmlns:p15="http://schemas.microsoft.com/office/powerpoint/2012/main" matchingName="Section Header" type="secHead">
+<p:sldLayout xmlns:a="http://schemas.openxmlformats.org/drawingml/2006/main" xmlns:r="http://schemas.openxmlformats.org/officeDocument/2006/relationships" xmlns:mc="http://schemas.openxmlformats.org/markup-compatibility/2006" xmlns:mv="urn:schemas-microsoft-com:mac:vml" xmlns:p="http://schemas.openxmlformats.org/presentationml/2006/main" xmlns:c="http://schemas.openxmlformats.org/drawingml/2006/chart" xmlns:dgm="http://schemas.openxmlformats.org/drawingml/2006/diagram" xmlns:o="urn:schemas-microsoft-com:office:office" xmlns:v="urn:schemas-microsoft-com:vml" xmlns:pvml="urn:schemas-microsoft-com:office:powerpoint" xmlns:com="http://schemas.openxmlformats.org/drawingml/2006/compatibility" xmlns:p14="http://schemas.microsoft.com/office/powerpoint/2010/main" xmlns:p15="http://schemas.microsoft.com/office/powerpoint/2012/main" xmlns:ahyp="http://schemas.microsoft.com/office/drawing/2018/hyperlinkcolor" matchingName="Section Header" type="secHead">
   <p:cSld name="SECTION_HEADER">
     <p:spTree>
       <p:nvGrpSpPr>
@@ -20704,7 +20704,7 @@
 </file>
 
 <file path=ppt/slideLayouts/slideLayout4.xml><?xml version="1.0" encoding="utf-8"?>
-<p:sldLayout xmlns:a="http://schemas.openxmlformats.org/drawingml/2006/main" xmlns:r="http://schemas.openxmlformats.org/officeDocument/2006/relationships" xmlns:mc="http://schemas.openxmlformats.org/markup-compatibility/2006" xmlns:mv="urn:schemas-microsoft-com:mac:vml" xmlns:p="http://schemas.openxmlformats.org/presentationml/2006/main" xmlns:c="http://schemas.openxmlformats.org/drawingml/2006/chart" xmlns:dgm="http://schemas.openxmlformats.org/drawingml/2006/diagram" xmlns:o="urn:schemas-microsoft-com:office:office" xmlns:v="urn:schemas-microsoft-com:vml" xmlns:pvml="urn:schemas-microsoft-com:office:powerpoint" xmlns:com="http://schemas.openxmlformats.org/drawingml/2006/compatibility" xmlns:p14="http://schemas.microsoft.com/office/powerpoint/2010/main" xmlns:p15="http://schemas.microsoft.com/office/powerpoint/2012/main" matchingName="Two Content" type="twoObj">
+<p:sldLayout xmlns:a="http://schemas.openxmlformats.org/drawingml/2006/main" xmlns:r="http://schemas.openxmlformats.org/officeDocument/2006/relationships" xmlns:mc="http://schemas.openxmlformats.org/markup-compatibility/2006" xmlns:mv="urn:schemas-microsoft-com:mac:vml" xmlns:p="http://schemas.openxmlformats.org/presentationml/2006/main" xmlns:c="http://schemas.openxmlformats.org/drawingml/2006/chart" xmlns:dgm="http://schemas.openxmlformats.org/drawingml/2006/diagram" xmlns:o="urn:schemas-microsoft-com:office:office" xmlns:v="urn:schemas-microsoft-com:vml" xmlns:pvml="urn:schemas-microsoft-com:office:powerpoint" xmlns:com="http://schemas.openxmlformats.org/drawingml/2006/compatibility" xmlns:p14="http://schemas.microsoft.com/office/powerpoint/2010/main" xmlns:p15="http://schemas.microsoft.com/office/powerpoint/2012/main" xmlns:ahyp="http://schemas.microsoft.com/office/drawing/2018/hyperlinkcolor" matchingName="Two Content" type="twoObj">
   <p:cSld name="TWO_OBJECTS">
     <p:spTree>
       <p:nvGrpSpPr>
@@ -21755,7 +21755,7 @@
 </file>
 
 <file path=ppt/slideLayouts/slideLayout5.xml><?xml version="1.0" encoding="utf-8"?>
-<p:sldLayout xmlns:a="http://schemas.openxmlformats.org/drawingml/2006/main" xmlns:r="http://schemas.openxmlformats.org/officeDocument/2006/relationships" xmlns:mc="http://schemas.openxmlformats.org/markup-compatibility/2006" xmlns:mv="urn:schemas-microsoft-com:mac:vml" xmlns:p="http://schemas.openxmlformats.org/presentationml/2006/main" xmlns:c="http://schemas.openxmlformats.org/drawingml/2006/chart" xmlns:dgm="http://schemas.openxmlformats.org/drawingml/2006/diagram" xmlns:o="urn:schemas-microsoft-com:office:office" xmlns:v="urn:schemas-microsoft-com:vml" xmlns:pvml="urn:schemas-microsoft-com:office:powerpoint" xmlns:com="http://schemas.openxmlformats.org/drawingml/2006/compatibility" xmlns:p14="http://schemas.microsoft.com/office/powerpoint/2010/main" xmlns:p15="http://schemas.microsoft.com/office/powerpoint/2012/main" matchingName="Comparison" type="twoTxTwoObj">
+<p:sldLayout xmlns:a="http://schemas.openxmlformats.org/drawingml/2006/main" xmlns:r="http://schemas.openxmlformats.org/officeDocument/2006/relationships" xmlns:mc="http://schemas.openxmlformats.org/markup-compatibility/2006" xmlns:mv="urn:schemas-microsoft-com:mac:vml" xmlns:p="http://schemas.openxmlformats.org/presentationml/2006/main" xmlns:c="http://schemas.openxmlformats.org/drawingml/2006/chart" xmlns:dgm="http://schemas.openxmlformats.org/drawingml/2006/diagram" xmlns:o="urn:schemas-microsoft-com:office:office" xmlns:v="urn:schemas-microsoft-com:vml" xmlns:pvml="urn:schemas-microsoft-com:office:powerpoint" xmlns:com="http://schemas.openxmlformats.org/drawingml/2006/compatibility" xmlns:p14="http://schemas.microsoft.com/office/powerpoint/2010/main" xmlns:p15="http://schemas.microsoft.com/office/powerpoint/2012/main" xmlns:ahyp="http://schemas.microsoft.com/office/drawing/2018/hyperlinkcolor" matchingName="Comparison" type="twoTxTwoObj">
   <p:cSld name="TWO_OBJECTS_WITH_TEXT">
     <p:spTree>
       <p:nvGrpSpPr>
@@ -23119,7 +23119,7 @@
 </file>
 
 <file path=ppt/slideLayouts/slideLayout6.xml><?xml version="1.0" encoding="utf-8"?>
-<p:sldLayout xmlns:a="http://schemas.openxmlformats.org/drawingml/2006/main" xmlns:r="http://schemas.openxmlformats.org/officeDocument/2006/relationships" xmlns:mc="http://schemas.openxmlformats.org/markup-compatibility/2006" xmlns:mv="urn:schemas-microsoft-com:mac:vml" xmlns:p="http://schemas.openxmlformats.org/presentationml/2006/main" xmlns:c="http://schemas.openxmlformats.org/drawingml/2006/chart" xmlns:dgm="http://schemas.openxmlformats.org/drawingml/2006/diagram" xmlns:o="urn:schemas-microsoft-com:office:office" xmlns:v="urn:schemas-microsoft-com:vml" xmlns:pvml="urn:schemas-microsoft-com:office:powerpoint" xmlns:com="http://schemas.openxmlformats.org/drawingml/2006/compatibility" xmlns:p14="http://schemas.microsoft.com/office/powerpoint/2010/main" xmlns:p15="http://schemas.microsoft.com/office/powerpoint/2012/main" matchingName="Title Only" type="titleOnly">
+<p:sldLayout xmlns:a="http://schemas.openxmlformats.org/drawingml/2006/main" xmlns:r="http://schemas.openxmlformats.org/officeDocument/2006/relationships" xmlns:mc="http://schemas.openxmlformats.org/markup-compatibility/2006" xmlns:mv="urn:schemas-microsoft-com:mac:vml" xmlns:p="http://schemas.openxmlformats.org/presentationml/2006/main" xmlns:c="http://schemas.openxmlformats.org/drawingml/2006/chart" xmlns:dgm="http://schemas.openxmlformats.org/drawingml/2006/diagram" xmlns:o="urn:schemas-microsoft-com:office:office" xmlns:v="urn:schemas-microsoft-com:vml" xmlns:pvml="urn:schemas-microsoft-com:office:powerpoint" xmlns:com="http://schemas.openxmlformats.org/drawingml/2006/compatibility" xmlns:p14="http://schemas.microsoft.com/office/powerpoint/2010/main" xmlns:p15="http://schemas.microsoft.com/office/powerpoint/2012/main" xmlns:ahyp="http://schemas.microsoft.com/office/drawing/2018/hyperlinkcolor" matchingName="Title Only" type="titleOnly">
   <p:cSld name="TITLE_ONLY">
     <p:spTree>
       <p:nvGrpSpPr>
@@ -23858,7 +23858,7 @@
 </file>
 
 <file path=ppt/slideLayouts/slideLayout7.xml><?xml version="1.0" encoding="utf-8"?>
-<p:sldLayout xmlns:a="http://schemas.openxmlformats.org/drawingml/2006/main" xmlns:r="http://schemas.openxmlformats.org/officeDocument/2006/relationships" xmlns:mc="http://schemas.openxmlformats.org/markup-compatibility/2006" xmlns:mv="urn:schemas-microsoft-com:mac:vml" xmlns:p="http://schemas.openxmlformats.org/presentationml/2006/main" xmlns:c="http://schemas.openxmlformats.org/drawingml/2006/chart" xmlns:dgm="http://schemas.openxmlformats.org/drawingml/2006/diagram" xmlns:o="urn:schemas-microsoft-com:office:office" xmlns:v="urn:schemas-microsoft-com:vml" xmlns:pvml="urn:schemas-microsoft-com:office:powerpoint" xmlns:com="http://schemas.openxmlformats.org/drawingml/2006/compatibility" xmlns:p14="http://schemas.microsoft.com/office/powerpoint/2010/main" xmlns:p15="http://schemas.microsoft.com/office/powerpoint/2012/main" matchingName="Blank" type="blank">
+<p:sldLayout xmlns:a="http://schemas.openxmlformats.org/drawingml/2006/main" xmlns:r="http://schemas.openxmlformats.org/officeDocument/2006/relationships" xmlns:mc="http://schemas.openxmlformats.org/markup-compatibility/2006" xmlns:mv="urn:schemas-microsoft-com:mac:vml" xmlns:p="http://schemas.openxmlformats.org/presentationml/2006/main" xmlns:c="http://schemas.openxmlformats.org/drawingml/2006/chart" xmlns:dgm="http://schemas.openxmlformats.org/drawingml/2006/diagram" xmlns:o="urn:schemas-microsoft-com:office:office" xmlns:v="urn:schemas-microsoft-com:vml" xmlns:pvml="urn:schemas-microsoft-com:office:powerpoint" xmlns:com="http://schemas.openxmlformats.org/drawingml/2006/compatibility" xmlns:p14="http://schemas.microsoft.com/office/powerpoint/2010/main" xmlns:p15="http://schemas.microsoft.com/office/powerpoint/2012/main" xmlns:ahyp="http://schemas.microsoft.com/office/drawing/2018/hyperlinkcolor" matchingName="Blank" type="blank">
   <p:cSld name="BLANK">
     <p:spTree>
       <p:nvGrpSpPr>
@@ -24465,7 +24465,7 @@
 </file>
 
 <file path=ppt/slideLayouts/slideLayout8.xml><?xml version="1.0" encoding="utf-8"?>
-<p:sldLayout xmlns:a="http://schemas.openxmlformats.org/drawingml/2006/main" xmlns:r="http://schemas.openxmlformats.org/officeDocument/2006/relationships" xmlns:mc="http://schemas.openxmlformats.org/markup-compatibility/2006" xmlns:mv="urn:schemas-microsoft-com:mac:vml" xmlns:p="http://schemas.openxmlformats.org/presentationml/2006/main" xmlns:c="http://schemas.openxmlformats.org/drawingml/2006/chart" xmlns:dgm="http://schemas.openxmlformats.org/drawingml/2006/diagram" xmlns:o="urn:schemas-microsoft-com:office:office" xmlns:v="urn:schemas-microsoft-com:vml" xmlns:pvml="urn:schemas-microsoft-com:office:powerpoint" xmlns:com="http://schemas.openxmlformats.org/drawingml/2006/compatibility" xmlns:p14="http://schemas.microsoft.com/office/powerpoint/2010/main" xmlns:p15="http://schemas.microsoft.com/office/powerpoint/2012/main" matchingName="Content with Caption" type="objTx">
+<p:sldLayout xmlns:a="http://schemas.openxmlformats.org/drawingml/2006/main" xmlns:r="http://schemas.openxmlformats.org/officeDocument/2006/relationships" xmlns:mc="http://schemas.openxmlformats.org/markup-compatibility/2006" xmlns:mv="urn:schemas-microsoft-com:mac:vml" xmlns:p="http://schemas.openxmlformats.org/presentationml/2006/main" xmlns:c="http://schemas.openxmlformats.org/drawingml/2006/chart" xmlns:dgm="http://schemas.openxmlformats.org/drawingml/2006/diagram" xmlns:o="urn:schemas-microsoft-com:office:office" xmlns:v="urn:schemas-microsoft-com:vml" xmlns:pvml="urn:schemas-microsoft-com:office:powerpoint" xmlns:com="http://schemas.openxmlformats.org/drawingml/2006/compatibility" xmlns:p14="http://schemas.microsoft.com/office/powerpoint/2010/main" xmlns:p15="http://schemas.microsoft.com/office/powerpoint/2012/main" xmlns:ahyp="http://schemas.microsoft.com/office/drawing/2018/hyperlinkcolor" matchingName="Content with Caption" type="objTx">
   <p:cSld name="OBJECT_WITH_CAPTION_TEXT">
     <p:spTree>
       <p:nvGrpSpPr>
@@ -25517,7 +25517,7 @@
 </file>
 
 <file path=ppt/slideLayouts/slideLayout9.xml><?xml version="1.0" encoding="utf-8"?>
-<p:sldLayout xmlns:a="http://schemas.openxmlformats.org/drawingml/2006/main" xmlns:r="http://schemas.openxmlformats.org/officeDocument/2006/relationships" xmlns:mc="http://schemas.openxmlformats.org/markup-compatibility/2006" xmlns:mv="urn:schemas-microsoft-com:mac:vml" xmlns:p="http://schemas.openxmlformats.org/presentationml/2006/main" xmlns:c="http://schemas.openxmlformats.org/drawingml/2006/chart" xmlns:dgm="http://schemas.openxmlformats.org/drawingml/2006/diagram" xmlns:o="urn:schemas-microsoft-com:office:office" xmlns:v="urn:schemas-microsoft-com:vml" xmlns:pvml="urn:schemas-microsoft-com:office:powerpoint" xmlns:com="http://schemas.openxmlformats.org/drawingml/2006/compatibility" xmlns:p14="http://schemas.microsoft.com/office/powerpoint/2010/main" xmlns:p15="http://schemas.microsoft.com/office/powerpoint/2012/main" matchingName="Picture with Caption" type="picTx">
+<p:sldLayout xmlns:a="http://schemas.openxmlformats.org/drawingml/2006/main" xmlns:r="http://schemas.openxmlformats.org/officeDocument/2006/relationships" xmlns:mc="http://schemas.openxmlformats.org/markup-compatibility/2006" xmlns:mv="urn:schemas-microsoft-com:mac:vml" xmlns:p="http://schemas.openxmlformats.org/presentationml/2006/main" xmlns:c="http://schemas.openxmlformats.org/drawingml/2006/chart" xmlns:dgm="http://schemas.openxmlformats.org/drawingml/2006/diagram" xmlns:o="urn:schemas-microsoft-com:office:office" xmlns:v="urn:schemas-microsoft-com:vml" xmlns:pvml="urn:schemas-microsoft-com:office:powerpoint" xmlns:com="http://schemas.openxmlformats.org/drawingml/2006/compatibility" xmlns:p14="http://schemas.microsoft.com/office/powerpoint/2010/main" xmlns:p15="http://schemas.microsoft.com/office/powerpoint/2012/main" xmlns:ahyp="http://schemas.microsoft.com/office/drawing/2018/hyperlinkcolor" matchingName="Picture with Caption" type="picTx">
   <p:cSld name="PICTURE_WITH_CAPTION_TEXT">
     <p:spTree>
       <p:nvGrpSpPr>
@@ -26650,7 +26650,7 @@
 </file>
 
 <file path=ppt/slideMasters/slideMaster1.xml><?xml version="1.0" encoding="utf-8"?>
-<p:sldMaster xmlns:a="http://schemas.openxmlformats.org/drawingml/2006/main" xmlns:r="http://schemas.openxmlformats.org/officeDocument/2006/relationships" xmlns:mc="http://schemas.openxmlformats.org/markup-compatibility/2006" xmlns:mv="urn:schemas-microsoft-com:mac:vml" xmlns:p="http://schemas.openxmlformats.org/presentationml/2006/main" xmlns:c="http://schemas.openxmlformats.org/drawingml/2006/chart" xmlns:dgm="http://schemas.openxmlformats.org/drawingml/2006/diagram" xmlns:o="urn:schemas-microsoft-com:office:office" xmlns:v="urn:schemas-microsoft-com:vml" xmlns:pvml="urn:schemas-microsoft-com:office:powerpoint" xmlns:com="http://schemas.openxmlformats.org/drawingml/2006/compatibility" xmlns:p14="http://schemas.microsoft.com/office/powerpoint/2010/main" xmlns:p15="http://schemas.microsoft.com/office/powerpoint/2012/main">
+<p:sldMaster xmlns:a="http://schemas.openxmlformats.org/drawingml/2006/main" xmlns:r="http://schemas.openxmlformats.org/officeDocument/2006/relationships" xmlns:mc="http://schemas.openxmlformats.org/markup-compatibility/2006" xmlns:mv="urn:schemas-microsoft-com:mac:vml" xmlns:p="http://schemas.openxmlformats.org/presentationml/2006/main" xmlns:c="http://schemas.openxmlformats.org/drawingml/2006/chart" xmlns:dgm="http://schemas.openxmlformats.org/drawingml/2006/diagram" xmlns:o="urn:schemas-microsoft-com:office:office" xmlns:v="urn:schemas-microsoft-com:vml" xmlns:pvml="urn:schemas-microsoft-com:office:powerpoint" xmlns:com="http://schemas.openxmlformats.org/drawingml/2006/compatibility" xmlns:p14="http://schemas.microsoft.com/office/powerpoint/2010/main" xmlns:p15="http://schemas.microsoft.com/office/powerpoint/2012/main" xmlns:ahyp="http://schemas.microsoft.com/office/drawing/2018/hyperlinkcolor">
   <p:cSld>
     <p:bg>
       <p:bgPr>
@@ -27153,7 +27153,13 @@
                 <a:ea typeface="Montserrat"/>
                 <a:cs typeface="Montserrat"/>
                 <a:sym typeface="Montserrat"/>
-                <a:hlinkClick r:id="rId1"/>
+                <a:hlinkClick r:id="rId1">
+                  <a:extLst>
+                    <a:ext uri="{A12FA001-AC4F-418D-AE19-62706E023703}">
+                      <ahyp:hlinkClr val="tx"/>
+                    </a:ext>
+                  </a:extLst>
+                </a:hlinkClick>
               </a:rPr>
               <a:t>http://creativecommons.org/licenses/by-nc-sa/4.0/</a:t>
             </a:r>
@@ -27910,7 +27916,7 @@
 </file>
 
 <file path=ppt/slideMasters/slideMaster2.xml><?xml version="1.0" encoding="utf-8"?>
-<p:sldMaster xmlns:a="http://schemas.openxmlformats.org/drawingml/2006/main" xmlns:r="http://schemas.openxmlformats.org/officeDocument/2006/relationships" xmlns:mc="http://schemas.openxmlformats.org/markup-compatibility/2006" xmlns:mv="urn:schemas-microsoft-com:mac:vml" xmlns:p="http://schemas.openxmlformats.org/presentationml/2006/main" xmlns:c="http://schemas.openxmlformats.org/drawingml/2006/chart" xmlns:dgm="http://schemas.openxmlformats.org/drawingml/2006/diagram" xmlns:o="urn:schemas-microsoft-com:office:office" xmlns:v="urn:schemas-microsoft-com:vml" xmlns:pvml="urn:schemas-microsoft-com:office:powerpoint" xmlns:com="http://schemas.openxmlformats.org/drawingml/2006/compatibility" xmlns:p14="http://schemas.microsoft.com/office/powerpoint/2010/main" xmlns:p15="http://schemas.microsoft.com/office/powerpoint/2012/main">
+<p:sldMaster xmlns:a="http://schemas.openxmlformats.org/drawingml/2006/main" xmlns:r="http://schemas.openxmlformats.org/officeDocument/2006/relationships" xmlns:mc="http://schemas.openxmlformats.org/markup-compatibility/2006" xmlns:mv="urn:schemas-microsoft-com:mac:vml" xmlns:p="http://schemas.openxmlformats.org/presentationml/2006/main" xmlns:c="http://schemas.openxmlformats.org/drawingml/2006/chart" xmlns:dgm="http://schemas.openxmlformats.org/drawingml/2006/diagram" xmlns:o="urn:schemas-microsoft-com:office:office" xmlns:v="urn:schemas-microsoft-com:vml" xmlns:pvml="urn:schemas-microsoft-com:office:powerpoint" xmlns:com="http://schemas.openxmlformats.org/drawingml/2006/compatibility" xmlns:p14="http://schemas.microsoft.com/office/powerpoint/2010/main" xmlns:p15="http://schemas.microsoft.com/office/powerpoint/2012/main" xmlns:ahyp="http://schemas.microsoft.com/office/drawing/2018/hyperlinkcolor">
   <p:cSld>
     <p:bg>
       <p:bgPr>
@@ -28413,7 +28419,13 @@
                 <a:ea typeface="Montserrat"/>
                 <a:cs typeface="Montserrat"/>
                 <a:sym typeface="Montserrat"/>
-                <a:hlinkClick r:id="rId1"/>
+                <a:hlinkClick r:id="rId1">
+                  <a:extLst>
+                    <a:ext uri="{A12FA001-AC4F-418D-AE19-62706E023703}">
+                      <ahyp:hlinkClr val="tx"/>
+                    </a:ext>
+                  </a:extLst>
+                </a:hlinkClick>
               </a:rPr>
               <a:t>http://creativecommons.org/licenses/by-nc-sa/4.0/</a:t>
             </a:r>
@@ -29170,7 +29182,7 @@
 </file>
 
 <file path=ppt/slides/slide1.xml><?xml version="1.0" encoding="utf-8"?>
-<p:sld xmlns:a="http://schemas.openxmlformats.org/drawingml/2006/main" xmlns:r="http://schemas.openxmlformats.org/officeDocument/2006/relationships" xmlns:mc="http://schemas.openxmlformats.org/markup-compatibility/2006" xmlns:mv="urn:schemas-microsoft-com:mac:vml" xmlns:p="http://schemas.openxmlformats.org/presentationml/2006/main" xmlns:c="http://schemas.openxmlformats.org/drawingml/2006/chart" xmlns:dgm="http://schemas.openxmlformats.org/drawingml/2006/diagram" xmlns:o="urn:schemas-microsoft-com:office:office" xmlns:v="urn:schemas-microsoft-com:vml" xmlns:pvml="urn:schemas-microsoft-com:office:powerpoint" xmlns:com="http://schemas.openxmlformats.org/drawingml/2006/compatibility" xmlns:p14="http://schemas.microsoft.com/office/powerpoint/2010/main" xmlns:p15="http://schemas.microsoft.com/office/powerpoint/2012/main">
+<p:sld xmlns:a="http://schemas.openxmlformats.org/drawingml/2006/main" xmlns:r="http://schemas.openxmlformats.org/officeDocument/2006/relationships" xmlns:mc="http://schemas.openxmlformats.org/markup-compatibility/2006" xmlns:mv="urn:schemas-microsoft-com:mac:vml" xmlns:p="http://schemas.openxmlformats.org/presentationml/2006/main" xmlns:c="http://schemas.openxmlformats.org/drawingml/2006/chart" xmlns:dgm="http://schemas.openxmlformats.org/drawingml/2006/diagram" xmlns:o="urn:schemas-microsoft-com:office:office" xmlns:v="urn:schemas-microsoft-com:vml" xmlns:pvml="urn:schemas-microsoft-com:office:powerpoint" xmlns:com="http://schemas.openxmlformats.org/drawingml/2006/compatibility" xmlns:p14="http://schemas.microsoft.com/office/powerpoint/2010/main" xmlns:p15="http://schemas.microsoft.com/office/powerpoint/2012/main" xmlns:ahyp="http://schemas.microsoft.com/office/drawing/2018/hyperlinkcolor">
   <p:cSld>
     <p:spTree>
       <p:nvGrpSpPr>
@@ -29351,7 +29363,7 @@
 </file>
 
 <file path=ppt/slides/slide10.xml><?xml version="1.0" encoding="utf-8"?>
-<p:sld xmlns:a="http://schemas.openxmlformats.org/drawingml/2006/main" xmlns:r="http://schemas.openxmlformats.org/officeDocument/2006/relationships" xmlns:mc="http://schemas.openxmlformats.org/markup-compatibility/2006" xmlns:mv="urn:schemas-microsoft-com:mac:vml" xmlns:p="http://schemas.openxmlformats.org/presentationml/2006/main" xmlns:c="http://schemas.openxmlformats.org/drawingml/2006/chart" xmlns:dgm="http://schemas.openxmlformats.org/drawingml/2006/diagram" xmlns:o="urn:schemas-microsoft-com:office:office" xmlns:v="urn:schemas-microsoft-com:vml" xmlns:pvml="urn:schemas-microsoft-com:office:powerpoint" xmlns:com="http://schemas.openxmlformats.org/drawingml/2006/compatibility" xmlns:p14="http://schemas.microsoft.com/office/powerpoint/2010/main" xmlns:p15="http://schemas.microsoft.com/office/powerpoint/2012/main">
+<p:sld xmlns:a="http://schemas.openxmlformats.org/drawingml/2006/main" xmlns:r="http://schemas.openxmlformats.org/officeDocument/2006/relationships" xmlns:mc="http://schemas.openxmlformats.org/markup-compatibility/2006" xmlns:mv="urn:schemas-microsoft-com:mac:vml" xmlns:p="http://schemas.openxmlformats.org/presentationml/2006/main" xmlns:c="http://schemas.openxmlformats.org/drawingml/2006/chart" xmlns:dgm="http://schemas.openxmlformats.org/drawingml/2006/diagram" xmlns:o="urn:schemas-microsoft-com:office:office" xmlns:v="urn:schemas-microsoft-com:vml" xmlns:pvml="urn:schemas-microsoft-com:office:powerpoint" xmlns:com="http://schemas.openxmlformats.org/drawingml/2006/compatibility" xmlns:p14="http://schemas.microsoft.com/office/powerpoint/2010/main" xmlns:p15="http://schemas.microsoft.com/office/powerpoint/2012/main" xmlns:ahyp="http://schemas.microsoft.com/office/drawing/2018/hyperlinkcolor">
   <p:cSld>
     <p:spTree>
       <p:nvGrpSpPr>
@@ -29501,7 +29513,13 @@
                 <a:ea typeface="Calibri"/>
                 <a:cs typeface="Calibri"/>
                 <a:sym typeface="Calibri"/>
-                <a:hlinkClick r:id="rId4"/>
+                <a:hlinkClick r:id="rId4">
+                  <a:extLst>
+                    <a:ext uri="{A12FA001-AC4F-418D-AE19-62706E023703}">
+                      <ahyp:hlinkClr val="tx"/>
+                    </a:ext>
+                  </a:extLst>
+                </a:hlinkClick>
               </a:rPr>
               <a:t>http://www.cs.berkeley.edu/~matei/papers/2012/nsdi_spark.pdf</a:t>
             </a:r>
@@ -29666,7 +29684,7 @@
 </file>
 
 <file path=ppt/slides/slide11.xml><?xml version="1.0" encoding="utf-8"?>
-<p:sld xmlns:a="http://schemas.openxmlformats.org/drawingml/2006/main" xmlns:r="http://schemas.openxmlformats.org/officeDocument/2006/relationships" xmlns:mc="http://schemas.openxmlformats.org/markup-compatibility/2006" xmlns:mv="urn:schemas-microsoft-com:mac:vml" xmlns:p="http://schemas.openxmlformats.org/presentationml/2006/main" xmlns:c="http://schemas.openxmlformats.org/drawingml/2006/chart" xmlns:dgm="http://schemas.openxmlformats.org/drawingml/2006/diagram" xmlns:o="urn:schemas-microsoft-com:office:office" xmlns:v="urn:schemas-microsoft-com:vml" xmlns:pvml="urn:schemas-microsoft-com:office:powerpoint" xmlns:com="http://schemas.openxmlformats.org/drawingml/2006/compatibility" xmlns:p14="http://schemas.microsoft.com/office/powerpoint/2010/main" xmlns:p15="http://schemas.microsoft.com/office/powerpoint/2012/main">
+<p:sld xmlns:a="http://schemas.openxmlformats.org/drawingml/2006/main" xmlns:r="http://schemas.openxmlformats.org/officeDocument/2006/relationships" xmlns:mc="http://schemas.openxmlformats.org/markup-compatibility/2006" xmlns:mv="urn:schemas-microsoft-com:mac:vml" xmlns:p="http://schemas.openxmlformats.org/presentationml/2006/main" xmlns:c="http://schemas.openxmlformats.org/drawingml/2006/chart" xmlns:dgm="http://schemas.openxmlformats.org/drawingml/2006/diagram" xmlns:o="urn:schemas-microsoft-com:office:office" xmlns:v="urn:schemas-microsoft-com:vml" xmlns:pvml="urn:schemas-microsoft-com:office:powerpoint" xmlns:com="http://schemas.openxmlformats.org/drawingml/2006/compatibility" xmlns:p14="http://schemas.microsoft.com/office/powerpoint/2010/main" xmlns:p15="http://schemas.microsoft.com/office/powerpoint/2012/main" xmlns:ahyp="http://schemas.microsoft.com/office/drawing/2018/hyperlinkcolor">
   <p:cSld>
     <p:spTree>
       <p:nvGrpSpPr>
@@ -29816,7 +29834,13 @@
                 <a:ea typeface="Calibri"/>
                 <a:cs typeface="Calibri"/>
                 <a:sym typeface="Calibri"/>
-                <a:hlinkClick r:id="rId4"/>
+                <a:hlinkClick r:id="rId4">
+                  <a:extLst>
+                    <a:ext uri="{A12FA001-AC4F-418D-AE19-62706E023703}">
+                      <ahyp:hlinkClr val="tx"/>
+                    </a:ext>
+                  </a:extLst>
+                </a:hlinkClick>
               </a:rPr>
               <a:t>http://www.cs.berkeley.edu/~matei/papers/2012/nsdi_spark.pdf</a:t>
             </a:r>
@@ -30183,7 +30207,7 @@
 </file>
 
 <file path=ppt/slides/slide12.xml><?xml version="1.0" encoding="utf-8"?>
-<p:sld xmlns:a="http://schemas.openxmlformats.org/drawingml/2006/main" xmlns:r="http://schemas.openxmlformats.org/officeDocument/2006/relationships" xmlns:mc="http://schemas.openxmlformats.org/markup-compatibility/2006" xmlns:mv="urn:schemas-microsoft-com:mac:vml" xmlns:p="http://schemas.openxmlformats.org/presentationml/2006/main" xmlns:c="http://schemas.openxmlformats.org/drawingml/2006/chart" xmlns:dgm="http://schemas.openxmlformats.org/drawingml/2006/diagram" xmlns:o="urn:schemas-microsoft-com:office:office" xmlns:v="urn:schemas-microsoft-com:vml" xmlns:pvml="urn:schemas-microsoft-com:office:powerpoint" xmlns:com="http://schemas.openxmlformats.org/drawingml/2006/compatibility" xmlns:p14="http://schemas.microsoft.com/office/powerpoint/2010/main" xmlns:p15="http://schemas.microsoft.com/office/powerpoint/2012/main">
+<p:sld xmlns:a="http://schemas.openxmlformats.org/drawingml/2006/main" xmlns:r="http://schemas.openxmlformats.org/officeDocument/2006/relationships" xmlns:mc="http://schemas.openxmlformats.org/markup-compatibility/2006" xmlns:mv="urn:schemas-microsoft-com:mac:vml" xmlns:p="http://schemas.openxmlformats.org/presentationml/2006/main" xmlns:c="http://schemas.openxmlformats.org/drawingml/2006/chart" xmlns:dgm="http://schemas.openxmlformats.org/drawingml/2006/diagram" xmlns:o="urn:schemas-microsoft-com:office:office" xmlns:v="urn:schemas-microsoft-com:vml" xmlns:pvml="urn:schemas-microsoft-com:office:powerpoint" xmlns:com="http://schemas.openxmlformats.org/drawingml/2006/compatibility" xmlns:p14="http://schemas.microsoft.com/office/powerpoint/2010/main" xmlns:p15="http://schemas.microsoft.com/office/powerpoint/2012/main" xmlns:ahyp="http://schemas.microsoft.com/office/drawing/2018/hyperlinkcolor">
   <p:cSld>
     <p:spTree>
       <p:nvGrpSpPr>
@@ -30284,7 +30308,7 @@
 </file>
 
 <file path=ppt/slides/slide13.xml><?xml version="1.0" encoding="utf-8"?>
-<p:sld xmlns:a="http://schemas.openxmlformats.org/drawingml/2006/main" xmlns:r="http://schemas.openxmlformats.org/officeDocument/2006/relationships" xmlns:mc="http://schemas.openxmlformats.org/markup-compatibility/2006" xmlns:mv="urn:schemas-microsoft-com:mac:vml" xmlns:p="http://schemas.openxmlformats.org/presentationml/2006/main" xmlns:c="http://schemas.openxmlformats.org/drawingml/2006/chart" xmlns:dgm="http://schemas.openxmlformats.org/drawingml/2006/diagram" xmlns:o="urn:schemas-microsoft-com:office:office" xmlns:v="urn:schemas-microsoft-com:vml" xmlns:pvml="urn:schemas-microsoft-com:office:powerpoint" xmlns:com="http://schemas.openxmlformats.org/drawingml/2006/compatibility" xmlns:p14="http://schemas.microsoft.com/office/powerpoint/2010/main" xmlns:p15="http://schemas.microsoft.com/office/powerpoint/2012/main">
+<p:sld xmlns:a="http://schemas.openxmlformats.org/drawingml/2006/main" xmlns:r="http://schemas.openxmlformats.org/officeDocument/2006/relationships" xmlns:mc="http://schemas.openxmlformats.org/markup-compatibility/2006" xmlns:mv="urn:schemas-microsoft-com:mac:vml" xmlns:p="http://schemas.openxmlformats.org/presentationml/2006/main" xmlns:c="http://schemas.openxmlformats.org/drawingml/2006/chart" xmlns:dgm="http://schemas.openxmlformats.org/drawingml/2006/diagram" xmlns:o="urn:schemas-microsoft-com:office:office" xmlns:v="urn:schemas-microsoft-com:vml" xmlns:pvml="urn:schemas-microsoft-com:office:powerpoint" xmlns:com="http://schemas.openxmlformats.org/drawingml/2006/compatibility" xmlns:p14="http://schemas.microsoft.com/office/powerpoint/2010/main" xmlns:p15="http://schemas.microsoft.com/office/powerpoint/2012/main" xmlns:ahyp="http://schemas.microsoft.com/office/drawing/2018/hyperlinkcolor">
   <p:cSld>
     <p:spTree>
       <p:nvGrpSpPr>
@@ -30385,7 +30409,7 @@
 </file>
 
 <file path=ppt/slides/slide14.xml><?xml version="1.0" encoding="utf-8"?>
-<p:sld xmlns:a="http://schemas.openxmlformats.org/drawingml/2006/main" xmlns:r="http://schemas.openxmlformats.org/officeDocument/2006/relationships" xmlns:mc="http://schemas.openxmlformats.org/markup-compatibility/2006" xmlns:mv="urn:schemas-microsoft-com:mac:vml" xmlns:p="http://schemas.openxmlformats.org/presentationml/2006/main" xmlns:c="http://schemas.openxmlformats.org/drawingml/2006/chart" xmlns:dgm="http://schemas.openxmlformats.org/drawingml/2006/diagram" xmlns:o="urn:schemas-microsoft-com:office:office" xmlns:v="urn:schemas-microsoft-com:vml" xmlns:pvml="urn:schemas-microsoft-com:office:powerpoint" xmlns:com="http://schemas.openxmlformats.org/drawingml/2006/compatibility" xmlns:p14="http://schemas.microsoft.com/office/powerpoint/2010/main" xmlns:p15="http://schemas.microsoft.com/office/powerpoint/2012/main">
+<p:sld xmlns:a="http://schemas.openxmlformats.org/drawingml/2006/main" xmlns:r="http://schemas.openxmlformats.org/officeDocument/2006/relationships" xmlns:mc="http://schemas.openxmlformats.org/markup-compatibility/2006" xmlns:mv="urn:schemas-microsoft-com:mac:vml" xmlns:p="http://schemas.openxmlformats.org/presentationml/2006/main" xmlns:c="http://schemas.openxmlformats.org/drawingml/2006/chart" xmlns:dgm="http://schemas.openxmlformats.org/drawingml/2006/diagram" xmlns:o="urn:schemas-microsoft-com:office:office" xmlns:v="urn:schemas-microsoft-com:vml" xmlns:pvml="urn:schemas-microsoft-com:office:powerpoint" xmlns:com="http://schemas.openxmlformats.org/drawingml/2006/compatibility" xmlns:p14="http://schemas.microsoft.com/office/powerpoint/2010/main" xmlns:p15="http://schemas.microsoft.com/office/powerpoint/2012/main" xmlns:ahyp="http://schemas.microsoft.com/office/drawing/2018/hyperlinkcolor">
   <p:cSld>
     <p:spTree>
       <p:nvGrpSpPr>
@@ -30524,7 +30548,7 @@
 </file>
 
 <file path=ppt/slides/slide15.xml><?xml version="1.0" encoding="utf-8"?>
-<p:sld xmlns:a="http://schemas.openxmlformats.org/drawingml/2006/main" xmlns:r="http://schemas.openxmlformats.org/officeDocument/2006/relationships" xmlns:mc="http://schemas.openxmlformats.org/markup-compatibility/2006" xmlns:mv="urn:schemas-microsoft-com:mac:vml" xmlns:p="http://schemas.openxmlformats.org/presentationml/2006/main" xmlns:c="http://schemas.openxmlformats.org/drawingml/2006/chart" xmlns:dgm="http://schemas.openxmlformats.org/drawingml/2006/diagram" xmlns:o="urn:schemas-microsoft-com:office:office" xmlns:v="urn:schemas-microsoft-com:vml" xmlns:pvml="urn:schemas-microsoft-com:office:powerpoint" xmlns:com="http://schemas.openxmlformats.org/drawingml/2006/compatibility" xmlns:p14="http://schemas.microsoft.com/office/powerpoint/2010/main" xmlns:p15="http://schemas.microsoft.com/office/powerpoint/2012/main">
+<p:sld xmlns:a="http://schemas.openxmlformats.org/drawingml/2006/main" xmlns:r="http://schemas.openxmlformats.org/officeDocument/2006/relationships" xmlns:mc="http://schemas.openxmlformats.org/markup-compatibility/2006" xmlns:mv="urn:schemas-microsoft-com:mac:vml" xmlns:p="http://schemas.openxmlformats.org/presentationml/2006/main" xmlns:c="http://schemas.openxmlformats.org/drawingml/2006/chart" xmlns:dgm="http://schemas.openxmlformats.org/drawingml/2006/diagram" xmlns:o="urn:schemas-microsoft-com:office:office" xmlns:v="urn:schemas-microsoft-com:vml" xmlns:pvml="urn:schemas-microsoft-com:office:powerpoint" xmlns:com="http://schemas.openxmlformats.org/drawingml/2006/compatibility" xmlns:p14="http://schemas.microsoft.com/office/powerpoint/2010/main" xmlns:p15="http://schemas.microsoft.com/office/powerpoint/2012/main" xmlns:ahyp="http://schemas.microsoft.com/office/drawing/2018/hyperlinkcolor">
   <p:cSld>
     <p:spTree>
       <p:nvGrpSpPr>
@@ -30833,7 +30857,7 @@
 </file>
 
 <file path=ppt/slides/slide16.xml><?xml version="1.0" encoding="utf-8"?>
-<p:sld xmlns:a="http://schemas.openxmlformats.org/drawingml/2006/main" xmlns:r="http://schemas.openxmlformats.org/officeDocument/2006/relationships" xmlns:mc="http://schemas.openxmlformats.org/markup-compatibility/2006" xmlns:mv="urn:schemas-microsoft-com:mac:vml" xmlns:p="http://schemas.openxmlformats.org/presentationml/2006/main" xmlns:c="http://schemas.openxmlformats.org/drawingml/2006/chart" xmlns:dgm="http://schemas.openxmlformats.org/drawingml/2006/diagram" xmlns:o="urn:schemas-microsoft-com:office:office" xmlns:v="urn:schemas-microsoft-com:vml" xmlns:pvml="urn:schemas-microsoft-com:office:powerpoint" xmlns:com="http://schemas.openxmlformats.org/drawingml/2006/compatibility" xmlns:p14="http://schemas.microsoft.com/office/powerpoint/2010/main" xmlns:p15="http://schemas.microsoft.com/office/powerpoint/2012/main">
+<p:sld xmlns:a="http://schemas.openxmlformats.org/drawingml/2006/main" xmlns:r="http://schemas.openxmlformats.org/officeDocument/2006/relationships" xmlns:mc="http://schemas.openxmlformats.org/markup-compatibility/2006" xmlns:mv="urn:schemas-microsoft-com:mac:vml" xmlns:p="http://schemas.openxmlformats.org/presentationml/2006/main" xmlns:c="http://schemas.openxmlformats.org/drawingml/2006/chart" xmlns:dgm="http://schemas.openxmlformats.org/drawingml/2006/diagram" xmlns:o="urn:schemas-microsoft-com:office:office" xmlns:v="urn:schemas-microsoft-com:vml" xmlns:pvml="urn:schemas-microsoft-com:office:powerpoint" xmlns:com="http://schemas.openxmlformats.org/drawingml/2006/compatibility" xmlns:p14="http://schemas.microsoft.com/office/powerpoint/2010/main" xmlns:p15="http://schemas.microsoft.com/office/powerpoint/2012/main" xmlns:ahyp="http://schemas.microsoft.com/office/drawing/2018/hyperlinkcolor">
   <p:cSld>
     <p:spTree>
       <p:nvGrpSpPr>
@@ -31142,7 +31166,7 @@
 </file>
 
 <file path=ppt/slides/slide17.xml><?xml version="1.0" encoding="utf-8"?>
-<p:sld xmlns:a="http://schemas.openxmlformats.org/drawingml/2006/main" xmlns:r="http://schemas.openxmlformats.org/officeDocument/2006/relationships" xmlns:mc="http://schemas.openxmlformats.org/markup-compatibility/2006" xmlns:mv="urn:schemas-microsoft-com:mac:vml" xmlns:p="http://schemas.openxmlformats.org/presentationml/2006/main" xmlns:c="http://schemas.openxmlformats.org/drawingml/2006/chart" xmlns:dgm="http://schemas.openxmlformats.org/drawingml/2006/diagram" xmlns:o="urn:schemas-microsoft-com:office:office" xmlns:v="urn:schemas-microsoft-com:vml" xmlns:pvml="urn:schemas-microsoft-com:office:powerpoint" xmlns:com="http://schemas.openxmlformats.org/drawingml/2006/compatibility" xmlns:p14="http://schemas.microsoft.com/office/powerpoint/2010/main" xmlns:p15="http://schemas.microsoft.com/office/powerpoint/2012/main">
+<p:sld xmlns:a="http://schemas.openxmlformats.org/drawingml/2006/main" xmlns:r="http://schemas.openxmlformats.org/officeDocument/2006/relationships" xmlns:mc="http://schemas.openxmlformats.org/markup-compatibility/2006" xmlns:mv="urn:schemas-microsoft-com:mac:vml" xmlns:p="http://schemas.openxmlformats.org/presentationml/2006/main" xmlns:c="http://schemas.openxmlformats.org/drawingml/2006/chart" xmlns:dgm="http://schemas.openxmlformats.org/drawingml/2006/diagram" xmlns:o="urn:schemas-microsoft-com:office:office" xmlns:v="urn:schemas-microsoft-com:vml" xmlns:pvml="urn:schemas-microsoft-com:office:powerpoint" xmlns:com="http://schemas.openxmlformats.org/drawingml/2006/compatibility" xmlns:p14="http://schemas.microsoft.com/office/powerpoint/2010/main" xmlns:p15="http://schemas.microsoft.com/office/powerpoint/2012/main" xmlns:ahyp="http://schemas.microsoft.com/office/drawing/2018/hyperlinkcolor">
   <p:cSld>
     <p:spTree>
       <p:nvGrpSpPr>
@@ -31474,7 +31498,7 @@
 </file>
 
 <file path=ppt/slides/slide18.xml><?xml version="1.0" encoding="utf-8"?>
-<p:sld xmlns:a="http://schemas.openxmlformats.org/drawingml/2006/main" xmlns:r="http://schemas.openxmlformats.org/officeDocument/2006/relationships" xmlns:mc="http://schemas.openxmlformats.org/markup-compatibility/2006" xmlns:mv="urn:schemas-microsoft-com:mac:vml" xmlns:p="http://schemas.openxmlformats.org/presentationml/2006/main" xmlns:c="http://schemas.openxmlformats.org/drawingml/2006/chart" xmlns:dgm="http://schemas.openxmlformats.org/drawingml/2006/diagram" xmlns:o="urn:schemas-microsoft-com:office:office" xmlns:v="urn:schemas-microsoft-com:vml" xmlns:pvml="urn:schemas-microsoft-com:office:powerpoint" xmlns:com="http://schemas.openxmlformats.org/drawingml/2006/compatibility" xmlns:p14="http://schemas.microsoft.com/office/powerpoint/2010/main" xmlns:p15="http://schemas.microsoft.com/office/powerpoint/2012/main">
+<p:sld xmlns:a="http://schemas.openxmlformats.org/drawingml/2006/main" xmlns:r="http://schemas.openxmlformats.org/officeDocument/2006/relationships" xmlns:mc="http://schemas.openxmlformats.org/markup-compatibility/2006" xmlns:mv="urn:schemas-microsoft-com:mac:vml" xmlns:p="http://schemas.openxmlformats.org/presentationml/2006/main" xmlns:c="http://schemas.openxmlformats.org/drawingml/2006/chart" xmlns:dgm="http://schemas.openxmlformats.org/drawingml/2006/diagram" xmlns:o="urn:schemas-microsoft-com:office:office" xmlns:v="urn:schemas-microsoft-com:vml" xmlns:pvml="urn:schemas-microsoft-com:office:powerpoint" xmlns:com="http://schemas.openxmlformats.org/drawingml/2006/compatibility" xmlns:p14="http://schemas.microsoft.com/office/powerpoint/2010/main" xmlns:p15="http://schemas.microsoft.com/office/powerpoint/2012/main" xmlns:ahyp="http://schemas.microsoft.com/office/drawing/2018/hyperlinkcolor">
   <p:cSld>
     <p:spTree>
       <p:nvGrpSpPr>
@@ -31746,7 +31770,7 @@
 </file>
 
 <file path=ppt/slides/slide19.xml><?xml version="1.0" encoding="utf-8"?>
-<p:sld xmlns:a="http://schemas.openxmlformats.org/drawingml/2006/main" xmlns:r="http://schemas.openxmlformats.org/officeDocument/2006/relationships" xmlns:mc="http://schemas.openxmlformats.org/markup-compatibility/2006" xmlns:mv="urn:schemas-microsoft-com:mac:vml" xmlns:p="http://schemas.openxmlformats.org/presentationml/2006/main" xmlns:c="http://schemas.openxmlformats.org/drawingml/2006/chart" xmlns:dgm="http://schemas.openxmlformats.org/drawingml/2006/diagram" xmlns:o="urn:schemas-microsoft-com:office:office" xmlns:v="urn:schemas-microsoft-com:vml" xmlns:pvml="urn:schemas-microsoft-com:office:powerpoint" xmlns:com="http://schemas.openxmlformats.org/drawingml/2006/compatibility" xmlns:p14="http://schemas.microsoft.com/office/powerpoint/2010/main" xmlns:p15="http://schemas.microsoft.com/office/powerpoint/2012/main">
+<p:sld xmlns:a="http://schemas.openxmlformats.org/drawingml/2006/main" xmlns:r="http://schemas.openxmlformats.org/officeDocument/2006/relationships" xmlns:mc="http://schemas.openxmlformats.org/markup-compatibility/2006" xmlns:mv="urn:schemas-microsoft-com:mac:vml" xmlns:p="http://schemas.openxmlformats.org/presentationml/2006/main" xmlns:c="http://schemas.openxmlformats.org/drawingml/2006/chart" xmlns:dgm="http://schemas.openxmlformats.org/drawingml/2006/diagram" xmlns:o="urn:schemas-microsoft-com:office:office" xmlns:v="urn:schemas-microsoft-com:vml" xmlns:pvml="urn:schemas-microsoft-com:office:powerpoint" xmlns:com="http://schemas.openxmlformats.org/drawingml/2006/compatibility" xmlns:p14="http://schemas.microsoft.com/office/powerpoint/2010/main" xmlns:p15="http://schemas.microsoft.com/office/powerpoint/2012/main" xmlns:ahyp="http://schemas.microsoft.com/office/drawing/2018/hyperlinkcolor">
   <p:cSld>
     <p:spTree>
       <p:nvGrpSpPr>
@@ -31970,7 +31994,7 @@
 </file>
 
 <file path=ppt/slides/slide2.xml><?xml version="1.0" encoding="utf-8"?>
-<p:sld xmlns:a="http://schemas.openxmlformats.org/drawingml/2006/main" xmlns:r="http://schemas.openxmlformats.org/officeDocument/2006/relationships" xmlns:mc="http://schemas.openxmlformats.org/markup-compatibility/2006" xmlns:mv="urn:schemas-microsoft-com:mac:vml" xmlns:p="http://schemas.openxmlformats.org/presentationml/2006/main" xmlns:c="http://schemas.openxmlformats.org/drawingml/2006/chart" xmlns:dgm="http://schemas.openxmlformats.org/drawingml/2006/diagram" xmlns:o="urn:schemas-microsoft-com:office:office" xmlns:v="urn:schemas-microsoft-com:vml" xmlns:pvml="urn:schemas-microsoft-com:office:powerpoint" xmlns:com="http://schemas.openxmlformats.org/drawingml/2006/compatibility" xmlns:p14="http://schemas.microsoft.com/office/powerpoint/2010/main" xmlns:p15="http://schemas.microsoft.com/office/powerpoint/2012/main">
+<p:sld xmlns:a="http://schemas.openxmlformats.org/drawingml/2006/main" xmlns:r="http://schemas.openxmlformats.org/officeDocument/2006/relationships" xmlns:mc="http://schemas.openxmlformats.org/markup-compatibility/2006" xmlns:mv="urn:schemas-microsoft-com:mac:vml" xmlns:p="http://schemas.openxmlformats.org/presentationml/2006/main" xmlns:c="http://schemas.openxmlformats.org/drawingml/2006/chart" xmlns:dgm="http://schemas.openxmlformats.org/drawingml/2006/diagram" xmlns:o="urn:schemas-microsoft-com:office:office" xmlns:v="urn:schemas-microsoft-com:vml" xmlns:pvml="urn:schemas-microsoft-com:office:powerpoint" xmlns:com="http://schemas.openxmlformats.org/drawingml/2006/compatibility" xmlns:p14="http://schemas.microsoft.com/office/powerpoint/2010/main" xmlns:p15="http://schemas.microsoft.com/office/powerpoint/2012/main" xmlns:ahyp="http://schemas.microsoft.com/office/drawing/2018/hyperlinkcolor">
   <p:cSld>
     <p:spTree>
       <p:nvGrpSpPr>
@@ -32212,7 +32236,7 @@
 </file>
 
 <file path=ppt/slides/slide20.xml><?xml version="1.0" encoding="utf-8"?>
-<p:sld xmlns:a="http://schemas.openxmlformats.org/drawingml/2006/main" xmlns:r="http://schemas.openxmlformats.org/officeDocument/2006/relationships" xmlns:mc="http://schemas.openxmlformats.org/markup-compatibility/2006" xmlns:mv="urn:schemas-microsoft-com:mac:vml" xmlns:p="http://schemas.openxmlformats.org/presentationml/2006/main" xmlns:c="http://schemas.openxmlformats.org/drawingml/2006/chart" xmlns:dgm="http://schemas.openxmlformats.org/drawingml/2006/diagram" xmlns:o="urn:schemas-microsoft-com:office:office" xmlns:v="urn:schemas-microsoft-com:vml" xmlns:pvml="urn:schemas-microsoft-com:office:powerpoint" xmlns:com="http://schemas.openxmlformats.org/drawingml/2006/compatibility" xmlns:p14="http://schemas.microsoft.com/office/powerpoint/2010/main" xmlns:p15="http://schemas.microsoft.com/office/powerpoint/2012/main">
+<p:sld xmlns:a="http://schemas.openxmlformats.org/drawingml/2006/main" xmlns:r="http://schemas.openxmlformats.org/officeDocument/2006/relationships" xmlns:mc="http://schemas.openxmlformats.org/markup-compatibility/2006" xmlns:mv="urn:schemas-microsoft-com:mac:vml" xmlns:p="http://schemas.openxmlformats.org/presentationml/2006/main" xmlns:c="http://schemas.openxmlformats.org/drawingml/2006/chart" xmlns:dgm="http://schemas.openxmlformats.org/drawingml/2006/diagram" xmlns:o="urn:schemas-microsoft-com:office:office" xmlns:v="urn:schemas-microsoft-com:vml" xmlns:pvml="urn:schemas-microsoft-com:office:powerpoint" xmlns:com="http://schemas.openxmlformats.org/drawingml/2006/compatibility" xmlns:p14="http://schemas.microsoft.com/office/powerpoint/2010/main" xmlns:p15="http://schemas.microsoft.com/office/powerpoint/2012/main" xmlns:ahyp="http://schemas.microsoft.com/office/drawing/2018/hyperlinkcolor">
   <p:cSld>
     <p:spTree>
       <p:nvGrpSpPr>
@@ -32414,7 +32438,7 @@
 </file>
 
 <file path=ppt/slides/slide21.xml><?xml version="1.0" encoding="utf-8"?>
-<p:sld xmlns:a="http://schemas.openxmlformats.org/drawingml/2006/main" xmlns:r="http://schemas.openxmlformats.org/officeDocument/2006/relationships" xmlns:mc="http://schemas.openxmlformats.org/markup-compatibility/2006" xmlns:mv="urn:schemas-microsoft-com:mac:vml" xmlns:p="http://schemas.openxmlformats.org/presentationml/2006/main" xmlns:c="http://schemas.openxmlformats.org/drawingml/2006/chart" xmlns:dgm="http://schemas.openxmlformats.org/drawingml/2006/diagram" xmlns:o="urn:schemas-microsoft-com:office:office" xmlns:v="urn:schemas-microsoft-com:vml" xmlns:pvml="urn:schemas-microsoft-com:office:powerpoint" xmlns:com="http://schemas.openxmlformats.org/drawingml/2006/compatibility" xmlns:p14="http://schemas.microsoft.com/office/powerpoint/2010/main" xmlns:p15="http://schemas.microsoft.com/office/powerpoint/2012/main">
+<p:sld xmlns:a="http://schemas.openxmlformats.org/drawingml/2006/main" xmlns:r="http://schemas.openxmlformats.org/officeDocument/2006/relationships" xmlns:mc="http://schemas.openxmlformats.org/markup-compatibility/2006" xmlns:mv="urn:schemas-microsoft-com:mac:vml" xmlns:p="http://schemas.openxmlformats.org/presentationml/2006/main" xmlns:c="http://schemas.openxmlformats.org/drawingml/2006/chart" xmlns:dgm="http://schemas.openxmlformats.org/drawingml/2006/diagram" xmlns:o="urn:schemas-microsoft-com:office:office" xmlns:v="urn:schemas-microsoft-com:vml" xmlns:pvml="urn:schemas-microsoft-com:office:powerpoint" xmlns:com="http://schemas.openxmlformats.org/drawingml/2006/compatibility" xmlns:p14="http://schemas.microsoft.com/office/powerpoint/2010/main" xmlns:p15="http://schemas.microsoft.com/office/powerpoint/2012/main" xmlns:ahyp="http://schemas.microsoft.com/office/drawing/2018/hyperlinkcolor">
   <p:cSld>
     <p:spTree>
       <p:nvGrpSpPr>
@@ -32796,7 +32820,7 @@
 </file>
 
 <file path=ppt/slides/slide22.xml><?xml version="1.0" encoding="utf-8"?>
-<p:sld xmlns:a="http://schemas.openxmlformats.org/drawingml/2006/main" xmlns:r="http://schemas.openxmlformats.org/officeDocument/2006/relationships" xmlns:mc="http://schemas.openxmlformats.org/markup-compatibility/2006" xmlns:mv="urn:schemas-microsoft-com:mac:vml" xmlns:p="http://schemas.openxmlformats.org/presentationml/2006/main" xmlns:c="http://schemas.openxmlformats.org/drawingml/2006/chart" xmlns:dgm="http://schemas.openxmlformats.org/drawingml/2006/diagram" xmlns:o="urn:schemas-microsoft-com:office:office" xmlns:v="urn:schemas-microsoft-com:vml" xmlns:pvml="urn:schemas-microsoft-com:office:powerpoint" xmlns:com="http://schemas.openxmlformats.org/drawingml/2006/compatibility" xmlns:p14="http://schemas.microsoft.com/office/powerpoint/2010/main" xmlns:p15="http://schemas.microsoft.com/office/powerpoint/2012/main">
+<p:sld xmlns:a="http://schemas.openxmlformats.org/drawingml/2006/main" xmlns:r="http://schemas.openxmlformats.org/officeDocument/2006/relationships" xmlns:mc="http://schemas.openxmlformats.org/markup-compatibility/2006" xmlns:mv="urn:schemas-microsoft-com:mac:vml" xmlns:p="http://schemas.openxmlformats.org/presentationml/2006/main" xmlns:c="http://schemas.openxmlformats.org/drawingml/2006/chart" xmlns:dgm="http://schemas.openxmlformats.org/drawingml/2006/diagram" xmlns:o="urn:schemas-microsoft-com:office:office" xmlns:v="urn:schemas-microsoft-com:vml" xmlns:pvml="urn:schemas-microsoft-com:office:powerpoint" xmlns:com="http://schemas.openxmlformats.org/drawingml/2006/compatibility" xmlns:p14="http://schemas.microsoft.com/office/powerpoint/2010/main" xmlns:p15="http://schemas.microsoft.com/office/powerpoint/2012/main" xmlns:ahyp="http://schemas.microsoft.com/office/drawing/2018/hyperlinkcolor">
   <p:cSld>
     <p:spTree>
       <p:nvGrpSpPr>
@@ -32848,7 +32872,7 @@
 </file>
 
 <file path=ppt/slides/slide23.xml><?xml version="1.0" encoding="utf-8"?>
-<p:sld xmlns:a="http://schemas.openxmlformats.org/drawingml/2006/main" xmlns:r="http://schemas.openxmlformats.org/officeDocument/2006/relationships" xmlns:mc="http://schemas.openxmlformats.org/markup-compatibility/2006" xmlns:mv="urn:schemas-microsoft-com:mac:vml" xmlns:p="http://schemas.openxmlformats.org/presentationml/2006/main" xmlns:c="http://schemas.openxmlformats.org/drawingml/2006/chart" xmlns:dgm="http://schemas.openxmlformats.org/drawingml/2006/diagram" xmlns:o="urn:schemas-microsoft-com:office:office" xmlns:v="urn:schemas-microsoft-com:vml" xmlns:pvml="urn:schemas-microsoft-com:office:powerpoint" xmlns:com="http://schemas.openxmlformats.org/drawingml/2006/compatibility" xmlns:p14="http://schemas.microsoft.com/office/powerpoint/2010/main" xmlns:p15="http://schemas.microsoft.com/office/powerpoint/2012/main">
+<p:sld xmlns:a="http://schemas.openxmlformats.org/drawingml/2006/main" xmlns:r="http://schemas.openxmlformats.org/officeDocument/2006/relationships" xmlns:mc="http://schemas.openxmlformats.org/markup-compatibility/2006" xmlns:mv="urn:schemas-microsoft-com:mac:vml" xmlns:p="http://schemas.openxmlformats.org/presentationml/2006/main" xmlns:c="http://schemas.openxmlformats.org/drawingml/2006/chart" xmlns:dgm="http://schemas.openxmlformats.org/drawingml/2006/diagram" xmlns:o="urn:schemas-microsoft-com:office:office" xmlns:v="urn:schemas-microsoft-com:vml" xmlns:pvml="urn:schemas-microsoft-com:office:powerpoint" xmlns:com="http://schemas.openxmlformats.org/drawingml/2006/compatibility" xmlns:p14="http://schemas.microsoft.com/office/powerpoint/2010/main" xmlns:p15="http://schemas.microsoft.com/office/powerpoint/2012/main" xmlns:ahyp="http://schemas.microsoft.com/office/drawing/2018/hyperlinkcolor">
   <p:cSld>
     <p:spTree>
       <p:nvGrpSpPr>
@@ -32900,7 +32924,7 @@
 </file>
 
 <file path=ppt/slides/slide24.xml><?xml version="1.0" encoding="utf-8"?>
-<p:sld xmlns:a="http://schemas.openxmlformats.org/drawingml/2006/main" xmlns:r="http://schemas.openxmlformats.org/officeDocument/2006/relationships" xmlns:mc="http://schemas.openxmlformats.org/markup-compatibility/2006" xmlns:mv="urn:schemas-microsoft-com:mac:vml" xmlns:p="http://schemas.openxmlformats.org/presentationml/2006/main" xmlns:c="http://schemas.openxmlformats.org/drawingml/2006/chart" xmlns:dgm="http://schemas.openxmlformats.org/drawingml/2006/diagram" xmlns:o="urn:schemas-microsoft-com:office:office" xmlns:v="urn:schemas-microsoft-com:vml" xmlns:pvml="urn:schemas-microsoft-com:office:powerpoint" xmlns:com="http://schemas.openxmlformats.org/drawingml/2006/compatibility" xmlns:p14="http://schemas.microsoft.com/office/powerpoint/2010/main" xmlns:p15="http://schemas.microsoft.com/office/powerpoint/2012/main">
+<p:sld xmlns:a="http://schemas.openxmlformats.org/drawingml/2006/main" xmlns:r="http://schemas.openxmlformats.org/officeDocument/2006/relationships" xmlns:mc="http://schemas.openxmlformats.org/markup-compatibility/2006" xmlns:mv="urn:schemas-microsoft-com:mac:vml" xmlns:p="http://schemas.openxmlformats.org/presentationml/2006/main" xmlns:c="http://schemas.openxmlformats.org/drawingml/2006/chart" xmlns:dgm="http://schemas.openxmlformats.org/drawingml/2006/diagram" xmlns:o="urn:schemas-microsoft-com:office:office" xmlns:v="urn:schemas-microsoft-com:vml" xmlns:pvml="urn:schemas-microsoft-com:office:powerpoint" xmlns:com="http://schemas.openxmlformats.org/drawingml/2006/compatibility" xmlns:p14="http://schemas.microsoft.com/office/powerpoint/2010/main" xmlns:p15="http://schemas.microsoft.com/office/powerpoint/2012/main" xmlns:ahyp="http://schemas.microsoft.com/office/drawing/2018/hyperlinkcolor">
   <p:cSld>
     <p:spTree>
       <p:nvGrpSpPr>
@@ -32952,7 +32976,7 @@
 </file>
 
 <file path=ppt/slides/slide25.xml><?xml version="1.0" encoding="utf-8"?>
-<p:sld xmlns:a="http://schemas.openxmlformats.org/drawingml/2006/main" xmlns:r="http://schemas.openxmlformats.org/officeDocument/2006/relationships" xmlns:mc="http://schemas.openxmlformats.org/markup-compatibility/2006" xmlns:mv="urn:schemas-microsoft-com:mac:vml" xmlns:p="http://schemas.openxmlformats.org/presentationml/2006/main" xmlns:c="http://schemas.openxmlformats.org/drawingml/2006/chart" xmlns:dgm="http://schemas.openxmlformats.org/drawingml/2006/diagram" xmlns:o="urn:schemas-microsoft-com:office:office" xmlns:v="urn:schemas-microsoft-com:vml" xmlns:pvml="urn:schemas-microsoft-com:office:powerpoint" xmlns:com="http://schemas.openxmlformats.org/drawingml/2006/compatibility" xmlns:p14="http://schemas.microsoft.com/office/powerpoint/2010/main" xmlns:p15="http://schemas.microsoft.com/office/powerpoint/2012/main">
+<p:sld xmlns:a="http://schemas.openxmlformats.org/drawingml/2006/main" xmlns:r="http://schemas.openxmlformats.org/officeDocument/2006/relationships" xmlns:mc="http://schemas.openxmlformats.org/markup-compatibility/2006" xmlns:mv="urn:schemas-microsoft-com:mac:vml" xmlns:p="http://schemas.openxmlformats.org/presentationml/2006/main" xmlns:c="http://schemas.openxmlformats.org/drawingml/2006/chart" xmlns:dgm="http://schemas.openxmlformats.org/drawingml/2006/diagram" xmlns:o="urn:schemas-microsoft-com:office:office" xmlns:v="urn:schemas-microsoft-com:vml" xmlns:pvml="urn:schemas-microsoft-com:office:powerpoint" xmlns:com="http://schemas.openxmlformats.org/drawingml/2006/compatibility" xmlns:p14="http://schemas.microsoft.com/office/powerpoint/2010/main" xmlns:p15="http://schemas.microsoft.com/office/powerpoint/2012/main" xmlns:ahyp="http://schemas.microsoft.com/office/drawing/2018/hyperlinkcolor">
   <p:cSld>
     <p:spTree>
       <p:nvGrpSpPr>
@@ -33053,7 +33077,7 @@
 </file>
 
 <file path=ppt/slides/slide26.xml><?xml version="1.0" encoding="utf-8"?>
-<p:sld xmlns:a="http://schemas.openxmlformats.org/drawingml/2006/main" xmlns:r="http://schemas.openxmlformats.org/officeDocument/2006/relationships" xmlns:mc="http://schemas.openxmlformats.org/markup-compatibility/2006" xmlns:mv="urn:schemas-microsoft-com:mac:vml" xmlns:p="http://schemas.openxmlformats.org/presentationml/2006/main" xmlns:c="http://schemas.openxmlformats.org/drawingml/2006/chart" xmlns:dgm="http://schemas.openxmlformats.org/drawingml/2006/diagram" xmlns:o="urn:schemas-microsoft-com:office:office" xmlns:v="urn:schemas-microsoft-com:vml" xmlns:pvml="urn:schemas-microsoft-com:office:powerpoint" xmlns:com="http://schemas.openxmlformats.org/drawingml/2006/compatibility" xmlns:p14="http://schemas.microsoft.com/office/powerpoint/2010/main" xmlns:p15="http://schemas.microsoft.com/office/powerpoint/2012/main">
+<p:sld xmlns:a="http://schemas.openxmlformats.org/drawingml/2006/main" xmlns:r="http://schemas.openxmlformats.org/officeDocument/2006/relationships" xmlns:mc="http://schemas.openxmlformats.org/markup-compatibility/2006" xmlns:mv="urn:schemas-microsoft-com:mac:vml" xmlns:p="http://schemas.openxmlformats.org/presentationml/2006/main" xmlns:c="http://schemas.openxmlformats.org/drawingml/2006/chart" xmlns:dgm="http://schemas.openxmlformats.org/drawingml/2006/diagram" xmlns:o="urn:schemas-microsoft-com:office:office" xmlns:v="urn:schemas-microsoft-com:vml" xmlns:pvml="urn:schemas-microsoft-com:office:powerpoint" xmlns:com="http://schemas.openxmlformats.org/drawingml/2006/compatibility" xmlns:p14="http://schemas.microsoft.com/office/powerpoint/2010/main" xmlns:p15="http://schemas.microsoft.com/office/powerpoint/2012/main" xmlns:ahyp="http://schemas.microsoft.com/office/drawing/2018/hyperlinkcolor">
   <p:cSld>
     <p:spTree>
       <p:nvGrpSpPr>
@@ -33215,7 +33239,7 @@
 </file>
 
 <file path=ppt/slides/slide27.xml><?xml version="1.0" encoding="utf-8"?>
-<p:sld xmlns:a="http://schemas.openxmlformats.org/drawingml/2006/main" xmlns:r="http://schemas.openxmlformats.org/officeDocument/2006/relationships" xmlns:mc="http://schemas.openxmlformats.org/markup-compatibility/2006" xmlns:mv="urn:schemas-microsoft-com:mac:vml" xmlns:p="http://schemas.openxmlformats.org/presentationml/2006/main" xmlns:c="http://schemas.openxmlformats.org/drawingml/2006/chart" xmlns:dgm="http://schemas.openxmlformats.org/drawingml/2006/diagram" xmlns:o="urn:schemas-microsoft-com:office:office" xmlns:v="urn:schemas-microsoft-com:vml" xmlns:pvml="urn:schemas-microsoft-com:office:powerpoint" xmlns:com="http://schemas.openxmlformats.org/drawingml/2006/compatibility" xmlns:p14="http://schemas.microsoft.com/office/powerpoint/2010/main" xmlns:p15="http://schemas.microsoft.com/office/powerpoint/2012/main">
+<p:sld xmlns:a="http://schemas.openxmlformats.org/drawingml/2006/main" xmlns:r="http://schemas.openxmlformats.org/officeDocument/2006/relationships" xmlns:mc="http://schemas.openxmlformats.org/markup-compatibility/2006" xmlns:mv="urn:schemas-microsoft-com:mac:vml" xmlns:p="http://schemas.openxmlformats.org/presentationml/2006/main" xmlns:c="http://schemas.openxmlformats.org/drawingml/2006/chart" xmlns:dgm="http://schemas.openxmlformats.org/drawingml/2006/diagram" xmlns:o="urn:schemas-microsoft-com:office:office" xmlns:v="urn:schemas-microsoft-com:vml" xmlns:pvml="urn:schemas-microsoft-com:office:powerpoint" xmlns:com="http://schemas.openxmlformats.org/drawingml/2006/compatibility" xmlns:p14="http://schemas.microsoft.com/office/powerpoint/2010/main" xmlns:p15="http://schemas.microsoft.com/office/powerpoint/2012/main" xmlns:ahyp="http://schemas.microsoft.com/office/drawing/2018/hyperlinkcolor">
   <p:cSld>
     <p:spTree>
       <p:nvGrpSpPr>
@@ -33396,7 +33420,7 @@
 </file>
 
 <file path=ppt/slides/slide28.xml><?xml version="1.0" encoding="utf-8"?>
-<p:sld xmlns:a="http://schemas.openxmlformats.org/drawingml/2006/main" xmlns:r="http://schemas.openxmlformats.org/officeDocument/2006/relationships" xmlns:mc="http://schemas.openxmlformats.org/markup-compatibility/2006" xmlns:mv="urn:schemas-microsoft-com:mac:vml" xmlns:p="http://schemas.openxmlformats.org/presentationml/2006/main" xmlns:c="http://schemas.openxmlformats.org/drawingml/2006/chart" xmlns:dgm="http://schemas.openxmlformats.org/drawingml/2006/diagram" xmlns:o="urn:schemas-microsoft-com:office:office" xmlns:v="urn:schemas-microsoft-com:vml" xmlns:pvml="urn:schemas-microsoft-com:office:powerpoint" xmlns:com="http://schemas.openxmlformats.org/drawingml/2006/compatibility" xmlns:p14="http://schemas.microsoft.com/office/powerpoint/2010/main" xmlns:p15="http://schemas.microsoft.com/office/powerpoint/2012/main">
+<p:sld xmlns:a="http://schemas.openxmlformats.org/drawingml/2006/main" xmlns:r="http://schemas.openxmlformats.org/officeDocument/2006/relationships" xmlns:mc="http://schemas.openxmlformats.org/markup-compatibility/2006" xmlns:mv="urn:schemas-microsoft-com:mac:vml" xmlns:p="http://schemas.openxmlformats.org/presentationml/2006/main" xmlns:c="http://schemas.openxmlformats.org/drawingml/2006/chart" xmlns:dgm="http://schemas.openxmlformats.org/drawingml/2006/diagram" xmlns:o="urn:schemas-microsoft-com:office:office" xmlns:v="urn:schemas-microsoft-com:vml" xmlns:pvml="urn:schemas-microsoft-com:office:powerpoint" xmlns:com="http://schemas.openxmlformats.org/drawingml/2006/compatibility" xmlns:p14="http://schemas.microsoft.com/office/powerpoint/2010/main" xmlns:p15="http://schemas.microsoft.com/office/powerpoint/2012/main" xmlns:ahyp="http://schemas.microsoft.com/office/drawing/2018/hyperlinkcolor">
   <p:cSld>
     <p:spTree>
       <p:nvGrpSpPr>
@@ -33736,7 +33760,7 @@
 </file>
 
 <file path=ppt/slides/slide29.xml><?xml version="1.0" encoding="utf-8"?>
-<p:sld xmlns:a="http://schemas.openxmlformats.org/drawingml/2006/main" xmlns:r="http://schemas.openxmlformats.org/officeDocument/2006/relationships" xmlns:mc="http://schemas.openxmlformats.org/markup-compatibility/2006" xmlns:mv="urn:schemas-microsoft-com:mac:vml" xmlns:p="http://schemas.openxmlformats.org/presentationml/2006/main" xmlns:c="http://schemas.openxmlformats.org/drawingml/2006/chart" xmlns:dgm="http://schemas.openxmlformats.org/drawingml/2006/diagram" xmlns:o="urn:schemas-microsoft-com:office:office" xmlns:v="urn:schemas-microsoft-com:vml" xmlns:pvml="urn:schemas-microsoft-com:office:powerpoint" xmlns:com="http://schemas.openxmlformats.org/drawingml/2006/compatibility" xmlns:p14="http://schemas.microsoft.com/office/powerpoint/2010/main" xmlns:p15="http://schemas.microsoft.com/office/powerpoint/2012/main">
+<p:sld xmlns:a="http://schemas.openxmlformats.org/drawingml/2006/main" xmlns:r="http://schemas.openxmlformats.org/officeDocument/2006/relationships" xmlns:mc="http://schemas.openxmlformats.org/markup-compatibility/2006" xmlns:mv="urn:schemas-microsoft-com:mac:vml" xmlns:p="http://schemas.openxmlformats.org/presentationml/2006/main" xmlns:c="http://schemas.openxmlformats.org/drawingml/2006/chart" xmlns:dgm="http://schemas.openxmlformats.org/drawingml/2006/diagram" xmlns:o="urn:schemas-microsoft-com:office:office" xmlns:v="urn:schemas-microsoft-com:vml" xmlns:pvml="urn:schemas-microsoft-com:office:powerpoint" xmlns:com="http://schemas.openxmlformats.org/drawingml/2006/compatibility" xmlns:p14="http://schemas.microsoft.com/office/powerpoint/2010/main" xmlns:p15="http://schemas.microsoft.com/office/powerpoint/2012/main" xmlns:ahyp="http://schemas.microsoft.com/office/drawing/2018/hyperlinkcolor">
   <p:cSld>
     <p:spTree>
       <p:nvGrpSpPr>
@@ -34055,7 +34079,7 @@
 </file>
 
 <file path=ppt/slides/slide3.xml><?xml version="1.0" encoding="utf-8"?>
-<p:sld xmlns:a="http://schemas.openxmlformats.org/drawingml/2006/main" xmlns:r="http://schemas.openxmlformats.org/officeDocument/2006/relationships" xmlns:mc="http://schemas.openxmlformats.org/markup-compatibility/2006" xmlns:mv="urn:schemas-microsoft-com:mac:vml" xmlns:p="http://schemas.openxmlformats.org/presentationml/2006/main" xmlns:c="http://schemas.openxmlformats.org/drawingml/2006/chart" xmlns:dgm="http://schemas.openxmlformats.org/drawingml/2006/diagram" xmlns:o="urn:schemas-microsoft-com:office:office" xmlns:v="urn:schemas-microsoft-com:vml" xmlns:pvml="urn:schemas-microsoft-com:office:powerpoint" xmlns:com="http://schemas.openxmlformats.org/drawingml/2006/compatibility" xmlns:p14="http://schemas.microsoft.com/office/powerpoint/2010/main" xmlns:p15="http://schemas.microsoft.com/office/powerpoint/2012/main">
+<p:sld xmlns:a="http://schemas.openxmlformats.org/drawingml/2006/main" xmlns:r="http://schemas.openxmlformats.org/officeDocument/2006/relationships" xmlns:mc="http://schemas.openxmlformats.org/markup-compatibility/2006" xmlns:mv="urn:schemas-microsoft-com:mac:vml" xmlns:p="http://schemas.openxmlformats.org/presentationml/2006/main" xmlns:c="http://schemas.openxmlformats.org/drawingml/2006/chart" xmlns:dgm="http://schemas.openxmlformats.org/drawingml/2006/diagram" xmlns:o="urn:schemas-microsoft-com:office:office" xmlns:v="urn:schemas-microsoft-com:vml" xmlns:pvml="urn:schemas-microsoft-com:office:powerpoint" xmlns:com="http://schemas.openxmlformats.org/drawingml/2006/compatibility" xmlns:p14="http://schemas.microsoft.com/office/powerpoint/2010/main" xmlns:p15="http://schemas.microsoft.com/office/powerpoint/2012/main" xmlns:ahyp="http://schemas.microsoft.com/office/drawing/2018/hyperlinkcolor">
   <p:cSld>
     <p:spTree>
       <p:nvGrpSpPr>
@@ -34272,7 +34296,7 @@
 </file>
 
 <file path=ppt/slides/slide30.xml><?xml version="1.0" encoding="utf-8"?>
-<p:sld xmlns:a="http://schemas.openxmlformats.org/drawingml/2006/main" xmlns:r="http://schemas.openxmlformats.org/officeDocument/2006/relationships" xmlns:mc="http://schemas.openxmlformats.org/markup-compatibility/2006" xmlns:mv="urn:schemas-microsoft-com:mac:vml" xmlns:p="http://schemas.openxmlformats.org/presentationml/2006/main" xmlns:c="http://schemas.openxmlformats.org/drawingml/2006/chart" xmlns:dgm="http://schemas.openxmlformats.org/drawingml/2006/diagram" xmlns:o="urn:schemas-microsoft-com:office:office" xmlns:v="urn:schemas-microsoft-com:vml" xmlns:pvml="urn:schemas-microsoft-com:office:powerpoint" xmlns:com="http://schemas.openxmlformats.org/drawingml/2006/compatibility" xmlns:p14="http://schemas.microsoft.com/office/powerpoint/2010/main" xmlns:p15="http://schemas.microsoft.com/office/powerpoint/2012/main">
+<p:sld xmlns:a="http://schemas.openxmlformats.org/drawingml/2006/main" xmlns:r="http://schemas.openxmlformats.org/officeDocument/2006/relationships" xmlns:mc="http://schemas.openxmlformats.org/markup-compatibility/2006" xmlns:mv="urn:schemas-microsoft-com:mac:vml" xmlns:p="http://schemas.openxmlformats.org/presentationml/2006/main" xmlns:c="http://schemas.openxmlformats.org/drawingml/2006/chart" xmlns:dgm="http://schemas.openxmlformats.org/drawingml/2006/diagram" xmlns:o="urn:schemas-microsoft-com:office:office" xmlns:v="urn:schemas-microsoft-com:vml" xmlns:pvml="urn:schemas-microsoft-com:office:powerpoint" xmlns:com="http://schemas.openxmlformats.org/drawingml/2006/compatibility" xmlns:p14="http://schemas.microsoft.com/office/powerpoint/2010/main" xmlns:p15="http://schemas.microsoft.com/office/powerpoint/2012/main" xmlns:ahyp="http://schemas.microsoft.com/office/drawing/2018/hyperlinkcolor">
   <p:cSld>
     <p:spTree>
       <p:nvGrpSpPr>
@@ -34554,7 +34578,7 @@
 </file>
 
 <file path=ppt/slides/slide31.xml><?xml version="1.0" encoding="utf-8"?>
-<p:sld xmlns:a="http://schemas.openxmlformats.org/drawingml/2006/main" xmlns:r="http://schemas.openxmlformats.org/officeDocument/2006/relationships" xmlns:mc="http://schemas.openxmlformats.org/markup-compatibility/2006" xmlns:mv="urn:schemas-microsoft-com:mac:vml" xmlns:p="http://schemas.openxmlformats.org/presentationml/2006/main" xmlns:c="http://schemas.openxmlformats.org/drawingml/2006/chart" xmlns:dgm="http://schemas.openxmlformats.org/drawingml/2006/diagram" xmlns:o="urn:schemas-microsoft-com:office:office" xmlns:v="urn:schemas-microsoft-com:vml" xmlns:pvml="urn:schemas-microsoft-com:office:powerpoint" xmlns:com="http://schemas.openxmlformats.org/drawingml/2006/compatibility" xmlns:p14="http://schemas.microsoft.com/office/powerpoint/2010/main" xmlns:p15="http://schemas.microsoft.com/office/powerpoint/2012/main">
+<p:sld xmlns:a="http://schemas.openxmlformats.org/drawingml/2006/main" xmlns:r="http://schemas.openxmlformats.org/officeDocument/2006/relationships" xmlns:mc="http://schemas.openxmlformats.org/markup-compatibility/2006" xmlns:mv="urn:schemas-microsoft-com:mac:vml" xmlns:p="http://schemas.openxmlformats.org/presentationml/2006/main" xmlns:c="http://schemas.openxmlformats.org/drawingml/2006/chart" xmlns:dgm="http://schemas.openxmlformats.org/drawingml/2006/diagram" xmlns:o="urn:schemas-microsoft-com:office:office" xmlns:v="urn:schemas-microsoft-com:vml" xmlns:pvml="urn:schemas-microsoft-com:office:powerpoint" xmlns:com="http://schemas.openxmlformats.org/drawingml/2006/compatibility" xmlns:p14="http://schemas.microsoft.com/office/powerpoint/2010/main" xmlns:p15="http://schemas.microsoft.com/office/powerpoint/2012/main" xmlns:ahyp="http://schemas.microsoft.com/office/drawing/2018/hyperlinkcolor">
   <p:cSld>
     <p:spTree>
       <p:nvGrpSpPr>
@@ -34655,7 +34679,7 @@
 </file>
 
 <file path=ppt/slides/slide32.xml><?xml version="1.0" encoding="utf-8"?>
-<p:sld xmlns:a="http://schemas.openxmlformats.org/drawingml/2006/main" xmlns:r="http://schemas.openxmlformats.org/officeDocument/2006/relationships" xmlns:mc="http://schemas.openxmlformats.org/markup-compatibility/2006" xmlns:mv="urn:schemas-microsoft-com:mac:vml" xmlns:p="http://schemas.openxmlformats.org/presentationml/2006/main" xmlns:c="http://schemas.openxmlformats.org/drawingml/2006/chart" xmlns:dgm="http://schemas.openxmlformats.org/drawingml/2006/diagram" xmlns:o="urn:schemas-microsoft-com:office:office" xmlns:v="urn:schemas-microsoft-com:vml" xmlns:pvml="urn:schemas-microsoft-com:office:powerpoint" xmlns:com="http://schemas.openxmlformats.org/drawingml/2006/compatibility" xmlns:p14="http://schemas.microsoft.com/office/powerpoint/2010/main" xmlns:p15="http://schemas.microsoft.com/office/powerpoint/2012/main">
+<p:sld xmlns:a="http://schemas.openxmlformats.org/drawingml/2006/main" xmlns:r="http://schemas.openxmlformats.org/officeDocument/2006/relationships" xmlns:mc="http://schemas.openxmlformats.org/markup-compatibility/2006" xmlns:mv="urn:schemas-microsoft-com:mac:vml" xmlns:p="http://schemas.openxmlformats.org/presentationml/2006/main" xmlns:c="http://schemas.openxmlformats.org/drawingml/2006/chart" xmlns:dgm="http://schemas.openxmlformats.org/drawingml/2006/diagram" xmlns:o="urn:schemas-microsoft-com:office:office" xmlns:v="urn:schemas-microsoft-com:vml" xmlns:pvml="urn:schemas-microsoft-com:office:powerpoint" xmlns:com="http://schemas.openxmlformats.org/drawingml/2006/compatibility" xmlns:p14="http://schemas.microsoft.com/office/powerpoint/2010/main" xmlns:p15="http://schemas.microsoft.com/office/powerpoint/2012/main" xmlns:ahyp="http://schemas.microsoft.com/office/drawing/2018/hyperlinkcolor">
   <p:cSld>
     <p:spTree>
       <p:nvGrpSpPr>
@@ -34891,7 +34915,7 @@
 </file>
 
 <file path=ppt/slides/slide33.xml><?xml version="1.0" encoding="utf-8"?>
-<p:sld xmlns:a="http://schemas.openxmlformats.org/drawingml/2006/main" xmlns:r="http://schemas.openxmlformats.org/officeDocument/2006/relationships" xmlns:mc="http://schemas.openxmlformats.org/markup-compatibility/2006" xmlns:mv="urn:schemas-microsoft-com:mac:vml" xmlns:p="http://schemas.openxmlformats.org/presentationml/2006/main" xmlns:c="http://schemas.openxmlformats.org/drawingml/2006/chart" xmlns:dgm="http://schemas.openxmlformats.org/drawingml/2006/diagram" xmlns:o="urn:schemas-microsoft-com:office:office" xmlns:v="urn:schemas-microsoft-com:vml" xmlns:pvml="urn:schemas-microsoft-com:office:powerpoint" xmlns:com="http://schemas.openxmlformats.org/drawingml/2006/compatibility" xmlns:p14="http://schemas.microsoft.com/office/powerpoint/2010/main" xmlns:p15="http://schemas.microsoft.com/office/powerpoint/2012/main">
+<p:sld xmlns:a="http://schemas.openxmlformats.org/drawingml/2006/main" xmlns:r="http://schemas.openxmlformats.org/officeDocument/2006/relationships" xmlns:mc="http://schemas.openxmlformats.org/markup-compatibility/2006" xmlns:mv="urn:schemas-microsoft-com:mac:vml" xmlns:p="http://schemas.openxmlformats.org/presentationml/2006/main" xmlns:c="http://schemas.openxmlformats.org/drawingml/2006/chart" xmlns:dgm="http://schemas.openxmlformats.org/drawingml/2006/diagram" xmlns:o="urn:schemas-microsoft-com:office:office" xmlns:v="urn:schemas-microsoft-com:vml" xmlns:pvml="urn:schemas-microsoft-com:office:powerpoint" xmlns:com="http://schemas.openxmlformats.org/drawingml/2006/compatibility" xmlns:p14="http://schemas.microsoft.com/office/powerpoint/2010/main" xmlns:p15="http://schemas.microsoft.com/office/powerpoint/2012/main" xmlns:ahyp="http://schemas.microsoft.com/office/drawing/2018/hyperlinkcolor">
   <p:cSld>
     <p:spTree>
       <p:nvGrpSpPr>
@@ -35060,7 +35084,7 @@
 </file>
 
 <file path=ppt/slides/slide34.xml><?xml version="1.0" encoding="utf-8"?>
-<p:sld xmlns:a="http://schemas.openxmlformats.org/drawingml/2006/main" xmlns:r="http://schemas.openxmlformats.org/officeDocument/2006/relationships" xmlns:mc="http://schemas.openxmlformats.org/markup-compatibility/2006" xmlns:mv="urn:schemas-microsoft-com:mac:vml" xmlns:p="http://schemas.openxmlformats.org/presentationml/2006/main" xmlns:c="http://schemas.openxmlformats.org/drawingml/2006/chart" xmlns:dgm="http://schemas.openxmlformats.org/drawingml/2006/diagram" xmlns:o="urn:schemas-microsoft-com:office:office" xmlns:v="urn:schemas-microsoft-com:vml" xmlns:pvml="urn:schemas-microsoft-com:office:powerpoint" xmlns:com="http://schemas.openxmlformats.org/drawingml/2006/compatibility" xmlns:p14="http://schemas.microsoft.com/office/powerpoint/2010/main" xmlns:p15="http://schemas.microsoft.com/office/powerpoint/2012/main">
+<p:sld xmlns:a="http://schemas.openxmlformats.org/drawingml/2006/main" xmlns:r="http://schemas.openxmlformats.org/officeDocument/2006/relationships" xmlns:mc="http://schemas.openxmlformats.org/markup-compatibility/2006" xmlns:mv="urn:schemas-microsoft-com:mac:vml" xmlns:p="http://schemas.openxmlformats.org/presentationml/2006/main" xmlns:c="http://schemas.openxmlformats.org/drawingml/2006/chart" xmlns:dgm="http://schemas.openxmlformats.org/drawingml/2006/diagram" xmlns:o="urn:schemas-microsoft-com:office:office" xmlns:v="urn:schemas-microsoft-com:vml" xmlns:pvml="urn:schemas-microsoft-com:office:powerpoint" xmlns:com="http://schemas.openxmlformats.org/drawingml/2006/compatibility" xmlns:p14="http://schemas.microsoft.com/office/powerpoint/2010/main" xmlns:p15="http://schemas.microsoft.com/office/powerpoint/2012/main" xmlns:ahyp="http://schemas.microsoft.com/office/drawing/2018/hyperlinkcolor">
   <p:cSld>
     <p:spTree>
       <p:nvGrpSpPr>
@@ -35323,7 +35347,7 @@
 </file>
 
 <file path=ppt/slides/slide35.xml><?xml version="1.0" encoding="utf-8"?>
-<p:sld xmlns:a="http://schemas.openxmlformats.org/drawingml/2006/main" xmlns:r="http://schemas.openxmlformats.org/officeDocument/2006/relationships" xmlns:mc="http://schemas.openxmlformats.org/markup-compatibility/2006" xmlns:mv="urn:schemas-microsoft-com:mac:vml" xmlns:p="http://schemas.openxmlformats.org/presentationml/2006/main" xmlns:c="http://schemas.openxmlformats.org/drawingml/2006/chart" xmlns:dgm="http://schemas.openxmlformats.org/drawingml/2006/diagram" xmlns:o="urn:schemas-microsoft-com:office:office" xmlns:v="urn:schemas-microsoft-com:vml" xmlns:pvml="urn:schemas-microsoft-com:office:powerpoint" xmlns:com="http://schemas.openxmlformats.org/drawingml/2006/compatibility" xmlns:p14="http://schemas.microsoft.com/office/powerpoint/2010/main" xmlns:p15="http://schemas.microsoft.com/office/powerpoint/2012/main">
+<p:sld xmlns:a="http://schemas.openxmlformats.org/drawingml/2006/main" xmlns:r="http://schemas.openxmlformats.org/officeDocument/2006/relationships" xmlns:mc="http://schemas.openxmlformats.org/markup-compatibility/2006" xmlns:mv="urn:schemas-microsoft-com:mac:vml" xmlns:p="http://schemas.openxmlformats.org/presentationml/2006/main" xmlns:c="http://schemas.openxmlformats.org/drawingml/2006/chart" xmlns:dgm="http://schemas.openxmlformats.org/drawingml/2006/diagram" xmlns:o="urn:schemas-microsoft-com:office:office" xmlns:v="urn:schemas-microsoft-com:vml" xmlns:pvml="urn:schemas-microsoft-com:office:powerpoint" xmlns:com="http://schemas.openxmlformats.org/drawingml/2006/compatibility" xmlns:p14="http://schemas.microsoft.com/office/powerpoint/2010/main" xmlns:p15="http://schemas.microsoft.com/office/powerpoint/2012/main" xmlns:ahyp="http://schemas.microsoft.com/office/drawing/2018/hyperlinkcolor">
   <p:cSld>
     <p:spTree>
       <p:nvGrpSpPr>
@@ -35841,7 +35865,7 @@
 </file>
 
 <file path=ppt/slides/slide36.xml><?xml version="1.0" encoding="utf-8"?>
-<p:sld xmlns:a="http://schemas.openxmlformats.org/drawingml/2006/main" xmlns:r="http://schemas.openxmlformats.org/officeDocument/2006/relationships" xmlns:mc="http://schemas.openxmlformats.org/markup-compatibility/2006" xmlns:mv="urn:schemas-microsoft-com:mac:vml" xmlns:p="http://schemas.openxmlformats.org/presentationml/2006/main" xmlns:c="http://schemas.openxmlformats.org/drawingml/2006/chart" xmlns:dgm="http://schemas.openxmlformats.org/drawingml/2006/diagram" xmlns:o="urn:schemas-microsoft-com:office:office" xmlns:v="urn:schemas-microsoft-com:vml" xmlns:pvml="urn:schemas-microsoft-com:office:powerpoint" xmlns:com="http://schemas.openxmlformats.org/drawingml/2006/compatibility" xmlns:p14="http://schemas.microsoft.com/office/powerpoint/2010/main" xmlns:p15="http://schemas.microsoft.com/office/powerpoint/2012/main">
+<p:sld xmlns:a="http://schemas.openxmlformats.org/drawingml/2006/main" xmlns:r="http://schemas.openxmlformats.org/officeDocument/2006/relationships" xmlns:mc="http://schemas.openxmlformats.org/markup-compatibility/2006" xmlns:mv="urn:schemas-microsoft-com:mac:vml" xmlns:p="http://schemas.openxmlformats.org/presentationml/2006/main" xmlns:c="http://schemas.openxmlformats.org/drawingml/2006/chart" xmlns:dgm="http://schemas.openxmlformats.org/drawingml/2006/diagram" xmlns:o="urn:schemas-microsoft-com:office:office" xmlns:v="urn:schemas-microsoft-com:vml" xmlns:pvml="urn:schemas-microsoft-com:office:powerpoint" xmlns:com="http://schemas.openxmlformats.org/drawingml/2006/compatibility" xmlns:p14="http://schemas.microsoft.com/office/powerpoint/2010/main" xmlns:p15="http://schemas.microsoft.com/office/powerpoint/2012/main" xmlns:ahyp="http://schemas.microsoft.com/office/drawing/2018/hyperlinkcolor">
   <p:cSld>
     <p:spTree>
       <p:nvGrpSpPr>
@@ -36076,7 +36100,7 @@
 </file>
 
 <file path=ppt/slides/slide37.xml><?xml version="1.0" encoding="utf-8"?>
-<p:sld xmlns:a="http://schemas.openxmlformats.org/drawingml/2006/main" xmlns:r="http://schemas.openxmlformats.org/officeDocument/2006/relationships" xmlns:mc="http://schemas.openxmlformats.org/markup-compatibility/2006" xmlns:mv="urn:schemas-microsoft-com:mac:vml" xmlns:p="http://schemas.openxmlformats.org/presentationml/2006/main" xmlns:c="http://schemas.openxmlformats.org/drawingml/2006/chart" xmlns:dgm="http://schemas.openxmlformats.org/drawingml/2006/diagram" xmlns:o="urn:schemas-microsoft-com:office:office" xmlns:v="urn:schemas-microsoft-com:vml" xmlns:pvml="urn:schemas-microsoft-com:office:powerpoint" xmlns:com="http://schemas.openxmlformats.org/drawingml/2006/compatibility" xmlns:p14="http://schemas.microsoft.com/office/powerpoint/2010/main" xmlns:p15="http://schemas.microsoft.com/office/powerpoint/2012/main">
+<p:sld xmlns:a="http://schemas.openxmlformats.org/drawingml/2006/main" xmlns:r="http://schemas.openxmlformats.org/officeDocument/2006/relationships" xmlns:mc="http://schemas.openxmlformats.org/markup-compatibility/2006" xmlns:mv="urn:schemas-microsoft-com:mac:vml" xmlns:p="http://schemas.openxmlformats.org/presentationml/2006/main" xmlns:c="http://schemas.openxmlformats.org/drawingml/2006/chart" xmlns:dgm="http://schemas.openxmlformats.org/drawingml/2006/diagram" xmlns:o="urn:schemas-microsoft-com:office:office" xmlns:v="urn:schemas-microsoft-com:vml" xmlns:pvml="urn:schemas-microsoft-com:office:powerpoint" xmlns:com="http://schemas.openxmlformats.org/drawingml/2006/compatibility" xmlns:p14="http://schemas.microsoft.com/office/powerpoint/2010/main" xmlns:p15="http://schemas.microsoft.com/office/powerpoint/2012/main" xmlns:ahyp="http://schemas.microsoft.com/office/drawing/2018/hyperlinkcolor">
   <p:cSld>
     <p:spTree>
       <p:nvGrpSpPr>
@@ -36266,7 +36290,7 @@
 </file>
 
 <file path=ppt/slides/slide38.xml><?xml version="1.0" encoding="utf-8"?>
-<p:sld xmlns:a="http://schemas.openxmlformats.org/drawingml/2006/main" xmlns:r="http://schemas.openxmlformats.org/officeDocument/2006/relationships" xmlns:mc="http://schemas.openxmlformats.org/markup-compatibility/2006" xmlns:mv="urn:schemas-microsoft-com:mac:vml" xmlns:p="http://schemas.openxmlformats.org/presentationml/2006/main" xmlns:c="http://schemas.openxmlformats.org/drawingml/2006/chart" xmlns:dgm="http://schemas.openxmlformats.org/drawingml/2006/diagram" xmlns:o="urn:schemas-microsoft-com:office:office" xmlns:v="urn:schemas-microsoft-com:vml" xmlns:pvml="urn:schemas-microsoft-com:office:powerpoint" xmlns:com="http://schemas.openxmlformats.org/drawingml/2006/compatibility" xmlns:p14="http://schemas.microsoft.com/office/powerpoint/2010/main" xmlns:p15="http://schemas.microsoft.com/office/powerpoint/2012/main">
+<p:sld xmlns:a="http://schemas.openxmlformats.org/drawingml/2006/main" xmlns:r="http://schemas.openxmlformats.org/officeDocument/2006/relationships" xmlns:mc="http://schemas.openxmlformats.org/markup-compatibility/2006" xmlns:mv="urn:schemas-microsoft-com:mac:vml" xmlns:p="http://schemas.openxmlformats.org/presentationml/2006/main" xmlns:c="http://schemas.openxmlformats.org/drawingml/2006/chart" xmlns:dgm="http://schemas.openxmlformats.org/drawingml/2006/diagram" xmlns:o="urn:schemas-microsoft-com:office:office" xmlns:v="urn:schemas-microsoft-com:vml" xmlns:pvml="urn:schemas-microsoft-com:office:powerpoint" xmlns:com="http://schemas.openxmlformats.org/drawingml/2006/compatibility" xmlns:p14="http://schemas.microsoft.com/office/powerpoint/2010/main" xmlns:p15="http://schemas.microsoft.com/office/powerpoint/2012/main" xmlns:ahyp="http://schemas.microsoft.com/office/drawing/2018/hyperlinkcolor">
   <p:cSld>
     <p:spTree>
       <p:nvGrpSpPr>
@@ -36508,7 +36532,7 @@
 </file>
 
 <file path=ppt/slides/slide39.xml><?xml version="1.0" encoding="utf-8"?>
-<p:sld xmlns:a="http://schemas.openxmlformats.org/drawingml/2006/main" xmlns:r="http://schemas.openxmlformats.org/officeDocument/2006/relationships" xmlns:mc="http://schemas.openxmlformats.org/markup-compatibility/2006" xmlns:mv="urn:schemas-microsoft-com:mac:vml" xmlns:p="http://schemas.openxmlformats.org/presentationml/2006/main" xmlns:c="http://schemas.openxmlformats.org/drawingml/2006/chart" xmlns:dgm="http://schemas.openxmlformats.org/drawingml/2006/diagram" xmlns:o="urn:schemas-microsoft-com:office:office" xmlns:v="urn:schemas-microsoft-com:vml" xmlns:pvml="urn:schemas-microsoft-com:office:powerpoint" xmlns:com="http://schemas.openxmlformats.org/drawingml/2006/compatibility" xmlns:p14="http://schemas.microsoft.com/office/powerpoint/2010/main" xmlns:p15="http://schemas.microsoft.com/office/powerpoint/2012/main">
+<p:sld xmlns:a="http://schemas.openxmlformats.org/drawingml/2006/main" xmlns:r="http://schemas.openxmlformats.org/officeDocument/2006/relationships" xmlns:mc="http://schemas.openxmlformats.org/markup-compatibility/2006" xmlns:mv="urn:schemas-microsoft-com:mac:vml" xmlns:p="http://schemas.openxmlformats.org/presentationml/2006/main" xmlns:c="http://schemas.openxmlformats.org/drawingml/2006/chart" xmlns:dgm="http://schemas.openxmlformats.org/drawingml/2006/diagram" xmlns:o="urn:schemas-microsoft-com:office:office" xmlns:v="urn:schemas-microsoft-com:vml" xmlns:pvml="urn:schemas-microsoft-com:office:powerpoint" xmlns:com="http://schemas.openxmlformats.org/drawingml/2006/compatibility" xmlns:p14="http://schemas.microsoft.com/office/powerpoint/2010/main" xmlns:p15="http://schemas.microsoft.com/office/powerpoint/2012/main" xmlns:ahyp="http://schemas.microsoft.com/office/drawing/2018/hyperlinkcolor">
   <p:cSld>
     <p:spTree>
       <p:nvGrpSpPr>
@@ -36708,7 +36732,7 @@
 </file>
 
 <file path=ppt/slides/slide4.xml><?xml version="1.0" encoding="utf-8"?>
-<p:sld xmlns:a="http://schemas.openxmlformats.org/drawingml/2006/main" xmlns:r="http://schemas.openxmlformats.org/officeDocument/2006/relationships" xmlns:mc="http://schemas.openxmlformats.org/markup-compatibility/2006" xmlns:mv="urn:schemas-microsoft-com:mac:vml" xmlns:p="http://schemas.openxmlformats.org/presentationml/2006/main" xmlns:c="http://schemas.openxmlformats.org/drawingml/2006/chart" xmlns:dgm="http://schemas.openxmlformats.org/drawingml/2006/diagram" xmlns:o="urn:schemas-microsoft-com:office:office" xmlns:v="urn:schemas-microsoft-com:vml" xmlns:pvml="urn:schemas-microsoft-com:office:powerpoint" xmlns:com="http://schemas.openxmlformats.org/drawingml/2006/compatibility" xmlns:p14="http://schemas.microsoft.com/office/powerpoint/2010/main" xmlns:p15="http://schemas.microsoft.com/office/powerpoint/2012/main">
+<p:sld xmlns:a="http://schemas.openxmlformats.org/drawingml/2006/main" xmlns:r="http://schemas.openxmlformats.org/officeDocument/2006/relationships" xmlns:mc="http://schemas.openxmlformats.org/markup-compatibility/2006" xmlns:mv="urn:schemas-microsoft-com:mac:vml" xmlns:p="http://schemas.openxmlformats.org/presentationml/2006/main" xmlns:c="http://schemas.openxmlformats.org/drawingml/2006/chart" xmlns:dgm="http://schemas.openxmlformats.org/drawingml/2006/diagram" xmlns:o="urn:schemas-microsoft-com:office:office" xmlns:v="urn:schemas-microsoft-com:vml" xmlns:pvml="urn:schemas-microsoft-com:office:powerpoint" xmlns:com="http://schemas.openxmlformats.org/drawingml/2006/compatibility" xmlns:p14="http://schemas.microsoft.com/office/powerpoint/2010/main" xmlns:p15="http://schemas.microsoft.com/office/powerpoint/2012/main" xmlns:ahyp="http://schemas.microsoft.com/office/drawing/2018/hyperlinkcolor">
   <p:cSld>
     <p:spTree>
       <p:nvGrpSpPr>
@@ -37563,7 +37587,7 @@
 </file>
 
 <file path=ppt/slides/slide40.xml><?xml version="1.0" encoding="utf-8"?>
-<p:sld xmlns:a="http://schemas.openxmlformats.org/drawingml/2006/main" xmlns:r="http://schemas.openxmlformats.org/officeDocument/2006/relationships" xmlns:mc="http://schemas.openxmlformats.org/markup-compatibility/2006" xmlns:mv="urn:schemas-microsoft-com:mac:vml" xmlns:p="http://schemas.openxmlformats.org/presentationml/2006/main" xmlns:c="http://schemas.openxmlformats.org/drawingml/2006/chart" xmlns:dgm="http://schemas.openxmlformats.org/drawingml/2006/diagram" xmlns:o="urn:schemas-microsoft-com:office:office" xmlns:v="urn:schemas-microsoft-com:vml" xmlns:pvml="urn:schemas-microsoft-com:office:powerpoint" xmlns:com="http://schemas.openxmlformats.org/drawingml/2006/compatibility" xmlns:p14="http://schemas.microsoft.com/office/powerpoint/2010/main" xmlns:p15="http://schemas.microsoft.com/office/powerpoint/2012/main">
+<p:sld xmlns:a="http://schemas.openxmlformats.org/drawingml/2006/main" xmlns:r="http://schemas.openxmlformats.org/officeDocument/2006/relationships" xmlns:mc="http://schemas.openxmlformats.org/markup-compatibility/2006" xmlns:mv="urn:schemas-microsoft-com:mac:vml" xmlns:p="http://schemas.openxmlformats.org/presentationml/2006/main" xmlns:c="http://schemas.openxmlformats.org/drawingml/2006/chart" xmlns:dgm="http://schemas.openxmlformats.org/drawingml/2006/diagram" xmlns:o="urn:schemas-microsoft-com:office:office" xmlns:v="urn:schemas-microsoft-com:vml" xmlns:pvml="urn:schemas-microsoft-com:office:powerpoint" xmlns:com="http://schemas.openxmlformats.org/drawingml/2006/compatibility" xmlns:p14="http://schemas.microsoft.com/office/powerpoint/2010/main" xmlns:p15="http://schemas.microsoft.com/office/powerpoint/2012/main" xmlns:ahyp="http://schemas.microsoft.com/office/drawing/2018/hyperlinkcolor">
   <p:cSld>
     <p:spTree>
       <p:nvGrpSpPr>
@@ -37826,7 +37850,7 @@
 </file>
 
 <file path=ppt/slides/slide41.xml><?xml version="1.0" encoding="utf-8"?>
-<p:sld xmlns:a="http://schemas.openxmlformats.org/drawingml/2006/main" xmlns:r="http://schemas.openxmlformats.org/officeDocument/2006/relationships" xmlns:mc="http://schemas.openxmlformats.org/markup-compatibility/2006" xmlns:mv="urn:schemas-microsoft-com:mac:vml" xmlns:p="http://schemas.openxmlformats.org/presentationml/2006/main" xmlns:c="http://schemas.openxmlformats.org/drawingml/2006/chart" xmlns:dgm="http://schemas.openxmlformats.org/drawingml/2006/diagram" xmlns:o="urn:schemas-microsoft-com:office:office" xmlns:v="urn:schemas-microsoft-com:vml" xmlns:pvml="urn:schemas-microsoft-com:office:powerpoint" xmlns:com="http://schemas.openxmlformats.org/drawingml/2006/compatibility" xmlns:p14="http://schemas.microsoft.com/office/powerpoint/2010/main" xmlns:p15="http://schemas.microsoft.com/office/powerpoint/2012/main">
+<p:sld xmlns:a="http://schemas.openxmlformats.org/drawingml/2006/main" xmlns:r="http://schemas.openxmlformats.org/officeDocument/2006/relationships" xmlns:mc="http://schemas.openxmlformats.org/markup-compatibility/2006" xmlns:mv="urn:schemas-microsoft-com:mac:vml" xmlns:p="http://schemas.openxmlformats.org/presentationml/2006/main" xmlns:c="http://schemas.openxmlformats.org/drawingml/2006/chart" xmlns:dgm="http://schemas.openxmlformats.org/drawingml/2006/diagram" xmlns:o="urn:schemas-microsoft-com:office:office" xmlns:v="urn:schemas-microsoft-com:vml" xmlns:pvml="urn:schemas-microsoft-com:office:powerpoint" xmlns:com="http://schemas.openxmlformats.org/drawingml/2006/compatibility" xmlns:p14="http://schemas.microsoft.com/office/powerpoint/2010/main" xmlns:p15="http://schemas.microsoft.com/office/powerpoint/2012/main" xmlns:ahyp="http://schemas.microsoft.com/office/drawing/2018/hyperlinkcolor">
   <p:cSld>
     <p:spTree>
       <p:nvGrpSpPr>
@@ -37927,7 +37951,7 @@
 </file>
 
 <file path=ppt/slides/slide42.xml><?xml version="1.0" encoding="utf-8"?>
-<p:sld xmlns:a="http://schemas.openxmlformats.org/drawingml/2006/main" xmlns:r="http://schemas.openxmlformats.org/officeDocument/2006/relationships" xmlns:mc="http://schemas.openxmlformats.org/markup-compatibility/2006" xmlns:mv="urn:schemas-microsoft-com:mac:vml" xmlns:p="http://schemas.openxmlformats.org/presentationml/2006/main" xmlns:c="http://schemas.openxmlformats.org/drawingml/2006/chart" xmlns:dgm="http://schemas.openxmlformats.org/drawingml/2006/diagram" xmlns:o="urn:schemas-microsoft-com:office:office" xmlns:v="urn:schemas-microsoft-com:vml" xmlns:pvml="urn:schemas-microsoft-com:office:powerpoint" xmlns:com="http://schemas.openxmlformats.org/drawingml/2006/compatibility" xmlns:p14="http://schemas.microsoft.com/office/powerpoint/2010/main" xmlns:p15="http://schemas.microsoft.com/office/powerpoint/2012/main">
+<p:sld xmlns:a="http://schemas.openxmlformats.org/drawingml/2006/main" xmlns:r="http://schemas.openxmlformats.org/officeDocument/2006/relationships" xmlns:mc="http://schemas.openxmlformats.org/markup-compatibility/2006" xmlns:mv="urn:schemas-microsoft-com:mac:vml" xmlns:p="http://schemas.openxmlformats.org/presentationml/2006/main" xmlns:c="http://schemas.openxmlformats.org/drawingml/2006/chart" xmlns:dgm="http://schemas.openxmlformats.org/drawingml/2006/diagram" xmlns:o="urn:schemas-microsoft-com:office:office" xmlns:v="urn:schemas-microsoft-com:vml" xmlns:pvml="urn:schemas-microsoft-com:office:powerpoint" xmlns:com="http://schemas.openxmlformats.org/drawingml/2006/compatibility" xmlns:p14="http://schemas.microsoft.com/office/powerpoint/2010/main" xmlns:p15="http://schemas.microsoft.com/office/powerpoint/2012/main" xmlns:ahyp="http://schemas.microsoft.com/office/drawing/2018/hyperlinkcolor">
   <p:cSld>
     <p:spTree>
       <p:nvGrpSpPr>
@@ -38001,7 +38025,7 @@
 </file>
 
 <file path=ppt/slides/slide43.xml><?xml version="1.0" encoding="utf-8"?>
-<p:sld xmlns:a="http://schemas.openxmlformats.org/drawingml/2006/main" xmlns:r="http://schemas.openxmlformats.org/officeDocument/2006/relationships" xmlns:mc="http://schemas.openxmlformats.org/markup-compatibility/2006" xmlns:mv="urn:schemas-microsoft-com:mac:vml" xmlns:p="http://schemas.openxmlformats.org/presentationml/2006/main" xmlns:c="http://schemas.openxmlformats.org/drawingml/2006/chart" xmlns:dgm="http://schemas.openxmlformats.org/drawingml/2006/diagram" xmlns:o="urn:schemas-microsoft-com:office:office" xmlns:v="urn:schemas-microsoft-com:vml" xmlns:pvml="urn:schemas-microsoft-com:office:powerpoint" xmlns:com="http://schemas.openxmlformats.org/drawingml/2006/compatibility" xmlns:p14="http://schemas.microsoft.com/office/powerpoint/2010/main" xmlns:p15="http://schemas.microsoft.com/office/powerpoint/2012/main">
+<p:sld xmlns:a="http://schemas.openxmlformats.org/drawingml/2006/main" xmlns:r="http://schemas.openxmlformats.org/officeDocument/2006/relationships" xmlns:mc="http://schemas.openxmlformats.org/markup-compatibility/2006" xmlns:mv="urn:schemas-microsoft-com:mac:vml" xmlns:p="http://schemas.openxmlformats.org/presentationml/2006/main" xmlns:c="http://schemas.openxmlformats.org/drawingml/2006/chart" xmlns:dgm="http://schemas.openxmlformats.org/drawingml/2006/diagram" xmlns:o="urn:schemas-microsoft-com:office:office" xmlns:v="urn:schemas-microsoft-com:vml" xmlns:pvml="urn:schemas-microsoft-com:office:powerpoint" xmlns:com="http://schemas.openxmlformats.org/drawingml/2006/compatibility" xmlns:p14="http://schemas.microsoft.com/office/powerpoint/2010/main" xmlns:p15="http://schemas.microsoft.com/office/powerpoint/2012/main" xmlns:ahyp="http://schemas.microsoft.com/office/drawing/2018/hyperlinkcolor">
   <p:cSld>
     <p:spTree>
       <p:nvGrpSpPr>
@@ -38183,7 +38207,7 @@
 </file>
 
 <file path=ppt/slides/slide44.xml><?xml version="1.0" encoding="utf-8"?>
-<p:sld xmlns:a="http://schemas.openxmlformats.org/drawingml/2006/main" xmlns:r="http://schemas.openxmlformats.org/officeDocument/2006/relationships" xmlns:mc="http://schemas.openxmlformats.org/markup-compatibility/2006" xmlns:mv="urn:schemas-microsoft-com:mac:vml" xmlns:p="http://schemas.openxmlformats.org/presentationml/2006/main" xmlns:c="http://schemas.openxmlformats.org/drawingml/2006/chart" xmlns:dgm="http://schemas.openxmlformats.org/drawingml/2006/diagram" xmlns:o="urn:schemas-microsoft-com:office:office" xmlns:v="urn:schemas-microsoft-com:vml" xmlns:pvml="urn:schemas-microsoft-com:office:powerpoint" xmlns:com="http://schemas.openxmlformats.org/drawingml/2006/compatibility" xmlns:p14="http://schemas.microsoft.com/office/powerpoint/2010/main" xmlns:p15="http://schemas.microsoft.com/office/powerpoint/2012/main">
+<p:sld xmlns:a="http://schemas.openxmlformats.org/drawingml/2006/main" xmlns:r="http://schemas.openxmlformats.org/officeDocument/2006/relationships" xmlns:mc="http://schemas.openxmlformats.org/markup-compatibility/2006" xmlns:mv="urn:schemas-microsoft-com:mac:vml" xmlns:p="http://schemas.openxmlformats.org/presentationml/2006/main" xmlns:c="http://schemas.openxmlformats.org/drawingml/2006/chart" xmlns:dgm="http://schemas.openxmlformats.org/drawingml/2006/diagram" xmlns:o="urn:schemas-microsoft-com:office:office" xmlns:v="urn:schemas-microsoft-com:vml" xmlns:pvml="urn:schemas-microsoft-com:office:powerpoint" xmlns:com="http://schemas.openxmlformats.org/drawingml/2006/compatibility" xmlns:p14="http://schemas.microsoft.com/office/powerpoint/2010/main" xmlns:p15="http://schemas.microsoft.com/office/powerpoint/2012/main" xmlns:ahyp="http://schemas.microsoft.com/office/drawing/2018/hyperlinkcolor">
   <p:cSld>
     <p:spTree>
       <p:nvGrpSpPr>
@@ -38323,7 +38347,7 @@
 </file>
 
 <file path=ppt/slides/slide45.xml><?xml version="1.0" encoding="utf-8"?>
-<p:sld xmlns:a="http://schemas.openxmlformats.org/drawingml/2006/main" xmlns:r="http://schemas.openxmlformats.org/officeDocument/2006/relationships" xmlns:mc="http://schemas.openxmlformats.org/markup-compatibility/2006" xmlns:mv="urn:schemas-microsoft-com:mac:vml" xmlns:p="http://schemas.openxmlformats.org/presentationml/2006/main" xmlns:c="http://schemas.openxmlformats.org/drawingml/2006/chart" xmlns:dgm="http://schemas.openxmlformats.org/drawingml/2006/diagram" xmlns:o="urn:schemas-microsoft-com:office:office" xmlns:v="urn:schemas-microsoft-com:vml" xmlns:pvml="urn:schemas-microsoft-com:office:powerpoint" xmlns:com="http://schemas.openxmlformats.org/drawingml/2006/compatibility" xmlns:p14="http://schemas.microsoft.com/office/powerpoint/2010/main" xmlns:p15="http://schemas.microsoft.com/office/powerpoint/2012/main">
+<p:sld xmlns:a="http://schemas.openxmlformats.org/drawingml/2006/main" xmlns:r="http://schemas.openxmlformats.org/officeDocument/2006/relationships" xmlns:mc="http://schemas.openxmlformats.org/markup-compatibility/2006" xmlns:mv="urn:schemas-microsoft-com:mac:vml" xmlns:p="http://schemas.openxmlformats.org/presentationml/2006/main" xmlns:c="http://schemas.openxmlformats.org/drawingml/2006/chart" xmlns:dgm="http://schemas.openxmlformats.org/drawingml/2006/diagram" xmlns:o="urn:schemas-microsoft-com:office:office" xmlns:v="urn:schemas-microsoft-com:vml" xmlns:pvml="urn:schemas-microsoft-com:office:powerpoint" xmlns:com="http://schemas.openxmlformats.org/drawingml/2006/compatibility" xmlns:p14="http://schemas.microsoft.com/office/powerpoint/2010/main" xmlns:p15="http://schemas.microsoft.com/office/powerpoint/2012/main" xmlns:ahyp="http://schemas.microsoft.com/office/drawing/2018/hyperlinkcolor">
   <p:cSld>
     <p:spTree>
       <p:nvGrpSpPr>
@@ -38953,7 +38977,7 @@
 </file>
 
 <file path=ppt/slides/slide46.xml><?xml version="1.0" encoding="utf-8"?>
-<p:sld xmlns:a="http://schemas.openxmlformats.org/drawingml/2006/main" xmlns:r="http://schemas.openxmlformats.org/officeDocument/2006/relationships" xmlns:mc="http://schemas.openxmlformats.org/markup-compatibility/2006" xmlns:mv="urn:schemas-microsoft-com:mac:vml" xmlns:p="http://schemas.openxmlformats.org/presentationml/2006/main" xmlns:c="http://schemas.openxmlformats.org/drawingml/2006/chart" xmlns:dgm="http://schemas.openxmlformats.org/drawingml/2006/diagram" xmlns:o="urn:schemas-microsoft-com:office:office" xmlns:v="urn:schemas-microsoft-com:vml" xmlns:pvml="urn:schemas-microsoft-com:office:powerpoint" xmlns:com="http://schemas.openxmlformats.org/drawingml/2006/compatibility" xmlns:p14="http://schemas.microsoft.com/office/powerpoint/2010/main" xmlns:p15="http://schemas.microsoft.com/office/powerpoint/2012/main">
+<p:sld xmlns:a="http://schemas.openxmlformats.org/drawingml/2006/main" xmlns:r="http://schemas.openxmlformats.org/officeDocument/2006/relationships" xmlns:mc="http://schemas.openxmlformats.org/markup-compatibility/2006" xmlns:mv="urn:schemas-microsoft-com:mac:vml" xmlns:p="http://schemas.openxmlformats.org/presentationml/2006/main" xmlns:c="http://schemas.openxmlformats.org/drawingml/2006/chart" xmlns:dgm="http://schemas.openxmlformats.org/drawingml/2006/diagram" xmlns:o="urn:schemas-microsoft-com:office:office" xmlns:v="urn:schemas-microsoft-com:vml" xmlns:pvml="urn:schemas-microsoft-com:office:powerpoint" xmlns:com="http://schemas.openxmlformats.org/drawingml/2006/compatibility" xmlns:p14="http://schemas.microsoft.com/office/powerpoint/2010/main" xmlns:p15="http://schemas.microsoft.com/office/powerpoint/2012/main" xmlns:ahyp="http://schemas.microsoft.com/office/drawing/2018/hyperlinkcolor">
   <p:cSld>
     <p:spTree>
       <p:nvGrpSpPr>
@@ -39215,7 +39239,7 @@
 </file>
 
 <file path=ppt/slides/slide47.xml><?xml version="1.0" encoding="utf-8"?>
-<p:sld xmlns:a="http://schemas.openxmlformats.org/drawingml/2006/main" xmlns:r="http://schemas.openxmlformats.org/officeDocument/2006/relationships" xmlns:mc="http://schemas.openxmlformats.org/markup-compatibility/2006" xmlns:mv="urn:schemas-microsoft-com:mac:vml" xmlns:p="http://schemas.openxmlformats.org/presentationml/2006/main" xmlns:c="http://schemas.openxmlformats.org/drawingml/2006/chart" xmlns:dgm="http://schemas.openxmlformats.org/drawingml/2006/diagram" xmlns:o="urn:schemas-microsoft-com:office:office" xmlns:v="urn:schemas-microsoft-com:vml" xmlns:pvml="urn:schemas-microsoft-com:office:powerpoint" xmlns:com="http://schemas.openxmlformats.org/drawingml/2006/compatibility" xmlns:p14="http://schemas.microsoft.com/office/powerpoint/2010/main" xmlns:p15="http://schemas.microsoft.com/office/powerpoint/2012/main">
+<p:sld xmlns:a="http://schemas.openxmlformats.org/drawingml/2006/main" xmlns:r="http://schemas.openxmlformats.org/officeDocument/2006/relationships" xmlns:mc="http://schemas.openxmlformats.org/markup-compatibility/2006" xmlns:mv="urn:schemas-microsoft-com:mac:vml" xmlns:p="http://schemas.openxmlformats.org/presentationml/2006/main" xmlns:c="http://schemas.openxmlformats.org/drawingml/2006/chart" xmlns:dgm="http://schemas.openxmlformats.org/drawingml/2006/diagram" xmlns:o="urn:schemas-microsoft-com:office:office" xmlns:v="urn:schemas-microsoft-com:vml" xmlns:pvml="urn:schemas-microsoft-com:office:powerpoint" xmlns:com="http://schemas.openxmlformats.org/drawingml/2006/compatibility" xmlns:p14="http://schemas.microsoft.com/office/powerpoint/2010/main" xmlns:p15="http://schemas.microsoft.com/office/powerpoint/2012/main" xmlns:ahyp="http://schemas.microsoft.com/office/drawing/2018/hyperlinkcolor">
   <p:cSld>
     <p:spTree>
       <p:nvGrpSpPr>
@@ -39501,7 +39525,7 @@
 </file>
 
 <file path=ppt/slides/slide48.xml><?xml version="1.0" encoding="utf-8"?>
-<p:sld xmlns:a="http://schemas.openxmlformats.org/drawingml/2006/main" xmlns:r="http://schemas.openxmlformats.org/officeDocument/2006/relationships" xmlns:mc="http://schemas.openxmlformats.org/markup-compatibility/2006" xmlns:mv="urn:schemas-microsoft-com:mac:vml" xmlns:p="http://schemas.openxmlformats.org/presentationml/2006/main" xmlns:c="http://schemas.openxmlformats.org/drawingml/2006/chart" xmlns:dgm="http://schemas.openxmlformats.org/drawingml/2006/diagram" xmlns:o="urn:schemas-microsoft-com:office:office" xmlns:v="urn:schemas-microsoft-com:vml" xmlns:pvml="urn:schemas-microsoft-com:office:powerpoint" xmlns:com="http://schemas.openxmlformats.org/drawingml/2006/compatibility" xmlns:p14="http://schemas.microsoft.com/office/powerpoint/2010/main" xmlns:p15="http://schemas.microsoft.com/office/powerpoint/2012/main">
+<p:sld xmlns:a="http://schemas.openxmlformats.org/drawingml/2006/main" xmlns:r="http://schemas.openxmlformats.org/officeDocument/2006/relationships" xmlns:mc="http://schemas.openxmlformats.org/markup-compatibility/2006" xmlns:mv="urn:schemas-microsoft-com:mac:vml" xmlns:p="http://schemas.openxmlformats.org/presentationml/2006/main" xmlns:c="http://schemas.openxmlformats.org/drawingml/2006/chart" xmlns:dgm="http://schemas.openxmlformats.org/drawingml/2006/diagram" xmlns:o="urn:schemas-microsoft-com:office:office" xmlns:v="urn:schemas-microsoft-com:vml" xmlns:pvml="urn:schemas-microsoft-com:office:powerpoint" xmlns:com="http://schemas.openxmlformats.org/drawingml/2006/compatibility" xmlns:p14="http://schemas.microsoft.com/office/powerpoint/2010/main" xmlns:p15="http://schemas.microsoft.com/office/powerpoint/2012/main" xmlns:ahyp="http://schemas.microsoft.com/office/drawing/2018/hyperlinkcolor">
   <p:cSld>
     <p:spTree>
       <p:nvGrpSpPr>
@@ -39879,7 +39903,7 @@
 </file>
 
 <file path=ppt/slides/slide49.xml><?xml version="1.0" encoding="utf-8"?>
-<p:sld xmlns:a="http://schemas.openxmlformats.org/drawingml/2006/main" xmlns:r="http://schemas.openxmlformats.org/officeDocument/2006/relationships" xmlns:mc="http://schemas.openxmlformats.org/markup-compatibility/2006" xmlns:mv="urn:schemas-microsoft-com:mac:vml" xmlns:p="http://schemas.openxmlformats.org/presentationml/2006/main" xmlns:c="http://schemas.openxmlformats.org/drawingml/2006/chart" xmlns:dgm="http://schemas.openxmlformats.org/drawingml/2006/diagram" xmlns:o="urn:schemas-microsoft-com:office:office" xmlns:v="urn:schemas-microsoft-com:vml" xmlns:pvml="urn:schemas-microsoft-com:office:powerpoint" xmlns:com="http://schemas.openxmlformats.org/drawingml/2006/compatibility" xmlns:p14="http://schemas.microsoft.com/office/powerpoint/2010/main" xmlns:p15="http://schemas.microsoft.com/office/powerpoint/2012/main">
+<p:sld xmlns:a="http://schemas.openxmlformats.org/drawingml/2006/main" xmlns:r="http://schemas.openxmlformats.org/officeDocument/2006/relationships" xmlns:mc="http://schemas.openxmlformats.org/markup-compatibility/2006" xmlns:mv="urn:schemas-microsoft-com:mac:vml" xmlns:p="http://schemas.openxmlformats.org/presentationml/2006/main" xmlns:c="http://schemas.openxmlformats.org/drawingml/2006/chart" xmlns:dgm="http://schemas.openxmlformats.org/drawingml/2006/diagram" xmlns:o="urn:schemas-microsoft-com:office:office" xmlns:v="urn:schemas-microsoft-com:vml" xmlns:pvml="urn:schemas-microsoft-com:office:powerpoint" xmlns:com="http://schemas.openxmlformats.org/drawingml/2006/compatibility" xmlns:p14="http://schemas.microsoft.com/office/powerpoint/2010/main" xmlns:p15="http://schemas.microsoft.com/office/powerpoint/2012/main" xmlns:ahyp="http://schemas.microsoft.com/office/drawing/2018/hyperlinkcolor">
   <p:cSld>
     <p:spTree>
       <p:nvGrpSpPr>
@@ -40074,7 +40098,7 @@
 </file>
 
 <file path=ppt/slides/slide5.xml><?xml version="1.0" encoding="utf-8"?>
-<p:sld xmlns:a="http://schemas.openxmlformats.org/drawingml/2006/main" xmlns:r="http://schemas.openxmlformats.org/officeDocument/2006/relationships" xmlns:mc="http://schemas.openxmlformats.org/markup-compatibility/2006" xmlns:mv="urn:schemas-microsoft-com:mac:vml" xmlns:p="http://schemas.openxmlformats.org/presentationml/2006/main" xmlns:c="http://schemas.openxmlformats.org/drawingml/2006/chart" xmlns:dgm="http://schemas.openxmlformats.org/drawingml/2006/diagram" xmlns:o="urn:schemas-microsoft-com:office:office" xmlns:v="urn:schemas-microsoft-com:vml" xmlns:pvml="urn:schemas-microsoft-com:office:powerpoint" xmlns:com="http://schemas.openxmlformats.org/drawingml/2006/compatibility" xmlns:p14="http://schemas.microsoft.com/office/powerpoint/2010/main" xmlns:p15="http://schemas.microsoft.com/office/powerpoint/2012/main">
+<p:sld xmlns:a="http://schemas.openxmlformats.org/drawingml/2006/main" xmlns:r="http://schemas.openxmlformats.org/officeDocument/2006/relationships" xmlns:mc="http://schemas.openxmlformats.org/markup-compatibility/2006" xmlns:mv="urn:schemas-microsoft-com:mac:vml" xmlns:p="http://schemas.openxmlformats.org/presentationml/2006/main" xmlns:c="http://schemas.openxmlformats.org/drawingml/2006/chart" xmlns:dgm="http://schemas.openxmlformats.org/drawingml/2006/diagram" xmlns:o="urn:schemas-microsoft-com:office:office" xmlns:v="urn:schemas-microsoft-com:vml" xmlns:pvml="urn:schemas-microsoft-com:office:powerpoint" xmlns:com="http://schemas.openxmlformats.org/drawingml/2006/compatibility" xmlns:p14="http://schemas.microsoft.com/office/powerpoint/2010/main" xmlns:p15="http://schemas.microsoft.com/office/powerpoint/2012/main" xmlns:ahyp="http://schemas.microsoft.com/office/drawing/2018/hyperlinkcolor">
   <p:cSld>
     <p:spTree>
       <p:nvGrpSpPr>
@@ -40276,7 +40300,7 @@
 </file>
 
 <file path=ppt/slides/slide50.xml><?xml version="1.0" encoding="utf-8"?>
-<p:sld xmlns:a="http://schemas.openxmlformats.org/drawingml/2006/main" xmlns:r="http://schemas.openxmlformats.org/officeDocument/2006/relationships" xmlns:mc="http://schemas.openxmlformats.org/markup-compatibility/2006" xmlns:mv="urn:schemas-microsoft-com:mac:vml" xmlns:p="http://schemas.openxmlformats.org/presentationml/2006/main" xmlns:c="http://schemas.openxmlformats.org/drawingml/2006/chart" xmlns:dgm="http://schemas.openxmlformats.org/drawingml/2006/diagram" xmlns:o="urn:schemas-microsoft-com:office:office" xmlns:v="urn:schemas-microsoft-com:vml" xmlns:pvml="urn:schemas-microsoft-com:office:powerpoint" xmlns:com="http://schemas.openxmlformats.org/drawingml/2006/compatibility" xmlns:p14="http://schemas.microsoft.com/office/powerpoint/2010/main" xmlns:p15="http://schemas.microsoft.com/office/powerpoint/2012/main">
+<p:sld xmlns:a="http://schemas.openxmlformats.org/drawingml/2006/main" xmlns:r="http://schemas.openxmlformats.org/officeDocument/2006/relationships" xmlns:mc="http://schemas.openxmlformats.org/markup-compatibility/2006" xmlns:mv="urn:schemas-microsoft-com:mac:vml" xmlns:p="http://schemas.openxmlformats.org/presentationml/2006/main" xmlns:c="http://schemas.openxmlformats.org/drawingml/2006/chart" xmlns:dgm="http://schemas.openxmlformats.org/drawingml/2006/diagram" xmlns:o="urn:schemas-microsoft-com:office:office" xmlns:v="urn:schemas-microsoft-com:vml" xmlns:pvml="urn:schemas-microsoft-com:office:powerpoint" xmlns:com="http://schemas.openxmlformats.org/drawingml/2006/compatibility" xmlns:p14="http://schemas.microsoft.com/office/powerpoint/2010/main" xmlns:p15="http://schemas.microsoft.com/office/powerpoint/2012/main" xmlns:ahyp="http://schemas.microsoft.com/office/drawing/2018/hyperlinkcolor">
   <p:cSld>
     <p:spTree>
       <p:nvGrpSpPr>
@@ -40520,7 +40544,7 @@
 </file>
 
 <file path=ppt/slides/slide51.xml><?xml version="1.0" encoding="utf-8"?>
-<p:sld xmlns:a="http://schemas.openxmlformats.org/drawingml/2006/main" xmlns:r="http://schemas.openxmlformats.org/officeDocument/2006/relationships" xmlns:mc="http://schemas.openxmlformats.org/markup-compatibility/2006" xmlns:mv="urn:schemas-microsoft-com:mac:vml" xmlns:p="http://schemas.openxmlformats.org/presentationml/2006/main" xmlns:c="http://schemas.openxmlformats.org/drawingml/2006/chart" xmlns:dgm="http://schemas.openxmlformats.org/drawingml/2006/diagram" xmlns:o="urn:schemas-microsoft-com:office:office" xmlns:v="urn:schemas-microsoft-com:vml" xmlns:pvml="urn:schemas-microsoft-com:office:powerpoint" xmlns:com="http://schemas.openxmlformats.org/drawingml/2006/compatibility" xmlns:p14="http://schemas.microsoft.com/office/powerpoint/2010/main" xmlns:p15="http://schemas.microsoft.com/office/powerpoint/2012/main">
+<p:sld xmlns:a="http://schemas.openxmlformats.org/drawingml/2006/main" xmlns:r="http://schemas.openxmlformats.org/officeDocument/2006/relationships" xmlns:mc="http://schemas.openxmlformats.org/markup-compatibility/2006" xmlns:mv="urn:schemas-microsoft-com:mac:vml" xmlns:p="http://schemas.openxmlformats.org/presentationml/2006/main" xmlns:c="http://schemas.openxmlformats.org/drawingml/2006/chart" xmlns:dgm="http://schemas.openxmlformats.org/drawingml/2006/diagram" xmlns:o="urn:schemas-microsoft-com:office:office" xmlns:v="urn:schemas-microsoft-com:vml" xmlns:pvml="urn:schemas-microsoft-com:office:powerpoint" xmlns:com="http://schemas.openxmlformats.org/drawingml/2006/compatibility" xmlns:p14="http://schemas.microsoft.com/office/powerpoint/2010/main" xmlns:p15="http://schemas.microsoft.com/office/powerpoint/2012/main" xmlns:ahyp="http://schemas.microsoft.com/office/drawing/2018/hyperlinkcolor">
   <p:cSld>
     <p:spTree>
       <p:nvGrpSpPr>
@@ -40682,7 +40706,7 @@
 </file>
 
 <file path=ppt/slides/slide52.xml><?xml version="1.0" encoding="utf-8"?>
-<p:sld xmlns:a="http://schemas.openxmlformats.org/drawingml/2006/main" xmlns:r="http://schemas.openxmlformats.org/officeDocument/2006/relationships" xmlns:mc="http://schemas.openxmlformats.org/markup-compatibility/2006" xmlns:mv="urn:schemas-microsoft-com:mac:vml" xmlns:p="http://schemas.openxmlformats.org/presentationml/2006/main" xmlns:c="http://schemas.openxmlformats.org/drawingml/2006/chart" xmlns:dgm="http://schemas.openxmlformats.org/drawingml/2006/diagram" xmlns:o="urn:schemas-microsoft-com:office:office" xmlns:v="urn:schemas-microsoft-com:vml" xmlns:pvml="urn:schemas-microsoft-com:office:powerpoint" xmlns:com="http://schemas.openxmlformats.org/drawingml/2006/compatibility" xmlns:p14="http://schemas.microsoft.com/office/powerpoint/2010/main" xmlns:p15="http://schemas.microsoft.com/office/powerpoint/2012/main">
+<p:sld xmlns:a="http://schemas.openxmlformats.org/drawingml/2006/main" xmlns:r="http://schemas.openxmlformats.org/officeDocument/2006/relationships" xmlns:mc="http://schemas.openxmlformats.org/markup-compatibility/2006" xmlns:mv="urn:schemas-microsoft-com:mac:vml" xmlns:p="http://schemas.openxmlformats.org/presentationml/2006/main" xmlns:c="http://schemas.openxmlformats.org/drawingml/2006/chart" xmlns:dgm="http://schemas.openxmlformats.org/drawingml/2006/diagram" xmlns:o="urn:schemas-microsoft-com:office:office" xmlns:v="urn:schemas-microsoft-com:vml" xmlns:pvml="urn:schemas-microsoft-com:office:powerpoint" xmlns:com="http://schemas.openxmlformats.org/drawingml/2006/compatibility" xmlns:p14="http://schemas.microsoft.com/office/powerpoint/2010/main" xmlns:p15="http://schemas.microsoft.com/office/powerpoint/2012/main" xmlns:ahyp="http://schemas.microsoft.com/office/drawing/2018/hyperlinkcolor">
   <p:cSld>
     <p:spTree>
       <p:nvGrpSpPr>
@@ -40891,7 +40915,7 @@
 </file>
 
 <file path=ppt/slides/slide53.xml><?xml version="1.0" encoding="utf-8"?>
-<p:sld xmlns:a="http://schemas.openxmlformats.org/drawingml/2006/main" xmlns:r="http://schemas.openxmlformats.org/officeDocument/2006/relationships" xmlns:mc="http://schemas.openxmlformats.org/markup-compatibility/2006" xmlns:mv="urn:schemas-microsoft-com:mac:vml" xmlns:p="http://schemas.openxmlformats.org/presentationml/2006/main" xmlns:c="http://schemas.openxmlformats.org/drawingml/2006/chart" xmlns:dgm="http://schemas.openxmlformats.org/drawingml/2006/diagram" xmlns:o="urn:schemas-microsoft-com:office:office" xmlns:v="urn:schemas-microsoft-com:vml" xmlns:pvml="urn:schemas-microsoft-com:office:powerpoint" xmlns:com="http://schemas.openxmlformats.org/drawingml/2006/compatibility" xmlns:p14="http://schemas.microsoft.com/office/powerpoint/2010/main" xmlns:p15="http://schemas.microsoft.com/office/powerpoint/2012/main">
+<p:sld xmlns:a="http://schemas.openxmlformats.org/drawingml/2006/main" xmlns:r="http://schemas.openxmlformats.org/officeDocument/2006/relationships" xmlns:mc="http://schemas.openxmlformats.org/markup-compatibility/2006" xmlns:mv="urn:schemas-microsoft-com:mac:vml" xmlns:p="http://schemas.openxmlformats.org/presentationml/2006/main" xmlns:c="http://schemas.openxmlformats.org/drawingml/2006/chart" xmlns:dgm="http://schemas.openxmlformats.org/drawingml/2006/diagram" xmlns:o="urn:schemas-microsoft-com:office:office" xmlns:v="urn:schemas-microsoft-com:vml" xmlns:pvml="urn:schemas-microsoft-com:office:powerpoint" xmlns:com="http://schemas.openxmlformats.org/drawingml/2006/compatibility" xmlns:p14="http://schemas.microsoft.com/office/powerpoint/2010/main" xmlns:p15="http://schemas.microsoft.com/office/powerpoint/2012/main" xmlns:ahyp="http://schemas.microsoft.com/office/drawing/2018/hyperlinkcolor">
   <p:cSld>
     <p:spTree>
       <p:nvGrpSpPr>
@@ -40965,7 +40989,7 @@
 </file>
 
 <file path=ppt/slides/slide6.xml><?xml version="1.0" encoding="utf-8"?>
-<p:sld xmlns:a="http://schemas.openxmlformats.org/drawingml/2006/main" xmlns:r="http://schemas.openxmlformats.org/officeDocument/2006/relationships" xmlns:mc="http://schemas.openxmlformats.org/markup-compatibility/2006" xmlns:mv="urn:schemas-microsoft-com:mac:vml" xmlns:p="http://schemas.openxmlformats.org/presentationml/2006/main" xmlns:c="http://schemas.openxmlformats.org/drawingml/2006/chart" xmlns:dgm="http://schemas.openxmlformats.org/drawingml/2006/diagram" xmlns:o="urn:schemas-microsoft-com:office:office" xmlns:v="urn:schemas-microsoft-com:vml" xmlns:pvml="urn:schemas-microsoft-com:office:powerpoint" xmlns:com="http://schemas.openxmlformats.org/drawingml/2006/compatibility" xmlns:p14="http://schemas.microsoft.com/office/powerpoint/2010/main" xmlns:p15="http://schemas.microsoft.com/office/powerpoint/2012/main">
+<p:sld xmlns:a="http://schemas.openxmlformats.org/drawingml/2006/main" xmlns:r="http://schemas.openxmlformats.org/officeDocument/2006/relationships" xmlns:mc="http://schemas.openxmlformats.org/markup-compatibility/2006" xmlns:mv="urn:schemas-microsoft-com:mac:vml" xmlns:p="http://schemas.openxmlformats.org/presentationml/2006/main" xmlns:c="http://schemas.openxmlformats.org/drawingml/2006/chart" xmlns:dgm="http://schemas.openxmlformats.org/drawingml/2006/diagram" xmlns:o="urn:schemas-microsoft-com:office:office" xmlns:v="urn:schemas-microsoft-com:vml" xmlns:pvml="urn:schemas-microsoft-com:office:powerpoint" xmlns:com="http://schemas.openxmlformats.org/drawingml/2006/compatibility" xmlns:p14="http://schemas.microsoft.com/office/powerpoint/2010/main" xmlns:p15="http://schemas.microsoft.com/office/powerpoint/2012/main" xmlns:ahyp="http://schemas.microsoft.com/office/drawing/2018/hyperlinkcolor">
   <p:cSld>
     <p:spTree>
       <p:nvGrpSpPr>
@@ -41166,7 +41190,7 @@
 </file>
 
 <file path=ppt/slides/slide7.xml><?xml version="1.0" encoding="utf-8"?>
-<p:sld xmlns:a="http://schemas.openxmlformats.org/drawingml/2006/main" xmlns:r="http://schemas.openxmlformats.org/officeDocument/2006/relationships" xmlns:mc="http://schemas.openxmlformats.org/markup-compatibility/2006" xmlns:mv="urn:schemas-microsoft-com:mac:vml" xmlns:p="http://schemas.openxmlformats.org/presentationml/2006/main" xmlns:c="http://schemas.openxmlformats.org/drawingml/2006/chart" xmlns:dgm="http://schemas.openxmlformats.org/drawingml/2006/diagram" xmlns:o="urn:schemas-microsoft-com:office:office" xmlns:v="urn:schemas-microsoft-com:vml" xmlns:pvml="urn:schemas-microsoft-com:office:powerpoint" xmlns:com="http://schemas.openxmlformats.org/drawingml/2006/compatibility" xmlns:p14="http://schemas.microsoft.com/office/powerpoint/2010/main" xmlns:p15="http://schemas.microsoft.com/office/powerpoint/2012/main">
+<p:sld xmlns:a="http://schemas.openxmlformats.org/drawingml/2006/main" xmlns:r="http://schemas.openxmlformats.org/officeDocument/2006/relationships" xmlns:mc="http://schemas.openxmlformats.org/markup-compatibility/2006" xmlns:mv="urn:schemas-microsoft-com:mac:vml" xmlns:p="http://schemas.openxmlformats.org/presentationml/2006/main" xmlns:c="http://schemas.openxmlformats.org/drawingml/2006/chart" xmlns:dgm="http://schemas.openxmlformats.org/drawingml/2006/diagram" xmlns:o="urn:schemas-microsoft-com:office:office" xmlns:v="urn:schemas-microsoft-com:vml" xmlns:pvml="urn:schemas-microsoft-com:office:powerpoint" xmlns:com="http://schemas.openxmlformats.org/drawingml/2006/compatibility" xmlns:p14="http://schemas.microsoft.com/office/powerpoint/2010/main" xmlns:p15="http://schemas.microsoft.com/office/powerpoint/2012/main" xmlns:ahyp="http://schemas.microsoft.com/office/drawing/2018/hyperlinkcolor">
   <p:cSld>
     <p:spTree>
       <p:nvGrpSpPr>
@@ -41281,7 +41305,7 @@
 </file>
 
 <file path=ppt/slides/slide8.xml><?xml version="1.0" encoding="utf-8"?>
-<p:sld xmlns:a="http://schemas.openxmlformats.org/drawingml/2006/main" xmlns:r="http://schemas.openxmlformats.org/officeDocument/2006/relationships" xmlns:mc="http://schemas.openxmlformats.org/markup-compatibility/2006" xmlns:mv="urn:schemas-microsoft-com:mac:vml" xmlns:p="http://schemas.openxmlformats.org/presentationml/2006/main" xmlns:c="http://schemas.openxmlformats.org/drawingml/2006/chart" xmlns:dgm="http://schemas.openxmlformats.org/drawingml/2006/diagram" xmlns:o="urn:schemas-microsoft-com:office:office" xmlns:v="urn:schemas-microsoft-com:vml" xmlns:pvml="urn:schemas-microsoft-com:office:powerpoint" xmlns:com="http://schemas.openxmlformats.org/drawingml/2006/compatibility" xmlns:p14="http://schemas.microsoft.com/office/powerpoint/2010/main" xmlns:p15="http://schemas.microsoft.com/office/powerpoint/2012/main">
+<p:sld xmlns:a="http://schemas.openxmlformats.org/drawingml/2006/main" xmlns:r="http://schemas.openxmlformats.org/officeDocument/2006/relationships" xmlns:mc="http://schemas.openxmlformats.org/markup-compatibility/2006" xmlns:mv="urn:schemas-microsoft-com:mac:vml" xmlns:p="http://schemas.openxmlformats.org/presentationml/2006/main" xmlns:c="http://schemas.openxmlformats.org/drawingml/2006/chart" xmlns:dgm="http://schemas.openxmlformats.org/drawingml/2006/diagram" xmlns:o="urn:schemas-microsoft-com:office:office" xmlns:v="urn:schemas-microsoft-com:vml" xmlns:pvml="urn:schemas-microsoft-com:office:powerpoint" xmlns:com="http://schemas.openxmlformats.org/drawingml/2006/compatibility" xmlns:p14="http://schemas.microsoft.com/office/powerpoint/2010/main" xmlns:p15="http://schemas.microsoft.com/office/powerpoint/2012/main" xmlns:ahyp="http://schemas.microsoft.com/office/drawing/2018/hyperlinkcolor">
   <p:cSld>
     <p:spTree>
       <p:nvGrpSpPr>
@@ -41659,7 +41683,7 @@
 </file>
 
 <file path=ppt/slides/slide9.xml><?xml version="1.0" encoding="utf-8"?>
-<p:sld xmlns:a="http://schemas.openxmlformats.org/drawingml/2006/main" xmlns:r="http://schemas.openxmlformats.org/officeDocument/2006/relationships" xmlns:mc="http://schemas.openxmlformats.org/markup-compatibility/2006" xmlns:mv="urn:schemas-microsoft-com:mac:vml" xmlns:p="http://schemas.openxmlformats.org/presentationml/2006/main" xmlns:c="http://schemas.openxmlformats.org/drawingml/2006/chart" xmlns:dgm="http://schemas.openxmlformats.org/drawingml/2006/diagram" xmlns:o="urn:schemas-microsoft-com:office:office" xmlns:v="urn:schemas-microsoft-com:vml" xmlns:pvml="urn:schemas-microsoft-com:office:powerpoint" xmlns:com="http://schemas.openxmlformats.org/drawingml/2006/compatibility" xmlns:p14="http://schemas.microsoft.com/office/powerpoint/2010/main" xmlns:p15="http://schemas.microsoft.com/office/powerpoint/2012/main">
+<p:sld xmlns:a="http://schemas.openxmlformats.org/drawingml/2006/main" xmlns:r="http://schemas.openxmlformats.org/officeDocument/2006/relationships" xmlns:mc="http://schemas.openxmlformats.org/markup-compatibility/2006" xmlns:mv="urn:schemas-microsoft-com:mac:vml" xmlns:p="http://schemas.openxmlformats.org/presentationml/2006/main" xmlns:c="http://schemas.openxmlformats.org/drawingml/2006/chart" xmlns:dgm="http://schemas.openxmlformats.org/drawingml/2006/diagram" xmlns:o="urn:schemas-microsoft-com:office:office" xmlns:v="urn:schemas-microsoft-com:vml" xmlns:pvml="urn:schemas-microsoft-com:office:powerpoint" xmlns:com="http://schemas.openxmlformats.org/drawingml/2006/compatibility" xmlns:p14="http://schemas.microsoft.com/office/powerpoint/2010/main" xmlns:p15="http://schemas.microsoft.com/office/powerpoint/2012/main" xmlns:ahyp="http://schemas.microsoft.com/office/drawing/2018/hyperlinkcolor">
   <p:cSld>
     <p:spTree>
       <p:nvGrpSpPr>

--- a/pres-source/07-spark-and-adjuncts.pptx
+++ b/pres-source/07-spark-and-adjuncts.pptx
@@ -29348,7 +29348,7 @@
             </a:pPr>
             <a:r>
               <a:rPr lang="en-US" sz="2960"/>
-              <a:t>July 2020</a:t>
+              <a:t>July 2021</a:t>
             </a:r>
             <a:endParaRPr sz="2960"/>
           </a:p>

--- a/pres-source/07-spark-and-adjuncts.pptx
+++ b/pres-source/07-spark-and-adjuncts.pptx
@@ -1,6 +1,6 @@
 
 <file path=ppt/presentation.xml><?xml version="1.0" encoding="utf-8"?>
-<p:presentation xmlns:a="http://schemas.openxmlformats.org/drawingml/2006/main" xmlns:r="http://schemas.openxmlformats.org/officeDocument/2006/relationships" xmlns:mc="http://schemas.openxmlformats.org/markup-compatibility/2006" xmlns:mv="urn:schemas-microsoft-com:mac:vml" xmlns:p="http://schemas.openxmlformats.org/presentationml/2006/main" xmlns:c="http://schemas.openxmlformats.org/drawingml/2006/chart" xmlns:dgm="http://schemas.openxmlformats.org/drawingml/2006/diagram" xmlns:o="urn:schemas-microsoft-com:office:office" xmlns:v="urn:schemas-microsoft-com:vml" xmlns:pvml="urn:schemas-microsoft-com:office:powerpoint" xmlns:com="http://schemas.openxmlformats.org/drawingml/2006/compatibility" xmlns:p14="http://schemas.microsoft.com/office/powerpoint/2010/main" xmlns:p15="http://schemas.microsoft.com/office/powerpoint/2012/main" xmlns:ahyp="http://schemas.microsoft.com/office/drawing/2018/hyperlinkcolor" autoCompressPictures="0" embedTrueTypeFonts="1" strictFirstAndLastChars="0" saveSubsetFonts="1">
+<p:presentation xmlns:a="http://schemas.openxmlformats.org/drawingml/2006/main" xmlns:r="http://schemas.openxmlformats.org/officeDocument/2006/relationships" xmlns:mc="http://schemas.openxmlformats.org/markup-compatibility/2006" xmlns:mv="urn:schemas-microsoft-com:mac:vml" xmlns:p="http://schemas.openxmlformats.org/presentationml/2006/main" xmlns:c="http://schemas.openxmlformats.org/drawingml/2006/chart" xmlns:dgm="http://schemas.openxmlformats.org/drawingml/2006/diagram" xmlns:o="urn:schemas-microsoft-com:office:office" xmlns:v="urn:schemas-microsoft-com:vml" xmlns:pvml="urn:schemas-microsoft-com:office:powerpoint" xmlns:com="http://schemas.openxmlformats.org/drawingml/2006/compatibility" xmlns:p14="http://schemas.microsoft.com/office/powerpoint/2010/main" xmlns:p15="http://schemas.microsoft.com/office/powerpoint/2012/main" xmlns:ahyp="http://schemas.microsoft.com/office/drawing/2018/hyperlinkcolor" autoCompressPictures="0" strictFirstAndLastChars="0" saveSubsetFonts="1">
   <p:sldMasterIdLst>
     <p:sldMasterId id="2147483670" r:id="rId4"/>
     <p:sldMasterId id="2147483671" r:id="rId5"/>
@@ -65,15 +65,6 @@
   </p:sldIdLst>
   <p:sldSz cy="6858000" cx="9144000"/>
   <p:notesSz cx="6858000" cy="9144000"/>
-  <p:embeddedFontLst>
-    <p:embeddedFont>
-      <p:font typeface="Montserrat"/>
-      <p:regular r:id="rId60"/>
-      <p:bold r:id="rId61"/>
-      <p:italic r:id="rId62"/>
-      <p:boldItalic r:id="rId63"/>
-    </p:embeddedFont>
-  </p:embeddedFontLst>
   <p:defaultTextStyle>
     <a:defPPr lvl="0" marR="0" rtl="0" algn="l">
       <a:lnSpc>

--- a/pres-source/07-spark-and-adjuncts.pptx
+++ b/pres-source/07-spark-and-adjuncts.pptx
@@ -1,6 +1,6 @@
 
 <file path=ppt/presentation.xml><?xml version="1.0" encoding="utf-8"?>
-<p:presentation xmlns:a="http://schemas.openxmlformats.org/drawingml/2006/main" xmlns:r="http://schemas.openxmlformats.org/officeDocument/2006/relationships" xmlns:mc="http://schemas.openxmlformats.org/markup-compatibility/2006" xmlns:mv="urn:schemas-microsoft-com:mac:vml" xmlns:p="http://schemas.openxmlformats.org/presentationml/2006/main" xmlns:c="http://schemas.openxmlformats.org/drawingml/2006/chart" xmlns:dgm="http://schemas.openxmlformats.org/drawingml/2006/diagram" xmlns:o="urn:schemas-microsoft-com:office:office" xmlns:v="urn:schemas-microsoft-com:vml" xmlns:pvml="urn:schemas-microsoft-com:office:powerpoint" xmlns:com="http://schemas.openxmlformats.org/drawingml/2006/compatibility" xmlns:p14="http://schemas.microsoft.com/office/powerpoint/2010/main" xmlns:p15="http://schemas.microsoft.com/office/powerpoint/2012/main" xmlns:ahyp="http://schemas.microsoft.com/office/drawing/2018/hyperlinkcolor" autoCompressPictures="0" strictFirstAndLastChars="0" saveSubsetFonts="1">
+<p:presentation xmlns:a="http://schemas.openxmlformats.org/drawingml/2006/main" xmlns:r="http://schemas.openxmlformats.org/officeDocument/2006/relationships" xmlns:mc="http://schemas.openxmlformats.org/markup-compatibility/2006" xmlns:mv="urn:schemas-microsoft-com:mac:vml" xmlns:p="http://schemas.openxmlformats.org/presentationml/2006/main" xmlns:c="http://schemas.openxmlformats.org/drawingml/2006/chart" xmlns:dgm="http://schemas.openxmlformats.org/drawingml/2006/diagram" xmlns:o="urn:schemas-microsoft-com:office:office" xmlns:v="urn:schemas-microsoft-com:vml" xmlns:pvml="urn:schemas-microsoft-com:office:powerpoint" xmlns:com="http://schemas.openxmlformats.org/drawingml/2006/compatibility" xmlns:p14="http://schemas.microsoft.com/office/powerpoint/2010/main" xmlns:p15="http://schemas.microsoft.com/office/powerpoint/2012/main" xmlns:ahyp="http://schemas.microsoft.com/office/drawing/2018/hyperlinkcolor" autoCompressPictures="0" embedTrueTypeFonts="1" strictFirstAndLastChars="0" saveSubsetFonts="1">
   <p:sldMasterIdLst>
     <p:sldMasterId id="2147483670" r:id="rId4"/>
     <p:sldMasterId id="2147483671" r:id="rId5"/>
@@ -65,6 +65,15 @@
   </p:sldIdLst>
   <p:sldSz cy="6858000" cx="9144000"/>
   <p:notesSz cx="6858000" cy="9144000"/>
+  <p:embeddedFontLst>
+    <p:embeddedFont>
+      <p:font typeface="Montserrat"/>
+      <p:regular r:id="rId60"/>
+      <p:bold r:id="rId61"/>
+      <p:italic r:id="rId62"/>
+      <p:boldItalic r:id="rId63"/>
+    </p:embeddedFont>
+  </p:embeddedFontLst>
   <p:defaultTextStyle>
     <a:defPPr lvl="0" marR="0" rtl="0" algn="l">
       <a:lnSpc>
